--- a/lectures/DJ-03-One-To-Many.pptx
+++ b/lectures/DJ-03-One-To-Many.pptx
@@ -224,7 +224,7 @@
           <a:p>
             <a:fld id="{C97B56FC-7D2E-F343-9D09-0D14B00AA564}" type="datetimeFigureOut">
               <a:rPr lang="en-US" smtClean="0"/>
-              <a:t>2/8/19</a:t>
+              <a:t>3/14/19</a:t>
             </a:fld>
             <a:endParaRPr lang="en-US"/>
           </a:p>
@@ -670,7 +670,7 @@
               <ma14:placeholderFlag xmlns:ma14="http://schemas.microsoft.com/office/mac/drawingml/2011/main" val="1"/>
             </a:ext>
             <a:ext uri="{909E8E84-426E-40dd-AFC4-6F175D3DCCD1}">
-              <a14:hiddenFill xmlns:a14="http://schemas.microsoft.com/office/drawing/2010/main" xmlns="">
+              <a14:hiddenFill xmlns="" xmlns:a14="http://schemas.microsoft.com/office/drawing/2010/main">
                 <a:solidFill>
                   <a:srgbClr val="FFFFFF"/>
                 </a:solidFill>
@@ -695,14 +695,14 @@
               <ma14:placeholderFlag xmlns:ma14="http://schemas.microsoft.com/office/mac/drawingml/2011/main" val="1"/>
             </a:ext>
             <a:ext uri="{909E8E84-426E-40dd-AFC4-6F175D3DCCD1}">
-              <a14:hiddenFill xmlns:a14="http://schemas.microsoft.com/office/drawing/2010/main" xmlns="">
+              <a14:hiddenFill xmlns="" xmlns:a14="http://schemas.microsoft.com/office/drawing/2010/main">
                 <a:solidFill>
                   <a:srgbClr val="FFFFFF"/>
                 </a:solidFill>
               </a14:hiddenFill>
             </a:ext>
             <a:ext uri="{91240B29-F687-4f45-9708-019B960494DF}">
-              <a14:hiddenLine xmlns:a14="http://schemas.microsoft.com/office/drawing/2010/main" xmlns="" w="9525">
+              <a14:hiddenLine xmlns="" xmlns:a14="http://schemas.microsoft.com/office/drawing/2010/main" w="9525">
                 <a:solidFill>
                   <a:srgbClr val="000000"/>
                 </a:solidFill>
@@ -751,14 +751,14 @@
           <a:noFill/>
           <a:extLst>
             <a:ext uri="{909E8E84-426E-40dd-AFC4-6F175D3DCCD1}">
-              <a14:hiddenFill xmlns:a14="http://schemas.microsoft.com/office/drawing/2010/main" xmlns="">
+              <a14:hiddenFill xmlns="" xmlns:a14="http://schemas.microsoft.com/office/drawing/2010/main">
                 <a:solidFill>
                   <a:srgbClr val="FFFFFF"/>
                 </a:solidFill>
               </a14:hiddenFill>
             </a:ext>
             <a:ext uri="{91240B29-F687-4f45-9708-019B960494DF}">
-              <a14:hiddenLine xmlns:a14="http://schemas.microsoft.com/office/drawing/2010/main" xmlns="" w="9525">
+              <a14:hiddenLine xmlns="" xmlns:a14="http://schemas.microsoft.com/office/drawing/2010/main" w="9525">
                 <a:solidFill>
                   <a:srgbClr val="000000"/>
                 </a:solidFill>
@@ -983,7 +983,7 @@
               <ma14:placeholderFlag xmlns:ma14="http://schemas.microsoft.com/office/mac/drawingml/2011/main" val="1"/>
             </a:ext>
             <a:ext uri="{909E8E84-426E-40dd-AFC4-6F175D3DCCD1}">
-              <a14:hiddenFill xmlns:a14="http://schemas.microsoft.com/office/drawing/2010/main" xmlns="">
+              <a14:hiddenFill xmlns="" xmlns:a14="http://schemas.microsoft.com/office/drawing/2010/main">
                 <a:solidFill>
                   <a:srgbClr val="FFFFFF"/>
                 </a:solidFill>
@@ -1008,14 +1008,14 @@
               <ma14:placeholderFlag xmlns:ma14="http://schemas.microsoft.com/office/mac/drawingml/2011/main" val="1"/>
             </a:ext>
             <a:ext uri="{909E8E84-426E-40dd-AFC4-6F175D3DCCD1}">
-              <a14:hiddenFill xmlns:a14="http://schemas.microsoft.com/office/drawing/2010/main" xmlns="">
+              <a14:hiddenFill xmlns="" xmlns:a14="http://schemas.microsoft.com/office/drawing/2010/main">
                 <a:solidFill>
                   <a:srgbClr val="FFFFFF"/>
                 </a:solidFill>
               </a14:hiddenFill>
             </a:ext>
             <a:ext uri="{91240B29-F687-4f45-9708-019B960494DF}">
-              <a14:hiddenLine xmlns:a14="http://schemas.microsoft.com/office/drawing/2010/main" xmlns="" w="9525">
+              <a14:hiddenLine xmlns="" xmlns:a14="http://schemas.microsoft.com/office/drawing/2010/main" w="9525">
                 <a:solidFill>
                   <a:srgbClr val="000000"/>
                 </a:solidFill>
@@ -1064,14 +1064,14 @@
           <a:noFill/>
           <a:extLst>
             <a:ext uri="{909E8E84-426E-40dd-AFC4-6F175D3DCCD1}">
-              <a14:hiddenFill xmlns:a14="http://schemas.microsoft.com/office/drawing/2010/main" xmlns="">
+              <a14:hiddenFill xmlns="" xmlns:a14="http://schemas.microsoft.com/office/drawing/2010/main">
                 <a:solidFill>
                   <a:srgbClr val="FFFFFF"/>
                 </a:solidFill>
               </a14:hiddenFill>
             </a:ext>
             <a:ext uri="{91240B29-F687-4f45-9708-019B960494DF}">
-              <a14:hiddenLine xmlns:a14="http://schemas.microsoft.com/office/drawing/2010/main" xmlns="" w="9525">
+              <a14:hiddenLine xmlns="" xmlns:a14="http://schemas.microsoft.com/office/drawing/2010/main" w="9525">
                 <a:solidFill>
                   <a:srgbClr val="000000"/>
                 </a:solidFill>
@@ -4237,7 +4237,7 @@
           <a:p>
             <a:fld id="{EEE7C04C-7AF8-1445-A186-502B631B934F}" type="datetimeFigureOut">
               <a:rPr lang="en-US" smtClean="0"/>
-              <a:t>2/8/19</a:t>
+              <a:t>3/14/19</a:t>
             </a:fld>
             <a:endParaRPr lang="en-US"/>
           </a:p>
@@ -4402,7 +4402,7 @@
           <a:p>
             <a:fld id="{EEE7C04C-7AF8-1445-A186-502B631B934F}" type="datetimeFigureOut">
               <a:rPr lang="en-US" smtClean="0"/>
-              <a:t>2/8/19</a:t>
+              <a:t>3/14/19</a:t>
             </a:fld>
             <a:endParaRPr lang="en-US"/>
           </a:p>
@@ -4577,7 +4577,7 @@
           <a:p>
             <a:fld id="{EEE7C04C-7AF8-1445-A186-502B631B934F}" type="datetimeFigureOut">
               <a:rPr lang="en-US" smtClean="0"/>
-              <a:t>2/8/19</a:t>
+              <a:t>3/14/19</a:t>
             </a:fld>
             <a:endParaRPr lang="en-US"/>
           </a:p>
@@ -4742,7 +4742,7 @@
           <a:p>
             <a:fld id="{EEE7C04C-7AF8-1445-A186-502B631B934F}" type="datetimeFigureOut">
               <a:rPr lang="en-US" smtClean="0"/>
-              <a:t>2/8/19</a:t>
+              <a:t>3/14/19</a:t>
             </a:fld>
             <a:endParaRPr lang="en-US"/>
           </a:p>
@@ -4983,7 +4983,7 @@
           <a:p>
             <a:fld id="{EEE7C04C-7AF8-1445-A186-502B631B934F}" type="datetimeFigureOut">
               <a:rPr lang="en-US" smtClean="0"/>
-              <a:t>2/8/19</a:t>
+              <a:t>3/14/19</a:t>
             </a:fld>
             <a:endParaRPr lang="en-US"/>
           </a:p>
@@ -5210,7 +5210,7 @@
           <a:p>
             <a:fld id="{EEE7C04C-7AF8-1445-A186-502B631B934F}" type="datetimeFigureOut">
               <a:rPr lang="en-US" smtClean="0"/>
-              <a:t>2/8/19</a:t>
+              <a:t>3/14/19</a:t>
             </a:fld>
             <a:endParaRPr lang="en-US"/>
           </a:p>
@@ -5572,7 +5572,7 @@
           <a:p>
             <a:fld id="{EEE7C04C-7AF8-1445-A186-502B631B934F}" type="datetimeFigureOut">
               <a:rPr lang="en-US" smtClean="0"/>
-              <a:t>2/8/19</a:t>
+              <a:t>3/14/19</a:t>
             </a:fld>
             <a:endParaRPr lang="en-US"/>
           </a:p>
@@ -5685,7 +5685,7 @@
           <a:p>
             <a:fld id="{EEE7C04C-7AF8-1445-A186-502B631B934F}" type="datetimeFigureOut">
               <a:rPr lang="en-US" smtClean="0"/>
-              <a:t>2/8/19</a:t>
+              <a:t>3/14/19</a:t>
             </a:fld>
             <a:endParaRPr lang="en-US"/>
           </a:p>
@@ -5775,7 +5775,7 @@
           <a:p>
             <a:fld id="{EEE7C04C-7AF8-1445-A186-502B631B934F}" type="datetimeFigureOut">
               <a:rPr lang="en-US" smtClean="0"/>
-              <a:t>2/8/19</a:t>
+              <a:t>3/14/19</a:t>
             </a:fld>
             <a:endParaRPr lang="en-US"/>
           </a:p>
@@ -6047,7 +6047,7 @@
           <a:p>
             <a:fld id="{EEE7C04C-7AF8-1445-A186-502B631B934F}" type="datetimeFigureOut">
               <a:rPr lang="en-US" smtClean="0"/>
-              <a:t>2/8/19</a:t>
+              <a:t>3/14/19</a:t>
             </a:fld>
             <a:endParaRPr lang="en-US"/>
           </a:p>
@@ -6299,7 +6299,7 @@
           <a:p>
             <a:fld id="{EEE7C04C-7AF8-1445-A186-502B631B934F}" type="datetimeFigureOut">
               <a:rPr lang="en-US" smtClean="0"/>
-              <a:t>2/8/19</a:t>
+              <a:t>3/14/19</a:t>
             </a:fld>
             <a:endParaRPr lang="en-US"/>
           </a:p>
@@ -6507,7 +6507,7 @@
           <a:p>
             <a:fld id="{EEE7C04C-7AF8-1445-A186-502B631B934F}" type="datetimeFigureOut">
               <a:rPr lang="en-US" smtClean="0"/>
-              <a:t>2/8/19</a:t>
+              <a:t>3/14/19</a:t>
             </a:fld>
             <a:endParaRPr lang="en-US"/>
           </a:p>
@@ -6925,10 +6925,10 @@
           <p:cNvPr id="10" name="Rectangle 9">
             <a:extLst>
               <a:ext uri="{FF2B5EF4-FFF2-40B4-BE49-F238E27FC236}">
-                <a16:creationId xmlns:a16="http://schemas.microsoft.com/office/drawing/2014/main" xmlns="" id="{E20EB187-900F-4AF5-813B-101456D9FD39}"/>
+                <a16:creationId xmlns="" xmlns:a16="http://schemas.microsoft.com/office/drawing/2014/main" id="{E20EB187-900F-4AF5-813B-101456D9FD39}"/>
               </a:ext>
               <a:ext uri="{C183D7F6-B498-43B3-948B-1728B52AA6E4}">
-                <adec:decorative xmlns:adec="http://schemas.microsoft.com/office/drawing/2017/decorative" xmlns="" val="1"/>
+                <adec:decorative xmlns="" xmlns:adec="http://schemas.microsoft.com/office/drawing/2017/decorative" val="1"/>
               </a:ext>
             </a:extLst>
           </p:cNvPr>
@@ -7109,10 +7109,10 @@
           <p:cNvPr id="12" name="Straight Connector 11">
             <a:extLst>
               <a:ext uri="{FF2B5EF4-FFF2-40B4-BE49-F238E27FC236}">
-                <a16:creationId xmlns:a16="http://schemas.microsoft.com/office/drawing/2014/main" xmlns="" id="{624D17C8-E9C2-48A4-AA36-D7048A6CCC41}"/>
+                <a16:creationId xmlns="" xmlns:a16="http://schemas.microsoft.com/office/drawing/2014/main" id="{624D17C8-E9C2-48A4-AA36-D7048A6CCC41}"/>
               </a:ext>
               <a:ext uri="{C183D7F6-B498-43B3-948B-1728B52AA6E4}">
-                <adec:decorative xmlns:adec="http://schemas.microsoft.com/office/drawing/2017/decorative" xmlns="" val="1"/>
+                <adec:decorative xmlns="" xmlns:adec="http://schemas.microsoft.com/office/drawing/2017/decorative" val="1"/>
               </a:ext>
             </a:extLst>
           </p:cNvPr>
@@ -7801,14 +7801,14 @@
           </a:ln>
           <a:extLst>
             <a:ext uri="{909E8E84-426E-40dd-AFC4-6F175D3DCCD1}">
-              <a14:hiddenFill xmlns:a14="http://schemas.microsoft.com/office/drawing/2010/main" xmlns="">
+              <a14:hiddenFill xmlns="" xmlns:a14="http://schemas.microsoft.com/office/drawing/2010/main">
                 <a:solidFill>
                   <a:srgbClr val="FFFFFF"/>
                 </a:solidFill>
               </a14:hiddenFill>
             </a:ext>
             <a:ext uri="{91240B29-F687-4f45-9708-019B960494DF}">
-              <a14:hiddenLine xmlns:a14="http://schemas.microsoft.com/office/drawing/2010/main" xmlns="" w="12700">
+              <a14:hiddenLine xmlns="" xmlns:a14="http://schemas.microsoft.com/office/drawing/2010/main" w="12700">
                 <a:solidFill>
                   <a:srgbClr val="000000"/>
                 </a:solidFill>
@@ -7879,14 +7879,14 @@
           </a:ln>
           <a:extLst>
             <a:ext uri="{909E8E84-426E-40dd-AFC4-6F175D3DCCD1}">
-              <a14:hiddenFill xmlns:a14="http://schemas.microsoft.com/office/drawing/2010/main" xmlns="">
+              <a14:hiddenFill xmlns="" xmlns:a14="http://schemas.microsoft.com/office/drawing/2010/main">
                 <a:solidFill>
                   <a:srgbClr val="FFFFFF"/>
                 </a:solidFill>
               </a14:hiddenFill>
             </a:ext>
             <a:ext uri="{91240B29-F687-4f45-9708-019B960494DF}">
-              <a14:hiddenLine xmlns:a14="http://schemas.microsoft.com/office/drawing/2010/main" xmlns="" w="12700">
+              <a14:hiddenLine xmlns="" xmlns:a14="http://schemas.microsoft.com/office/drawing/2010/main" w="12700">
                 <a:solidFill>
                   <a:srgbClr val="000000"/>
                 </a:solidFill>
@@ -8055,14 +8055,14 @@
           </a:ln>
           <a:extLst>
             <a:ext uri="{909E8E84-426E-40dd-AFC4-6F175D3DCCD1}">
-              <a14:hiddenFill xmlns:a14="http://schemas.microsoft.com/office/drawing/2010/main" xmlns="">
+              <a14:hiddenFill xmlns="" xmlns:a14="http://schemas.microsoft.com/office/drawing/2010/main">
                 <a:solidFill>
                   <a:srgbClr val="FFFFFF"/>
                 </a:solidFill>
               </a14:hiddenFill>
             </a:ext>
             <a:ext uri="{91240B29-F687-4f45-9708-019B960494DF}">
-              <a14:hiddenLine xmlns:a14="http://schemas.microsoft.com/office/drawing/2010/main" xmlns="" w="12700">
+              <a14:hiddenLine xmlns="" xmlns:a14="http://schemas.microsoft.com/office/drawing/2010/main" w="12700">
                 <a:solidFill>
                   <a:srgbClr val="000000"/>
                 </a:solidFill>
@@ -8231,14 +8231,14 @@
           </a:ln>
           <a:extLst>
             <a:ext uri="{909E8E84-426E-40dd-AFC4-6F175D3DCCD1}">
-              <a14:hiddenFill xmlns:a14="http://schemas.microsoft.com/office/drawing/2010/main" xmlns="">
+              <a14:hiddenFill xmlns="" xmlns:a14="http://schemas.microsoft.com/office/drawing/2010/main">
                 <a:solidFill>
                   <a:srgbClr val="FFFFFF"/>
                 </a:solidFill>
               </a14:hiddenFill>
             </a:ext>
             <a:ext uri="{91240B29-F687-4f45-9708-019B960494DF}">
-              <a14:hiddenLine xmlns:a14="http://schemas.microsoft.com/office/drawing/2010/main" xmlns="" w="12700">
+              <a14:hiddenLine xmlns="" xmlns:a14="http://schemas.microsoft.com/office/drawing/2010/main" w="12700">
                 <a:solidFill>
                   <a:srgbClr val="000000"/>
                 </a:solidFill>
@@ -8407,14 +8407,14 @@
           </a:ln>
           <a:extLst>
             <a:ext uri="{909E8E84-426E-40dd-AFC4-6F175D3DCCD1}">
-              <a14:hiddenFill xmlns:a14="http://schemas.microsoft.com/office/drawing/2010/main" xmlns="">
+              <a14:hiddenFill xmlns="" xmlns:a14="http://schemas.microsoft.com/office/drawing/2010/main">
                 <a:solidFill>
                   <a:srgbClr val="FFFFFF"/>
                 </a:solidFill>
               </a14:hiddenFill>
             </a:ext>
             <a:ext uri="{91240B29-F687-4f45-9708-019B960494DF}">
-              <a14:hiddenLine xmlns:a14="http://schemas.microsoft.com/office/drawing/2010/main" xmlns="" w="12700">
+              <a14:hiddenLine xmlns="" xmlns:a14="http://schemas.microsoft.com/office/drawing/2010/main" w="12700">
                 <a:solidFill>
                   <a:srgbClr val="000000"/>
                 </a:solidFill>
@@ -8599,14 +8599,14 @@
             </a:ln>
             <a:extLst>
               <a:ext uri="{909E8E84-426E-40dd-AFC4-6F175D3DCCD1}">
-                <a14:hiddenFill xmlns:a14="http://schemas.microsoft.com/office/drawing/2010/main" xmlns="">
+                <a14:hiddenFill xmlns="" xmlns:a14="http://schemas.microsoft.com/office/drawing/2010/main">
                   <a:solidFill>
                     <a:srgbClr val="FFFFFF"/>
                   </a:solidFill>
                 </a14:hiddenFill>
               </a:ext>
               <a:ext uri="{91240B29-F687-4f45-9708-019B960494DF}">
-                <a14:hiddenLine xmlns:a14="http://schemas.microsoft.com/office/drawing/2010/main" xmlns="" w="12700">
+                <a14:hiddenLine xmlns="" xmlns:a14="http://schemas.microsoft.com/office/drawing/2010/main" w="12700">
                   <a:solidFill>
                     <a:srgbClr val="000000"/>
                   </a:solidFill>
@@ -8775,14 +8775,14 @@
             </a:ln>
             <a:extLst>
               <a:ext uri="{909E8E84-426E-40dd-AFC4-6F175D3DCCD1}">
-                <a14:hiddenFill xmlns:a14="http://schemas.microsoft.com/office/drawing/2010/main" xmlns="">
+                <a14:hiddenFill xmlns="" xmlns:a14="http://schemas.microsoft.com/office/drawing/2010/main">
                   <a:solidFill>
                     <a:srgbClr val="FFFFFF"/>
                   </a:solidFill>
                 </a14:hiddenFill>
               </a:ext>
               <a:ext uri="{91240B29-F687-4f45-9708-019B960494DF}">
-                <a14:hiddenLine xmlns:a14="http://schemas.microsoft.com/office/drawing/2010/main" xmlns="" w="12700">
+                <a14:hiddenLine xmlns="" xmlns:a14="http://schemas.microsoft.com/office/drawing/2010/main" w="12700">
                   <a:solidFill>
                     <a:srgbClr val="000000"/>
                   </a:solidFill>
@@ -8951,14 +8951,14 @@
             </a:ln>
             <a:extLst>
               <a:ext uri="{909E8E84-426E-40dd-AFC4-6F175D3DCCD1}">
-                <a14:hiddenFill xmlns:a14="http://schemas.microsoft.com/office/drawing/2010/main" xmlns="">
+                <a14:hiddenFill xmlns="" xmlns:a14="http://schemas.microsoft.com/office/drawing/2010/main">
                   <a:solidFill>
                     <a:srgbClr val="FFFFFF"/>
                   </a:solidFill>
                 </a14:hiddenFill>
               </a:ext>
               <a:ext uri="{91240B29-F687-4f45-9708-019B960494DF}">
-                <a14:hiddenLine xmlns:a14="http://schemas.microsoft.com/office/drawing/2010/main" xmlns="" w="12700">
+                <a14:hiddenLine xmlns="" xmlns:a14="http://schemas.microsoft.com/office/drawing/2010/main" w="12700">
                   <a:solidFill>
                     <a:srgbClr val="000000"/>
                   </a:solidFill>
@@ -9141,14 +9141,14 @@
           </a:ln>
           <a:extLst>
             <a:ext uri="{909E8E84-426E-40dd-AFC4-6F175D3DCCD1}">
-              <a14:hiddenFill xmlns:a14="http://schemas.microsoft.com/office/drawing/2010/main" xmlns="">
+              <a14:hiddenFill xmlns="" xmlns:a14="http://schemas.microsoft.com/office/drawing/2010/main">
                 <a:solidFill>
                   <a:srgbClr val="FFFFFF"/>
                 </a:solidFill>
               </a14:hiddenFill>
             </a:ext>
             <a:ext uri="{91240B29-F687-4f45-9708-019B960494DF}">
-              <a14:hiddenLine xmlns:a14="http://schemas.microsoft.com/office/drawing/2010/main" xmlns="" w="12700">
+              <a14:hiddenLine xmlns="" xmlns:a14="http://schemas.microsoft.com/office/drawing/2010/main" w="12700">
                 <a:solidFill>
                   <a:srgbClr val="000000"/>
                 </a:solidFill>
@@ -9412,14 +9412,14 @@
           </a:ln>
           <a:extLst>
             <a:ext uri="{909E8E84-426E-40dd-AFC4-6F175D3DCCD1}">
-              <a14:hiddenFill xmlns:a14="http://schemas.microsoft.com/office/drawing/2010/main" xmlns="">
+              <a14:hiddenFill xmlns="" xmlns:a14="http://schemas.microsoft.com/office/drawing/2010/main">
                 <a:solidFill>
                   <a:srgbClr val="FFFFFF"/>
                 </a:solidFill>
               </a14:hiddenFill>
             </a:ext>
             <a:ext uri="{91240B29-F687-4f45-9708-019B960494DF}">
-              <a14:hiddenLine xmlns:a14="http://schemas.microsoft.com/office/drawing/2010/main" xmlns="" w="12700">
+              <a14:hiddenLine xmlns="" xmlns:a14="http://schemas.microsoft.com/office/drawing/2010/main" w="12700">
                 <a:solidFill>
                   <a:srgbClr val="000000"/>
                 </a:solidFill>
@@ -9588,14 +9588,14 @@
           </a:ln>
           <a:extLst>
             <a:ext uri="{909E8E84-426E-40dd-AFC4-6F175D3DCCD1}">
-              <a14:hiddenFill xmlns:a14="http://schemas.microsoft.com/office/drawing/2010/main" xmlns="">
+              <a14:hiddenFill xmlns="" xmlns:a14="http://schemas.microsoft.com/office/drawing/2010/main">
                 <a:solidFill>
                   <a:srgbClr val="FFFFFF"/>
                 </a:solidFill>
               </a14:hiddenFill>
             </a:ext>
             <a:ext uri="{91240B29-F687-4f45-9708-019B960494DF}">
-              <a14:hiddenLine xmlns:a14="http://schemas.microsoft.com/office/drawing/2010/main" xmlns="" w="12700">
+              <a14:hiddenLine xmlns="" xmlns:a14="http://schemas.microsoft.com/office/drawing/2010/main" w="12700">
                 <a:solidFill>
                   <a:srgbClr val="000000"/>
                 </a:solidFill>
@@ -9764,14 +9764,14 @@
           </a:ln>
           <a:extLst>
             <a:ext uri="{909E8E84-426E-40dd-AFC4-6F175D3DCCD1}">
-              <a14:hiddenFill xmlns:a14="http://schemas.microsoft.com/office/drawing/2010/main" xmlns="">
+              <a14:hiddenFill xmlns="" xmlns:a14="http://schemas.microsoft.com/office/drawing/2010/main">
                 <a:solidFill>
                   <a:srgbClr val="FFFFFF"/>
                 </a:solidFill>
               </a14:hiddenFill>
             </a:ext>
             <a:ext uri="{91240B29-F687-4f45-9708-019B960494DF}">
-              <a14:hiddenLine xmlns:a14="http://schemas.microsoft.com/office/drawing/2010/main" xmlns="" w="12700">
+              <a14:hiddenLine xmlns="" xmlns:a14="http://schemas.microsoft.com/office/drawing/2010/main" w="12700">
                 <a:solidFill>
                   <a:srgbClr val="000000"/>
                 </a:solidFill>
@@ -9940,14 +9940,14 @@
           </a:ln>
           <a:extLst>
             <a:ext uri="{909E8E84-426E-40dd-AFC4-6F175D3DCCD1}">
-              <a14:hiddenFill xmlns:a14="http://schemas.microsoft.com/office/drawing/2010/main" xmlns="">
+              <a14:hiddenFill xmlns="" xmlns:a14="http://schemas.microsoft.com/office/drawing/2010/main">
                 <a:solidFill>
                   <a:srgbClr val="FFFFFF"/>
                 </a:solidFill>
               </a14:hiddenFill>
             </a:ext>
             <a:ext uri="{91240B29-F687-4f45-9708-019B960494DF}">
-              <a14:hiddenLine xmlns:a14="http://schemas.microsoft.com/office/drawing/2010/main" xmlns="" w="12700">
+              <a14:hiddenLine xmlns="" xmlns:a14="http://schemas.microsoft.com/office/drawing/2010/main" w="12700">
                 <a:solidFill>
                   <a:srgbClr val="000000"/>
                 </a:solidFill>
@@ -10132,14 +10132,14 @@
             </a:ln>
             <a:extLst>
               <a:ext uri="{909E8E84-426E-40dd-AFC4-6F175D3DCCD1}">
-                <a14:hiddenFill xmlns:a14="http://schemas.microsoft.com/office/drawing/2010/main" xmlns="">
+                <a14:hiddenFill xmlns="" xmlns:a14="http://schemas.microsoft.com/office/drawing/2010/main">
                   <a:solidFill>
                     <a:srgbClr val="FFFFFF"/>
                   </a:solidFill>
                 </a14:hiddenFill>
               </a:ext>
               <a:ext uri="{91240B29-F687-4f45-9708-019B960494DF}">
-                <a14:hiddenLine xmlns:a14="http://schemas.microsoft.com/office/drawing/2010/main" xmlns="" w="12700">
+                <a14:hiddenLine xmlns="" xmlns:a14="http://schemas.microsoft.com/office/drawing/2010/main" w="12700">
                   <a:solidFill>
                     <a:srgbClr val="000000"/>
                   </a:solidFill>
@@ -10308,14 +10308,14 @@
             </a:ln>
             <a:extLst>
               <a:ext uri="{909E8E84-426E-40dd-AFC4-6F175D3DCCD1}">
-                <a14:hiddenFill xmlns:a14="http://schemas.microsoft.com/office/drawing/2010/main" xmlns="">
+                <a14:hiddenFill xmlns="" xmlns:a14="http://schemas.microsoft.com/office/drawing/2010/main">
                   <a:solidFill>
                     <a:srgbClr val="FFFFFF"/>
                   </a:solidFill>
                 </a14:hiddenFill>
               </a:ext>
               <a:ext uri="{91240B29-F687-4f45-9708-019B960494DF}">
-                <a14:hiddenLine xmlns:a14="http://schemas.microsoft.com/office/drawing/2010/main" xmlns="" w="12700">
+                <a14:hiddenLine xmlns="" xmlns:a14="http://schemas.microsoft.com/office/drawing/2010/main" w="12700">
                   <a:solidFill>
                     <a:srgbClr val="000000"/>
                   </a:solidFill>
@@ -10484,14 +10484,14 @@
             </a:ln>
             <a:extLst>
               <a:ext uri="{909E8E84-426E-40dd-AFC4-6F175D3DCCD1}">
-                <a14:hiddenFill xmlns:a14="http://schemas.microsoft.com/office/drawing/2010/main" xmlns="">
+                <a14:hiddenFill xmlns="" xmlns:a14="http://schemas.microsoft.com/office/drawing/2010/main">
                   <a:solidFill>
                     <a:srgbClr val="FFFFFF"/>
                   </a:solidFill>
                 </a14:hiddenFill>
               </a:ext>
               <a:ext uri="{91240B29-F687-4f45-9708-019B960494DF}">
-                <a14:hiddenLine xmlns:a14="http://schemas.microsoft.com/office/drawing/2010/main" xmlns="" w="12700">
+                <a14:hiddenLine xmlns="" xmlns:a14="http://schemas.microsoft.com/office/drawing/2010/main" w="12700">
                   <a:solidFill>
                     <a:srgbClr val="000000"/>
                   </a:solidFill>
@@ -10666,7 +10666,7 @@
           </a:ln>
           <a:extLst>
             <a:ext uri="{909E8E84-426E-40dd-AFC4-6F175D3DCCD1}">
-              <a14:hiddenFill xmlns:a14="http://schemas.microsoft.com/office/drawing/2010/main" xmlns="">
+              <a14:hiddenFill xmlns="" xmlns:a14="http://schemas.microsoft.com/office/drawing/2010/main">
                 <a:solidFill>
                   <a:srgbClr val="FFFFFF"/>
                 </a:solidFill>
@@ -10883,7 +10883,7 @@
           </a:ln>
           <a:extLst>
             <a:ext uri="{909E8E84-426E-40dd-AFC4-6F175D3DCCD1}">
-              <a14:hiddenFill xmlns:a14="http://schemas.microsoft.com/office/drawing/2010/main" xmlns="">
+              <a14:hiddenFill xmlns="" xmlns:a14="http://schemas.microsoft.com/office/drawing/2010/main">
                 <a:solidFill>
                   <a:srgbClr val="FFFFFF"/>
                 </a:solidFill>
@@ -11051,7 +11051,7 @@
           </a:ln>
           <a:extLst>
             <a:ext uri="{909E8E84-426E-40dd-AFC4-6F175D3DCCD1}">
-              <a14:hiddenFill xmlns:a14="http://schemas.microsoft.com/office/drawing/2010/main" xmlns="">
+              <a14:hiddenFill xmlns="" xmlns:a14="http://schemas.microsoft.com/office/drawing/2010/main">
                 <a:noFill/>
               </a14:hiddenFill>
             </a:ext>
@@ -11090,14 +11090,14 @@
           </a:ln>
           <a:extLst>
             <a:ext uri="{909E8E84-426E-40dd-AFC4-6F175D3DCCD1}">
-              <a14:hiddenFill xmlns:a14="http://schemas.microsoft.com/office/drawing/2010/main" xmlns="">
+              <a14:hiddenFill xmlns="" xmlns:a14="http://schemas.microsoft.com/office/drawing/2010/main">
                 <a:solidFill>
                   <a:srgbClr val="FFFFFF"/>
                 </a:solidFill>
               </a14:hiddenFill>
             </a:ext>
             <a:ext uri="{91240B29-F687-4f45-9708-019B960494DF}">
-              <a14:hiddenLine xmlns:a14="http://schemas.microsoft.com/office/drawing/2010/main" xmlns="" w="12700">
+              <a14:hiddenLine xmlns="" xmlns:a14="http://schemas.microsoft.com/office/drawing/2010/main" w="12700">
                 <a:solidFill>
                   <a:srgbClr val="000000"/>
                 </a:solidFill>
@@ -11271,7 +11271,7 @@
           </a:ln>
           <a:extLst>
             <a:ext uri="{909E8E84-426E-40dd-AFC4-6F175D3DCCD1}">
-              <a14:hiddenFill xmlns:a14="http://schemas.microsoft.com/office/drawing/2010/main" xmlns="">
+              <a14:hiddenFill xmlns="" xmlns:a14="http://schemas.microsoft.com/office/drawing/2010/main">
                 <a:solidFill>
                   <a:srgbClr val="FFFFFF"/>
                 </a:solidFill>
@@ -11439,7 +11439,7 @@
           </a:ln>
           <a:extLst>
             <a:ext uri="{909E8E84-426E-40dd-AFC4-6F175D3DCCD1}">
-              <a14:hiddenFill xmlns:a14="http://schemas.microsoft.com/office/drawing/2010/main" xmlns="">
+              <a14:hiddenFill xmlns="" xmlns:a14="http://schemas.microsoft.com/office/drawing/2010/main">
                 <a:noFill/>
               </a14:hiddenFill>
             </a:ext>
@@ -11478,14 +11478,14 @@
           </a:ln>
           <a:extLst>
             <a:ext uri="{909E8E84-426E-40dd-AFC4-6F175D3DCCD1}">
-              <a14:hiddenFill xmlns:a14="http://schemas.microsoft.com/office/drawing/2010/main" xmlns="">
+              <a14:hiddenFill xmlns="" xmlns:a14="http://schemas.microsoft.com/office/drawing/2010/main">
                 <a:solidFill>
                   <a:srgbClr val="FFFFFF"/>
                 </a:solidFill>
               </a14:hiddenFill>
             </a:ext>
             <a:ext uri="{91240B29-F687-4f45-9708-019B960494DF}">
-              <a14:hiddenLine xmlns:a14="http://schemas.microsoft.com/office/drawing/2010/main" xmlns="" w="12700">
+              <a14:hiddenLine xmlns="" xmlns:a14="http://schemas.microsoft.com/office/drawing/2010/main" w="12700">
                 <a:solidFill>
                   <a:srgbClr val="000000"/>
                 </a:solidFill>
@@ -11659,7 +11659,7 @@
           </a:ln>
           <a:extLst>
             <a:ext uri="{909E8E84-426E-40dd-AFC4-6F175D3DCCD1}">
-              <a14:hiddenFill xmlns:a14="http://schemas.microsoft.com/office/drawing/2010/main" xmlns="">
+              <a14:hiddenFill xmlns="" xmlns:a14="http://schemas.microsoft.com/office/drawing/2010/main">
                 <a:solidFill>
                   <a:srgbClr val="FFFFFF"/>
                 </a:solidFill>
@@ -11827,7 +11827,7 @@
           </a:ln>
           <a:extLst>
             <a:ext uri="{909E8E84-426E-40dd-AFC4-6F175D3DCCD1}">
-              <a14:hiddenFill xmlns:a14="http://schemas.microsoft.com/office/drawing/2010/main" xmlns="">
+              <a14:hiddenFill xmlns="" xmlns:a14="http://schemas.microsoft.com/office/drawing/2010/main">
                 <a:noFill/>
               </a14:hiddenFill>
             </a:ext>
@@ -11866,14 +11866,14 @@
           </a:ln>
           <a:extLst>
             <a:ext uri="{909E8E84-426E-40dd-AFC4-6F175D3DCCD1}">
-              <a14:hiddenFill xmlns:a14="http://schemas.microsoft.com/office/drawing/2010/main" xmlns="">
+              <a14:hiddenFill xmlns="" xmlns:a14="http://schemas.microsoft.com/office/drawing/2010/main">
                 <a:solidFill>
                   <a:srgbClr val="FFFFFF"/>
                 </a:solidFill>
               </a14:hiddenFill>
             </a:ext>
             <a:ext uri="{91240B29-F687-4f45-9708-019B960494DF}">
-              <a14:hiddenLine xmlns:a14="http://schemas.microsoft.com/office/drawing/2010/main" xmlns="" w="12700">
+              <a14:hiddenLine xmlns="" xmlns:a14="http://schemas.microsoft.com/office/drawing/2010/main" w="12700">
                 <a:solidFill>
                   <a:srgbClr val="000000"/>
                 </a:solidFill>
@@ -12055,14 +12055,14 @@
           </a:ln>
           <a:extLst>
             <a:ext uri="{909E8E84-426E-40dd-AFC4-6F175D3DCCD1}">
-              <a14:hiddenFill xmlns:a14="http://schemas.microsoft.com/office/drawing/2010/main" xmlns="">
+              <a14:hiddenFill xmlns="" xmlns:a14="http://schemas.microsoft.com/office/drawing/2010/main">
                 <a:solidFill>
                   <a:srgbClr val="FFFFFF"/>
                 </a:solidFill>
               </a14:hiddenFill>
             </a:ext>
             <a:ext uri="{91240B29-F687-4f45-9708-019B960494DF}">
-              <a14:hiddenLine xmlns:a14="http://schemas.microsoft.com/office/drawing/2010/main" xmlns="" w="12700">
+              <a14:hiddenLine xmlns="" xmlns:a14="http://schemas.microsoft.com/office/drawing/2010/main" w="12700">
                 <a:solidFill>
                   <a:srgbClr val="000000"/>
                 </a:solidFill>
@@ -12659,7 +12659,7 @@
           </a:ln>
           <a:extLst>
             <a:ext uri="{909E8E84-426E-40dd-AFC4-6F175D3DCCD1}">
-              <a14:hiddenFill xmlns:a14="http://schemas.microsoft.com/office/drawing/2010/main" xmlns="">
+              <a14:hiddenFill xmlns="" xmlns:a14="http://schemas.microsoft.com/office/drawing/2010/main">
                 <a:solidFill>
                   <a:srgbClr val="FFFFFF"/>
                 </a:solidFill>
@@ -12876,7 +12876,7 @@
           </a:ln>
           <a:extLst>
             <a:ext uri="{909E8E84-426E-40dd-AFC4-6F175D3DCCD1}">
-              <a14:hiddenFill xmlns:a14="http://schemas.microsoft.com/office/drawing/2010/main" xmlns="">
+              <a14:hiddenFill xmlns="" xmlns:a14="http://schemas.microsoft.com/office/drawing/2010/main">
                 <a:solidFill>
                   <a:srgbClr val="FFFFFF"/>
                 </a:solidFill>
@@ -13044,7 +13044,7 @@
           </a:ln>
           <a:extLst>
             <a:ext uri="{909E8E84-426E-40dd-AFC4-6F175D3DCCD1}">
-              <a14:hiddenFill xmlns:a14="http://schemas.microsoft.com/office/drawing/2010/main" xmlns="">
+              <a14:hiddenFill xmlns="" xmlns:a14="http://schemas.microsoft.com/office/drawing/2010/main">
                 <a:noFill/>
               </a14:hiddenFill>
             </a:ext>
@@ -13083,14 +13083,14 @@
           </a:ln>
           <a:extLst>
             <a:ext uri="{909E8E84-426E-40dd-AFC4-6F175D3DCCD1}">
-              <a14:hiddenFill xmlns:a14="http://schemas.microsoft.com/office/drawing/2010/main" xmlns="">
+              <a14:hiddenFill xmlns="" xmlns:a14="http://schemas.microsoft.com/office/drawing/2010/main">
                 <a:solidFill>
                   <a:srgbClr val="FFFFFF"/>
                 </a:solidFill>
               </a14:hiddenFill>
             </a:ext>
             <a:ext uri="{91240B29-F687-4f45-9708-019B960494DF}">
-              <a14:hiddenLine xmlns:a14="http://schemas.microsoft.com/office/drawing/2010/main" xmlns="" w="12700">
+              <a14:hiddenLine xmlns="" xmlns:a14="http://schemas.microsoft.com/office/drawing/2010/main" w="12700">
                 <a:solidFill>
                   <a:srgbClr val="000000"/>
                 </a:solidFill>
@@ -13264,7 +13264,7 @@
           </a:ln>
           <a:extLst>
             <a:ext uri="{909E8E84-426E-40dd-AFC4-6F175D3DCCD1}">
-              <a14:hiddenFill xmlns:a14="http://schemas.microsoft.com/office/drawing/2010/main" xmlns="">
+              <a14:hiddenFill xmlns="" xmlns:a14="http://schemas.microsoft.com/office/drawing/2010/main">
                 <a:solidFill>
                   <a:srgbClr val="FFFFFF"/>
                 </a:solidFill>
@@ -13432,7 +13432,7 @@
           </a:ln>
           <a:extLst>
             <a:ext uri="{909E8E84-426E-40dd-AFC4-6F175D3DCCD1}">
-              <a14:hiddenFill xmlns:a14="http://schemas.microsoft.com/office/drawing/2010/main" xmlns="">
+              <a14:hiddenFill xmlns="" xmlns:a14="http://schemas.microsoft.com/office/drawing/2010/main">
                 <a:noFill/>
               </a14:hiddenFill>
             </a:ext>
@@ -13471,14 +13471,14 @@
           </a:ln>
           <a:extLst>
             <a:ext uri="{909E8E84-426E-40dd-AFC4-6F175D3DCCD1}">
-              <a14:hiddenFill xmlns:a14="http://schemas.microsoft.com/office/drawing/2010/main" xmlns="">
+              <a14:hiddenFill xmlns="" xmlns:a14="http://schemas.microsoft.com/office/drawing/2010/main">
                 <a:solidFill>
                   <a:srgbClr val="FFFFFF"/>
                 </a:solidFill>
               </a14:hiddenFill>
             </a:ext>
             <a:ext uri="{91240B29-F687-4f45-9708-019B960494DF}">
-              <a14:hiddenLine xmlns:a14="http://schemas.microsoft.com/office/drawing/2010/main" xmlns="" w="12700">
+              <a14:hiddenLine xmlns="" xmlns:a14="http://schemas.microsoft.com/office/drawing/2010/main" w="12700">
                 <a:solidFill>
                   <a:srgbClr val="000000"/>
                 </a:solidFill>
@@ -13652,7 +13652,7 @@
           </a:ln>
           <a:extLst>
             <a:ext uri="{909E8E84-426E-40dd-AFC4-6F175D3DCCD1}">
-              <a14:hiddenFill xmlns:a14="http://schemas.microsoft.com/office/drawing/2010/main" xmlns="">
+              <a14:hiddenFill xmlns="" xmlns:a14="http://schemas.microsoft.com/office/drawing/2010/main">
                 <a:solidFill>
                   <a:srgbClr val="FFFFFF"/>
                 </a:solidFill>
@@ -13820,7 +13820,7 @@
           </a:ln>
           <a:extLst>
             <a:ext uri="{909E8E84-426E-40dd-AFC4-6F175D3DCCD1}">
-              <a14:hiddenFill xmlns:a14="http://schemas.microsoft.com/office/drawing/2010/main" xmlns="">
+              <a14:hiddenFill xmlns="" xmlns:a14="http://schemas.microsoft.com/office/drawing/2010/main">
                 <a:noFill/>
               </a14:hiddenFill>
             </a:ext>
@@ -13859,14 +13859,14 @@
           </a:ln>
           <a:extLst>
             <a:ext uri="{909E8E84-426E-40dd-AFC4-6F175D3DCCD1}">
-              <a14:hiddenFill xmlns:a14="http://schemas.microsoft.com/office/drawing/2010/main" xmlns="">
+              <a14:hiddenFill xmlns="" xmlns:a14="http://schemas.microsoft.com/office/drawing/2010/main">
                 <a:solidFill>
                   <a:srgbClr val="FFFFFF"/>
                 </a:solidFill>
               </a14:hiddenFill>
             </a:ext>
             <a:ext uri="{91240B29-F687-4f45-9708-019B960494DF}">
-              <a14:hiddenLine xmlns:a14="http://schemas.microsoft.com/office/drawing/2010/main" xmlns="" w="12700">
+              <a14:hiddenLine xmlns="" xmlns:a14="http://schemas.microsoft.com/office/drawing/2010/main" w="12700">
                 <a:solidFill>
                   <a:srgbClr val="000000"/>
                 </a:solidFill>
@@ -14048,14 +14048,14 @@
           </a:ln>
           <a:extLst>
             <a:ext uri="{909E8E84-426E-40dd-AFC4-6F175D3DCCD1}">
-              <a14:hiddenFill xmlns:a14="http://schemas.microsoft.com/office/drawing/2010/main" xmlns="">
+              <a14:hiddenFill xmlns="" xmlns:a14="http://schemas.microsoft.com/office/drawing/2010/main">
                 <a:solidFill>
                   <a:srgbClr val="FFFFFF"/>
                 </a:solidFill>
               </a14:hiddenFill>
             </a:ext>
             <a:ext uri="{91240B29-F687-4f45-9708-019B960494DF}">
-              <a14:hiddenLine xmlns:a14="http://schemas.microsoft.com/office/drawing/2010/main" xmlns="" w="12700">
+              <a14:hiddenLine xmlns="" xmlns:a14="http://schemas.microsoft.com/office/drawing/2010/main" w="12700">
                 <a:solidFill>
                   <a:srgbClr val="000000"/>
                 </a:solidFill>
@@ -20822,15 +20822,7 @@
             </a:r>
             <a:r>
               <a:rPr lang="en-US" sz="2400" dirty="0" smtClean="0"/>
-              <a:t>/csev/dj4e-samples/blob/master/tracks/</a:t>
-            </a:r>
-            <a:r>
-              <a:rPr lang="en-US" sz="2400" dirty="0" err="1" smtClean="0"/>
-              <a:t>tracksmodel</a:t>
-            </a:r>
-            <a:r>
-              <a:rPr lang="en-US" sz="2400" dirty="0" smtClean="0"/>
-              <a:t>/</a:t>
+              <a:t>/csev/dj4e-samples/blob/master/samples/tracks/</a:t>
             </a:r>
             <a:r>
               <a:rPr lang="en-US" sz="2400" dirty="0" err="1" smtClean="0"/>
@@ -21987,15 +21979,7 @@
             </a:r>
             <a:r>
               <a:rPr lang="en-US" sz="2400" dirty="0" smtClean="0"/>
-              <a:t>/csev/dj4e-samples/blob/master/tracks/</a:t>
-            </a:r>
-            <a:r>
-              <a:rPr lang="en-US" sz="2400" dirty="0" err="1" smtClean="0"/>
-              <a:t>tracksmodel</a:t>
-            </a:r>
-            <a:r>
-              <a:rPr lang="en-US" sz="2400" dirty="0" smtClean="0"/>
-              <a:t>/</a:t>
+              <a:t>/csev/dj4e-samples/blob/master/samples/tracks/</a:t>
             </a:r>
             <a:r>
               <a:rPr lang="en-US" sz="2400" dirty="0" err="1" smtClean="0"/>
@@ -22089,11 +22073,7 @@
           <a:p>
             <a:r>
               <a:rPr lang="en-US" dirty="0" smtClean="0"/>
-              <a:t>One-To-Many in </a:t>
-            </a:r>
-            <a:r>
-              <a:rPr lang="en-US" dirty="0" smtClean="0"/>
-              <a:t>the ORM</a:t>
+              <a:t>One-To-Many in the ORM</a:t>
             </a:r>
             <a:endParaRPr lang="en-US" dirty="0"/>
           </a:p>
@@ -22141,7 +22121,7 @@
               <a:t>from </a:t>
             </a:r>
             <a:r>
-              <a:rPr lang="en-US" b="1" dirty="0" err="1">
+              <a:rPr lang="en-US" b="1" dirty="0" err="1" smtClean="0">
                 <a:solidFill>
                   <a:srgbClr val="FFC000"/>
                 </a:solidFill>
@@ -22149,10 +22129,10 @@
                 <a:ea typeface="Courier New" charset="0"/>
                 <a:cs typeface="Courier New" charset="0"/>
               </a:rPr>
-              <a:t>home.models</a:t>
-            </a:r>
-            <a:r>
-              <a:rPr lang="en-US" b="1" dirty="0">
+              <a:t>tracks.models</a:t>
+            </a:r>
+            <a:r>
+              <a:rPr lang="en-US" b="1" dirty="0" smtClean="0">
                 <a:solidFill>
                   <a:srgbClr val="FFC000"/>
                 </a:solidFill>
@@ -22160,7 +22140,18 @@
                 <a:ea typeface="Courier New" charset="0"/>
                 <a:cs typeface="Courier New" charset="0"/>
               </a:rPr>
-              <a:t> import Artist, Genre, Album, Track;</a:t>
+              <a:t> </a:t>
+            </a:r>
+            <a:r>
+              <a:rPr lang="en-US" b="1" dirty="0">
+                <a:solidFill>
+                  <a:srgbClr val="FFC000"/>
+                </a:solidFill>
+                <a:latin typeface="Courier New" charset="0"/>
+                <a:ea typeface="Courier New" charset="0"/>
+                <a:cs typeface="Courier New" charset="0"/>
+              </a:rPr>
+              <a:t>import Artist, Genre, Album, Track;</a:t>
             </a:r>
           </a:p>
           <a:p>
@@ -23312,8 +23303,13 @@
           <a:p>
             <a:r>
               <a:rPr lang="en-US" dirty="0"/>
-              <a:t>https://www.dj4e.com/lectures/DJ-04-Model-One.txt</a:t>
-            </a:r>
+              <a:t>https://</a:t>
+            </a:r>
+            <a:r>
+              <a:rPr lang="en-US" dirty="0" smtClean="0"/>
+              <a:t>www.dj4e.com/lectures/DJ-03-One-To-Many.txt</a:t>
+            </a:r>
+            <a:endParaRPr lang="en-US" dirty="0"/>
           </a:p>
           <a:p>
             <a:endParaRPr lang="en-US" dirty="0"/>

--- a/lectures/DJ-03-One-To-Many.pptx
+++ b/lectures/DJ-03-One-To-Many.pptx
@@ -224,7 +224,7 @@
           <a:p>
             <a:fld id="{C97B56FC-7D2E-F343-9D09-0D14B00AA564}" type="datetimeFigureOut">
               <a:rPr lang="en-US" smtClean="0"/>
-              <a:t>3/14/19</a:t>
+              <a:t>3/15/19</a:t>
             </a:fld>
             <a:endParaRPr lang="en-US"/>
           </a:p>
@@ -670,7 +670,7 @@
               <ma14:placeholderFlag xmlns:ma14="http://schemas.microsoft.com/office/mac/drawingml/2011/main" val="1"/>
             </a:ext>
             <a:ext uri="{909E8E84-426E-40dd-AFC4-6F175D3DCCD1}">
-              <a14:hiddenFill xmlns="" xmlns:a14="http://schemas.microsoft.com/office/drawing/2010/main">
+              <a14:hiddenFill xmlns:a14="http://schemas.microsoft.com/office/drawing/2010/main" xmlns="">
                 <a:solidFill>
                   <a:srgbClr val="FFFFFF"/>
                 </a:solidFill>
@@ -695,14 +695,14 @@
               <ma14:placeholderFlag xmlns:ma14="http://schemas.microsoft.com/office/mac/drawingml/2011/main" val="1"/>
             </a:ext>
             <a:ext uri="{909E8E84-426E-40dd-AFC4-6F175D3DCCD1}">
-              <a14:hiddenFill xmlns="" xmlns:a14="http://schemas.microsoft.com/office/drawing/2010/main">
+              <a14:hiddenFill xmlns:a14="http://schemas.microsoft.com/office/drawing/2010/main" xmlns="">
                 <a:solidFill>
                   <a:srgbClr val="FFFFFF"/>
                 </a:solidFill>
               </a14:hiddenFill>
             </a:ext>
             <a:ext uri="{91240B29-F687-4f45-9708-019B960494DF}">
-              <a14:hiddenLine xmlns="" xmlns:a14="http://schemas.microsoft.com/office/drawing/2010/main" w="9525">
+              <a14:hiddenLine xmlns:a14="http://schemas.microsoft.com/office/drawing/2010/main" xmlns="" w="9525">
                 <a:solidFill>
                   <a:srgbClr val="000000"/>
                 </a:solidFill>
@@ -751,14 +751,14 @@
           <a:noFill/>
           <a:extLst>
             <a:ext uri="{909E8E84-426E-40dd-AFC4-6F175D3DCCD1}">
-              <a14:hiddenFill xmlns="" xmlns:a14="http://schemas.microsoft.com/office/drawing/2010/main">
+              <a14:hiddenFill xmlns:a14="http://schemas.microsoft.com/office/drawing/2010/main" xmlns="">
                 <a:solidFill>
                   <a:srgbClr val="FFFFFF"/>
                 </a:solidFill>
               </a14:hiddenFill>
             </a:ext>
             <a:ext uri="{91240B29-F687-4f45-9708-019B960494DF}">
-              <a14:hiddenLine xmlns="" xmlns:a14="http://schemas.microsoft.com/office/drawing/2010/main" w="9525">
+              <a14:hiddenLine xmlns:a14="http://schemas.microsoft.com/office/drawing/2010/main" xmlns="" w="9525">
                 <a:solidFill>
                   <a:srgbClr val="000000"/>
                 </a:solidFill>
@@ -983,7 +983,7 @@
               <ma14:placeholderFlag xmlns:ma14="http://schemas.microsoft.com/office/mac/drawingml/2011/main" val="1"/>
             </a:ext>
             <a:ext uri="{909E8E84-426E-40dd-AFC4-6F175D3DCCD1}">
-              <a14:hiddenFill xmlns="" xmlns:a14="http://schemas.microsoft.com/office/drawing/2010/main">
+              <a14:hiddenFill xmlns:a14="http://schemas.microsoft.com/office/drawing/2010/main" xmlns="">
                 <a:solidFill>
                   <a:srgbClr val="FFFFFF"/>
                 </a:solidFill>
@@ -1008,14 +1008,14 @@
               <ma14:placeholderFlag xmlns:ma14="http://schemas.microsoft.com/office/mac/drawingml/2011/main" val="1"/>
             </a:ext>
             <a:ext uri="{909E8E84-426E-40dd-AFC4-6F175D3DCCD1}">
-              <a14:hiddenFill xmlns="" xmlns:a14="http://schemas.microsoft.com/office/drawing/2010/main">
+              <a14:hiddenFill xmlns:a14="http://schemas.microsoft.com/office/drawing/2010/main" xmlns="">
                 <a:solidFill>
                   <a:srgbClr val="FFFFFF"/>
                 </a:solidFill>
               </a14:hiddenFill>
             </a:ext>
             <a:ext uri="{91240B29-F687-4f45-9708-019B960494DF}">
-              <a14:hiddenLine xmlns="" xmlns:a14="http://schemas.microsoft.com/office/drawing/2010/main" w="9525">
+              <a14:hiddenLine xmlns:a14="http://schemas.microsoft.com/office/drawing/2010/main" xmlns="" w="9525">
                 <a:solidFill>
                   <a:srgbClr val="000000"/>
                 </a:solidFill>
@@ -1064,14 +1064,14 @@
           <a:noFill/>
           <a:extLst>
             <a:ext uri="{909E8E84-426E-40dd-AFC4-6F175D3DCCD1}">
-              <a14:hiddenFill xmlns="" xmlns:a14="http://schemas.microsoft.com/office/drawing/2010/main">
+              <a14:hiddenFill xmlns:a14="http://schemas.microsoft.com/office/drawing/2010/main" xmlns="">
                 <a:solidFill>
                   <a:srgbClr val="FFFFFF"/>
                 </a:solidFill>
               </a14:hiddenFill>
             </a:ext>
             <a:ext uri="{91240B29-F687-4f45-9708-019B960494DF}">
-              <a14:hiddenLine xmlns="" xmlns:a14="http://schemas.microsoft.com/office/drawing/2010/main" w="9525">
+              <a14:hiddenLine xmlns:a14="http://schemas.microsoft.com/office/drawing/2010/main" xmlns="" w="9525">
                 <a:solidFill>
                   <a:srgbClr val="000000"/>
                 </a:solidFill>
@@ -4237,7 +4237,7 @@
           <a:p>
             <a:fld id="{EEE7C04C-7AF8-1445-A186-502B631B934F}" type="datetimeFigureOut">
               <a:rPr lang="en-US" smtClean="0"/>
-              <a:t>3/14/19</a:t>
+              <a:t>3/15/19</a:t>
             </a:fld>
             <a:endParaRPr lang="en-US"/>
           </a:p>
@@ -4402,7 +4402,7 @@
           <a:p>
             <a:fld id="{EEE7C04C-7AF8-1445-A186-502B631B934F}" type="datetimeFigureOut">
               <a:rPr lang="en-US" smtClean="0"/>
-              <a:t>3/14/19</a:t>
+              <a:t>3/15/19</a:t>
             </a:fld>
             <a:endParaRPr lang="en-US"/>
           </a:p>
@@ -4577,7 +4577,7 @@
           <a:p>
             <a:fld id="{EEE7C04C-7AF8-1445-A186-502B631B934F}" type="datetimeFigureOut">
               <a:rPr lang="en-US" smtClean="0"/>
-              <a:t>3/14/19</a:t>
+              <a:t>3/15/19</a:t>
             </a:fld>
             <a:endParaRPr lang="en-US"/>
           </a:p>
@@ -4742,7 +4742,7 @@
           <a:p>
             <a:fld id="{EEE7C04C-7AF8-1445-A186-502B631B934F}" type="datetimeFigureOut">
               <a:rPr lang="en-US" smtClean="0"/>
-              <a:t>3/14/19</a:t>
+              <a:t>3/15/19</a:t>
             </a:fld>
             <a:endParaRPr lang="en-US"/>
           </a:p>
@@ -4983,7 +4983,7 @@
           <a:p>
             <a:fld id="{EEE7C04C-7AF8-1445-A186-502B631B934F}" type="datetimeFigureOut">
               <a:rPr lang="en-US" smtClean="0"/>
-              <a:t>3/14/19</a:t>
+              <a:t>3/15/19</a:t>
             </a:fld>
             <a:endParaRPr lang="en-US"/>
           </a:p>
@@ -5210,7 +5210,7 @@
           <a:p>
             <a:fld id="{EEE7C04C-7AF8-1445-A186-502B631B934F}" type="datetimeFigureOut">
               <a:rPr lang="en-US" smtClean="0"/>
-              <a:t>3/14/19</a:t>
+              <a:t>3/15/19</a:t>
             </a:fld>
             <a:endParaRPr lang="en-US"/>
           </a:p>
@@ -5572,7 +5572,7 @@
           <a:p>
             <a:fld id="{EEE7C04C-7AF8-1445-A186-502B631B934F}" type="datetimeFigureOut">
               <a:rPr lang="en-US" smtClean="0"/>
-              <a:t>3/14/19</a:t>
+              <a:t>3/15/19</a:t>
             </a:fld>
             <a:endParaRPr lang="en-US"/>
           </a:p>
@@ -5685,7 +5685,7 @@
           <a:p>
             <a:fld id="{EEE7C04C-7AF8-1445-A186-502B631B934F}" type="datetimeFigureOut">
               <a:rPr lang="en-US" smtClean="0"/>
-              <a:t>3/14/19</a:t>
+              <a:t>3/15/19</a:t>
             </a:fld>
             <a:endParaRPr lang="en-US"/>
           </a:p>
@@ -5775,7 +5775,7 @@
           <a:p>
             <a:fld id="{EEE7C04C-7AF8-1445-A186-502B631B934F}" type="datetimeFigureOut">
               <a:rPr lang="en-US" smtClean="0"/>
-              <a:t>3/14/19</a:t>
+              <a:t>3/15/19</a:t>
             </a:fld>
             <a:endParaRPr lang="en-US"/>
           </a:p>
@@ -6047,7 +6047,7 @@
           <a:p>
             <a:fld id="{EEE7C04C-7AF8-1445-A186-502B631B934F}" type="datetimeFigureOut">
               <a:rPr lang="en-US" smtClean="0"/>
-              <a:t>3/14/19</a:t>
+              <a:t>3/15/19</a:t>
             </a:fld>
             <a:endParaRPr lang="en-US"/>
           </a:p>
@@ -6299,7 +6299,7 @@
           <a:p>
             <a:fld id="{EEE7C04C-7AF8-1445-A186-502B631B934F}" type="datetimeFigureOut">
               <a:rPr lang="en-US" smtClean="0"/>
-              <a:t>3/14/19</a:t>
+              <a:t>3/15/19</a:t>
             </a:fld>
             <a:endParaRPr lang="en-US"/>
           </a:p>
@@ -6507,7 +6507,7 @@
           <a:p>
             <a:fld id="{EEE7C04C-7AF8-1445-A186-502B631B934F}" type="datetimeFigureOut">
               <a:rPr lang="en-US" smtClean="0"/>
-              <a:t>3/14/19</a:t>
+              <a:t>3/15/19</a:t>
             </a:fld>
             <a:endParaRPr lang="en-US"/>
           </a:p>
@@ -6925,10 +6925,10 @@
           <p:cNvPr id="10" name="Rectangle 9">
             <a:extLst>
               <a:ext uri="{FF2B5EF4-FFF2-40B4-BE49-F238E27FC236}">
-                <a16:creationId xmlns="" xmlns:a16="http://schemas.microsoft.com/office/drawing/2014/main" id="{E20EB187-900F-4AF5-813B-101456D9FD39}"/>
+                <a16:creationId xmlns:a16="http://schemas.microsoft.com/office/drawing/2014/main" xmlns="" id="{E20EB187-900F-4AF5-813B-101456D9FD39}"/>
               </a:ext>
               <a:ext uri="{C183D7F6-B498-43B3-948B-1728B52AA6E4}">
-                <adec:decorative xmlns="" xmlns:adec="http://schemas.microsoft.com/office/drawing/2017/decorative" val="1"/>
+                <adec:decorative xmlns:adec="http://schemas.microsoft.com/office/drawing/2017/decorative" xmlns="" val="1"/>
               </a:ext>
             </a:extLst>
           </p:cNvPr>
@@ -7109,10 +7109,10 @@
           <p:cNvPr id="12" name="Straight Connector 11">
             <a:extLst>
               <a:ext uri="{FF2B5EF4-FFF2-40B4-BE49-F238E27FC236}">
-                <a16:creationId xmlns="" xmlns:a16="http://schemas.microsoft.com/office/drawing/2014/main" id="{624D17C8-E9C2-48A4-AA36-D7048A6CCC41}"/>
+                <a16:creationId xmlns:a16="http://schemas.microsoft.com/office/drawing/2014/main" xmlns="" id="{624D17C8-E9C2-48A4-AA36-D7048A6CCC41}"/>
               </a:ext>
               <a:ext uri="{C183D7F6-B498-43B3-948B-1728B52AA6E4}">
-                <adec:decorative xmlns="" xmlns:adec="http://schemas.microsoft.com/office/drawing/2017/decorative" val="1"/>
+                <adec:decorative xmlns:adec="http://schemas.microsoft.com/office/drawing/2017/decorative" xmlns="" val="1"/>
               </a:ext>
             </a:extLst>
           </p:cNvPr>
@@ -7801,14 +7801,14 @@
           </a:ln>
           <a:extLst>
             <a:ext uri="{909E8E84-426E-40dd-AFC4-6F175D3DCCD1}">
-              <a14:hiddenFill xmlns="" xmlns:a14="http://schemas.microsoft.com/office/drawing/2010/main">
+              <a14:hiddenFill xmlns:a14="http://schemas.microsoft.com/office/drawing/2010/main" xmlns="">
                 <a:solidFill>
                   <a:srgbClr val="FFFFFF"/>
                 </a:solidFill>
               </a14:hiddenFill>
             </a:ext>
             <a:ext uri="{91240B29-F687-4f45-9708-019B960494DF}">
-              <a14:hiddenLine xmlns="" xmlns:a14="http://schemas.microsoft.com/office/drawing/2010/main" w="12700">
+              <a14:hiddenLine xmlns:a14="http://schemas.microsoft.com/office/drawing/2010/main" xmlns="" w="12700">
                 <a:solidFill>
                   <a:srgbClr val="000000"/>
                 </a:solidFill>
@@ -7879,14 +7879,14 @@
           </a:ln>
           <a:extLst>
             <a:ext uri="{909E8E84-426E-40dd-AFC4-6F175D3DCCD1}">
-              <a14:hiddenFill xmlns="" xmlns:a14="http://schemas.microsoft.com/office/drawing/2010/main">
+              <a14:hiddenFill xmlns:a14="http://schemas.microsoft.com/office/drawing/2010/main" xmlns="">
                 <a:solidFill>
                   <a:srgbClr val="FFFFFF"/>
                 </a:solidFill>
               </a14:hiddenFill>
             </a:ext>
             <a:ext uri="{91240B29-F687-4f45-9708-019B960494DF}">
-              <a14:hiddenLine xmlns="" xmlns:a14="http://schemas.microsoft.com/office/drawing/2010/main" w="12700">
+              <a14:hiddenLine xmlns:a14="http://schemas.microsoft.com/office/drawing/2010/main" xmlns="" w="12700">
                 <a:solidFill>
                   <a:srgbClr val="000000"/>
                 </a:solidFill>
@@ -8055,14 +8055,14 @@
           </a:ln>
           <a:extLst>
             <a:ext uri="{909E8E84-426E-40dd-AFC4-6F175D3DCCD1}">
-              <a14:hiddenFill xmlns="" xmlns:a14="http://schemas.microsoft.com/office/drawing/2010/main">
+              <a14:hiddenFill xmlns:a14="http://schemas.microsoft.com/office/drawing/2010/main" xmlns="">
                 <a:solidFill>
                   <a:srgbClr val="FFFFFF"/>
                 </a:solidFill>
               </a14:hiddenFill>
             </a:ext>
             <a:ext uri="{91240B29-F687-4f45-9708-019B960494DF}">
-              <a14:hiddenLine xmlns="" xmlns:a14="http://schemas.microsoft.com/office/drawing/2010/main" w="12700">
+              <a14:hiddenLine xmlns:a14="http://schemas.microsoft.com/office/drawing/2010/main" xmlns="" w="12700">
                 <a:solidFill>
                   <a:srgbClr val="000000"/>
                 </a:solidFill>
@@ -8231,14 +8231,14 @@
           </a:ln>
           <a:extLst>
             <a:ext uri="{909E8E84-426E-40dd-AFC4-6F175D3DCCD1}">
-              <a14:hiddenFill xmlns="" xmlns:a14="http://schemas.microsoft.com/office/drawing/2010/main">
+              <a14:hiddenFill xmlns:a14="http://schemas.microsoft.com/office/drawing/2010/main" xmlns="">
                 <a:solidFill>
                   <a:srgbClr val="FFFFFF"/>
                 </a:solidFill>
               </a14:hiddenFill>
             </a:ext>
             <a:ext uri="{91240B29-F687-4f45-9708-019B960494DF}">
-              <a14:hiddenLine xmlns="" xmlns:a14="http://schemas.microsoft.com/office/drawing/2010/main" w="12700">
+              <a14:hiddenLine xmlns:a14="http://schemas.microsoft.com/office/drawing/2010/main" xmlns="" w="12700">
                 <a:solidFill>
                   <a:srgbClr val="000000"/>
                 </a:solidFill>
@@ -8407,14 +8407,14 @@
           </a:ln>
           <a:extLst>
             <a:ext uri="{909E8E84-426E-40dd-AFC4-6F175D3DCCD1}">
-              <a14:hiddenFill xmlns="" xmlns:a14="http://schemas.microsoft.com/office/drawing/2010/main">
+              <a14:hiddenFill xmlns:a14="http://schemas.microsoft.com/office/drawing/2010/main" xmlns="">
                 <a:solidFill>
                   <a:srgbClr val="FFFFFF"/>
                 </a:solidFill>
               </a14:hiddenFill>
             </a:ext>
             <a:ext uri="{91240B29-F687-4f45-9708-019B960494DF}">
-              <a14:hiddenLine xmlns="" xmlns:a14="http://schemas.microsoft.com/office/drawing/2010/main" w="12700">
+              <a14:hiddenLine xmlns:a14="http://schemas.microsoft.com/office/drawing/2010/main" xmlns="" w="12700">
                 <a:solidFill>
                   <a:srgbClr val="000000"/>
                 </a:solidFill>
@@ -8599,14 +8599,14 @@
             </a:ln>
             <a:extLst>
               <a:ext uri="{909E8E84-426E-40dd-AFC4-6F175D3DCCD1}">
-                <a14:hiddenFill xmlns="" xmlns:a14="http://schemas.microsoft.com/office/drawing/2010/main">
+                <a14:hiddenFill xmlns:a14="http://schemas.microsoft.com/office/drawing/2010/main" xmlns="">
                   <a:solidFill>
                     <a:srgbClr val="FFFFFF"/>
                   </a:solidFill>
                 </a14:hiddenFill>
               </a:ext>
               <a:ext uri="{91240B29-F687-4f45-9708-019B960494DF}">
-                <a14:hiddenLine xmlns="" xmlns:a14="http://schemas.microsoft.com/office/drawing/2010/main" w="12700">
+                <a14:hiddenLine xmlns:a14="http://schemas.microsoft.com/office/drawing/2010/main" xmlns="" w="12700">
                   <a:solidFill>
                     <a:srgbClr val="000000"/>
                   </a:solidFill>
@@ -8775,14 +8775,14 @@
             </a:ln>
             <a:extLst>
               <a:ext uri="{909E8E84-426E-40dd-AFC4-6F175D3DCCD1}">
-                <a14:hiddenFill xmlns="" xmlns:a14="http://schemas.microsoft.com/office/drawing/2010/main">
+                <a14:hiddenFill xmlns:a14="http://schemas.microsoft.com/office/drawing/2010/main" xmlns="">
                   <a:solidFill>
                     <a:srgbClr val="FFFFFF"/>
                   </a:solidFill>
                 </a14:hiddenFill>
               </a:ext>
               <a:ext uri="{91240B29-F687-4f45-9708-019B960494DF}">
-                <a14:hiddenLine xmlns="" xmlns:a14="http://schemas.microsoft.com/office/drawing/2010/main" w="12700">
+                <a14:hiddenLine xmlns:a14="http://schemas.microsoft.com/office/drawing/2010/main" xmlns="" w="12700">
                   <a:solidFill>
                     <a:srgbClr val="000000"/>
                   </a:solidFill>
@@ -8951,14 +8951,14 @@
             </a:ln>
             <a:extLst>
               <a:ext uri="{909E8E84-426E-40dd-AFC4-6F175D3DCCD1}">
-                <a14:hiddenFill xmlns="" xmlns:a14="http://schemas.microsoft.com/office/drawing/2010/main">
+                <a14:hiddenFill xmlns:a14="http://schemas.microsoft.com/office/drawing/2010/main" xmlns="">
                   <a:solidFill>
                     <a:srgbClr val="FFFFFF"/>
                   </a:solidFill>
                 </a14:hiddenFill>
               </a:ext>
               <a:ext uri="{91240B29-F687-4f45-9708-019B960494DF}">
-                <a14:hiddenLine xmlns="" xmlns:a14="http://schemas.microsoft.com/office/drawing/2010/main" w="12700">
+                <a14:hiddenLine xmlns:a14="http://schemas.microsoft.com/office/drawing/2010/main" xmlns="" w="12700">
                   <a:solidFill>
                     <a:srgbClr val="000000"/>
                   </a:solidFill>
@@ -9141,14 +9141,14 @@
           </a:ln>
           <a:extLst>
             <a:ext uri="{909E8E84-426E-40dd-AFC4-6F175D3DCCD1}">
-              <a14:hiddenFill xmlns="" xmlns:a14="http://schemas.microsoft.com/office/drawing/2010/main">
+              <a14:hiddenFill xmlns:a14="http://schemas.microsoft.com/office/drawing/2010/main" xmlns="">
                 <a:solidFill>
                   <a:srgbClr val="FFFFFF"/>
                 </a:solidFill>
               </a14:hiddenFill>
             </a:ext>
             <a:ext uri="{91240B29-F687-4f45-9708-019B960494DF}">
-              <a14:hiddenLine xmlns="" xmlns:a14="http://schemas.microsoft.com/office/drawing/2010/main" w="12700">
+              <a14:hiddenLine xmlns:a14="http://schemas.microsoft.com/office/drawing/2010/main" xmlns="" w="12700">
                 <a:solidFill>
                   <a:srgbClr val="000000"/>
                 </a:solidFill>
@@ -9412,14 +9412,14 @@
           </a:ln>
           <a:extLst>
             <a:ext uri="{909E8E84-426E-40dd-AFC4-6F175D3DCCD1}">
-              <a14:hiddenFill xmlns="" xmlns:a14="http://schemas.microsoft.com/office/drawing/2010/main">
+              <a14:hiddenFill xmlns:a14="http://schemas.microsoft.com/office/drawing/2010/main" xmlns="">
                 <a:solidFill>
                   <a:srgbClr val="FFFFFF"/>
                 </a:solidFill>
               </a14:hiddenFill>
             </a:ext>
             <a:ext uri="{91240B29-F687-4f45-9708-019B960494DF}">
-              <a14:hiddenLine xmlns="" xmlns:a14="http://schemas.microsoft.com/office/drawing/2010/main" w="12700">
+              <a14:hiddenLine xmlns:a14="http://schemas.microsoft.com/office/drawing/2010/main" xmlns="" w="12700">
                 <a:solidFill>
                   <a:srgbClr val="000000"/>
                 </a:solidFill>
@@ -9588,14 +9588,14 @@
           </a:ln>
           <a:extLst>
             <a:ext uri="{909E8E84-426E-40dd-AFC4-6F175D3DCCD1}">
-              <a14:hiddenFill xmlns="" xmlns:a14="http://schemas.microsoft.com/office/drawing/2010/main">
+              <a14:hiddenFill xmlns:a14="http://schemas.microsoft.com/office/drawing/2010/main" xmlns="">
                 <a:solidFill>
                   <a:srgbClr val="FFFFFF"/>
                 </a:solidFill>
               </a14:hiddenFill>
             </a:ext>
             <a:ext uri="{91240B29-F687-4f45-9708-019B960494DF}">
-              <a14:hiddenLine xmlns="" xmlns:a14="http://schemas.microsoft.com/office/drawing/2010/main" w="12700">
+              <a14:hiddenLine xmlns:a14="http://schemas.microsoft.com/office/drawing/2010/main" xmlns="" w="12700">
                 <a:solidFill>
                   <a:srgbClr val="000000"/>
                 </a:solidFill>
@@ -9764,14 +9764,14 @@
           </a:ln>
           <a:extLst>
             <a:ext uri="{909E8E84-426E-40dd-AFC4-6F175D3DCCD1}">
-              <a14:hiddenFill xmlns="" xmlns:a14="http://schemas.microsoft.com/office/drawing/2010/main">
+              <a14:hiddenFill xmlns:a14="http://schemas.microsoft.com/office/drawing/2010/main" xmlns="">
                 <a:solidFill>
                   <a:srgbClr val="FFFFFF"/>
                 </a:solidFill>
               </a14:hiddenFill>
             </a:ext>
             <a:ext uri="{91240B29-F687-4f45-9708-019B960494DF}">
-              <a14:hiddenLine xmlns="" xmlns:a14="http://schemas.microsoft.com/office/drawing/2010/main" w="12700">
+              <a14:hiddenLine xmlns:a14="http://schemas.microsoft.com/office/drawing/2010/main" xmlns="" w="12700">
                 <a:solidFill>
                   <a:srgbClr val="000000"/>
                 </a:solidFill>
@@ -9940,14 +9940,14 @@
           </a:ln>
           <a:extLst>
             <a:ext uri="{909E8E84-426E-40dd-AFC4-6F175D3DCCD1}">
-              <a14:hiddenFill xmlns="" xmlns:a14="http://schemas.microsoft.com/office/drawing/2010/main">
+              <a14:hiddenFill xmlns:a14="http://schemas.microsoft.com/office/drawing/2010/main" xmlns="">
                 <a:solidFill>
                   <a:srgbClr val="FFFFFF"/>
                 </a:solidFill>
               </a14:hiddenFill>
             </a:ext>
             <a:ext uri="{91240B29-F687-4f45-9708-019B960494DF}">
-              <a14:hiddenLine xmlns="" xmlns:a14="http://schemas.microsoft.com/office/drawing/2010/main" w="12700">
+              <a14:hiddenLine xmlns:a14="http://schemas.microsoft.com/office/drawing/2010/main" xmlns="" w="12700">
                 <a:solidFill>
                   <a:srgbClr val="000000"/>
                 </a:solidFill>
@@ -10132,14 +10132,14 @@
             </a:ln>
             <a:extLst>
               <a:ext uri="{909E8E84-426E-40dd-AFC4-6F175D3DCCD1}">
-                <a14:hiddenFill xmlns="" xmlns:a14="http://schemas.microsoft.com/office/drawing/2010/main">
+                <a14:hiddenFill xmlns:a14="http://schemas.microsoft.com/office/drawing/2010/main" xmlns="">
                   <a:solidFill>
                     <a:srgbClr val="FFFFFF"/>
                   </a:solidFill>
                 </a14:hiddenFill>
               </a:ext>
               <a:ext uri="{91240B29-F687-4f45-9708-019B960494DF}">
-                <a14:hiddenLine xmlns="" xmlns:a14="http://schemas.microsoft.com/office/drawing/2010/main" w="12700">
+                <a14:hiddenLine xmlns:a14="http://schemas.microsoft.com/office/drawing/2010/main" xmlns="" w="12700">
                   <a:solidFill>
                     <a:srgbClr val="000000"/>
                   </a:solidFill>
@@ -10308,14 +10308,14 @@
             </a:ln>
             <a:extLst>
               <a:ext uri="{909E8E84-426E-40dd-AFC4-6F175D3DCCD1}">
-                <a14:hiddenFill xmlns="" xmlns:a14="http://schemas.microsoft.com/office/drawing/2010/main">
+                <a14:hiddenFill xmlns:a14="http://schemas.microsoft.com/office/drawing/2010/main" xmlns="">
                   <a:solidFill>
                     <a:srgbClr val="FFFFFF"/>
                   </a:solidFill>
                 </a14:hiddenFill>
               </a:ext>
               <a:ext uri="{91240B29-F687-4f45-9708-019B960494DF}">
-                <a14:hiddenLine xmlns="" xmlns:a14="http://schemas.microsoft.com/office/drawing/2010/main" w="12700">
+                <a14:hiddenLine xmlns:a14="http://schemas.microsoft.com/office/drawing/2010/main" xmlns="" w="12700">
                   <a:solidFill>
                     <a:srgbClr val="000000"/>
                   </a:solidFill>
@@ -10484,14 +10484,14 @@
             </a:ln>
             <a:extLst>
               <a:ext uri="{909E8E84-426E-40dd-AFC4-6F175D3DCCD1}">
-                <a14:hiddenFill xmlns="" xmlns:a14="http://schemas.microsoft.com/office/drawing/2010/main">
+                <a14:hiddenFill xmlns:a14="http://schemas.microsoft.com/office/drawing/2010/main" xmlns="">
                   <a:solidFill>
                     <a:srgbClr val="FFFFFF"/>
                   </a:solidFill>
                 </a14:hiddenFill>
               </a:ext>
               <a:ext uri="{91240B29-F687-4f45-9708-019B960494DF}">
-                <a14:hiddenLine xmlns="" xmlns:a14="http://schemas.microsoft.com/office/drawing/2010/main" w="12700">
+                <a14:hiddenLine xmlns:a14="http://schemas.microsoft.com/office/drawing/2010/main" xmlns="" w="12700">
                   <a:solidFill>
                     <a:srgbClr val="000000"/>
                   </a:solidFill>
@@ -10666,7 +10666,7 @@
           </a:ln>
           <a:extLst>
             <a:ext uri="{909E8E84-426E-40dd-AFC4-6F175D3DCCD1}">
-              <a14:hiddenFill xmlns="" xmlns:a14="http://schemas.microsoft.com/office/drawing/2010/main">
+              <a14:hiddenFill xmlns:a14="http://schemas.microsoft.com/office/drawing/2010/main" xmlns="">
                 <a:solidFill>
                   <a:srgbClr val="FFFFFF"/>
                 </a:solidFill>
@@ -10883,7 +10883,7 @@
           </a:ln>
           <a:extLst>
             <a:ext uri="{909E8E84-426E-40dd-AFC4-6F175D3DCCD1}">
-              <a14:hiddenFill xmlns="" xmlns:a14="http://schemas.microsoft.com/office/drawing/2010/main">
+              <a14:hiddenFill xmlns:a14="http://schemas.microsoft.com/office/drawing/2010/main" xmlns="">
                 <a:solidFill>
                   <a:srgbClr val="FFFFFF"/>
                 </a:solidFill>
@@ -11051,7 +11051,7 @@
           </a:ln>
           <a:extLst>
             <a:ext uri="{909E8E84-426E-40dd-AFC4-6F175D3DCCD1}">
-              <a14:hiddenFill xmlns="" xmlns:a14="http://schemas.microsoft.com/office/drawing/2010/main">
+              <a14:hiddenFill xmlns:a14="http://schemas.microsoft.com/office/drawing/2010/main" xmlns="">
                 <a:noFill/>
               </a14:hiddenFill>
             </a:ext>
@@ -11090,14 +11090,14 @@
           </a:ln>
           <a:extLst>
             <a:ext uri="{909E8E84-426E-40dd-AFC4-6F175D3DCCD1}">
-              <a14:hiddenFill xmlns="" xmlns:a14="http://schemas.microsoft.com/office/drawing/2010/main">
+              <a14:hiddenFill xmlns:a14="http://schemas.microsoft.com/office/drawing/2010/main" xmlns="">
                 <a:solidFill>
                   <a:srgbClr val="FFFFFF"/>
                 </a:solidFill>
               </a14:hiddenFill>
             </a:ext>
             <a:ext uri="{91240B29-F687-4f45-9708-019B960494DF}">
-              <a14:hiddenLine xmlns="" xmlns:a14="http://schemas.microsoft.com/office/drawing/2010/main" w="12700">
+              <a14:hiddenLine xmlns:a14="http://schemas.microsoft.com/office/drawing/2010/main" xmlns="" w="12700">
                 <a:solidFill>
                   <a:srgbClr val="000000"/>
                 </a:solidFill>
@@ -11271,7 +11271,7 @@
           </a:ln>
           <a:extLst>
             <a:ext uri="{909E8E84-426E-40dd-AFC4-6F175D3DCCD1}">
-              <a14:hiddenFill xmlns="" xmlns:a14="http://schemas.microsoft.com/office/drawing/2010/main">
+              <a14:hiddenFill xmlns:a14="http://schemas.microsoft.com/office/drawing/2010/main" xmlns="">
                 <a:solidFill>
                   <a:srgbClr val="FFFFFF"/>
                 </a:solidFill>
@@ -11439,7 +11439,7 @@
           </a:ln>
           <a:extLst>
             <a:ext uri="{909E8E84-426E-40dd-AFC4-6F175D3DCCD1}">
-              <a14:hiddenFill xmlns="" xmlns:a14="http://schemas.microsoft.com/office/drawing/2010/main">
+              <a14:hiddenFill xmlns:a14="http://schemas.microsoft.com/office/drawing/2010/main" xmlns="">
                 <a:noFill/>
               </a14:hiddenFill>
             </a:ext>
@@ -11478,14 +11478,14 @@
           </a:ln>
           <a:extLst>
             <a:ext uri="{909E8E84-426E-40dd-AFC4-6F175D3DCCD1}">
-              <a14:hiddenFill xmlns="" xmlns:a14="http://schemas.microsoft.com/office/drawing/2010/main">
+              <a14:hiddenFill xmlns:a14="http://schemas.microsoft.com/office/drawing/2010/main" xmlns="">
                 <a:solidFill>
                   <a:srgbClr val="FFFFFF"/>
                 </a:solidFill>
               </a14:hiddenFill>
             </a:ext>
             <a:ext uri="{91240B29-F687-4f45-9708-019B960494DF}">
-              <a14:hiddenLine xmlns="" xmlns:a14="http://schemas.microsoft.com/office/drawing/2010/main" w="12700">
+              <a14:hiddenLine xmlns:a14="http://schemas.microsoft.com/office/drawing/2010/main" xmlns="" w="12700">
                 <a:solidFill>
                   <a:srgbClr val="000000"/>
                 </a:solidFill>
@@ -11659,7 +11659,7 @@
           </a:ln>
           <a:extLst>
             <a:ext uri="{909E8E84-426E-40dd-AFC4-6F175D3DCCD1}">
-              <a14:hiddenFill xmlns="" xmlns:a14="http://schemas.microsoft.com/office/drawing/2010/main">
+              <a14:hiddenFill xmlns:a14="http://schemas.microsoft.com/office/drawing/2010/main" xmlns="">
                 <a:solidFill>
                   <a:srgbClr val="FFFFFF"/>
                 </a:solidFill>
@@ -11827,7 +11827,7 @@
           </a:ln>
           <a:extLst>
             <a:ext uri="{909E8E84-426E-40dd-AFC4-6F175D3DCCD1}">
-              <a14:hiddenFill xmlns="" xmlns:a14="http://schemas.microsoft.com/office/drawing/2010/main">
+              <a14:hiddenFill xmlns:a14="http://schemas.microsoft.com/office/drawing/2010/main" xmlns="">
                 <a:noFill/>
               </a14:hiddenFill>
             </a:ext>
@@ -11866,14 +11866,14 @@
           </a:ln>
           <a:extLst>
             <a:ext uri="{909E8E84-426E-40dd-AFC4-6F175D3DCCD1}">
-              <a14:hiddenFill xmlns="" xmlns:a14="http://schemas.microsoft.com/office/drawing/2010/main">
+              <a14:hiddenFill xmlns:a14="http://schemas.microsoft.com/office/drawing/2010/main" xmlns="">
                 <a:solidFill>
                   <a:srgbClr val="FFFFFF"/>
                 </a:solidFill>
               </a14:hiddenFill>
             </a:ext>
             <a:ext uri="{91240B29-F687-4f45-9708-019B960494DF}">
-              <a14:hiddenLine xmlns="" xmlns:a14="http://schemas.microsoft.com/office/drawing/2010/main" w="12700">
+              <a14:hiddenLine xmlns:a14="http://schemas.microsoft.com/office/drawing/2010/main" xmlns="" w="12700">
                 <a:solidFill>
                   <a:srgbClr val="000000"/>
                 </a:solidFill>
@@ -12055,14 +12055,14 @@
           </a:ln>
           <a:extLst>
             <a:ext uri="{909E8E84-426E-40dd-AFC4-6F175D3DCCD1}">
-              <a14:hiddenFill xmlns="" xmlns:a14="http://schemas.microsoft.com/office/drawing/2010/main">
+              <a14:hiddenFill xmlns:a14="http://schemas.microsoft.com/office/drawing/2010/main" xmlns="">
                 <a:solidFill>
                   <a:srgbClr val="FFFFFF"/>
                 </a:solidFill>
               </a14:hiddenFill>
             </a:ext>
             <a:ext uri="{91240B29-F687-4f45-9708-019B960494DF}">
-              <a14:hiddenLine xmlns="" xmlns:a14="http://schemas.microsoft.com/office/drawing/2010/main" w="12700">
+              <a14:hiddenLine xmlns:a14="http://schemas.microsoft.com/office/drawing/2010/main" xmlns="" w="12700">
                 <a:solidFill>
                   <a:srgbClr val="000000"/>
                 </a:solidFill>
@@ -12659,7 +12659,7 @@
           </a:ln>
           <a:extLst>
             <a:ext uri="{909E8E84-426E-40dd-AFC4-6F175D3DCCD1}">
-              <a14:hiddenFill xmlns="" xmlns:a14="http://schemas.microsoft.com/office/drawing/2010/main">
+              <a14:hiddenFill xmlns:a14="http://schemas.microsoft.com/office/drawing/2010/main" xmlns="">
                 <a:solidFill>
                   <a:srgbClr val="FFFFFF"/>
                 </a:solidFill>
@@ -12876,7 +12876,7 @@
           </a:ln>
           <a:extLst>
             <a:ext uri="{909E8E84-426E-40dd-AFC4-6F175D3DCCD1}">
-              <a14:hiddenFill xmlns="" xmlns:a14="http://schemas.microsoft.com/office/drawing/2010/main">
+              <a14:hiddenFill xmlns:a14="http://schemas.microsoft.com/office/drawing/2010/main" xmlns="">
                 <a:solidFill>
                   <a:srgbClr val="FFFFFF"/>
                 </a:solidFill>
@@ -13044,7 +13044,7 @@
           </a:ln>
           <a:extLst>
             <a:ext uri="{909E8E84-426E-40dd-AFC4-6F175D3DCCD1}">
-              <a14:hiddenFill xmlns="" xmlns:a14="http://schemas.microsoft.com/office/drawing/2010/main">
+              <a14:hiddenFill xmlns:a14="http://schemas.microsoft.com/office/drawing/2010/main" xmlns="">
                 <a:noFill/>
               </a14:hiddenFill>
             </a:ext>
@@ -13083,14 +13083,14 @@
           </a:ln>
           <a:extLst>
             <a:ext uri="{909E8E84-426E-40dd-AFC4-6F175D3DCCD1}">
-              <a14:hiddenFill xmlns="" xmlns:a14="http://schemas.microsoft.com/office/drawing/2010/main">
+              <a14:hiddenFill xmlns:a14="http://schemas.microsoft.com/office/drawing/2010/main" xmlns="">
                 <a:solidFill>
                   <a:srgbClr val="FFFFFF"/>
                 </a:solidFill>
               </a14:hiddenFill>
             </a:ext>
             <a:ext uri="{91240B29-F687-4f45-9708-019B960494DF}">
-              <a14:hiddenLine xmlns="" xmlns:a14="http://schemas.microsoft.com/office/drawing/2010/main" w="12700">
+              <a14:hiddenLine xmlns:a14="http://schemas.microsoft.com/office/drawing/2010/main" xmlns="" w="12700">
                 <a:solidFill>
                   <a:srgbClr val="000000"/>
                 </a:solidFill>
@@ -13264,7 +13264,7 @@
           </a:ln>
           <a:extLst>
             <a:ext uri="{909E8E84-426E-40dd-AFC4-6F175D3DCCD1}">
-              <a14:hiddenFill xmlns="" xmlns:a14="http://schemas.microsoft.com/office/drawing/2010/main">
+              <a14:hiddenFill xmlns:a14="http://schemas.microsoft.com/office/drawing/2010/main" xmlns="">
                 <a:solidFill>
                   <a:srgbClr val="FFFFFF"/>
                 </a:solidFill>
@@ -13432,7 +13432,7 @@
           </a:ln>
           <a:extLst>
             <a:ext uri="{909E8E84-426E-40dd-AFC4-6F175D3DCCD1}">
-              <a14:hiddenFill xmlns="" xmlns:a14="http://schemas.microsoft.com/office/drawing/2010/main">
+              <a14:hiddenFill xmlns:a14="http://schemas.microsoft.com/office/drawing/2010/main" xmlns="">
                 <a:noFill/>
               </a14:hiddenFill>
             </a:ext>
@@ -13471,14 +13471,14 @@
           </a:ln>
           <a:extLst>
             <a:ext uri="{909E8E84-426E-40dd-AFC4-6F175D3DCCD1}">
-              <a14:hiddenFill xmlns="" xmlns:a14="http://schemas.microsoft.com/office/drawing/2010/main">
+              <a14:hiddenFill xmlns:a14="http://schemas.microsoft.com/office/drawing/2010/main" xmlns="">
                 <a:solidFill>
                   <a:srgbClr val="FFFFFF"/>
                 </a:solidFill>
               </a14:hiddenFill>
             </a:ext>
             <a:ext uri="{91240B29-F687-4f45-9708-019B960494DF}">
-              <a14:hiddenLine xmlns="" xmlns:a14="http://schemas.microsoft.com/office/drawing/2010/main" w="12700">
+              <a14:hiddenLine xmlns:a14="http://schemas.microsoft.com/office/drawing/2010/main" xmlns="" w="12700">
                 <a:solidFill>
                   <a:srgbClr val="000000"/>
                 </a:solidFill>
@@ -13652,7 +13652,7 @@
           </a:ln>
           <a:extLst>
             <a:ext uri="{909E8E84-426E-40dd-AFC4-6F175D3DCCD1}">
-              <a14:hiddenFill xmlns="" xmlns:a14="http://schemas.microsoft.com/office/drawing/2010/main">
+              <a14:hiddenFill xmlns:a14="http://schemas.microsoft.com/office/drawing/2010/main" xmlns="">
                 <a:solidFill>
                   <a:srgbClr val="FFFFFF"/>
                 </a:solidFill>
@@ -13820,7 +13820,7 @@
           </a:ln>
           <a:extLst>
             <a:ext uri="{909E8E84-426E-40dd-AFC4-6F175D3DCCD1}">
-              <a14:hiddenFill xmlns="" xmlns:a14="http://schemas.microsoft.com/office/drawing/2010/main">
+              <a14:hiddenFill xmlns:a14="http://schemas.microsoft.com/office/drawing/2010/main" xmlns="">
                 <a:noFill/>
               </a14:hiddenFill>
             </a:ext>
@@ -13859,14 +13859,14 @@
           </a:ln>
           <a:extLst>
             <a:ext uri="{909E8E84-426E-40dd-AFC4-6F175D3DCCD1}">
-              <a14:hiddenFill xmlns="" xmlns:a14="http://schemas.microsoft.com/office/drawing/2010/main">
+              <a14:hiddenFill xmlns:a14="http://schemas.microsoft.com/office/drawing/2010/main" xmlns="">
                 <a:solidFill>
                   <a:srgbClr val="FFFFFF"/>
                 </a:solidFill>
               </a14:hiddenFill>
             </a:ext>
             <a:ext uri="{91240B29-F687-4f45-9708-019B960494DF}">
-              <a14:hiddenLine xmlns="" xmlns:a14="http://schemas.microsoft.com/office/drawing/2010/main" w="12700">
+              <a14:hiddenLine xmlns:a14="http://schemas.microsoft.com/office/drawing/2010/main" xmlns="" w="12700">
                 <a:solidFill>
                   <a:srgbClr val="000000"/>
                 </a:solidFill>
@@ -14048,14 +14048,14 @@
           </a:ln>
           <a:extLst>
             <a:ext uri="{909E8E84-426E-40dd-AFC4-6F175D3DCCD1}">
-              <a14:hiddenFill xmlns="" xmlns:a14="http://schemas.microsoft.com/office/drawing/2010/main">
+              <a14:hiddenFill xmlns:a14="http://schemas.microsoft.com/office/drawing/2010/main" xmlns="">
                 <a:solidFill>
                   <a:srgbClr val="FFFFFF"/>
                 </a:solidFill>
               </a14:hiddenFill>
             </a:ext>
             <a:ext uri="{91240B29-F687-4f45-9708-019B960494DF}">
-              <a14:hiddenLine xmlns="" xmlns:a14="http://schemas.microsoft.com/office/drawing/2010/main" w="12700">
+              <a14:hiddenLine xmlns:a14="http://schemas.microsoft.com/office/drawing/2010/main" xmlns="" w="12700">
                 <a:solidFill>
                   <a:srgbClr val="000000"/>
                 </a:solidFill>
@@ -14189,7 +14189,19 @@
                 <a:cs typeface="Arial" charset="0"/>
                 <a:sym typeface="Cabin"/>
               </a:rPr>
-              <a:t>Finding Data With Keys</a:t>
+              <a:t>Connecting Data </a:t>
+            </a:r>
+            <a:r>
+              <a:rPr lang="en-US" sz="5733" dirty="0" smtClean="0">
+                <a:solidFill>
+                  <a:srgbClr val="FFD966"/>
+                </a:solidFill>
+                <a:latin typeface="Arial" charset="0"/>
+                <a:ea typeface="Arial" charset="0"/>
+                <a:cs typeface="Arial" charset="0"/>
+                <a:sym typeface="Cabin"/>
+              </a:rPr>
+              <a:t>With Keys</a:t>
             </a:r>
             <a:endParaRPr lang="en" sz="5733" dirty="0">
               <a:solidFill>
@@ -26148,7 +26160,55 @@
                 <a:cs typeface="Arial" charset="0"/>
                 <a:sym typeface="Cabin"/>
               </a:rPr>
-              <a:t> column to each table which we will make references to.   By convention, many programmers call this column </a:t>
+              <a:t> column to each table which we will make references to.   By convention, many </a:t>
+            </a:r>
+            <a:r>
+              <a:rPr lang="en" sz="2667" dirty="0" smtClean="0">
+                <a:solidFill>
+                  <a:schemeClr val="lt1"/>
+                </a:solidFill>
+                <a:latin typeface="Arial" charset="0"/>
+                <a:ea typeface="Arial" charset="0"/>
+                <a:cs typeface="Arial" charset="0"/>
+                <a:sym typeface="Cabin"/>
+              </a:rPr>
+              <a:t>programmers</a:t>
+            </a:r>
+            <a:r>
+              <a:rPr lang="en-US" sz="2667" dirty="0" smtClean="0">
+                <a:solidFill>
+                  <a:schemeClr val="lt1"/>
+                </a:solidFill>
+                <a:latin typeface="Arial" charset="0"/>
+                <a:ea typeface="Arial" charset="0"/>
+                <a:cs typeface="Arial" charset="0"/>
+                <a:sym typeface="Cabin"/>
+              </a:rPr>
+              <a:t> and frameworks</a:t>
+            </a:r>
+            <a:r>
+              <a:rPr lang="en" sz="2667" dirty="0" smtClean="0">
+                <a:solidFill>
+                  <a:schemeClr val="lt1"/>
+                </a:solidFill>
+                <a:latin typeface="Arial" charset="0"/>
+                <a:ea typeface="Arial" charset="0"/>
+                <a:cs typeface="Arial" charset="0"/>
+                <a:sym typeface="Cabin"/>
+              </a:rPr>
+              <a:t> </a:t>
+            </a:r>
+            <a:r>
+              <a:rPr lang="en" sz="2667" dirty="0">
+                <a:solidFill>
+                  <a:schemeClr val="lt1"/>
+                </a:solidFill>
+                <a:latin typeface="Arial" charset="0"/>
+                <a:ea typeface="Arial" charset="0"/>
+                <a:cs typeface="Arial" charset="0"/>
+                <a:sym typeface="Cabin"/>
+              </a:rPr>
+              <a:t>call this column </a:t>
             </a:r>
             <a:r>
               <a:rPr lang="en" sz="2667" dirty="0">

--- a/lectures/DJ-03-One-To-Many.pptx
+++ b/lectures/DJ-03-One-To-Many.pptx
@@ -670,7 +670,7 @@
               <ma14:placeholderFlag xmlns:ma14="http://schemas.microsoft.com/office/mac/drawingml/2011/main" val="1"/>
             </a:ext>
             <a:ext uri="{909E8E84-426E-40dd-AFC4-6F175D3DCCD1}">
-              <a14:hiddenFill xmlns:a14="http://schemas.microsoft.com/office/drawing/2010/main" xmlns="">
+              <a14:hiddenFill xmlns="" xmlns:a14="http://schemas.microsoft.com/office/drawing/2010/main">
                 <a:solidFill>
                   <a:srgbClr val="FFFFFF"/>
                 </a:solidFill>
@@ -695,14 +695,14 @@
               <ma14:placeholderFlag xmlns:ma14="http://schemas.microsoft.com/office/mac/drawingml/2011/main" val="1"/>
             </a:ext>
             <a:ext uri="{909E8E84-426E-40dd-AFC4-6F175D3DCCD1}">
-              <a14:hiddenFill xmlns:a14="http://schemas.microsoft.com/office/drawing/2010/main" xmlns="">
+              <a14:hiddenFill xmlns="" xmlns:a14="http://schemas.microsoft.com/office/drawing/2010/main">
                 <a:solidFill>
                   <a:srgbClr val="FFFFFF"/>
                 </a:solidFill>
               </a14:hiddenFill>
             </a:ext>
             <a:ext uri="{91240B29-F687-4f45-9708-019B960494DF}">
-              <a14:hiddenLine xmlns:a14="http://schemas.microsoft.com/office/drawing/2010/main" xmlns="" w="9525">
+              <a14:hiddenLine xmlns="" xmlns:a14="http://schemas.microsoft.com/office/drawing/2010/main" w="9525">
                 <a:solidFill>
                   <a:srgbClr val="000000"/>
                 </a:solidFill>
@@ -751,14 +751,14 @@
           <a:noFill/>
           <a:extLst>
             <a:ext uri="{909E8E84-426E-40dd-AFC4-6F175D3DCCD1}">
-              <a14:hiddenFill xmlns:a14="http://schemas.microsoft.com/office/drawing/2010/main" xmlns="">
+              <a14:hiddenFill xmlns="" xmlns:a14="http://schemas.microsoft.com/office/drawing/2010/main">
                 <a:solidFill>
                   <a:srgbClr val="FFFFFF"/>
                 </a:solidFill>
               </a14:hiddenFill>
             </a:ext>
             <a:ext uri="{91240B29-F687-4f45-9708-019B960494DF}">
-              <a14:hiddenLine xmlns:a14="http://schemas.microsoft.com/office/drawing/2010/main" xmlns="" w="9525">
+              <a14:hiddenLine xmlns="" xmlns:a14="http://schemas.microsoft.com/office/drawing/2010/main" w="9525">
                 <a:solidFill>
                   <a:srgbClr val="000000"/>
                 </a:solidFill>
@@ -983,7 +983,7 @@
               <ma14:placeholderFlag xmlns:ma14="http://schemas.microsoft.com/office/mac/drawingml/2011/main" val="1"/>
             </a:ext>
             <a:ext uri="{909E8E84-426E-40dd-AFC4-6F175D3DCCD1}">
-              <a14:hiddenFill xmlns:a14="http://schemas.microsoft.com/office/drawing/2010/main" xmlns="">
+              <a14:hiddenFill xmlns="" xmlns:a14="http://schemas.microsoft.com/office/drawing/2010/main">
                 <a:solidFill>
                   <a:srgbClr val="FFFFFF"/>
                 </a:solidFill>
@@ -1008,14 +1008,14 @@
               <ma14:placeholderFlag xmlns:ma14="http://schemas.microsoft.com/office/mac/drawingml/2011/main" val="1"/>
             </a:ext>
             <a:ext uri="{909E8E84-426E-40dd-AFC4-6F175D3DCCD1}">
-              <a14:hiddenFill xmlns:a14="http://schemas.microsoft.com/office/drawing/2010/main" xmlns="">
+              <a14:hiddenFill xmlns="" xmlns:a14="http://schemas.microsoft.com/office/drawing/2010/main">
                 <a:solidFill>
                   <a:srgbClr val="FFFFFF"/>
                 </a:solidFill>
               </a14:hiddenFill>
             </a:ext>
             <a:ext uri="{91240B29-F687-4f45-9708-019B960494DF}">
-              <a14:hiddenLine xmlns:a14="http://schemas.microsoft.com/office/drawing/2010/main" xmlns="" w="9525">
+              <a14:hiddenLine xmlns="" xmlns:a14="http://schemas.microsoft.com/office/drawing/2010/main" w="9525">
                 <a:solidFill>
                   <a:srgbClr val="000000"/>
                 </a:solidFill>
@@ -1064,14 +1064,14 @@
           <a:noFill/>
           <a:extLst>
             <a:ext uri="{909E8E84-426E-40dd-AFC4-6F175D3DCCD1}">
-              <a14:hiddenFill xmlns:a14="http://schemas.microsoft.com/office/drawing/2010/main" xmlns="">
+              <a14:hiddenFill xmlns="" xmlns:a14="http://schemas.microsoft.com/office/drawing/2010/main">
                 <a:solidFill>
                   <a:srgbClr val="FFFFFF"/>
                 </a:solidFill>
               </a14:hiddenFill>
             </a:ext>
             <a:ext uri="{91240B29-F687-4f45-9708-019B960494DF}">
-              <a14:hiddenLine xmlns:a14="http://schemas.microsoft.com/office/drawing/2010/main" xmlns="" w="9525">
+              <a14:hiddenLine xmlns="" xmlns:a14="http://schemas.microsoft.com/office/drawing/2010/main" w="9525">
                 <a:solidFill>
                   <a:srgbClr val="000000"/>
                 </a:solidFill>
@@ -6925,10 +6925,10 @@
           <p:cNvPr id="10" name="Rectangle 9">
             <a:extLst>
               <a:ext uri="{FF2B5EF4-FFF2-40B4-BE49-F238E27FC236}">
-                <a16:creationId xmlns:a16="http://schemas.microsoft.com/office/drawing/2014/main" xmlns="" id="{E20EB187-900F-4AF5-813B-101456D9FD39}"/>
+                <a16:creationId xmlns="" xmlns:a16="http://schemas.microsoft.com/office/drawing/2014/main" id="{E20EB187-900F-4AF5-813B-101456D9FD39}"/>
               </a:ext>
               <a:ext uri="{C183D7F6-B498-43B3-948B-1728B52AA6E4}">
-                <adec:decorative xmlns:adec="http://schemas.microsoft.com/office/drawing/2017/decorative" xmlns="" val="1"/>
+                <adec:decorative xmlns="" xmlns:adec="http://schemas.microsoft.com/office/drawing/2017/decorative" val="1"/>
               </a:ext>
             </a:extLst>
           </p:cNvPr>
@@ -7109,10 +7109,10 @@
           <p:cNvPr id="12" name="Straight Connector 11">
             <a:extLst>
               <a:ext uri="{FF2B5EF4-FFF2-40B4-BE49-F238E27FC236}">
-                <a16:creationId xmlns:a16="http://schemas.microsoft.com/office/drawing/2014/main" xmlns="" id="{624D17C8-E9C2-48A4-AA36-D7048A6CCC41}"/>
+                <a16:creationId xmlns="" xmlns:a16="http://schemas.microsoft.com/office/drawing/2014/main" id="{624D17C8-E9C2-48A4-AA36-D7048A6CCC41}"/>
               </a:ext>
               <a:ext uri="{C183D7F6-B498-43B3-948B-1728B52AA6E4}">
-                <adec:decorative xmlns:adec="http://schemas.microsoft.com/office/drawing/2017/decorative" xmlns="" val="1"/>
+                <adec:decorative xmlns="" xmlns:adec="http://schemas.microsoft.com/office/drawing/2017/decorative" val="1"/>
               </a:ext>
             </a:extLst>
           </p:cNvPr>
@@ -7801,14 +7801,14 @@
           </a:ln>
           <a:extLst>
             <a:ext uri="{909E8E84-426E-40dd-AFC4-6F175D3DCCD1}">
-              <a14:hiddenFill xmlns:a14="http://schemas.microsoft.com/office/drawing/2010/main" xmlns="">
+              <a14:hiddenFill xmlns="" xmlns:a14="http://schemas.microsoft.com/office/drawing/2010/main">
                 <a:solidFill>
                   <a:srgbClr val="FFFFFF"/>
                 </a:solidFill>
               </a14:hiddenFill>
             </a:ext>
             <a:ext uri="{91240B29-F687-4f45-9708-019B960494DF}">
-              <a14:hiddenLine xmlns:a14="http://schemas.microsoft.com/office/drawing/2010/main" xmlns="" w="12700">
+              <a14:hiddenLine xmlns="" xmlns:a14="http://schemas.microsoft.com/office/drawing/2010/main" w="12700">
                 <a:solidFill>
                   <a:srgbClr val="000000"/>
                 </a:solidFill>
@@ -7879,14 +7879,14 @@
           </a:ln>
           <a:extLst>
             <a:ext uri="{909E8E84-426E-40dd-AFC4-6F175D3DCCD1}">
-              <a14:hiddenFill xmlns:a14="http://schemas.microsoft.com/office/drawing/2010/main" xmlns="">
+              <a14:hiddenFill xmlns="" xmlns:a14="http://schemas.microsoft.com/office/drawing/2010/main">
                 <a:solidFill>
                   <a:srgbClr val="FFFFFF"/>
                 </a:solidFill>
               </a14:hiddenFill>
             </a:ext>
             <a:ext uri="{91240B29-F687-4f45-9708-019B960494DF}">
-              <a14:hiddenLine xmlns:a14="http://schemas.microsoft.com/office/drawing/2010/main" xmlns="" w="12700">
+              <a14:hiddenLine xmlns="" xmlns:a14="http://schemas.microsoft.com/office/drawing/2010/main" w="12700">
                 <a:solidFill>
                   <a:srgbClr val="000000"/>
                 </a:solidFill>
@@ -8055,14 +8055,14 @@
           </a:ln>
           <a:extLst>
             <a:ext uri="{909E8E84-426E-40dd-AFC4-6F175D3DCCD1}">
-              <a14:hiddenFill xmlns:a14="http://schemas.microsoft.com/office/drawing/2010/main" xmlns="">
+              <a14:hiddenFill xmlns="" xmlns:a14="http://schemas.microsoft.com/office/drawing/2010/main">
                 <a:solidFill>
                   <a:srgbClr val="FFFFFF"/>
                 </a:solidFill>
               </a14:hiddenFill>
             </a:ext>
             <a:ext uri="{91240B29-F687-4f45-9708-019B960494DF}">
-              <a14:hiddenLine xmlns:a14="http://schemas.microsoft.com/office/drawing/2010/main" xmlns="" w="12700">
+              <a14:hiddenLine xmlns="" xmlns:a14="http://schemas.microsoft.com/office/drawing/2010/main" w="12700">
                 <a:solidFill>
                   <a:srgbClr val="000000"/>
                 </a:solidFill>
@@ -8231,14 +8231,14 @@
           </a:ln>
           <a:extLst>
             <a:ext uri="{909E8E84-426E-40dd-AFC4-6F175D3DCCD1}">
-              <a14:hiddenFill xmlns:a14="http://schemas.microsoft.com/office/drawing/2010/main" xmlns="">
+              <a14:hiddenFill xmlns="" xmlns:a14="http://schemas.microsoft.com/office/drawing/2010/main">
                 <a:solidFill>
                   <a:srgbClr val="FFFFFF"/>
                 </a:solidFill>
               </a14:hiddenFill>
             </a:ext>
             <a:ext uri="{91240B29-F687-4f45-9708-019B960494DF}">
-              <a14:hiddenLine xmlns:a14="http://schemas.microsoft.com/office/drawing/2010/main" xmlns="" w="12700">
+              <a14:hiddenLine xmlns="" xmlns:a14="http://schemas.microsoft.com/office/drawing/2010/main" w="12700">
                 <a:solidFill>
                   <a:srgbClr val="000000"/>
                 </a:solidFill>
@@ -8407,14 +8407,14 @@
           </a:ln>
           <a:extLst>
             <a:ext uri="{909E8E84-426E-40dd-AFC4-6F175D3DCCD1}">
-              <a14:hiddenFill xmlns:a14="http://schemas.microsoft.com/office/drawing/2010/main" xmlns="">
+              <a14:hiddenFill xmlns="" xmlns:a14="http://schemas.microsoft.com/office/drawing/2010/main">
                 <a:solidFill>
                   <a:srgbClr val="FFFFFF"/>
                 </a:solidFill>
               </a14:hiddenFill>
             </a:ext>
             <a:ext uri="{91240B29-F687-4f45-9708-019B960494DF}">
-              <a14:hiddenLine xmlns:a14="http://schemas.microsoft.com/office/drawing/2010/main" xmlns="" w="12700">
+              <a14:hiddenLine xmlns="" xmlns:a14="http://schemas.microsoft.com/office/drawing/2010/main" w="12700">
                 <a:solidFill>
                   <a:srgbClr val="000000"/>
                 </a:solidFill>
@@ -8599,14 +8599,14 @@
             </a:ln>
             <a:extLst>
               <a:ext uri="{909E8E84-426E-40dd-AFC4-6F175D3DCCD1}">
-                <a14:hiddenFill xmlns:a14="http://schemas.microsoft.com/office/drawing/2010/main" xmlns="">
+                <a14:hiddenFill xmlns="" xmlns:a14="http://schemas.microsoft.com/office/drawing/2010/main">
                   <a:solidFill>
                     <a:srgbClr val="FFFFFF"/>
                   </a:solidFill>
                 </a14:hiddenFill>
               </a:ext>
               <a:ext uri="{91240B29-F687-4f45-9708-019B960494DF}">
-                <a14:hiddenLine xmlns:a14="http://schemas.microsoft.com/office/drawing/2010/main" xmlns="" w="12700">
+                <a14:hiddenLine xmlns="" xmlns:a14="http://schemas.microsoft.com/office/drawing/2010/main" w="12700">
                   <a:solidFill>
                     <a:srgbClr val="000000"/>
                   </a:solidFill>
@@ -8775,14 +8775,14 @@
             </a:ln>
             <a:extLst>
               <a:ext uri="{909E8E84-426E-40dd-AFC4-6F175D3DCCD1}">
-                <a14:hiddenFill xmlns:a14="http://schemas.microsoft.com/office/drawing/2010/main" xmlns="">
+                <a14:hiddenFill xmlns="" xmlns:a14="http://schemas.microsoft.com/office/drawing/2010/main">
                   <a:solidFill>
                     <a:srgbClr val="FFFFFF"/>
                   </a:solidFill>
                 </a14:hiddenFill>
               </a:ext>
               <a:ext uri="{91240B29-F687-4f45-9708-019B960494DF}">
-                <a14:hiddenLine xmlns:a14="http://schemas.microsoft.com/office/drawing/2010/main" xmlns="" w="12700">
+                <a14:hiddenLine xmlns="" xmlns:a14="http://schemas.microsoft.com/office/drawing/2010/main" w="12700">
                   <a:solidFill>
                     <a:srgbClr val="000000"/>
                   </a:solidFill>
@@ -8951,14 +8951,14 @@
             </a:ln>
             <a:extLst>
               <a:ext uri="{909E8E84-426E-40dd-AFC4-6F175D3DCCD1}">
-                <a14:hiddenFill xmlns:a14="http://schemas.microsoft.com/office/drawing/2010/main" xmlns="">
+                <a14:hiddenFill xmlns="" xmlns:a14="http://schemas.microsoft.com/office/drawing/2010/main">
                   <a:solidFill>
                     <a:srgbClr val="FFFFFF"/>
                   </a:solidFill>
                 </a14:hiddenFill>
               </a:ext>
               <a:ext uri="{91240B29-F687-4f45-9708-019B960494DF}">
-                <a14:hiddenLine xmlns:a14="http://schemas.microsoft.com/office/drawing/2010/main" xmlns="" w="12700">
+                <a14:hiddenLine xmlns="" xmlns:a14="http://schemas.microsoft.com/office/drawing/2010/main" w="12700">
                   <a:solidFill>
                     <a:srgbClr val="000000"/>
                   </a:solidFill>
@@ -9141,14 +9141,14 @@
           </a:ln>
           <a:extLst>
             <a:ext uri="{909E8E84-426E-40dd-AFC4-6F175D3DCCD1}">
-              <a14:hiddenFill xmlns:a14="http://schemas.microsoft.com/office/drawing/2010/main" xmlns="">
+              <a14:hiddenFill xmlns="" xmlns:a14="http://schemas.microsoft.com/office/drawing/2010/main">
                 <a:solidFill>
                   <a:srgbClr val="FFFFFF"/>
                 </a:solidFill>
               </a14:hiddenFill>
             </a:ext>
             <a:ext uri="{91240B29-F687-4f45-9708-019B960494DF}">
-              <a14:hiddenLine xmlns:a14="http://schemas.microsoft.com/office/drawing/2010/main" xmlns="" w="12700">
+              <a14:hiddenLine xmlns="" xmlns:a14="http://schemas.microsoft.com/office/drawing/2010/main" w="12700">
                 <a:solidFill>
                   <a:srgbClr val="000000"/>
                 </a:solidFill>
@@ -9412,14 +9412,14 @@
           </a:ln>
           <a:extLst>
             <a:ext uri="{909E8E84-426E-40dd-AFC4-6F175D3DCCD1}">
-              <a14:hiddenFill xmlns:a14="http://schemas.microsoft.com/office/drawing/2010/main" xmlns="">
+              <a14:hiddenFill xmlns="" xmlns:a14="http://schemas.microsoft.com/office/drawing/2010/main">
                 <a:solidFill>
                   <a:srgbClr val="FFFFFF"/>
                 </a:solidFill>
               </a14:hiddenFill>
             </a:ext>
             <a:ext uri="{91240B29-F687-4f45-9708-019B960494DF}">
-              <a14:hiddenLine xmlns:a14="http://schemas.microsoft.com/office/drawing/2010/main" xmlns="" w="12700">
+              <a14:hiddenLine xmlns="" xmlns:a14="http://schemas.microsoft.com/office/drawing/2010/main" w="12700">
                 <a:solidFill>
                   <a:srgbClr val="000000"/>
                 </a:solidFill>
@@ -9588,14 +9588,14 @@
           </a:ln>
           <a:extLst>
             <a:ext uri="{909E8E84-426E-40dd-AFC4-6F175D3DCCD1}">
-              <a14:hiddenFill xmlns:a14="http://schemas.microsoft.com/office/drawing/2010/main" xmlns="">
+              <a14:hiddenFill xmlns="" xmlns:a14="http://schemas.microsoft.com/office/drawing/2010/main">
                 <a:solidFill>
                   <a:srgbClr val="FFFFFF"/>
                 </a:solidFill>
               </a14:hiddenFill>
             </a:ext>
             <a:ext uri="{91240B29-F687-4f45-9708-019B960494DF}">
-              <a14:hiddenLine xmlns:a14="http://schemas.microsoft.com/office/drawing/2010/main" xmlns="" w="12700">
+              <a14:hiddenLine xmlns="" xmlns:a14="http://schemas.microsoft.com/office/drawing/2010/main" w="12700">
                 <a:solidFill>
                   <a:srgbClr val="000000"/>
                 </a:solidFill>
@@ -9764,14 +9764,14 @@
           </a:ln>
           <a:extLst>
             <a:ext uri="{909E8E84-426E-40dd-AFC4-6F175D3DCCD1}">
-              <a14:hiddenFill xmlns:a14="http://schemas.microsoft.com/office/drawing/2010/main" xmlns="">
+              <a14:hiddenFill xmlns="" xmlns:a14="http://schemas.microsoft.com/office/drawing/2010/main">
                 <a:solidFill>
                   <a:srgbClr val="FFFFFF"/>
                 </a:solidFill>
               </a14:hiddenFill>
             </a:ext>
             <a:ext uri="{91240B29-F687-4f45-9708-019B960494DF}">
-              <a14:hiddenLine xmlns:a14="http://schemas.microsoft.com/office/drawing/2010/main" xmlns="" w="12700">
+              <a14:hiddenLine xmlns="" xmlns:a14="http://schemas.microsoft.com/office/drawing/2010/main" w="12700">
                 <a:solidFill>
                   <a:srgbClr val="000000"/>
                 </a:solidFill>
@@ -9940,14 +9940,14 @@
           </a:ln>
           <a:extLst>
             <a:ext uri="{909E8E84-426E-40dd-AFC4-6F175D3DCCD1}">
-              <a14:hiddenFill xmlns:a14="http://schemas.microsoft.com/office/drawing/2010/main" xmlns="">
+              <a14:hiddenFill xmlns="" xmlns:a14="http://schemas.microsoft.com/office/drawing/2010/main">
                 <a:solidFill>
                   <a:srgbClr val="FFFFFF"/>
                 </a:solidFill>
               </a14:hiddenFill>
             </a:ext>
             <a:ext uri="{91240B29-F687-4f45-9708-019B960494DF}">
-              <a14:hiddenLine xmlns:a14="http://schemas.microsoft.com/office/drawing/2010/main" xmlns="" w="12700">
+              <a14:hiddenLine xmlns="" xmlns:a14="http://schemas.microsoft.com/office/drawing/2010/main" w="12700">
                 <a:solidFill>
                   <a:srgbClr val="000000"/>
                 </a:solidFill>
@@ -10132,14 +10132,14 @@
             </a:ln>
             <a:extLst>
               <a:ext uri="{909E8E84-426E-40dd-AFC4-6F175D3DCCD1}">
-                <a14:hiddenFill xmlns:a14="http://schemas.microsoft.com/office/drawing/2010/main" xmlns="">
+                <a14:hiddenFill xmlns="" xmlns:a14="http://schemas.microsoft.com/office/drawing/2010/main">
                   <a:solidFill>
                     <a:srgbClr val="FFFFFF"/>
                   </a:solidFill>
                 </a14:hiddenFill>
               </a:ext>
               <a:ext uri="{91240B29-F687-4f45-9708-019B960494DF}">
-                <a14:hiddenLine xmlns:a14="http://schemas.microsoft.com/office/drawing/2010/main" xmlns="" w="12700">
+                <a14:hiddenLine xmlns="" xmlns:a14="http://schemas.microsoft.com/office/drawing/2010/main" w="12700">
                   <a:solidFill>
                     <a:srgbClr val="000000"/>
                   </a:solidFill>
@@ -10308,14 +10308,14 @@
             </a:ln>
             <a:extLst>
               <a:ext uri="{909E8E84-426E-40dd-AFC4-6F175D3DCCD1}">
-                <a14:hiddenFill xmlns:a14="http://schemas.microsoft.com/office/drawing/2010/main" xmlns="">
+                <a14:hiddenFill xmlns="" xmlns:a14="http://schemas.microsoft.com/office/drawing/2010/main">
                   <a:solidFill>
                     <a:srgbClr val="FFFFFF"/>
                   </a:solidFill>
                 </a14:hiddenFill>
               </a:ext>
               <a:ext uri="{91240B29-F687-4f45-9708-019B960494DF}">
-                <a14:hiddenLine xmlns:a14="http://schemas.microsoft.com/office/drawing/2010/main" xmlns="" w="12700">
+                <a14:hiddenLine xmlns="" xmlns:a14="http://schemas.microsoft.com/office/drawing/2010/main" w="12700">
                   <a:solidFill>
                     <a:srgbClr val="000000"/>
                   </a:solidFill>
@@ -10484,14 +10484,14 @@
             </a:ln>
             <a:extLst>
               <a:ext uri="{909E8E84-426E-40dd-AFC4-6F175D3DCCD1}">
-                <a14:hiddenFill xmlns:a14="http://schemas.microsoft.com/office/drawing/2010/main" xmlns="">
+                <a14:hiddenFill xmlns="" xmlns:a14="http://schemas.microsoft.com/office/drawing/2010/main">
                   <a:solidFill>
                     <a:srgbClr val="FFFFFF"/>
                   </a:solidFill>
                 </a14:hiddenFill>
               </a:ext>
               <a:ext uri="{91240B29-F687-4f45-9708-019B960494DF}">
-                <a14:hiddenLine xmlns:a14="http://schemas.microsoft.com/office/drawing/2010/main" xmlns="" w="12700">
+                <a14:hiddenLine xmlns="" xmlns:a14="http://schemas.microsoft.com/office/drawing/2010/main" w="12700">
                   <a:solidFill>
                     <a:srgbClr val="000000"/>
                   </a:solidFill>
@@ -10666,7 +10666,7 @@
           </a:ln>
           <a:extLst>
             <a:ext uri="{909E8E84-426E-40dd-AFC4-6F175D3DCCD1}">
-              <a14:hiddenFill xmlns:a14="http://schemas.microsoft.com/office/drawing/2010/main" xmlns="">
+              <a14:hiddenFill xmlns="" xmlns:a14="http://schemas.microsoft.com/office/drawing/2010/main">
                 <a:solidFill>
                   <a:srgbClr val="FFFFFF"/>
                 </a:solidFill>
@@ -10883,7 +10883,7 @@
           </a:ln>
           <a:extLst>
             <a:ext uri="{909E8E84-426E-40dd-AFC4-6F175D3DCCD1}">
-              <a14:hiddenFill xmlns:a14="http://schemas.microsoft.com/office/drawing/2010/main" xmlns="">
+              <a14:hiddenFill xmlns="" xmlns:a14="http://schemas.microsoft.com/office/drawing/2010/main">
                 <a:solidFill>
                   <a:srgbClr val="FFFFFF"/>
                 </a:solidFill>
@@ -11051,7 +11051,7 @@
           </a:ln>
           <a:extLst>
             <a:ext uri="{909E8E84-426E-40dd-AFC4-6F175D3DCCD1}">
-              <a14:hiddenFill xmlns:a14="http://schemas.microsoft.com/office/drawing/2010/main" xmlns="">
+              <a14:hiddenFill xmlns="" xmlns:a14="http://schemas.microsoft.com/office/drawing/2010/main">
                 <a:noFill/>
               </a14:hiddenFill>
             </a:ext>
@@ -11090,14 +11090,14 @@
           </a:ln>
           <a:extLst>
             <a:ext uri="{909E8E84-426E-40dd-AFC4-6F175D3DCCD1}">
-              <a14:hiddenFill xmlns:a14="http://schemas.microsoft.com/office/drawing/2010/main" xmlns="">
+              <a14:hiddenFill xmlns="" xmlns:a14="http://schemas.microsoft.com/office/drawing/2010/main">
                 <a:solidFill>
                   <a:srgbClr val="FFFFFF"/>
                 </a:solidFill>
               </a14:hiddenFill>
             </a:ext>
             <a:ext uri="{91240B29-F687-4f45-9708-019B960494DF}">
-              <a14:hiddenLine xmlns:a14="http://schemas.microsoft.com/office/drawing/2010/main" xmlns="" w="12700">
+              <a14:hiddenLine xmlns="" xmlns:a14="http://schemas.microsoft.com/office/drawing/2010/main" w="12700">
                 <a:solidFill>
                   <a:srgbClr val="000000"/>
                 </a:solidFill>
@@ -11271,7 +11271,7 @@
           </a:ln>
           <a:extLst>
             <a:ext uri="{909E8E84-426E-40dd-AFC4-6F175D3DCCD1}">
-              <a14:hiddenFill xmlns:a14="http://schemas.microsoft.com/office/drawing/2010/main" xmlns="">
+              <a14:hiddenFill xmlns="" xmlns:a14="http://schemas.microsoft.com/office/drawing/2010/main">
                 <a:solidFill>
                   <a:srgbClr val="FFFFFF"/>
                 </a:solidFill>
@@ -11439,7 +11439,7 @@
           </a:ln>
           <a:extLst>
             <a:ext uri="{909E8E84-426E-40dd-AFC4-6F175D3DCCD1}">
-              <a14:hiddenFill xmlns:a14="http://schemas.microsoft.com/office/drawing/2010/main" xmlns="">
+              <a14:hiddenFill xmlns="" xmlns:a14="http://schemas.microsoft.com/office/drawing/2010/main">
                 <a:noFill/>
               </a14:hiddenFill>
             </a:ext>
@@ -11478,14 +11478,14 @@
           </a:ln>
           <a:extLst>
             <a:ext uri="{909E8E84-426E-40dd-AFC4-6F175D3DCCD1}">
-              <a14:hiddenFill xmlns:a14="http://schemas.microsoft.com/office/drawing/2010/main" xmlns="">
+              <a14:hiddenFill xmlns="" xmlns:a14="http://schemas.microsoft.com/office/drawing/2010/main">
                 <a:solidFill>
                   <a:srgbClr val="FFFFFF"/>
                 </a:solidFill>
               </a14:hiddenFill>
             </a:ext>
             <a:ext uri="{91240B29-F687-4f45-9708-019B960494DF}">
-              <a14:hiddenLine xmlns:a14="http://schemas.microsoft.com/office/drawing/2010/main" xmlns="" w="12700">
+              <a14:hiddenLine xmlns="" xmlns:a14="http://schemas.microsoft.com/office/drawing/2010/main" w="12700">
                 <a:solidFill>
                   <a:srgbClr val="000000"/>
                 </a:solidFill>
@@ -11659,7 +11659,7 @@
           </a:ln>
           <a:extLst>
             <a:ext uri="{909E8E84-426E-40dd-AFC4-6F175D3DCCD1}">
-              <a14:hiddenFill xmlns:a14="http://schemas.microsoft.com/office/drawing/2010/main" xmlns="">
+              <a14:hiddenFill xmlns="" xmlns:a14="http://schemas.microsoft.com/office/drawing/2010/main">
                 <a:solidFill>
                   <a:srgbClr val="FFFFFF"/>
                 </a:solidFill>
@@ -11827,7 +11827,7 @@
           </a:ln>
           <a:extLst>
             <a:ext uri="{909E8E84-426E-40dd-AFC4-6F175D3DCCD1}">
-              <a14:hiddenFill xmlns:a14="http://schemas.microsoft.com/office/drawing/2010/main" xmlns="">
+              <a14:hiddenFill xmlns="" xmlns:a14="http://schemas.microsoft.com/office/drawing/2010/main">
                 <a:noFill/>
               </a14:hiddenFill>
             </a:ext>
@@ -11866,14 +11866,14 @@
           </a:ln>
           <a:extLst>
             <a:ext uri="{909E8E84-426E-40dd-AFC4-6F175D3DCCD1}">
-              <a14:hiddenFill xmlns:a14="http://schemas.microsoft.com/office/drawing/2010/main" xmlns="">
+              <a14:hiddenFill xmlns="" xmlns:a14="http://schemas.microsoft.com/office/drawing/2010/main">
                 <a:solidFill>
                   <a:srgbClr val="FFFFFF"/>
                 </a:solidFill>
               </a14:hiddenFill>
             </a:ext>
             <a:ext uri="{91240B29-F687-4f45-9708-019B960494DF}">
-              <a14:hiddenLine xmlns:a14="http://schemas.microsoft.com/office/drawing/2010/main" xmlns="" w="12700">
+              <a14:hiddenLine xmlns="" xmlns:a14="http://schemas.microsoft.com/office/drawing/2010/main" w="12700">
                 <a:solidFill>
                   <a:srgbClr val="000000"/>
                 </a:solidFill>
@@ -12055,14 +12055,14 @@
           </a:ln>
           <a:extLst>
             <a:ext uri="{909E8E84-426E-40dd-AFC4-6F175D3DCCD1}">
-              <a14:hiddenFill xmlns:a14="http://schemas.microsoft.com/office/drawing/2010/main" xmlns="">
+              <a14:hiddenFill xmlns="" xmlns:a14="http://schemas.microsoft.com/office/drawing/2010/main">
                 <a:solidFill>
                   <a:srgbClr val="FFFFFF"/>
                 </a:solidFill>
               </a14:hiddenFill>
             </a:ext>
             <a:ext uri="{91240B29-F687-4f45-9708-019B960494DF}">
-              <a14:hiddenLine xmlns:a14="http://schemas.microsoft.com/office/drawing/2010/main" xmlns="" w="12700">
+              <a14:hiddenLine xmlns="" xmlns:a14="http://schemas.microsoft.com/office/drawing/2010/main" w="12700">
                 <a:solidFill>
                   <a:srgbClr val="000000"/>
                 </a:solidFill>
@@ -12659,7 +12659,7 @@
           </a:ln>
           <a:extLst>
             <a:ext uri="{909E8E84-426E-40dd-AFC4-6F175D3DCCD1}">
-              <a14:hiddenFill xmlns:a14="http://schemas.microsoft.com/office/drawing/2010/main" xmlns="">
+              <a14:hiddenFill xmlns="" xmlns:a14="http://schemas.microsoft.com/office/drawing/2010/main">
                 <a:solidFill>
                   <a:srgbClr val="FFFFFF"/>
                 </a:solidFill>
@@ -12876,7 +12876,7 @@
           </a:ln>
           <a:extLst>
             <a:ext uri="{909E8E84-426E-40dd-AFC4-6F175D3DCCD1}">
-              <a14:hiddenFill xmlns:a14="http://schemas.microsoft.com/office/drawing/2010/main" xmlns="">
+              <a14:hiddenFill xmlns="" xmlns:a14="http://schemas.microsoft.com/office/drawing/2010/main">
                 <a:solidFill>
                   <a:srgbClr val="FFFFFF"/>
                 </a:solidFill>
@@ -13044,7 +13044,7 @@
           </a:ln>
           <a:extLst>
             <a:ext uri="{909E8E84-426E-40dd-AFC4-6F175D3DCCD1}">
-              <a14:hiddenFill xmlns:a14="http://schemas.microsoft.com/office/drawing/2010/main" xmlns="">
+              <a14:hiddenFill xmlns="" xmlns:a14="http://schemas.microsoft.com/office/drawing/2010/main">
                 <a:noFill/>
               </a14:hiddenFill>
             </a:ext>
@@ -13083,14 +13083,14 @@
           </a:ln>
           <a:extLst>
             <a:ext uri="{909E8E84-426E-40dd-AFC4-6F175D3DCCD1}">
-              <a14:hiddenFill xmlns:a14="http://schemas.microsoft.com/office/drawing/2010/main" xmlns="">
+              <a14:hiddenFill xmlns="" xmlns:a14="http://schemas.microsoft.com/office/drawing/2010/main">
                 <a:solidFill>
                   <a:srgbClr val="FFFFFF"/>
                 </a:solidFill>
               </a14:hiddenFill>
             </a:ext>
             <a:ext uri="{91240B29-F687-4f45-9708-019B960494DF}">
-              <a14:hiddenLine xmlns:a14="http://schemas.microsoft.com/office/drawing/2010/main" xmlns="" w="12700">
+              <a14:hiddenLine xmlns="" xmlns:a14="http://schemas.microsoft.com/office/drawing/2010/main" w="12700">
                 <a:solidFill>
                   <a:srgbClr val="000000"/>
                 </a:solidFill>
@@ -13264,7 +13264,7 @@
           </a:ln>
           <a:extLst>
             <a:ext uri="{909E8E84-426E-40dd-AFC4-6F175D3DCCD1}">
-              <a14:hiddenFill xmlns:a14="http://schemas.microsoft.com/office/drawing/2010/main" xmlns="">
+              <a14:hiddenFill xmlns="" xmlns:a14="http://schemas.microsoft.com/office/drawing/2010/main">
                 <a:solidFill>
                   <a:srgbClr val="FFFFFF"/>
                 </a:solidFill>
@@ -13432,7 +13432,7 @@
           </a:ln>
           <a:extLst>
             <a:ext uri="{909E8E84-426E-40dd-AFC4-6F175D3DCCD1}">
-              <a14:hiddenFill xmlns:a14="http://schemas.microsoft.com/office/drawing/2010/main" xmlns="">
+              <a14:hiddenFill xmlns="" xmlns:a14="http://schemas.microsoft.com/office/drawing/2010/main">
                 <a:noFill/>
               </a14:hiddenFill>
             </a:ext>
@@ -13471,14 +13471,14 @@
           </a:ln>
           <a:extLst>
             <a:ext uri="{909E8E84-426E-40dd-AFC4-6F175D3DCCD1}">
-              <a14:hiddenFill xmlns:a14="http://schemas.microsoft.com/office/drawing/2010/main" xmlns="">
+              <a14:hiddenFill xmlns="" xmlns:a14="http://schemas.microsoft.com/office/drawing/2010/main">
                 <a:solidFill>
                   <a:srgbClr val="FFFFFF"/>
                 </a:solidFill>
               </a14:hiddenFill>
             </a:ext>
             <a:ext uri="{91240B29-F687-4f45-9708-019B960494DF}">
-              <a14:hiddenLine xmlns:a14="http://schemas.microsoft.com/office/drawing/2010/main" xmlns="" w="12700">
+              <a14:hiddenLine xmlns="" xmlns:a14="http://schemas.microsoft.com/office/drawing/2010/main" w="12700">
                 <a:solidFill>
                   <a:srgbClr val="000000"/>
                 </a:solidFill>
@@ -13652,7 +13652,7 @@
           </a:ln>
           <a:extLst>
             <a:ext uri="{909E8E84-426E-40dd-AFC4-6F175D3DCCD1}">
-              <a14:hiddenFill xmlns:a14="http://schemas.microsoft.com/office/drawing/2010/main" xmlns="">
+              <a14:hiddenFill xmlns="" xmlns:a14="http://schemas.microsoft.com/office/drawing/2010/main">
                 <a:solidFill>
                   <a:srgbClr val="FFFFFF"/>
                 </a:solidFill>
@@ -13820,7 +13820,7 @@
           </a:ln>
           <a:extLst>
             <a:ext uri="{909E8E84-426E-40dd-AFC4-6F175D3DCCD1}">
-              <a14:hiddenFill xmlns:a14="http://schemas.microsoft.com/office/drawing/2010/main" xmlns="">
+              <a14:hiddenFill xmlns="" xmlns:a14="http://schemas.microsoft.com/office/drawing/2010/main">
                 <a:noFill/>
               </a14:hiddenFill>
             </a:ext>
@@ -13859,14 +13859,14 @@
           </a:ln>
           <a:extLst>
             <a:ext uri="{909E8E84-426E-40dd-AFC4-6F175D3DCCD1}">
-              <a14:hiddenFill xmlns:a14="http://schemas.microsoft.com/office/drawing/2010/main" xmlns="">
+              <a14:hiddenFill xmlns="" xmlns:a14="http://schemas.microsoft.com/office/drawing/2010/main">
                 <a:solidFill>
                   <a:srgbClr val="FFFFFF"/>
                 </a:solidFill>
               </a14:hiddenFill>
             </a:ext>
             <a:ext uri="{91240B29-F687-4f45-9708-019B960494DF}">
-              <a14:hiddenLine xmlns:a14="http://schemas.microsoft.com/office/drawing/2010/main" xmlns="" w="12700">
+              <a14:hiddenLine xmlns="" xmlns:a14="http://schemas.microsoft.com/office/drawing/2010/main" w="12700">
                 <a:solidFill>
                   <a:srgbClr val="000000"/>
                 </a:solidFill>
@@ -14048,14 +14048,14 @@
           </a:ln>
           <a:extLst>
             <a:ext uri="{909E8E84-426E-40dd-AFC4-6F175D3DCCD1}">
-              <a14:hiddenFill xmlns:a14="http://schemas.microsoft.com/office/drawing/2010/main" xmlns="">
+              <a14:hiddenFill xmlns="" xmlns:a14="http://schemas.microsoft.com/office/drawing/2010/main">
                 <a:solidFill>
                   <a:srgbClr val="FFFFFF"/>
                 </a:solidFill>
               </a14:hiddenFill>
             </a:ext>
             <a:ext uri="{91240B29-F687-4f45-9708-019B960494DF}">
-              <a14:hiddenLine xmlns:a14="http://schemas.microsoft.com/office/drawing/2010/main" xmlns="" w="12700">
+              <a14:hiddenLine xmlns="" xmlns:a14="http://schemas.microsoft.com/office/drawing/2010/main" w="12700">
                 <a:solidFill>
                   <a:srgbClr val="000000"/>
                 </a:solidFill>
@@ -14189,19 +14189,7 @@
                 <a:cs typeface="Arial" charset="0"/>
                 <a:sym typeface="Cabin"/>
               </a:rPr>
-              <a:t>Connecting Data </a:t>
-            </a:r>
-            <a:r>
-              <a:rPr lang="en-US" sz="5733" dirty="0" smtClean="0">
-                <a:solidFill>
-                  <a:srgbClr val="FFD966"/>
-                </a:solidFill>
-                <a:latin typeface="Arial" charset="0"/>
-                <a:ea typeface="Arial" charset="0"/>
-                <a:cs typeface="Arial" charset="0"/>
-                <a:sym typeface="Cabin"/>
-              </a:rPr>
-              <a:t>With Keys</a:t>
+              <a:t>Connecting Data With Keys</a:t>
             </a:r>
             <a:endParaRPr lang="en" sz="5733" dirty="0">
               <a:solidFill>
@@ -17331,6 +17319,13 @@
   <p:clrMapOvr>
     <a:masterClrMapping/>
   </p:clrMapOvr>
+  <p:timing>
+    <p:tnLst>
+      <p:par>
+        <p:cTn id="1" dur="indefinite" restart="never" nodeType="tmRoot"/>
+      </p:par>
+    </p:tnLst>
+  </p:timing>
 </p:sld>
 </file>
 
@@ -23225,6 +23220,13 @@
   <p:clrMapOvr>
     <a:masterClrMapping/>
   </p:clrMapOvr>
+  <p:timing>
+    <p:tnLst>
+      <p:par>
+        <p:cTn id="1" dur="indefinite" restart="never" nodeType="tmRoot"/>
+      </p:par>
+    </p:tnLst>
+  </p:timing>
 </p:sld>
 </file>
 
@@ -23338,6 +23340,13 @@
   <p:clrMapOvr>
     <a:masterClrMapping/>
   </p:clrMapOvr>
+  <p:timing>
+    <p:tnLst>
+      <p:par>
+        <p:cTn id="1" dur="indefinite" restart="never" nodeType="tmRoot"/>
+      </p:par>
+    </p:tnLst>
+  </p:timing>
 </p:sld>
 </file>
 
@@ -24086,6 +24095,13 @@
   <p:clrMapOvr>
     <a:masterClrMapping/>
   </p:clrMapOvr>
+  <p:timing>
+    <p:tnLst>
+      <p:par>
+        <p:cTn id="1" dur="indefinite" restart="never" nodeType="tmRoot"/>
+      </p:par>
+    </p:tnLst>
+  </p:timing>
 </p:sld>
 </file>
 

--- a/lectures/DJ-03-One-To-Many.pptx
+++ b/lectures/DJ-03-One-To-Many.pptx
@@ -233,7 +233,7 @@
           <a:p>
             <a:fld id="{C97B56FC-7D2E-F343-9D09-0D14B00AA564}" type="datetimeFigureOut">
               <a:rPr lang="en-US" smtClean="0"/>
-              <a:t>9/18/19</a:t>
+              <a:t>9/19/19</a:t>
             </a:fld>
             <a:endParaRPr lang="en-US"/>
           </a:p>
@@ -2111,7 +2111,7 @@
           <a:p>
             <a:fld id="{EEE7C04C-7AF8-1445-A186-502B631B934F}" type="datetimeFigureOut">
               <a:rPr lang="en-US" smtClean="0"/>
-              <a:t>9/18/19</a:t>
+              <a:t>9/19/19</a:t>
             </a:fld>
             <a:endParaRPr lang="en-US"/>
           </a:p>
@@ -2276,7 +2276,7 @@
           <a:p>
             <a:fld id="{EEE7C04C-7AF8-1445-A186-502B631B934F}" type="datetimeFigureOut">
               <a:rPr lang="en-US" smtClean="0"/>
-              <a:t>9/18/19</a:t>
+              <a:t>9/19/19</a:t>
             </a:fld>
             <a:endParaRPr lang="en-US"/>
           </a:p>
@@ -2451,7 +2451,7 @@
           <a:p>
             <a:fld id="{EEE7C04C-7AF8-1445-A186-502B631B934F}" type="datetimeFigureOut">
               <a:rPr lang="en-US" smtClean="0"/>
-              <a:t>9/18/19</a:t>
+              <a:t>9/19/19</a:t>
             </a:fld>
             <a:endParaRPr lang="en-US"/>
           </a:p>
@@ -2616,7 +2616,7 @@
           <a:p>
             <a:fld id="{EEE7C04C-7AF8-1445-A186-502B631B934F}" type="datetimeFigureOut">
               <a:rPr lang="en-US" smtClean="0"/>
-              <a:t>9/18/19</a:t>
+              <a:t>9/19/19</a:t>
             </a:fld>
             <a:endParaRPr lang="en-US"/>
           </a:p>
@@ -2857,7 +2857,7 @@
           <a:p>
             <a:fld id="{EEE7C04C-7AF8-1445-A186-502B631B934F}" type="datetimeFigureOut">
               <a:rPr lang="en-US" smtClean="0"/>
-              <a:t>9/18/19</a:t>
+              <a:t>9/19/19</a:t>
             </a:fld>
             <a:endParaRPr lang="en-US"/>
           </a:p>
@@ -3084,7 +3084,7 @@
           <a:p>
             <a:fld id="{EEE7C04C-7AF8-1445-A186-502B631B934F}" type="datetimeFigureOut">
               <a:rPr lang="en-US" smtClean="0"/>
-              <a:t>9/18/19</a:t>
+              <a:t>9/19/19</a:t>
             </a:fld>
             <a:endParaRPr lang="en-US"/>
           </a:p>
@@ -3446,7 +3446,7 @@
           <a:p>
             <a:fld id="{EEE7C04C-7AF8-1445-A186-502B631B934F}" type="datetimeFigureOut">
               <a:rPr lang="en-US" smtClean="0"/>
-              <a:t>9/18/19</a:t>
+              <a:t>9/19/19</a:t>
             </a:fld>
             <a:endParaRPr lang="en-US"/>
           </a:p>
@@ -3559,7 +3559,7 @@
           <a:p>
             <a:fld id="{EEE7C04C-7AF8-1445-A186-502B631B934F}" type="datetimeFigureOut">
               <a:rPr lang="en-US" smtClean="0"/>
-              <a:t>9/18/19</a:t>
+              <a:t>9/19/19</a:t>
             </a:fld>
             <a:endParaRPr lang="en-US"/>
           </a:p>
@@ -3649,7 +3649,7 @@
           <a:p>
             <a:fld id="{EEE7C04C-7AF8-1445-A186-502B631B934F}" type="datetimeFigureOut">
               <a:rPr lang="en-US" smtClean="0"/>
-              <a:t>9/18/19</a:t>
+              <a:t>9/19/19</a:t>
             </a:fld>
             <a:endParaRPr lang="en-US"/>
           </a:p>
@@ -3921,7 +3921,7 @@
           <a:p>
             <a:fld id="{EEE7C04C-7AF8-1445-A186-502B631B934F}" type="datetimeFigureOut">
               <a:rPr lang="en-US" smtClean="0"/>
-              <a:t>9/18/19</a:t>
+              <a:t>9/19/19</a:t>
             </a:fld>
             <a:endParaRPr lang="en-US"/>
           </a:p>
@@ -4173,7 +4173,7 @@
           <a:p>
             <a:fld id="{EEE7C04C-7AF8-1445-A186-502B631B934F}" type="datetimeFigureOut">
               <a:rPr lang="en-US" smtClean="0"/>
-              <a:t>9/18/19</a:t>
+              <a:t>9/19/19</a:t>
             </a:fld>
             <a:endParaRPr lang="en-US"/>
           </a:p>
@@ -4381,7 +4381,7 @@
           <a:p>
             <a:fld id="{EEE7C04C-7AF8-1445-A186-502B631B934F}" type="datetimeFigureOut">
               <a:rPr lang="en-US" smtClean="0"/>
-              <a:t>9/18/19</a:t>
+              <a:t>9/19/19</a:t>
             </a:fld>
             <a:endParaRPr lang="en-US"/>
           </a:p>
@@ -4799,10 +4799,10 @@
           <p:cNvPr id="10" name="Rectangle 9">
             <a:extLst>
               <a:ext uri="{FF2B5EF4-FFF2-40B4-BE49-F238E27FC236}">
-                <a16:creationId xmlns:a16="http://schemas.microsoft.com/office/drawing/2014/main" xmlns="" id="{E20EB187-900F-4AF5-813B-101456D9FD39}"/>
+                <a16:creationId xmlns="" xmlns:a16="http://schemas.microsoft.com/office/drawing/2014/main" id="{E20EB187-900F-4AF5-813B-101456D9FD39}"/>
               </a:ext>
               <a:ext uri="{C183D7F6-B498-43B3-948B-1728B52AA6E4}">
-                <adec:decorative xmlns:adec="http://schemas.microsoft.com/office/drawing/2017/decorative" xmlns="" val="1"/>
+                <adec:decorative xmlns="" xmlns:adec="http://schemas.microsoft.com/office/drawing/2017/decorative" val="1"/>
               </a:ext>
             </a:extLst>
           </p:cNvPr>
@@ -4953,10 +4953,10 @@
           <p:cNvPr id="12" name="Straight Connector 11">
             <a:extLst>
               <a:ext uri="{FF2B5EF4-FFF2-40B4-BE49-F238E27FC236}">
-                <a16:creationId xmlns:a16="http://schemas.microsoft.com/office/drawing/2014/main" xmlns="" id="{624D17C8-E9C2-48A4-AA36-D7048A6CCC41}"/>
+                <a16:creationId xmlns="" xmlns:a16="http://schemas.microsoft.com/office/drawing/2014/main" id="{624D17C8-E9C2-48A4-AA36-D7048A6CCC41}"/>
               </a:ext>
               <a:ext uri="{C183D7F6-B498-43B3-948B-1728B52AA6E4}">
-                <adec:decorative xmlns:adec="http://schemas.microsoft.com/office/drawing/2017/decorative" xmlns="" val="1"/>
+                <adec:decorative xmlns="" xmlns:adec="http://schemas.microsoft.com/office/drawing/2017/decorative" val="1"/>
               </a:ext>
             </a:extLst>
           </p:cNvPr>
@@ -29039,31 +29039,7 @@
                 <a:ea typeface="Courier" charset="0"/>
                 <a:cs typeface="Courier" charset="0"/>
               </a:rPr>
-              <a:t>  Apply all migrations: admin, </a:t>
-            </a:r>
-            <a:r>
-              <a:rPr lang="en-US" b="1" dirty="0" err="1">
-                <a:latin typeface="Courier" charset="0"/>
-                <a:ea typeface="Courier" charset="0"/>
-                <a:cs typeface="Courier" charset="0"/>
-              </a:rPr>
-              <a:t>auth</a:t>
-            </a:r>
-            <a:r>
-              <a:rPr lang="en-US" b="1" dirty="0">
-                <a:latin typeface="Courier" charset="0"/>
-                <a:ea typeface="Courier" charset="0"/>
-                <a:cs typeface="Courier" charset="0"/>
-              </a:rPr>
-              <a:t>, autos, </a:t>
-            </a:r>
-            <a:r>
-              <a:rPr lang="en-US" b="1" dirty="0" err="1">
-                <a:latin typeface="Courier" charset="0"/>
-                <a:ea typeface="Courier" charset="0"/>
-                <a:cs typeface="Courier" charset="0"/>
-              </a:rPr>
-              <a:t>bookone</a:t>
+              <a:t>  Apply all migrations: admin</a:t>
             </a:r>
             <a:r>
               <a:rPr lang="en-US" b="1" dirty="0" smtClean="0">
@@ -29071,8 +29047,13 @@
                 <a:ea typeface="Courier" charset="0"/>
                 <a:cs typeface="Courier" charset="0"/>
               </a:rPr>
-              <a:t>, ... </a:t>
-            </a:r>
+              <a:t>,... </a:t>
+            </a:r>
+            <a:endParaRPr lang="en-US" b="1" dirty="0" smtClean="0">
+              <a:latin typeface="Courier" charset="0"/>
+              <a:ea typeface="Courier" charset="0"/>
+              <a:cs typeface="Courier" charset="0"/>
+            </a:endParaRPr>
           </a:p>
           <a:p>
             <a:r>
@@ -29303,8 +29284,8 @@
         </p:nvSpPr>
         <p:spPr>
           <a:xfrm>
-            <a:off x="7915274" y="365125"/>
-            <a:ext cx="3438525" cy="2149475"/>
+            <a:off x="7829550" y="365125"/>
+            <a:ext cx="3524249" cy="1406525"/>
           </a:xfrm>
         </p:spPr>
         <p:txBody>
@@ -29314,10 +29295,118 @@
           <a:lstStyle/>
           <a:p>
             <a:r>
+              <a:rPr lang="en-US" smtClean="0"/>
+              <a:t>From </a:t>
+            </a:r>
+            <a:r>
               <a:rPr lang="en-US" dirty="0" smtClean="0"/>
-              <a:t>Migrations: From Model to Database</a:t>
+              <a:t>Model to Database</a:t>
             </a:r>
             <a:endParaRPr lang="en-US" dirty="0"/>
+          </a:p>
+        </p:txBody>
+      </p:sp>
+      <p:sp>
+        <p:nvSpPr>
+          <p:cNvPr id="4" name="TextBox 3"/>
+          <p:cNvSpPr txBox="1"/>
+          <p:nvPr/>
+        </p:nvSpPr>
+        <p:spPr>
+          <a:xfrm>
+            <a:off x="6500812" y="2400300"/>
+            <a:ext cx="5409296" cy="1754326"/>
+          </a:xfrm>
+          <a:prstGeom prst="rect">
+            <a:avLst/>
+          </a:prstGeom>
+          <a:solidFill>
+            <a:schemeClr val="tx2"/>
+          </a:solidFill>
+        </p:spPr>
+        <p:txBody>
+          <a:bodyPr wrap="square" rtlCol="0">
+            <a:spAutoFit/>
+          </a:bodyPr>
+          <a:lstStyle/>
+          <a:p>
+            <a:r>
+              <a:rPr lang="en-US" dirty="0" smtClean="0">
+                <a:solidFill>
+                  <a:srgbClr val="002060"/>
+                </a:solidFill>
+              </a:rPr>
+              <a:t>Note that </a:t>
+            </a:r>
+            <a:r>
+              <a:rPr lang="en-US" dirty="0" err="1" smtClean="0">
+                <a:solidFill>
+                  <a:srgbClr val="002060"/>
+                </a:solidFill>
+              </a:rPr>
+              <a:t>makemigrations</a:t>
+            </a:r>
+            <a:r>
+              <a:rPr lang="en-US" dirty="0" smtClean="0">
+                <a:solidFill>
+                  <a:srgbClr val="002060"/>
+                </a:solidFill>
+              </a:rPr>
+              <a:t> only "does something" when you create or alter a </a:t>
+            </a:r>
+            <a:r>
+              <a:rPr lang="en-US" dirty="0" err="1" smtClean="0">
+                <a:solidFill>
+                  <a:srgbClr val="002060"/>
+                </a:solidFill>
+              </a:rPr>
+              <a:t>models.py</a:t>
+            </a:r>
+            <a:r>
+              <a:rPr lang="en-US" dirty="0" smtClean="0">
+                <a:solidFill>
+                  <a:srgbClr val="002060"/>
+                </a:solidFill>
+              </a:rPr>
+              <a:t> file. The migrate only "does something" when there are migrations that are not yet applied to the database.  Also an application must be added to </a:t>
+            </a:r>
+            <a:r>
+              <a:rPr lang="en-US" dirty="0" err="1" smtClean="0">
+                <a:solidFill>
+                  <a:srgbClr val="002060"/>
+                </a:solidFill>
+              </a:rPr>
+              <a:t>settings.py</a:t>
+            </a:r>
+            <a:r>
+              <a:rPr lang="en-US" dirty="0" smtClean="0">
+                <a:solidFill>
+                  <a:srgbClr val="002060"/>
+                </a:solidFill>
+              </a:rPr>
+              <a:t> before these commands see the </a:t>
+            </a:r>
+            <a:r>
+              <a:rPr lang="en-US" dirty="0" err="1" smtClean="0">
+                <a:solidFill>
+                  <a:srgbClr val="002060"/>
+                </a:solidFill>
+              </a:rPr>
+              <a:t>models.py</a:t>
+            </a:r>
+            <a:r>
+              <a:rPr lang="en-US" dirty="0" smtClean="0">
+                <a:solidFill>
+                  <a:srgbClr val="002060"/>
+                </a:solidFill>
+              </a:rPr>
+              <a:t> file for an application.</a:t>
+            </a:r>
+            <a:endParaRPr lang="en-US" dirty="0">
+              <a:solidFill>
+                <a:srgbClr val="002060"/>
+              </a:solidFill>
+            </a:endParaRPr>
           </a:p>
         </p:txBody>
       </p:sp>

--- a/lectures/DJ-03-One-To-Many.pptx
+++ b/lectures/DJ-03-One-To-Many.pptx
@@ -5,7 +5,7 @@
     <p:sldMasterId id="2147483660" r:id="rId1"/>
   </p:sldMasterIdLst>
   <p:notesMasterIdLst>
-    <p:notesMasterId r:id="rId39"/>
+    <p:notesMasterId r:id="rId41"/>
   </p:notesMasterIdLst>
   <p:sldIdLst>
     <p:sldId id="258" r:id="rId2"/>
@@ -34,17 +34,19 @@
     <p:sldId id="345" r:id="rId25"/>
     <p:sldId id="330" r:id="rId26"/>
     <p:sldId id="340" r:id="rId27"/>
-    <p:sldId id="338" r:id="rId28"/>
-    <p:sldId id="331" r:id="rId29"/>
-    <p:sldId id="333" r:id="rId30"/>
-    <p:sldId id="336" r:id="rId31"/>
-    <p:sldId id="335" r:id="rId32"/>
-    <p:sldId id="332" r:id="rId33"/>
-    <p:sldId id="341" r:id="rId34"/>
-    <p:sldId id="347" r:id="rId35"/>
-    <p:sldId id="348" r:id="rId36"/>
-    <p:sldId id="311" r:id="rId37"/>
-    <p:sldId id="273" r:id="rId38"/>
+    <p:sldId id="350" r:id="rId28"/>
+    <p:sldId id="349" r:id="rId29"/>
+    <p:sldId id="338" r:id="rId30"/>
+    <p:sldId id="331" r:id="rId31"/>
+    <p:sldId id="333" r:id="rId32"/>
+    <p:sldId id="336" r:id="rId33"/>
+    <p:sldId id="335" r:id="rId34"/>
+    <p:sldId id="332" r:id="rId35"/>
+    <p:sldId id="341" r:id="rId36"/>
+    <p:sldId id="347" r:id="rId37"/>
+    <p:sldId id="348" r:id="rId38"/>
+    <p:sldId id="311" r:id="rId39"/>
+    <p:sldId id="273" r:id="rId40"/>
   </p:sldIdLst>
   <p:sldSz cx="12192000" cy="6858000"/>
   <p:notesSz cx="6858000" cy="9144000"/>
@@ -1961,7 +1963,7 @@
             <a:fld id="{4D278F01-0E49-8C48-9910-CC44DF16FDDC}" type="slidenum">
               <a:rPr lang="en-US" altLang="x-none" sz="1200"/>
               <a:pPr/>
-              <a:t>36</a:t>
+              <a:t>38</a:t>
             </a:fld>
             <a:endParaRPr lang="en-US" altLang="x-none" sz="1200"/>
           </a:p>
@@ -4799,10 +4801,10 @@
           <p:cNvPr id="10" name="Rectangle 9">
             <a:extLst>
               <a:ext uri="{FF2B5EF4-FFF2-40B4-BE49-F238E27FC236}">
-                <a16:creationId xmlns="" xmlns:a16="http://schemas.microsoft.com/office/drawing/2014/main" id="{E20EB187-900F-4AF5-813B-101456D9FD39}"/>
+                <a16:creationId xmlns:a16="http://schemas.microsoft.com/office/drawing/2014/main" xmlns="" id="{E20EB187-900F-4AF5-813B-101456D9FD39}"/>
               </a:ext>
               <a:ext uri="{C183D7F6-B498-43B3-948B-1728B52AA6E4}">
-                <adec:decorative xmlns="" xmlns:adec="http://schemas.microsoft.com/office/drawing/2017/decorative" val="1"/>
+                <adec:decorative xmlns:adec="http://schemas.microsoft.com/office/drawing/2017/decorative" xmlns="" val="1"/>
               </a:ext>
             </a:extLst>
           </p:cNvPr>
@@ -4953,10 +4955,10 @@
           <p:cNvPr id="12" name="Straight Connector 11">
             <a:extLst>
               <a:ext uri="{FF2B5EF4-FFF2-40B4-BE49-F238E27FC236}">
-                <a16:creationId xmlns="" xmlns:a16="http://schemas.microsoft.com/office/drawing/2014/main" id="{624D17C8-E9C2-48A4-AA36-D7048A6CCC41}"/>
+                <a16:creationId xmlns:a16="http://schemas.microsoft.com/office/drawing/2014/main" xmlns="" id="{624D17C8-E9C2-48A4-AA36-D7048A6CCC41}"/>
               </a:ext>
               <a:ext uri="{C183D7F6-B498-43B3-948B-1728B52AA6E4}">
-                <adec:decorative xmlns="" xmlns:adec="http://schemas.microsoft.com/office/drawing/2017/decorative" val="1"/>
+                <adec:decorative xmlns:adec="http://schemas.microsoft.com/office/drawing/2017/decorative" xmlns="" val="1"/>
               </a:ext>
             </a:extLst>
           </p:cNvPr>
@@ -29049,11 +29051,6 @@
               </a:rPr>
               <a:t>,... </a:t>
             </a:r>
-            <a:endParaRPr lang="en-US" b="1" dirty="0" smtClean="0">
-              <a:latin typeface="Courier" charset="0"/>
-              <a:ea typeface="Courier" charset="0"/>
-              <a:cs typeface="Courier" charset="0"/>
-            </a:endParaRPr>
           </a:p>
           <a:p>
             <a:r>
@@ -30801,7 +30798,7 @@
       </p:grpSpPr>
       <p:sp>
         <p:nvSpPr>
-          <p:cNvPr id="4" name="Title 3"/>
+          <p:cNvPr id="2" name="Title 1"/>
           <p:cNvSpPr>
             <a:spLocks noGrp="1"/>
           </p:cNvSpPr>
@@ -30816,7 +30813,11 @@
           <a:p>
             <a:r>
               <a:rPr lang="en-US" dirty="0" smtClean="0"/>
-              <a:t>Models, Migrations, and Database Tables</a:t>
+              <a:t>About </a:t>
+            </a:r>
+            <a:r>
+              <a:rPr lang="en-US" dirty="0" err="1" smtClean="0"/>
+              <a:t>on_delete</a:t>
             </a:r>
             <a:endParaRPr lang="en-US" dirty="0"/>
           </a:p>
@@ -30824,27 +30825,855 @@
       </p:sp>
       <p:sp>
         <p:nvSpPr>
-          <p:cNvPr id="6" name="Text Placeholder 5"/>
+          <p:cNvPr id="3" name="Content Placeholder 2"/>
           <p:cNvSpPr>
             <a:spLocks noGrp="1"/>
           </p:cNvSpPr>
           <p:nvPr>
-            <p:ph type="body" idx="1"/>
+            <p:ph idx="1"/>
           </p:nvPr>
         </p:nvSpPr>
-        <p:spPr/>
+        <p:spPr>
+          <a:xfrm>
+            <a:off x="838200" y="1825626"/>
+            <a:ext cx="10515600" cy="1746250"/>
+          </a:xfrm>
+        </p:spPr>
         <p:txBody>
           <a:bodyPr/>
           <a:lstStyle/>
           <a:p>
-            <a:endParaRPr lang="en-US"/>
+            <a:r>
+              <a:rPr lang="en-US" dirty="0" smtClean="0"/>
+              <a:t>What do we do when a row in one table points to a row in a "foreign" table via a </a:t>
+            </a:r>
+            <a:r>
+              <a:rPr lang="en-US" dirty="0" err="1" smtClean="0"/>
+              <a:t>forgign</a:t>
+            </a:r>
+            <a:r>
+              <a:rPr lang="en-US" dirty="0" smtClean="0"/>
+              <a:t> key and the "destination row" is deleted</a:t>
+            </a:r>
+          </a:p>
+          <a:p>
+            <a:pPr lvl="1"/>
+            <a:r>
+              <a:rPr lang="en-US" dirty="0" err="1"/>
+              <a:t>on_delete</a:t>
+            </a:r>
+            <a:r>
+              <a:rPr lang="en-US" dirty="0"/>
+              <a:t> = </a:t>
+            </a:r>
+            <a:r>
+              <a:rPr lang="en-US" dirty="0" err="1" smtClean="0"/>
+              <a:t>set_null</a:t>
+            </a:r>
+            <a:r>
+              <a:rPr lang="en-US" dirty="0" smtClean="0"/>
+              <a:t> </a:t>
+            </a:r>
+            <a:r>
+              <a:rPr lang="mr-IN" dirty="0" smtClean="0"/>
+              <a:t>–</a:t>
+            </a:r>
+            <a:r>
+              <a:rPr lang="en-US" dirty="0" smtClean="0"/>
+              <a:t> Keep the row but set foreign key to null</a:t>
+            </a:r>
+          </a:p>
+          <a:p>
+            <a:pPr lvl="1"/>
+            <a:r>
+              <a:rPr lang="en-US" dirty="0" err="1" smtClean="0"/>
+              <a:t>on_delete</a:t>
+            </a:r>
+            <a:r>
+              <a:rPr lang="en-US" dirty="0" smtClean="0"/>
+              <a:t> = cascade  - Delete the row</a:t>
+            </a:r>
           </a:p>
         </p:txBody>
       </p:sp>
+      <p:sp>
+        <p:nvSpPr>
+          <p:cNvPr id="4" name="Rectangle 3"/>
+          <p:cNvSpPr/>
+          <p:nvPr/>
+        </p:nvSpPr>
+        <p:spPr>
+          <a:xfrm>
+            <a:off x="838200" y="5705513"/>
+            <a:ext cx="10515600" cy="369332"/>
+          </a:xfrm>
+          <a:prstGeom prst="rect">
+            <a:avLst/>
+          </a:prstGeom>
+        </p:spPr>
+        <p:txBody>
+          <a:bodyPr wrap="square">
+            <a:spAutoFit/>
+          </a:bodyPr>
+          <a:lstStyle/>
+          <a:p>
+            <a:r>
+              <a:rPr lang="en-US" dirty="0"/>
+              <a:t>https://</a:t>
+            </a:r>
+            <a:r>
+              <a:rPr lang="en-US" dirty="0" err="1"/>
+              <a:t>docs.djangoproject.com</a:t>
+            </a:r>
+            <a:r>
+              <a:rPr lang="en-US" dirty="0"/>
+              <a:t>/</a:t>
+            </a:r>
+            <a:r>
+              <a:rPr lang="en-US" dirty="0" err="1"/>
+              <a:t>en</a:t>
+            </a:r>
+            <a:r>
+              <a:rPr lang="en-US" dirty="0"/>
+              <a:t>/2.2/ref/models/fields/#</a:t>
+            </a:r>
+            <a:r>
+              <a:rPr lang="en-US" dirty="0" err="1"/>
+              <a:t>django.db.models.ForeignKey.on_delete</a:t>
+            </a:r>
+            <a:endParaRPr lang="en-US" dirty="0"/>
+          </a:p>
+        </p:txBody>
+      </p:sp>
+      <p:graphicFrame>
+        <p:nvGraphicFramePr>
+          <p:cNvPr id="35" name="Table 34"/>
+          <p:cNvGraphicFramePr>
+            <a:graphicFrameLocks noGrp="1"/>
+          </p:cNvGraphicFramePr>
+          <p:nvPr>
+            <p:extLst>
+              <p:ext uri="{D42A27DB-BD31-4B8C-83A1-F6EECF244321}">
+                <p14:modId xmlns:p14="http://schemas.microsoft.com/office/powerpoint/2010/main" val="2044580014"/>
+              </p:ext>
+            </p:extLst>
+          </p:nvPr>
+        </p:nvGraphicFramePr>
+        <p:xfrm>
+          <a:off x="1034025" y="3850246"/>
+          <a:ext cx="7205662" cy="1410500"/>
+        </p:xfrm>
+        <a:graphic>
+          <a:graphicData uri="http://schemas.openxmlformats.org/drawingml/2006/table">
+            <a:tbl>
+              <a:tblPr firstRow="1" bandRow="1">
+                <a:tableStyleId>{5C22544A-7EE6-4342-B048-85BDC9FD1C3A}</a:tableStyleId>
+              </a:tblPr>
+              <a:tblGrid>
+                <a:gridCol w="774132"/>
+                <a:gridCol w="3214715"/>
+                <a:gridCol w="1915195"/>
+                <a:gridCol w="1301620"/>
+              </a:tblGrid>
+              <a:tr h="344949">
+                <a:tc>
+                  <a:txBody>
+                    <a:bodyPr/>
+                    <a:lstStyle/>
+                    <a:p>
+                      <a:pPr algn="l" fontAlgn="b"/>
+                      <a:r>
+                        <a:rPr lang="en-US" sz="2400" b="0" i="0" u="none" strike="noStrike" dirty="0" smtClean="0">
+                          <a:solidFill>
+                            <a:srgbClr val="000000"/>
+                          </a:solidFill>
+                          <a:effectLst/>
+                          <a:latin typeface="Calibri" charset="0"/>
+                        </a:rPr>
+                        <a:t>id</a:t>
+                      </a:r>
+                      <a:endParaRPr lang="en-US" sz="2400" b="0" i="0" u="none" strike="noStrike" dirty="0">
+                        <a:solidFill>
+                          <a:srgbClr val="000000"/>
+                        </a:solidFill>
+                        <a:effectLst/>
+                        <a:latin typeface="Calibri" charset="0"/>
+                      </a:endParaRPr>
+                    </a:p>
+                  </a:txBody>
+                  <a:tcPr marL="6350" marR="6350" marT="6350" marB="0" anchor="b"/>
+                </a:tc>
+                <a:tc>
+                  <a:txBody>
+                    <a:bodyPr/>
+                    <a:lstStyle/>
+                    <a:p>
+                      <a:pPr algn="l" fontAlgn="b"/>
+                      <a:r>
+                        <a:rPr lang="en-US" sz="2400" b="0" i="0" u="none" strike="noStrike" dirty="0">
+                          <a:solidFill>
+                            <a:srgbClr val="000000"/>
+                          </a:solidFill>
+                          <a:effectLst/>
+                          <a:latin typeface="Calibri" charset="0"/>
+                        </a:rPr>
+                        <a:t>Title</a:t>
+                      </a:r>
+                    </a:p>
+                  </a:txBody>
+                  <a:tcPr marL="6350" marR="6350" marT="6350" marB="0" anchor="b"/>
+                </a:tc>
+                <a:tc>
+                  <a:txBody>
+                    <a:bodyPr/>
+                    <a:lstStyle/>
+                    <a:p>
+                      <a:pPr algn="l" fontAlgn="b"/>
+                      <a:r>
+                        <a:rPr lang="en-US" sz="2400" b="0" i="0" u="none" strike="noStrike" dirty="0">
+                          <a:solidFill>
+                            <a:srgbClr val="000000"/>
+                          </a:solidFill>
+                          <a:effectLst/>
+                          <a:latin typeface="Calibri" charset="0"/>
+                        </a:rPr>
+                        <a:t>ISBN</a:t>
+                      </a:r>
+                    </a:p>
+                  </a:txBody>
+                  <a:tcPr marL="6350" marR="6350" marT="6350" marB="0" anchor="b"/>
+                </a:tc>
+                <a:tc>
+                  <a:txBody>
+                    <a:bodyPr/>
+                    <a:lstStyle/>
+                    <a:p>
+                      <a:pPr algn="l" fontAlgn="b"/>
+                      <a:r>
+                        <a:rPr lang="en-US" sz="2400" b="0" i="0" u="none" strike="noStrike" dirty="0" err="1" smtClean="0">
+                          <a:solidFill>
+                            <a:srgbClr val="000000"/>
+                          </a:solidFill>
+                          <a:effectLst/>
+                          <a:latin typeface="Calibri" charset="0"/>
+                        </a:rPr>
+                        <a:t>lang_id</a:t>
+                      </a:r>
+                      <a:endParaRPr lang="en-US" sz="2400" b="0" i="0" u="none" strike="noStrike" dirty="0">
+                        <a:solidFill>
+                          <a:srgbClr val="000000"/>
+                        </a:solidFill>
+                        <a:effectLst/>
+                        <a:latin typeface="Calibri" charset="0"/>
+                      </a:endParaRPr>
+                    </a:p>
+                  </a:txBody>
+                  <a:tcPr marL="6350" marR="6350" marT="6350" marB="0" anchor="b"/>
+                </a:tc>
+              </a:tr>
+              <a:tr h="346130">
+                <a:tc>
+                  <a:txBody>
+                    <a:bodyPr/>
+                    <a:lstStyle/>
+                    <a:p>
+                      <a:pPr algn="l" fontAlgn="b"/>
+                      <a:r>
+                        <a:rPr lang="en-US" sz="1800" b="0" i="0" u="none" strike="noStrike" dirty="0" smtClean="0">
+                          <a:solidFill>
+                            <a:srgbClr val="000000"/>
+                          </a:solidFill>
+                          <a:effectLst/>
+                          <a:latin typeface="Calibri" charset="0"/>
+                        </a:rPr>
+                        <a:t>1</a:t>
+                      </a:r>
+                      <a:endParaRPr lang="en-US" sz="1800" b="0" i="0" u="none" strike="noStrike" dirty="0">
+                        <a:solidFill>
+                          <a:srgbClr val="000000"/>
+                        </a:solidFill>
+                        <a:effectLst/>
+                        <a:latin typeface="Calibri" charset="0"/>
+                      </a:endParaRPr>
+                    </a:p>
+                  </a:txBody>
+                  <a:tcPr marL="6350" marR="6350" marT="6350" marB="0" anchor="b"/>
+                </a:tc>
+                <a:tc>
+                  <a:txBody>
+                    <a:bodyPr/>
+                    <a:lstStyle/>
+                    <a:p>
+                      <a:pPr algn="l" fontAlgn="b"/>
+                      <a:r>
+                        <a:rPr lang="en-US" sz="1800" b="0" i="0" u="none" strike="noStrike" dirty="0">
+                          <a:solidFill>
+                            <a:srgbClr val="000000"/>
+                          </a:solidFill>
+                          <a:effectLst/>
+                          <a:latin typeface="Calibri" charset="0"/>
+                        </a:rPr>
+                        <a:t>Wisdom of Crowds</a:t>
+                      </a:r>
+                    </a:p>
+                  </a:txBody>
+                  <a:tcPr marL="6350" marR="6350" marT="6350" marB="0" anchor="b"/>
+                </a:tc>
+                <a:tc>
+                  <a:txBody>
+                    <a:bodyPr/>
+                    <a:lstStyle/>
+                    <a:p>
+                      <a:pPr algn="l" fontAlgn="b"/>
+                      <a:r>
+                        <a:rPr lang="is-IS" sz="1800" b="0" i="0" u="none" strike="noStrike" dirty="0">
+                          <a:solidFill>
+                            <a:srgbClr val="000000"/>
+                          </a:solidFill>
+                          <a:effectLst/>
+                          <a:latin typeface="Calibri" charset="0"/>
+                        </a:rPr>
+                        <a:t>385721706</a:t>
+                      </a:r>
+                    </a:p>
+                  </a:txBody>
+                  <a:tcPr marL="6350" marR="6350" marT="6350" marB="0" anchor="b"/>
+                </a:tc>
+                <a:tc>
+                  <a:txBody>
+                    <a:bodyPr/>
+                    <a:lstStyle/>
+                    <a:p>
+                      <a:pPr algn="l" fontAlgn="b"/>
+                      <a:r>
+                        <a:rPr lang="is-IS" sz="1800" b="0" i="0" u="none" strike="noStrike" dirty="0" smtClean="0">
+                          <a:solidFill>
+                            <a:srgbClr val="000000"/>
+                          </a:solidFill>
+                          <a:effectLst/>
+                          <a:latin typeface="Calibri" charset="0"/>
+                        </a:rPr>
+                        <a:t>1</a:t>
+                      </a:r>
+                      <a:endParaRPr lang="is-IS" sz="1800" b="0" i="0" u="none" strike="noStrike" dirty="0">
+                        <a:solidFill>
+                          <a:srgbClr val="000000"/>
+                        </a:solidFill>
+                        <a:effectLst/>
+                        <a:latin typeface="Calibri" charset="0"/>
+                      </a:endParaRPr>
+                    </a:p>
+                  </a:txBody>
+                  <a:tcPr marL="6350" marR="6350" marT="6350" marB="0" anchor="b"/>
+                </a:tc>
+              </a:tr>
+              <a:tr h="346130">
+                <a:tc>
+                  <a:txBody>
+                    <a:bodyPr/>
+                    <a:lstStyle/>
+                    <a:p>
+                      <a:pPr algn="l" fontAlgn="b"/>
+                      <a:r>
+                        <a:rPr lang="en-US" sz="1800" b="0" i="0" u="none" strike="noStrike" dirty="0" smtClean="0">
+                          <a:solidFill>
+                            <a:srgbClr val="000000"/>
+                          </a:solidFill>
+                          <a:effectLst/>
+                          <a:latin typeface="Calibri" charset="0"/>
+                        </a:rPr>
+                        <a:t>2</a:t>
+                      </a:r>
+                      <a:endParaRPr lang="en-US" sz="1800" b="0" i="0" u="none" strike="noStrike" dirty="0">
+                        <a:solidFill>
+                          <a:srgbClr val="000000"/>
+                        </a:solidFill>
+                        <a:effectLst/>
+                        <a:latin typeface="Calibri" charset="0"/>
+                      </a:endParaRPr>
+                    </a:p>
+                  </a:txBody>
+                  <a:tcPr marL="6350" marR="6350" marT="6350" marB="0" anchor="b"/>
+                </a:tc>
+                <a:tc>
+                  <a:txBody>
+                    <a:bodyPr/>
+                    <a:lstStyle/>
+                    <a:p>
+                      <a:pPr algn="l" fontAlgn="b"/>
+                      <a:r>
+                        <a:rPr lang="en-US" sz="1800" b="0" i="0" u="none" strike="noStrike" dirty="0">
+                          <a:solidFill>
+                            <a:srgbClr val="000000"/>
+                          </a:solidFill>
+                          <a:effectLst/>
+                          <a:latin typeface="Calibri" charset="0"/>
+                        </a:rPr>
+                        <a:t>Introduction to Networking</a:t>
+                      </a:r>
+                    </a:p>
+                  </a:txBody>
+                  <a:tcPr marL="6350" marR="6350" marT="6350" marB="0" anchor="b"/>
+                </a:tc>
+                <a:tc>
+                  <a:txBody>
+                    <a:bodyPr/>
+                    <a:lstStyle/>
+                    <a:p>
+                      <a:pPr algn="l" fontAlgn="b"/>
+                      <a:r>
+                        <a:rPr lang="cs-CZ" sz="1800" b="0" i="0" u="none" strike="noStrike" dirty="0">
+                          <a:solidFill>
+                            <a:srgbClr val="000000"/>
+                          </a:solidFill>
+                          <a:effectLst/>
+                          <a:latin typeface="Calibri" charset="0"/>
+                        </a:rPr>
+                        <a:t>9781511654944</a:t>
+                      </a:r>
+                    </a:p>
+                  </a:txBody>
+                  <a:tcPr marL="6350" marR="6350" marT="6350" marB="0" anchor="b"/>
+                </a:tc>
+                <a:tc>
+                  <a:txBody>
+                    <a:bodyPr/>
+                    <a:lstStyle/>
+                    <a:p>
+                      <a:pPr algn="l" fontAlgn="b"/>
+                      <a:r>
+                        <a:rPr lang="cs-CZ" sz="1800" b="0" i="0" u="none" strike="noStrike" dirty="0" smtClean="0">
+                          <a:solidFill>
+                            <a:srgbClr val="000000"/>
+                          </a:solidFill>
+                          <a:effectLst/>
+                          <a:latin typeface="Calibri" charset="0"/>
+                        </a:rPr>
+                        <a:t>1</a:t>
+                      </a:r>
+                      <a:endParaRPr lang="cs-CZ" sz="1800" b="0" i="0" u="none" strike="noStrike" dirty="0">
+                        <a:solidFill>
+                          <a:srgbClr val="000000"/>
+                        </a:solidFill>
+                        <a:effectLst/>
+                        <a:latin typeface="Calibri" charset="0"/>
+                      </a:endParaRPr>
+                    </a:p>
+                  </a:txBody>
+                  <a:tcPr marL="6350" marR="6350" marT="6350" marB="0" anchor="b"/>
+                </a:tc>
+              </a:tr>
+              <a:tr h="346130">
+                <a:tc>
+                  <a:txBody>
+                    <a:bodyPr/>
+                    <a:lstStyle/>
+                    <a:p>
+                      <a:pPr algn="l" fontAlgn="b"/>
+                      <a:r>
+                        <a:rPr lang="en-US" sz="1800" b="0" i="0" u="none" strike="noStrike" dirty="0" smtClean="0">
+                          <a:solidFill>
+                            <a:srgbClr val="000000"/>
+                          </a:solidFill>
+                          <a:effectLst/>
+                          <a:latin typeface="Calibri" charset="0"/>
+                        </a:rPr>
+                        <a:t>3</a:t>
+                      </a:r>
+                      <a:endParaRPr lang="en-US" sz="1800" b="0" i="0" u="none" strike="noStrike" dirty="0">
+                        <a:solidFill>
+                          <a:srgbClr val="000000"/>
+                        </a:solidFill>
+                        <a:effectLst/>
+                        <a:latin typeface="Calibri" charset="0"/>
+                      </a:endParaRPr>
+                    </a:p>
+                  </a:txBody>
+                  <a:tcPr marL="6350" marR="6350" marT="6350" marB="0" anchor="b"/>
+                </a:tc>
+                <a:tc>
+                  <a:txBody>
+                    <a:bodyPr/>
+                    <a:lstStyle/>
+                    <a:p>
+                      <a:pPr algn="l" fontAlgn="b"/>
+                      <a:r>
+                        <a:rPr lang="en-US" sz="1800" b="0" i="0" u="none" strike="noStrike" dirty="0" err="1">
+                          <a:solidFill>
+                            <a:srgbClr val="000000"/>
+                          </a:solidFill>
+                          <a:effectLst/>
+                          <a:latin typeface="Calibri" charset="0"/>
+                        </a:rPr>
+                        <a:t>Introducción</a:t>
+                      </a:r>
+                      <a:r>
+                        <a:rPr lang="en-US" sz="1800" b="0" i="0" u="none" strike="noStrike" dirty="0">
+                          <a:solidFill>
+                            <a:srgbClr val="000000"/>
+                          </a:solidFill>
+                          <a:effectLst/>
+                          <a:latin typeface="Calibri" charset="0"/>
+                        </a:rPr>
+                        <a:t> a las </a:t>
+                      </a:r>
+                      <a:r>
+                        <a:rPr lang="en-US" sz="1800" b="0" i="0" u="none" strike="noStrike" dirty="0" err="1">
+                          <a:solidFill>
+                            <a:srgbClr val="000000"/>
+                          </a:solidFill>
+                          <a:effectLst/>
+                          <a:latin typeface="Calibri" charset="0"/>
+                        </a:rPr>
+                        <a:t>Redes</a:t>
+                      </a:r>
+                      <a:endParaRPr lang="en-US" sz="1800" b="0" i="0" u="none" strike="noStrike" dirty="0">
+                        <a:solidFill>
+                          <a:srgbClr val="000000"/>
+                        </a:solidFill>
+                        <a:effectLst/>
+                        <a:latin typeface="Calibri" charset="0"/>
+                      </a:endParaRPr>
+                    </a:p>
+                  </a:txBody>
+                  <a:tcPr marL="6350" marR="6350" marT="6350" marB="0" anchor="b"/>
+                </a:tc>
+                <a:tc>
+                  <a:txBody>
+                    <a:bodyPr/>
+                    <a:lstStyle/>
+                    <a:p>
+                      <a:pPr algn="l" fontAlgn="b"/>
+                      <a:r>
+                        <a:rPr lang="is-IS" sz="1800" b="0" i="0" u="none" strike="noStrike" dirty="0">
+                          <a:solidFill>
+                            <a:srgbClr val="000000"/>
+                          </a:solidFill>
+                          <a:effectLst/>
+                          <a:latin typeface="Calibri" charset="0"/>
+                        </a:rPr>
+                        <a:t>9781523627516</a:t>
+                      </a:r>
+                    </a:p>
+                  </a:txBody>
+                  <a:tcPr marL="6350" marR="6350" marT="6350" marB="0" anchor="b"/>
+                </a:tc>
+                <a:tc>
+                  <a:txBody>
+                    <a:bodyPr/>
+                    <a:lstStyle/>
+                    <a:p>
+                      <a:pPr algn="l" fontAlgn="b"/>
+                      <a:r>
+                        <a:rPr lang="is-IS" sz="1800" b="0" i="0" u="none" strike="noStrike" dirty="0" smtClean="0">
+                          <a:solidFill>
+                            <a:srgbClr val="000000"/>
+                          </a:solidFill>
+                          <a:effectLst/>
+                          <a:latin typeface="Calibri" charset="0"/>
+                        </a:rPr>
+                        <a:t>2</a:t>
+                      </a:r>
+                      <a:endParaRPr lang="is-IS" sz="1800" b="0" i="0" u="none" strike="noStrike" dirty="0">
+                        <a:solidFill>
+                          <a:srgbClr val="000000"/>
+                        </a:solidFill>
+                        <a:effectLst/>
+                        <a:latin typeface="Calibri" charset="0"/>
+                      </a:endParaRPr>
+                    </a:p>
+                  </a:txBody>
+                  <a:tcPr marL="6350" marR="6350" marT="6350" marB="0" anchor="b"/>
+                </a:tc>
+              </a:tr>
+            </a:tbl>
+          </a:graphicData>
+        </a:graphic>
+      </p:graphicFrame>
+      <p:graphicFrame>
+        <p:nvGraphicFramePr>
+          <p:cNvPr id="36" name="Table 35"/>
+          <p:cNvGraphicFramePr>
+            <a:graphicFrameLocks noGrp="1"/>
+          </p:cNvGraphicFramePr>
+          <p:nvPr>
+            <p:extLst>
+              <p:ext uri="{D42A27DB-BD31-4B8C-83A1-F6EECF244321}">
+                <p14:modId xmlns:p14="http://schemas.microsoft.com/office/powerpoint/2010/main" val="1370459651"/>
+              </p:ext>
+            </p:extLst>
+          </p:nvPr>
+        </p:nvGraphicFramePr>
+        <p:xfrm>
+          <a:off x="9239810" y="3850246"/>
+          <a:ext cx="1657352" cy="1280353"/>
+        </p:xfrm>
+        <a:graphic>
+          <a:graphicData uri="http://schemas.openxmlformats.org/drawingml/2006/table">
+            <a:tbl>
+              <a:tblPr firstRow="1" bandRow="1">
+                <a:tableStyleId>{5C22544A-7EE6-4342-B048-85BDC9FD1C3A}</a:tableStyleId>
+              </a:tblPr>
+              <a:tblGrid>
+                <a:gridCol w="828676"/>
+                <a:gridCol w="828676"/>
+              </a:tblGrid>
+              <a:tr h="447619">
+                <a:tc>
+                  <a:txBody>
+                    <a:bodyPr/>
+                    <a:lstStyle/>
+                    <a:p>
+                      <a:pPr algn="l" fontAlgn="b"/>
+                      <a:r>
+                        <a:rPr lang="en-US" sz="2400" b="0" i="0" u="none" strike="noStrike" dirty="0" smtClean="0">
+                          <a:solidFill>
+                            <a:srgbClr val="000000"/>
+                          </a:solidFill>
+                          <a:effectLst/>
+                          <a:latin typeface="Calibri" charset="0"/>
+                        </a:rPr>
+                        <a:t>id</a:t>
+                      </a:r>
+                      <a:endParaRPr lang="en-US" sz="2400" b="0" i="0" u="none" strike="noStrike" dirty="0">
+                        <a:solidFill>
+                          <a:srgbClr val="000000"/>
+                        </a:solidFill>
+                        <a:effectLst/>
+                        <a:latin typeface="Calibri" charset="0"/>
+                      </a:endParaRPr>
+                    </a:p>
+                  </a:txBody>
+                  <a:tcPr marL="6350" marR="6350" marT="6350" marB="0" anchor="b"/>
+                </a:tc>
+                <a:tc>
+                  <a:txBody>
+                    <a:bodyPr/>
+                    <a:lstStyle/>
+                    <a:p>
+                      <a:pPr algn="l" fontAlgn="b"/>
+                      <a:r>
+                        <a:rPr lang="en-US" sz="2400" b="0" i="0" u="none" strike="noStrike" dirty="0" smtClean="0">
+                          <a:solidFill>
+                            <a:srgbClr val="000000"/>
+                          </a:solidFill>
+                          <a:effectLst/>
+                          <a:latin typeface="Calibri" charset="0"/>
+                        </a:rPr>
+                        <a:t>Lang</a:t>
+                      </a:r>
+                      <a:endParaRPr lang="en-US" sz="2400" b="0" i="0" u="none" strike="noStrike" dirty="0">
+                        <a:solidFill>
+                          <a:srgbClr val="000000"/>
+                        </a:solidFill>
+                        <a:effectLst/>
+                        <a:latin typeface="Calibri" charset="0"/>
+                      </a:endParaRPr>
+                    </a:p>
+                  </a:txBody>
+                  <a:tcPr marL="6350" marR="6350" marT="6350" marB="0" anchor="b"/>
+                </a:tc>
+              </a:tr>
+              <a:tr h="416367">
+                <a:tc>
+                  <a:txBody>
+                    <a:bodyPr/>
+                    <a:lstStyle/>
+                    <a:p>
+                      <a:pPr algn="l" fontAlgn="b"/>
+                      <a:r>
+                        <a:rPr lang="en-US" sz="1800" b="0" i="0" u="none" strike="sngStrike" dirty="0" smtClean="0">
+                          <a:solidFill>
+                            <a:srgbClr val="000000"/>
+                          </a:solidFill>
+                          <a:effectLst/>
+                          <a:latin typeface="Calibri" charset="0"/>
+                        </a:rPr>
+                        <a:t>1</a:t>
+                      </a:r>
+                      <a:endParaRPr lang="en-US" sz="1800" b="0" i="0" u="none" strike="sngStrike" dirty="0">
+                        <a:solidFill>
+                          <a:srgbClr val="000000"/>
+                        </a:solidFill>
+                        <a:effectLst/>
+                        <a:latin typeface="Calibri" charset="0"/>
+                      </a:endParaRPr>
+                    </a:p>
+                  </a:txBody>
+                  <a:tcPr marL="6350" marR="6350" marT="6350" marB="0" anchor="b">
+                    <a:solidFill>
+                      <a:srgbClr val="FF1DF6"/>
+                    </a:solidFill>
+                  </a:tcPr>
+                </a:tc>
+                <a:tc>
+                  <a:txBody>
+                    <a:bodyPr/>
+                    <a:lstStyle/>
+                    <a:p>
+                      <a:pPr algn="l" fontAlgn="b"/>
+                      <a:r>
+                        <a:rPr lang="en-US" sz="1800" b="0" i="0" u="none" strike="sngStrike" dirty="0" err="1">
+                          <a:solidFill>
+                            <a:srgbClr val="000000"/>
+                          </a:solidFill>
+                          <a:effectLst/>
+                          <a:latin typeface="Calibri" charset="0"/>
+                        </a:rPr>
+                        <a:t>en</a:t>
+                      </a:r>
+                      <a:endParaRPr lang="en-US" sz="1800" b="0" i="0" u="none" strike="sngStrike" dirty="0">
+                        <a:solidFill>
+                          <a:srgbClr val="000000"/>
+                        </a:solidFill>
+                        <a:effectLst/>
+                        <a:latin typeface="Calibri" charset="0"/>
+                      </a:endParaRPr>
+                    </a:p>
+                  </a:txBody>
+                  <a:tcPr marL="6350" marR="6350" marT="6350" marB="0" anchor="b">
+                    <a:solidFill>
+                      <a:srgbClr val="FF1DF6"/>
+                    </a:solidFill>
+                  </a:tcPr>
+                </a:tc>
+              </a:tr>
+              <a:tr h="416367">
+                <a:tc>
+                  <a:txBody>
+                    <a:bodyPr/>
+                    <a:lstStyle/>
+                    <a:p>
+                      <a:pPr algn="l" fontAlgn="b"/>
+                      <a:r>
+                        <a:rPr lang="en-US" sz="1800" b="0" i="0" u="none" strike="noStrike" dirty="0" smtClean="0">
+                          <a:solidFill>
+                            <a:srgbClr val="000000"/>
+                          </a:solidFill>
+                          <a:effectLst/>
+                          <a:latin typeface="Calibri" charset="0"/>
+                        </a:rPr>
+                        <a:t>2</a:t>
+                      </a:r>
+                      <a:endParaRPr lang="en-US" sz="1800" b="0" i="0" u="none" strike="noStrike" dirty="0">
+                        <a:solidFill>
+                          <a:srgbClr val="000000"/>
+                        </a:solidFill>
+                        <a:effectLst/>
+                        <a:latin typeface="Calibri" charset="0"/>
+                      </a:endParaRPr>
+                    </a:p>
+                  </a:txBody>
+                  <a:tcPr marL="6350" marR="6350" marT="6350" marB="0" anchor="b"/>
+                </a:tc>
+                <a:tc>
+                  <a:txBody>
+                    <a:bodyPr/>
+                    <a:lstStyle/>
+                    <a:p>
+                      <a:pPr algn="l" fontAlgn="b"/>
+                      <a:r>
+                        <a:rPr lang="en-US" sz="1800" b="0" i="0" u="none" strike="noStrike" dirty="0" err="1" smtClean="0">
+                          <a:solidFill>
+                            <a:srgbClr val="000000"/>
+                          </a:solidFill>
+                          <a:effectLst/>
+                          <a:latin typeface="Calibri" charset="0"/>
+                        </a:rPr>
+                        <a:t>es</a:t>
+                      </a:r>
+                      <a:endParaRPr lang="en-US" sz="1800" b="0" i="0" u="none" strike="noStrike" dirty="0">
+                        <a:solidFill>
+                          <a:srgbClr val="000000"/>
+                        </a:solidFill>
+                        <a:effectLst/>
+                        <a:latin typeface="Calibri" charset="0"/>
+                      </a:endParaRPr>
+                    </a:p>
+                  </a:txBody>
+                  <a:tcPr marL="6350" marR="6350" marT="6350" marB="0" anchor="b"/>
+                </a:tc>
+              </a:tr>
+            </a:tbl>
+          </a:graphicData>
+        </a:graphic>
+      </p:graphicFrame>
+      <p:cxnSp>
+        <p:nvCxnSpPr>
+          <p:cNvPr id="37" name="Straight Arrow Connector 36"/>
+          <p:cNvCxnSpPr/>
+          <p:nvPr/>
+        </p:nvCxnSpPr>
+        <p:spPr>
+          <a:xfrm>
+            <a:off x="8239687" y="4367068"/>
+            <a:ext cx="1000123" cy="123354"/>
+          </a:xfrm>
+          <a:prstGeom prst="straightConnector1">
+            <a:avLst/>
+          </a:prstGeom>
+          <a:ln w="38100">
+            <a:solidFill>
+              <a:srgbClr val="FF40FF"/>
+            </a:solidFill>
+            <a:tailEnd type="triangle"/>
+          </a:ln>
+        </p:spPr>
+        <p:style>
+          <a:lnRef idx="1">
+            <a:schemeClr val="accent1"/>
+          </a:lnRef>
+          <a:fillRef idx="0">
+            <a:schemeClr val="accent1"/>
+          </a:fillRef>
+          <a:effectRef idx="0">
+            <a:schemeClr val="accent1"/>
+          </a:effectRef>
+          <a:fontRef idx="minor">
+            <a:schemeClr val="tx1"/>
+          </a:fontRef>
+        </p:style>
+      </p:cxnSp>
+      <p:cxnSp>
+        <p:nvCxnSpPr>
+          <p:cNvPr id="38" name="Straight Arrow Connector 37"/>
+          <p:cNvCxnSpPr/>
+          <p:nvPr/>
+        </p:nvCxnSpPr>
+        <p:spPr>
+          <a:xfrm flipV="1">
+            <a:off x="8239687" y="4490422"/>
+            <a:ext cx="1000123" cy="319558"/>
+          </a:xfrm>
+          <a:prstGeom prst="straightConnector1">
+            <a:avLst/>
+          </a:prstGeom>
+          <a:ln w="38100">
+            <a:solidFill>
+              <a:srgbClr val="FF40FF"/>
+            </a:solidFill>
+            <a:tailEnd type="triangle"/>
+          </a:ln>
+        </p:spPr>
+        <p:style>
+          <a:lnRef idx="1">
+            <a:schemeClr val="accent1"/>
+          </a:lnRef>
+          <a:fillRef idx="0">
+            <a:schemeClr val="accent1"/>
+          </a:fillRef>
+          <a:effectRef idx="0">
+            <a:schemeClr val="accent1"/>
+          </a:effectRef>
+          <a:fontRef idx="minor">
+            <a:schemeClr val="tx1"/>
+          </a:fontRef>
+        </p:style>
+      </p:cxnSp>
     </p:spTree>
     <p:extLst>
       <p:ext uri="{BB962C8B-B14F-4D97-AF65-F5344CB8AC3E}">
-        <p14:creationId xmlns:p14="http://schemas.microsoft.com/office/powerpoint/2010/main" val="2066181394"/>
+        <p14:creationId xmlns:p14="http://schemas.microsoft.com/office/powerpoint/2010/main" val="1739250194"/>
       </p:ext>
     </p:extLst>
   </p:cSld>
@@ -30871,150 +31700,1868 @@
           <a:chExt cx="0" cy="0"/>
         </a:xfrm>
       </p:grpSpPr>
-      <p:sp>
-        <p:nvSpPr>
-          <p:cNvPr id="3" name="Title 2"/>
-          <p:cNvSpPr>
-            <a:spLocks noGrp="1"/>
-          </p:cNvSpPr>
+      <p:graphicFrame>
+        <p:nvGraphicFramePr>
+          <p:cNvPr id="10" name="Table 9"/>
+          <p:cNvGraphicFramePr>
+            <a:graphicFrameLocks noGrp="1"/>
+          </p:cNvGraphicFramePr>
           <p:nvPr>
-            <p:ph type="title"/>
+            <p:extLst/>
           </p:nvPr>
-        </p:nvSpPr>
-        <p:spPr/>
-        <p:txBody>
-          <a:bodyPr/>
-          <a:lstStyle/>
-          <a:p>
-            <a:r>
-              <a:rPr lang="en-US" dirty="0"/>
-              <a:t>Migrations: From Model to Database</a:t>
-            </a:r>
-          </a:p>
-        </p:txBody>
-      </p:sp>
-      <p:sp>
-        <p:nvSpPr>
-          <p:cNvPr id="4" name="Content Placeholder 3"/>
-          <p:cNvSpPr>
-            <a:spLocks noGrp="1"/>
-          </p:cNvSpPr>
+        </p:nvGraphicFramePr>
+        <p:xfrm>
+          <a:off x="5610244" y="625485"/>
+          <a:ext cx="3057529" cy="1383339"/>
+        </p:xfrm>
+        <a:graphic>
+          <a:graphicData uri="http://schemas.openxmlformats.org/drawingml/2006/table">
+            <a:tbl>
+              <a:tblPr firstRow="1" bandRow="1">
+                <a:tableStyleId>{5C22544A-7EE6-4342-B048-85BDC9FD1C3A}</a:tableStyleId>
+              </a:tblPr>
+              <a:tblGrid>
+                <a:gridCol w="1814517"/>
+                <a:gridCol w="1243012"/>
+              </a:tblGrid>
+              <a:tr h="344949">
+                <a:tc>
+                  <a:txBody>
+                    <a:bodyPr/>
+                    <a:lstStyle/>
+                    <a:p>
+                      <a:pPr algn="l" fontAlgn="b"/>
+                      <a:r>
+                        <a:rPr lang="en-US" sz="1600" b="0" i="0" u="none" strike="noStrike" dirty="0">
+                          <a:solidFill>
+                            <a:srgbClr val="000000"/>
+                          </a:solidFill>
+                          <a:effectLst/>
+                          <a:latin typeface="Calibri" charset="0"/>
+                        </a:rPr>
+                        <a:t>Title</a:t>
+                      </a:r>
+                    </a:p>
+                  </a:txBody>
+                  <a:tcPr marL="6350" marR="6350" marT="6350" marB="0" anchor="b"/>
+                </a:tc>
+                <a:tc>
+                  <a:txBody>
+                    <a:bodyPr/>
+                    <a:lstStyle/>
+                    <a:p>
+                      <a:pPr algn="l" fontAlgn="b"/>
+                      <a:r>
+                        <a:rPr lang="en-US" sz="1600" b="0" i="0" u="none" strike="noStrike" dirty="0">
+                          <a:solidFill>
+                            <a:srgbClr val="000000"/>
+                          </a:solidFill>
+                          <a:effectLst/>
+                          <a:latin typeface="Calibri" charset="0"/>
+                        </a:rPr>
+                        <a:t>ISBN</a:t>
+                      </a:r>
+                    </a:p>
+                  </a:txBody>
+                  <a:tcPr marL="6350" marR="6350" marT="6350" marB="0" anchor="b"/>
+                </a:tc>
+              </a:tr>
+              <a:tr h="346130">
+                <a:tc>
+                  <a:txBody>
+                    <a:bodyPr/>
+                    <a:lstStyle/>
+                    <a:p>
+                      <a:pPr algn="l" fontAlgn="b"/>
+                      <a:r>
+                        <a:rPr lang="en-US" sz="1200" b="0" i="0" u="none" strike="noStrike" dirty="0">
+                          <a:solidFill>
+                            <a:srgbClr val="000000"/>
+                          </a:solidFill>
+                          <a:effectLst/>
+                          <a:latin typeface="Calibri" charset="0"/>
+                        </a:rPr>
+                        <a:t>Wisdom of Crowds</a:t>
+                      </a:r>
+                    </a:p>
+                  </a:txBody>
+                  <a:tcPr marL="6350" marR="6350" marT="6350" marB="0" anchor="b"/>
+                </a:tc>
+                <a:tc>
+                  <a:txBody>
+                    <a:bodyPr/>
+                    <a:lstStyle/>
+                    <a:p>
+                      <a:pPr algn="l" fontAlgn="b"/>
+                      <a:r>
+                        <a:rPr lang="is-IS" sz="1200" b="0" i="0" u="none" strike="noStrike" dirty="0">
+                          <a:solidFill>
+                            <a:srgbClr val="000000"/>
+                          </a:solidFill>
+                          <a:effectLst/>
+                          <a:latin typeface="Calibri" charset="0"/>
+                        </a:rPr>
+                        <a:t>385721706</a:t>
+                      </a:r>
+                    </a:p>
+                  </a:txBody>
+                  <a:tcPr marL="6350" marR="6350" marT="6350" marB="0" anchor="b"/>
+                </a:tc>
+              </a:tr>
+              <a:tr h="346130">
+                <a:tc>
+                  <a:txBody>
+                    <a:bodyPr/>
+                    <a:lstStyle/>
+                    <a:p>
+                      <a:pPr algn="l" fontAlgn="b"/>
+                      <a:r>
+                        <a:rPr lang="en-US" sz="1200" b="0" i="0" u="none" strike="noStrike" dirty="0">
+                          <a:solidFill>
+                            <a:srgbClr val="000000"/>
+                          </a:solidFill>
+                          <a:effectLst/>
+                          <a:latin typeface="Calibri" charset="0"/>
+                        </a:rPr>
+                        <a:t>Introduction to Networking</a:t>
+                      </a:r>
+                    </a:p>
+                  </a:txBody>
+                  <a:tcPr marL="6350" marR="6350" marT="6350" marB="0" anchor="b"/>
+                </a:tc>
+                <a:tc>
+                  <a:txBody>
+                    <a:bodyPr/>
+                    <a:lstStyle/>
+                    <a:p>
+                      <a:pPr algn="l" fontAlgn="b"/>
+                      <a:r>
+                        <a:rPr lang="cs-CZ" sz="1200" b="0" i="0" u="none" strike="noStrike" dirty="0">
+                          <a:solidFill>
+                            <a:srgbClr val="000000"/>
+                          </a:solidFill>
+                          <a:effectLst/>
+                          <a:latin typeface="Calibri" charset="0"/>
+                        </a:rPr>
+                        <a:t>9781511654944</a:t>
+                      </a:r>
+                    </a:p>
+                  </a:txBody>
+                  <a:tcPr marL="6350" marR="6350" marT="6350" marB="0" anchor="b"/>
+                </a:tc>
+              </a:tr>
+              <a:tr h="346130">
+                <a:tc>
+                  <a:txBody>
+                    <a:bodyPr/>
+                    <a:lstStyle/>
+                    <a:p>
+                      <a:pPr algn="l" fontAlgn="b"/>
+                      <a:r>
+                        <a:rPr lang="en-US" sz="1200" b="0" i="0" u="none" strike="noStrike" dirty="0" err="1">
+                          <a:solidFill>
+                            <a:srgbClr val="000000"/>
+                          </a:solidFill>
+                          <a:effectLst/>
+                          <a:latin typeface="Calibri" charset="0"/>
+                        </a:rPr>
+                        <a:t>Introducción</a:t>
+                      </a:r>
+                      <a:r>
+                        <a:rPr lang="en-US" sz="1200" b="0" i="0" u="none" strike="noStrike" dirty="0">
+                          <a:solidFill>
+                            <a:srgbClr val="000000"/>
+                          </a:solidFill>
+                          <a:effectLst/>
+                          <a:latin typeface="Calibri" charset="0"/>
+                        </a:rPr>
+                        <a:t> a las </a:t>
+                      </a:r>
+                      <a:r>
+                        <a:rPr lang="en-US" sz="1200" b="0" i="0" u="none" strike="noStrike" dirty="0" err="1">
+                          <a:solidFill>
+                            <a:srgbClr val="000000"/>
+                          </a:solidFill>
+                          <a:effectLst/>
+                          <a:latin typeface="Calibri" charset="0"/>
+                        </a:rPr>
+                        <a:t>Redes</a:t>
+                      </a:r>
+                      <a:endParaRPr lang="en-US" sz="1200" b="0" i="0" u="none" strike="noStrike" dirty="0">
+                        <a:solidFill>
+                          <a:srgbClr val="000000"/>
+                        </a:solidFill>
+                        <a:effectLst/>
+                        <a:latin typeface="Calibri" charset="0"/>
+                      </a:endParaRPr>
+                    </a:p>
+                  </a:txBody>
+                  <a:tcPr marL="6350" marR="6350" marT="6350" marB="0" anchor="b"/>
+                </a:tc>
+                <a:tc>
+                  <a:txBody>
+                    <a:bodyPr/>
+                    <a:lstStyle/>
+                    <a:p>
+                      <a:pPr algn="l" fontAlgn="b"/>
+                      <a:r>
+                        <a:rPr lang="is-IS" sz="1200" b="0" i="0" u="none" strike="noStrike" dirty="0">
+                          <a:solidFill>
+                            <a:srgbClr val="000000"/>
+                          </a:solidFill>
+                          <a:effectLst/>
+                          <a:latin typeface="Calibri" charset="0"/>
+                        </a:rPr>
+                        <a:t>9781523627516</a:t>
+                      </a:r>
+                    </a:p>
+                  </a:txBody>
+                  <a:tcPr marL="6350" marR="6350" marT="6350" marB="0" anchor="b"/>
+                </a:tc>
+              </a:tr>
+            </a:tbl>
+          </a:graphicData>
+        </a:graphic>
+      </p:graphicFrame>
+      <p:graphicFrame>
+        <p:nvGraphicFramePr>
+          <p:cNvPr id="11" name="Table 10"/>
+          <p:cNvGraphicFramePr>
+            <a:graphicFrameLocks noGrp="1"/>
+          </p:cNvGraphicFramePr>
           <p:nvPr>
-            <p:ph idx="1"/>
+            <p:extLst/>
           </p:nvPr>
-        </p:nvSpPr>
-        <p:spPr/>
-        <p:txBody>
-          <a:bodyPr/>
-          <a:lstStyle/>
-          <a:p>
-            <a:r>
-              <a:rPr lang="en-US" dirty="0" smtClean="0"/>
-              <a:t>The </a:t>
-            </a:r>
-            <a:r>
-              <a:rPr lang="en-US" dirty="0" err="1" smtClean="0">
-                <a:solidFill>
-                  <a:srgbClr val="FFFF00"/>
-                </a:solidFill>
-              </a:rPr>
-              <a:t>makemigrations</a:t>
-            </a:r>
-            <a:r>
-              <a:rPr lang="en-US" dirty="0" smtClean="0">
-                <a:solidFill>
-                  <a:srgbClr val="FFFF00"/>
-                </a:solidFill>
-              </a:rPr>
-              <a:t> </a:t>
-            </a:r>
-            <a:r>
-              <a:rPr lang="en-US" dirty="0" smtClean="0"/>
-              <a:t>command reads all the </a:t>
-            </a:r>
-            <a:r>
-              <a:rPr lang="en-US" dirty="0" err="1" smtClean="0">
-                <a:solidFill>
-                  <a:srgbClr val="FFFF00"/>
-                </a:solidFill>
-              </a:rPr>
-              <a:t>models.py</a:t>
-            </a:r>
-            <a:r>
-              <a:rPr lang="en-US" dirty="0" smtClean="0"/>
-              <a:t> files in all the applications, end creates / evolves the migration files</a:t>
-            </a:r>
-          </a:p>
-          <a:p>
-            <a:r>
-              <a:rPr lang="en-US" dirty="0" smtClean="0"/>
-              <a:t>Guided by the applications listed in </a:t>
-            </a:r>
-            <a:r>
-              <a:rPr lang="en-US" dirty="0" err="1" smtClean="0">
-                <a:solidFill>
-                  <a:srgbClr val="FFFF00"/>
-                </a:solidFill>
-              </a:rPr>
-              <a:t>settings.py</a:t>
-            </a:r>
-            <a:endParaRPr lang="en-US" dirty="0" smtClean="0">
+        </p:nvGraphicFramePr>
+        <p:xfrm>
+          <a:off x="10282250" y="727109"/>
+          <a:ext cx="1241227" cy="1037209"/>
+        </p:xfrm>
+        <a:graphic>
+          <a:graphicData uri="http://schemas.openxmlformats.org/drawingml/2006/table">
+            <a:tbl>
+              <a:tblPr firstRow="1" bandRow="1">
+                <a:tableStyleId>{5C22544A-7EE6-4342-B048-85BDC9FD1C3A}</a:tableStyleId>
+              </a:tblPr>
+              <a:tblGrid>
+                <a:gridCol w="1241227"/>
+              </a:tblGrid>
+              <a:tr h="344949">
+                <a:tc>
+                  <a:txBody>
+                    <a:bodyPr/>
+                    <a:lstStyle/>
+                    <a:p>
+                      <a:pPr algn="l" fontAlgn="b"/>
+                      <a:r>
+                        <a:rPr lang="en-US" sz="1600" b="0" i="0" u="none" strike="noStrike" dirty="0">
+                          <a:solidFill>
+                            <a:srgbClr val="000000"/>
+                          </a:solidFill>
+                          <a:effectLst/>
+                          <a:latin typeface="Calibri" charset="0"/>
+                        </a:rPr>
+                        <a:t>Language</a:t>
+                      </a:r>
+                    </a:p>
+                  </a:txBody>
+                  <a:tcPr marL="6350" marR="6350" marT="6350" marB="0" anchor="b"/>
+                </a:tc>
+              </a:tr>
+              <a:tr h="346130">
+                <a:tc>
+                  <a:txBody>
+                    <a:bodyPr/>
+                    <a:lstStyle/>
+                    <a:p>
+                      <a:pPr algn="l" fontAlgn="b"/>
+                      <a:r>
+                        <a:rPr lang="en-US" sz="1200" b="0" i="0" u="none" strike="noStrike" dirty="0" err="1">
+                          <a:solidFill>
+                            <a:srgbClr val="000000"/>
+                          </a:solidFill>
+                          <a:effectLst/>
+                          <a:latin typeface="Calibri" charset="0"/>
+                        </a:rPr>
+                        <a:t>en</a:t>
+                      </a:r>
+                      <a:endParaRPr lang="en-US" sz="1200" b="0" i="0" u="none" strike="noStrike" dirty="0">
+                        <a:solidFill>
+                          <a:srgbClr val="000000"/>
+                        </a:solidFill>
+                        <a:effectLst/>
+                        <a:latin typeface="Calibri" charset="0"/>
+                      </a:endParaRPr>
+                    </a:p>
+                  </a:txBody>
+                  <a:tcPr marL="6350" marR="6350" marT="6350" marB="0" anchor="b"/>
+                </a:tc>
+              </a:tr>
+              <a:tr h="346130">
+                <a:tc>
+                  <a:txBody>
+                    <a:bodyPr/>
+                    <a:lstStyle/>
+                    <a:p>
+                      <a:pPr algn="l" fontAlgn="b"/>
+                      <a:r>
+                        <a:rPr lang="en-US" sz="1200" b="0" i="0" u="none" strike="noStrike" dirty="0" err="1" smtClean="0">
+                          <a:solidFill>
+                            <a:srgbClr val="000000"/>
+                          </a:solidFill>
+                          <a:effectLst/>
+                          <a:latin typeface="Calibri" charset="0"/>
+                        </a:rPr>
+                        <a:t>es</a:t>
+                      </a:r>
+                      <a:endParaRPr lang="en-US" sz="1200" b="0" i="0" u="none" strike="noStrike" dirty="0">
+                        <a:solidFill>
+                          <a:srgbClr val="000000"/>
+                        </a:solidFill>
+                        <a:effectLst/>
+                        <a:latin typeface="Calibri" charset="0"/>
+                      </a:endParaRPr>
+                    </a:p>
+                  </a:txBody>
+                  <a:tcPr marL="6350" marR="6350" marT="6350" marB="0" anchor="b"/>
+                </a:tc>
+              </a:tr>
+            </a:tbl>
+          </a:graphicData>
+        </a:graphic>
+      </p:graphicFrame>
+      <p:cxnSp>
+        <p:nvCxnSpPr>
+          <p:cNvPr id="12" name="Straight Arrow Connector 11"/>
+          <p:cNvCxnSpPr/>
+          <p:nvPr/>
+        </p:nvCxnSpPr>
+        <p:spPr>
+          <a:xfrm flipV="1">
+            <a:off x="3931464" y="1197930"/>
+            <a:ext cx="1591278" cy="16515"/>
+          </a:xfrm>
+          <a:prstGeom prst="straightConnector1">
+            <a:avLst/>
+          </a:prstGeom>
+          <a:ln w="38100">
+            <a:solidFill>
+              <a:srgbClr val="FF7F00"/>
+            </a:solidFill>
+            <a:tailEnd type="triangle"/>
+          </a:ln>
+        </p:spPr>
+        <p:style>
+          <a:lnRef idx="1">
+            <a:schemeClr val="accent1"/>
+          </a:lnRef>
+          <a:fillRef idx="0">
+            <a:schemeClr val="accent1"/>
+          </a:fillRef>
+          <a:effectRef idx="0">
+            <a:schemeClr val="accent1"/>
+          </a:effectRef>
+          <a:fontRef idx="minor">
+            <a:schemeClr val="tx1"/>
+          </a:fontRef>
+        </p:style>
+      </p:cxnSp>
+      <p:cxnSp>
+        <p:nvCxnSpPr>
+          <p:cNvPr id="13" name="Straight Arrow Connector 12"/>
+          <p:cNvCxnSpPr/>
+          <p:nvPr/>
+        </p:nvCxnSpPr>
+        <p:spPr>
+          <a:xfrm flipV="1">
+            <a:off x="3931464" y="1245713"/>
+            <a:ext cx="1521589" cy="254483"/>
+          </a:xfrm>
+          <a:prstGeom prst="straightConnector1">
+            <a:avLst/>
+          </a:prstGeom>
+          <a:ln w="38100">
+            <a:solidFill>
+              <a:srgbClr val="FF7F00"/>
+            </a:solidFill>
+            <a:tailEnd type="triangle"/>
+          </a:ln>
+        </p:spPr>
+        <p:style>
+          <a:lnRef idx="1">
+            <a:schemeClr val="accent1"/>
+          </a:lnRef>
+          <a:fillRef idx="0">
+            <a:schemeClr val="accent1"/>
+          </a:fillRef>
+          <a:effectRef idx="0">
+            <a:schemeClr val="accent1"/>
+          </a:effectRef>
+          <a:fontRef idx="minor">
+            <a:schemeClr val="tx1"/>
+          </a:fontRef>
+        </p:style>
+      </p:cxnSp>
+      <p:cxnSp>
+        <p:nvCxnSpPr>
+          <p:cNvPr id="14" name="Straight Arrow Connector 13"/>
+          <p:cNvCxnSpPr/>
+          <p:nvPr/>
+        </p:nvCxnSpPr>
+        <p:spPr>
+          <a:xfrm flipV="1">
+            <a:off x="3931464" y="1214445"/>
+            <a:ext cx="1591278" cy="707044"/>
+          </a:xfrm>
+          <a:prstGeom prst="straightConnector1">
+            <a:avLst/>
+          </a:prstGeom>
+          <a:ln w="38100">
+            <a:solidFill>
+              <a:srgbClr val="FF7F00"/>
+            </a:solidFill>
+            <a:tailEnd type="triangle"/>
+          </a:ln>
+        </p:spPr>
+        <p:style>
+          <a:lnRef idx="1">
+            <a:schemeClr val="accent1"/>
+          </a:lnRef>
+          <a:fillRef idx="0">
+            <a:schemeClr val="accent1"/>
+          </a:fillRef>
+          <a:effectRef idx="0">
+            <a:schemeClr val="accent1"/>
+          </a:effectRef>
+          <a:fontRef idx="minor">
+            <a:schemeClr val="tx1"/>
+          </a:fontRef>
+        </p:style>
+      </p:cxnSp>
+      <p:graphicFrame>
+        <p:nvGraphicFramePr>
+          <p:cNvPr id="17" name="Table 16"/>
+          <p:cNvGraphicFramePr>
+            <a:graphicFrameLocks noGrp="1"/>
+          </p:cNvGraphicFramePr>
+          <p:nvPr>
+            <p:extLst/>
+          </p:nvPr>
+        </p:nvGraphicFramePr>
+        <p:xfrm>
+          <a:off x="689967" y="696925"/>
+          <a:ext cx="3148609" cy="1383339"/>
+        </p:xfrm>
+        <a:graphic>
+          <a:graphicData uri="http://schemas.openxmlformats.org/drawingml/2006/table">
+            <a:tbl>
+              <a:tblPr firstRow="1" bandRow="1">
+                <a:tableStyleId>{5C22544A-7EE6-4342-B048-85BDC9FD1C3A}</a:tableStyleId>
+              </a:tblPr>
+              <a:tblGrid>
+                <a:gridCol w="785812"/>
+                <a:gridCol w="1121570"/>
+                <a:gridCol w="1241227"/>
+              </a:tblGrid>
+              <a:tr h="344949">
+                <a:tc>
+                  <a:txBody>
+                    <a:bodyPr/>
+                    <a:lstStyle/>
+                    <a:p>
+                      <a:pPr algn="l" fontAlgn="b"/>
+                      <a:r>
+                        <a:rPr lang="en-US" sz="1600" b="0" i="0" u="none" strike="noStrike" dirty="0">
+                          <a:solidFill>
+                            <a:srgbClr val="000000"/>
+                          </a:solidFill>
+                          <a:effectLst/>
+                          <a:latin typeface="Calibri" charset="0"/>
+                        </a:rPr>
+                        <a:t>Instance</a:t>
+                      </a:r>
+                    </a:p>
+                  </a:txBody>
+                  <a:tcPr marL="6350" marR="6350" marT="6350" marB="0" anchor="b"/>
+                </a:tc>
+                <a:tc>
+                  <a:txBody>
+                    <a:bodyPr/>
+                    <a:lstStyle/>
+                    <a:p>
+                      <a:pPr algn="l" fontAlgn="b"/>
+                      <a:r>
+                        <a:rPr lang="en-US" sz="1600" b="0" i="0" u="none" strike="noStrike">
+                          <a:solidFill>
+                            <a:srgbClr val="000000"/>
+                          </a:solidFill>
+                          <a:effectLst/>
+                          <a:latin typeface="Calibri" charset="0"/>
+                        </a:rPr>
+                        <a:t>Due_back</a:t>
+                      </a:r>
+                    </a:p>
+                  </a:txBody>
+                  <a:tcPr marL="6350" marR="6350" marT="6350" marB="0" anchor="b"/>
+                </a:tc>
+                <a:tc>
+                  <a:txBody>
+                    <a:bodyPr/>
+                    <a:lstStyle/>
+                    <a:p>
+                      <a:pPr algn="l" fontAlgn="b"/>
+                      <a:r>
+                        <a:rPr lang="en-US" sz="1600" b="0" i="0" u="none" strike="noStrike" dirty="0">
+                          <a:solidFill>
+                            <a:srgbClr val="000000"/>
+                          </a:solidFill>
+                          <a:effectLst/>
+                          <a:latin typeface="Calibri" charset="0"/>
+                        </a:rPr>
+                        <a:t>Status</a:t>
+                      </a:r>
+                    </a:p>
+                  </a:txBody>
+                  <a:tcPr marL="6350" marR="6350" marT="6350" marB="0" anchor="b"/>
+                </a:tc>
+              </a:tr>
+              <a:tr h="346130">
+                <a:tc>
+                  <a:txBody>
+                    <a:bodyPr/>
+                    <a:lstStyle/>
+                    <a:p>
+                      <a:pPr algn="r" fontAlgn="b"/>
+                      <a:r>
+                        <a:rPr lang="en-US" sz="1200" b="0" i="0" u="none" strike="noStrike" dirty="0">
+                          <a:solidFill>
+                            <a:srgbClr val="000000"/>
+                          </a:solidFill>
+                          <a:effectLst/>
+                          <a:latin typeface="Calibri" charset="0"/>
+                        </a:rPr>
+                        <a:t>1</a:t>
+                      </a:r>
+                    </a:p>
+                  </a:txBody>
+                  <a:tcPr marL="6350" marR="6350" marT="6350" marB="0" anchor="b"/>
+                </a:tc>
+                <a:tc>
+                  <a:txBody>
+                    <a:bodyPr/>
+                    <a:lstStyle/>
+                    <a:p>
+                      <a:pPr algn="l" fontAlgn="b"/>
+                      <a:endParaRPr lang="en-US" sz="1200" b="0" i="0" u="none" strike="noStrike" dirty="0">
+                        <a:solidFill>
+                          <a:srgbClr val="000000"/>
+                        </a:solidFill>
+                        <a:effectLst/>
+                        <a:latin typeface="Calibri" charset="0"/>
+                      </a:endParaRPr>
+                    </a:p>
+                  </a:txBody>
+                  <a:tcPr marL="6350" marR="6350" marT="6350" marB="0" anchor="b"/>
+                </a:tc>
+                <a:tc>
+                  <a:txBody>
+                    <a:bodyPr/>
+                    <a:lstStyle/>
+                    <a:p>
+                      <a:pPr algn="l" fontAlgn="b"/>
+                      <a:r>
+                        <a:rPr lang="en-US" sz="1200" b="0" i="0" u="none" strike="noStrike" dirty="0">
+                          <a:solidFill>
+                            <a:srgbClr val="000000"/>
+                          </a:solidFill>
+                          <a:effectLst/>
+                          <a:latin typeface="Calibri" charset="0"/>
+                        </a:rPr>
+                        <a:t>Available</a:t>
+                      </a:r>
+                    </a:p>
+                  </a:txBody>
+                  <a:tcPr marL="6350" marR="6350" marT="6350" marB="0" anchor="b"/>
+                </a:tc>
+              </a:tr>
+              <a:tr h="346130">
+                <a:tc>
+                  <a:txBody>
+                    <a:bodyPr/>
+                    <a:lstStyle/>
+                    <a:p>
+                      <a:pPr algn="r" fontAlgn="b"/>
+                      <a:r>
+                        <a:rPr lang="is-IS" sz="1200" b="0" i="0" u="none" strike="noStrike">
+                          <a:solidFill>
+                            <a:srgbClr val="000000"/>
+                          </a:solidFill>
+                          <a:effectLst/>
+                          <a:latin typeface="Calibri" charset="0"/>
+                        </a:rPr>
+                        <a:t>2</a:t>
+                      </a:r>
+                    </a:p>
+                  </a:txBody>
+                  <a:tcPr marL="6350" marR="6350" marT="6350" marB="0" anchor="b"/>
+                </a:tc>
+                <a:tc>
+                  <a:txBody>
+                    <a:bodyPr/>
+                    <a:lstStyle/>
+                    <a:p>
+                      <a:pPr algn="l" fontAlgn="b"/>
+                      <a:r>
+                        <a:rPr lang="en-US" sz="1200" b="0" i="0" u="none" strike="noStrike" dirty="0">
+                          <a:solidFill>
+                            <a:srgbClr val="000000"/>
+                          </a:solidFill>
+                          <a:effectLst/>
+                          <a:latin typeface="Calibri" charset="0"/>
+                        </a:rPr>
+                        <a:t>next week</a:t>
+                      </a:r>
+                    </a:p>
+                  </a:txBody>
+                  <a:tcPr marL="6350" marR="6350" marT="6350" marB="0" anchor="b"/>
+                </a:tc>
+                <a:tc>
+                  <a:txBody>
+                    <a:bodyPr/>
+                    <a:lstStyle/>
+                    <a:p>
+                      <a:pPr algn="l" fontAlgn="b"/>
+                      <a:r>
+                        <a:rPr lang="en-US" sz="1200" b="0" i="0" u="none" strike="noStrike" dirty="0">
+                          <a:solidFill>
+                            <a:srgbClr val="000000"/>
+                          </a:solidFill>
+                          <a:effectLst/>
+                          <a:latin typeface="Calibri" charset="0"/>
+                        </a:rPr>
+                        <a:t>On Loan</a:t>
+                      </a:r>
+                    </a:p>
+                  </a:txBody>
+                  <a:tcPr marL="6350" marR="6350" marT="6350" marB="0" anchor="b"/>
+                </a:tc>
+              </a:tr>
+              <a:tr h="346130">
+                <a:tc>
+                  <a:txBody>
+                    <a:bodyPr/>
+                    <a:lstStyle/>
+                    <a:p>
+                      <a:pPr algn="r" fontAlgn="b"/>
+                      <a:r>
+                        <a:rPr lang="en-US" sz="1200" b="0" i="0" u="none" strike="noStrike">
+                          <a:solidFill>
+                            <a:srgbClr val="000000"/>
+                          </a:solidFill>
+                          <a:effectLst/>
+                          <a:latin typeface="Calibri" charset="0"/>
+                        </a:rPr>
+                        <a:t>3</a:t>
+                      </a:r>
+                    </a:p>
+                  </a:txBody>
+                  <a:tcPr marL="6350" marR="6350" marT="6350" marB="0" anchor="b"/>
+                </a:tc>
+                <a:tc>
+                  <a:txBody>
+                    <a:bodyPr/>
+                    <a:lstStyle/>
+                    <a:p>
+                      <a:pPr algn="l" fontAlgn="b"/>
+                      <a:r>
+                        <a:rPr lang="en-US" sz="1200" b="0" i="0" u="none" strike="noStrike" dirty="0">
+                          <a:solidFill>
+                            <a:srgbClr val="000000"/>
+                          </a:solidFill>
+                          <a:effectLst/>
+                          <a:latin typeface="Calibri" charset="0"/>
+                        </a:rPr>
+                        <a:t>who knows</a:t>
+                      </a:r>
+                    </a:p>
+                  </a:txBody>
+                  <a:tcPr marL="6350" marR="6350" marT="6350" marB="0" anchor="b"/>
+                </a:tc>
+                <a:tc>
+                  <a:txBody>
+                    <a:bodyPr/>
+                    <a:lstStyle/>
+                    <a:p>
+                      <a:pPr algn="l" fontAlgn="b"/>
+                      <a:r>
+                        <a:rPr lang="en-US" sz="1200" b="0" i="0" u="none" strike="noStrike" dirty="0">
+                          <a:solidFill>
+                            <a:srgbClr val="000000"/>
+                          </a:solidFill>
+                          <a:effectLst/>
+                          <a:latin typeface="Calibri" charset="0"/>
+                        </a:rPr>
+                        <a:t>On Loan</a:t>
+                      </a:r>
+                    </a:p>
+                  </a:txBody>
+                  <a:tcPr marL="6350" marR="6350" marT="6350" marB="0" anchor="b"/>
+                </a:tc>
+              </a:tr>
+            </a:tbl>
+          </a:graphicData>
+        </a:graphic>
+      </p:graphicFrame>
+      <p:cxnSp>
+        <p:nvCxnSpPr>
+          <p:cNvPr id="18" name="Straight Arrow Connector 17"/>
+          <p:cNvCxnSpPr/>
+          <p:nvPr/>
+        </p:nvCxnSpPr>
+        <p:spPr>
+          <a:xfrm>
+            <a:off x="8755275" y="1121571"/>
+            <a:ext cx="1484111" cy="152718"/>
+          </a:xfrm>
+          <a:prstGeom prst="straightConnector1">
+            <a:avLst/>
+          </a:prstGeom>
+          <a:ln w="38100">
+            <a:solidFill>
+              <a:srgbClr val="FF40FF"/>
+            </a:solidFill>
+            <a:tailEnd type="triangle"/>
+          </a:ln>
+        </p:spPr>
+        <p:style>
+          <a:lnRef idx="1">
+            <a:schemeClr val="accent1"/>
+          </a:lnRef>
+          <a:fillRef idx="0">
+            <a:schemeClr val="accent1"/>
+          </a:fillRef>
+          <a:effectRef idx="0">
+            <a:schemeClr val="accent1"/>
+          </a:effectRef>
+          <a:fontRef idx="minor">
+            <a:schemeClr val="tx1"/>
+          </a:fontRef>
+        </p:style>
+      </p:cxnSp>
+      <p:cxnSp>
+        <p:nvCxnSpPr>
+          <p:cNvPr id="19" name="Straight Arrow Connector 18"/>
+          <p:cNvCxnSpPr/>
+          <p:nvPr/>
+        </p:nvCxnSpPr>
+        <p:spPr>
+          <a:xfrm flipV="1">
+            <a:off x="8755275" y="1274289"/>
+            <a:ext cx="1484111" cy="288790"/>
+          </a:xfrm>
+          <a:prstGeom prst="straightConnector1">
+            <a:avLst/>
+          </a:prstGeom>
+          <a:ln w="38100">
+            <a:solidFill>
+              <a:srgbClr val="FF40FF"/>
+            </a:solidFill>
+            <a:tailEnd type="triangle"/>
+          </a:ln>
+        </p:spPr>
+        <p:style>
+          <a:lnRef idx="1">
+            <a:schemeClr val="accent1"/>
+          </a:lnRef>
+          <a:fillRef idx="0">
+            <a:schemeClr val="accent1"/>
+          </a:fillRef>
+          <a:effectRef idx="0">
+            <a:schemeClr val="accent1"/>
+          </a:effectRef>
+          <a:fontRef idx="minor">
+            <a:schemeClr val="tx1"/>
+          </a:fontRef>
+        </p:style>
+      </p:cxnSp>
+      <p:grpSp>
+        <p:nvGrpSpPr>
+          <p:cNvPr id="35" name="Group 34"/>
+          <p:cNvGrpSpPr/>
+          <p:nvPr/>
+        </p:nvGrpSpPr>
+        <p:grpSpPr>
+          <a:xfrm>
+            <a:off x="1679559" y="2612929"/>
+            <a:ext cx="9318577" cy="3293209"/>
+            <a:chOff x="1498561" y="412654"/>
+            <a:chExt cx="9318577" cy="3293209"/>
+          </a:xfrm>
+        </p:grpSpPr>
+        <p:sp>
+          <p:nvSpPr>
+            <p:cNvPr id="36" name="TextBox 35"/>
+            <p:cNvSpPr txBox="1"/>
+            <p:nvPr/>
+          </p:nvSpPr>
+          <p:spPr>
+            <a:xfrm>
+              <a:off x="1498561" y="412654"/>
+              <a:ext cx="9318577" cy="3293209"/>
+            </a:xfrm>
+            <a:prstGeom prst="rect">
+              <a:avLst/>
+            </a:prstGeom>
+            <a:solidFill>
+              <a:schemeClr val="tx1"/>
+            </a:solidFill>
+          </p:spPr>
+          <p:txBody>
+            <a:bodyPr wrap="none" rtlCol="0">
+              <a:spAutoFit/>
+            </a:bodyPr>
+            <a:lstStyle/>
+            <a:p>
+              <a:r>
+                <a:rPr lang="en-US" sz="1600" dirty="0">
+                  <a:solidFill>
+                    <a:srgbClr val="C814C9"/>
+                  </a:solidFill>
+                  <a:latin typeface="Courier" charset="0"/>
+                  <a:ea typeface="Courier" charset="0"/>
+                  <a:cs typeface="Courier" charset="0"/>
+                </a:rPr>
+                <a:t>from</a:t>
+              </a:r>
+              <a:r>
+                <a:rPr lang="en-US" sz="1600" dirty="0">
+                  <a:solidFill>
+                    <a:srgbClr val="000000"/>
+                  </a:solidFill>
+                  <a:latin typeface="Courier" charset="0"/>
+                  <a:ea typeface="Courier" charset="0"/>
+                  <a:cs typeface="Courier" charset="0"/>
+                </a:rPr>
+                <a:t> </a:t>
+              </a:r>
+              <a:r>
+                <a:rPr lang="en-US" sz="1600" dirty="0" err="1">
+                  <a:solidFill>
+                    <a:srgbClr val="000000"/>
+                  </a:solidFill>
+                  <a:latin typeface="Courier" charset="0"/>
+                  <a:ea typeface="Courier" charset="0"/>
+                  <a:cs typeface="Courier" charset="0"/>
+                </a:rPr>
+                <a:t>django.db</a:t>
+              </a:r>
+              <a:r>
+                <a:rPr lang="en-US" sz="1600" dirty="0">
+                  <a:solidFill>
+                    <a:srgbClr val="000000"/>
+                  </a:solidFill>
+                  <a:latin typeface="Courier" charset="0"/>
+                  <a:ea typeface="Courier" charset="0"/>
+                  <a:cs typeface="Courier" charset="0"/>
+                </a:rPr>
+                <a:t> </a:t>
+              </a:r>
+              <a:r>
+                <a:rPr lang="en-US" sz="1600" dirty="0">
+                  <a:solidFill>
+                    <a:srgbClr val="C814C9"/>
+                  </a:solidFill>
+                  <a:latin typeface="Courier" charset="0"/>
+                  <a:ea typeface="Courier" charset="0"/>
+                  <a:cs typeface="Courier" charset="0"/>
+                </a:rPr>
+                <a:t>import</a:t>
+              </a:r>
+              <a:r>
+                <a:rPr lang="en-US" sz="1600" dirty="0">
+                  <a:solidFill>
+                    <a:srgbClr val="000000"/>
+                  </a:solidFill>
+                  <a:latin typeface="Courier" charset="0"/>
+                  <a:ea typeface="Courier" charset="0"/>
+                  <a:cs typeface="Courier" charset="0"/>
+                </a:rPr>
+                <a:t> models</a:t>
+              </a:r>
+            </a:p>
+            <a:p>
+              <a:r>
+                <a:rPr lang="mr-IN" sz="1600" dirty="0">
+                  <a:solidFill>
+                    <a:srgbClr val="000000"/>
+                  </a:solidFill>
+                  <a:latin typeface="Courier" charset="0"/>
+                  <a:ea typeface="Courier" charset="0"/>
+                  <a:cs typeface="Courier" charset="0"/>
+                </a:rPr>
+                <a:t>  </a:t>
+              </a:r>
+            </a:p>
+            <a:p>
+              <a:r>
+                <a:rPr lang="en-US" sz="1600" dirty="0">
+                  <a:solidFill>
+                    <a:srgbClr val="C1651C"/>
+                  </a:solidFill>
+                  <a:latin typeface="Courier" charset="0"/>
+                  <a:ea typeface="Courier" charset="0"/>
+                  <a:cs typeface="Courier" charset="0"/>
+                </a:rPr>
+                <a:t>class</a:t>
+              </a:r>
+              <a:r>
+                <a:rPr lang="en-US" sz="1600" dirty="0">
+                  <a:solidFill>
+                    <a:srgbClr val="000000"/>
+                  </a:solidFill>
+                  <a:latin typeface="Courier" charset="0"/>
+                  <a:ea typeface="Courier" charset="0"/>
+                  <a:cs typeface="Courier" charset="0"/>
+                </a:rPr>
+                <a:t> </a:t>
+              </a:r>
+              <a:r>
+                <a:rPr lang="en-US" sz="1600" dirty="0">
+                  <a:solidFill>
+                    <a:srgbClr val="2EAEBB"/>
+                  </a:solidFill>
+                  <a:latin typeface="Courier" charset="0"/>
+                  <a:ea typeface="Courier" charset="0"/>
+                  <a:cs typeface="Courier" charset="0"/>
+                </a:rPr>
+                <a:t>Lang</a:t>
+              </a:r>
+              <a:r>
+                <a:rPr lang="en-US" sz="1600" dirty="0">
+                  <a:solidFill>
+                    <a:srgbClr val="000000"/>
+                  </a:solidFill>
+                  <a:latin typeface="Courier" charset="0"/>
+                  <a:ea typeface="Courier" charset="0"/>
+                  <a:cs typeface="Courier" charset="0"/>
+                </a:rPr>
+                <a:t>(</a:t>
+              </a:r>
+              <a:r>
+                <a:rPr lang="en-US" sz="1600" dirty="0" err="1">
+                  <a:solidFill>
+                    <a:srgbClr val="000000"/>
+                  </a:solidFill>
+                  <a:latin typeface="Courier" charset="0"/>
+                  <a:ea typeface="Courier" charset="0"/>
+                  <a:cs typeface="Courier" charset="0"/>
+                </a:rPr>
+                <a:t>models.Model</a:t>
+              </a:r>
+              <a:r>
+                <a:rPr lang="en-US" sz="1600" dirty="0">
+                  <a:solidFill>
+                    <a:srgbClr val="000000"/>
+                  </a:solidFill>
+                  <a:latin typeface="Courier" charset="0"/>
+                  <a:ea typeface="Courier" charset="0"/>
+                  <a:cs typeface="Courier" charset="0"/>
+                </a:rPr>
+                <a:t>):</a:t>
+              </a:r>
+            </a:p>
+            <a:p>
+              <a:r>
+                <a:rPr lang="en-US" sz="1600" dirty="0">
+                  <a:solidFill>
+                    <a:srgbClr val="000000"/>
+                  </a:solidFill>
+                  <a:latin typeface="Courier" charset="0"/>
+                  <a:ea typeface="Courier" charset="0"/>
+                  <a:cs typeface="Courier" charset="0"/>
+                </a:rPr>
+                <a:t>    name = </a:t>
+              </a:r>
+              <a:r>
+                <a:rPr lang="en-US" sz="1600" dirty="0" err="1" smtClean="0">
+                  <a:solidFill>
+                    <a:srgbClr val="000000"/>
+                  </a:solidFill>
+                  <a:latin typeface="Courier" charset="0"/>
+                  <a:ea typeface="Courier" charset="0"/>
+                  <a:cs typeface="Courier" charset="0"/>
+                </a:rPr>
+                <a:t>models.CharField</a:t>
+              </a:r>
+              <a:r>
+                <a:rPr lang="en-US" sz="1600" dirty="0" smtClean="0">
+                  <a:solidFill>
+                    <a:srgbClr val="000000"/>
+                  </a:solidFill>
+                  <a:latin typeface="Courier" charset="0"/>
+                  <a:ea typeface="Courier" charset="0"/>
+                  <a:cs typeface="Courier" charset="0"/>
+                </a:rPr>
+                <a:t>(</a:t>
+              </a:r>
+              <a:r>
+                <a:rPr lang="en-US" sz="1600" dirty="0" err="1" smtClean="0">
+                  <a:solidFill>
+                    <a:srgbClr val="000000"/>
+                  </a:solidFill>
+                  <a:latin typeface="Courier" charset="0"/>
+                  <a:ea typeface="Courier" charset="0"/>
+                  <a:cs typeface="Courier" charset="0"/>
+                </a:rPr>
+                <a:t>max_length</a:t>
+              </a:r>
+              <a:r>
+                <a:rPr lang="en-US" sz="1600" dirty="0" smtClean="0">
+                  <a:solidFill>
+                    <a:srgbClr val="000000"/>
+                  </a:solidFill>
+                  <a:latin typeface="Courier" charset="0"/>
+                  <a:ea typeface="Courier" charset="0"/>
+                  <a:cs typeface="Courier" charset="0"/>
+                </a:rPr>
+                <a:t>=</a:t>
+              </a:r>
+              <a:r>
+                <a:rPr lang="en-US" sz="1600" dirty="0" smtClean="0">
+                  <a:solidFill>
+                    <a:srgbClr val="B42419"/>
+                  </a:solidFill>
+                  <a:latin typeface="Courier" charset="0"/>
+                  <a:ea typeface="Courier" charset="0"/>
+                  <a:cs typeface="Courier" charset="0"/>
+                </a:rPr>
+                <a:t>200</a:t>
+              </a:r>
+              <a:r>
+                <a:rPr lang="en-US" sz="1600" dirty="0" smtClean="0">
+                  <a:solidFill>
+                    <a:srgbClr val="000000"/>
+                  </a:solidFill>
+                  <a:latin typeface="Courier" charset="0"/>
+                  <a:ea typeface="Courier" charset="0"/>
+                  <a:cs typeface="Courier" charset="0"/>
+                </a:rPr>
+                <a:t>)</a:t>
+              </a:r>
+              <a:endParaRPr lang="en-US" sz="1600" dirty="0">
+                <a:solidFill>
+                  <a:srgbClr val="000000"/>
+                </a:solidFill>
+                <a:latin typeface="Courier" charset="0"/>
+                <a:ea typeface="Courier" charset="0"/>
+                <a:cs typeface="Courier" charset="0"/>
+              </a:endParaRPr>
+            </a:p>
+            <a:p>
+              <a:endParaRPr lang="en-US" sz="1600" dirty="0">
+                <a:solidFill>
+                  <a:srgbClr val="000000"/>
+                </a:solidFill>
+                <a:latin typeface="Courier" charset="0"/>
+                <a:ea typeface="Courier" charset="0"/>
+                <a:cs typeface="Courier" charset="0"/>
+              </a:endParaRPr>
+            </a:p>
+            <a:p>
+              <a:r>
+                <a:rPr lang="en-US" sz="1600" dirty="0">
+                  <a:solidFill>
+                    <a:srgbClr val="C1651C"/>
+                  </a:solidFill>
+                  <a:latin typeface="Courier" charset="0"/>
+                  <a:ea typeface="Courier" charset="0"/>
+                  <a:cs typeface="Courier" charset="0"/>
+                </a:rPr>
+                <a:t>class</a:t>
+              </a:r>
+              <a:r>
+                <a:rPr lang="en-US" sz="1600" dirty="0">
+                  <a:solidFill>
+                    <a:srgbClr val="000000"/>
+                  </a:solidFill>
+                  <a:latin typeface="Courier" charset="0"/>
+                  <a:ea typeface="Courier" charset="0"/>
+                  <a:cs typeface="Courier" charset="0"/>
+                </a:rPr>
+                <a:t> </a:t>
+              </a:r>
+              <a:r>
+                <a:rPr lang="en-US" sz="1600" dirty="0">
+                  <a:solidFill>
+                    <a:srgbClr val="2EAEBB"/>
+                  </a:solidFill>
+                  <a:latin typeface="Courier" charset="0"/>
+                  <a:ea typeface="Courier" charset="0"/>
+                  <a:cs typeface="Courier" charset="0"/>
+                </a:rPr>
+                <a:t>Book</a:t>
+              </a:r>
+              <a:r>
+                <a:rPr lang="en-US" sz="1600" dirty="0">
+                  <a:solidFill>
+                    <a:srgbClr val="000000"/>
+                  </a:solidFill>
+                  <a:latin typeface="Courier" charset="0"/>
+                  <a:ea typeface="Courier" charset="0"/>
+                  <a:cs typeface="Courier" charset="0"/>
+                </a:rPr>
+                <a:t>(</a:t>
+              </a:r>
+              <a:r>
+                <a:rPr lang="en-US" sz="1600" dirty="0" err="1">
+                  <a:solidFill>
+                    <a:srgbClr val="000000"/>
+                  </a:solidFill>
+                  <a:latin typeface="Courier" charset="0"/>
+                  <a:ea typeface="Courier" charset="0"/>
+                  <a:cs typeface="Courier" charset="0"/>
+                </a:rPr>
+                <a:t>models.Model</a:t>
+              </a:r>
+              <a:r>
+                <a:rPr lang="en-US" sz="1600" dirty="0">
+                  <a:solidFill>
+                    <a:srgbClr val="000000"/>
+                  </a:solidFill>
+                  <a:latin typeface="Courier" charset="0"/>
+                  <a:ea typeface="Courier" charset="0"/>
+                  <a:cs typeface="Courier" charset="0"/>
+                </a:rPr>
+                <a:t>):</a:t>
+              </a:r>
+            </a:p>
+            <a:p>
+              <a:r>
+                <a:rPr lang="en-US" sz="1600" dirty="0">
+                  <a:solidFill>
+                    <a:srgbClr val="000000"/>
+                  </a:solidFill>
+                  <a:latin typeface="Courier" charset="0"/>
+                  <a:ea typeface="Courier" charset="0"/>
+                  <a:cs typeface="Courier" charset="0"/>
+                </a:rPr>
+                <a:t>    title = </a:t>
+              </a:r>
+              <a:r>
+                <a:rPr lang="en-US" sz="1600" dirty="0" err="1">
+                  <a:solidFill>
+                    <a:srgbClr val="000000"/>
+                  </a:solidFill>
+                  <a:latin typeface="Courier" charset="0"/>
+                  <a:ea typeface="Courier" charset="0"/>
+                  <a:cs typeface="Courier" charset="0"/>
+                </a:rPr>
+                <a:t>models.CharField</a:t>
+              </a:r>
+              <a:r>
+                <a:rPr lang="en-US" sz="1600" dirty="0">
+                  <a:solidFill>
+                    <a:srgbClr val="000000"/>
+                  </a:solidFill>
+                  <a:latin typeface="Courier" charset="0"/>
+                  <a:ea typeface="Courier" charset="0"/>
+                  <a:cs typeface="Courier" charset="0"/>
+                </a:rPr>
+                <a:t>(</a:t>
+              </a:r>
+              <a:r>
+                <a:rPr lang="en-US" sz="1600" dirty="0" err="1">
+                  <a:solidFill>
+                    <a:srgbClr val="000000"/>
+                  </a:solidFill>
+                  <a:latin typeface="Courier" charset="0"/>
+                  <a:ea typeface="Courier" charset="0"/>
+                  <a:cs typeface="Courier" charset="0"/>
+                </a:rPr>
+                <a:t>max_length</a:t>
+              </a:r>
+              <a:r>
+                <a:rPr lang="en-US" sz="1600" dirty="0">
+                  <a:solidFill>
+                    <a:srgbClr val="000000"/>
+                  </a:solidFill>
+                  <a:latin typeface="Courier" charset="0"/>
+                  <a:ea typeface="Courier" charset="0"/>
+                  <a:cs typeface="Courier" charset="0"/>
+                </a:rPr>
+                <a:t>=</a:t>
+              </a:r>
+              <a:r>
+                <a:rPr lang="en-US" sz="1600" dirty="0">
+                  <a:solidFill>
+                    <a:srgbClr val="B42419"/>
+                  </a:solidFill>
+                  <a:latin typeface="Courier" charset="0"/>
+                  <a:ea typeface="Courier" charset="0"/>
+                  <a:cs typeface="Courier" charset="0"/>
+                </a:rPr>
+                <a:t>200</a:t>
+              </a:r>
+              <a:r>
+                <a:rPr lang="en-US" sz="1600" dirty="0">
+                  <a:solidFill>
+                    <a:srgbClr val="000000"/>
+                  </a:solidFill>
+                  <a:latin typeface="Courier" charset="0"/>
+                  <a:ea typeface="Courier" charset="0"/>
+                  <a:cs typeface="Courier" charset="0"/>
+                </a:rPr>
+                <a:t>)</a:t>
+              </a:r>
+            </a:p>
+            <a:p>
+              <a:r>
+                <a:rPr lang="en-US" sz="1600" dirty="0">
+                  <a:solidFill>
+                    <a:srgbClr val="000000"/>
+                  </a:solidFill>
+                  <a:latin typeface="Courier" charset="0"/>
+                  <a:ea typeface="Courier" charset="0"/>
+                  <a:cs typeface="Courier" charset="0"/>
+                </a:rPr>
+                <a:t>    </a:t>
+              </a:r>
+              <a:r>
+                <a:rPr lang="en-US" sz="1600" dirty="0" err="1">
+                  <a:solidFill>
+                    <a:srgbClr val="000000"/>
+                  </a:solidFill>
+                  <a:latin typeface="Courier" charset="0"/>
+                  <a:ea typeface="Courier" charset="0"/>
+                  <a:cs typeface="Courier" charset="0"/>
+                </a:rPr>
+                <a:t>isbn</a:t>
+              </a:r>
+              <a:r>
+                <a:rPr lang="en-US" sz="1600" dirty="0">
+                  <a:solidFill>
+                    <a:srgbClr val="000000"/>
+                  </a:solidFill>
+                  <a:latin typeface="Courier" charset="0"/>
+                  <a:ea typeface="Courier" charset="0"/>
+                  <a:cs typeface="Courier" charset="0"/>
+                </a:rPr>
+                <a:t> = </a:t>
+              </a:r>
+              <a:r>
+                <a:rPr lang="en-US" sz="1600" dirty="0" err="1">
+                  <a:solidFill>
+                    <a:srgbClr val="000000"/>
+                  </a:solidFill>
+                  <a:latin typeface="Courier" charset="0"/>
+                  <a:ea typeface="Courier" charset="0"/>
+                  <a:cs typeface="Courier" charset="0"/>
+                </a:rPr>
+                <a:t>models.CharField</a:t>
+              </a:r>
+              <a:r>
+                <a:rPr lang="en-US" sz="1600" dirty="0">
+                  <a:solidFill>
+                    <a:srgbClr val="000000"/>
+                  </a:solidFill>
+                  <a:latin typeface="Courier" charset="0"/>
+                  <a:ea typeface="Courier" charset="0"/>
+                  <a:cs typeface="Courier" charset="0"/>
+                </a:rPr>
+                <a:t>(</a:t>
+              </a:r>
+              <a:r>
+                <a:rPr lang="en-US" sz="1600" dirty="0" err="1">
+                  <a:solidFill>
+                    <a:srgbClr val="000000"/>
+                  </a:solidFill>
+                  <a:latin typeface="Courier" charset="0"/>
+                  <a:ea typeface="Courier" charset="0"/>
+                  <a:cs typeface="Courier" charset="0"/>
+                </a:rPr>
+                <a:t>max_length</a:t>
+              </a:r>
+              <a:r>
+                <a:rPr lang="en-US" sz="1600" dirty="0">
+                  <a:solidFill>
+                    <a:srgbClr val="000000"/>
+                  </a:solidFill>
+                  <a:latin typeface="Courier" charset="0"/>
+                  <a:ea typeface="Courier" charset="0"/>
+                  <a:cs typeface="Courier" charset="0"/>
+                </a:rPr>
+                <a:t>=</a:t>
+              </a:r>
+              <a:r>
+                <a:rPr lang="en-US" sz="1600" dirty="0">
+                  <a:solidFill>
+                    <a:srgbClr val="B42419"/>
+                  </a:solidFill>
+                  <a:latin typeface="Courier" charset="0"/>
+                  <a:ea typeface="Courier" charset="0"/>
+                  <a:cs typeface="Courier" charset="0"/>
+                </a:rPr>
+                <a:t>13</a:t>
+              </a:r>
+              <a:r>
+                <a:rPr lang="en-US" sz="1600" dirty="0">
+                  <a:solidFill>
+                    <a:srgbClr val="000000"/>
+                  </a:solidFill>
+                  <a:latin typeface="Courier" charset="0"/>
+                  <a:ea typeface="Courier" charset="0"/>
+                  <a:cs typeface="Courier" charset="0"/>
+                </a:rPr>
+                <a:t>)</a:t>
+              </a:r>
+            </a:p>
+            <a:p>
+              <a:r>
+                <a:rPr lang="en-US" sz="1600" dirty="0">
+                  <a:solidFill>
+                    <a:srgbClr val="000000"/>
+                  </a:solidFill>
+                  <a:latin typeface="Courier" charset="0"/>
+                  <a:ea typeface="Courier" charset="0"/>
+                  <a:cs typeface="Courier" charset="0"/>
+                </a:rPr>
+                <a:t>    </a:t>
+              </a:r>
+              <a:r>
+                <a:rPr lang="en-US" sz="1600" dirty="0" err="1">
+                  <a:solidFill>
+                    <a:srgbClr val="000000"/>
+                  </a:solidFill>
+                  <a:latin typeface="Courier" charset="0"/>
+                  <a:ea typeface="Courier" charset="0"/>
+                  <a:cs typeface="Courier" charset="0"/>
+                </a:rPr>
+                <a:t>lang</a:t>
+              </a:r>
+              <a:r>
+                <a:rPr lang="en-US" sz="1600" dirty="0">
+                  <a:solidFill>
+                    <a:srgbClr val="000000"/>
+                  </a:solidFill>
+                  <a:latin typeface="Courier" charset="0"/>
+                  <a:ea typeface="Courier" charset="0"/>
+                  <a:cs typeface="Courier" charset="0"/>
+                </a:rPr>
+                <a:t> = </a:t>
+              </a:r>
+              <a:r>
+                <a:rPr lang="en-US" sz="1600" dirty="0" err="1">
+                  <a:solidFill>
+                    <a:srgbClr val="FF40FF"/>
+                  </a:solidFill>
+                  <a:latin typeface="Courier" charset="0"/>
+                  <a:ea typeface="Courier" charset="0"/>
+                  <a:cs typeface="Courier" charset="0"/>
+                </a:rPr>
+                <a:t>models.ForeignKey</a:t>
+              </a:r>
+              <a:r>
+                <a:rPr lang="en-US" sz="1600" dirty="0">
+                  <a:solidFill>
+                    <a:srgbClr val="000000"/>
+                  </a:solidFill>
+                  <a:latin typeface="Courier" charset="0"/>
+                  <a:ea typeface="Courier" charset="0"/>
+                  <a:cs typeface="Courier" charset="0"/>
+                </a:rPr>
+                <a:t>(</a:t>
+              </a:r>
+              <a:r>
+                <a:rPr lang="en-US" sz="1600" dirty="0">
+                  <a:solidFill>
+                    <a:srgbClr val="B42419"/>
+                  </a:solidFill>
+                  <a:latin typeface="Courier" charset="0"/>
+                  <a:ea typeface="Courier" charset="0"/>
+                  <a:cs typeface="Courier" charset="0"/>
+                </a:rPr>
+                <a:t>'Lang'</a:t>
+              </a:r>
+              <a:r>
+                <a:rPr lang="en-US" sz="1600" dirty="0">
+                  <a:solidFill>
+                    <a:srgbClr val="000000"/>
+                  </a:solidFill>
+                  <a:latin typeface="Courier" charset="0"/>
+                  <a:ea typeface="Courier" charset="0"/>
+                  <a:cs typeface="Courier" charset="0"/>
+                </a:rPr>
+                <a:t>, </a:t>
+              </a:r>
+              <a:r>
+                <a:rPr lang="en-US" sz="1600" dirty="0" err="1">
+                  <a:solidFill>
+                    <a:srgbClr val="000000"/>
+                  </a:solidFill>
+                  <a:latin typeface="Courier" charset="0"/>
+                  <a:ea typeface="Courier" charset="0"/>
+                  <a:cs typeface="Courier" charset="0"/>
+                </a:rPr>
+                <a:t>on_delete</a:t>
+              </a:r>
+              <a:r>
+                <a:rPr lang="en-US" sz="1600" dirty="0">
+                  <a:solidFill>
+                    <a:srgbClr val="000000"/>
+                  </a:solidFill>
+                  <a:latin typeface="Courier" charset="0"/>
+                  <a:ea typeface="Courier" charset="0"/>
+                  <a:cs typeface="Courier" charset="0"/>
+                </a:rPr>
+                <a:t>=</a:t>
+              </a:r>
+              <a:r>
+                <a:rPr lang="en-US" sz="1600" dirty="0" err="1">
+                  <a:solidFill>
+                    <a:srgbClr val="000000"/>
+                  </a:solidFill>
+                  <a:latin typeface="Courier" charset="0"/>
+                  <a:ea typeface="Courier" charset="0"/>
+                  <a:cs typeface="Courier" charset="0"/>
+                </a:rPr>
+                <a:t>models.SET_NULL</a:t>
+              </a:r>
+              <a:r>
+                <a:rPr lang="en-US" sz="1600" dirty="0">
+                  <a:solidFill>
+                    <a:srgbClr val="000000"/>
+                  </a:solidFill>
+                  <a:latin typeface="Courier" charset="0"/>
+                  <a:ea typeface="Courier" charset="0"/>
+                  <a:cs typeface="Courier" charset="0"/>
+                </a:rPr>
+                <a:t>, null=</a:t>
+              </a:r>
+              <a:r>
+                <a:rPr lang="en-US" sz="1600" dirty="0">
+                  <a:solidFill>
+                    <a:srgbClr val="2EAEBB"/>
+                  </a:solidFill>
+                  <a:latin typeface="Courier" charset="0"/>
+                  <a:ea typeface="Courier" charset="0"/>
+                  <a:cs typeface="Courier" charset="0"/>
+                </a:rPr>
+                <a:t>True</a:t>
+              </a:r>
+              <a:r>
+                <a:rPr lang="en-US" sz="1600" dirty="0">
+                  <a:solidFill>
+                    <a:srgbClr val="000000"/>
+                  </a:solidFill>
+                  <a:latin typeface="Courier" charset="0"/>
+                  <a:ea typeface="Courier" charset="0"/>
+                  <a:cs typeface="Courier" charset="0"/>
+                </a:rPr>
+                <a:t>)</a:t>
+              </a:r>
+            </a:p>
+            <a:p>
+              <a:endParaRPr lang="en-US" sz="1600" dirty="0">
+                <a:solidFill>
+                  <a:srgbClr val="000000"/>
+                </a:solidFill>
+                <a:latin typeface="Courier" charset="0"/>
+                <a:ea typeface="Courier" charset="0"/>
+                <a:cs typeface="Courier" charset="0"/>
+              </a:endParaRPr>
+            </a:p>
+            <a:p>
+              <a:r>
+                <a:rPr lang="en-US" sz="1600" dirty="0">
+                  <a:solidFill>
+                    <a:srgbClr val="C1651C"/>
+                  </a:solidFill>
+                  <a:latin typeface="Courier" charset="0"/>
+                  <a:ea typeface="Courier" charset="0"/>
+                  <a:cs typeface="Courier" charset="0"/>
+                </a:rPr>
+                <a:t>class</a:t>
+              </a:r>
+              <a:r>
+                <a:rPr lang="en-US" sz="1600" dirty="0">
+                  <a:solidFill>
+                    <a:srgbClr val="000000"/>
+                  </a:solidFill>
+                  <a:latin typeface="Courier" charset="0"/>
+                  <a:ea typeface="Courier" charset="0"/>
+                  <a:cs typeface="Courier" charset="0"/>
+                </a:rPr>
+                <a:t> </a:t>
+              </a:r>
+              <a:r>
+                <a:rPr lang="en-US" sz="1600" dirty="0">
+                  <a:solidFill>
+                    <a:srgbClr val="2EAEBB"/>
+                  </a:solidFill>
+                  <a:latin typeface="Courier" charset="0"/>
+                  <a:ea typeface="Courier" charset="0"/>
+                  <a:cs typeface="Courier" charset="0"/>
+                </a:rPr>
+                <a:t>Instance</a:t>
+              </a:r>
+              <a:r>
+                <a:rPr lang="en-US" sz="1600" dirty="0">
+                  <a:solidFill>
+                    <a:srgbClr val="000000"/>
+                  </a:solidFill>
+                  <a:latin typeface="Courier" charset="0"/>
+                  <a:ea typeface="Courier" charset="0"/>
+                  <a:cs typeface="Courier" charset="0"/>
+                </a:rPr>
+                <a:t>(</a:t>
+              </a:r>
+              <a:r>
+                <a:rPr lang="en-US" sz="1600" dirty="0" err="1">
+                  <a:solidFill>
+                    <a:srgbClr val="000000"/>
+                  </a:solidFill>
+                  <a:latin typeface="Courier" charset="0"/>
+                  <a:ea typeface="Courier" charset="0"/>
+                  <a:cs typeface="Courier" charset="0"/>
+                </a:rPr>
+                <a:t>models.Model</a:t>
+              </a:r>
+              <a:r>
+                <a:rPr lang="en-US" sz="1600" dirty="0">
+                  <a:solidFill>
+                    <a:srgbClr val="000000"/>
+                  </a:solidFill>
+                  <a:latin typeface="Courier" charset="0"/>
+                  <a:ea typeface="Courier" charset="0"/>
+                  <a:cs typeface="Courier" charset="0"/>
+                </a:rPr>
+                <a:t>):</a:t>
+              </a:r>
+            </a:p>
+            <a:p>
+              <a:r>
+                <a:rPr lang="en-US" sz="1600" dirty="0">
+                  <a:solidFill>
+                    <a:srgbClr val="000000"/>
+                  </a:solidFill>
+                  <a:latin typeface="Courier" charset="0"/>
+                  <a:ea typeface="Courier" charset="0"/>
+                  <a:cs typeface="Courier" charset="0"/>
+                </a:rPr>
+                <a:t>    book = </a:t>
+              </a:r>
+              <a:r>
+                <a:rPr lang="en-US" sz="1600" dirty="0" err="1">
+                  <a:solidFill>
+                    <a:srgbClr val="FF7F00"/>
+                  </a:solidFill>
+                  <a:latin typeface="Courier" charset="0"/>
+                  <a:ea typeface="Courier" charset="0"/>
+                  <a:cs typeface="Courier" charset="0"/>
+                </a:rPr>
+                <a:t>models.ForeignKey</a:t>
+              </a:r>
+              <a:r>
+                <a:rPr lang="en-US" sz="1600" dirty="0">
+                  <a:solidFill>
+                    <a:srgbClr val="000000"/>
+                  </a:solidFill>
+                  <a:latin typeface="Courier" charset="0"/>
+                  <a:ea typeface="Courier" charset="0"/>
+                  <a:cs typeface="Courier" charset="0"/>
+                </a:rPr>
+                <a:t>(</a:t>
+              </a:r>
+              <a:r>
+                <a:rPr lang="en-US" sz="1600" dirty="0">
+                  <a:solidFill>
+                    <a:srgbClr val="B42419"/>
+                  </a:solidFill>
+                  <a:latin typeface="Courier" charset="0"/>
+                  <a:ea typeface="Courier" charset="0"/>
+                  <a:cs typeface="Courier" charset="0"/>
+                </a:rPr>
+                <a:t>'Book'</a:t>
+              </a:r>
+              <a:r>
+                <a:rPr lang="en-US" sz="1600" dirty="0">
+                  <a:solidFill>
+                    <a:srgbClr val="000000"/>
+                  </a:solidFill>
+                  <a:latin typeface="Courier" charset="0"/>
+                  <a:ea typeface="Courier" charset="0"/>
+                  <a:cs typeface="Courier" charset="0"/>
+                </a:rPr>
+                <a:t>, </a:t>
+              </a:r>
+              <a:r>
+                <a:rPr lang="en-US" sz="1600" dirty="0" err="1">
+                  <a:solidFill>
+                    <a:srgbClr val="000000"/>
+                  </a:solidFill>
+                  <a:latin typeface="Courier" charset="0"/>
+                  <a:ea typeface="Courier" charset="0"/>
+                  <a:cs typeface="Courier" charset="0"/>
+                </a:rPr>
+                <a:t>on_delete</a:t>
+              </a:r>
+              <a:r>
+                <a:rPr lang="en-US" sz="1600" dirty="0">
+                  <a:solidFill>
+                    <a:srgbClr val="000000"/>
+                  </a:solidFill>
+                  <a:latin typeface="Courier" charset="0"/>
+                  <a:ea typeface="Courier" charset="0"/>
+                  <a:cs typeface="Courier" charset="0"/>
+                </a:rPr>
+                <a:t>=</a:t>
+              </a:r>
+              <a:r>
+                <a:rPr lang="en-US" sz="1600" dirty="0" err="1">
+                  <a:solidFill>
+                    <a:srgbClr val="000000"/>
+                  </a:solidFill>
+                  <a:latin typeface="Courier" charset="0"/>
+                  <a:ea typeface="Courier" charset="0"/>
+                  <a:cs typeface="Courier" charset="0"/>
+                </a:rPr>
+                <a:t>models.CASCADE</a:t>
+              </a:r>
+              <a:r>
+                <a:rPr lang="en-US" sz="1600" dirty="0">
+                  <a:solidFill>
+                    <a:srgbClr val="000000"/>
+                  </a:solidFill>
+                  <a:latin typeface="Courier" charset="0"/>
+                  <a:ea typeface="Courier" charset="0"/>
+                  <a:cs typeface="Courier" charset="0"/>
+                </a:rPr>
+                <a:t>)</a:t>
+              </a:r>
+            </a:p>
+            <a:p>
+              <a:r>
+                <a:rPr lang="en-US" sz="1600" dirty="0">
+                  <a:solidFill>
+                    <a:srgbClr val="000000"/>
+                  </a:solidFill>
+                  <a:latin typeface="Courier" charset="0"/>
+                  <a:ea typeface="Courier" charset="0"/>
+                  <a:cs typeface="Courier" charset="0"/>
+                </a:rPr>
+                <a:t>    </a:t>
+              </a:r>
+              <a:r>
+                <a:rPr lang="en-US" sz="1600" dirty="0" err="1">
+                  <a:solidFill>
+                    <a:srgbClr val="000000"/>
+                  </a:solidFill>
+                  <a:latin typeface="Courier" charset="0"/>
+                  <a:ea typeface="Courier" charset="0"/>
+                  <a:cs typeface="Courier" charset="0"/>
+                </a:rPr>
+                <a:t>due_back</a:t>
+              </a:r>
+              <a:r>
+                <a:rPr lang="en-US" sz="1600" dirty="0">
+                  <a:solidFill>
+                    <a:srgbClr val="000000"/>
+                  </a:solidFill>
+                  <a:latin typeface="Courier" charset="0"/>
+                  <a:ea typeface="Courier" charset="0"/>
+                  <a:cs typeface="Courier" charset="0"/>
+                </a:rPr>
+                <a:t> = </a:t>
+              </a:r>
+              <a:r>
+                <a:rPr lang="en-US" sz="1600" dirty="0" err="1">
+                  <a:solidFill>
+                    <a:srgbClr val="000000"/>
+                  </a:solidFill>
+                  <a:latin typeface="Courier" charset="0"/>
+                  <a:ea typeface="Courier" charset="0"/>
+                  <a:cs typeface="Courier" charset="0"/>
+                </a:rPr>
+                <a:t>models.DateField</a:t>
+              </a:r>
+              <a:r>
+                <a:rPr lang="en-US" sz="1600" dirty="0">
+                  <a:solidFill>
+                    <a:srgbClr val="000000"/>
+                  </a:solidFill>
+                  <a:latin typeface="Courier" charset="0"/>
+                  <a:ea typeface="Courier" charset="0"/>
+                  <a:cs typeface="Courier" charset="0"/>
+                </a:rPr>
+                <a:t>(null=</a:t>
+              </a:r>
+              <a:r>
+                <a:rPr lang="en-US" sz="1600" dirty="0">
+                  <a:solidFill>
+                    <a:srgbClr val="2EAEBB"/>
+                  </a:solidFill>
+                  <a:latin typeface="Courier" charset="0"/>
+                  <a:ea typeface="Courier" charset="0"/>
+                  <a:cs typeface="Courier" charset="0"/>
+                </a:rPr>
+                <a:t>True</a:t>
+              </a:r>
+              <a:r>
+                <a:rPr lang="en-US" sz="1600" dirty="0">
+                  <a:solidFill>
+                    <a:srgbClr val="000000"/>
+                  </a:solidFill>
+                  <a:latin typeface="Courier" charset="0"/>
+                  <a:ea typeface="Courier" charset="0"/>
+                  <a:cs typeface="Courier" charset="0"/>
+                </a:rPr>
+                <a:t>, blank=</a:t>
+              </a:r>
+              <a:r>
+                <a:rPr lang="en-US" sz="1600" dirty="0">
+                  <a:solidFill>
+                    <a:srgbClr val="2EAEBB"/>
+                  </a:solidFill>
+                  <a:latin typeface="Courier" charset="0"/>
+                  <a:ea typeface="Courier" charset="0"/>
+                  <a:cs typeface="Courier" charset="0"/>
+                </a:rPr>
+                <a:t>True</a:t>
+              </a:r>
+              <a:r>
+                <a:rPr lang="en-US" sz="1600" dirty="0">
+                  <a:solidFill>
+                    <a:srgbClr val="000000"/>
+                  </a:solidFill>
+                  <a:latin typeface="Courier" charset="0"/>
+                  <a:ea typeface="Courier" charset="0"/>
+                  <a:cs typeface="Courier" charset="0"/>
+                </a:rPr>
+                <a:t>)</a:t>
+              </a:r>
+              <a:endParaRPr lang="en-US" sz="1600" dirty="0">
+                <a:latin typeface="Courier" charset="0"/>
+                <a:ea typeface="Courier" charset="0"/>
+                <a:cs typeface="Courier" charset="0"/>
+              </a:endParaRPr>
+            </a:p>
+          </p:txBody>
+        </p:sp>
+        <p:cxnSp>
+          <p:nvCxnSpPr>
+            <p:cNvPr id="37" name="Straight Arrow Connector 36"/>
+            <p:cNvCxnSpPr/>
+            <p:nvPr/>
+          </p:nvCxnSpPr>
+          <p:spPr>
+            <a:xfrm flipH="1">
+              <a:off x="9229725" y="1766045"/>
+              <a:ext cx="400050" cy="577105"/>
+            </a:xfrm>
+            <a:prstGeom prst="straightConnector1">
+              <a:avLst/>
+            </a:prstGeom>
+            <a:ln w="38100">
               <a:solidFill>
-                <a:srgbClr val="FFFF00"/>
+                <a:srgbClr val="FF40FF"/>
               </a:solidFill>
-            </a:endParaRPr>
-          </a:p>
-          <a:p>
-            <a:r>
-              <a:rPr lang="en-US" dirty="0" smtClean="0"/>
-              <a:t>Migrations are portable across databases</a:t>
-            </a:r>
-          </a:p>
-          <a:p>
-            <a:endParaRPr lang="en-US" dirty="0"/>
-          </a:p>
-          <a:p>
-            <a:r>
-              <a:rPr lang="en-US" dirty="0" smtClean="0"/>
-              <a:t>The </a:t>
-            </a:r>
-            <a:r>
-              <a:rPr lang="en-US" dirty="0" smtClean="0">
-                <a:solidFill>
-                  <a:srgbClr val="FFFF00"/>
-                </a:solidFill>
-              </a:rPr>
-              <a:t>migrate </a:t>
-            </a:r>
-            <a:r>
-              <a:rPr lang="en-US" dirty="0" smtClean="0"/>
-              <a:t>command reads all the </a:t>
-            </a:r>
-            <a:r>
-              <a:rPr lang="en-US" dirty="0" smtClean="0">
-                <a:solidFill>
-                  <a:srgbClr val="FFFF00"/>
-                </a:solidFill>
-              </a:rPr>
-              <a:t>migrations</a:t>
-            </a:r>
-            <a:r>
-              <a:rPr lang="en-US" dirty="0" smtClean="0"/>
-              <a:t> folders in the application folders and creates / evolves the tables in the database (i.e. db.sqlite3)</a:t>
-            </a:r>
-          </a:p>
-          <a:p>
-            <a:endParaRPr lang="en-US" dirty="0"/>
-          </a:p>
-          <a:p>
-            <a:endParaRPr lang="en-US" dirty="0"/>
-          </a:p>
-        </p:txBody>
-      </p:sp>
+              <a:headEnd type="none" w="med" len="med"/>
+              <a:tailEnd type="arrow" w="med" len="med"/>
+            </a:ln>
+          </p:spPr>
+          <p:style>
+            <a:lnRef idx="1">
+              <a:schemeClr val="accent1"/>
+            </a:lnRef>
+            <a:fillRef idx="0">
+              <a:schemeClr val="accent1"/>
+            </a:fillRef>
+            <a:effectRef idx="0">
+              <a:schemeClr val="accent1"/>
+            </a:effectRef>
+            <a:fontRef idx="minor">
+              <a:schemeClr val="tx1"/>
+            </a:fontRef>
+          </p:style>
+        </p:cxnSp>
+        <p:cxnSp>
+          <p:nvCxnSpPr>
+            <p:cNvPr id="38" name="Straight Arrow Connector 37"/>
+            <p:cNvCxnSpPr/>
+            <p:nvPr/>
+          </p:nvCxnSpPr>
+          <p:spPr>
+            <a:xfrm flipH="1">
+              <a:off x="9274397" y="3276599"/>
+              <a:ext cx="1300756" cy="0"/>
+            </a:xfrm>
+            <a:prstGeom prst="straightConnector1">
+              <a:avLst/>
+            </a:prstGeom>
+            <a:ln w="38100">
+              <a:solidFill>
+                <a:srgbClr val="FF7F00"/>
+              </a:solidFill>
+              <a:headEnd type="none" w="med" len="med"/>
+              <a:tailEnd type="arrow" w="med" len="med"/>
+            </a:ln>
+          </p:spPr>
+          <p:style>
+            <a:lnRef idx="1">
+              <a:schemeClr val="accent1"/>
+            </a:lnRef>
+            <a:fillRef idx="0">
+              <a:schemeClr val="accent1"/>
+            </a:fillRef>
+            <a:effectRef idx="0">
+              <a:schemeClr val="accent1"/>
+            </a:effectRef>
+            <a:fontRef idx="minor">
+              <a:schemeClr val="tx1"/>
+            </a:fontRef>
+          </p:style>
+        </p:cxnSp>
+      </p:grpSp>
+      <p:cxnSp>
+        <p:nvCxnSpPr>
+          <p:cNvPr id="39" name="Straight Arrow Connector 38"/>
+          <p:cNvCxnSpPr/>
+          <p:nvPr/>
+        </p:nvCxnSpPr>
+        <p:spPr>
+          <a:xfrm flipV="1">
+            <a:off x="8732956" y="1601779"/>
+            <a:ext cx="1506430" cy="262642"/>
+          </a:xfrm>
+          <a:prstGeom prst="straightConnector1">
+            <a:avLst/>
+          </a:prstGeom>
+          <a:ln w="38100">
+            <a:solidFill>
+              <a:srgbClr val="FF40FF"/>
+            </a:solidFill>
+            <a:tailEnd type="triangle"/>
+          </a:ln>
+        </p:spPr>
+        <p:style>
+          <a:lnRef idx="1">
+            <a:schemeClr val="accent1"/>
+          </a:lnRef>
+          <a:fillRef idx="0">
+            <a:schemeClr val="accent1"/>
+          </a:fillRef>
+          <a:effectRef idx="0">
+            <a:schemeClr val="accent1"/>
+          </a:effectRef>
+          <a:fontRef idx="minor">
+            <a:schemeClr val="tx1"/>
+          </a:fontRef>
+        </p:style>
+      </p:cxnSp>
     </p:spTree>
     <p:extLst>
       <p:ext uri="{BB962C8B-B14F-4D97-AF65-F5344CB8AC3E}">
-        <p14:creationId xmlns:p14="http://schemas.microsoft.com/office/powerpoint/2010/main" val="1538538110"/>
+        <p14:creationId xmlns:p14="http://schemas.microsoft.com/office/powerpoint/2010/main" val="1139645286"/>
       </p:ext>
     </p:extLst>
   </p:cSld>
@@ -31043,7 +33590,7 @@
       </p:grpSpPr>
       <p:sp>
         <p:nvSpPr>
-          <p:cNvPr id="2" name="Title 1"/>
+          <p:cNvPr id="4" name="Title 3"/>
           <p:cNvSpPr>
             <a:spLocks noGrp="1"/>
           </p:cNvSpPr>
@@ -31057,8 +33604,8 @@
           <a:lstStyle/>
           <a:p>
             <a:r>
-              <a:rPr lang="en-US" dirty="0" err="1" smtClean="0"/>
-              <a:t>makemigrations</a:t>
+              <a:rPr lang="en-US" dirty="0" smtClean="0"/>
+              <a:t>Models, Migrations, and Database Tables</a:t>
             </a:r>
             <a:endParaRPr lang="en-US" dirty="0"/>
           </a:p>
@@ -31066,903 +33613,19 @@
       </p:sp>
       <p:sp>
         <p:nvSpPr>
-          <p:cNvPr id="4" name="TextBox 3"/>
-          <p:cNvSpPr txBox="1"/>
-          <p:nvPr/>
+          <p:cNvPr id="6" name="Text Placeholder 5"/>
+          <p:cNvSpPr>
+            <a:spLocks noGrp="1"/>
+          </p:cNvSpPr>
+          <p:nvPr>
+            <p:ph type="body" idx="1"/>
+          </p:nvPr>
         </p:nvSpPr>
-        <p:spPr>
-          <a:xfrm>
-            <a:off x="6531137" y="1488279"/>
-            <a:ext cx="5368777" cy="4031873"/>
-          </a:xfrm>
-          <a:prstGeom prst="rect">
-            <a:avLst/>
-          </a:prstGeom>
-          <a:noFill/>
-        </p:spPr>
+        <p:spPr/>
         <p:txBody>
-          <a:bodyPr wrap="none" rtlCol="0">
-            <a:spAutoFit/>
-          </a:bodyPr>
+          <a:bodyPr/>
           <a:lstStyle/>
           <a:p>
-            <a:r>
-              <a:rPr lang="en-US" sz="1600" b="1" dirty="0" smtClean="0">
-                <a:solidFill>
-                  <a:srgbClr val="00FDFF"/>
-                </a:solidFill>
-                <a:latin typeface="Courier" charset="0"/>
-                <a:ea typeface="Courier" charset="0"/>
-                <a:cs typeface="Courier" charset="0"/>
-              </a:rPr>
-              <a:t>dj4e-samples$ </a:t>
-            </a:r>
-            <a:r>
-              <a:rPr lang="en-US" sz="1600" b="1" dirty="0" smtClean="0">
-                <a:solidFill>
-                  <a:srgbClr val="FFFF00"/>
-                </a:solidFill>
-                <a:latin typeface="Courier" charset="0"/>
-                <a:ea typeface="Courier" charset="0"/>
-                <a:cs typeface="Courier" charset="0"/>
-              </a:rPr>
-              <a:t>ls  */migrations/0*.</a:t>
-            </a:r>
-            <a:r>
-              <a:rPr lang="en-US" sz="1600" b="1" dirty="0" err="1" smtClean="0">
-                <a:solidFill>
-                  <a:srgbClr val="FFFF00"/>
-                </a:solidFill>
-                <a:latin typeface="Courier" charset="0"/>
-                <a:ea typeface="Courier" charset="0"/>
-                <a:cs typeface="Courier" charset="0"/>
-              </a:rPr>
-              <a:t>py</a:t>
-            </a:r>
-            <a:endParaRPr lang="en-US" sz="1600" b="1" dirty="0" smtClean="0">
-              <a:solidFill>
-                <a:srgbClr val="FFFF00"/>
-              </a:solidFill>
-              <a:latin typeface="Courier" charset="0"/>
-              <a:ea typeface="Courier" charset="0"/>
-              <a:cs typeface="Courier" charset="0"/>
-            </a:endParaRPr>
-          </a:p>
-          <a:p>
-            <a:r>
-              <a:rPr lang="en-US" sz="1600" b="1" dirty="0" smtClean="0">
-                <a:latin typeface="Courier" charset="0"/>
-                <a:ea typeface="Courier" charset="0"/>
-                <a:cs typeface="Courier" charset="0"/>
-              </a:rPr>
-              <a:t>autos/migrations/0001_initial.py</a:t>
-            </a:r>
-          </a:p>
-          <a:p>
-            <a:r>
-              <a:rPr lang="en-US" sz="1600" b="1" dirty="0" err="1" smtClean="0">
-                <a:latin typeface="Courier" charset="0"/>
-                <a:ea typeface="Courier" charset="0"/>
-                <a:cs typeface="Courier" charset="0"/>
-              </a:rPr>
-              <a:t>bookone</a:t>
-            </a:r>
-            <a:r>
-              <a:rPr lang="en-US" sz="1600" b="1" dirty="0" smtClean="0">
-                <a:latin typeface="Courier" charset="0"/>
-                <a:ea typeface="Courier" charset="0"/>
-                <a:cs typeface="Courier" charset="0"/>
-              </a:rPr>
-              <a:t>/migrations/0001_initial.py</a:t>
-            </a:r>
-          </a:p>
-          <a:p>
-            <a:r>
-              <a:rPr lang="en-US" sz="1600" b="1" dirty="0" smtClean="0">
-                <a:latin typeface="Courier" charset="0"/>
-                <a:ea typeface="Courier" charset="0"/>
-                <a:cs typeface="Courier" charset="0"/>
-              </a:rPr>
-              <a:t>favs/migrations/0001_initial.py</a:t>
-            </a:r>
-          </a:p>
-          <a:p>
-            <a:r>
-              <a:rPr lang="en-US" sz="1600" b="1" dirty="0" smtClean="0">
-                <a:latin typeface="Courier" charset="0"/>
-                <a:ea typeface="Courier" charset="0"/>
-                <a:cs typeface="Courier" charset="0"/>
-              </a:rPr>
-              <a:t>favs/migrations/0002_auto_20190420_1624.py</a:t>
-            </a:r>
-          </a:p>
-          <a:p>
-            <a:r>
-              <a:rPr lang="en-US" sz="1600" b="1" dirty="0" err="1" smtClean="0">
-                <a:latin typeface="Courier" charset="0"/>
-                <a:ea typeface="Courier" charset="0"/>
-                <a:cs typeface="Courier" charset="0"/>
-              </a:rPr>
-              <a:t>favsql</a:t>
-            </a:r>
-            <a:r>
-              <a:rPr lang="en-US" sz="1600" b="1" dirty="0" smtClean="0">
-                <a:latin typeface="Courier" charset="0"/>
-                <a:ea typeface="Courier" charset="0"/>
-                <a:cs typeface="Courier" charset="0"/>
-              </a:rPr>
-              <a:t>/migrations/0001_initial.py</a:t>
-            </a:r>
-          </a:p>
-          <a:p>
-            <a:r>
-              <a:rPr lang="en-US" sz="1600" b="1" dirty="0" smtClean="0">
-                <a:latin typeface="Courier" charset="0"/>
-                <a:ea typeface="Courier" charset="0"/>
-                <a:cs typeface="Courier" charset="0"/>
-              </a:rPr>
-              <a:t>forums/migrations/0001_initial.py</a:t>
-            </a:r>
-          </a:p>
-          <a:p>
-            <a:r>
-              <a:rPr lang="en-US" sz="1600" b="1" dirty="0" err="1" smtClean="0">
-                <a:latin typeface="Courier" charset="0"/>
-                <a:ea typeface="Courier" charset="0"/>
-                <a:cs typeface="Courier" charset="0"/>
-              </a:rPr>
-              <a:t>gview</a:t>
-            </a:r>
-            <a:r>
-              <a:rPr lang="en-US" sz="1600" b="1" dirty="0" smtClean="0">
-                <a:latin typeface="Courier" charset="0"/>
-                <a:ea typeface="Courier" charset="0"/>
-                <a:cs typeface="Courier" charset="0"/>
-              </a:rPr>
-              <a:t>/migrations/0001_initial.py</a:t>
-            </a:r>
-          </a:p>
-          <a:p>
-            <a:r>
-              <a:rPr lang="en-US" sz="1600" b="1" dirty="0" smtClean="0">
-                <a:latin typeface="Courier" charset="0"/>
-                <a:ea typeface="Courier" charset="0"/>
-                <a:cs typeface="Courier" charset="0"/>
-              </a:rPr>
-              <a:t>many/migrations/0001_initial.py</a:t>
-            </a:r>
-          </a:p>
-          <a:p>
-            <a:r>
-              <a:rPr lang="en-US" sz="1600" b="1" dirty="0" smtClean="0">
-                <a:latin typeface="Courier" charset="0"/>
-                <a:ea typeface="Courier" charset="0"/>
-                <a:cs typeface="Courier" charset="0"/>
-              </a:rPr>
-              <a:t>many/migrations/0002_auto_20190329_1653.py</a:t>
-            </a:r>
-          </a:p>
-          <a:p>
-            <a:r>
-              <a:rPr lang="en-US" sz="1600" b="1" dirty="0" err="1" smtClean="0">
-                <a:latin typeface="Courier" charset="0"/>
-                <a:ea typeface="Courier" charset="0"/>
-                <a:cs typeface="Courier" charset="0"/>
-              </a:rPr>
-              <a:t>myarts</a:t>
-            </a:r>
-            <a:r>
-              <a:rPr lang="en-US" sz="1600" b="1" dirty="0" smtClean="0">
-                <a:latin typeface="Courier" charset="0"/>
-                <a:ea typeface="Courier" charset="0"/>
-                <a:cs typeface="Courier" charset="0"/>
-              </a:rPr>
-              <a:t>/migrations/0001_initial.py</a:t>
-            </a:r>
-          </a:p>
-          <a:p>
-            <a:r>
-              <a:rPr lang="en-US" sz="1600" b="1" dirty="0" smtClean="0">
-                <a:latin typeface="Courier" charset="0"/>
-                <a:ea typeface="Courier" charset="0"/>
-                <a:cs typeface="Courier" charset="0"/>
-              </a:rPr>
-              <a:t>pics/migrations/0001_initial.py</a:t>
-            </a:r>
-          </a:p>
-          <a:p>
-            <a:r>
-              <a:rPr lang="en-US" sz="1600" b="1" dirty="0" smtClean="0">
-                <a:latin typeface="Courier" charset="0"/>
-                <a:ea typeface="Courier" charset="0"/>
-                <a:cs typeface="Courier" charset="0"/>
-              </a:rPr>
-              <a:t>rest/migrations/0001_initial.py</a:t>
-            </a:r>
-          </a:p>
-          <a:p>
-            <a:r>
-              <a:rPr lang="en-US" sz="1600" b="1" dirty="0" smtClean="0">
-                <a:latin typeface="Courier" charset="0"/>
-                <a:ea typeface="Courier" charset="0"/>
-                <a:cs typeface="Courier" charset="0"/>
-              </a:rPr>
-              <a:t>tracks/migrations/0001_initial.py</a:t>
-            </a:r>
-          </a:p>
-          <a:p>
-            <a:r>
-              <a:rPr lang="en-US" sz="1600" b="1" dirty="0" smtClean="0">
-                <a:latin typeface="Courier" charset="0"/>
-                <a:ea typeface="Courier" charset="0"/>
-                <a:cs typeface="Courier" charset="0"/>
-              </a:rPr>
-              <a:t>users/migrations/0001_initial.py</a:t>
-            </a:r>
-          </a:p>
-          <a:p>
-            <a:r>
-              <a:rPr lang="en-US" sz="1600" b="1" dirty="0" smtClean="0">
-                <a:solidFill>
-                  <a:srgbClr val="00FDFF"/>
-                </a:solidFill>
-                <a:latin typeface="Courier" charset="0"/>
-                <a:ea typeface="Courier" charset="0"/>
-                <a:cs typeface="Courier" charset="0"/>
-              </a:rPr>
-              <a:t>dj4e-samples$</a:t>
-            </a:r>
-            <a:endParaRPr lang="en-US" sz="1600" b="1" dirty="0">
-              <a:solidFill>
-                <a:srgbClr val="00FDFF"/>
-              </a:solidFill>
-              <a:latin typeface="Courier" charset="0"/>
-              <a:ea typeface="Courier" charset="0"/>
-              <a:cs typeface="Courier" charset="0"/>
-            </a:endParaRPr>
-          </a:p>
-        </p:txBody>
-      </p:sp>
-      <p:sp>
-        <p:nvSpPr>
-          <p:cNvPr id="5" name="TextBox 4"/>
-          <p:cNvSpPr txBox="1"/>
-          <p:nvPr/>
-        </p:nvSpPr>
-        <p:spPr>
-          <a:xfrm>
-            <a:off x="300266" y="1857612"/>
-            <a:ext cx="5052986" cy="3293209"/>
-          </a:xfrm>
-          <a:prstGeom prst="rect">
-            <a:avLst/>
-          </a:prstGeom>
-          <a:noFill/>
-        </p:spPr>
-        <p:txBody>
-          <a:bodyPr wrap="none" rtlCol="0">
-            <a:spAutoFit/>
-          </a:bodyPr>
-          <a:lstStyle/>
-          <a:p>
-            <a:r>
-              <a:rPr lang="en-US" sz="1600" b="1" dirty="0" smtClean="0">
-                <a:solidFill>
-                  <a:srgbClr val="00FDFF"/>
-                </a:solidFill>
-                <a:latin typeface="Courier" charset="0"/>
-                <a:ea typeface="Courier" charset="0"/>
-                <a:cs typeface="Courier" charset="0"/>
-              </a:rPr>
-              <a:t>dj4e-samples$ </a:t>
-            </a:r>
-            <a:r>
-              <a:rPr lang="en-US" sz="1600" b="1" dirty="0">
-                <a:solidFill>
-                  <a:srgbClr val="FFFF00"/>
-                </a:solidFill>
-                <a:latin typeface="Courier" charset="0"/>
-                <a:ea typeface="Courier" charset="0"/>
-                <a:cs typeface="Courier" charset="0"/>
-              </a:rPr>
-              <a:t>ls */</a:t>
-            </a:r>
-            <a:r>
-              <a:rPr lang="en-US" sz="1600" b="1" dirty="0" err="1">
-                <a:solidFill>
-                  <a:srgbClr val="FFFF00"/>
-                </a:solidFill>
-                <a:latin typeface="Courier" charset="0"/>
-                <a:ea typeface="Courier" charset="0"/>
-                <a:cs typeface="Courier" charset="0"/>
-              </a:rPr>
-              <a:t>models.py</a:t>
-            </a:r>
-            <a:endParaRPr lang="en-US" sz="1600" b="1" dirty="0">
-              <a:solidFill>
-                <a:srgbClr val="FFFF00"/>
-              </a:solidFill>
-              <a:latin typeface="Courier" charset="0"/>
-              <a:ea typeface="Courier" charset="0"/>
-              <a:cs typeface="Courier" charset="0"/>
-            </a:endParaRPr>
-          </a:p>
-          <a:p>
-            <a:r>
-              <a:rPr lang="en-US" sz="1600" b="1" dirty="0">
-                <a:latin typeface="Courier" charset="0"/>
-                <a:ea typeface="Courier" charset="0"/>
-                <a:cs typeface="Courier" charset="0"/>
-              </a:rPr>
-              <a:t>autos/</a:t>
-            </a:r>
-            <a:r>
-              <a:rPr lang="en-US" sz="1600" b="1" dirty="0" err="1">
-                <a:latin typeface="Courier" charset="0"/>
-                <a:ea typeface="Courier" charset="0"/>
-                <a:cs typeface="Courier" charset="0"/>
-              </a:rPr>
-              <a:t>models.py</a:t>
-            </a:r>
-            <a:r>
-              <a:rPr lang="en-US" sz="1600" b="1" dirty="0">
-                <a:latin typeface="Courier" charset="0"/>
-                <a:ea typeface="Courier" charset="0"/>
-                <a:cs typeface="Courier" charset="0"/>
-              </a:rPr>
-              <a:t>	</a:t>
-            </a:r>
-            <a:r>
-              <a:rPr lang="en-US" sz="1600" b="1" dirty="0" smtClean="0">
-                <a:latin typeface="Courier" charset="0"/>
-                <a:ea typeface="Courier" charset="0"/>
-                <a:cs typeface="Courier" charset="0"/>
-              </a:rPr>
-              <a:t>many/</a:t>
-            </a:r>
-            <a:r>
-              <a:rPr lang="en-US" sz="1600" b="1" dirty="0" err="1" smtClean="0">
-                <a:latin typeface="Courier" charset="0"/>
-                <a:ea typeface="Courier" charset="0"/>
-                <a:cs typeface="Courier" charset="0"/>
-              </a:rPr>
-              <a:t>models.py</a:t>
-            </a:r>
-            <a:endParaRPr lang="en-US" sz="1600" b="1" dirty="0">
-              <a:latin typeface="Courier" charset="0"/>
-              <a:ea typeface="Courier" charset="0"/>
-              <a:cs typeface="Courier" charset="0"/>
-            </a:endParaRPr>
-          </a:p>
-          <a:p>
-            <a:r>
-              <a:rPr lang="en-US" sz="1600" b="1" dirty="0" err="1">
-                <a:latin typeface="Courier" charset="0"/>
-                <a:ea typeface="Courier" charset="0"/>
-                <a:cs typeface="Courier" charset="0"/>
-              </a:rPr>
-              <a:t>bookone</a:t>
-            </a:r>
-            <a:r>
-              <a:rPr lang="en-US" sz="1600" b="1" dirty="0">
-                <a:latin typeface="Courier" charset="0"/>
-                <a:ea typeface="Courier" charset="0"/>
-                <a:cs typeface="Courier" charset="0"/>
-              </a:rPr>
-              <a:t>/</a:t>
-            </a:r>
-            <a:r>
-              <a:rPr lang="en-US" sz="1600" b="1" dirty="0" err="1">
-                <a:latin typeface="Courier" charset="0"/>
-                <a:ea typeface="Courier" charset="0"/>
-                <a:cs typeface="Courier" charset="0"/>
-              </a:rPr>
-              <a:t>models.py</a:t>
-            </a:r>
-            <a:r>
-              <a:rPr lang="en-US" sz="1600" b="1" dirty="0">
-                <a:latin typeface="Courier" charset="0"/>
-                <a:ea typeface="Courier" charset="0"/>
-                <a:cs typeface="Courier" charset="0"/>
-              </a:rPr>
-              <a:t>	menu/</a:t>
-            </a:r>
-            <a:r>
-              <a:rPr lang="en-US" sz="1600" b="1" dirty="0" err="1">
-                <a:latin typeface="Courier" charset="0"/>
-                <a:ea typeface="Courier" charset="0"/>
-                <a:cs typeface="Courier" charset="0"/>
-              </a:rPr>
-              <a:t>models.py</a:t>
-            </a:r>
-            <a:endParaRPr lang="en-US" sz="1600" b="1" dirty="0">
-              <a:latin typeface="Courier" charset="0"/>
-              <a:ea typeface="Courier" charset="0"/>
-              <a:cs typeface="Courier" charset="0"/>
-            </a:endParaRPr>
-          </a:p>
-          <a:p>
-            <a:r>
-              <a:rPr lang="en-US" sz="1600" b="1" dirty="0">
-                <a:latin typeface="Courier" charset="0"/>
-                <a:ea typeface="Courier" charset="0"/>
-                <a:cs typeface="Courier" charset="0"/>
-              </a:rPr>
-              <a:t>crispy/</a:t>
-            </a:r>
-            <a:r>
-              <a:rPr lang="en-US" sz="1600" b="1" dirty="0" err="1">
-                <a:latin typeface="Courier" charset="0"/>
-                <a:ea typeface="Courier" charset="0"/>
-                <a:cs typeface="Courier" charset="0"/>
-              </a:rPr>
-              <a:t>models.py</a:t>
-            </a:r>
-            <a:r>
-              <a:rPr lang="en-US" sz="1600" b="1" dirty="0">
-                <a:latin typeface="Courier" charset="0"/>
-                <a:ea typeface="Courier" charset="0"/>
-                <a:cs typeface="Courier" charset="0"/>
-              </a:rPr>
-              <a:t>	</a:t>
-            </a:r>
-            <a:r>
-              <a:rPr lang="en-US" sz="1600" b="1" dirty="0" err="1">
-                <a:latin typeface="Courier" charset="0"/>
-                <a:ea typeface="Courier" charset="0"/>
-                <a:cs typeface="Courier" charset="0"/>
-              </a:rPr>
-              <a:t>myarts</a:t>
-            </a:r>
-            <a:r>
-              <a:rPr lang="en-US" sz="1600" b="1" dirty="0">
-                <a:latin typeface="Courier" charset="0"/>
-                <a:ea typeface="Courier" charset="0"/>
-                <a:cs typeface="Courier" charset="0"/>
-              </a:rPr>
-              <a:t>/</a:t>
-            </a:r>
-            <a:r>
-              <a:rPr lang="en-US" sz="1600" b="1" dirty="0" err="1">
-                <a:latin typeface="Courier" charset="0"/>
-                <a:ea typeface="Courier" charset="0"/>
-                <a:cs typeface="Courier" charset="0"/>
-              </a:rPr>
-              <a:t>models.py</a:t>
-            </a:r>
-            <a:endParaRPr lang="en-US" sz="1600" b="1" dirty="0">
-              <a:latin typeface="Courier" charset="0"/>
-              <a:ea typeface="Courier" charset="0"/>
-              <a:cs typeface="Courier" charset="0"/>
-            </a:endParaRPr>
-          </a:p>
-          <a:p>
-            <a:r>
-              <a:rPr lang="en-US" sz="1600" b="1" dirty="0">
-                <a:latin typeface="Courier" charset="0"/>
-                <a:ea typeface="Courier" charset="0"/>
-                <a:cs typeface="Courier" charset="0"/>
-              </a:rPr>
-              <a:t>favs/</a:t>
-            </a:r>
-            <a:r>
-              <a:rPr lang="en-US" sz="1600" b="1" dirty="0" err="1">
-                <a:latin typeface="Courier" charset="0"/>
-                <a:ea typeface="Courier" charset="0"/>
-                <a:cs typeface="Courier" charset="0"/>
-              </a:rPr>
-              <a:t>models.py</a:t>
-            </a:r>
-            <a:r>
-              <a:rPr lang="en-US" sz="1600" b="1" dirty="0">
-                <a:latin typeface="Courier" charset="0"/>
-                <a:ea typeface="Courier" charset="0"/>
-                <a:cs typeface="Courier" charset="0"/>
-              </a:rPr>
-              <a:t>		pics/</a:t>
-            </a:r>
-            <a:r>
-              <a:rPr lang="en-US" sz="1600" b="1" dirty="0" err="1">
-                <a:latin typeface="Courier" charset="0"/>
-                <a:ea typeface="Courier" charset="0"/>
-                <a:cs typeface="Courier" charset="0"/>
-              </a:rPr>
-              <a:t>models.py</a:t>
-            </a:r>
-            <a:endParaRPr lang="en-US" sz="1600" b="1" dirty="0">
-              <a:latin typeface="Courier" charset="0"/>
-              <a:ea typeface="Courier" charset="0"/>
-              <a:cs typeface="Courier" charset="0"/>
-            </a:endParaRPr>
-          </a:p>
-          <a:p>
-            <a:r>
-              <a:rPr lang="en-US" sz="1600" b="1" dirty="0" err="1">
-                <a:latin typeface="Courier" charset="0"/>
-                <a:ea typeface="Courier" charset="0"/>
-                <a:cs typeface="Courier" charset="0"/>
-              </a:rPr>
-              <a:t>favsql</a:t>
-            </a:r>
-            <a:r>
-              <a:rPr lang="en-US" sz="1600" b="1" dirty="0">
-                <a:latin typeface="Courier" charset="0"/>
-                <a:ea typeface="Courier" charset="0"/>
-                <a:cs typeface="Courier" charset="0"/>
-              </a:rPr>
-              <a:t>/</a:t>
-            </a:r>
-            <a:r>
-              <a:rPr lang="en-US" sz="1600" b="1" dirty="0" err="1">
-                <a:latin typeface="Courier" charset="0"/>
-                <a:ea typeface="Courier" charset="0"/>
-                <a:cs typeface="Courier" charset="0"/>
-              </a:rPr>
-              <a:t>models.py</a:t>
-            </a:r>
-            <a:r>
-              <a:rPr lang="en-US" sz="1600" b="1" dirty="0">
-                <a:latin typeface="Courier" charset="0"/>
-                <a:ea typeface="Courier" charset="0"/>
-                <a:cs typeface="Courier" charset="0"/>
-              </a:rPr>
-              <a:t>	rest/</a:t>
-            </a:r>
-            <a:r>
-              <a:rPr lang="en-US" sz="1600" b="1" dirty="0" err="1">
-                <a:latin typeface="Courier" charset="0"/>
-                <a:ea typeface="Courier" charset="0"/>
-                <a:cs typeface="Courier" charset="0"/>
-              </a:rPr>
-              <a:t>models.py</a:t>
-            </a:r>
-            <a:endParaRPr lang="en-US" sz="1600" b="1" dirty="0">
-              <a:latin typeface="Courier" charset="0"/>
-              <a:ea typeface="Courier" charset="0"/>
-              <a:cs typeface="Courier" charset="0"/>
-            </a:endParaRPr>
-          </a:p>
-          <a:p>
-            <a:r>
-              <a:rPr lang="en-US" sz="1600" b="1" dirty="0">
-                <a:latin typeface="Courier" charset="0"/>
-                <a:ea typeface="Courier" charset="0"/>
-                <a:cs typeface="Courier" charset="0"/>
-              </a:rPr>
-              <a:t>form/</a:t>
-            </a:r>
-            <a:r>
-              <a:rPr lang="en-US" sz="1600" b="1" dirty="0" err="1">
-                <a:latin typeface="Courier" charset="0"/>
-                <a:ea typeface="Courier" charset="0"/>
-                <a:cs typeface="Courier" charset="0"/>
-              </a:rPr>
-              <a:t>models.py</a:t>
-            </a:r>
-            <a:r>
-              <a:rPr lang="en-US" sz="1600" b="1" dirty="0">
-                <a:latin typeface="Courier" charset="0"/>
-                <a:ea typeface="Courier" charset="0"/>
-                <a:cs typeface="Courier" charset="0"/>
-              </a:rPr>
-              <a:t>		route/</a:t>
-            </a:r>
-            <a:r>
-              <a:rPr lang="en-US" sz="1600" b="1" dirty="0" err="1">
-                <a:latin typeface="Courier" charset="0"/>
-                <a:ea typeface="Courier" charset="0"/>
-                <a:cs typeface="Courier" charset="0"/>
-              </a:rPr>
-              <a:t>models.py</a:t>
-            </a:r>
-            <a:endParaRPr lang="en-US" sz="1600" b="1" dirty="0">
-              <a:latin typeface="Courier" charset="0"/>
-              <a:ea typeface="Courier" charset="0"/>
-              <a:cs typeface="Courier" charset="0"/>
-            </a:endParaRPr>
-          </a:p>
-          <a:p>
-            <a:r>
-              <a:rPr lang="en-US" sz="1600" b="1" dirty="0">
-                <a:latin typeface="Courier" charset="0"/>
-                <a:ea typeface="Courier" charset="0"/>
-                <a:cs typeface="Courier" charset="0"/>
-              </a:rPr>
-              <a:t>forums/</a:t>
-            </a:r>
-            <a:r>
-              <a:rPr lang="en-US" sz="1600" b="1" dirty="0" err="1">
-                <a:latin typeface="Courier" charset="0"/>
-                <a:ea typeface="Courier" charset="0"/>
-                <a:cs typeface="Courier" charset="0"/>
-              </a:rPr>
-              <a:t>models.py</a:t>
-            </a:r>
-            <a:r>
-              <a:rPr lang="en-US" sz="1600" b="1" dirty="0">
-                <a:latin typeface="Courier" charset="0"/>
-                <a:ea typeface="Courier" charset="0"/>
-                <a:cs typeface="Courier" charset="0"/>
-              </a:rPr>
-              <a:t>	session/</a:t>
-            </a:r>
-            <a:r>
-              <a:rPr lang="en-US" sz="1600" b="1" dirty="0" err="1">
-                <a:latin typeface="Courier" charset="0"/>
-                <a:ea typeface="Courier" charset="0"/>
-                <a:cs typeface="Courier" charset="0"/>
-              </a:rPr>
-              <a:t>models.py</a:t>
-            </a:r>
-            <a:endParaRPr lang="en-US" sz="1600" b="1" dirty="0">
-              <a:latin typeface="Courier" charset="0"/>
-              <a:ea typeface="Courier" charset="0"/>
-              <a:cs typeface="Courier" charset="0"/>
-            </a:endParaRPr>
-          </a:p>
-          <a:p>
-            <a:r>
-              <a:rPr lang="en-US" sz="1600" b="1" dirty="0" err="1">
-                <a:latin typeface="Courier" charset="0"/>
-                <a:ea typeface="Courier" charset="0"/>
-                <a:cs typeface="Courier" charset="0"/>
-              </a:rPr>
-              <a:t>getpost</a:t>
-            </a:r>
-            <a:r>
-              <a:rPr lang="en-US" sz="1600" b="1" dirty="0">
-                <a:latin typeface="Courier" charset="0"/>
-                <a:ea typeface="Courier" charset="0"/>
-                <a:cs typeface="Courier" charset="0"/>
-              </a:rPr>
-              <a:t>/</a:t>
-            </a:r>
-            <a:r>
-              <a:rPr lang="en-US" sz="1600" b="1" dirty="0" err="1">
-                <a:latin typeface="Courier" charset="0"/>
-                <a:ea typeface="Courier" charset="0"/>
-                <a:cs typeface="Courier" charset="0"/>
-              </a:rPr>
-              <a:t>models.py</a:t>
-            </a:r>
-            <a:r>
-              <a:rPr lang="en-US" sz="1600" b="1" dirty="0">
-                <a:latin typeface="Courier" charset="0"/>
-                <a:ea typeface="Courier" charset="0"/>
-                <a:cs typeface="Courier" charset="0"/>
-              </a:rPr>
-              <a:t>	</a:t>
-            </a:r>
-            <a:r>
-              <a:rPr lang="en-US" sz="1600" b="1" dirty="0" err="1">
-                <a:latin typeface="Courier" charset="0"/>
-                <a:ea typeface="Courier" charset="0"/>
-                <a:cs typeface="Courier" charset="0"/>
-              </a:rPr>
-              <a:t>tmpl</a:t>
-            </a:r>
-            <a:r>
-              <a:rPr lang="en-US" sz="1600" b="1" dirty="0">
-                <a:latin typeface="Courier" charset="0"/>
-                <a:ea typeface="Courier" charset="0"/>
-                <a:cs typeface="Courier" charset="0"/>
-              </a:rPr>
-              <a:t>/</a:t>
-            </a:r>
-            <a:r>
-              <a:rPr lang="en-US" sz="1600" b="1" dirty="0" err="1">
-                <a:latin typeface="Courier" charset="0"/>
-                <a:ea typeface="Courier" charset="0"/>
-                <a:cs typeface="Courier" charset="0"/>
-              </a:rPr>
-              <a:t>models.py</a:t>
-            </a:r>
-            <a:endParaRPr lang="en-US" sz="1600" b="1" dirty="0">
-              <a:latin typeface="Courier" charset="0"/>
-              <a:ea typeface="Courier" charset="0"/>
-              <a:cs typeface="Courier" charset="0"/>
-            </a:endParaRPr>
-          </a:p>
-          <a:p>
-            <a:r>
-              <a:rPr lang="en-US" sz="1600" b="1" dirty="0" err="1">
-                <a:latin typeface="Courier" charset="0"/>
-                <a:ea typeface="Courier" charset="0"/>
-                <a:cs typeface="Courier" charset="0"/>
-              </a:rPr>
-              <a:t>gview</a:t>
-            </a:r>
-            <a:r>
-              <a:rPr lang="en-US" sz="1600" b="1" dirty="0">
-                <a:latin typeface="Courier" charset="0"/>
-                <a:ea typeface="Courier" charset="0"/>
-                <a:cs typeface="Courier" charset="0"/>
-              </a:rPr>
-              <a:t>/</a:t>
-            </a:r>
-            <a:r>
-              <a:rPr lang="en-US" sz="1600" b="1" dirty="0" err="1">
-                <a:latin typeface="Courier" charset="0"/>
-                <a:ea typeface="Courier" charset="0"/>
-                <a:cs typeface="Courier" charset="0"/>
-              </a:rPr>
-              <a:t>models.py</a:t>
-            </a:r>
-            <a:r>
-              <a:rPr lang="en-US" sz="1600" b="1" dirty="0">
-                <a:latin typeface="Courier" charset="0"/>
-                <a:ea typeface="Courier" charset="0"/>
-                <a:cs typeface="Courier" charset="0"/>
-              </a:rPr>
-              <a:t>	</a:t>
-            </a:r>
-            <a:r>
-              <a:rPr lang="en-US" sz="1600" b="1" dirty="0" smtClean="0">
-                <a:latin typeface="Courier" charset="0"/>
-                <a:ea typeface="Courier" charset="0"/>
-                <a:cs typeface="Courier" charset="0"/>
-              </a:rPr>
-              <a:t>tracks/</a:t>
-            </a:r>
-            <a:r>
-              <a:rPr lang="en-US" sz="1600" b="1" dirty="0" err="1" smtClean="0">
-                <a:latin typeface="Courier" charset="0"/>
-                <a:ea typeface="Courier" charset="0"/>
-                <a:cs typeface="Courier" charset="0"/>
-              </a:rPr>
-              <a:t>models.py</a:t>
-            </a:r>
-            <a:endParaRPr lang="en-US" sz="1600" b="1" dirty="0">
-              <a:latin typeface="Courier" charset="0"/>
-              <a:ea typeface="Courier" charset="0"/>
-              <a:cs typeface="Courier" charset="0"/>
-            </a:endParaRPr>
-          </a:p>
-          <a:p>
-            <a:r>
-              <a:rPr lang="en-US" sz="1600" b="1" dirty="0">
-                <a:latin typeface="Courier" charset="0"/>
-                <a:ea typeface="Courier" charset="0"/>
-                <a:cs typeface="Courier" charset="0"/>
-              </a:rPr>
-              <a:t>hello/</a:t>
-            </a:r>
-            <a:r>
-              <a:rPr lang="en-US" sz="1600" b="1" dirty="0" err="1">
-                <a:latin typeface="Courier" charset="0"/>
-                <a:ea typeface="Courier" charset="0"/>
-                <a:cs typeface="Courier" charset="0"/>
-              </a:rPr>
-              <a:t>models.py</a:t>
-            </a:r>
-            <a:r>
-              <a:rPr lang="en-US" sz="1600" b="1" dirty="0">
-                <a:latin typeface="Courier" charset="0"/>
-                <a:ea typeface="Courier" charset="0"/>
-                <a:cs typeface="Courier" charset="0"/>
-              </a:rPr>
-              <a:t>	</a:t>
-            </a:r>
-            <a:r>
-              <a:rPr lang="en-US" sz="1600" b="1" dirty="0" smtClean="0">
-                <a:latin typeface="Courier" charset="0"/>
-                <a:ea typeface="Courier" charset="0"/>
-                <a:cs typeface="Courier" charset="0"/>
-              </a:rPr>
-              <a:t>users/</a:t>
-            </a:r>
-            <a:r>
-              <a:rPr lang="en-US" sz="1600" b="1" dirty="0" err="1" smtClean="0">
-                <a:latin typeface="Courier" charset="0"/>
-                <a:ea typeface="Courier" charset="0"/>
-                <a:cs typeface="Courier" charset="0"/>
-              </a:rPr>
-              <a:t>models.py</a:t>
-            </a:r>
-            <a:endParaRPr lang="en-US" sz="1600" b="1" dirty="0">
-              <a:latin typeface="Courier" charset="0"/>
-              <a:ea typeface="Courier" charset="0"/>
-              <a:cs typeface="Courier" charset="0"/>
-            </a:endParaRPr>
-          </a:p>
-          <a:p>
-            <a:r>
-              <a:rPr lang="en-US" sz="1600" b="1" dirty="0">
-                <a:latin typeface="Courier" charset="0"/>
-                <a:ea typeface="Courier" charset="0"/>
-                <a:cs typeface="Courier" charset="0"/>
-              </a:rPr>
-              <a:t>home/</a:t>
-            </a:r>
-            <a:r>
-              <a:rPr lang="en-US" sz="1600" b="1" dirty="0" err="1">
-                <a:latin typeface="Courier" charset="0"/>
-                <a:ea typeface="Courier" charset="0"/>
-                <a:cs typeface="Courier" charset="0"/>
-              </a:rPr>
-              <a:t>models.py</a:t>
-            </a:r>
-            <a:r>
-              <a:rPr lang="en-US" sz="1600" b="1" dirty="0">
-                <a:latin typeface="Courier" charset="0"/>
-                <a:ea typeface="Courier" charset="0"/>
-                <a:cs typeface="Courier" charset="0"/>
-              </a:rPr>
-              <a:t>		views/</a:t>
-            </a:r>
-            <a:r>
-              <a:rPr lang="en-US" sz="1600" b="1" dirty="0" err="1">
-                <a:latin typeface="Courier" charset="0"/>
-                <a:ea typeface="Courier" charset="0"/>
-                <a:cs typeface="Courier" charset="0"/>
-              </a:rPr>
-              <a:t>models.py</a:t>
-            </a:r>
-            <a:endParaRPr lang="en-US" sz="1600" b="1" dirty="0">
-              <a:latin typeface="Courier" charset="0"/>
-              <a:ea typeface="Courier" charset="0"/>
-              <a:cs typeface="Courier" charset="0"/>
-            </a:endParaRPr>
-          </a:p>
-          <a:p>
-            <a:r>
-              <a:rPr lang="en-US" sz="1600" b="1" dirty="0" smtClean="0">
-                <a:solidFill>
-                  <a:srgbClr val="00FDFF"/>
-                </a:solidFill>
-                <a:latin typeface="Courier" charset="0"/>
-                <a:ea typeface="Courier" charset="0"/>
-                <a:cs typeface="Courier" charset="0"/>
-              </a:rPr>
-              <a:t>dj4e-samples$ </a:t>
-            </a:r>
-            <a:endParaRPr lang="en-US" sz="1600" b="1" dirty="0">
-              <a:solidFill>
-                <a:srgbClr val="00FDFF"/>
-              </a:solidFill>
-              <a:latin typeface="Courier" charset="0"/>
-              <a:ea typeface="Courier" charset="0"/>
-              <a:cs typeface="Courier" charset="0"/>
-            </a:endParaRPr>
-          </a:p>
-        </p:txBody>
-      </p:sp>
-      <p:sp>
-        <p:nvSpPr>
-          <p:cNvPr id="6" name="Right Arrow 5"/>
-          <p:cNvSpPr/>
-          <p:nvPr/>
-        </p:nvSpPr>
-        <p:spPr>
-          <a:xfrm>
-            <a:off x="5543550" y="3357563"/>
-            <a:ext cx="828675" cy="514350"/>
-          </a:xfrm>
-          <a:prstGeom prst="rightArrow">
-            <a:avLst/>
-          </a:prstGeom>
-        </p:spPr>
-        <p:style>
-          <a:lnRef idx="2">
-            <a:schemeClr val="accent1">
-              <a:shade val="50000"/>
-            </a:schemeClr>
-          </a:lnRef>
-          <a:fillRef idx="1">
-            <a:schemeClr val="accent1"/>
-          </a:fillRef>
-          <a:effectRef idx="0">
-            <a:schemeClr val="accent1"/>
-          </a:effectRef>
-          <a:fontRef idx="minor">
-            <a:schemeClr val="lt1"/>
-          </a:fontRef>
-        </p:style>
-        <p:txBody>
-          <a:bodyPr rtlCol="0" anchor="ctr"/>
-          <a:lstStyle/>
-          <a:p>
-            <a:pPr algn="ctr"/>
             <a:endParaRPr lang="en-US"/>
           </a:p>
         </p:txBody>
@@ -31970,7 +33633,7 @@
     </p:spTree>
     <p:extLst>
       <p:ext uri="{BB962C8B-B14F-4D97-AF65-F5344CB8AC3E}">
-        <p14:creationId xmlns:p14="http://schemas.microsoft.com/office/powerpoint/2010/main" val="1035350520"/>
+        <p14:creationId xmlns:p14="http://schemas.microsoft.com/office/powerpoint/2010/main" val="2066181394"/>
       </p:ext>
     </p:extLst>
   </p:cSld>
@@ -32352,7 +34015,7 @@
       </p:grpSpPr>
       <p:sp>
         <p:nvSpPr>
-          <p:cNvPr id="2" name="Title 1"/>
+          <p:cNvPr id="3" name="Title 2"/>
           <p:cNvSpPr>
             <a:spLocks noGrp="1"/>
           </p:cNvSpPr>
@@ -32366,1308 +34029,134 @@
           <a:lstStyle/>
           <a:p>
             <a:r>
-              <a:rPr lang="en-US" dirty="0" smtClean="0"/>
-              <a:t>migrate</a:t>
-            </a:r>
-            <a:endParaRPr lang="en-US" dirty="0"/>
+              <a:rPr lang="en-US" dirty="0"/>
+              <a:t>Migrations: From Model to Database</a:t>
+            </a:r>
           </a:p>
         </p:txBody>
       </p:sp>
       <p:sp>
         <p:nvSpPr>
-          <p:cNvPr id="4" name="TextBox 3"/>
-          <p:cNvSpPr txBox="1"/>
-          <p:nvPr/>
+          <p:cNvPr id="4" name="Content Placeholder 3"/>
+          <p:cNvSpPr>
+            <a:spLocks noGrp="1"/>
+          </p:cNvSpPr>
+          <p:nvPr>
+            <p:ph idx="1"/>
+          </p:nvPr>
         </p:nvSpPr>
-        <p:spPr>
-          <a:xfrm>
-            <a:off x="589110" y="1473992"/>
-            <a:ext cx="5368777" cy="4031873"/>
-          </a:xfrm>
-          <a:prstGeom prst="rect">
-            <a:avLst/>
-          </a:prstGeom>
-          <a:noFill/>
-        </p:spPr>
+        <p:spPr/>
         <p:txBody>
-          <a:bodyPr wrap="none" rtlCol="0">
-            <a:spAutoFit/>
-          </a:bodyPr>
+          <a:bodyPr/>
           <a:lstStyle/>
           <a:p>
             <a:r>
-              <a:rPr lang="en-US" sz="1600" b="1" dirty="0" smtClean="0">
-                <a:solidFill>
-                  <a:srgbClr val="00FDFF"/>
-                </a:solidFill>
-                <a:latin typeface="Courier" charset="0"/>
-                <a:ea typeface="Courier" charset="0"/>
-                <a:cs typeface="Courier" charset="0"/>
-              </a:rPr>
-              <a:t>dj4e-samples$ </a:t>
-            </a:r>
-            <a:r>
-              <a:rPr lang="en-US" sz="1600" b="1" dirty="0" smtClean="0">
+              <a:rPr lang="en-US" dirty="0" smtClean="0"/>
+              <a:t>The </a:t>
+            </a:r>
+            <a:r>
+              <a:rPr lang="en-US" dirty="0" err="1" smtClean="0">
                 <a:solidFill>
                   <a:srgbClr val="FFFF00"/>
                 </a:solidFill>
-                <a:latin typeface="Courier" charset="0"/>
-                <a:ea typeface="Courier" charset="0"/>
-                <a:cs typeface="Courier" charset="0"/>
-              </a:rPr>
-              <a:t>ls  */migrations/0*.</a:t>
-            </a:r>
-            <a:r>
-              <a:rPr lang="en-US" sz="1600" b="1" dirty="0" err="1" smtClean="0">
+              </a:rPr>
+              <a:t>makemigrations</a:t>
+            </a:r>
+            <a:r>
+              <a:rPr lang="en-US" dirty="0" smtClean="0">
                 <a:solidFill>
                   <a:srgbClr val="FFFF00"/>
                 </a:solidFill>
-                <a:latin typeface="Courier" charset="0"/>
-                <a:ea typeface="Courier" charset="0"/>
-                <a:cs typeface="Courier" charset="0"/>
-              </a:rPr>
-              <a:t>py</a:t>
-            </a:r>
-            <a:endParaRPr lang="en-US" sz="1600" b="1" dirty="0" smtClean="0">
+              </a:rPr>
+              <a:t> </a:t>
+            </a:r>
+            <a:r>
+              <a:rPr lang="en-US" dirty="0" smtClean="0"/>
+              <a:t>command reads all the </a:t>
+            </a:r>
+            <a:r>
+              <a:rPr lang="en-US" dirty="0" err="1" smtClean="0">
+                <a:solidFill>
+                  <a:srgbClr val="FFFF00"/>
+                </a:solidFill>
+              </a:rPr>
+              <a:t>models.py</a:t>
+            </a:r>
+            <a:r>
+              <a:rPr lang="en-US" dirty="0" smtClean="0"/>
+              <a:t> files in all the applications, end creates / evolves the migration files</a:t>
+            </a:r>
+          </a:p>
+          <a:p>
+            <a:r>
+              <a:rPr lang="en-US" dirty="0" smtClean="0"/>
+              <a:t>Guided by the applications listed in </a:t>
+            </a:r>
+            <a:r>
+              <a:rPr lang="en-US" dirty="0" err="1" smtClean="0">
+                <a:solidFill>
+                  <a:srgbClr val="FFFF00"/>
+                </a:solidFill>
+              </a:rPr>
+              <a:t>settings.py</a:t>
+            </a:r>
+            <a:endParaRPr lang="en-US" dirty="0" smtClean="0">
               <a:solidFill>
                 <a:srgbClr val="FFFF00"/>
               </a:solidFill>
-              <a:latin typeface="Courier" charset="0"/>
-              <a:ea typeface="Courier" charset="0"/>
-              <a:cs typeface="Courier" charset="0"/>
             </a:endParaRPr>
           </a:p>
           <a:p>
             <a:r>
-              <a:rPr lang="en-US" sz="1600" b="1" dirty="0" smtClean="0">
-                <a:latin typeface="Courier" charset="0"/>
-                <a:ea typeface="Courier" charset="0"/>
-                <a:cs typeface="Courier" charset="0"/>
-              </a:rPr>
-              <a:t>autos/migrations/0001_initial.py</a:t>
-            </a:r>
-          </a:p>
-          <a:p>
-            <a:r>
-              <a:rPr lang="en-US" sz="1600" b="1" dirty="0" err="1" smtClean="0">
-                <a:latin typeface="Courier" charset="0"/>
-                <a:ea typeface="Courier" charset="0"/>
-                <a:cs typeface="Courier" charset="0"/>
-              </a:rPr>
-              <a:t>bookone</a:t>
-            </a:r>
-            <a:r>
-              <a:rPr lang="en-US" sz="1600" b="1" dirty="0" smtClean="0">
-                <a:latin typeface="Courier" charset="0"/>
-                <a:ea typeface="Courier" charset="0"/>
-                <a:cs typeface="Courier" charset="0"/>
-              </a:rPr>
-              <a:t>/migrations/0001_initial.py</a:t>
-            </a:r>
-          </a:p>
-          <a:p>
-            <a:r>
-              <a:rPr lang="en-US" sz="1600" b="1" dirty="0" smtClean="0">
-                <a:latin typeface="Courier" charset="0"/>
-                <a:ea typeface="Courier" charset="0"/>
-                <a:cs typeface="Courier" charset="0"/>
-              </a:rPr>
-              <a:t>favs/migrations/0001_initial.py</a:t>
-            </a:r>
-          </a:p>
-          <a:p>
-            <a:r>
-              <a:rPr lang="en-US" sz="1600" b="1" dirty="0" smtClean="0">
-                <a:latin typeface="Courier" charset="0"/>
-                <a:ea typeface="Courier" charset="0"/>
-                <a:cs typeface="Courier" charset="0"/>
-              </a:rPr>
-              <a:t>favs/migrations/0002_auto_20190420_1624.py</a:t>
-            </a:r>
-          </a:p>
-          <a:p>
-            <a:r>
-              <a:rPr lang="en-US" sz="1600" b="1" dirty="0" err="1" smtClean="0">
-                <a:latin typeface="Courier" charset="0"/>
-                <a:ea typeface="Courier" charset="0"/>
-                <a:cs typeface="Courier" charset="0"/>
-              </a:rPr>
-              <a:t>favsql</a:t>
-            </a:r>
-            <a:r>
-              <a:rPr lang="en-US" sz="1600" b="1" dirty="0" smtClean="0">
-                <a:latin typeface="Courier" charset="0"/>
-                <a:ea typeface="Courier" charset="0"/>
-                <a:cs typeface="Courier" charset="0"/>
-              </a:rPr>
-              <a:t>/migrations/0001_initial.py</a:t>
-            </a:r>
-          </a:p>
-          <a:p>
-            <a:r>
-              <a:rPr lang="en-US" sz="1600" b="1" dirty="0" smtClean="0">
-                <a:latin typeface="Courier" charset="0"/>
-                <a:ea typeface="Courier" charset="0"/>
-                <a:cs typeface="Courier" charset="0"/>
-              </a:rPr>
-              <a:t>forums/migrations/0001_initial.py</a:t>
-            </a:r>
-          </a:p>
-          <a:p>
-            <a:r>
-              <a:rPr lang="en-US" sz="1600" b="1" dirty="0" err="1" smtClean="0">
-                <a:latin typeface="Courier" charset="0"/>
-                <a:ea typeface="Courier" charset="0"/>
-                <a:cs typeface="Courier" charset="0"/>
-              </a:rPr>
-              <a:t>gview</a:t>
-            </a:r>
-            <a:r>
-              <a:rPr lang="en-US" sz="1600" b="1" dirty="0" smtClean="0">
-                <a:latin typeface="Courier" charset="0"/>
-                <a:ea typeface="Courier" charset="0"/>
-                <a:cs typeface="Courier" charset="0"/>
-              </a:rPr>
-              <a:t>/migrations/0001_initial.py</a:t>
-            </a:r>
-          </a:p>
-          <a:p>
-            <a:r>
-              <a:rPr lang="en-US" sz="1600" b="1" dirty="0" smtClean="0">
-                <a:latin typeface="Courier" charset="0"/>
-                <a:ea typeface="Courier" charset="0"/>
-                <a:cs typeface="Courier" charset="0"/>
-              </a:rPr>
-              <a:t>many/migrations/0001_initial.py</a:t>
-            </a:r>
-          </a:p>
-          <a:p>
-            <a:r>
-              <a:rPr lang="en-US" sz="1600" b="1" dirty="0" smtClean="0">
-                <a:latin typeface="Courier" charset="0"/>
-                <a:ea typeface="Courier" charset="0"/>
-                <a:cs typeface="Courier" charset="0"/>
-              </a:rPr>
-              <a:t>many/migrations/0002_auto_20190329_1653.py</a:t>
-            </a:r>
-          </a:p>
-          <a:p>
-            <a:r>
-              <a:rPr lang="en-US" sz="1600" b="1" dirty="0" err="1" smtClean="0">
-                <a:latin typeface="Courier" charset="0"/>
-                <a:ea typeface="Courier" charset="0"/>
-                <a:cs typeface="Courier" charset="0"/>
-              </a:rPr>
-              <a:t>myarts</a:t>
-            </a:r>
-            <a:r>
-              <a:rPr lang="en-US" sz="1600" b="1" dirty="0" smtClean="0">
-                <a:latin typeface="Courier" charset="0"/>
-                <a:ea typeface="Courier" charset="0"/>
-                <a:cs typeface="Courier" charset="0"/>
-              </a:rPr>
-              <a:t>/migrations/0001_initial.py</a:t>
-            </a:r>
-          </a:p>
-          <a:p>
-            <a:r>
-              <a:rPr lang="en-US" sz="1600" b="1" dirty="0" smtClean="0">
-                <a:latin typeface="Courier" charset="0"/>
-                <a:ea typeface="Courier" charset="0"/>
-                <a:cs typeface="Courier" charset="0"/>
-              </a:rPr>
-              <a:t>pics/migrations/0001_initial.py</a:t>
-            </a:r>
-          </a:p>
-          <a:p>
-            <a:r>
-              <a:rPr lang="en-US" sz="1600" b="1" dirty="0" smtClean="0">
-                <a:latin typeface="Courier" charset="0"/>
-                <a:ea typeface="Courier" charset="0"/>
-                <a:cs typeface="Courier" charset="0"/>
-              </a:rPr>
-              <a:t>rest/migrations/0001_initial.py</a:t>
-            </a:r>
-          </a:p>
-          <a:p>
-            <a:r>
-              <a:rPr lang="en-US" sz="1600" b="1" dirty="0" smtClean="0">
-                <a:latin typeface="Courier" charset="0"/>
-                <a:ea typeface="Courier" charset="0"/>
-                <a:cs typeface="Courier" charset="0"/>
-              </a:rPr>
-              <a:t>tracks/migrations/0001_initial.py</a:t>
-            </a:r>
-          </a:p>
-          <a:p>
-            <a:r>
-              <a:rPr lang="en-US" sz="1600" b="1" dirty="0" smtClean="0">
-                <a:latin typeface="Courier" charset="0"/>
-                <a:ea typeface="Courier" charset="0"/>
-                <a:cs typeface="Courier" charset="0"/>
-              </a:rPr>
-              <a:t>users/migrations/0001_initial.py</a:t>
-            </a:r>
-          </a:p>
-          <a:p>
-            <a:r>
-              <a:rPr lang="en-US" sz="1600" b="1" dirty="0" smtClean="0">
-                <a:solidFill>
-                  <a:srgbClr val="00FDFF"/>
-                </a:solidFill>
-                <a:latin typeface="Courier" charset="0"/>
-                <a:ea typeface="Courier" charset="0"/>
-                <a:cs typeface="Courier" charset="0"/>
-              </a:rPr>
-              <a:t>dj4e-samples$</a:t>
-            </a:r>
-            <a:endParaRPr lang="en-US" sz="1600" b="1" dirty="0">
-              <a:solidFill>
-                <a:srgbClr val="00FDFF"/>
-              </a:solidFill>
-              <a:latin typeface="Courier" charset="0"/>
-              <a:ea typeface="Courier" charset="0"/>
-              <a:cs typeface="Courier" charset="0"/>
-            </a:endParaRPr>
-          </a:p>
-        </p:txBody>
-      </p:sp>
-      <p:sp>
-        <p:nvSpPr>
-          <p:cNvPr id="6" name="Right Arrow 5"/>
-          <p:cNvSpPr/>
-          <p:nvPr/>
-        </p:nvSpPr>
-        <p:spPr>
-          <a:xfrm>
-            <a:off x="5439494" y="3083926"/>
-            <a:ext cx="828675" cy="514350"/>
-          </a:xfrm>
-          <a:prstGeom prst="rightArrow">
-            <a:avLst/>
-          </a:prstGeom>
-        </p:spPr>
-        <p:style>
-          <a:lnRef idx="2">
-            <a:schemeClr val="accent1">
-              <a:shade val="50000"/>
-            </a:schemeClr>
-          </a:lnRef>
-          <a:fillRef idx="1">
-            <a:schemeClr val="accent1"/>
-          </a:fillRef>
-          <a:effectRef idx="0">
-            <a:schemeClr val="accent1"/>
-          </a:effectRef>
-          <a:fontRef idx="minor">
-            <a:schemeClr val="lt1"/>
-          </a:fontRef>
-        </p:style>
-        <p:txBody>
-          <a:bodyPr rtlCol="0" anchor="ctr"/>
-          <a:lstStyle/>
-          <a:p>
-            <a:pPr algn="ctr"/>
-            <a:endParaRPr lang="en-US"/>
-          </a:p>
-        </p:txBody>
-      </p:sp>
-      <p:sp>
-        <p:nvSpPr>
-          <p:cNvPr id="7" name="Rectangle 6"/>
-          <p:cNvSpPr/>
-          <p:nvPr/>
-        </p:nvSpPr>
-        <p:spPr>
-          <a:xfrm>
-            <a:off x="6707044" y="785929"/>
-            <a:ext cx="5308748" cy="5078313"/>
-          </a:xfrm>
-          <a:prstGeom prst="rect">
-            <a:avLst/>
-          </a:prstGeom>
-        </p:spPr>
-        <p:txBody>
-          <a:bodyPr wrap="square">
-            <a:spAutoFit/>
-          </a:bodyPr>
-          <a:lstStyle/>
-          <a:p>
-            <a:r>
-              <a:rPr lang="en-US" sz="1200" b="1" dirty="0" smtClean="0">
-                <a:solidFill>
-                  <a:srgbClr val="00FDFF"/>
-                </a:solidFill>
-                <a:latin typeface="Courier" charset="0"/>
-                <a:ea typeface="Courier" charset="0"/>
-                <a:cs typeface="Courier" charset="0"/>
-              </a:rPr>
-              <a:t>dj4e-samples$</a:t>
-            </a:r>
-            <a:r>
-              <a:rPr lang="en-US" sz="1200" b="1" dirty="0" smtClean="0">
-                <a:latin typeface="Courier" charset="0"/>
-                <a:ea typeface="Courier" charset="0"/>
-                <a:cs typeface="Courier" charset="0"/>
-              </a:rPr>
-              <a:t> </a:t>
-            </a:r>
-            <a:r>
-              <a:rPr lang="en-US" sz="1200" b="1" dirty="0">
-                <a:latin typeface="Courier" charset="0"/>
-                <a:ea typeface="Courier" charset="0"/>
-                <a:cs typeface="Courier" charset="0"/>
-              </a:rPr>
-              <a:t>s</a:t>
-            </a:r>
-            <a:r>
-              <a:rPr lang="en-US" sz="1200" b="1" dirty="0">
+              <a:rPr lang="en-US" dirty="0" smtClean="0"/>
+              <a:t>Migrations are portable across databases</a:t>
+            </a:r>
+          </a:p>
+          <a:p>
+            <a:endParaRPr lang="en-US" dirty="0"/>
+          </a:p>
+          <a:p>
+            <a:r>
+              <a:rPr lang="en-US" dirty="0" smtClean="0"/>
+              <a:t>The </a:t>
+            </a:r>
+            <a:r>
+              <a:rPr lang="en-US" dirty="0" smtClean="0">
                 <a:solidFill>
                   <a:srgbClr val="FFFF00"/>
                 </a:solidFill>
-                <a:latin typeface="Courier" charset="0"/>
-                <a:ea typeface="Courier" charset="0"/>
-                <a:cs typeface="Courier" charset="0"/>
-              </a:rPr>
-              <a:t>qlite3 db.sqlite3 </a:t>
-            </a:r>
-          </a:p>
-          <a:p>
-            <a:r>
-              <a:rPr lang="de-DE" sz="1200" b="1" dirty="0" err="1">
-                <a:latin typeface="Courier" charset="0"/>
-                <a:ea typeface="Courier" charset="0"/>
-                <a:cs typeface="Courier" charset="0"/>
-              </a:rPr>
-              <a:t>SQLite</a:t>
-            </a:r>
-            <a:r>
-              <a:rPr lang="de-DE" sz="1200" b="1" dirty="0">
-                <a:latin typeface="Courier" charset="0"/>
-                <a:ea typeface="Courier" charset="0"/>
-                <a:cs typeface="Courier" charset="0"/>
-              </a:rPr>
-              <a:t> </a:t>
-            </a:r>
-            <a:r>
-              <a:rPr lang="de-DE" sz="1200" b="1" dirty="0" err="1">
-                <a:latin typeface="Courier" charset="0"/>
-                <a:ea typeface="Courier" charset="0"/>
-                <a:cs typeface="Courier" charset="0"/>
-              </a:rPr>
-              <a:t>version</a:t>
-            </a:r>
-            <a:r>
-              <a:rPr lang="de-DE" sz="1200" b="1" dirty="0">
-                <a:latin typeface="Courier" charset="0"/>
-                <a:ea typeface="Courier" charset="0"/>
-                <a:cs typeface="Courier" charset="0"/>
-              </a:rPr>
-              <a:t> 3.24.0 2018-06-04 14:10:15</a:t>
-            </a:r>
-          </a:p>
-          <a:p>
-            <a:r>
-              <a:rPr lang="de-DE" sz="1200" b="1" dirty="0">
-                <a:latin typeface="Courier" charset="0"/>
-                <a:ea typeface="Courier" charset="0"/>
-                <a:cs typeface="Courier" charset="0"/>
-              </a:rPr>
-              <a:t>Enter ".</a:t>
-            </a:r>
-            <a:r>
-              <a:rPr lang="de-DE" sz="1200" b="1" dirty="0" err="1">
-                <a:latin typeface="Courier" charset="0"/>
-                <a:ea typeface="Courier" charset="0"/>
-                <a:cs typeface="Courier" charset="0"/>
-              </a:rPr>
-              <a:t>help</a:t>
-            </a:r>
-            <a:r>
-              <a:rPr lang="de-DE" sz="1200" b="1" dirty="0">
-                <a:latin typeface="Courier" charset="0"/>
-                <a:ea typeface="Courier" charset="0"/>
-                <a:cs typeface="Courier" charset="0"/>
-              </a:rPr>
-              <a:t>" </a:t>
-            </a:r>
-            <a:r>
-              <a:rPr lang="de-DE" sz="1200" b="1" dirty="0" err="1">
-                <a:latin typeface="Courier" charset="0"/>
-                <a:ea typeface="Courier" charset="0"/>
-                <a:cs typeface="Courier" charset="0"/>
-              </a:rPr>
-              <a:t>for</a:t>
-            </a:r>
-            <a:r>
-              <a:rPr lang="de-DE" sz="1200" b="1" dirty="0">
-                <a:latin typeface="Courier" charset="0"/>
-                <a:ea typeface="Courier" charset="0"/>
-                <a:cs typeface="Courier" charset="0"/>
-              </a:rPr>
-              <a:t> </a:t>
-            </a:r>
-            <a:r>
-              <a:rPr lang="de-DE" sz="1200" b="1" dirty="0" err="1">
-                <a:latin typeface="Courier" charset="0"/>
-                <a:ea typeface="Courier" charset="0"/>
-                <a:cs typeface="Courier" charset="0"/>
-              </a:rPr>
-              <a:t>usage</a:t>
-            </a:r>
-            <a:r>
-              <a:rPr lang="de-DE" sz="1200" b="1" dirty="0">
-                <a:latin typeface="Courier" charset="0"/>
-                <a:ea typeface="Courier" charset="0"/>
-                <a:cs typeface="Courier" charset="0"/>
-              </a:rPr>
-              <a:t> </a:t>
-            </a:r>
-            <a:r>
-              <a:rPr lang="de-DE" sz="1200" b="1" dirty="0" err="1">
-                <a:latin typeface="Courier" charset="0"/>
-                <a:ea typeface="Courier" charset="0"/>
-                <a:cs typeface="Courier" charset="0"/>
-              </a:rPr>
-              <a:t>hints</a:t>
-            </a:r>
-            <a:r>
-              <a:rPr lang="de-DE" sz="1200" b="1" dirty="0">
-                <a:latin typeface="Courier" charset="0"/>
-                <a:ea typeface="Courier" charset="0"/>
-                <a:cs typeface="Courier" charset="0"/>
-              </a:rPr>
-              <a:t>.</a:t>
-            </a:r>
-          </a:p>
-          <a:p>
-            <a:r>
-              <a:rPr lang="de-DE" sz="1200" b="1" dirty="0" err="1">
-                <a:solidFill>
-                  <a:srgbClr val="00FF00"/>
-                </a:solidFill>
-                <a:latin typeface="Courier" charset="0"/>
-                <a:ea typeface="Courier" charset="0"/>
-                <a:cs typeface="Courier" charset="0"/>
-              </a:rPr>
-              <a:t>sqlite</a:t>
-            </a:r>
-            <a:r>
-              <a:rPr lang="de-DE" sz="1200" b="1" dirty="0">
-                <a:solidFill>
-                  <a:srgbClr val="00FF00"/>
-                </a:solidFill>
-                <a:latin typeface="Courier" charset="0"/>
-                <a:ea typeface="Courier" charset="0"/>
-                <a:cs typeface="Courier" charset="0"/>
-              </a:rPr>
-              <a:t>&gt; </a:t>
-            </a:r>
-            <a:r>
-              <a:rPr lang="de-DE" sz="1200" b="1" dirty="0">
+              </a:rPr>
+              <a:t>migrate </a:t>
+            </a:r>
+            <a:r>
+              <a:rPr lang="en-US" dirty="0" smtClean="0"/>
+              <a:t>command reads all the </a:t>
+            </a:r>
+            <a:r>
+              <a:rPr lang="en-US" dirty="0" smtClean="0">
                 <a:solidFill>
                   <a:srgbClr val="FFFF00"/>
                 </a:solidFill>
-                <a:latin typeface="Courier" charset="0"/>
-                <a:ea typeface="Courier" charset="0"/>
-                <a:cs typeface="Courier" charset="0"/>
-              </a:rPr>
-              <a:t>.</a:t>
-            </a:r>
-            <a:r>
-              <a:rPr lang="de-DE" sz="1200" b="1" dirty="0" err="1">
-                <a:solidFill>
-                  <a:srgbClr val="FFFF00"/>
-                </a:solidFill>
-                <a:latin typeface="Courier" charset="0"/>
-                <a:ea typeface="Courier" charset="0"/>
-                <a:cs typeface="Courier" charset="0"/>
-              </a:rPr>
-              <a:t>tables</a:t>
-            </a:r>
-            <a:endParaRPr lang="de-DE" sz="1200" b="1" dirty="0">
-              <a:solidFill>
-                <a:srgbClr val="FFFF00"/>
-              </a:solidFill>
-              <a:latin typeface="Courier" charset="0"/>
-              <a:ea typeface="Courier" charset="0"/>
-              <a:cs typeface="Courier" charset="0"/>
-            </a:endParaRPr>
-          </a:p>
-          <a:p>
-            <a:r>
-              <a:rPr lang="mr-IN" sz="1200" b="1" dirty="0" err="1">
-                <a:latin typeface="Courier" charset="0"/>
-                <a:ea typeface="Courier" charset="0"/>
-                <a:cs typeface="Courier" charset="0"/>
-              </a:rPr>
-              <a:t>auth_group</a:t>
-            </a:r>
-            <a:r>
-              <a:rPr lang="mr-IN" sz="1200" b="1" dirty="0">
-                <a:latin typeface="Courier" charset="0"/>
-                <a:ea typeface="Courier" charset="0"/>
-                <a:cs typeface="Courier" charset="0"/>
-              </a:rPr>
-              <a:t>                  </a:t>
-            </a:r>
-            <a:r>
-              <a:rPr lang="mr-IN" sz="1200" b="1" dirty="0" err="1">
-                <a:latin typeface="Courier" charset="0"/>
-                <a:ea typeface="Courier" charset="0"/>
-                <a:cs typeface="Courier" charset="0"/>
-              </a:rPr>
-              <a:t>gview_car</a:t>
-            </a:r>
-            <a:r>
-              <a:rPr lang="mr-IN" sz="1200" b="1" dirty="0">
-                <a:latin typeface="Courier" charset="0"/>
-                <a:ea typeface="Courier" charset="0"/>
-                <a:cs typeface="Courier" charset="0"/>
-              </a:rPr>
-              <a:t>                 </a:t>
-            </a:r>
-          </a:p>
-          <a:p>
-            <a:r>
-              <a:rPr lang="en-US" sz="1200" b="1" dirty="0" err="1">
-                <a:latin typeface="Courier" charset="0"/>
-                <a:ea typeface="Courier" charset="0"/>
-                <a:cs typeface="Courier" charset="0"/>
-              </a:rPr>
-              <a:t>auth_group_permissions</a:t>
-            </a:r>
-            <a:r>
-              <a:rPr lang="en-US" sz="1200" b="1" dirty="0">
-                <a:latin typeface="Courier" charset="0"/>
-                <a:ea typeface="Courier" charset="0"/>
-                <a:cs typeface="Courier" charset="0"/>
-              </a:rPr>
-              <a:t>      </a:t>
-            </a:r>
-            <a:r>
-              <a:rPr lang="en-US" sz="1200" b="1" dirty="0" err="1">
-                <a:latin typeface="Courier" charset="0"/>
-                <a:ea typeface="Courier" charset="0"/>
-                <a:cs typeface="Courier" charset="0"/>
-              </a:rPr>
-              <a:t>gview_cat</a:t>
-            </a:r>
-            <a:r>
-              <a:rPr lang="en-US" sz="1200" b="1" dirty="0">
-                <a:latin typeface="Courier" charset="0"/>
-                <a:ea typeface="Courier" charset="0"/>
-                <a:cs typeface="Courier" charset="0"/>
-              </a:rPr>
-              <a:t>                 </a:t>
-            </a:r>
-          </a:p>
-          <a:p>
-            <a:r>
-              <a:rPr lang="mr-IN" sz="1200" b="1" dirty="0" err="1">
-                <a:latin typeface="Courier" charset="0"/>
-                <a:ea typeface="Courier" charset="0"/>
-                <a:cs typeface="Courier" charset="0"/>
-              </a:rPr>
-              <a:t>auth_permission</a:t>
-            </a:r>
-            <a:r>
-              <a:rPr lang="mr-IN" sz="1200" b="1" dirty="0">
-                <a:latin typeface="Courier" charset="0"/>
-                <a:ea typeface="Courier" charset="0"/>
-                <a:cs typeface="Courier" charset="0"/>
-              </a:rPr>
-              <a:t>             </a:t>
-            </a:r>
-            <a:r>
-              <a:rPr lang="mr-IN" sz="1200" b="1" dirty="0" err="1">
-                <a:latin typeface="Courier" charset="0"/>
-                <a:ea typeface="Courier" charset="0"/>
-                <a:cs typeface="Courier" charset="0"/>
-              </a:rPr>
-              <a:t>gview_dog</a:t>
-            </a:r>
-            <a:r>
-              <a:rPr lang="mr-IN" sz="1200" b="1" dirty="0">
-                <a:latin typeface="Courier" charset="0"/>
-                <a:ea typeface="Courier" charset="0"/>
-                <a:cs typeface="Courier" charset="0"/>
-              </a:rPr>
-              <a:t>                 </a:t>
-            </a:r>
-          </a:p>
-          <a:p>
-            <a:r>
-              <a:rPr lang="mr-IN" sz="1200" b="1" dirty="0" err="1">
-                <a:latin typeface="Courier" charset="0"/>
-                <a:ea typeface="Courier" charset="0"/>
-                <a:cs typeface="Courier" charset="0"/>
-              </a:rPr>
-              <a:t>auth_user</a:t>
-            </a:r>
-            <a:r>
-              <a:rPr lang="mr-IN" sz="1200" b="1" dirty="0">
-                <a:latin typeface="Courier" charset="0"/>
-                <a:ea typeface="Courier" charset="0"/>
-                <a:cs typeface="Courier" charset="0"/>
-              </a:rPr>
-              <a:t>                   </a:t>
-            </a:r>
-            <a:r>
-              <a:rPr lang="mr-IN" sz="1200" b="1" dirty="0" err="1">
-                <a:latin typeface="Courier" charset="0"/>
-                <a:ea typeface="Courier" charset="0"/>
-                <a:cs typeface="Courier" charset="0"/>
-              </a:rPr>
-              <a:t>gview_horse</a:t>
-            </a:r>
-            <a:r>
-              <a:rPr lang="mr-IN" sz="1200" b="1" dirty="0">
-                <a:latin typeface="Courier" charset="0"/>
-                <a:ea typeface="Courier" charset="0"/>
-                <a:cs typeface="Courier" charset="0"/>
-              </a:rPr>
-              <a:t>               </a:t>
-            </a:r>
-          </a:p>
-          <a:p>
-            <a:r>
-              <a:rPr lang="mr-IN" sz="1200" b="1" dirty="0" err="1">
-                <a:latin typeface="Courier" charset="0"/>
-                <a:ea typeface="Courier" charset="0"/>
-                <a:cs typeface="Courier" charset="0"/>
-              </a:rPr>
-              <a:t>auth_user_groups</a:t>
-            </a:r>
-            <a:r>
-              <a:rPr lang="mr-IN" sz="1200" b="1" dirty="0">
-                <a:latin typeface="Courier" charset="0"/>
-                <a:ea typeface="Courier" charset="0"/>
-                <a:cs typeface="Courier" charset="0"/>
-              </a:rPr>
-              <a:t>            </a:t>
-            </a:r>
-            <a:r>
-              <a:rPr lang="mr-IN" sz="1200" b="1" dirty="0" err="1">
-                <a:latin typeface="Courier" charset="0"/>
-                <a:ea typeface="Courier" charset="0"/>
-                <a:cs typeface="Courier" charset="0"/>
-              </a:rPr>
-              <a:t>many_course</a:t>
-            </a:r>
-            <a:r>
-              <a:rPr lang="mr-IN" sz="1200" b="1" dirty="0">
-                <a:latin typeface="Courier" charset="0"/>
-                <a:ea typeface="Courier" charset="0"/>
-                <a:cs typeface="Courier" charset="0"/>
-              </a:rPr>
-              <a:t>               </a:t>
-            </a:r>
-          </a:p>
-          <a:p>
-            <a:r>
-              <a:rPr lang="en-US" sz="1200" b="1" dirty="0" err="1">
-                <a:latin typeface="Courier" charset="0"/>
-                <a:ea typeface="Courier" charset="0"/>
-                <a:cs typeface="Courier" charset="0"/>
-              </a:rPr>
-              <a:t>auth_user_user_permissions</a:t>
-            </a:r>
-            <a:r>
-              <a:rPr lang="en-US" sz="1200" b="1" dirty="0">
-                <a:latin typeface="Courier" charset="0"/>
-                <a:ea typeface="Courier" charset="0"/>
-                <a:cs typeface="Courier" charset="0"/>
-              </a:rPr>
-              <a:t>  </a:t>
-            </a:r>
-            <a:r>
-              <a:rPr lang="en-US" sz="1200" b="1" dirty="0" err="1">
-                <a:latin typeface="Courier" charset="0"/>
-                <a:ea typeface="Courier" charset="0"/>
-                <a:cs typeface="Courier" charset="0"/>
-              </a:rPr>
-              <a:t>many_membership</a:t>
-            </a:r>
-            <a:r>
-              <a:rPr lang="en-US" sz="1200" b="1" dirty="0">
-                <a:latin typeface="Courier" charset="0"/>
-                <a:ea typeface="Courier" charset="0"/>
-                <a:cs typeface="Courier" charset="0"/>
-              </a:rPr>
-              <a:t>           </a:t>
-            </a:r>
-          </a:p>
-          <a:p>
-            <a:r>
-              <a:rPr lang="mr-IN" sz="1200" b="1" dirty="0" err="1">
-                <a:latin typeface="Courier" charset="0"/>
-                <a:ea typeface="Courier" charset="0"/>
-                <a:cs typeface="Courier" charset="0"/>
-              </a:rPr>
-              <a:t>autos_auto</a:t>
-            </a:r>
-            <a:r>
-              <a:rPr lang="mr-IN" sz="1200" b="1" dirty="0">
-                <a:latin typeface="Courier" charset="0"/>
-                <a:ea typeface="Courier" charset="0"/>
-                <a:cs typeface="Courier" charset="0"/>
-              </a:rPr>
-              <a:t>                  </a:t>
-            </a:r>
-            <a:r>
-              <a:rPr lang="mr-IN" sz="1200" b="1" dirty="0" err="1">
-                <a:latin typeface="Courier" charset="0"/>
-                <a:ea typeface="Courier" charset="0"/>
-                <a:cs typeface="Courier" charset="0"/>
-              </a:rPr>
-              <a:t>many_person</a:t>
-            </a:r>
-            <a:r>
-              <a:rPr lang="mr-IN" sz="1200" b="1" dirty="0">
-                <a:latin typeface="Courier" charset="0"/>
-                <a:ea typeface="Courier" charset="0"/>
-                <a:cs typeface="Courier" charset="0"/>
-              </a:rPr>
-              <a:t>               </a:t>
-            </a:r>
-          </a:p>
-          <a:p>
-            <a:r>
-              <a:rPr lang="mr-IN" sz="1200" b="1" dirty="0" err="1">
-                <a:latin typeface="Courier" charset="0"/>
-                <a:ea typeface="Courier" charset="0"/>
-                <a:cs typeface="Courier" charset="0"/>
-              </a:rPr>
-              <a:t>autos_make</a:t>
-            </a:r>
-            <a:r>
-              <a:rPr lang="mr-IN" sz="1200" b="1" dirty="0">
-                <a:latin typeface="Courier" charset="0"/>
-                <a:ea typeface="Courier" charset="0"/>
-                <a:cs typeface="Courier" charset="0"/>
-              </a:rPr>
-              <a:t>                  </a:t>
-            </a:r>
-            <a:r>
-              <a:rPr lang="mr-IN" sz="1200" b="1" dirty="0" err="1">
-                <a:latin typeface="Courier" charset="0"/>
-                <a:ea typeface="Courier" charset="0"/>
-                <a:cs typeface="Courier" charset="0"/>
-              </a:rPr>
-              <a:t>myarts_article</a:t>
-            </a:r>
-            <a:r>
-              <a:rPr lang="mr-IN" sz="1200" b="1" dirty="0">
-                <a:latin typeface="Courier" charset="0"/>
-                <a:ea typeface="Courier" charset="0"/>
-                <a:cs typeface="Courier" charset="0"/>
-              </a:rPr>
-              <a:t>            </a:t>
-            </a:r>
-          </a:p>
-          <a:p>
-            <a:r>
-              <a:rPr lang="mr-IN" sz="1200" b="1" dirty="0" err="1">
-                <a:latin typeface="Courier" charset="0"/>
-                <a:ea typeface="Courier" charset="0"/>
-                <a:cs typeface="Courier" charset="0"/>
-              </a:rPr>
-              <a:t>bookone_book</a:t>
-            </a:r>
-            <a:r>
-              <a:rPr lang="mr-IN" sz="1200" b="1" dirty="0">
-                <a:latin typeface="Courier" charset="0"/>
-                <a:ea typeface="Courier" charset="0"/>
-                <a:cs typeface="Courier" charset="0"/>
-              </a:rPr>
-              <a:t>                </a:t>
-            </a:r>
-            <a:r>
-              <a:rPr lang="mr-IN" sz="1200" b="1" dirty="0" err="1">
-                <a:latin typeface="Courier" charset="0"/>
-                <a:ea typeface="Courier" charset="0"/>
-                <a:cs typeface="Courier" charset="0"/>
-              </a:rPr>
-              <a:t>pics_pic</a:t>
-            </a:r>
-            <a:r>
-              <a:rPr lang="mr-IN" sz="1200" b="1" dirty="0">
-                <a:latin typeface="Courier" charset="0"/>
-                <a:ea typeface="Courier" charset="0"/>
-                <a:cs typeface="Courier" charset="0"/>
-              </a:rPr>
-              <a:t>                  </a:t>
-            </a:r>
-          </a:p>
-          <a:p>
-            <a:r>
-              <a:rPr lang="mr-IN" sz="1200" b="1" dirty="0" err="1">
-                <a:latin typeface="Courier" charset="0"/>
-                <a:ea typeface="Courier" charset="0"/>
-                <a:cs typeface="Courier" charset="0"/>
-              </a:rPr>
-              <a:t>bookone_instance</a:t>
-            </a:r>
-            <a:r>
-              <a:rPr lang="mr-IN" sz="1200" b="1" dirty="0">
-                <a:latin typeface="Courier" charset="0"/>
-                <a:ea typeface="Courier" charset="0"/>
-                <a:cs typeface="Courier" charset="0"/>
-              </a:rPr>
-              <a:t>            </a:t>
-            </a:r>
-            <a:r>
-              <a:rPr lang="mr-IN" sz="1200" b="1" dirty="0" err="1">
-                <a:latin typeface="Courier" charset="0"/>
-                <a:ea typeface="Courier" charset="0"/>
-                <a:cs typeface="Courier" charset="0"/>
-              </a:rPr>
-              <a:t>rest_breed</a:t>
-            </a:r>
-            <a:r>
-              <a:rPr lang="mr-IN" sz="1200" b="1" dirty="0">
-                <a:latin typeface="Courier" charset="0"/>
-                <a:ea typeface="Courier" charset="0"/>
-                <a:cs typeface="Courier" charset="0"/>
-              </a:rPr>
-              <a:t>                </a:t>
-            </a:r>
-          </a:p>
-          <a:p>
-            <a:r>
-              <a:rPr lang="mr-IN" sz="1200" b="1" dirty="0" err="1">
-                <a:latin typeface="Courier" charset="0"/>
-                <a:ea typeface="Courier" charset="0"/>
-                <a:cs typeface="Courier" charset="0"/>
-              </a:rPr>
-              <a:t>bookone_lang</a:t>
-            </a:r>
-            <a:r>
-              <a:rPr lang="mr-IN" sz="1200" b="1" dirty="0">
-                <a:latin typeface="Courier" charset="0"/>
-                <a:ea typeface="Courier" charset="0"/>
-                <a:cs typeface="Courier" charset="0"/>
-              </a:rPr>
-              <a:t>                </a:t>
-            </a:r>
-            <a:r>
-              <a:rPr lang="mr-IN" sz="1200" b="1" dirty="0" err="1">
-                <a:latin typeface="Courier" charset="0"/>
-                <a:ea typeface="Courier" charset="0"/>
-                <a:cs typeface="Courier" charset="0"/>
-              </a:rPr>
-              <a:t>rest_cat</a:t>
-            </a:r>
-            <a:r>
-              <a:rPr lang="mr-IN" sz="1200" b="1" dirty="0">
-                <a:latin typeface="Courier" charset="0"/>
-                <a:ea typeface="Courier" charset="0"/>
-                <a:cs typeface="Courier" charset="0"/>
-              </a:rPr>
-              <a:t>                  </a:t>
-            </a:r>
-          </a:p>
-          <a:p>
-            <a:r>
-              <a:rPr lang="en-US" sz="1200" b="1" dirty="0" err="1">
-                <a:latin typeface="Courier" charset="0"/>
-                <a:ea typeface="Courier" charset="0"/>
-                <a:cs typeface="Courier" charset="0"/>
-              </a:rPr>
-              <a:t>django_admin_log</a:t>
-            </a:r>
-            <a:r>
-              <a:rPr lang="en-US" sz="1200" b="1" dirty="0">
-                <a:latin typeface="Courier" charset="0"/>
-                <a:ea typeface="Courier" charset="0"/>
-                <a:cs typeface="Courier" charset="0"/>
-              </a:rPr>
-              <a:t>            </a:t>
-            </a:r>
-            <a:r>
-              <a:rPr lang="en-US" sz="1200" b="1" dirty="0" err="1">
-                <a:latin typeface="Courier" charset="0"/>
-                <a:ea typeface="Courier" charset="0"/>
-                <a:cs typeface="Courier" charset="0"/>
-              </a:rPr>
-              <a:t>social_auth_association</a:t>
-            </a:r>
-            <a:r>
-              <a:rPr lang="en-US" sz="1200" b="1" dirty="0">
-                <a:latin typeface="Courier" charset="0"/>
-                <a:ea typeface="Courier" charset="0"/>
-                <a:cs typeface="Courier" charset="0"/>
-              </a:rPr>
-              <a:t>   </a:t>
-            </a:r>
-          </a:p>
-          <a:p>
-            <a:r>
-              <a:rPr lang="en-US" sz="1200" b="1" dirty="0" err="1">
-                <a:latin typeface="Courier" charset="0"/>
-                <a:ea typeface="Courier" charset="0"/>
-                <a:cs typeface="Courier" charset="0"/>
-              </a:rPr>
-              <a:t>django_content_type</a:t>
-            </a:r>
-            <a:r>
-              <a:rPr lang="en-US" sz="1200" b="1" dirty="0">
-                <a:latin typeface="Courier" charset="0"/>
-                <a:ea typeface="Courier" charset="0"/>
-                <a:cs typeface="Courier" charset="0"/>
-              </a:rPr>
-              <a:t>         </a:t>
-            </a:r>
-            <a:r>
-              <a:rPr lang="en-US" sz="1200" b="1" dirty="0" err="1">
-                <a:latin typeface="Courier" charset="0"/>
-                <a:ea typeface="Courier" charset="0"/>
-                <a:cs typeface="Courier" charset="0"/>
-              </a:rPr>
-              <a:t>social_auth_code</a:t>
-            </a:r>
-            <a:r>
-              <a:rPr lang="en-US" sz="1200" b="1" dirty="0">
-                <a:latin typeface="Courier" charset="0"/>
-                <a:ea typeface="Courier" charset="0"/>
-                <a:cs typeface="Courier" charset="0"/>
-              </a:rPr>
-              <a:t>          </a:t>
-            </a:r>
-          </a:p>
-          <a:p>
-            <a:r>
-              <a:rPr lang="en-US" sz="1200" b="1" dirty="0" err="1">
-                <a:latin typeface="Courier" charset="0"/>
-                <a:ea typeface="Courier" charset="0"/>
-                <a:cs typeface="Courier" charset="0"/>
-              </a:rPr>
-              <a:t>django_migrations</a:t>
-            </a:r>
-            <a:r>
-              <a:rPr lang="en-US" sz="1200" b="1" dirty="0">
-                <a:latin typeface="Courier" charset="0"/>
-                <a:ea typeface="Courier" charset="0"/>
-                <a:cs typeface="Courier" charset="0"/>
-              </a:rPr>
-              <a:t>           </a:t>
-            </a:r>
-            <a:r>
-              <a:rPr lang="en-US" sz="1200" b="1" dirty="0" err="1">
-                <a:latin typeface="Courier" charset="0"/>
-                <a:ea typeface="Courier" charset="0"/>
-                <a:cs typeface="Courier" charset="0"/>
-              </a:rPr>
-              <a:t>social_auth_nonce</a:t>
-            </a:r>
-            <a:r>
-              <a:rPr lang="en-US" sz="1200" b="1" dirty="0">
-                <a:latin typeface="Courier" charset="0"/>
-                <a:ea typeface="Courier" charset="0"/>
-                <a:cs typeface="Courier" charset="0"/>
-              </a:rPr>
-              <a:t>         </a:t>
-            </a:r>
-          </a:p>
-          <a:p>
-            <a:r>
-              <a:rPr lang="en-US" sz="1200" b="1" dirty="0" err="1">
-                <a:latin typeface="Courier" charset="0"/>
-                <a:ea typeface="Courier" charset="0"/>
-                <a:cs typeface="Courier" charset="0"/>
-              </a:rPr>
-              <a:t>django_session</a:t>
-            </a:r>
-            <a:r>
-              <a:rPr lang="en-US" sz="1200" b="1" dirty="0">
-                <a:latin typeface="Courier" charset="0"/>
-                <a:ea typeface="Courier" charset="0"/>
-                <a:cs typeface="Courier" charset="0"/>
-              </a:rPr>
-              <a:t>              </a:t>
-            </a:r>
-            <a:r>
-              <a:rPr lang="en-US" sz="1200" b="1" dirty="0" err="1">
-                <a:latin typeface="Courier" charset="0"/>
-                <a:ea typeface="Courier" charset="0"/>
-                <a:cs typeface="Courier" charset="0"/>
-              </a:rPr>
-              <a:t>social_auth_partial</a:t>
-            </a:r>
-            <a:r>
-              <a:rPr lang="en-US" sz="1200" b="1" dirty="0">
-                <a:latin typeface="Courier" charset="0"/>
-                <a:ea typeface="Courier" charset="0"/>
-                <a:cs typeface="Courier" charset="0"/>
-              </a:rPr>
-              <a:t>       </a:t>
-            </a:r>
-          </a:p>
-          <a:p>
-            <a:r>
-              <a:rPr lang="en-US" sz="1200" b="1" dirty="0" err="1">
-                <a:latin typeface="Courier" charset="0"/>
-                <a:ea typeface="Courier" charset="0"/>
-                <a:cs typeface="Courier" charset="0"/>
-              </a:rPr>
-              <a:t>favs_fav</a:t>
-            </a:r>
-            <a:r>
-              <a:rPr lang="en-US" sz="1200" b="1" dirty="0">
-                <a:latin typeface="Courier" charset="0"/>
-                <a:ea typeface="Courier" charset="0"/>
-                <a:cs typeface="Courier" charset="0"/>
-              </a:rPr>
-              <a:t>                    </a:t>
-            </a:r>
-            <a:r>
-              <a:rPr lang="en-US" sz="1200" b="1" dirty="0" err="1">
-                <a:latin typeface="Courier" charset="0"/>
-                <a:ea typeface="Courier" charset="0"/>
-                <a:cs typeface="Courier" charset="0"/>
-              </a:rPr>
-              <a:t>social_auth_usersocialauth</a:t>
-            </a:r>
-            <a:endParaRPr lang="en-US" sz="1200" b="1" dirty="0">
-              <a:latin typeface="Courier" charset="0"/>
-              <a:ea typeface="Courier" charset="0"/>
-              <a:cs typeface="Courier" charset="0"/>
-            </a:endParaRPr>
-          </a:p>
-          <a:p>
-            <a:r>
-              <a:rPr lang="mr-IN" sz="1200" b="1" dirty="0" err="1">
-                <a:latin typeface="Courier" charset="0"/>
-                <a:ea typeface="Courier" charset="0"/>
-                <a:cs typeface="Courier" charset="0"/>
-              </a:rPr>
-              <a:t>favs_thing</a:t>
-            </a:r>
-            <a:r>
-              <a:rPr lang="mr-IN" sz="1200" b="1" dirty="0">
-                <a:latin typeface="Courier" charset="0"/>
-                <a:ea typeface="Courier" charset="0"/>
-                <a:cs typeface="Courier" charset="0"/>
-              </a:rPr>
-              <a:t>                  </a:t>
-            </a:r>
-            <a:r>
-              <a:rPr lang="mr-IN" sz="1200" b="1" dirty="0" err="1">
-                <a:latin typeface="Courier" charset="0"/>
-                <a:ea typeface="Courier" charset="0"/>
-                <a:cs typeface="Courier" charset="0"/>
-              </a:rPr>
-              <a:t>tracks_album</a:t>
-            </a:r>
-            <a:r>
-              <a:rPr lang="mr-IN" sz="1200" b="1" dirty="0">
-                <a:latin typeface="Courier" charset="0"/>
-                <a:ea typeface="Courier" charset="0"/>
-                <a:cs typeface="Courier" charset="0"/>
-              </a:rPr>
-              <a:t>              </a:t>
-            </a:r>
-          </a:p>
-          <a:p>
-            <a:r>
-              <a:rPr lang="mr-IN" sz="1200" b="1" dirty="0" err="1">
-                <a:latin typeface="Courier" charset="0"/>
-                <a:ea typeface="Courier" charset="0"/>
-                <a:cs typeface="Courier" charset="0"/>
-              </a:rPr>
-              <a:t>favsql_fav</a:t>
-            </a:r>
-            <a:r>
-              <a:rPr lang="mr-IN" sz="1200" b="1" dirty="0">
-                <a:latin typeface="Courier" charset="0"/>
-                <a:ea typeface="Courier" charset="0"/>
-                <a:cs typeface="Courier" charset="0"/>
-              </a:rPr>
-              <a:t>                  </a:t>
-            </a:r>
-            <a:r>
-              <a:rPr lang="mr-IN" sz="1200" b="1" dirty="0" err="1">
-                <a:latin typeface="Courier" charset="0"/>
-                <a:ea typeface="Courier" charset="0"/>
-                <a:cs typeface="Courier" charset="0"/>
-              </a:rPr>
-              <a:t>tracks_artist</a:t>
-            </a:r>
-            <a:r>
-              <a:rPr lang="mr-IN" sz="1200" b="1" dirty="0">
-                <a:latin typeface="Courier" charset="0"/>
-                <a:ea typeface="Courier" charset="0"/>
-                <a:cs typeface="Courier" charset="0"/>
-              </a:rPr>
-              <a:t>             </a:t>
-            </a:r>
-          </a:p>
-          <a:p>
-            <a:r>
-              <a:rPr lang="mr-IN" sz="1200" b="1" dirty="0" err="1">
-                <a:latin typeface="Courier" charset="0"/>
-                <a:ea typeface="Courier" charset="0"/>
-                <a:cs typeface="Courier" charset="0"/>
-              </a:rPr>
-              <a:t>favsql_thing</a:t>
-            </a:r>
-            <a:r>
-              <a:rPr lang="mr-IN" sz="1200" b="1" dirty="0">
-                <a:latin typeface="Courier" charset="0"/>
-                <a:ea typeface="Courier" charset="0"/>
-                <a:cs typeface="Courier" charset="0"/>
-              </a:rPr>
-              <a:t>                </a:t>
-            </a:r>
-            <a:r>
-              <a:rPr lang="mr-IN" sz="1200" b="1" dirty="0" err="1">
-                <a:latin typeface="Courier" charset="0"/>
-                <a:ea typeface="Courier" charset="0"/>
-                <a:cs typeface="Courier" charset="0"/>
-              </a:rPr>
-              <a:t>tracks_genre</a:t>
-            </a:r>
-            <a:r>
-              <a:rPr lang="mr-IN" sz="1200" b="1" dirty="0">
-                <a:latin typeface="Courier" charset="0"/>
-                <a:ea typeface="Courier" charset="0"/>
-                <a:cs typeface="Courier" charset="0"/>
-              </a:rPr>
-              <a:t>              </a:t>
-            </a:r>
-          </a:p>
-          <a:p>
-            <a:r>
-              <a:rPr lang="mr-IN" sz="1200" b="1" dirty="0" err="1">
-                <a:latin typeface="Courier" charset="0"/>
-                <a:ea typeface="Courier" charset="0"/>
-                <a:cs typeface="Courier" charset="0"/>
-              </a:rPr>
-              <a:t>forums_comment</a:t>
-            </a:r>
-            <a:r>
-              <a:rPr lang="mr-IN" sz="1200" b="1" dirty="0">
-                <a:latin typeface="Courier" charset="0"/>
-                <a:ea typeface="Courier" charset="0"/>
-                <a:cs typeface="Courier" charset="0"/>
-              </a:rPr>
-              <a:t>              </a:t>
-            </a:r>
-            <a:r>
-              <a:rPr lang="mr-IN" sz="1200" b="1" dirty="0" err="1">
-                <a:latin typeface="Courier" charset="0"/>
-                <a:ea typeface="Courier" charset="0"/>
-                <a:cs typeface="Courier" charset="0"/>
-              </a:rPr>
-              <a:t>tracks_track</a:t>
-            </a:r>
-            <a:r>
-              <a:rPr lang="mr-IN" sz="1200" b="1" dirty="0">
-                <a:latin typeface="Courier" charset="0"/>
-                <a:ea typeface="Courier" charset="0"/>
-                <a:cs typeface="Courier" charset="0"/>
-              </a:rPr>
-              <a:t>              </a:t>
-            </a:r>
-          </a:p>
-          <a:p>
-            <a:r>
-              <a:rPr lang="mr-IN" sz="1200" b="1" dirty="0" err="1">
-                <a:latin typeface="Courier" charset="0"/>
-                <a:ea typeface="Courier" charset="0"/>
-                <a:cs typeface="Courier" charset="0"/>
-              </a:rPr>
-              <a:t>forums_forum</a:t>
-            </a:r>
-            <a:r>
-              <a:rPr lang="mr-IN" sz="1200" b="1" dirty="0">
-                <a:latin typeface="Courier" charset="0"/>
-                <a:ea typeface="Courier" charset="0"/>
-                <a:cs typeface="Courier" charset="0"/>
-              </a:rPr>
-              <a:t>                </a:t>
-            </a:r>
-            <a:r>
-              <a:rPr lang="mr-IN" sz="1200" b="1" dirty="0" err="1">
-                <a:latin typeface="Courier" charset="0"/>
-                <a:ea typeface="Courier" charset="0"/>
-                <a:cs typeface="Courier" charset="0"/>
-              </a:rPr>
-              <a:t>users_user</a:t>
-            </a:r>
-            <a:r>
-              <a:rPr lang="mr-IN" sz="1200" b="1" dirty="0">
-                <a:latin typeface="Courier" charset="0"/>
-                <a:ea typeface="Courier" charset="0"/>
-                <a:cs typeface="Courier" charset="0"/>
-              </a:rPr>
-              <a:t>                </a:t>
-            </a:r>
-          </a:p>
-          <a:p>
-            <a:r>
-              <a:rPr lang="en-US" sz="1200" b="1" dirty="0" err="1">
-                <a:solidFill>
-                  <a:srgbClr val="00FF00"/>
-                </a:solidFill>
-                <a:latin typeface="Courier" charset="0"/>
-                <a:ea typeface="Courier" charset="0"/>
-                <a:cs typeface="Courier" charset="0"/>
-              </a:rPr>
-              <a:t>sqlite</a:t>
-            </a:r>
-            <a:r>
-              <a:rPr lang="en-US" sz="1200" b="1" dirty="0">
-                <a:solidFill>
-                  <a:srgbClr val="00FF00"/>
-                </a:solidFill>
-                <a:latin typeface="Courier" charset="0"/>
-                <a:ea typeface="Courier" charset="0"/>
-                <a:cs typeface="Courier" charset="0"/>
-              </a:rPr>
-              <a:t>&gt; </a:t>
-            </a:r>
-            <a:r>
-              <a:rPr lang="en-US" sz="1200" b="1" dirty="0" smtClean="0">
-                <a:solidFill>
-                  <a:srgbClr val="FFFF00"/>
-                </a:solidFill>
-                <a:latin typeface="Courier" charset="0"/>
-                <a:ea typeface="Courier" charset="0"/>
-                <a:cs typeface="Courier" charset="0"/>
-              </a:rPr>
-              <a:t>.quit</a:t>
-            </a:r>
-          </a:p>
-          <a:p>
-            <a:r>
-              <a:rPr lang="en-US" sz="1200" b="1" dirty="0">
-                <a:solidFill>
-                  <a:srgbClr val="00FDFF"/>
-                </a:solidFill>
-                <a:latin typeface="Courier" charset="0"/>
-                <a:ea typeface="Courier" charset="0"/>
-                <a:cs typeface="Courier" charset="0"/>
-              </a:rPr>
-              <a:t>dj4e-samples$</a:t>
-            </a:r>
-            <a:endParaRPr lang="is-IS" sz="1200" b="1" dirty="0">
-              <a:solidFill>
-                <a:srgbClr val="00FF00"/>
-              </a:solidFill>
-              <a:effectLst/>
-              <a:latin typeface="Courier" charset="0"/>
-              <a:ea typeface="Courier" charset="0"/>
-              <a:cs typeface="Courier" charset="0"/>
-            </a:endParaRPr>
+              </a:rPr>
+              <a:t>migrations</a:t>
+            </a:r>
+            <a:r>
+              <a:rPr lang="en-US" dirty="0" smtClean="0"/>
+              <a:t> folders in the application folders and creates / evolves the tables in the database (i.e. db.sqlite3)</a:t>
+            </a:r>
+          </a:p>
+          <a:p>
+            <a:endParaRPr lang="en-US" dirty="0"/>
+          </a:p>
+          <a:p>
+            <a:endParaRPr lang="en-US" dirty="0"/>
           </a:p>
         </p:txBody>
       </p:sp>
     </p:spTree>
     <p:extLst>
       <p:ext uri="{BB962C8B-B14F-4D97-AF65-F5344CB8AC3E}">
-        <p14:creationId xmlns:p14="http://schemas.microsoft.com/office/powerpoint/2010/main" val="1244984341"/>
+        <p14:creationId xmlns:p14="http://schemas.microsoft.com/office/powerpoint/2010/main" val="1538538110"/>
       </p:ext>
     </p:extLst>
   </p:cSld>
@@ -33710,12 +34199,8 @@
           <a:lstStyle/>
           <a:p>
             <a:r>
-              <a:rPr lang="en-US" dirty="0" smtClean="0"/>
-              <a:t>Re-running </a:t>
-            </a:r>
-            <a:r>
               <a:rPr lang="en-US" dirty="0" err="1" smtClean="0"/>
-              <a:t>makemigrate</a:t>
+              <a:t>makemigrations</a:t>
             </a:r>
             <a:endParaRPr lang="en-US" dirty="0"/>
           </a:p>
@@ -33729,15 +34214,13 @@
         </p:nvSpPr>
         <p:spPr>
           <a:xfrm>
-            <a:off x="1271602" y="1871663"/>
-            <a:ext cx="9648795" cy="2585323"/>
+            <a:off x="6531137" y="1488279"/>
+            <a:ext cx="5368777" cy="4031873"/>
           </a:xfrm>
           <a:prstGeom prst="rect">
             <a:avLst/>
           </a:prstGeom>
-          <a:solidFill>
-            <a:schemeClr val="tx1"/>
-          </a:solidFill>
+          <a:noFill/>
         </p:spPr>
         <p:txBody>
           <a:bodyPr wrap="none" rtlCol="0">
@@ -33746,249 +34229,890 @@
           <a:lstStyle/>
           <a:p>
             <a:r>
-              <a:rPr lang="en-US" dirty="0" smtClean="0">
-                <a:solidFill>
-                  <a:srgbClr val="000000"/>
-                </a:solidFill>
-                <a:latin typeface="Menlo-Regular" charset="0"/>
+              <a:rPr lang="en-US" sz="1600" b="1" dirty="0" smtClean="0">
+                <a:solidFill>
+                  <a:srgbClr val="00FDFF"/>
+                </a:solidFill>
+                <a:latin typeface="Courier" charset="0"/>
+                <a:ea typeface="Courier" charset="0"/>
+                <a:cs typeface="Courier" charset="0"/>
               </a:rPr>
               <a:t>dj4e-samples$ </a:t>
             </a:r>
             <a:r>
-              <a:rPr lang="en-US" dirty="0" err="1">
-                <a:solidFill>
-                  <a:srgbClr val="000000"/>
-                </a:solidFill>
-                <a:latin typeface="Menlo-Regular" charset="0"/>
-              </a:rPr>
-              <a:t>rm</a:t>
-            </a:r>
-            <a:r>
-              <a:rPr lang="en-US" dirty="0">
-                <a:solidFill>
-                  <a:srgbClr val="000000"/>
-                </a:solidFill>
-                <a:latin typeface="Menlo-Regular" charset="0"/>
-              </a:rPr>
-              <a:t> </a:t>
-            </a:r>
-            <a:r>
-              <a:rPr lang="en-US" dirty="0" err="1">
-                <a:solidFill>
-                  <a:srgbClr val="000000"/>
-                </a:solidFill>
-                <a:latin typeface="Menlo-Regular" charset="0"/>
-              </a:rPr>
-              <a:t>bookone</a:t>
-            </a:r>
-            <a:r>
-              <a:rPr lang="en-US" dirty="0">
-                <a:solidFill>
-                  <a:srgbClr val="000000"/>
-                </a:solidFill>
-                <a:latin typeface="Menlo-Regular" charset="0"/>
-              </a:rPr>
-              <a:t>/migrations/0001_initial.py</a:t>
-            </a:r>
-          </a:p>
-          <a:p>
-            <a:r>
-              <a:rPr lang="en-US" dirty="0">
-                <a:solidFill>
-                  <a:srgbClr val="000000"/>
-                </a:solidFill>
-                <a:latin typeface="Menlo-Regular" charset="0"/>
-              </a:rPr>
-              <a:t>MacBook-Pro-92:dj4e-samples csev$ python3 </a:t>
-            </a:r>
-            <a:r>
-              <a:rPr lang="en-US" dirty="0" err="1">
-                <a:solidFill>
-                  <a:srgbClr val="000000"/>
-                </a:solidFill>
-                <a:latin typeface="Menlo-Regular" charset="0"/>
-              </a:rPr>
-              <a:t>manage.py</a:t>
-            </a:r>
-            <a:r>
-              <a:rPr lang="en-US" dirty="0">
-                <a:solidFill>
-                  <a:srgbClr val="000000"/>
-                </a:solidFill>
-                <a:latin typeface="Menlo-Regular" charset="0"/>
-              </a:rPr>
-              <a:t> </a:t>
-            </a:r>
-            <a:r>
-              <a:rPr lang="en-US" dirty="0" err="1">
-                <a:solidFill>
-                  <a:srgbClr val="000000"/>
-                </a:solidFill>
-                <a:latin typeface="Menlo-Regular" charset="0"/>
-              </a:rPr>
-              <a:t>makemigrations</a:t>
-            </a:r>
-            <a:endParaRPr lang="en-US" dirty="0">
+              <a:rPr lang="en-US" sz="1600" b="1" dirty="0" smtClean="0">
+                <a:solidFill>
+                  <a:srgbClr val="FFFF00"/>
+                </a:solidFill>
+                <a:latin typeface="Courier" charset="0"/>
+                <a:ea typeface="Courier" charset="0"/>
+                <a:cs typeface="Courier" charset="0"/>
+              </a:rPr>
+              <a:t>ls  */migrations/0*.</a:t>
+            </a:r>
+            <a:r>
+              <a:rPr lang="en-US" sz="1600" b="1" dirty="0" err="1" smtClean="0">
+                <a:solidFill>
+                  <a:srgbClr val="FFFF00"/>
+                </a:solidFill>
+                <a:latin typeface="Courier" charset="0"/>
+                <a:ea typeface="Courier" charset="0"/>
+                <a:cs typeface="Courier" charset="0"/>
+              </a:rPr>
+              <a:t>py</a:t>
+            </a:r>
+            <a:endParaRPr lang="en-US" sz="1600" b="1" dirty="0" smtClean="0">
               <a:solidFill>
-                <a:srgbClr val="000000"/>
+                <a:srgbClr val="FFFF00"/>
               </a:solidFill>
-              <a:latin typeface="Menlo-Regular" charset="0"/>
-            </a:endParaRPr>
-          </a:p>
-          <a:p>
-            <a:r>
-              <a:rPr lang="en-US" b="1" dirty="0">
-                <a:solidFill>
-                  <a:srgbClr val="2EAEBB"/>
-                </a:solidFill>
-                <a:latin typeface="Menlo-Bold" charset="0"/>
-              </a:rPr>
-              <a:t>Migrations for '</a:t>
-            </a:r>
-            <a:r>
-              <a:rPr lang="en-US" b="1" dirty="0" err="1">
-                <a:solidFill>
-                  <a:srgbClr val="2EAEBB"/>
-                </a:solidFill>
-                <a:latin typeface="Menlo-Bold" charset="0"/>
-              </a:rPr>
-              <a:t>bookone</a:t>
-            </a:r>
-            <a:r>
-              <a:rPr lang="en-US" b="1" dirty="0">
-                <a:solidFill>
-                  <a:srgbClr val="2EAEBB"/>
-                </a:solidFill>
-                <a:latin typeface="Menlo-Bold" charset="0"/>
-              </a:rPr>
-              <a:t>':</a:t>
-            </a:r>
-            <a:endParaRPr lang="en-US" dirty="0">
-              <a:solidFill>
-                <a:srgbClr val="000000"/>
-              </a:solidFill>
-              <a:latin typeface="Menlo-Regular" charset="0"/>
-            </a:endParaRPr>
-          </a:p>
-          <a:p>
-            <a:r>
-              <a:rPr lang="en-US" dirty="0">
-                <a:solidFill>
-                  <a:srgbClr val="000000"/>
-                </a:solidFill>
-                <a:latin typeface="Menlo-Regular" charset="0"/>
-              </a:rPr>
-              <a:t>  </a:t>
-            </a:r>
-            <a:r>
-              <a:rPr lang="en-US" b="1" dirty="0" err="1">
-                <a:solidFill>
-                  <a:srgbClr val="000000"/>
-                </a:solidFill>
-                <a:latin typeface="Menlo-Bold" charset="0"/>
-              </a:rPr>
-              <a:t>bookone</a:t>
-            </a:r>
-            <a:r>
-              <a:rPr lang="en-US" b="1" dirty="0">
-                <a:solidFill>
-                  <a:srgbClr val="000000"/>
-                </a:solidFill>
-                <a:latin typeface="Menlo-Bold" charset="0"/>
-              </a:rPr>
-              <a:t>/migrations/0001_initial.py</a:t>
-            </a:r>
-            <a:endParaRPr lang="en-US" dirty="0">
-              <a:solidFill>
-                <a:srgbClr val="000000"/>
-              </a:solidFill>
-              <a:latin typeface="Menlo-Regular" charset="0"/>
-            </a:endParaRPr>
-          </a:p>
-          <a:p>
-            <a:r>
-              <a:rPr lang="en-US" dirty="0">
-                <a:solidFill>
-                  <a:srgbClr val="000000"/>
-                </a:solidFill>
-                <a:latin typeface="Menlo-Regular" charset="0"/>
-              </a:rPr>
-              <a:t>    - Create model Book</a:t>
-            </a:r>
-          </a:p>
-          <a:p>
-            <a:r>
-              <a:rPr lang="en-US" dirty="0">
-                <a:solidFill>
-                  <a:srgbClr val="000000"/>
-                </a:solidFill>
-                <a:latin typeface="Menlo-Regular" charset="0"/>
-              </a:rPr>
-              <a:t>    - Create model Instance</a:t>
-            </a:r>
-          </a:p>
-          <a:p>
-            <a:r>
-              <a:rPr lang="en-US" dirty="0">
-                <a:solidFill>
-                  <a:srgbClr val="000000"/>
-                </a:solidFill>
-                <a:latin typeface="Menlo-Regular" charset="0"/>
-              </a:rPr>
-              <a:t>    - Create model Lang</a:t>
-            </a:r>
-          </a:p>
-          <a:p>
-            <a:r>
-              <a:rPr lang="en-US" dirty="0">
-                <a:solidFill>
-                  <a:srgbClr val="000000"/>
-                </a:solidFill>
-                <a:latin typeface="Menlo-Regular" charset="0"/>
-              </a:rPr>
-              <a:t>    - Add field </a:t>
-            </a:r>
-            <a:r>
-              <a:rPr lang="en-US" dirty="0" err="1">
-                <a:solidFill>
-                  <a:srgbClr val="000000"/>
-                </a:solidFill>
-                <a:latin typeface="Menlo-Regular" charset="0"/>
-              </a:rPr>
-              <a:t>lang</a:t>
-            </a:r>
-            <a:r>
-              <a:rPr lang="en-US" dirty="0">
-                <a:solidFill>
-                  <a:srgbClr val="000000"/>
-                </a:solidFill>
-                <a:latin typeface="Menlo-Regular" charset="0"/>
-              </a:rPr>
-              <a:t> to book</a:t>
-            </a:r>
-          </a:p>
-          <a:p>
-            <a:r>
-              <a:rPr lang="en-US" dirty="0" smtClean="0">
-                <a:solidFill>
-                  <a:srgbClr val="000000"/>
-                </a:solidFill>
-                <a:latin typeface="Menlo-Regular" charset="0"/>
-              </a:rPr>
-              <a:t>dj4e-samples$</a:t>
-            </a:r>
-            <a:endParaRPr lang="en-US" b="1" dirty="0">
               <a:latin typeface="Courier" charset="0"/>
               <a:ea typeface="Courier" charset="0"/>
               <a:cs typeface="Courier" charset="0"/>
             </a:endParaRPr>
+          </a:p>
+          <a:p>
+            <a:r>
+              <a:rPr lang="en-US" sz="1600" b="1" dirty="0" smtClean="0">
+                <a:latin typeface="Courier" charset="0"/>
+                <a:ea typeface="Courier" charset="0"/>
+                <a:cs typeface="Courier" charset="0"/>
+              </a:rPr>
+              <a:t>autos/migrations/0001_initial.py</a:t>
+            </a:r>
+          </a:p>
+          <a:p>
+            <a:r>
+              <a:rPr lang="en-US" sz="1600" b="1" dirty="0" err="1" smtClean="0">
+                <a:latin typeface="Courier" charset="0"/>
+                <a:ea typeface="Courier" charset="0"/>
+                <a:cs typeface="Courier" charset="0"/>
+              </a:rPr>
+              <a:t>bookone</a:t>
+            </a:r>
+            <a:r>
+              <a:rPr lang="en-US" sz="1600" b="1" dirty="0" smtClean="0">
+                <a:latin typeface="Courier" charset="0"/>
+                <a:ea typeface="Courier" charset="0"/>
+                <a:cs typeface="Courier" charset="0"/>
+              </a:rPr>
+              <a:t>/migrations/0001_initial.py</a:t>
+            </a:r>
+          </a:p>
+          <a:p>
+            <a:r>
+              <a:rPr lang="en-US" sz="1600" b="1" dirty="0" smtClean="0">
+                <a:latin typeface="Courier" charset="0"/>
+                <a:ea typeface="Courier" charset="0"/>
+                <a:cs typeface="Courier" charset="0"/>
+              </a:rPr>
+              <a:t>favs/migrations/0001_initial.py</a:t>
+            </a:r>
+          </a:p>
+          <a:p>
+            <a:r>
+              <a:rPr lang="en-US" sz="1600" b="1" dirty="0" smtClean="0">
+                <a:latin typeface="Courier" charset="0"/>
+                <a:ea typeface="Courier" charset="0"/>
+                <a:cs typeface="Courier" charset="0"/>
+              </a:rPr>
+              <a:t>favs/migrations/0002_auto_20190420_1624.py</a:t>
+            </a:r>
+          </a:p>
+          <a:p>
+            <a:r>
+              <a:rPr lang="en-US" sz="1600" b="1" dirty="0" err="1" smtClean="0">
+                <a:latin typeface="Courier" charset="0"/>
+                <a:ea typeface="Courier" charset="0"/>
+                <a:cs typeface="Courier" charset="0"/>
+              </a:rPr>
+              <a:t>favsql</a:t>
+            </a:r>
+            <a:r>
+              <a:rPr lang="en-US" sz="1600" b="1" dirty="0" smtClean="0">
+                <a:latin typeface="Courier" charset="0"/>
+                <a:ea typeface="Courier" charset="0"/>
+                <a:cs typeface="Courier" charset="0"/>
+              </a:rPr>
+              <a:t>/migrations/0001_initial.py</a:t>
+            </a:r>
+          </a:p>
+          <a:p>
+            <a:r>
+              <a:rPr lang="en-US" sz="1600" b="1" dirty="0" smtClean="0">
+                <a:latin typeface="Courier" charset="0"/>
+                <a:ea typeface="Courier" charset="0"/>
+                <a:cs typeface="Courier" charset="0"/>
+              </a:rPr>
+              <a:t>forums/migrations/0001_initial.py</a:t>
+            </a:r>
+          </a:p>
+          <a:p>
+            <a:r>
+              <a:rPr lang="en-US" sz="1600" b="1" dirty="0" err="1" smtClean="0">
+                <a:latin typeface="Courier" charset="0"/>
+                <a:ea typeface="Courier" charset="0"/>
+                <a:cs typeface="Courier" charset="0"/>
+              </a:rPr>
+              <a:t>gview</a:t>
+            </a:r>
+            <a:r>
+              <a:rPr lang="en-US" sz="1600" b="1" dirty="0" smtClean="0">
+                <a:latin typeface="Courier" charset="0"/>
+                <a:ea typeface="Courier" charset="0"/>
+                <a:cs typeface="Courier" charset="0"/>
+              </a:rPr>
+              <a:t>/migrations/0001_initial.py</a:t>
+            </a:r>
+          </a:p>
+          <a:p>
+            <a:r>
+              <a:rPr lang="en-US" sz="1600" b="1" dirty="0" smtClean="0">
+                <a:latin typeface="Courier" charset="0"/>
+                <a:ea typeface="Courier" charset="0"/>
+                <a:cs typeface="Courier" charset="0"/>
+              </a:rPr>
+              <a:t>many/migrations/0001_initial.py</a:t>
+            </a:r>
+          </a:p>
+          <a:p>
+            <a:r>
+              <a:rPr lang="en-US" sz="1600" b="1" dirty="0" smtClean="0">
+                <a:latin typeface="Courier" charset="0"/>
+                <a:ea typeface="Courier" charset="0"/>
+                <a:cs typeface="Courier" charset="0"/>
+              </a:rPr>
+              <a:t>many/migrations/0002_auto_20190329_1653.py</a:t>
+            </a:r>
+          </a:p>
+          <a:p>
+            <a:r>
+              <a:rPr lang="en-US" sz="1600" b="1" dirty="0" err="1" smtClean="0">
+                <a:latin typeface="Courier" charset="0"/>
+                <a:ea typeface="Courier" charset="0"/>
+                <a:cs typeface="Courier" charset="0"/>
+              </a:rPr>
+              <a:t>myarts</a:t>
+            </a:r>
+            <a:r>
+              <a:rPr lang="en-US" sz="1600" b="1" dirty="0" smtClean="0">
+                <a:latin typeface="Courier" charset="0"/>
+                <a:ea typeface="Courier" charset="0"/>
+                <a:cs typeface="Courier" charset="0"/>
+              </a:rPr>
+              <a:t>/migrations/0001_initial.py</a:t>
+            </a:r>
+          </a:p>
+          <a:p>
+            <a:r>
+              <a:rPr lang="en-US" sz="1600" b="1" dirty="0" smtClean="0">
+                <a:latin typeface="Courier" charset="0"/>
+                <a:ea typeface="Courier" charset="0"/>
+                <a:cs typeface="Courier" charset="0"/>
+              </a:rPr>
+              <a:t>pics/migrations/0001_initial.py</a:t>
+            </a:r>
+          </a:p>
+          <a:p>
+            <a:r>
+              <a:rPr lang="en-US" sz="1600" b="1" dirty="0" smtClean="0">
+                <a:latin typeface="Courier" charset="0"/>
+                <a:ea typeface="Courier" charset="0"/>
+                <a:cs typeface="Courier" charset="0"/>
+              </a:rPr>
+              <a:t>rest/migrations/0001_initial.py</a:t>
+            </a:r>
+          </a:p>
+          <a:p>
+            <a:r>
+              <a:rPr lang="en-US" sz="1600" b="1" dirty="0" smtClean="0">
+                <a:latin typeface="Courier" charset="0"/>
+                <a:ea typeface="Courier" charset="0"/>
+                <a:cs typeface="Courier" charset="0"/>
+              </a:rPr>
+              <a:t>tracks/migrations/0001_initial.py</a:t>
+            </a:r>
+          </a:p>
+          <a:p>
+            <a:r>
+              <a:rPr lang="en-US" sz="1600" b="1" dirty="0" smtClean="0">
+                <a:latin typeface="Courier" charset="0"/>
+                <a:ea typeface="Courier" charset="0"/>
+                <a:cs typeface="Courier" charset="0"/>
+              </a:rPr>
+              <a:t>users/migrations/0001_initial.py</a:t>
+            </a:r>
+          </a:p>
+          <a:p>
+            <a:r>
+              <a:rPr lang="en-US" sz="1600" b="1" dirty="0" smtClean="0">
+                <a:solidFill>
+                  <a:srgbClr val="00FDFF"/>
+                </a:solidFill>
+                <a:latin typeface="Courier" charset="0"/>
+                <a:ea typeface="Courier" charset="0"/>
+                <a:cs typeface="Courier" charset="0"/>
+              </a:rPr>
+              <a:t>dj4e-samples$</a:t>
+            </a:r>
+            <a:endParaRPr lang="en-US" sz="1600" b="1" dirty="0">
+              <a:solidFill>
+                <a:srgbClr val="00FDFF"/>
+              </a:solidFill>
+              <a:latin typeface="Courier" charset="0"/>
+              <a:ea typeface="Courier" charset="0"/>
+              <a:cs typeface="Courier" charset="0"/>
+            </a:endParaRPr>
+          </a:p>
+        </p:txBody>
+      </p:sp>
+      <p:sp>
+        <p:nvSpPr>
+          <p:cNvPr id="5" name="TextBox 4"/>
+          <p:cNvSpPr txBox="1"/>
+          <p:nvPr/>
+        </p:nvSpPr>
+        <p:spPr>
+          <a:xfrm>
+            <a:off x="300266" y="1857612"/>
+            <a:ext cx="5052986" cy="3293209"/>
+          </a:xfrm>
+          <a:prstGeom prst="rect">
+            <a:avLst/>
+          </a:prstGeom>
+          <a:noFill/>
+        </p:spPr>
+        <p:txBody>
+          <a:bodyPr wrap="none" rtlCol="0">
+            <a:spAutoFit/>
+          </a:bodyPr>
+          <a:lstStyle/>
+          <a:p>
+            <a:r>
+              <a:rPr lang="en-US" sz="1600" b="1" dirty="0" smtClean="0">
+                <a:solidFill>
+                  <a:srgbClr val="00FDFF"/>
+                </a:solidFill>
+                <a:latin typeface="Courier" charset="0"/>
+                <a:ea typeface="Courier" charset="0"/>
+                <a:cs typeface="Courier" charset="0"/>
+              </a:rPr>
+              <a:t>dj4e-samples$ </a:t>
+            </a:r>
+            <a:r>
+              <a:rPr lang="en-US" sz="1600" b="1" dirty="0">
+                <a:solidFill>
+                  <a:srgbClr val="FFFF00"/>
+                </a:solidFill>
+                <a:latin typeface="Courier" charset="0"/>
+                <a:ea typeface="Courier" charset="0"/>
+                <a:cs typeface="Courier" charset="0"/>
+              </a:rPr>
+              <a:t>ls */</a:t>
+            </a:r>
+            <a:r>
+              <a:rPr lang="en-US" sz="1600" b="1" dirty="0" err="1">
+                <a:solidFill>
+                  <a:srgbClr val="FFFF00"/>
+                </a:solidFill>
+                <a:latin typeface="Courier" charset="0"/>
+                <a:ea typeface="Courier" charset="0"/>
+                <a:cs typeface="Courier" charset="0"/>
+              </a:rPr>
+              <a:t>models.py</a:t>
+            </a:r>
+            <a:endParaRPr lang="en-US" sz="1600" b="1" dirty="0">
+              <a:solidFill>
+                <a:srgbClr val="FFFF00"/>
+              </a:solidFill>
+              <a:latin typeface="Courier" charset="0"/>
+              <a:ea typeface="Courier" charset="0"/>
+              <a:cs typeface="Courier" charset="0"/>
+            </a:endParaRPr>
+          </a:p>
+          <a:p>
+            <a:r>
+              <a:rPr lang="en-US" sz="1600" b="1" dirty="0">
+                <a:latin typeface="Courier" charset="0"/>
+                <a:ea typeface="Courier" charset="0"/>
+                <a:cs typeface="Courier" charset="0"/>
+              </a:rPr>
+              <a:t>autos/</a:t>
+            </a:r>
+            <a:r>
+              <a:rPr lang="en-US" sz="1600" b="1" dirty="0" err="1">
+                <a:latin typeface="Courier" charset="0"/>
+                <a:ea typeface="Courier" charset="0"/>
+                <a:cs typeface="Courier" charset="0"/>
+              </a:rPr>
+              <a:t>models.py</a:t>
+            </a:r>
+            <a:r>
+              <a:rPr lang="en-US" sz="1600" b="1" dirty="0">
+                <a:latin typeface="Courier" charset="0"/>
+                <a:ea typeface="Courier" charset="0"/>
+                <a:cs typeface="Courier" charset="0"/>
+              </a:rPr>
+              <a:t>	</a:t>
+            </a:r>
+            <a:r>
+              <a:rPr lang="en-US" sz="1600" b="1" dirty="0" smtClean="0">
+                <a:latin typeface="Courier" charset="0"/>
+                <a:ea typeface="Courier" charset="0"/>
+                <a:cs typeface="Courier" charset="0"/>
+              </a:rPr>
+              <a:t>many/</a:t>
+            </a:r>
+            <a:r>
+              <a:rPr lang="en-US" sz="1600" b="1" dirty="0" err="1" smtClean="0">
+                <a:latin typeface="Courier" charset="0"/>
+                <a:ea typeface="Courier" charset="0"/>
+                <a:cs typeface="Courier" charset="0"/>
+              </a:rPr>
+              <a:t>models.py</a:t>
+            </a:r>
+            <a:endParaRPr lang="en-US" sz="1600" b="1" dirty="0">
+              <a:latin typeface="Courier" charset="0"/>
+              <a:ea typeface="Courier" charset="0"/>
+              <a:cs typeface="Courier" charset="0"/>
+            </a:endParaRPr>
+          </a:p>
+          <a:p>
+            <a:r>
+              <a:rPr lang="en-US" sz="1600" b="1" dirty="0" err="1">
+                <a:latin typeface="Courier" charset="0"/>
+                <a:ea typeface="Courier" charset="0"/>
+                <a:cs typeface="Courier" charset="0"/>
+              </a:rPr>
+              <a:t>bookone</a:t>
+            </a:r>
+            <a:r>
+              <a:rPr lang="en-US" sz="1600" b="1" dirty="0">
+                <a:latin typeface="Courier" charset="0"/>
+                <a:ea typeface="Courier" charset="0"/>
+                <a:cs typeface="Courier" charset="0"/>
+              </a:rPr>
+              <a:t>/</a:t>
+            </a:r>
+            <a:r>
+              <a:rPr lang="en-US" sz="1600" b="1" dirty="0" err="1">
+                <a:latin typeface="Courier" charset="0"/>
+                <a:ea typeface="Courier" charset="0"/>
+                <a:cs typeface="Courier" charset="0"/>
+              </a:rPr>
+              <a:t>models.py</a:t>
+            </a:r>
+            <a:r>
+              <a:rPr lang="en-US" sz="1600" b="1" dirty="0">
+                <a:latin typeface="Courier" charset="0"/>
+                <a:ea typeface="Courier" charset="0"/>
+                <a:cs typeface="Courier" charset="0"/>
+              </a:rPr>
+              <a:t>	menu/</a:t>
+            </a:r>
+            <a:r>
+              <a:rPr lang="en-US" sz="1600" b="1" dirty="0" err="1">
+                <a:latin typeface="Courier" charset="0"/>
+                <a:ea typeface="Courier" charset="0"/>
+                <a:cs typeface="Courier" charset="0"/>
+              </a:rPr>
+              <a:t>models.py</a:t>
+            </a:r>
+            <a:endParaRPr lang="en-US" sz="1600" b="1" dirty="0">
+              <a:latin typeface="Courier" charset="0"/>
+              <a:ea typeface="Courier" charset="0"/>
+              <a:cs typeface="Courier" charset="0"/>
+            </a:endParaRPr>
+          </a:p>
+          <a:p>
+            <a:r>
+              <a:rPr lang="en-US" sz="1600" b="1" dirty="0">
+                <a:latin typeface="Courier" charset="0"/>
+                <a:ea typeface="Courier" charset="0"/>
+                <a:cs typeface="Courier" charset="0"/>
+              </a:rPr>
+              <a:t>crispy/</a:t>
+            </a:r>
+            <a:r>
+              <a:rPr lang="en-US" sz="1600" b="1" dirty="0" err="1">
+                <a:latin typeface="Courier" charset="0"/>
+                <a:ea typeface="Courier" charset="0"/>
+                <a:cs typeface="Courier" charset="0"/>
+              </a:rPr>
+              <a:t>models.py</a:t>
+            </a:r>
+            <a:r>
+              <a:rPr lang="en-US" sz="1600" b="1" dirty="0">
+                <a:latin typeface="Courier" charset="0"/>
+                <a:ea typeface="Courier" charset="0"/>
+                <a:cs typeface="Courier" charset="0"/>
+              </a:rPr>
+              <a:t>	</a:t>
+            </a:r>
+            <a:r>
+              <a:rPr lang="en-US" sz="1600" b="1" dirty="0" err="1">
+                <a:latin typeface="Courier" charset="0"/>
+                <a:ea typeface="Courier" charset="0"/>
+                <a:cs typeface="Courier" charset="0"/>
+              </a:rPr>
+              <a:t>myarts</a:t>
+            </a:r>
+            <a:r>
+              <a:rPr lang="en-US" sz="1600" b="1" dirty="0">
+                <a:latin typeface="Courier" charset="0"/>
+                <a:ea typeface="Courier" charset="0"/>
+                <a:cs typeface="Courier" charset="0"/>
+              </a:rPr>
+              <a:t>/</a:t>
+            </a:r>
+            <a:r>
+              <a:rPr lang="en-US" sz="1600" b="1" dirty="0" err="1">
+                <a:latin typeface="Courier" charset="0"/>
+                <a:ea typeface="Courier" charset="0"/>
+                <a:cs typeface="Courier" charset="0"/>
+              </a:rPr>
+              <a:t>models.py</a:t>
+            </a:r>
+            <a:endParaRPr lang="en-US" sz="1600" b="1" dirty="0">
+              <a:latin typeface="Courier" charset="0"/>
+              <a:ea typeface="Courier" charset="0"/>
+              <a:cs typeface="Courier" charset="0"/>
+            </a:endParaRPr>
+          </a:p>
+          <a:p>
+            <a:r>
+              <a:rPr lang="en-US" sz="1600" b="1" dirty="0">
+                <a:latin typeface="Courier" charset="0"/>
+                <a:ea typeface="Courier" charset="0"/>
+                <a:cs typeface="Courier" charset="0"/>
+              </a:rPr>
+              <a:t>favs/</a:t>
+            </a:r>
+            <a:r>
+              <a:rPr lang="en-US" sz="1600" b="1" dirty="0" err="1">
+                <a:latin typeface="Courier" charset="0"/>
+                <a:ea typeface="Courier" charset="0"/>
+                <a:cs typeface="Courier" charset="0"/>
+              </a:rPr>
+              <a:t>models.py</a:t>
+            </a:r>
+            <a:r>
+              <a:rPr lang="en-US" sz="1600" b="1" dirty="0">
+                <a:latin typeface="Courier" charset="0"/>
+                <a:ea typeface="Courier" charset="0"/>
+                <a:cs typeface="Courier" charset="0"/>
+              </a:rPr>
+              <a:t>		pics/</a:t>
+            </a:r>
+            <a:r>
+              <a:rPr lang="en-US" sz="1600" b="1" dirty="0" err="1">
+                <a:latin typeface="Courier" charset="0"/>
+                <a:ea typeface="Courier" charset="0"/>
+                <a:cs typeface="Courier" charset="0"/>
+              </a:rPr>
+              <a:t>models.py</a:t>
+            </a:r>
+            <a:endParaRPr lang="en-US" sz="1600" b="1" dirty="0">
+              <a:latin typeface="Courier" charset="0"/>
+              <a:ea typeface="Courier" charset="0"/>
+              <a:cs typeface="Courier" charset="0"/>
+            </a:endParaRPr>
+          </a:p>
+          <a:p>
+            <a:r>
+              <a:rPr lang="en-US" sz="1600" b="1" dirty="0" err="1">
+                <a:latin typeface="Courier" charset="0"/>
+                <a:ea typeface="Courier" charset="0"/>
+                <a:cs typeface="Courier" charset="0"/>
+              </a:rPr>
+              <a:t>favsql</a:t>
+            </a:r>
+            <a:r>
+              <a:rPr lang="en-US" sz="1600" b="1" dirty="0">
+                <a:latin typeface="Courier" charset="0"/>
+                <a:ea typeface="Courier" charset="0"/>
+                <a:cs typeface="Courier" charset="0"/>
+              </a:rPr>
+              <a:t>/</a:t>
+            </a:r>
+            <a:r>
+              <a:rPr lang="en-US" sz="1600" b="1" dirty="0" err="1">
+                <a:latin typeface="Courier" charset="0"/>
+                <a:ea typeface="Courier" charset="0"/>
+                <a:cs typeface="Courier" charset="0"/>
+              </a:rPr>
+              <a:t>models.py</a:t>
+            </a:r>
+            <a:r>
+              <a:rPr lang="en-US" sz="1600" b="1" dirty="0">
+                <a:latin typeface="Courier" charset="0"/>
+                <a:ea typeface="Courier" charset="0"/>
+                <a:cs typeface="Courier" charset="0"/>
+              </a:rPr>
+              <a:t>	rest/</a:t>
+            </a:r>
+            <a:r>
+              <a:rPr lang="en-US" sz="1600" b="1" dirty="0" err="1">
+                <a:latin typeface="Courier" charset="0"/>
+                <a:ea typeface="Courier" charset="0"/>
+                <a:cs typeface="Courier" charset="0"/>
+              </a:rPr>
+              <a:t>models.py</a:t>
+            </a:r>
+            <a:endParaRPr lang="en-US" sz="1600" b="1" dirty="0">
+              <a:latin typeface="Courier" charset="0"/>
+              <a:ea typeface="Courier" charset="0"/>
+              <a:cs typeface="Courier" charset="0"/>
+            </a:endParaRPr>
+          </a:p>
+          <a:p>
+            <a:r>
+              <a:rPr lang="en-US" sz="1600" b="1" dirty="0">
+                <a:latin typeface="Courier" charset="0"/>
+                <a:ea typeface="Courier" charset="0"/>
+                <a:cs typeface="Courier" charset="0"/>
+              </a:rPr>
+              <a:t>form/</a:t>
+            </a:r>
+            <a:r>
+              <a:rPr lang="en-US" sz="1600" b="1" dirty="0" err="1">
+                <a:latin typeface="Courier" charset="0"/>
+                <a:ea typeface="Courier" charset="0"/>
+                <a:cs typeface="Courier" charset="0"/>
+              </a:rPr>
+              <a:t>models.py</a:t>
+            </a:r>
+            <a:r>
+              <a:rPr lang="en-US" sz="1600" b="1" dirty="0">
+                <a:latin typeface="Courier" charset="0"/>
+                <a:ea typeface="Courier" charset="0"/>
+                <a:cs typeface="Courier" charset="0"/>
+              </a:rPr>
+              <a:t>		route/</a:t>
+            </a:r>
+            <a:r>
+              <a:rPr lang="en-US" sz="1600" b="1" dirty="0" err="1">
+                <a:latin typeface="Courier" charset="0"/>
+                <a:ea typeface="Courier" charset="0"/>
+                <a:cs typeface="Courier" charset="0"/>
+              </a:rPr>
+              <a:t>models.py</a:t>
+            </a:r>
+            <a:endParaRPr lang="en-US" sz="1600" b="1" dirty="0">
+              <a:latin typeface="Courier" charset="0"/>
+              <a:ea typeface="Courier" charset="0"/>
+              <a:cs typeface="Courier" charset="0"/>
+            </a:endParaRPr>
+          </a:p>
+          <a:p>
+            <a:r>
+              <a:rPr lang="en-US" sz="1600" b="1" dirty="0">
+                <a:latin typeface="Courier" charset="0"/>
+                <a:ea typeface="Courier" charset="0"/>
+                <a:cs typeface="Courier" charset="0"/>
+              </a:rPr>
+              <a:t>forums/</a:t>
+            </a:r>
+            <a:r>
+              <a:rPr lang="en-US" sz="1600" b="1" dirty="0" err="1">
+                <a:latin typeface="Courier" charset="0"/>
+                <a:ea typeface="Courier" charset="0"/>
+                <a:cs typeface="Courier" charset="0"/>
+              </a:rPr>
+              <a:t>models.py</a:t>
+            </a:r>
+            <a:r>
+              <a:rPr lang="en-US" sz="1600" b="1" dirty="0">
+                <a:latin typeface="Courier" charset="0"/>
+                <a:ea typeface="Courier" charset="0"/>
+                <a:cs typeface="Courier" charset="0"/>
+              </a:rPr>
+              <a:t>	session/</a:t>
+            </a:r>
+            <a:r>
+              <a:rPr lang="en-US" sz="1600" b="1" dirty="0" err="1">
+                <a:latin typeface="Courier" charset="0"/>
+                <a:ea typeface="Courier" charset="0"/>
+                <a:cs typeface="Courier" charset="0"/>
+              </a:rPr>
+              <a:t>models.py</a:t>
+            </a:r>
+            <a:endParaRPr lang="en-US" sz="1600" b="1" dirty="0">
+              <a:latin typeface="Courier" charset="0"/>
+              <a:ea typeface="Courier" charset="0"/>
+              <a:cs typeface="Courier" charset="0"/>
+            </a:endParaRPr>
+          </a:p>
+          <a:p>
+            <a:r>
+              <a:rPr lang="en-US" sz="1600" b="1" dirty="0" err="1">
+                <a:latin typeface="Courier" charset="0"/>
+                <a:ea typeface="Courier" charset="0"/>
+                <a:cs typeface="Courier" charset="0"/>
+              </a:rPr>
+              <a:t>getpost</a:t>
+            </a:r>
+            <a:r>
+              <a:rPr lang="en-US" sz="1600" b="1" dirty="0">
+                <a:latin typeface="Courier" charset="0"/>
+                <a:ea typeface="Courier" charset="0"/>
+                <a:cs typeface="Courier" charset="0"/>
+              </a:rPr>
+              <a:t>/</a:t>
+            </a:r>
+            <a:r>
+              <a:rPr lang="en-US" sz="1600" b="1" dirty="0" err="1">
+                <a:latin typeface="Courier" charset="0"/>
+                <a:ea typeface="Courier" charset="0"/>
+                <a:cs typeface="Courier" charset="0"/>
+              </a:rPr>
+              <a:t>models.py</a:t>
+            </a:r>
+            <a:r>
+              <a:rPr lang="en-US" sz="1600" b="1" dirty="0">
+                <a:latin typeface="Courier" charset="0"/>
+                <a:ea typeface="Courier" charset="0"/>
+                <a:cs typeface="Courier" charset="0"/>
+              </a:rPr>
+              <a:t>	</a:t>
+            </a:r>
+            <a:r>
+              <a:rPr lang="en-US" sz="1600" b="1" dirty="0" err="1">
+                <a:latin typeface="Courier" charset="0"/>
+                <a:ea typeface="Courier" charset="0"/>
+                <a:cs typeface="Courier" charset="0"/>
+              </a:rPr>
+              <a:t>tmpl</a:t>
+            </a:r>
+            <a:r>
+              <a:rPr lang="en-US" sz="1600" b="1" dirty="0">
+                <a:latin typeface="Courier" charset="0"/>
+                <a:ea typeface="Courier" charset="0"/>
+                <a:cs typeface="Courier" charset="0"/>
+              </a:rPr>
+              <a:t>/</a:t>
+            </a:r>
+            <a:r>
+              <a:rPr lang="en-US" sz="1600" b="1" dirty="0" err="1">
+                <a:latin typeface="Courier" charset="0"/>
+                <a:ea typeface="Courier" charset="0"/>
+                <a:cs typeface="Courier" charset="0"/>
+              </a:rPr>
+              <a:t>models.py</a:t>
+            </a:r>
+            <a:endParaRPr lang="en-US" sz="1600" b="1" dirty="0">
+              <a:latin typeface="Courier" charset="0"/>
+              <a:ea typeface="Courier" charset="0"/>
+              <a:cs typeface="Courier" charset="0"/>
+            </a:endParaRPr>
+          </a:p>
+          <a:p>
+            <a:r>
+              <a:rPr lang="en-US" sz="1600" b="1" dirty="0" err="1">
+                <a:latin typeface="Courier" charset="0"/>
+                <a:ea typeface="Courier" charset="0"/>
+                <a:cs typeface="Courier" charset="0"/>
+              </a:rPr>
+              <a:t>gview</a:t>
+            </a:r>
+            <a:r>
+              <a:rPr lang="en-US" sz="1600" b="1" dirty="0">
+                <a:latin typeface="Courier" charset="0"/>
+                <a:ea typeface="Courier" charset="0"/>
+                <a:cs typeface="Courier" charset="0"/>
+              </a:rPr>
+              <a:t>/</a:t>
+            </a:r>
+            <a:r>
+              <a:rPr lang="en-US" sz="1600" b="1" dirty="0" err="1">
+                <a:latin typeface="Courier" charset="0"/>
+                <a:ea typeface="Courier" charset="0"/>
+                <a:cs typeface="Courier" charset="0"/>
+              </a:rPr>
+              <a:t>models.py</a:t>
+            </a:r>
+            <a:r>
+              <a:rPr lang="en-US" sz="1600" b="1" dirty="0">
+                <a:latin typeface="Courier" charset="0"/>
+                <a:ea typeface="Courier" charset="0"/>
+                <a:cs typeface="Courier" charset="0"/>
+              </a:rPr>
+              <a:t>	</a:t>
+            </a:r>
+            <a:r>
+              <a:rPr lang="en-US" sz="1600" b="1" dirty="0" smtClean="0">
+                <a:latin typeface="Courier" charset="0"/>
+                <a:ea typeface="Courier" charset="0"/>
+                <a:cs typeface="Courier" charset="0"/>
+              </a:rPr>
+              <a:t>tracks/</a:t>
+            </a:r>
+            <a:r>
+              <a:rPr lang="en-US" sz="1600" b="1" dirty="0" err="1" smtClean="0">
+                <a:latin typeface="Courier" charset="0"/>
+                <a:ea typeface="Courier" charset="0"/>
+                <a:cs typeface="Courier" charset="0"/>
+              </a:rPr>
+              <a:t>models.py</a:t>
+            </a:r>
+            <a:endParaRPr lang="en-US" sz="1600" b="1" dirty="0">
+              <a:latin typeface="Courier" charset="0"/>
+              <a:ea typeface="Courier" charset="0"/>
+              <a:cs typeface="Courier" charset="0"/>
+            </a:endParaRPr>
+          </a:p>
+          <a:p>
+            <a:r>
+              <a:rPr lang="en-US" sz="1600" b="1" dirty="0">
+                <a:latin typeface="Courier" charset="0"/>
+                <a:ea typeface="Courier" charset="0"/>
+                <a:cs typeface="Courier" charset="0"/>
+              </a:rPr>
+              <a:t>hello/</a:t>
+            </a:r>
+            <a:r>
+              <a:rPr lang="en-US" sz="1600" b="1" dirty="0" err="1">
+                <a:latin typeface="Courier" charset="0"/>
+                <a:ea typeface="Courier" charset="0"/>
+                <a:cs typeface="Courier" charset="0"/>
+              </a:rPr>
+              <a:t>models.py</a:t>
+            </a:r>
+            <a:r>
+              <a:rPr lang="en-US" sz="1600" b="1" dirty="0">
+                <a:latin typeface="Courier" charset="0"/>
+                <a:ea typeface="Courier" charset="0"/>
+                <a:cs typeface="Courier" charset="0"/>
+              </a:rPr>
+              <a:t>	</a:t>
+            </a:r>
+            <a:r>
+              <a:rPr lang="en-US" sz="1600" b="1" dirty="0" smtClean="0">
+                <a:latin typeface="Courier" charset="0"/>
+                <a:ea typeface="Courier" charset="0"/>
+                <a:cs typeface="Courier" charset="0"/>
+              </a:rPr>
+              <a:t>users/</a:t>
+            </a:r>
+            <a:r>
+              <a:rPr lang="en-US" sz="1600" b="1" dirty="0" err="1" smtClean="0">
+                <a:latin typeface="Courier" charset="0"/>
+                <a:ea typeface="Courier" charset="0"/>
+                <a:cs typeface="Courier" charset="0"/>
+              </a:rPr>
+              <a:t>models.py</a:t>
+            </a:r>
+            <a:endParaRPr lang="en-US" sz="1600" b="1" dirty="0">
+              <a:latin typeface="Courier" charset="0"/>
+              <a:ea typeface="Courier" charset="0"/>
+              <a:cs typeface="Courier" charset="0"/>
+            </a:endParaRPr>
+          </a:p>
+          <a:p>
+            <a:r>
+              <a:rPr lang="en-US" sz="1600" b="1" dirty="0">
+                <a:latin typeface="Courier" charset="0"/>
+                <a:ea typeface="Courier" charset="0"/>
+                <a:cs typeface="Courier" charset="0"/>
+              </a:rPr>
+              <a:t>home/</a:t>
+            </a:r>
+            <a:r>
+              <a:rPr lang="en-US" sz="1600" b="1" dirty="0" err="1">
+                <a:latin typeface="Courier" charset="0"/>
+                <a:ea typeface="Courier" charset="0"/>
+                <a:cs typeface="Courier" charset="0"/>
+              </a:rPr>
+              <a:t>models.py</a:t>
+            </a:r>
+            <a:r>
+              <a:rPr lang="en-US" sz="1600" b="1" dirty="0">
+                <a:latin typeface="Courier" charset="0"/>
+                <a:ea typeface="Courier" charset="0"/>
+                <a:cs typeface="Courier" charset="0"/>
+              </a:rPr>
+              <a:t>		views/</a:t>
+            </a:r>
+            <a:r>
+              <a:rPr lang="en-US" sz="1600" b="1" dirty="0" err="1">
+                <a:latin typeface="Courier" charset="0"/>
+                <a:ea typeface="Courier" charset="0"/>
+                <a:cs typeface="Courier" charset="0"/>
+              </a:rPr>
+              <a:t>models.py</a:t>
+            </a:r>
+            <a:endParaRPr lang="en-US" sz="1600" b="1" dirty="0">
+              <a:latin typeface="Courier" charset="0"/>
+              <a:ea typeface="Courier" charset="0"/>
+              <a:cs typeface="Courier" charset="0"/>
+            </a:endParaRPr>
+          </a:p>
+          <a:p>
+            <a:r>
+              <a:rPr lang="en-US" sz="1600" b="1" dirty="0" smtClean="0">
+                <a:solidFill>
+                  <a:srgbClr val="00FDFF"/>
+                </a:solidFill>
+                <a:latin typeface="Courier" charset="0"/>
+                <a:ea typeface="Courier" charset="0"/>
+                <a:cs typeface="Courier" charset="0"/>
+              </a:rPr>
+              <a:t>dj4e-samples$ </a:t>
+            </a:r>
+            <a:endParaRPr lang="en-US" sz="1600" b="1" dirty="0">
+              <a:solidFill>
+                <a:srgbClr val="00FDFF"/>
+              </a:solidFill>
+              <a:latin typeface="Courier" charset="0"/>
+              <a:ea typeface="Courier" charset="0"/>
+              <a:cs typeface="Courier" charset="0"/>
+            </a:endParaRPr>
+          </a:p>
+        </p:txBody>
+      </p:sp>
+      <p:sp>
+        <p:nvSpPr>
+          <p:cNvPr id="6" name="Right Arrow 5"/>
+          <p:cNvSpPr/>
+          <p:nvPr/>
+        </p:nvSpPr>
+        <p:spPr>
+          <a:xfrm>
+            <a:off x="5543550" y="3357563"/>
+            <a:ext cx="828675" cy="514350"/>
+          </a:xfrm>
+          <a:prstGeom prst="rightArrow">
+            <a:avLst/>
+          </a:prstGeom>
+        </p:spPr>
+        <p:style>
+          <a:lnRef idx="2">
+            <a:schemeClr val="accent1">
+              <a:shade val="50000"/>
+            </a:schemeClr>
+          </a:lnRef>
+          <a:fillRef idx="1">
+            <a:schemeClr val="accent1"/>
+          </a:fillRef>
+          <a:effectRef idx="0">
+            <a:schemeClr val="accent1"/>
+          </a:effectRef>
+          <a:fontRef idx="minor">
+            <a:schemeClr val="lt1"/>
+          </a:fontRef>
+        </p:style>
+        <p:txBody>
+          <a:bodyPr rtlCol="0" anchor="ctr"/>
+          <a:lstStyle/>
+          <a:p>
+            <a:pPr algn="ctr"/>
+            <a:endParaRPr lang="en-US"/>
           </a:p>
         </p:txBody>
       </p:sp>
     </p:spTree>
     <p:extLst>
       <p:ext uri="{BB962C8B-B14F-4D97-AF65-F5344CB8AC3E}">
-        <p14:creationId xmlns:p14="http://schemas.microsoft.com/office/powerpoint/2010/main" val="482264524"/>
+        <p14:creationId xmlns:p14="http://schemas.microsoft.com/office/powerpoint/2010/main" val="1035350520"/>
       </p:ext>
     </p:extLst>
   </p:cSld>
@@ -34032,6 +35156,1671 @@
           <a:p>
             <a:r>
               <a:rPr lang="en-US" dirty="0" smtClean="0"/>
+              <a:t>migrate</a:t>
+            </a:r>
+            <a:endParaRPr lang="en-US" dirty="0"/>
+          </a:p>
+        </p:txBody>
+      </p:sp>
+      <p:sp>
+        <p:nvSpPr>
+          <p:cNvPr id="4" name="TextBox 3"/>
+          <p:cNvSpPr txBox="1"/>
+          <p:nvPr/>
+        </p:nvSpPr>
+        <p:spPr>
+          <a:xfrm>
+            <a:off x="589110" y="1473992"/>
+            <a:ext cx="5368777" cy="4031873"/>
+          </a:xfrm>
+          <a:prstGeom prst="rect">
+            <a:avLst/>
+          </a:prstGeom>
+          <a:noFill/>
+        </p:spPr>
+        <p:txBody>
+          <a:bodyPr wrap="none" rtlCol="0">
+            <a:spAutoFit/>
+          </a:bodyPr>
+          <a:lstStyle/>
+          <a:p>
+            <a:r>
+              <a:rPr lang="en-US" sz="1600" b="1" dirty="0" smtClean="0">
+                <a:solidFill>
+                  <a:srgbClr val="00FDFF"/>
+                </a:solidFill>
+                <a:latin typeface="Courier" charset="0"/>
+                <a:ea typeface="Courier" charset="0"/>
+                <a:cs typeface="Courier" charset="0"/>
+              </a:rPr>
+              <a:t>dj4e-samples$ </a:t>
+            </a:r>
+            <a:r>
+              <a:rPr lang="en-US" sz="1600" b="1" dirty="0" smtClean="0">
+                <a:solidFill>
+                  <a:srgbClr val="FFFF00"/>
+                </a:solidFill>
+                <a:latin typeface="Courier" charset="0"/>
+                <a:ea typeface="Courier" charset="0"/>
+                <a:cs typeface="Courier" charset="0"/>
+              </a:rPr>
+              <a:t>ls  */migrations/0*.</a:t>
+            </a:r>
+            <a:r>
+              <a:rPr lang="en-US" sz="1600" b="1" dirty="0" err="1" smtClean="0">
+                <a:solidFill>
+                  <a:srgbClr val="FFFF00"/>
+                </a:solidFill>
+                <a:latin typeface="Courier" charset="0"/>
+                <a:ea typeface="Courier" charset="0"/>
+                <a:cs typeface="Courier" charset="0"/>
+              </a:rPr>
+              <a:t>py</a:t>
+            </a:r>
+            <a:endParaRPr lang="en-US" sz="1600" b="1" dirty="0" smtClean="0">
+              <a:solidFill>
+                <a:srgbClr val="FFFF00"/>
+              </a:solidFill>
+              <a:latin typeface="Courier" charset="0"/>
+              <a:ea typeface="Courier" charset="0"/>
+              <a:cs typeface="Courier" charset="0"/>
+            </a:endParaRPr>
+          </a:p>
+          <a:p>
+            <a:r>
+              <a:rPr lang="en-US" sz="1600" b="1" dirty="0" smtClean="0">
+                <a:latin typeface="Courier" charset="0"/>
+                <a:ea typeface="Courier" charset="0"/>
+                <a:cs typeface="Courier" charset="0"/>
+              </a:rPr>
+              <a:t>autos/migrations/0001_initial.py</a:t>
+            </a:r>
+          </a:p>
+          <a:p>
+            <a:r>
+              <a:rPr lang="en-US" sz="1600" b="1" dirty="0" err="1" smtClean="0">
+                <a:latin typeface="Courier" charset="0"/>
+                <a:ea typeface="Courier" charset="0"/>
+                <a:cs typeface="Courier" charset="0"/>
+              </a:rPr>
+              <a:t>bookone</a:t>
+            </a:r>
+            <a:r>
+              <a:rPr lang="en-US" sz="1600" b="1" dirty="0" smtClean="0">
+                <a:latin typeface="Courier" charset="0"/>
+                <a:ea typeface="Courier" charset="0"/>
+                <a:cs typeface="Courier" charset="0"/>
+              </a:rPr>
+              <a:t>/migrations/0001_initial.py</a:t>
+            </a:r>
+          </a:p>
+          <a:p>
+            <a:r>
+              <a:rPr lang="en-US" sz="1600" b="1" dirty="0" smtClean="0">
+                <a:latin typeface="Courier" charset="0"/>
+                <a:ea typeface="Courier" charset="0"/>
+                <a:cs typeface="Courier" charset="0"/>
+              </a:rPr>
+              <a:t>favs/migrations/0001_initial.py</a:t>
+            </a:r>
+          </a:p>
+          <a:p>
+            <a:r>
+              <a:rPr lang="en-US" sz="1600" b="1" dirty="0" smtClean="0">
+                <a:latin typeface="Courier" charset="0"/>
+                <a:ea typeface="Courier" charset="0"/>
+                <a:cs typeface="Courier" charset="0"/>
+              </a:rPr>
+              <a:t>favs/migrations/0002_auto_20190420_1624.py</a:t>
+            </a:r>
+          </a:p>
+          <a:p>
+            <a:r>
+              <a:rPr lang="en-US" sz="1600" b="1" dirty="0" err="1" smtClean="0">
+                <a:latin typeface="Courier" charset="0"/>
+                <a:ea typeface="Courier" charset="0"/>
+                <a:cs typeface="Courier" charset="0"/>
+              </a:rPr>
+              <a:t>favsql</a:t>
+            </a:r>
+            <a:r>
+              <a:rPr lang="en-US" sz="1600" b="1" dirty="0" smtClean="0">
+                <a:latin typeface="Courier" charset="0"/>
+                <a:ea typeface="Courier" charset="0"/>
+                <a:cs typeface="Courier" charset="0"/>
+              </a:rPr>
+              <a:t>/migrations/0001_initial.py</a:t>
+            </a:r>
+          </a:p>
+          <a:p>
+            <a:r>
+              <a:rPr lang="en-US" sz="1600" b="1" dirty="0" smtClean="0">
+                <a:latin typeface="Courier" charset="0"/>
+                <a:ea typeface="Courier" charset="0"/>
+                <a:cs typeface="Courier" charset="0"/>
+              </a:rPr>
+              <a:t>forums/migrations/0001_initial.py</a:t>
+            </a:r>
+          </a:p>
+          <a:p>
+            <a:r>
+              <a:rPr lang="en-US" sz="1600" b="1" dirty="0" err="1" smtClean="0">
+                <a:latin typeface="Courier" charset="0"/>
+                <a:ea typeface="Courier" charset="0"/>
+                <a:cs typeface="Courier" charset="0"/>
+              </a:rPr>
+              <a:t>gview</a:t>
+            </a:r>
+            <a:r>
+              <a:rPr lang="en-US" sz="1600" b="1" dirty="0" smtClean="0">
+                <a:latin typeface="Courier" charset="0"/>
+                <a:ea typeface="Courier" charset="0"/>
+                <a:cs typeface="Courier" charset="0"/>
+              </a:rPr>
+              <a:t>/migrations/0001_initial.py</a:t>
+            </a:r>
+          </a:p>
+          <a:p>
+            <a:r>
+              <a:rPr lang="en-US" sz="1600" b="1" dirty="0" smtClean="0">
+                <a:latin typeface="Courier" charset="0"/>
+                <a:ea typeface="Courier" charset="0"/>
+                <a:cs typeface="Courier" charset="0"/>
+              </a:rPr>
+              <a:t>many/migrations/0001_initial.py</a:t>
+            </a:r>
+          </a:p>
+          <a:p>
+            <a:r>
+              <a:rPr lang="en-US" sz="1600" b="1" dirty="0" smtClean="0">
+                <a:latin typeface="Courier" charset="0"/>
+                <a:ea typeface="Courier" charset="0"/>
+                <a:cs typeface="Courier" charset="0"/>
+              </a:rPr>
+              <a:t>many/migrations/0002_auto_20190329_1653.py</a:t>
+            </a:r>
+          </a:p>
+          <a:p>
+            <a:r>
+              <a:rPr lang="en-US" sz="1600" b="1" dirty="0" err="1" smtClean="0">
+                <a:latin typeface="Courier" charset="0"/>
+                <a:ea typeface="Courier" charset="0"/>
+                <a:cs typeface="Courier" charset="0"/>
+              </a:rPr>
+              <a:t>myarts</a:t>
+            </a:r>
+            <a:r>
+              <a:rPr lang="en-US" sz="1600" b="1" dirty="0" smtClean="0">
+                <a:latin typeface="Courier" charset="0"/>
+                <a:ea typeface="Courier" charset="0"/>
+                <a:cs typeface="Courier" charset="0"/>
+              </a:rPr>
+              <a:t>/migrations/0001_initial.py</a:t>
+            </a:r>
+          </a:p>
+          <a:p>
+            <a:r>
+              <a:rPr lang="en-US" sz="1600" b="1" dirty="0" smtClean="0">
+                <a:latin typeface="Courier" charset="0"/>
+                <a:ea typeface="Courier" charset="0"/>
+                <a:cs typeface="Courier" charset="0"/>
+              </a:rPr>
+              <a:t>pics/migrations/0001_initial.py</a:t>
+            </a:r>
+          </a:p>
+          <a:p>
+            <a:r>
+              <a:rPr lang="en-US" sz="1600" b="1" dirty="0" smtClean="0">
+                <a:latin typeface="Courier" charset="0"/>
+                <a:ea typeface="Courier" charset="0"/>
+                <a:cs typeface="Courier" charset="0"/>
+              </a:rPr>
+              <a:t>rest/migrations/0001_initial.py</a:t>
+            </a:r>
+          </a:p>
+          <a:p>
+            <a:r>
+              <a:rPr lang="en-US" sz="1600" b="1" dirty="0" smtClean="0">
+                <a:latin typeface="Courier" charset="0"/>
+                <a:ea typeface="Courier" charset="0"/>
+                <a:cs typeface="Courier" charset="0"/>
+              </a:rPr>
+              <a:t>tracks/migrations/0001_initial.py</a:t>
+            </a:r>
+          </a:p>
+          <a:p>
+            <a:r>
+              <a:rPr lang="en-US" sz="1600" b="1" dirty="0" smtClean="0">
+                <a:latin typeface="Courier" charset="0"/>
+                <a:ea typeface="Courier" charset="0"/>
+                <a:cs typeface="Courier" charset="0"/>
+              </a:rPr>
+              <a:t>users/migrations/0001_initial.py</a:t>
+            </a:r>
+          </a:p>
+          <a:p>
+            <a:r>
+              <a:rPr lang="en-US" sz="1600" b="1" dirty="0" smtClean="0">
+                <a:solidFill>
+                  <a:srgbClr val="00FDFF"/>
+                </a:solidFill>
+                <a:latin typeface="Courier" charset="0"/>
+                <a:ea typeface="Courier" charset="0"/>
+                <a:cs typeface="Courier" charset="0"/>
+              </a:rPr>
+              <a:t>dj4e-samples$</a:t>
+            </a:r>
+            <a:endParaRPr lang="en-US" sz="1600" b="1" dirty="0">
+              <a:solidFill>
+                <a:srgbClr val="00FDFF"/>
+              </a:solidFill>
+              <a:latin typeface="Courier" charset="0"/>
+              <a:ea typeface="Courier" charset="0"/>
+              <a:cs typeface="Courier" charset="0"/>
+            </a:endParaRPr>
+          </a:p>
+        </p:txBody>
+      </p:sp>
+      <p:sp>
+        <p:nvSpPr>
+          <p:cNvPr id="6" name="Right Arrow 5"/>
+          <p:cNvSpPr/>
+          <p:nvPr/>
+        </p:nvSpPr>
+        <p:spPr>
+          <a:xfrm>
+            <a:off x="5439494" y="3083926"/>
+            <a:ext cx="828675" cy="514350"/>
+          </a:xfrm>
+          <a:prstGeom prst="rightArrow">
+            <a:avLst/>
+          </a:prstGeom>
+        </p:spPr>
+        <p:style>
+          <a:lnRef idx="2">
+            <a:schemeClr val="accent1">
+              <a:shade val="50000"/>
+            </a:schemeClr>
+          </a:lnRef>
+          <a:fillRef idx="1">
+            <a:schemeClr val="accent1"/>
+          </a:fillRef>
+          <a:effectRef idx="0">
+            <a:schemeClr val="accent1"/>
+          </a:effectRef>
+          <a:fontRef idx="minor">
+            <a:schemeClr val="lt1"/>
+          </a:fontRef>
+        </p:style>
+        <p:txBody>
+          <a:bodyPr rtlCol="0" anchor="ctr"/>
+          <a:lstStyle/>
+          <a:p>
+            <a:pPr algn="ctr"/>
+            <a:endParaRPr lang="en-US"/>
+          </a:p>
+        </p:txBody>
+      </p:sp>
+      <p:sp>
+        <p:nvSpPr>
+          <p:cNvPr id="7" name="Rectangle 6"/>
+          <p:cNvSpPr/>
+          <p:nvPr/>
+        </p:nvSpPr>
+        <p:spPr>
+          <a:xfrm>
+            <a:off x="6707044" y="785929"/>
+            <a:ext cx="5308748" cy="5078313"/>
+          </a:xfrm>
+          <a:prstGeom prst="rect">
+            <a:avLst/>
+          </a:prstGeom>
+        </p:spPr>
+        <p:txBody>
+          <a:bodyPr wrap="square">
+            <a:spAutoFit/>
+          </a:bodyPr>
+          <a:lstStyle/>
+          <a:p>
+            <a:r>
+              <a:rPr lang="en-US" sz="1200" b="1" dirty="0" smtClean="0">
+                <a:solidFill>
+                  <a:srgbClr val="00FDFF"/>
+                </a:solidFill>
+                <a:latin typeface="Courier" charset="0"/>
+                <a:ea typeface="Courier" charset="0"/>
+                <a:cs typeface="Courier" charset="0"/>
+              </a:rPr>
+              <a:t>dj4e-samples$</a:t>
+            </a:r>
+            <a:r>
+              <a:rPr lang="en-US" sz="1200" b="1" dirty="0" smtClean="0">
+                <a:latin typeface="Courier" charset="0"/>
+                <a:ea typeface="Courier" charset="0"/>
+                <a:cs typeface="Courier" charset="0"/>
+              </a:rPr>
+              <a:t> </a:t>
+            </a:r>
+            <a:r>
+              <a:rPr lang="en-US" sz="1200" b="1" dirty="0">
+                <a:latin typeface="Courier" charset="0"/>
+                <a:ea typeface="Courier" charset="0"/>
+                <a:cs typeface="Courier" charset="0"/>
+              </a:rPr>
+              <a:t>s</a:t>
+            </a:r>
+            <a:r>
+              <a:rPr lang="en-US" sz="1200" b="1" dirty="0">
+                <a:solidFill>
+                  <a:srgbClr val="FFFF00"/>
+                </a:solidFill>
+                <a:latin typeface="Courier" charset="0"/>
+                <a:ea typeface="Courier" charset="0"/>
+                <a:cs typeface="Courier" charset="0"/>
+              </a:rPr>
+              <a:t>qlite3 db.sqlite3 </a:t>
+            </a:r>
+          </a:p>
+          <a:p>
+            <a:r>
+              <a:rPr lang="de-DE" sz="1200" b="1" dirty="0" err="1">
+                <a:latin typeface="Courier" charset="0"/>
+                <a:ea typeface="Courier" charset="0"/>
+                <a:cs typeface="Courier" charset="0"/>
+              </a:rPr>
+              <a:t>SQLite</a:t>
+            </a:r>
+            <a:r>
+              <a:rPr lang="de-DE" sz="1200" b="1" dirty="0">
+                <a:latin typeface="Courier" charset="0"/>
+                <a:ea typeface="Courier" charset="0"/>
+                <a:cs typeface="Courier" charset="0"/>
+              </a:rPr>
+              <a:t> </a:t>
+            </a:r>
+            <a:r>
+              <a:rPr lang="de-DE" sz="1200" b="1" dirty="0" err="1">
+                <a:latin typeface="Courier" charset="0"/>
+                <a:ea typeface="Courier" charset="0"/>
+                <a:cs typeface="Courier" charset="0"/>
+              </a:rPr>
+              <a:t>version</a:t>
+            </a:r>
+            <a:r>
+              <a:rPr lang="de-DE" sz="1200" b="1" dirty="0">
+                <a:latin typeface="Courier" charset="0"/>
+                <a:ea typeface="Courier" charset="0"/>
+                <a:cs typeface="Courier" charset="0"/>
+              </a:rPr>
+              <a:t> 3.24.0 2018-06-04 14:10:15</a:t>
+            </a:r>
+          </a:p>
+          <a:p>
+            <a:r>
+              <a:rPr lang="de-DE" sz="1200" b="1" dirty="0">
+                <a:latin typeface="Courier" charset="0"/>
+                <a:ea typeface="Courier" charset="0"/>
+                <a:cs typeface="Courier" charset="0"/>
+              </a:rPr>
+              <a:t>Enter ".</a:t>
+            </a:r>
+            <a:r>
+              <a:rPr lang="de-DE" sz="1200" b="1" dirty="0" err="1">
+                <a:latin typeface="Courier" charset="0"/>
+                <a:ea typeface="Courier" charset="0"/>
+                <a:cs typeface="Courier" charset="0"/>
+              </a:rPr>
+              <a:t>help</a:t>
+            </a:r>
+            <a:r>
+              <a:rPr lang="de-DE" sz="1200" b="1" dirty="0">
+                <a:latin typeface="Courier" charset="0"/>
+                <a:ea typeface="Courier" charset="0"/>
+                <a:cs typeface="Courier" charset="0"/>
+              </a:rPr>
+              <a:t>" </a:t>
+            </a:r>
+            <a:r>
+              <a:rPr lang="de-DE" sz="1200" b="1" dirty="0" err="1">
+                <a:latin typeface="Courier" charset="0"/>
+                <a:ea typeface="Courier" charset="0"/>
+                <a:cs typeface="Courier" charset="0"/>
+              </a:rPr>
+              <a:t>for</a:t>
+            </a:r>
+            <a:r>
+              <a:rPr lang="de-DE" sz="1200" b="1" dirty="0">
+                <a:latin typeface="Courier" charset="0"/>
+                <a:ea typeface="Courier" charset="0"/>
+                <a:cs typeface="Courier" charset="0"/>
+              </a:rPr>
+              <a:t> </a:t>
+            </a:r>
+            <a:r>
+              <a:rPr lang="de-DE" sz="1200" b="1" dirty="0" err="1">
+                <a:latin typeface="Courier" charset="0"/>
+                <a:ea typeface="Courier" charset="0"/>
+                <a:cs typeface="Courier" charset="0"/>
+              </a:rPr>
+              <a:t>usage</a:t>
+            </a:r>
+            <a:r>
+              <a:rPr lang="de-DE" sz="1200" b="1" dirty="0">
+                <a:latin typeface="Courier" charset="0"/>
+                <a:ea typeface="Courier" charset="0"/>
+                <a:cs typeface="Courier" charset="0"/>
+              </a:rPr>
+              <a:t> </a:t>
+            </a:r>
+            <a:r>
+              <a:rPr lang="de-DE" sz="1200" b="1" dirty="0" err="1">
+                <a:latin typeface="Courier" charset="0"/>
+                <a:ea typeface="Courier" charset="0"/>
+                <a:cs typeface="Courier" charset="0"/>
+              </a:rPr>
+              <a:t>hints</a:t>
+            </a:r>
+            <a:r>
+              <a:rPr lang="de-DE" sz="1200" b="1" dirty="0">
+                <a:latin typeface="Courier" charset="0"/>
+                <a:ea typeface="Courier" charset="0"/>
+                <a:cs typeface="Courier" charset="0"/>
+              </a:rPr>
+              <a:t>.</a:t>
+            </a:r>
+          </a:p>
+          <a:p>
+            <a:r>
+              <a:rPr lang="de-DE" sz="1200" b="1" dirty="0" err="1">
+                <a:solidFill>
+                  <a:srgbClr val="00FF00"/>
+                </a:solidFill>
+                <a:latin typeface="Courier" charset="0"/>
+                <a:ea typeface="Courier" charset="0"/>
+                <a:cs typeface="Courier" charset="0"/>
+              </a:rPr>
+              <a:t>sqlite</a:t>
+            </a:r>
+            <a:r>
+              <a:rPr lang="de-DE" sz="1200" b="1" dirty="0">
+                <a:solidFill>
+                  <a:srgbClr val="00FF00"/>
+                </a:solidFill>
+                <a:latin typeface="Courier" charset="0"/>
+                <a:ea typeface="Courier" charset="0"/>
+                <a:cs typeface="Courier" charset="0"/>
+              </a:rPr>
+              <a:t>&gt; </a:t>
+            </a:r>
+            <a:r>
+              <a:rPr lang="de-DE" sz="1200" b="1" dirty="0">
+                <a:solidFill>
+                  <a:srgbClr val="FFFF00"/>
+                </a:solidFill>
+                <a:latin typeface="Courier" charset="0"/>
+                <a:ea typeface="Courier" charset="0"/>
+                <a:cs typeface="Courier" charset="0"/>
+              </a:rPr>
+              <a:t>.</a:t>
+            </a:r>
+            <a:r>
+              <a:rPr lang="de-DE" sz="1200" b="1" dirty="0" err="1">
+                <a:solidFill>
+                  <a:srgbClr val="FFFF00"/>
+                </a:solidFill>
+                <a:latin typeface="Courier" charset="0"/>
+                <a:ea typeface="Courier" charset="0"/>
+                <a:cs typeface="Courier" charset="0"/>
+              </a:rPr>
+              <a:t>tables</a:t>
+            </a:r>
+            <a:endParaRPr lang="de-DE" sz="1200" b="1" dirty="0">
+              <a:solidFill>
+                <a:srgbClr val="FFFF00"/>
+              </a:solidFill>
+              <a:latin typeface="Courier" charset="0"/>
+              <a:ea typeface="Courier" charset="0"/>
+              <a:cs typeface="Courier" charset="0"/>
+            </a:endParaRPr>
+          </a:p>
+          <a:p>
+            <a:r>
+              <a:rPr lang="mr-IN" sz="1200" b="1" dirty="0" err="1">
+                <a:latin typeface="Courier" charset="0"/>
+                <a:ea typeface="Courier" charset="0"/>
+                <a:cs typeface="Courier" charset="0"/>
+              </a:rPr>
+              <a:t>auth_group</a:t>
+            </a:r>
+            <a:r>
+              <a:rPr lang="mr-IN" sz="1200" b="1" dirty="0">
+                <a:latin typeface="Courier" charset="0"/>
+                <a:ea typeface="Courier" charset="0"/>
+                <a:cs typeface="Courier" charset="0"/>
+              </a:rPr>
+              <a:t>                  </a:t>
+            </a:r>
+            <a:r>
+              <a:rPr lang="mr-IN" sz="1200" b="1" dirty="0" err="1">
+                <a:latin typeface="Courier" charset="0"/>
+                <a:ea typeface="Courier" charset="0"/>
+                <a:cs typeface="Courier" charset="0"/>
+              </a:rPr>
+              <a:t>gview_car</a:t>
+            </a:r>
+            <a:r>
+              <a:rPr lang="mr-IN" sz="1200" b="1" dirty="0">
+                <a:latin typeface="Courier" charset="0"/>
+                <a:ea typeface="Courier" charset="0"/>
+                <a:cs typeface="Courier" charset="0"/>
+              </a:rPr>
+              <a:t>                 </a:t>
+            </a:r>
+          </a:p>
+          <a:p>
+            <a:r>
+              <a:rPr lang="en-US" sz="1200" b="1" dirty="0" err="1">
+                <a:latin typeface="Courier" charset="0"/>
+                <a:ea typeface="Courier" charset="0"/>
+                <a:cs typeface="Courier" charset="0"/>
+              </a:rPr>
+              <a:t>auth_group_permissions</a:t>
+            </a:r>
+            <a:r>
+              <a:rPr lang="en-US" sz="1200" b="1" dirty="0">
+                <a:latin typeface="Courier" charset="0"/>
+                <a:ea typeface="Courier" charset="0"/>
+                <a:cs typeface="Courier" charset="0"/>
+              </a:rPr>
+              <a:t>      </a:t>
+            </a:r>
+            <a:r>
+              <a:rPr lang="en-US" sz="1200" b="1" dirty="0" err="1">
+                <a:latin typeface="Courier" charset="0"/>
+                <a:ea typeface="Courier" charset="0"/>
+                <a:cs typeface="Courier" charset="0"/>
+              </a:rPr>
+              <a:t>gview_cat</a:t>
+            </a:r>
+            <a:r>
+              <a:rPr lang="en-US" sz="1200" b="1" dirty="0">
+                <a:latin typeface="Courier" charset="0"/>
+                <a:ea typeface="Courier" charset="0"/>
+                <a:cs typeface="Courier" charset="0"/>
+              </a:rPr>
+              <a:t>                 </a:t>
+            </a:r>
+          </a:p>
+          <a:p>
+            <a:r>
+              <a:rPr lang="mr-IN" sz="1200" b="1" dirty="0" err="1">
+                <a:latin typeface="Courier" charset="0"/>
+                <a:ea typeface="Courier" charset="0"/>
+                <a:cs typeface="Courier" charset="0"/>
+              </a:rPr>
+              <a:t>auth_permission</a:t>
+            </a:r>
+            <a:r>
+              <a:rPr lang="mr-IN" sz="1200" b="1" dirty="0">
+                <a:latin typeface="Courier" charset="0"/>
+                <a:ea typeface="Courier" charset="0"/>
+                <a:cs typeface="Courier" charset="0"/>
+              </a:rPr>
+              <a:t>             </a:t>
+            </a:r>
+            <a:r>
+              <a:rPr lang="mr-IN" sz="1200" b="1" dirty="0" err="1">
+                <a:latin typeface="Courier" charset="0"/>
+                <a:ea typeface="Courier" charset="0"/>
+                <a:cs typeface="Courier" charset="0"/>
+              </a:rPr>
+              <a:t>gview_dog</a:t>
+            </a:r>
+            <a:r>
+              <a:rPr lang="mr-IN" sz="1200" b="1" dirty="0">
+                <a:latin typeface="Courier" charset="0"/>
+                <a:ea typeface="Courier" charset="0"/>
+                <a:cs typeface="Courier" charset="0"/>
+              </a:rPr>
+              <a:t>                 </a:t>
+            </a:r>
+          </a:p>
+          <a:p>
+            <a:r>
+              <a:rPr lang="mr-IN" sz="1200" b="1" dirty="0" err="1">
+                <a:latin typeface="Courier" charset="0"/>
+                <a:ea typeface="Courier" charset="0"/>
+                <a:cs typeface="Courier" charset="0"/>
+              </a:rPr>
+              <a:t>auth_user</a:t>
+            </a:r>
+            <a:r>
+              <a:rPr lang="mr-IN" sz="1200" b="1" dirty="0">
+                <a:latin typeface="Courier" charset="0"/>
+                <a:ea typeface="Courier" charset="0"/>
+                <a:cs typeface="Courier" charset="0"/>
+              </a:rPr>
+              <a:t>                   </a:t>
+            </a:r>
+            <a:r>
+              <a:rPr lang="mr-IN" sz="1200" b="1" dirty="0" err="1">
+                <a:latin typeface="Courier" charset="0"/>
+                <a:ea typeface="Courier" charset="0"/>
+                <a:cs typeface="Courier" charset="0"/>
+              </a:rPr>
+              <a:t>gview_horse</a:t>
+            </a:r>
+            <a:r>
+              <a:rPr lang="mr-IN" sz="1200" b="1" dirty="0">
+                <a:latin typeface="Courier" charset="0"/>
+                <a:ea typeface="Courier" charset="0"/>
+                <a:cs typeface="Courier" charset="0"/>
+              </a:rPr>
+              <a:t>               </a:t>
+            </a:r>
+          </a:p>
+          <a:p>
+            <a:r>
+              <a:rPr lang="mr-IN" sz="1200" b="1" dirty="0" err="1">
+                <a:latin typeface="Courier" charset="0"/>
+                <a:ea typeface="Courier" charset="0"/>
+                <a:cs typeface="Courier" charset="0"/>
+              </a:rPr>
+              <a:t>auth_user_groups</a:t>
+            </a:r>
+            <a:r>
+              <a:rPr lang="mr-IN" sz="1200" b="1" dirty="0">
+                <a:latin typeface="Courier" charset="0"/>
+                <a:ea typeface="Courier" charset="0"/>
+                <a:cs typeface="Courier" charset="0"/>
+              </a:rPr>
+              <a:t>            </a:t>
+            </a:r>
+            <a:r>
+              <a:rPr lang="mr-IN" sz="1200" b="1" dirty="0" err="1">
+                <a:latin typeface="Courier" charset="0"/>
+                <a:ea typeface="Courier" charset="0"/>
+                <a:cs typeface="Courier" charset="0"/>
+              </a:rPr>
+              <a:t>many_course</a:t>
+            </a:r>
+            <a:r>
+              <a:rPr lang="mr-IN" sz="1200" b="1" dirty="0">
+                <a:latin typeface="Courier" charset="0"/>
+                <a:ea typeface="Courier" charset="0"/>
+                <a:cs typeface="Courier" charset="0"/>
+              </a:rPr>
+              <a:t>               </a:t>
+            </a:r>
+          </a:p>
+          <a:p>
+            <a:r>
+              <a:rPr lang="en-US" sz="1200" b="1" dirty="0" err="1">
+                <a:latin typeface="Courier" charset="0"/>
+                <a:ea typeface="Courier" charset="0"/>
+                <a:cs typeface="Courier" charset="0"/>
+              </a:rPr>
+              <a:t>auth_user_user_permissions</a:t>
+            </a:r>
+            <a:r>
+              <a:rPr lang="en-US" sz="1200" b="1" dirty="0">
+                <a:latin typeface="Courier" charset="0"/>
+                <a:ea typeface="Courier" charset="0"/>
+                <a:cs typeface="Courier" charset="0"/>
+              </a:rPr>
+              <a:t>  </a:t>
+            </a:r>
+            <a:r>
+              <a:rPr lang="en-US" sz="1200" b="1" dirty="0" err="1">
+                <a:latin typeface="Courier" charset="0"/>
+                <a:ea typeface="Courier" charset="0"/>
+                <a:cs typeface="Courier" charset="0"/>
+              </a:rPr>
+              <a:t>many_membership</a:t>
+            </a:r>
+            <a:r>
+              <a:rPr lang="en-US" sz="1200" b="1" dirty="0">
+                <a:latin typeface="Courier" charset="0"/>
+                <a:ea typeface="Courier" charset="0"/>
+                <a:cs typeface="Courier" charset="0"/>
+              </a:rPr>
+              <a:t>           </a:t>
+            </a:r>
+          </a:p>
+          <a:p>
+            <a:r>
+              <a:rPr lang="mr-IN" sz="1200" b="1" dirty="0" err="1">
+                <a:latin typeface="Courier" charset="0"/>
+                <a:ea typeface="Courier" charset="0"/>
+                <a:cs typeface="Courier" charset="0"/>
+              </a:rPr>
+              <a:t>autos_auto</a:t>
+            </a:r>
+            <a:r>
+              <a:rPr lang="mr-IN" sz="1200" b="1" dirty="0">
+                <a:latin typeface="Courier" charset="0"/>
+                <a:ea typeface="Courier" charset="0"/>
+                <a:cs typeface="Courier" charset="0"/>
+              </a:rPr>
+              <a:t>                  </a:t>
+            </a:r>
+            <a:r>
+              <a:rPr lang="mr-IN" sz="1200" b="1" dirty="0" err="1">
+                <a:latin typeface="Courier" charset="0"/>
+                <a:ea typeface="Courier" charset="0"/>
+                <a:cs typeface="Courier" charset="0"/>
+              </a:rPr>
+              <a:t>many_person</a:t>
+            </a:r>
+            <a:r>
+              <a:rPr lang="mr-IN" sz="1200" b="1" dirty="0">
+                <a:latin typeface="Courier" charset="0"/>
+                <a:ea typeface="Courier" charset="0"/>
+                <a:cs typeface="Courier" charset="0"/>
+              </a:rPr>
+              <a:t>               </a:t>
+            </a:r>
+          </a:p>
+          <a:p>
+            <a:r>
+              <a:rPr lang="mr-IN" sz="1200" b="1" dirty="0" err="1">
+                <a:latin typeface="Courier" charset="0"/>
+                <a:ea typeface="Courier" charset="0"/>
+                <a:cs typeface="Courier" charset="0"/>
+              </a:rPr>
+              <a:t>autos_make</a:t>
+            </a:r>
+            <a:r>
+              <a:rPr lang="mr-IN" sz="1200" b="1" dirty="0">
+                <a:latin typeface="Courier" charset="0"/>
+                <a:ea typeface="Courier" charset="0"/>
+                <a:cs typeface="Courier" charset="0"/>
+              </a:rPr>
+              <a:t>                  </a:t>
+            </a:r>
+            <a:r>
+              <a:rPr lang="mr-IN" sz="1200" b="1" dirty="0" err="1">
+                <a:latin typeface="Courier" charset="0"/>
+                <a:ea typeface="Courier" charset="0"/>
+                <a:cs typeface="Courier" charset="0"/>
+              </a:rPr>
+              <a:t>myarts_article</a:t>
+            </a:r>
+            <a:r>
+              <a:rPr lang="mr-IN" sz="1200" b="1" dirty="0">
+                <a:latin typeface="Courier" charset="0"/>
+                <a:ea typeface="Courier" charset="0"/>
+                <a:cs typeface="Courier" charset="0"/>
+              </a:rPr>
+              <a:t>            </a:t>
+            </a:r>
+          </a:p>
+          <a:p>
+            <a:r>
+              <a:rPr lang="mr-IN" sz="1200" b="1" dirty="0" err="1">
+                <a:latin typeface="Courier" charset="0"/>
+                <a:ea typeface="Courier" charset="0"/>
+                <a:cs typeface="Courier" charset="0"/>
+              </a:rPr>
+              <a:t>bookone_book</a:t>
+            </a:r>
+            <a:r>
+              <a:rPr lang="mr-IN" sz="1200" b="1" dirty="0">
+                <a:latin typeface="Courier" charset="0"/>
+                <a:ea typeface="Courier" charset="0"/>
+                <a:cs typeface="Courier" charset="0"/>
+              </a:rPr>
+              <a:t>                </a:t>
+            </a:r>
+            <a:r>
+              <a:rPr lang="mr-IN" sz="1200" b="1" dirty="0" err="1">
+                <a:latin typeface="Courier" charset="0"/>
+                <a:ea typeface="Courier" charset="0"/>
+                <a:cs typeface="Courier" charset="0"/>
+              </a:rPr>
+              <a:t>pics_pic</a:t>
+            </a:r>
+            <a:r>
+              <a:rPr lang="mr-IN" sz="1200" b="1" dirty="0">
+                <a:latin typeface="Courier" charset="0"/>
+                <a:ea typeface="Courier" charset="0"/>
+                <a:cs typeface="Courier" charset="0"/>
+              </a:rPr>
+              <a:t>                  </a:t>
+            </a:r>
+          </a:p>
+          <a:p>
+            <a:r>
+              <a:rPr lang="mr-IN" sz="1200" b="1" dirty="0" err="1">
+                <a:latin typeface="Courier" charset="0"/>
+                <a:ea typeface="Courier" charset="0"/>
+                <a:cs typeface="Courier" charset="0"/>
+              </a:rPr>
+              <a:t>bookone_instance</a:t>
+            </a:r>
+            <a:r>
+              <a:rPr lang="mr-IN" sz="1200" b="1" dirty="0">
+                <a:latin typeface="Courier" charset="0"/>
+                <a:ea typeface="Courier" charset="0"/>
+                <a:cs typeface="Courier" charset="0"/>
+              </a:rPr>
+              <a:t>            </a:t>
+            </a:r>
+            <a:r>
+              <a:rPr lang="mr-IN" sz="1200" b="1" dirty="0" err="1">
+                <a:latin typeface="Courier" charset="0"/>
+                <a:ea typeface="Courier" charset="0"/>
+                <a:cs typeface="Courier" charset="0"/>
+              </a:rPr>
+              <a:t>rest_breed</a:t>
+            </a:r>
+            <a:r>
+              <a:rPr lang="mr-IN" sz="1200" b="1" dirty="0">
+                <a:latin typeface="Courier" charset="0"/>
+                <a:ea typeface="Courier" charset="0"/>
+                <a:cs typeface="Courier" charset="0"/>
+              </a:rPr>
+              <a:t>                </a:t>
+            </a:r>
+          </a:p>
+          <a:p>
+            <a:r>
+              <a:rPr lang="mr-IN" sz="1200" b="1" dirty="0" err="1">
+                <a:latin typeface="Courier" charset="0"/>
+                <a:ea typeface="Courier" charset="0"/>
+                <a:cs typeface="Courier" charset="0"/>
+              </a:rPr>
+              <a:t>bookone_lang</a:t>
+            </a:r>
+            <a:r>
+              <a:rPr lang="mr-IN" sz="1200" b="1" dirty="0">
+                <a:latin typeface="Courier" charset="0"/>
+                <a:ea typeface="Courier" charset="0"/>
+                <a:cs typeface="Courier" charset="0"/>
+              </a:rPr>
+              <a:t>                </a:t>
+            </a:r>
+            <a:r>
+              <a:rPr lang="mr-IN" sz="1200" b="1" dirty="0" err="1">
+                <a:latin typeface="Courier" charset="0"/>
+                <a:ea typeface="Courier" charset="0"/>
+                <a:cs typeface="Courier" charset="0"/>
+              </a:rPr>
+              <a:t>rest_cat</a:t>
+            </a:r>
+            <a:r>
+              <a:rPr lang="mr-IN" sz="1200" b="1" dirty="0">
+                <a:latin typeface="Courier" charset="0"/>
+                <a:ea typeface="Courier" charset="0"/>
+                <a:cs typeface="Courier" charset="0"/>
+              </a:rPr>
+              <a:t>                  </a:t>
+            </a:r>
+          </a:p>
+          <a:p>
+            <a:r>
+              <a:rPr lang="en-US" sz="1200" b="1" dirty="0" err="1">
+                <a:latin typeface="Courier" charset="0"/>
+                <a:ea typeface="Courier" charset="0"/>
+                <a:cs typeface="Courier" charset="0"/>
+              </a:rPr>
+              <a:t>django_admin_log</a:t>
+            </a:r>
+            <a:r>
+              <a:rPr lang="en-US" sz="1200" b="1" dirty="0">
+                <a:latin typeface="Courier" charset="0"/>
+                <a:ea typeface="Courier" charset="0"/>
+                <a:cs typeface="Courier" charset="0"/>
+              </a:rPr>
+              <a:t>            </a:t>
+            </a:r>
+            <a:r>
+              <a:rPr lang="en-US" sz="1200" b="1" dirty="0" err="1">
+                <a:latin typeface="Courier" charset="0"/>
+                <a:ea typeface="Courier" charset="0"/>
+                <a:cs typeface="Courier" charset="0"/>
+              </a:rPr>
+              <a:t>social_auth_association</a:t>
+            </a:r>
+            <a:r>
+              <a:rPr lang="en-US" sz="1200" b="1" dirty="0">
+                <a:latin typeface="Courier" charset="0"/>
+                <a:ea typeface="Courier" charset="0"/>
+                <a:cs typeface="Courier" charset="0"/>
+              </a:rPr>
+              <a:t>   </a:t>
+            </a:r>
+          </a:p>
+          <a:p>
+            <a:r>
+              <a:rPr lang="en-US" sz="1200" b="1" dirty="0" err="1">
+                <a:latin typeface="Courier" charset="0"/>
+                <a:ea typeface="Courier" charset="0"/>
+                <a:cs typeface="Courier" charset="0"/>
+              </a:rPr>
+              <a:t>django_content_type</a:t>
+            </a:r>
+            <a:r>
+              <a:rPr lang="en-US" sz="1200" b="1" dirty="0">
+                <a:latin typeface="Courier" charset="0"/>
+                <a:ea typeface="Courier" charset="0"/>
+                <a:cs typeface="Courier" charset="0"/>
+              </a:rPr>
+              <a:t>         </a:t>
+            </a:r>
+            <a:r>
+              <a:rPr lang="en-US" sz="1200" b="1" dirty="0" err="1">
+                <a:latin typeface="Courier" charset="0"/>
+                <a:ea typeface="Courier" charset="0"/>
+                <a:cs typeface="Courier" charset="0"/>
+              </a:rPr>
+              <a:t>social_auth_code</a:t>
+            </a:r>
+            <a:r>
+              <a:rPr lang="en-US" sz="1200" b="1" dirty="0">
+                <a:latin typeface="Courier" charset="0"/>
+                <a:ea typeface="Courier" charset="0"/>
+                <a:cs typeface="Courier" charset="0"/>
+              </a:rPr>
+              <a:t>          </a:t>
+            </a:r>
+          </a:p>
+          <a:p>
+            <a:r>
+              <a:rPr lang="en-US" sz="1200" b="1" dirty="0" err="1">
+                <a:latin typeface="Courier" charset="0"/>
+                <a:ea typeface="Courier" charset="0"/>
+                <a:cs typeface="Courier" charset="0"/>
+              </a:rPr>
+              <a:t>django_migrations</a:t>
+            </a:r>
+            <a:r>
+              <a:rPr lang="en-US" sz="1200" b="1" dirty="0">
+                <a:latin typeface="Courier" charset="0"/>
+                <a:ea typeface="Courier" charset="0"/>
+                <a:cs typeface="Courier" charset="0"/>
+              </a:rPr>
+              <a:t>           </a:t>
+            </a:r>
+            <a:r>
+              <a:rPr lang="en-US" sz="1200" b="1" dirty="0" err="1">
+                <a:latin typeface="Courier" charset="0"/>
+                <a:ea typeface="Courier" charset="0"/>
+                <a:cs typeface="Courier" charset="0"/>
+              </a:rPr>
+              <a:t>social_auth_nonce</a:t>
+            </a:r>
+            <a:r>
+              <a:rPr lang="en-US" sz="1200" b="1" dirty="0">
+                <a:latin typeface="Courier" charset="0"/>
+                <a:ea typeface="Courier" charset="0"/>
+                <a:cs typeface="Courier" charset="0"/>
+              </a:rPr>
+              <a:t>         </a:t>
+            </a:r>
+          </a:p>
+          <a:p>
+            <a:r>
+              <a:rPr lang="en-US" sz="1200" b="1" dirty="0" err="1">
+                <a:latin typeface="Courier" charset="0"/>
+                <a:ea typeface="Courier" charset="0"/>
+                <a:cs typeface="Courier" charset="0"/>
+              </a:rPr>
+              <a:t>django_session</a:t>
+            </a:r>
+            <a:r>
+              <a:rPr lang="en-US" sz="1200" b="1" dirty="0">
+                <a:latin typeface="Courier" charset="0"/>
+                <a:ea typeface="Courier" charset="0"/>
+                <a:cs typeface="Courier" charset="0"/>
+              </a:rPr>
+              <a:t>              </a:t>
+            </a:r>
+            <a:r>
+              <a:rPr lang="en-US" sz="1200" b="1" dirty="0" err="1">
+                <a:latin typeface="Courier" charset="0"/>
+                <a:ea typeface="Courier" charset="0"/>
+                <a:cs typeface="Courier" charset="0"/>
+              </a:rPr>
+              <a:t>social_auth_partial</a:t>
+            </a:r>
+            <a:r>
+              <a:rPr lang="en-US" sz="1200" b="1" dirty="0">
+                <a:latin typeface="Courier" charset="0"/>
+                <a:ea typeface="Courier" charset="0"/>
+                <a:cs typeface="Courier" charset="0"/>
+              </a:rPr>
+              <a:t>       </a:t>
+            </a:r>
+          </a:p>
+          <a:p>
+            <a:r>
+              <a:rPr lang="en-US" sz="1200" b="1" dirty="0" err="1">
+                <a:latin typeface="Courier" charset="0"/>
+                <a:ea typeface="Courier" charset="0"/>
+                <a:cs typeface="Courier" charset="0"/>
+              </a:rPr>
+              <a:t>favs_fav</a:t>
+            </a:r>
+            <a:r>
+              <a:rPr lang="en-US" sz="1200" b="1" dirty="0">
+                <a:latin typeface="Courier" charset="0"/>
+                <a:ea typeface="Courier" charset="0"/>
+                <a:cs typeface="Courier" charset="0"/>
+              </a:rPr>
+              <a:t>                    </a:t>
+            </a:r>
+            <a:r>
+              <a:rPr lang="en-US" sz="1200" b="1" dirty="0" err="1">
+                <a:latin typeface="Courier" charset="0"/>
+                <a:ea typeface="Courier" charset="0"/>
+                <a:cs typeface="Courier" charset="0"/>
+              </a:rPr>
+              <a:t>social_auth_usersocialauth</a:t>
+            </a:r>
+            <a:endParaRPr lang="en-US" sz="1200" b="1" dirty="0">
+              <a:latin typeface="Courier" charset="0"/>
+              <a:ea typeface="Courier" charset="0"/>
+              <a:cs typeface="Courier" charset="0"/>
+            </a:endParaRPr>
+          </a:p>
+          <a:p>
+            <a:r>
+              <a:rPr lang="mr-IN" sz="1200" b="1" dirty="0" err="1">
+                <a:latin typeface="Courier" charset="0"/>
+                <a:ea typeface="Courier" charset="0"/>
+                <a:cs typeface="Courier" charset="0"/>
+              </a:rPr>
+              <a:t>favs_thing</a:t>
+            </a:r>
+            <a:r>
+              <a:rPr lang="mr-IN" sz="1200" b="1" dirty="0">
+                <a:latin typeface="Courier" charset="0"/>
+                <a:ea typeface="Courier" charset="0"/>
+                <a:cs typeface="Courier" charset="0"/>
+              </a:rPr>
+              <a:t>                  </a:t>
+            </a:r>
+            <a:r>
+              <a:rPr lang="mr-IN" sz="1200" b="1" dirty="0" err="1">
+                <a:latin typeface="Courier" charset="0"/>
+                <a:ea typeface="Courier" charset="0"/>
+                <a:cs typeface="Courier" charset="0"/>
+              </a:rPr>
+              <a:t>tracks_album</a:t>
+            </a:r>
+            <a:r>
+              <a:rPr lang="mr-IN" sz="1200" b="1" dirty="0">
+                <a:latin typeface="Courier" charset="0"/>
+                <a:ea typeface="Courier" charset="0"/>
+                <a:cs typeface="Courier" charset="0"/>
+              </a:rPr>
+              <a:t>              </a:t>
+            </a:r>
+          </a:p>
+          <a:p>
+            <a:r>
+              <a:rPr lang="mr-IN" sz="1200" b="1" dirty="0" err="1">
+                <a:latin typeface="Courier" charset="0"/>
+                <a:ea typeface="Courier" charset="0"/>
+                <a:cs typeface="Courier" charset="0"/>
+              </a:rPr>
+              <a:t>favsql_fav</a:t>
+            </a:r>
+            <a:r>
+              <a:rPr lang="mr-IN" sz="1200" b="1" dirty="0">
+                <a:latin typeface="Courier" charset="0"/>
+                <a:ea typeface="Courier" charset="0"/>
+                <a:cs typeface="Courier" charset="0"/>
+              </a:rPr>
+              <a:t>                  </a:t>
+            </a:r>
+            <a:r>
+              <a:rPr lang="mr-IN" sz="1200" b="1" dirty="0" err="1">
+                <a:latin typeface="Courier" charset="0"/>
+                <a:ea typeface="Courier" charset="0"/>
+                <a:cs typeface="Courier" charset="0"/>
+              </a:rPr>
+              <a:t>tracks_artist</a:t>
+            </a:r>
+            <a:r>
+              <a:rPr lang="mr-IN" sz="1200" b="1" dirty="0">
+                <a:latin typeface="Courier" charset="0"/>
+                <a:ea typeface="Courier" charset="0"/>
+                <a:cs typeface="Courier" charset="0"/>
+              </a:rPr>
+              <a:t>             </a:t>
+            </a:r>
+          </a:p>
+          <a:p>
+            <a:r>
+              <a:rPr lang="mr-IN" sz="1200" b="1" dirty="0" err="1">
+                <a:latin typeface="Courier" charset="0"/>
+                <a:ea typeface="Courier" charset="0"/>
+                <a:cs typeface="Courier" charset="0"/>
+              </a:rPr>
+              <a:t>favsql_thing</a:t>
+            </a:r>
+            <a:r>
+              <a:rPr lang="mr-IN" sz="1200" b="1" dirty="0">
+                <a:latin typeface="Courier" charset="0"/>
+                <a:ea typeface="Courier" charset="0"/>
+                <a:cs typeface="Courier" charset="0"/>
+              </a:rPr>
+              <a:t>                </a:t>
+            </a:r>
+            <a:r>
+              <a:rPr lang="mr-IN" sz="1200" b="1" dirty="0" err="1">
+                <a:latin typeface="Courier" charset="0"/>
+                <a:ea typeface="Courier" charset="0"/>
+                <a:cs typeface="Courier" charset="0"/>
+              </a:rPr>
+              <a:t>tracks_genre</a:t>
+            </a:r>
+            <a:r>
+              <a:rPr lang="mr-IN" sz="1200" b="1" dirty="0">
+                <a:latin typeface="Courier" charset="0"/>
+                <a:ea typeface="Courier" charset="0"/>
+                <a:cs typeface="Courier" charset="0"/>
+              </a:rPr>
+              <a:t>              </a:t>
+            </a:r>
+          </a:p>
+          <a:p>
+            <a:r>
+              <a:rPr lang="mr-IN" sz="1200" b="1" dirty="0" err="1">
+                <a:latin typeface="Courier" charset="0"/>
+                <a:ea typeface="Courier" charset="0"/>
+                <a:cs typeface="Courier" charset="0"/>
+              </a:rPr>
+              <a:t>forums_comment</a:t>
+            </a:r>
+            <a:r>
+              <a:rPr lang="mr-IN" sz="1200" b="1" dirty="0">
+                <a:latin typeface="Courier" charset="0"/>
+                <a:ea typeface="Courier" charset="0"/>
+                <a:cs typeface="Courier" charset="0"/>
+              </a:rPr>
+              <a:t>              </a:t>
+            </a:r>
+            <a:r>
+              <a:rPr lang="mr-IN" sz="1200" b="1" dirty="0" err="1">
+                <a:latin typeface="Courier" charset="0"/>
+                <a:ea typeface="Courier" charset="0"/>
+                <a:cs typeface="Courier" charset="0"/>
+              </a:rPr>
+              <a:t>tracks_track</a:t>
+            </a:r>
+            <a:r>
+              <a:rPr lang="mr-IN" sz="1200" b="1" dirty="0">
+                <a:latin typeface="Courier" charset="0"/>
+                <a:ea typeface="Courier" charset="0"/>
+                <a:cs typeface="Courier" charset="0"/>
+              </a:rPr>
+              <a:t>              </a:t>
+            </a:r>
+          </a:p>
+          <a:p>
+            <a:r>
+              <a:rPr lang="mr-IN" sz="1200" b="1" dirty="0" err="1">
+                <a:latin typeface="Courier" charset="0"/>
+                <a:ea typeface="Courier" charset="0"/>
+                <a:cs typeface="Courier" charset="0"/>
+              </a:rPr>
+              <a:t>forums_forum</a:t>
+            </a:r>
+            <a:r>
+              <a:rPr lang="mr-IN" sz="1200" b="1" dirty="0">
+                <a:latin typeface="Courier" charset="0"/>
+                <a:ea typeface="Courier" charset="0"/>
+                <a:cs typeface="Courier" charset="0"/>
+              </a:rPr>
+              <a:t>                </a:t>
+            </a:r>
+            <a:r>
+              <a:rPr lang="mr-IN" sz="1200" b="1" dirty="0" err="1">
+                <a:latin typeface="Courier" charset="0"/>
+                <a:ea typeface="Courier" charset="0"/>
+                <a:cs typeface="Courier" charset="0"/>
+              </a:rPr>
+              <a:t>users_user</a:t>
+            </a:r>
+            <a:r>
+              <a:rPr lang="mr-IN" sz="1200" b="1" dirty="0">
+                <a:latin typeface="Courier" charset="0"/>
+                <a:ea typeface="Courier" charset="0"/>
+                <a:cs typeface="Courier" charset="0"/>
+              </a:rPr>
+              <a:t>                </a:t>
+            </a:r>
+          </a:p>
+          <a:p>
+            <a:r>
+              <a:rPr lang="en-US" sz="1200" b="1" dirty="0" err="1">
+                <a:solidFill>
+                  <a:srgbClr val="00FF00"/>
+                </a:solidFill>
+                <a:latin typeface="Courier" charset="0"/>
+                <a:ea typeface="Courier" charset="0"/>
+                <a:cs typeface="Courier" charset="0"/>
+              </a:rPr>
+              <a:t>sqlite</a:t>
+            </a:r>
+            <a:r>
+              <a:rPr lang="en-US" sz="1200" b="1" dirty="0">
+                <a:solidFill>
+                  <a:srgbClr val="00FF00"/>
+                </a:solidFill>
+                <a:latin typeface="Courier" charset="0"/>
+                <a:ea typeface="Courier" charset="0"/>
+                <a:cs typeface="Courier" charset="0"/>
+              </a:rPr>
+              <a:t>&gt; </a:t>
+            </a:r>
+            <a:r>
+              <a:rPr lang="en-US" sz="1200" b="1" dirty="0" smtClean="0">
+                <a:solidFill>
+                  <a:srgbClr val="FFFF00"/>
+                </a:solidFill>
+                <a:latin typeface="Courier" charset="0"/>
+                <a:ea typeface="Courier" charset="0"/>
+                <a:cs typeface="Courier" charset="0"/>
+              </a:rPr>
+              <a:t>.quit</a:t>
+            </a:r>
+          </a:p>
+          <a:p>
+            <a:r>
+              <a:rPr lang="en-US" sz="1200" b="1" dirty="0">
+                <a:solidFill>
+                  <a:srgbClr val="00FDFF"/>
+                </a:solidFill>
+                <a:latin typeface="Courier" charset="0"/>
+                <a:ea typeface="Courier" charset="0"/>
+                <a:cs typeface="Courier" charset="0"/>
+              </a:rPr>
+              <a:t>dj4e-samples$</a:t>
+            </a:r>
+            <a:endParaRPr lang="is-IS" sz="1200" b="1" dirty="0">
+              <a:solidFill>
+                <a:srgbClr val="00FF00"/>
+              </a:solidFill>
+              <a:effectLst/>
+              <a:latin typeface="Courier" charset="0"/>
+              <a:ea typeface="Courier" charset="0"/>
+              <a:cs typeface="Courier" charset="0"/>
+            </a:endParaRPr>
+          </a:p>
+        </p:txBody>
+      </p:sp>
+    </p:spTree>
+    <p:extLst>
+      <p:ext uri="{BB962C8B-B14F-4D97-AF65-F5344CB8AC3E}">
+        <p14:creationId xmlns:p14="http://schemas.microsoft.com/office/powerpoint/2010/main" val="1244984341"/>
+      </p:ext>
+    </p:extLst>
+  </p:cSld>
+  <p:clrMapOvr>
+    <a:masterClrMapping/>
+  </p:clrMapOvr>
+</p:sld>
+</file>
+
+<file path=ppt/slides/slide33.xml><?xml version="1.0" encoding="utf-8"?>
+<p:sld xmlns:a="http://schemas.openxmlformats.org/drawingml/2006/main" xmlns:r="http://schemas.openxmlformats.org/officeDocument/2006/relationships" xmlns:p="http://schemas.openxmlformats.org/presentationml/2006/main">
+  <p:cSld>
+    <p:spTree>
+      <p:nvGrpSpPr>
+        <p:cNvPr id="1" name=""/>
+        <p:cNvGrpSpPr/>
+        <p:nvPr/>
+      </p:nvGrpSpPr>
+      <p:grpSpPr>
+        <a:xfrm>
+          <a:off x="0" y="0"/>
+          <a:ext cx="0" cy="0"/>
+          <a:chOff x="0" y="0"/>
+          <a:chExt cx="0" cy="0"/>
+        </a:xfrm>
+      </p:grpSpPr>
+      <p:sp>
+        <p:nvSpPr>
+          <p:cNvPr id="2" name="Title 1"/>
+          <p:cNvSpPr>
+            <a:spLocks noGrp="1"/>
+          </p:cNvSpPr>
+          <p:nvPr>
+            <p:ph type="title"/>
+          </p:nvPr>
+        </p:nvSpPr>
+        <p:spPr/>
+        <p:txBody>
+          <a:bodyPr/>
+          <a:lstStyle/>
+          <a:p>
+            <a:r>
+              <a:rPr lang="en-US" dirty="0" smtClean="0"/>
+              <a:t>Re-running </a:t>
+            </a:r>
+            <a:r>
+              <a:rPr lang="en-US" dirty="0" err="1" smtClean="0"/>
+              <a:t>makemigrate</a:t>
+            </a:r>
+            <a:endParaRPr lang="en-US" dirty="0"/>
+          </a:p>
+        </p:txBody>
+      </p:sp>
+      <p:sp>
+        <p:nvSpPr>
+          <p:cNvPr id="4" name="TextBox 3"/>
+          <p:cNvSpPr txBox="1"/>
+          <p:nvPr/>
+        </p:nvSpPr>
+        <p:spPr>
+          <a:xfrm>
+            <a:off x="1271602" y="1871663"/>
+            <a:ext cx="9648795" cy="2585323"/>
+          </a:xfrm>
+          <a:prstGeom prst="rect">
+            <a:avLst/>
+          </a:prstGeom>
+          <a:solidFill>
+            <a:schemeClr val="tx1"/>
+          </a:solidFill>
+        </p:spPr>
+        <p:txBody>
+          <a:bodyPr wrap="none" rtlCol="0">
+            <a:spAutoFit/>
+          </a:bodyPr>
+          <a:lstStyle/>
+          <a:p>
+            <a:r>
+              <a:rPr lang="en-US" dirty="0" smtClean="0">
+                <a:solidFill>
+                  <a:srgbClr val="000000"/>
+                </a:solidFill>
+                <a:latin typeface="Menlo-Regular" charset="0"/>
+              </a:rPr>
+              <a:t>dj4e-samples$ </a:t>
+            </a:r>
+            <a:r>
+              <a:rPr lang="en-US" dirty="0" err="1">
+                <a:solidFill>
+                  <a:srgbClr val="000000"/>
+                </a:solidFill>
+                <a:latin typeface="Menlo-Regular" charset="0"/>
+              </a:rPr>
+              <a:t>rm</a:t>
+            </a:r>
+            <a:r>
+              <a:rPr lang="en-US" dirty="0">
+                <a:solidFill>
+                  <a:srgbClr val="000000"/>
+                </a:solidFill>
+                <a:latin typeface="Menlo-Regular" charset="0"/>
+              </a:rPr>
+              <a:t> </a:t>
+            </a:r>
+            <a:r>
+              <a:rPr lang="en-US" dirty="0" err="1">
+                <a:solidFill>
+                  <a:srgbClr val="000000"/>
+                </a:solidFill>
+                <a:latin typeface="Menlo-Regular" charset="0"/>
+              </a:rPr>
+              <a:t>bookone</a:t>
+            </a:r>
+            <a:r>
+              <a:rPr lang="en-US" dirty="0">
+                <a:solidFill>
+                  <a:srgbClr val="000000"/>
+                </a:solidFill>
+                <a:latin typeface="Menlo-Regular" charset="0"/>
+              </a:rPr>
+              <a:t>/migrations/0001_initial.py</a:t>
+            </a:r>
+          </a:p>
+          <a:p>
+            <a:r>
+              <a:rPr lang="en-US" dirty="0">
+                <a:solidFill>
+                  <a:srgbClr val="000000"/>
+                </a:solidFill>
+                <a:latin typeface="Menlo-Regular" charset="0"/>
+              </a:rPr>
+              <a:t>MacBook-Pro-92:dj4e-samples csev$ python3 </a:t>
+            </a:r>
+            <a:r>
+              <a:rPr lang="en-US" dirty="0" err="1">
+                <a:solidFill>
+                  <a:srgbClr val="000000"/>
+                </a:solidFill>
+                <a:latin typeface="Menlo-Regular" charset="0"/>
+              </a:rPr>
+              <a:t>manage.py</a:t>
+            </a:r>
+            <a:r>
+              <a:rPr lang="en-US" dirty="0">
+                <a:solidFill>
+                  <a:srgbClr val="000000"/>
+                </a:solidFill>
+                <a:latin typeface="Menlo-Regular" charset="0"/>
+              </a:rPr>
+              <a:t> </a:t>
+            </a:r>
+            <a:r>
+              <a:rPr lang="en-US" dirty="0" err="1">
+                <a:solidFill>
+                  <a:srgbClr val="000000"/>
+                </a:solidFill>
+                <a:latin typeface="Menlo-Regular" charset="0"/>
+              </a:rPr>
+              <a:t>makemigrations</a:t>
+            </a:r>
+            <a:endParaRPr lang="en-US" dirty="0">
+              <a:solidFill>
+                <a:srgbClr val="000000"/>
+              </a:solidFill>
+              <a:latin typeface="Menlo-Regular" charset="0"/>
+            </a:endParaRPr>
+          </a:p>
+          <a:p>
+            <a:r>
+              <a:rPr lang="en-US" b="1" dirty="0">
+                <a:solidFill>
+                  <a:srgbClr val="2EAEBB"/>
+                </a:solidFill>
+                <a:latin typeface="Menlo-Bold" charset="0"/>
+              </a:rPr>
+              <a:t>Migrations for '</a:t>
+            </a:r>
+            <a:r>
+              <a:rPr lang="en-US" b="1" dirty="0" err="1">
+                <a:solidFill>
+                  <a:srgbClr val="2EAEBB"/>
+                </a:solidFill>
+                <a:latin typeface="Menlo-Bold" charset="0"/>
+              </a:rPr>
+              <a:t>bookone</a:t>
+            </a:r>
+            <a:r>
+              <a:rPr lang="en-US" b="1" dirty="0">
+                <a:solidFill>
+                  <a:srgbClr val="2EAEBB"/>
+                </a:solidFill>
+                <a:latin typeface="Menlo-Bold" charset="0"/>
+              </a:rPr>
+              <a:t>':</a:t>
+            </a:r>
+            <a:endParaRPr lang="en-US" dirty="0">
+              <a:solidFill>
+                <a:srgbClr val="000000"/>
+              </a:solidFill>
+              <a:latin typeface="Menlo-Regular" charset="0"/>
+            </a:endParaRPr>
+          </a:p>
+          <a:p>
+            <a:r>
+              <a:rPr lang="en-US" dirty="0">
+                <a:solidFill>
+                  <a:srgbClr val="000000"/>
+                </a:solidFill>
+                <a:latin typeface="Menlo-Regular" charset="0"/>
+              </a:rPr>
+              <a:t>  </a:t>
+            </a:r>
+            <a:r>
+              <a:rPr lang="en-US" b="1" dirty="0" err="1">
+                <a:solidFill>
+                  <a:srgbClr val="000000"/>
+                </a:solidFill>
+                <a:latin typeface="Menlo-Bold" charset="0"/>
+              </a:rPr>
+              <a:t>bookone</a:t>
+            </a:r>
+            <a:r>
+              <a:rPr lang="en-US" b="1" dirty="0">
+                <a:solidFill>
+                  <a:srgbClr val="000000"/>
+                </a:solidFill>
+                <a:latin typeface="Menlo-Bold" charset="0"/>
+              </a:rPr>
+              <a:t>/migrations/0001_initial.py</a:t>
+            </a:r>
+            <a:endParaRPr lang="en-US" dirty="0">
+              <a:solidFill>
+                <a:srgbClr val="000000"/>
+              </a:solidFill>
+              <a:latin typeface="Menlo-Regular" charset="0"/>
+            </a:endParaRPr>
+          </a:p>
+          <a:p>
+            <a:r>
+              <a:rPr lang="en-US" dirty="0">
+                <a:solidFill>
+                  <a:srgbClr val="000000"/>
+                </a:solidFill>
+                <a:latin typeface="Menlo-Regular" charset="0"/>
+              </a:rPr>
+              <a:t>    - Create model Book</a:t>
+            </a:r>
+          </a:p>
+          <a:p>
+            <a:r>
+              <a:rPr lang="en-US" dirty="0">
+                <a:solidFill>
+                  <a:srgbClr val="000000"/>
+                </a:solidFill>
+                <a:latin typeface="Menlo-Regular" charset="0"/>
+              </a:rPr>
+              <a:t>    - Create model Instance</a:t>
+            </a:r>
+          </a:p>
+          <a:p>
+            <a:r>
+              <a:rPr lang="en-US" dirty="0">
+                <a:solidFill>
+                  <a:srgbClr val="000000"/>
+                </a:solidFill>
+                <a:latin typeface="Menlo-Regular" charset="0"/>
+              </a:rPr>
+              <a:t>    - Create model Lang</a:t>
+            </a:r>
+          </a:p>
+          <a:p>
+            <a:r>
+              <a:rPr lang="en-US" dirty="0">
+                <a:solidFill>
+                  <a:srgbClr val="000000"/>
+                </a:solidFill>
+                <a:latin typeface="Menlo-Regular" charset="0"/>
+              </a:rPr>
+              <a:t>    - Add field </a:t>
+            </a:r>
+            <a:r>
+              <a:rPr lang="en-US" dirty="0" err="1">
+                <a:solidFill>
+                  <a:srgbClr val="000000"/>
+                </a:solidFill>
+                <a:latin typeface="Menlo-Regular" charset="0"/>
+              </a:rPr>
+              <a:t>lang</a:t>
+            </a:r>
+            <a:r>
+              <a:rPr lang="en-US" dirty="0">
+                <a:solidFill>
+                  <a:srgbClr val="000000"/>
+                </a:solidFill>
+                <a:latin typeface="Menlo-Regular" charset="0"/>
+              </a:rPr>
+              <a:t> to book</a:t>
+            </a:r>
+          </a:p>
+          <a:p>
+            <a:r>
+              <a:rPr lang="en-US" dirty="0" smtClean="0">
+                <a:solidFill>
+                  <a:srgbClr val="000000"/>
+                </a:solidFill>
+                <a:latin typeface="Menlo-Regular" charset="0"/>
+              </a:rPr>
+              <a:t>dj4e-samples$</a:t>
+            </a:r>
+            <a:endParaRPr lang="en-US" b="1" dirty="0">
+              <a:latin typeface="Courier" charset="0"/>
+              <a:ea typeface="Courier" charset="0"/>
+              <a:cs typeface="Courier" charset="0"/>
+            </a:endParaRPr>
+          </a:p>
+        </p:txBody>
+      </p:sp>
+    </p:spTree>
+    <p:extLst>
+      <p:ext uri="{BB962C8B-B14F-4D97-AF65-F5344CB8AC3E}">
+        <p14:creationId xmlns:p14="http://schemas.microsoft.com/office/powerpoint/2010/main" val="482264524"/>
+      </p:ext>
+    </p:extLst>
+  </p:cSld>
+  <p:clrMapOvr>
+    <a:masterClrMapping/>
+  </p:clrMapOvr>
+</p:sld>
+</file>
+
+<file path=ppt/slides/slide34.xml><?xml version="1.0" encoding="utf-8"?>
+<p:sld xmlns:a="http://schemas.openxmlformats.org/drawingml/2006/main" xmlns:r="http://schemas.openxmlformats.org/officeDocument/2006/relationships" xmlns:p="http://schemas.openxmlformats.org/presentationml/2006/main">
+  <p:cSld>
+    <p:spTree>
+      <p:nvGrpSpPr>
+        <p:cNvPr id="1" name=""/>
+        <p:cNvGrpSpPr/>
+        <p:nvPr/>
+      </p:nvGrpSpPr>
+      <p:grpSpPr>
+        <a:xfrm>
+          <a:off x="0" y="0"/>
+          <a:ext cx="0" cy="0"/>
+          <a:chOff x="0" y="0"/>
+          <a:chExt cx="0" cy="0"/>
+        </a:xfrm>
+      </p:grpSpPr>
+      <p:sp>
+        <p:nvSpPr>
+          <p:cNvPr id="2" name="Title 1"/>
+          <p:cNvSpPr>
+            <a:spLocks noGrp="1"/>
+          </p:cNvSpPr>
+          <p:nvPr>
+            <p:ph type="title"/>
+          </p:nvPr>
+        </p:nvSpPr>
+        <p:spPr/>
+        <p:txBody>
+          <a:bodyPr/>
+          <a:lstStyle/>
+          <a:p>
+            <a:r>
+              <a:rPr lang="en-US" dirty="0" smtClean="0"/>
               <a:t>Re-running migrate from scratch</a:t>
             </a:r>
             <a:endParaRPr lang="en-US" dirty="0"/>
@@ -34635,7 +37424,7 @@
 </p:sld>
 </file>
 
-<file path=ppt/slides/slide33.xml><?xml version="1.0" encoding="utf-8"?>
+<file path=ppt/slides/slide35.xml><?xml version="1.0" encoding="utf-8"?>
 <p:sld xmlns:a="http://schemas.openxmlformats.org/drawingml/2006/main" xmlns:r="http://schemas.openxmlformats.org/officeDocument/2006/relationships" xmlns:p="http://schemas.openxmlformats.org/presentationml/2006/main">
   <p:cSld>
     <p:spTree>
@@ -34714,7 +37503,7 @@
 </p:sld>
 </file>
 
-<file path=ppt/slides/slide34.xml><?xml version="1.0" encoding="utf-8"?>
+<file path=ppt/slides/slide36.xml><?xml version="1.0" encoding="utf-8"?>
 <p:sld xmlns:a="http://schemas.openxmlformats.org/drawingml/2006/main" xmlns:r="http://schemas.openxmlformats.org/officeDocument/2006/relationships" xmlns:p="http://schemas.openxmlformats.org/presentationml/2006/main">
   <p:cSld>
     <p:spTree>
@@ -35829,7 +38618,7 @@
 </p:sld>
 </file>
 
-<file path=ppt/slides/slide35.xml><?xml version="1.0" encoding="utf-8"?>
+<file path=ppt/slides/slide37.xml><?xml version="1.0" encoding="utf-8"?>
 <p:sld xmlns:a="http://schemas.openxmlformats.org/drawingml/2006/main" xmlns:r="http://schemas.openxmlformats.org/officeDocument/2006/relationships" xmlns:p="http://schemas.openxmlformats.org/presentationml/2006/main">
   <p:cSld>
     <p:spTree>
@@ -36767,7 +39556,7 @@
 </p:sld>
 </file>
 
-<file path=ppt/slides/slide36.xml><?xml version="1.0" encoding="utf-8"?>
+<file path=ppt/slides/slide38.xml><?xml version="1.0" encoding="utf-8"?>
 <p:sld xmlns:a="http://schemas.openxmlformats.org/drawingml/2006/main" xmlns:r="http://schemas.openxmlformats.org/officeDocument/2006/relationships" xmlns:p="http://schemas.openxmlformats.org/presentationml/2006/main">
   <p:cSld>
     <p:spTree>
@@ -37010,7 +39799,7 @@
 </p:sld>
 </file>
 
-<file path=ppt/slides/slide37.xml><?xml version="1.0" encoding="utf-8"?>
+<file path=ppt/slides/slide39.xml><?xml version="1.0" encoding="utf-8"?>
 <p:sld xmlns:a="http://schemas.openxmlformats.org/drawingml/2006/main" xmlns:r="http://schemas.openxmlformats.org/officeDocument/2006/relationships" xmlns:p="http://schemas.openxmlformats.org/presentationml/2006/main">
   <p:cSld>
     <p:spTree>

--- a/lectures/DJ-03-One-To-Many.pptx
+++ b/lectures/DJ-03-One-To-Many.pptx
@@ -4801,10 +4801,10 @@
           <p:cNvPr id="10" name="Rectangle 9">
             <a:extLst>
               <a:ext uri="{FF2B5EF4-FFF2-40B4-BE49-F238E27FC236}">
-                <a16:creationId xmlns:a16="http://schemas.microsoft.com/office/drawing/2014/main" xmlns="" id="{E20EB187-900F-4AF5-813B-101456D9FD39}"/>
+                <a16:creationId xmlns="" xmlns:a16="http://schemas.microsoft.com/office/drawing/2014/main" id="{E20EB187-900F-4AF5-813B-101456D9FD39}"/>
               </a:ext>
               <a:ext uri="{C183D7F6-B498-43B3-948B-1728B52AA6E4}">
-                <adec:decorative xmlns:adec="http://schemas.microsoft.com/office/drawing/2017/decorative" xmlns="" val="1"/>
+                <adec:decorative xmlns="" xmlns:adec="http://schemas.microsoft.com/office/drawing/2017/decorative" val="1"/>
               </a:ext>
             </a:extLst>
           </p:cNvPr>
@@ -4955,10 +4955,10 @@
           <p:cNvPr id="12" name="Straight Connector 11">
             <a:extLst>
               <a:ext uri="{FF2B5EF4-FFF2-40B4-BE49-F238E27FC236}">
-                <a16:creationId xmlns:a16="http://schemas.microsoft.com/office/drawing/2014/main" xmlns="" id="{624D17C8-E9C2-48A4-AA36-D7048A6CCC41}"/>
+                <a16:creationId xmlns="" xmlns:a16="http://schemas.microsoft.com/office/drawing/2014/main" id="{624D17C8-E9C2-48A4-AA36-D7048A6CCC41}"/>
               </a:ext>
               <a:ext uri="{C183D7F6-B498-43B3-948B-1728B52AA6E4}">
-                <adec:decorative xmlns:adec="http://schemas.microsoft.com/office/drawing/2017/decorative" xmlns="" val="1"/>
+                <adec:decorative xmlns="" xmlns:adec="http://schemas.microsoft.com/office/drawing/2017/decorative" val="1"/>
               </a:ext>
             </a:extLst>
           </p:cNvPr>
@@ -21259,36 +21259,6 @@
           <a:chExt cx="0" cy="0"/>
         </a:xfrm>
       </p:grpSpPr>
-      <p:pic>
-        <p:nvPicPr>
-          <p:cNvPr id="42" name="Picture 41"/>
-          <p:cNvPicPr>
-            <a:picLocks noChangeAspect="1"/>
-          </p:cNvPicPr>
-          <p:nvPr/>
-        </p:nvPicPr>
-        <p:blipFill rotWithShape="1">
-          <a:blip r:embed="rId2">
-            <a:alphaModFix/>
-            <a:extLst>
-              <a:ext uri="{28A0092B-C50C-407E-A947-70E740481C1C}">
-                <a14:useLocalDpi xmlns:a14="http://schemas.microsoft.com/office/drawing/2010/main" val="0"/>
-              </a:ext>
-            </a:extLst>
-          </a:blip>
-          <a:srcRect b="2174"/>
-          <a:stretch/>
-        </p:blipFill>
-        <p:spPr>
-          <a:xfrm>
-            <a:off x="20" y="11704"/>
-            <a:ext cx="12191980" cy="6857999"/>
-          </a:xfrm>
-          <a:prstGeom prst="rect">
-            <a:avLst/>
-          </a:prstGeom>
-        </p:spPr>
-      </p:pic>
       <p:sp>
         <p:nvSpPr>
           <p:cNvPr id="5" name="Rectangle 4"/>
@@ -22644,7 +22614,7 @@
           <p:nvPr/>
         </p:nvPicPr>
         <p:blipFill>
-          <a:blip r:embed="rId3">
+          <a:blip r:embed="rId2">
             <a:extLst>
               <a:ext uri="{28A0092B-C50C-407E-A947-70E740481C1C}">
                 <a14:useLocalDpi xmlns:a14="http://schemas.microsoft.com/office/drawing/2010/main" val="0"/>

--- a/lectures/DJ-03-One-To-Many.pptx
+++ b/lectures/DJ-03-One-To-Many.pptx
@@ -235,7 +235,7 @@
           <a:p>
             <a:fld id="{C97B56FC-7D2E-F343-9D09-0D14B00AA564}" type="datetimeFigureOut">
               <a:rPr lang="en-US" smtClean="0"/>
-              <a:t>9/19/19</a:t>
+              <a:t>9/20/19</a:t>
             </a:fld>
             <a:endParaRPr lang="en-US"/>
           </a:p>
@@ -2113,7 +2113,7 @@
           <a:p>
             <a:fld id="{EEE7C04C-7AF8-1445-A186-502B631B934F}" type="datetimeFigureOut">
               <a:rPr lang="en-US" smtClean="0"/>
-              <a:t>9/19/19</a:t>
+              <a:t>9/20/19</a:t>
             </a:fld>
             <a:endParaRPr lang="en-US"/>
           </a:p>
@@ -2278,7 +2278,7 @@
           <a:p>
             <a:fld id="{EEE7C04C-7AF8-1445-A186-502B631B934F}" type="datetimeFigureOut">
               <a:rPr lang="en-US" smtClean="0"/>
-              <a:t>9/19/19</a:t>
+              <a:t>9/20/19</a:t>
             </a:fld>
             <a:endParaRPr lang="en-US"/>
           </a:p>
@@ -2453,7 +2453,7 @@
           <a:p>
             <a:fld id="{EEE7C04C-7AF8-1445-A186-502B631B934F}" type="datetimeFigureOut">
               <a:rPr lang="en-US" smtClean="0"/>
-              <a:t>9/19/19</a:t>
+              <a:t>9/20/19</a:t>
             </a:fld>
             <a:endParaRPr lang="en-US"/>
           </a:p>
@@ -2618,7 +2618,7 @@
           <a:p>
             <a:fld id="{EEE7C04C-7AF8-1445-A186-502B631B934F}" type="datetimeFigureOut">
               <a:rPr lang="en-US" smtClean="0"/>
-              <a:t>9/19/19</a:t>
+              <a:t>9/20/19</a:t>
             </a:fld>
             <a:endParaRPr lang="en-US"/>
           </a:p>
@@ -2859,7 +2859,7 @@
           <a:p>
             <a:fld id="{EEE7C04C-7AF8-1445-A186-502B631B934F}" type="datetimeFigureOut">
               <a:rPr lang="en-US" smtClean="0"/>
-              <a:t>9/19/19</a:t>
+              <a:t>9/20/19</a:t>
             </a:fld>
             <a:endParaRPr lang="en-US"/>
           </a:p>
@@ -3086,7 +3086,7 @@
           <a:p>
             <a:fld id="{EEE7C04C-7AF8-1445-A186-502B631B934F}" type="datetimeFigureOut">
               <a:rPr lang="en-US" smtClean="0"/>
-              <a:t>9/19/19</a:t>
+              <a:t>9/20/19</a:t>
             </a:fld>
             <a:endParaRPr lang="en-US"/>
           </a:p>
@@ -3448,7 +3448,7 @@
           <a:p>
             <a:fld id="{EEE7C04C-7AF8-1445-A186-502B631B934F}" type="datetimeFigureOut">
               <a:rPr lang="en-US" smtClean="0"/>
-              <a:t>9/19/19</a:t>
+              <a:t>9/20/19</a:t>
             </a:fld>
             <a:endParaRPr lang="en-US"/>
           </a:p>
@@ -3561,7 +3561,7 @@
           <a:p>
             <a:fld id="{EEE7C04C-7AF8-1445-A186-502B631B934F}" type="datetimeFigureOut">
               <a:rPr lang="en-US" smtClean="0"/>
-              <a:t>9/19/19</a:t>
+              <a:t>9/20/19</a:t>
             </a:fld>
             <a:endParaRPr lang="en-US"/>
           </a:p>
@@ -3651,7 +3651,7 @@
           <a:p>
             <a:fld id="{EEE7C04C-7AF8-1445-A186-502B631B934F}" type="datetimeFigureOut">
               <a:rPr lang="en-US" smtClean="0"/>
-              <a:t>9/19/19</a:t>
+              <a:t>9/20/19</a:t>
             </a:fld>
             <a:endParaRPr lang="en-US"/>
           </a:p>
@@ -3923,7 +3923,7 @@
           <a:p>
             <a:fld id="{EEE7C04C-7AF8-1445-A186-502B631B934F}" type="datetimeFigureOut">
               <a:rPr lang="en-US" smtClean="0"/>
-              <a:t>9/19/19</a:t>
+              <a:t>9/20/19</a:t>
             </a:fld>
             <a:endParaRPr lang="en-US"/>
           </a:p>
@@ -4175,7 +4175,7 @@
           <a:p>
             <a:fld id="{EEE7C04C-7AF8-1445-A186-502B631B934F}" type="datetimeFigureOut">
               <a:rPr lang="en-US" smtClean="0"/>
-              <a:t>9/19/19</a:t>
+              <a:t>9/20/19</a:t>
             </a:fld>
             <a:endParaRPr lang="en-US"/>
           </a:p>
@@ -4383,7 +4383,7 @@
           <a:p>
             <a:fld id="{EEE7C04C-7AF8-1445-A186-502B631B934F}" type="datetimeFigureOut">
               <a:rPr lang="en-US" smtClean="0"/>
-              <a:t>9/19/19</a:t>
+              <a:t>9/20/19</a:t>
             </a:fld>
             <a:endParaRPr lang="en-US"/>
           </a:p>
@@ -4801,10 +4801,10 @@
           <p:cNvPr id="10" name="Rectangle 9">
             <a:extLst>
               <a:ext uri="{FF2B5EF4-FFF2-40B4-BE49-F238E27FC236}">
-                <a16:creationId xmlns="" xmlns:a16="http://schemas.microsoft.com/office/drawing/2014/main" id="{E20EB187-900F-4AF5-813B-101456D9FD39}"/>
+                <a16:creationId xmlns:a16="http://schemas.microsoft.com/office/drawing/2014/main" xmlns="" id="{E20EB187-900F-4AF5-813B-101456D9FD39}"/>
               </a:ext>
               <a:ext uri="{C183D7F6-B498-43B3-948B-1728B52AA6E4}">
-                <adec:decorative xmlns="" xmlns:adec="http://schemas.microsoft.com/office/drawing/2017/decorative" val="1"/>
+                <adec:decorative xmlns:adec="http://schemas.microsoft.com/office/drawing/2017/decorative" xmlns="" val="1"/>
               </a:ext>
             </a:extLst>
           </p:cNvPr>
@@ -4955,10 +4955,10 @@
           <p:cNvPr id="12" name="Straight Connector 11">
             <a:extLst>
               <a:ext uri="{FF2B5EF4-FFF2-40B4-BE49-F238E27FC236}">
-                <a16:creationId xmlns="" xmlns:a16="http://schemas.microsoft.com/office/drawing/2014/main" id="{624D17C8-E9C2-48A4-AA36-D7048A6CCC41}"/>
+                <a16:creationId xmlns:a16="http://schemas.microsoft.com/office/drawing/2014/main" xmlns="" id="{624D17C8-E9C2-48A4-AA36-D7048A6CCC41}"/>
               </a:ext>
               <a:ext uri="{C183D7F6-B498-43B3-948B-1728B52AA6E4}">
-                <adec:decorative xmlns="" xmlns:adec="http://schemas.microsoft.com/office/drawing/2017/decorative" val="1"/>
+                <adec:decorative xmlns:adec="http://schemas.microsoft.com/office/drawing/2017/decorative" xmlns="" val="1"/>
               </a:ext>
             </a:extLst>
           </p:cNvPr>
@@ -5066,6 +5066,13 @@
   <p:clrMapOvr>
     <a:masterClrMapping/>
   </p:clrMapOvr>
+  <p:timing>
+    <p:tnLst>
+      <p:par>
+        <p:cTn id="1" dur="indefinite" restart="never" nodeType="tmRoot"/>
+      </p:par>
+    </p:tnLst>
+  </p:timing>
 </p:sld>
 </file>
 
@@ -7420,6 +7427,13 @@
   <p:clrMapOvr>
     <a:masterClrMapping/>
   </p:clrMapOvr>
+  <p:timing>
+    <p:tnLst>
+      <p:par>
+        <p:cTn id="1" dur="indefinite" restart="never" nodeType="tmRoot"/>
+      </p:par>
+    </p:tnLst>
+  </p:timing>
 </p:sld>
 </file>
 
@@ -7456,7 +7470,7 @@
         </p:nvGraphicFramePr>
         <p:xfrm>
           <a:off x="1335878" y="957263"/>
-          <a:ext cx="9929819" cy="4869438"/>
+          <a:ext cx="9929819" cy="4843458"/>
         </p:xfrm>
         <a:graphic>
           <a:graphicData uri="http://schemas.openxmlformats.org/drawingml/2006/table">
@@ -10454,6 +10468,13 @@
   <p:clrMapOvr>
     <a:masterClrMapping/>
   </p:clrMapOvr>
+  <p:timing>
+    <p:tnLst>
+      <p:par>
+        <p:cTn id="1" dur="indefinite" restart="never" nodeType="tmRoot"/>
+      </p:par>
+    </p:tnLst>
+  </p:timing>
 </p:sld>
 </file>
 
@@ -11916,6 +11937,13 @@
   <p:clrMapOvr>
     <a:masterClrMapping/>
   </p:clrMapOvr>
+  <p:timing>
+    <p:tnLst>
+      <p:par>
+        <p:cTn id="1" dur="indefinite" restart="never" nodeType="tmRoot"/>
+      </p:par>
+    </p:tnLst>
+  </p:timing>
 </p:sld>
 </file>
 
@@ -13991,6 +14019,13 @@
   <p:clrMapOvr>
     <a:masterClrMapping/>
   </p:clrMapOvr>
+  <p:timing>
+    <p:tnLst>
+      <p:par>
+        <p:cTn id="1" dur="indefinite" restart="never" nodeType="tmRoot"/>
+      </p:par>
+    </p:tnLst>
+  </p:timing>
 </p:sld>
 </file>
 
@@ -16123,6 +16158,13 @@
   <p:clrMapOvr>
     <a:masterClrMapping/>
   </p:clrMapOvr>
+  <p:timing>
+    <p:tnLst>
+      <p:par>
+        <p:cTn id="1" dur="indefinite" restart="never" nodeType="tmRoot"/>
+      </p:par>
+    </p:tnLst>
+  </p:timing>
 </p:sld>
 </file>
 
@@ -18179,6 +18221,13 @@
   <p:clrMapOvr>
     <a:masterClrMapping/>
   </p:clrMapOvr>
+  <p:timing>
+    <p:tnLst>
+      <p:par>
+        <p:cTn id="1" dur="indefinite" restart="never" nodeType="tmRoot"/>
+      </p:par>
+    </p:tnLst>
+  </p:timing>
 </p:sld>
 </file>
 
@@ -20366,6 +20415,13 @@
   <p:clrMapOvr>
     <a:masterClrMapping/>
   </p:clrMapOvr>
+  <p:timing>
+    <p:tnLst>
+      <p:par>
+        <p:cTn id="1" dur="indefinite" restart="never" nodeType="tmRoot"/>
+      </p:par>
+    </p:tnLst>
+  </p:timing>
 </p:sld>
 </file>
 
@@ -22409,8 +22465,8 @@
           <a:p>
             <a:pPr algn="ctr"/>
             <a:r>
-              <a:rPr lang="en-US" dirty="0" err="1" smtClean="0"/>
-              <a:t>model.py</a:t>
+              <a:rPr lang="en-US" smtClean="0"/>
+              <a:t>models.py</a:t>
             </a:r>
             <a:endParaRPr lang="en-US" dirty="0"/>
           </a:p>
@@ -24804,6 +24860,13 @@
   <p:clrMapOvr>
     <a:masterClrMapping/>
   </p:clrMapOvr>
+  <p:timing>
+    <p:tnLst>
+      <p:par>
+        <p:cTn id="1" dur="indefinite" restart="never" nodeType="tmRoot"/>
+      </p:par>
+    </p:tnLst>
+  </p:timing>
 </p:sld>
 </file>
 
@@ -27264,6 +27327,13 @@
   <p:clrMapOvr>
     <a:masterClrMapping/>
   </p:clrMapOvr>
+  <p:timing>
+    <p:tnLst>
+      <p:par>
+        <p:cTn id="1" dur="indefinite" restart="never" nodeType="tmRoot"/>
+      </p:par>
+    </p:tnLst>
+  </p:timing>
 </p:sld>
 </file>
 
@@ -28656,8 +28726,8 @@
         </p:nvSpPr>
         <p:spPr>
           <a:xfrm>
-            <a:off x="785813" y="661989"/>
-            <a:ext cx="8042586" cy="5632311"/>
+            <a:off x="785813" y="1430803"/>
+            <a:ext cx="5285421" cy="3693319"/>
           </a:xfrm>
           <a:prstGeom prst="rect">
             <a:avLst/>
@@ -28848,103 +28918,6 @@
             </a:r>
           </a:p>
           <a:p>
-            <a:r>
-              <a:rPr lang="en-US" b="1" dirty="0">
-                <a:latin typeface="Courier" charset="0"/>
-                <a:ea typeface="Courier" charset="0"/>
-                <a:cs typeface="Courier" charset="0"/>
-              </a:rPr>
-              <a:t>$ </a:t>
-            </a:r>
-            <a:r>
-              <a:rPr lang="en-US" b="1" dirty="0">
-                <a:solidFill>
-                  <a:srgbClr val="FFFF00"/>
-                </a:solidFill>
-                <a:latin typeface="Courier" charset="0"/>
-                <a:ea typeface="Courier" charset="0"/>
-                <a:cs typeface="Courier" charset="0"/>
-              </a:rPr>
-              <a:t>python3 </a:t>
-            </a:r>
-            <a:r>
-              <a:rPr lang="en-US" b="1" dirty="0" err="1">
-                <a:solidFill>
-                  <a:srgbClr val="FFFF00"/>
-                </a:solidFill>
-                <a:latin typeface="Courier" charset="0"/>
-                <a:ea typeface="Courier" charset="0"/>
-                <a:cs typeface="Courier" charset="0"/>
-              </a:rPr>
-              <a:t>manage.py</a:t>
-            </a:r>
-            <a:r>
-              <a:rPr lang="en-US" b="1" dirty="0">
-                <a:solidFill>
-                  <a:srgbClr val="FFFF00"/>
-                </a:solidFill>
-                <a:latin typeface="Courier" charset="0"/>
-                <a:ea typeface="Courier" charset="0"/>
-                <a:cs typeface="Courier" charset="0"/>
-              </a:rPr>
-              <a:t> </a:t>
-            </a:r>
-            <a:r>
-              <a:rPr lang="en-US" b="1" dirty="0" err="1" smtClean="0">
-                <a:solidFill>
-                  <a:srgbClr val="FFFF00"/>
-                </a:solidFill>
-                <a:latin typeface="Courier" charset="0"/>
-                <a:ea typeface="Courier" charset="0"/>
-                <a:cs typeface="Courier" charset="0"/>
-              </a:rPr>
-              <a:t>makemigrations</a:t>
-            </a:r>
-            <a:endParaRPr lang="en-US" b="1" dirty="0" smtClean="0">
-              <a:solidFill>
-                <a:srgbClr val="FFFF00"/>
-              </a:solidFill>
-              <a:latin typeface="Courier" charset="0"/>
-              <a:ea typeface="Courier" charset="0"/>
-              <a:cs typeface="Courier" charset="0"/>
-            </a:endParaRPr>
-          </a:p>
-          <a:p>
-            <a:r>
-              <a:rPr lang="en-US" b="1" dirty="0" smtClean="0">
-                <a:solidFill>
-                  <a:srgbClr val="00FF00"/>
-                </a:solidFill>
-                <a:latin typeface="Courier" charset="0"/>
-                <a:ea typeface="Courier" charset="0"/>
-                <a:cs typeface="Courier" charset="0"/>
-              </a:rPr>
-              <a:t>No </a:t>
-            </a:r>
-            <a:r>
-              <a:rPr lang="en-US" b="1" dirty="0">
-                <a:solidFill>
-                  <a:srgbClr val="00FF00"/>
-                </a:solidFill>
-                <a:latin typeface="Courier" charset="0"/>
-                <a:ea typeface="Courier" charset="0"/>
-                <a:cs typeface="Courier" charset="0"/>
-              </a:rPr>
-              <a:t>changes </a:t>
-            </a:r>
-            <a:r>
-              <a:rPr lang="en-US" b="1" dirty="0" smtClean="0">
-                <a:solidFill>
-                  <a:srgbClr val="00FF00"/>
-                </a:solidFill>
-                <a:latin typeface="Courier" charset="0"/>
-                <a:ea typeface="Courier" charset="0"/>
-                <a:cs typeface="Courier" charset="0"/>
-              </a:rPr>
-              <a:t>detected</a:t>
-            </a:r>
-          </a:p>
-          <a:p>
             <a:endParaRPr lang="en-US" b="1" dirty="0">
               <a:latin typeface="Courier" charset="0"/>
               <a:ea typeface="Courier" charset="0"/>
@@ -29057,181 +29030,7 @@
               </a:rPr>
               <a:t>OK</a:t>
             </a:r>
-          </a:p>
-          <a:p>
-            <a:r>
-              <a:rPr lang="en-US" b="1" dirty="0">
-                <a:latin typeface="Courier" charset="0"/>
-                <a:ea typeface="Courier" charset="0"/>
-                <a:cs typeface="Courier" charset="0"/>
-              </a:rPr>
-              <a:t>$ </a:t>
-            </a:r>
-            <a:r>
-              <a:rPr lang="en-US" b="1" dirty="0">
-                <a:solidFill>
-                  <a:srgbClr val="FFFF00"/>
-                </a:solidFill>
-                <a:latin typeface="Courier" charset="0"/>
-                <a:ea typeface="Courier" charset="0"/>
-                <a:cs typeface="Courier" charset="0"/>
-              </a:rPr>
-              <a:t>python3 </a:t>
-            </a:r>
-            <a:r>
-              <a:rPr lang="en-US" b="1" dirty="0" err="1">
-                <a:solidFill>
-                  <a:srgbClr val="FFFF00"/>
-                </a:solidFill>
-                <a:latin typeface="Courier" charset="0"/>
-                <a:ea typeface="Courier" charset="0"/>
-                <a:cs typeface="Courier" charset="0"/>
-              </a:rPr>
-              <a:t>manage.py</a:t>
-            </a:r>
-            <a:r>
-              <a:rPr lang="en-US" b="1" dirty="0">
-                <a:solidFill>
-                  <a:srgbClr val="FFFF00"/>
-                </a:solidFill>
-                <a:latin typeface="Courier" charset="0"/>
-                <a:ea typeface="Courier" charset="0"/>
-                <a:cs typeface="Courier" charset="0"/>
-              </a:rPr>
-              <a:t> migrate</a:t>
-            </a:r>
-          </a:p>
-          <a:p>
-            <a:r>
-              <a:rPr lang="en-US" b="1" dirty="0">
-                <a:latin typeface="Courier" charset="0"/>
-                <a:ea typeface="Courier" charset="0"/>
-                <a:cs typeface="Courier" charset="0"/>
-              </a:rPr>
-              <a:t>Operations to perform</a:t>
-            </a:r>
-            <a:r>
-              <a:rPr lang="en-US" b="1" dirty="0" smtClean="0">
-                <a:latin typeface="Courier" charset="0"/>
-                <a:ea typeface="Courier" charset="0"/>
-                <a:cs typeface="Courier" charset="0"/>
-              </a:rPr>
-              <a:t>:</a:t>
-            </a:r>
-          </a:p>
-          <a:p>
-            <a:r>
-              <a:rPr lang="en-US" b="1" dirty="0" smtClean="0">
-                <a:latin typeface="Courier" charset="0"/>
-                <a:ea typeface="Courier" charset="0"/>
-                <a:cs typeface="Courier" charset="0"/>
-              </a:rPr>
-              <a:t>  </a:t>
-            </a:r>
-            <a:r>
-              <a:rPr lang="en-US" b="1" dirty="0">
-                <a:latin typeface="Courier" charset="0"/>
-                <a:ea typeface="Courier" charset="0"/>
-                <a:cs typeface="Courier" charset="0"/>
-              </a:rPr>
-              <a:t>Apply all migrations: admin, </a:t>
-            </a:r>
-            <a:r>
-              <a:rPr lang="en-US" b="1" dirty="0" err="1">
-                <a:latin typeface="Courier" charset="0"/>
-                <a:ea typeface="Courier" charset="0"/>
-                <a:cs typeface="Courier" charset="0"/>
-              </a:rPr>
-              <a:t>auth</a:t>
-            </a:r>
-            <a:r>
-              <a:rPr lang="en-US" b="1" dirty="0">
-                <a:latin typeface="Courier" charset="0"/>
-                <a:ea typeface="Courier" charset="0"/>
-                <a:cs typeface="Courier" charset="0"/>
-              </a:rPr>
-              <a:t>, autos, </a:t>
-            </a:r>
-            <a:r>
-              <a:rPr lang="en-US" b="1" dirty="0" err="1">
-                <a:latin typeface="Courier" charset="0"/>
-                <a:ea typeface="Courier" charset="0"/>
-                <a:cs typeface="Courier" charset="0"/>
-              </a:rPr>
-              <a:t>bookone</a:t>
-            </a:r>
-            <a:r>
-              <a:rPr lang="en-US" b="1" dirty="0">
-                <a:latin typeface="Courier" charset="0"/>
-                <a:ea typeface="Courier" charset="0"/>
-                <a:cs typeface="Courier" charset="0"/>
-              </a:rPr>
-              <a:t>, </a:t>
-            </a:r>
-            <a:r>
-              <a:rPr lang="en-US" b="1" dirty="0" smtClean="0">
-                <a:latin typeface="Courier" charset="0"/>
-                <a:ea typeface="Courier" charset="0"/>
-                <a:cs typeface="Courier" charset="0"/>
-              </a:rPr>
-              <a:t>...</a:t>
-            </a:r>
-          </a:p>
-          <a:p>
-            <a:r>
-              <a:rPr lang="en-US" b="1" dirty="0" smtClean="0">
-                <a:latin typeface="Courier" charset="0"/>
-                <a:ea typeface="Courier" charset="0"/>
-                <a:cs typeface="Courier" charset="0"/>
-              </a:rPr>
-              <a:t>Running </a:t>
-            </a:r>
-            <a:r>
-              <a:rPr lang="en-US" b="1" dirty="0">
-                <a:latin typeface="Courier" charset="0"/>
-                <a:ea typeface="Courier" charset="0"/>
-                <a:cs typeface="Courier" charset="0"/>
-              </a:rPr>
-              <a:t>migrations</a:t>
-            </a:r>
-            <a:r>
-              <a:rPr lang="en-US" b="1" dirty="0" smtClean="0">
-                <a:latin typeface="Courier" charset="0"/>
-                <a:ea typeface="Courier" charset="0"/>
-                <a:cs typeface="Courier" charset="0"/>
-              </a:rPr>
-              <a:t>:</a:t>
-            </a:r>
-          </a:p>
-          <a:p>
-            <a:r>
-              <a:rPr lang="en-US" b="1" dirty="0" smtClean="0">
-                <a:latin typeface="Courier" charset="0"/>
-                <a:ea typeface="Courier" charset="0"/>
-                <a:cs typeface="Courier" charset="0"/>
-              </a:rPr>
-              <a:t>  </a:t>
-            </a:r>
-            <a:r>
-              <a:rPr lang="en-US" b="1" dirty="0">
-                <a:solidFill>
-                  <a:srgbClr val="00FF00"/>
-                </a:solidFill>
-                <a:latin typeface="Courier" charset="0"/>
-                <a:ea typeface="Courier" charset="0"/>
-                <a:cs typeface="Courier" charset="0"/>
-              </a:rPr>
-              <a:t>No migrations to apply</a:t>
-            </a:r>
-            <a:r>
-              <a:rPr lang="en-US" b="1" dirty="0" smtClean="0">
-                <a:latin typeface="Courier" charset="0"/>
-                <a:ea typeface="Courier" charset="0"/>
-                <a:cs typeface="Courier" charset="0"/>
-              </a:rPr>
-              <a:t>.</a:t>
-            </a:r>
-            <a:endParaRPr lang="en-US" b="1" dirty="0">
+            <a:endParaRPr lang="en-US" b="1" dirty="0" smtClean="0">
               <a:latin typeface="Courier" charset="0"/>
               <a:ea typeface="Courier" charset="0"/>
               <a:cs typeface="Courier" charset="0"/>
@@ -29387,6 +29186,13 @@
   <p:clrMapOvr>
     <a:masterClrMapping/>
   </p:clrMapOvr>
+  <p:timing>
+    <p:tnLst>
+      <p:par>
+        <p:cTn id="1" dur="indefinite" restart="never" nodeType="tmRoot"/>
+      </p:par>
+    </p:tnLst>
+  </p:timing>
 </p:sld>
 </file>
 
@@ -30746,6 +30552,13 @@
   <p:clrMapOvr>
     <a:masterClrMapping/>
   </p:clrMapOvr>
+  <p:timing>
+    <p:tnLst>
+      <p:par>
+        <p:cTn id="1" dur="indefinite" restart="never" nodeType="tmRoot"/>
+      </p:par>
+    </p:tnLst>
+  </p:timing>
 </p:sld>
 </file>
 
@@ -31650,6 +31463,13 @@
   <p:clrMapOvr>
     <a:masterClrMapping/>
   </p:clrMapOvr>
+  <p:timing>
+    <p:tnLst>
+      <p:par>
+        <p:cTn id="1" dur="indefinite" restart="never" nodeType="tmRoot"/>
+      </p:par>
+    </p:tnLst>
+  </p:timing>
 </p:sld>
 </file>
 
@@ -33538,6 +33358,13 @@
   <p:clrMapOvr>
     <a:masterClrMapping/>
   </p:clrMapOvr>
+  <p:timing>
+    <p:tnLst>
+      <p:par>
+        <p:cTn id="1" dur="indefinite" restart="never" nodeType="tmRoot"/>
+      </p:par>
+    </p:tnLst>
+  </p:timing>
 </p:sld>
 </file>
 
@@ -33610,6 +33437,13 @@
   <p:clrMapOvr>
     <a:masterClrMapping/>
   </p:clrMapOvr>
+  <p:timing>
+    <p:tnLst>
+      <p:par>
+        <p:cTn id="1" dur="indefinite" restart="never" nodeType="tmRoot"/>
+      </p:par>
+    </p:tnLst>
+  </p:timing>
 </p:sld>
 </file>
 
@@ -34133,6 +33967,13 @@
   <p:clrMapOvr>
     <a:masterClrMapping/>
   </p:clrMapOvr>
+  <p:timing>
+    <p:tnLst>
+      <p:par>
+        <p:cTn id="1" dur="indefinite" restart="never" nodeType="tmRoot"/>
+      </p:par>
+    </p:tnLst>
+  </p:timing>
 </p:sld>
 </file>
 
@@ -34184,8 +34025,8 @@
         </p:nvSpPr>
         <p:spPr>
           <a:xfrm>
-            <a:off x="6531137" y="1488279"/>
-            <a:ext cx="5368777" cy="4031873"/>
+            <a:off x="6562523" y="1721912"/>
+            <a:ext cx="4628190" cy="3785652"/>
           </a:xfrm>
           <a:prstGeom prst="rect">
             <a:avLst/>
@@ -34242,7 +34083,7 @@
           </a:p>
           <a:p>
             <a:r>
-              <a:rPr lang="en-US" sz="1600" b="1" dirty="0" smtClean="0">
+              <a:rPr lang="en-US" sz="1600" dirty="0">
                 <a:latin typeface="Courier" charset="0"/>
                 <a:ea typeface="Courier" charset="0"/>
                 <a:cs typeface="Courier" charset="0"/>
@@ -34252,7 +34093,25 @@
           </a:p>
           <a:p>
             <a:r>
-              <a:rPr lang="en-US" sz="1600" b="1" dirty="0" err="1" smtClean="0">
+              <a:rPr lang="en-US" sz="1600" dirty="0" err="1">
+                <a:latin typeface="Courier" charset="0"/>
+                <a:ea typeface="Courier" charset="0"/>
+                <a:cs typeface="Courier" charset="0"/>
+              </a:rPr>
+              <a:t>bookmany</a:t>
+            </a:r>
+            <a:r>
+              <a:rPr lang="en-US" sz="1600" dirty="0">
+                <a:latin typeface="Courier" charset="0"/>
+                <a:ea typeface="Courier" charset="0"/>
+                <a:cs typeface="Courier" charset="0"/>
+              </a:rPr>
+              <a:t>/migrations/0001_initial.py</a:t>
+            </a:r>
+          </a:p>
+          <a:p>
+            <a:r>
+              <a:rPr lang="en-US" sz="1600" dirty="0" err="1">
                 <a:latin typeface="Courier" charset="0"/>
                 <a:ea typeface="Courier" charset="0"/>
                 <a:cs typeface="Courier" charset="0"/>
@@ -34260,7 +34119,7 @@
               <a:t>bookone</a:t>
             </a:r>
             <a:r>
-              <a:rPr lang="en-US" sz="1600" b="1" dirty="0" smtClean="0">
+              <a:rPr lang="en-US" sz="1600" dirty="0">
                 <a:latin typeface="Courier" charset="0"/>
                 <a:ea typeface="Courier" charset="0"/>
                 <a:cs typeface="Courier" charset="0"/>
@@ -34270,7 +34129,7 @@
           </a:p>
           <a:p>
             <a:r>
-              <a:rPr lang="en-US" sz="1600" b="1" dirty="0" smtClean="0">
+              <a:rPr lang="en-US" sz="1600" dirty="0">
                 <a:latin typeface="Courier" charset="0"/>
                 <a:ea typeface="Courier" charset="0"/>
                 <a:cs typeface="Courier" charset="0"/>
@@ -34280,17 +34139,7 @@
           </a:p>
           <a:p>
             <a:r>
-              <a:rPr lang="en-US" sz="1600" b="1" dirty="0" smtClean="0">
-                <a:latin typeface="Courier" charset="0"/>
-                <a:ea typeface="Courier" charset="0"/>
-                <a:cs typeface="Courier" charset="0"/>
-              </a:rPr>
-              <a:t>favs/migrations/0002_auto_20190420_1624.py</a:t>
-            </a:r>
-          </a:p>
-          <a:p>
-            <a:r>
-              <a:rPr lang="en-US" sz="1600" b="1" dirty="0" err="1" smtClean="0">
+              <a:rPr lang="en-US" sz="1600" dirty="0" err="1">
                 <a:latin typeface="Courier" charset="0"/>
                 <a:ea typeface="Courier" charset="0"/>
                 <a:cs typeface="Courier" charset="0"/>
@@ -34298,7 +34147,7 @@
               <a:t>favsql</a:t>
             </a:r>
             <a:r>
-              <a:rPr lang="en-US" sz="1600" b="1" dirty="0" smtClean="0">
+              <a:rPr lang="en-US" sz="1600" dirty="0">
                 <a:latin typeface="Courier" charset="0"/>
                 <a:ea typeface="Courier" charset="0"/>
                 <a:cs typeface="Courier" charset="0"/>
@@ -34308,7 +34157,7 @@
           </a:p>
           <a:p>
             <a:r>
-              <a:rPr lang="en-US" sz="1600" b="1" dirty="0" smtClean="0">
+              <a:rPr lang="en-US" sz="1600" dirty="0">
                 <a:latin typeface="Courier" charset="0"/>
                 <a:ea typeface="Courier" charset="0"/>
                 <a:cs typeface="Courier" charset="0"/>
@@ -34318,7 +34167,7 @@
           </a:p>
           <a:p>
             <a:r>
-              <a:rPr lang="en-US" sz="1600" b="1" dirty="0" err="1" smtClean="0">
+              <a:rPr lang="en-US" sz="1600" dirty="0" err="1">
                 <a:latin typeface="Courier" charset="0"/>
                 <a:ea typeface="Courier" charset="0"/>
                 <a:cs typeface="Courier" charset="0"/>
@@ -34326,7 +34175,7 @@
               <a:t>gview</a:t>
             </a:r>
             <a:r>
-              <a:rPr lang="en-US" sz="1600" b="1" dirty="0" smtClean="0">
+              <a:rPr lang="en-US" sz="1600" dirty="0">
                 <a:latin typeface="Courier" charset="0"/>
                 <a:ea typeface="Courier" charset="0"/>
                 <a:cs typeface="Courier" charset="0"/>
@@ -34336,7 +34185,7 @@
           </a:p>
           <a:p>
             <a:r>
-              <a:rPr lang="en-US" sz="1600" b="1" dirty="0" smtClean="0">
+              <a:rPr lang="en-US" sz="1600" dirty="0">
                 <a:latin typeface="Courier" charset="0"/>
                 <a:ea typeface="Courier" charset="0"/>
                 <a:cs typeface="Courier" charset="0"/>
@@ -34346,17 +34195,7 @@
           </a:p>
           <a:p>
             <a:r>
-              <a:rPr lang="en-US" sz="1600" b="1" dirty="0" smtClean="0">
-                <a:latin typeface="Courier" charset="0"/>
-                <a:ea typeface="Courier" charset="0"/>
-                <a:cs typeface="Courier" charset="0"/>
-              </a:rPr>
-              <a:t>many/migrations/0002_auto_20190329_1653.py</a:t>
-            </a:r>
-          </a:p>
-          <a:p>
-            <a:r>
-              <a:rPr lang="en-US" sz="1600" b="1" dirty="0" err="1" smtClean="0">
+              <a:rPr lang="en-US" sz="1600" dirty="0" err="1">
                 <a:latin typeface="Courier" charset="0"/>
                 <a:ea typeface="Courier" charset="0"/>
                 <a:cs typeface="Courier" charset="0"/>
@@ -34364,7 +34203,7 @@
               <a:t>myarts</a:t>
             </a:r>
             <a:r>
-              <a:rPr lang="en-US" sz="1600" b="1" dirty="0" smtClean="0">
+              <a:rPr lang="en-US" sz="1600" dirty="0">
                 <a:latin typeface="Courier" charset="0"/>
                 <a:ea typeface="Courier" charset="0"/>
                 <a:cs typeface="Courier" charset="0"/>
@@ -34374,7 +34213,7 @@
           </a:p>
           <a:p>
             <a:r>
-              <a:rPr lang="en-US" sz="1600" b="1" dirty="0" smtClean="0">
+              <a:rPr lang="en-US" sz="1600" dirty="0">
                 <a:latin typeface="Courier" charset="0"/>
                 <a:ea typeface="Courier" charset="0"/>
                 <a:cs typeface="Courier" charset="0"/>
@@ -34384,7 +34223,7 @@
           </a:p>
           <a:p>
             <a:r>
-              <a:rPr lang="en-US" sz="1600" b="1" dirty="0" smtClean="0">
+              <a:rPr lang="en-US" sz="1600" dirty="0">
                 <a:latin typeface="Courier" charset="0"/>
                 <a:ea typeface="Courier" charset="0"/>
                 <a:cs typeface="Courier" charset="0"/>
@@ -34394,7 +34233,7 @@
           </a:p>
           <a:p>
             <a:r>
-              <a:rPr lang="en-US" sz="1600" b="1" dirty="0" smtClean="0">
+              <a:rPr lang="en-US" sz="1600" dirty="0">
                 <a:latin typeface="Courier" charset="0"/>
                 <a:ea typeface="Courier" charset="0"/>
                 <a:cs typeface="Courier" charset="0"/>
@@ -34404,7 +34243,7 @@
           </a:p>
           <a:p>
             <a:r>
-              <a:rPr lang="en-US" sz="1600" b="1" dirty="0" smtClean="0">
+              <a:rPr lang="en-US" sz="1600" dirty="0" smtClean="0">
                 <a:latin typeface="Courier" charset="0"/>
                 <a:ea typeface="Courier" charset="0"/>
                 <a:cs typeface="Courier" charset="0"/>
@@ -35089,6 +34928,13 @@
   <p:clrMapOvr>
     <a:masterClrMapping/>
   </p:clrMapOvr>
+  <p:timing>
+    <p:tnLst>
+      <p:par>
+        <p:cTn id="1" dur="indefinite" restart="never" nodeType="tmRoot"/>
+      </p:par>
+    </p:tnLst>
+  </p:timing>
 </p:sld>
 </file>
 
@@ -35129,265 +34975,6 @@
               <a:t>migrate</a:t>
             </a:r>
             <a:endParaRPr lang="en-US" dirty="0"/>
-          </a:p>
-        </p:txBody>
-      </p:sp>
-      <p:sp>
-        <p:nvSpPr>
-          <p:cNvPr id="4" name="TextBox 3"/>
-          <p:cNvSpPr txBox="1"/>
-          <p:nvPr/>
-        </p:nvSpPr>
-        <p:spPr>
-          <a:xfrm>
-            <a:off x="589110" y="1473992"/>
-            <a:ext cx="5368777" cy="4031873"/>
-          </a:xfrm>
-          <a:prstGeom prst="rect">
-            <a:avLst/>
-          </a:prstGeom>
-          <a:noFill/>
-        </p:spPr>
-        <p:txBody>
-          <a:bodyPr wrap="none" rtlCol="0">
-            <a:spAutoFit/>
-          </a:bodyPr>
-          <a:lstStyle/>
-          <a:p>
-            <a:r>
-              <a:rPr lang="en-US" sz="1600" b="1" dirty="0" smtClean="0">
-                <a:solidFill>
-                  <a:srgbClr val="00FDFF"/>
-                </a:solidFill>
-                <a:latin typeface="Courier" charset="0"/>
-                <a:ea typeface="Courier" charset="0"/>
-                <a:cs typeface="Courier" charset="0"/>
-              </a:rPr>
-              <a:t>dj4e-samples$ </a:t>
-            </a:r>
-            <a:r>
-              <a:rPr lang="en-US" sz="1600" b="1" dirty="0" smtClean="0">
-                <a:solidFill>
-                  <a:srgbClr val="FFFF00"/>
-                </a:solidFill>
-                <a:latin typeface="Courier" charset="0"/>
-                <a:ea typeface="Courier" charset="0"/>
-                <a:cs typeface="Courier" charset="0"/>
-              </a:rPr>
-              <a:t>ls  */migrations/0*.</a:t>
-            </a:r>
-            <a:r>
-              <a:rPr lang="en-US" sz="1600" b="1" dirty="0" err="1" smtClean="0">
-                <a:solidFill>
-                  <a:srgbClr val="FFFF00"/>
-                </a:solidFill>
-                <a:latin typeface="Courier" charset="0"/>
-                <a:ea typeface="Courier" charset="0"/>
-                <a:cs typeface="Courier" charset="0"/>
-              </a:rPr>
-              <a:t>py</a:t>
-            </a:r>
-            <a:endParaRPr lang="en-US" sz="1600" b="1" dirty="0" smtClean="0">
-              <a:solidFill>
-                <a:srgbClr val="FFFF00"/>
-              </a:solidFill>
-              <a:latin typeface="Courier" charset="0"/>
-              <a:ea typeface="Courier" charset="0"/>
-              <a:cs typeface="Courier" charset="0"/>
-            </a:endParaRPr>
-          </a:p>
-          <a:p>
-            <a:r>
-              <a:rPr lang="en-US" sz="1600" b="1" dirty="0" smtClean="0">
-                <a:latin typeface="Courier" charset="0"/>
-                <a:ea typeface="Courier" charset="0"/>
-                <a:cs typeface="Courier" charset="0"/>
-              </a:rPr>
-              <a:t>autos/migrations/0001_initial.py</a:t>
-            </a:r>
-          </a:p>
-          <a:p>
-            <a:r>
-              <a:rPr lang="en-US" sz="1600" b="1" dirty="0" err="1" smtClean="0">
-                <a:latin typeface="Courier" charset="0"/>
-                <a:ea typeface="Courier" charset="0"/>
-                <a:cs typeface="Courier" charset="0"/>
-              </a:rPr>
-              <a:t>bookone</a:t>
-            </a:r>
-            <a:r>
-              <a:rPr lang="en-US" sz="1600" b="1" dirty="0" smtClean="0">
-                <a:latin typeface="Courier" charset="0"/>
-                <a:ea typeface="Courier" charset="0"/>
-                <a:cs typeface="Courier" charset="0"/>
-              </a:rPr>
-              <a:t>/migrations/0001_initial.py</a:t>
-            </a:r>
-          </a:p>
-          <a:p>
-            <a:r>
-              <a:rPr lang="en-US" sz="1600" b="1" dirty="0" smtClean="0">
-                <a:latin typeface="Courier" charset="0"/>
-                <a:ea typeface="Courier" charset="0"/>
-                <a:cs typeface="Courier" charset="0"/>
-              </a:rPr>
-              <a:t>favs/migrations/0001_initial.py</a:t>
-            </a:r>
-          </a:p>
-          <a:p>
-            <a:r>
-              <a:rPr lang="en-US" sz="1600" b="1" dirty="0" smtClean="0">
-                <a:latin typeface="Courier" charset="0"/>
-                <a:ea typeface="Courier" charset="0"/>
-                <a:cs typeface="Courier" charset="0"/>
-              </a:rPr>
-              <a:t>favs/migrations/0002_auto_20190420_1624.py</a:t>
-            </a:r>
-          </a:p>
-          <a:p>
-            <a:r>
-              <a:rPr lang="en-US" sz="1600" b="1" dirty="0" err="1" smtClean="0">
-                <a:latin typeface="Courier" charset="0"/>
-                <a:ea typeface="Courier" charset="0"/>
-                <a:cs typeface="Courier" charset="0"/>
-              </a:rPr>
-              <a:t>favsql</a:t>
-            </a:r>
-            <a:r>
-              <a:rPr lang="en-US" sz="1600" b="1" dirty="0" smtClean="0">
-                <a:latin typeface="Courier" charset="0"/>
-                <a:ea typeface="Courier" charset="0"/>
-                <a:cs typeface="Courier" charset="0"/>
-              </a:rPr>
-              <a:t>/migrations/0001_initial.py</a:t>
-            </a:r>
-          </a:p>
-          <a:p>
-            <a:r>
-              <a:rPr lang="en-US" sz="1600" b="1" dirty="0" smtClean="0">
-                <a:latin typeface="Courier" charset="0"/>
-                <a:ea typeface="Courier" charset="0"/>
-                <a:cs typeface="Courier" charset="0"/>
-              </a:rPr>
-              <a:t>forums/migrations/0001_initial.py</a:t>
-            </a:r>
-          </a:p>
-          <a:p>
-            <a:r>
-              <a:rPr lang="en-US" sz="1600" b="1" dirty="0" err="1" smtClean="0">
-                <a:latin typeface="Courier" charset="0"/>
-                <a:ea typeface="Courier" charset="0"/>
-                <a:cs typeface="Courier" charset="0"/>
-              </a:rPr>
-              <a:t>gview</a:t>
-            </a:r>
-            <a:r>
-              <a:rPr lang="en-US" sz="1600" b="1" dirty="0" smtClean="0">
-                <a:latin typeface="Courier" charset="0"/>
-                <a:ea typeface="Courier" charset="0"/>
-                <a:cs typeface="Courier" charset="0"/>
-              </a:rPr>
-              <a:t>/migrations/0001_initial.py</a:t>
-            </a:r>
-          </a:p>
-          <a:p>
-            <a:r>
-              <a:rPr lang="en-US" sz="1600" b="1" dirty="0" smtClean="0">
-                <a:latin typeface="Courier" charset="0"/>
-                <a:ea typeface="Courier" charset="0"/>
-                <a:cs typeface="Courier" charset="0"/>
-              </a:rPr>
-              <a:t>many/migrations/0001_initial.py</a:t>
-            </a:r>
-          </a:p>
-          <a:p>
-            <a:r>
-              <a:rPr lang="en-US" sz="1600" b="1" dirty="0" smtClean="0">
-                <a:latin typeface="Courier" charset="0"/>
-                <a:ea typeface="Courier" charset="0"/>
-                <a:cs typeface="Courier" charset="0"/>
-              </a:rPr>
-              <a:t>many/migrations/0002_auto_20190329_1653.py</a:t>
-            </a:r>
-          </a:p>
-          <a:p>
-            <a:r>
-              <a:rPr lang="en-US" sz="1600" b="1" dirty="0" err="1" smtClean="0">
-                <a:latin typeface="Courier" charset="0"/>
-                <a:ea typeface="Courier" charset="0"/>
-                <a:cs typeface="Courier" charset="0"/>
-              </a:rPr>
-              <a:t>myarts</a:t>
-            </a:r>
-            <a:r>
-              <a:rPr lang="en-US" sz="1600" b="1" dirty="0" smtClean="0">
-                <a:latin typeface="Courier" charset="0"/>
-                <a:ea typeface="Courier" charset="0"/>
-                <a:cs typeface="Courier" charset="0"/>
-              </a:rPr>
-              <a:t>/migrations/0001_initial.py</a:t>
-            </a:r>
-          </a:p>
-          <a:p>
-            <a:r>
-              <a:rPr lang="en-US" sz="1600" b="1" dirty="0" smtClean="0">
-                <a:latin typeface="Courier" charset="0"/>
-                <a:ea typeface="Courier" charset="0"/>
-                <a:cs typeface="Courier" charset="0"/>
-              </a:rPr>
-              <a:t>pics/migrations/0001_initial.py</a:t>
-            </a:r>
-          </a:p>
-          <a:p>
-            <a:r>
-              <a:rPr lang="en-US" sz="1600" b="1" dirty="0" smtClean="0">
-                <a:latin typeface="Courier" charset="0"/>
-                <a:ea typeface="Courier" charset="0"/>
-                <a:cs typeface="Courier" charset="0"/>
-              </a:rPr>
-              <a:t>rest/migrations/0001_initial.py</a:t>
-            </a:r>
-          </a:p>
-          <a:p>
-            <a:r>
-              <a:rPr lang="en-US" sz="1600" b="1" dirty="0" smtClean="0">
-                <a:latin typeface="Courier" charset="0"/>
-                <a:ea typeface="Courier" charset="0"/>
-                <a:cs typeface="Courier" charset="0"/>
-              </a:rPr>
-              <a:t>tracks/migrations/0001_initial.py</a:t>
-            </a:r>
-          </a:p>
-          <a:p>
-            <a:r>
-              <a:rPr lang="en-US" sz="1600" b="1" dirty="0" smtClean="0">
-                <a:latin typeface="Courier" charset="0"/>
-                <a:ea typeface="Courier" charset="0"/>
-                <a:cs typeface="Courier" charset="0"/>
-              </a:rPr>
-              <a:t>users/migrations/0001_initial.py</a:t>
-            </a:r>
-          </a:p>
-          <a:p>
-            <a:r>
-              <a:rPr lang="en-US" sz="1600" b="1" dirty="0" smtClean="0">
-                <a:solidFill>
-                  <a:srgbClr val="00FDFF"/>
-                </a:solidFill>
-                <a:latin typeface="Courier" charset="0"/>
-                <a:ea typeface="Courier" charset="0"/>
-                <a:cs typeface="Courier" charset="0"/>
-              </a:rPr>
-              <a:t>dj4e-samples$</a:t>
-            </a:r>
-            <a:endParaRPr lang="en-US" sz="1600" b="1" dirty="0">
-              <a:solidFill>
-                <a:srgbClr val="00FDFF"/>
-              </a:solidFill>
-              <a:latin typeface="Courier" charset="0"/>
-              <a:ea typeface="Courier" charset="0"/>
-              <a:cs typeface="Courier" charset="0"/>
-            </a:endParaRPr>
           </a:p>
         </p:txBody>
       </p:sp>
@@ -36423,6 +36010,263 @@
           </a:p>
         </p:txBody>
       </p:sp>
+      <p:sp>
+        <p:nvSpPr>
+          <p:cNvPr id="8" name="TextBox 7"/>
+          <p:cNvSpPr txBox="1"/>
+          <p:nvPr/>
+        </p:nvSpPr>
+        <p:spPr>
+          <a:xfrm>
+            <a:off x="838200" y="1731870"/>
+            <a:ext cx="4628190" cy="3785652"/>
+          </a:xfrm>
+          <a:prstGeom prst="rect">
+            <a:avLst/>
+          </a:prstGeom>
+          <a:noFill/>
+        </p:spPr>
+        <p:txBody>
+          <a:bodyPr wrap="none" rtlCol="0">
+            <a:spAutoFit/>
+          </a:bodyPr>
+          <a:lstStyle/>
+          <a:p>
+            <a:r>
+              <a:rPr lang="en-US" sz="1600" b="1" dirty="0" smtClean="0">
+                <a:solidFill>
+                  <a:srgbClr val="00FDFF"/>
+                </a:solidFill>
+                <a:latin typeface="Courier" charset="0"/>
+                <a:ea typeface="Courier" charset="0"/>
+                <a:cs typeface="Courier" charset="0"/>
+              </a:rPr>
+              <a:t>dj4e-samples$ </a:t>
+            </a:r>
+            <a:r>
+              <a:rPr lang="en-US" sz="1600" b="1" dirty="0" smtClean="0">
+                <a:solidFill>
+                  <a:srgbClr val="FFFF00"/>
+                </a:solidFill>
+                <a:latin typeface="Courier" charset="0"/>
+                <a:ea typeface="Courier" charset="0"/>
+                <a:cs typeface="Courier" charset="0"/>
+              </a:rPr>
+              <a:t>ls  */migrations/0*.</a:t>
+            </a:r>
+            <a:r>
+              <a:rPr lang="en-US" sz="1600" b="1" dirty="0" err="1" smtClean="0">
+                <a:solidFill>
+                  <a:srgbClr val="FFFF00"/>
+                </a:solidFill>
+                <a:latin typeface="Courier" charset="0"/>
+                <a:ea typeface="Courier" charset="0"/>
+                <a:cs typeface="Courier" charset="0"/>
+              </a:rPr>
+              <a:t>py</a:t>
+            </a:r>
+            <a:endParaRPr lang="en-US" sz="1600" b="1" dirty="0" smtClean="0">
+              <a:solidFill>
+                <a:srgbClr val="FFFF00"/>
+              </a:solidFill>
+              <a:latin typeface="Courier" charset="0"/>
+              <a:ea typeface="Courier" charset="0"/>
+              <a:cs typeface="Courier" charset="0"/>
+            </a:endParaRPr>
+          </a:p>
+          <a:p>
+            <a:r>
+              <a:rPr lang="en-US" sz="1600" dirty="0">
+                <a:latin typeface="Courier" charset="0"/>
+                <a:ea typeface="Courier" charset="0"/>
+                <a:cs typeface="Courier" charset="0"/>
+              </a:rPr>
+              <a:t>autos/migrations/0001_initial.py</a:t>
+            </a:r>
+          </a:p>
+          <a:p>
+            <a:r>
+              <a:rPr lang="en-US" sz="1600" dirty="0" err="1">
+                <a:latin typeface="Courier" charset="0"/>
+                <a:ea typeface="Courier" charset="0"/>
+                <a:cs typeface="Courier" charset="0"/>
+              </a:rPr>
+              <a:t>bookmany</a:t>
+            </a:r>
+            <a:r>
+              <a:rPr lang="en-US" sz="1600" dirty="0">
+                <a:latin typeface="Courier" charset="0"/>
+                <a:ea typeface="Courier" charset="0"/>
+                <a:cs typeface="Courier" charset="0"/>
+              </a:rPr>
+              <a:t>/migrations/0001_initial.py</a:t>
+            </a:r>
+          </a:p>
+          <a:p>
+            <a:r>
+              <a:rPr lang="en-US" sz="1600" dirty="0" err="1">
+                <a:latin typeface="Courier" charset="0"/>
+                <a:ea typeface="Courier" charset="0"/>
+                <a:cs typeface="Courier" charset="0"/>
+              </a:rPr>
+              <a:t>bookone</a:t>
+            </a:r>
+            <a:r>
+              <a:rPr lang="en-US" sz="1600" dirty="0">
+                <a:latin typeface="Courier" charset="0"/>
+                <a:ea typeface="Courier" charset="0"/>
+                <a:cs typeface="Courier" charset="0"/>
+              </a:rPr>
+              <a:t>/migrations/0001_initial.py</a:t>
+            </a:r>
+          </a:p>
+          <a:p>
+            <a:r>
+              <a:rPr lang="en-US" sz="1600" dirty="0">
+                <a:latin typeface="Courier" charset="0"/>
+                <a:ea typeface="Courier" charset="0"/>
+                <a:cs typeface="Courier" charset="0"/>
+              </a:rPr>
+              <a:t>favs/migrations/0001_initial.py</a:t>
+            </a:r>
+          </a:p>
+          <a:p>
+            <a:r>
+              <a:rPr lang="en-US" sz="1600" dirty="0" err="1">
+                <a:latin typeface="Courier" charset="0"/>
+                <a:ea typeface="Courier" charset="0"/>
+                <a:cs typeface="Courier" charset="0"/>
+              </a:rPr>
+              <a:t>favsql</a:t>
+            </a:r>
+            <a:r>
+              <a:rPr lang="en-US" sz="1600" dirty="0">
+                <a:latin typeface="Courier" charset="0"/>
+                <a:ea typeface="Courier" charset="0"/>
+                <a:cs typeface="Courier" charset="0"/>
+              </a:rPr>
+              <a:t>/migrations/0001_initial.py</a:t>
+            </a:r>
+          </a:p>
+          <a:p>
+            <a:r>
+              <a:rPr lang="en-US" sz="1600" dirty="0">
+                <a:latin typeface="Courier" charset="0"/>
+                <a:ea typeface="Courier" charset="0"/>
+                <a:cs typeface="Courier" charset="0"/>
+              </a:rPr>
+              <a:t>forums/migrations/0001_initial.py</a:t>
+            </a:r>
+          </a:p>
+          <a:p>
+            <a:r>
+              <a:rPr lang="en-US" sz="1600" dirty="0" err="1">
+                <a:latin typeface="Courier" charset="0"/>
+                <a:ea typeface="Courier" charset="0"/>
+                <a:cs typeface="Courier" charset="0"/>
+              </a:rPr>
+              <a:t>gview</a:t>
+            </a:r>
+            <a:r>
+              <a:rPr lang="en-US" sz="1600" dirty="0">
+                <a:latin typeface="Courier" charset="0"/>
+                <a:ea typeface="Courier" charset="0"/>
+                <a:cs typeface="Courier" charset="0"/>
+              </a:rPr>
+              <a:t>/migrations/0001_initial.py</a:t>
+            </a:r>
+          </a:p>
+          <a:p>
+            <a:r>
+              <a:rPr lang="en-US" sz="1600" dirty="0">
+                <a:latin typeface="Courier" charset="0"/>
+                <a:ea typeface="Courier" charset="0"/>
+                <a:cs typeface="Courier" charset="0"/>
+              </a:rPr>
+              <a:t>many/migrations/0001_initial.py</a:t>
+            </a:r>
+          </a:p>
+          <a:p>
+            <a:r>
+              <a:rPr lang="en-US" sz="1600" dirty="0" err="1">
+                <a:latin typeface="Courier" charset="0"/>
+                <a:ea typeface="Courier" charset="0"/>
+                <a:cs typeface="Courier" charset="0"/>
+              </a:rPr>
+              <a:t>myarts</a:t>
+            </a:r>
+            <a:r>
+              <a:rPr lang="en-US" sz="1600" dirty="0">
+                <a:latin typeface="Courier" charset="0"/>
+                <a:ea typeface="Courier" charset="0"/>
+                <a:cs typeface="Courier" charset="0"/>
+              </a:rPr>
+              <a:t>/migrations/0001_initial.py</a:t>
+            </a:r>
+          </a:p>
+          <a:p>
+            <a:r>
+              <a:rPr lang="en-US" sz="1600" dirty="0">
+                <a:latin typeface="Courier" charset="0"/>
+                <a:ea typeface="Courier" charset="0"/>
+                <a:cs typeface="Courier" charset="0"/>
+              </a:rPr>
+              <a:t>pics/migrations/0001_initial.py</a:t>
+            </a:r>
+          </a:p>
+          <a:p>
+            <a:r>
+              <a:rPr lang="en-US" sz="1600" dirty="0">
+                <a:latin typeface="Courier" charset="0"/>
+                <a:ea typeface="Courier" charset="0"/>
+                <a:cs typeface="Courier" charset="0"/>
+              </a:rPr>
+              <a:t>rest/migrations/0001_initial.py</a:t>
+            </a:r>
+          </a:p>
+          <a:p>
+            <a:r>
+              <a:rPr lang="en-US" sz="1600" dirty="0">
+                <a:latin typeface="Courier" charset="0"/>
+                <a:ea typeface="Courier" charset="0"/>
+                <a:cs typeface="Courier" charset="0"/>
+              </a:rPr>
+              <a:t>tracks/migrations/0001_initial.py</a:t>
+            </a:r>
+          </a:p>
+          <a:p>
+            <a:r>
+              <a:rPr lang="en-US" sz="1600" dirty="0" smtClean="0">
+                <a:latin typeface="Courier" charset="0"/>
+                <a:ea typeface="Courier" charset="0"/>
+                <a:cs typeface="Courier" charset="0"/>
+              </a:rPr>
+              <a:t>users/migrations/0001_initial.py</a:t>
+            </a:r>
+          </a:p>
+          <a:p>
+            <a:r>
+              <a:rPr lang="en-US" sz="1600" b="1" dirty="0" smtClean="0">
+                <a:solidFill>
+                  <a:srgbClr val="00FDFF"/>
+                </a:solidFill>
+                <a:latin typeface="Courier" charset="0"/>
+                <a:ea typeface="Courier" charset="0"/>
+                <a:cs typeface="Courier" charset="0"/>
+              </a:rPr>
+              <a:t>dj4e-samples$</a:t>
+            </a:r>
+            <a:endParaRPr lang="en-US" sz="1600" b="1" dirty="0">
+              <a:solidFill>
+                <a:srgbClr val="00FDFF"/>
+              </a:solidFill>
+              <a:latin typeface="Courier" charset="0"/>
+              <a:ea typeface="Courier" charset="0"/>
+              <a:cs typeface="Courier" charset="0"/>
+            </a:endParaRPr>
+          </a:p>
+        </p:txBody>
+      </p:sp>
     </p:spTree>
     <p:extLst>
       <p:ext uri="{BB962C8B-B14F-4D97-AF65-F5344CB8AC3E}">
@@ -36433,6 +36277,13 @@
   <p:clrMapOvr>
     <a:masterClrMapping/>
   </p:clrMapOvr>
+  <p:timing>
+    <p:tnLst>
+      <p:par>
+        <p:cTn id="1" dur="indefinite" restart="never" nodeType="tmRoot"/>
+      </p:par>
+    </p:tnLst>
+  </p:timing>
 </p:sld>
 </file>
 
@@ -36754,6 +36605,13 @@
   <p:clrMapOvr>
     <a:masterClrMapping/>
   </p:clrMapOvr>
+  <p:timing>
+    <p:tnLst>
+      <p:par>
+        <p:cTn id="1" dur="indefinite" restart="never" nodeType="tmRoot"/>
+      </p:par>
+    </p:tnLst>
+  </p:timing>
 </p:sld>
 </file>
 
@@ -37391,6 +37249,13 @@
   <p:clrMapOvr>
     <a:masterClrMapping/>
   </p:clrMapOvr>
+  <p:timing>
+    <p:tnLst>
+      <p:par>
+        <p:cTn id="1" dur="indefinite" restart="never" nodeType="tmRoot"/>
+      </p:par>
+    </p:tnLst>
+  </p:timing>
 </p:sld>
 </file>
 
@@ -37470,6 +37335,13 @@
   <p:clrMapOvr>
     <a:masterClrMapping/>
   </p:clrMapOvr>
+  <p:timing>
+    <p:tnLst>
+      <p:par>
+        <p:cTn id="1" dur="indefinite" restart="never" nodeType="tmRoot"/>
+      </p:par>
+    </p:tnLst>
+  </p:timing>
 </p:sld>
 </file>
 
@@ -37499,7 +37371,7 @@
         <p:spPr>
           <a:xfrm>
             <a:off x="314326" y="604837"/>
-            <a:ext cx="8472488" cy="5078313"/>
+            <a:ext cx="8472488" cy="4801314"/>
           </a:xfrm>
           <a:prstGeom prst="rect">
             <a:avLst/>
@@ -37639,26 +37511,8 @@
               </a:rPr>
               <a:t> import Book, </a:t>
             </a:r>
-            <a:endParaRPr lang="en-US" dirty="0" smtClean="0">
-              <a:solidFill>
-                <a:srgbClr val="FFFF00"/>
-              </a:solidFill>
-              <a:latin typeface="Courier" charset="0"/>
-              <a:ea typeface="Courier" charset="0"/>
-              <a:cs typeface="Courier" charset="0"/>
-            </a:endParaRPr>
-          </a:p>
-          <a:p>
             <a:r>
               <a:rPr lang="en-US" dirty="0" smtClean="0">
-                <a:latin typeface="Courier" charset="0"/>
-                <a:ea typeface="Courier" charset="0"/>
-                <a:cs typeface="Courier" charset="0"/>
-              </a:rPr>
-              <a:t>...</a:t>
-            </a:r>
-            <a:r>
-              <a:rPr lang="en-US" dirty="0" smtClean="0">
                 <a:solidFill>
                   <a:srgbClr val="FFFF00"/>
                 </a:solidFill>
@@ -37666,7 +37520,7 @@
                 <a:ea typeface="Courier" charset="0"/>
                 <a:cs typeface="Courier" charset="0"/>
               </a:rPr>
-              <a:t> Lang</a:t>
+              <a:t>Lang</a:t>
             </a:r>
             <a:r>
               <a:rPr lang="en-US" dirty="0">
@@ -38381,7 +38235,7 @@
         </p:nvGrpSpPr>
         <p:grpSpPr>
           <a:xfrm>
-            <a:off x="7243762" y="726214"/>
+            <a:off x="7634287" y="762073"/>
             <a:ext cx="4557713" cy="4883781"/>
             <a:chOff x="7243762" y="726214"/>
             <a:chExt cx="4557713" cy="4883781"/>
@@ -38585,6 +38439,13 @@
   <p:clrMapOvr>
     <a:masterClrMapping/>
   </p:clrMapOvr>
+  <p:timing>
+    <p:tnLst>
+      <p:par>
+        <p:cTn id="1" dur="indefinite" restart="never" nodeType="tmRoot"/>
+      </p:par>
+    </p:tnLst>
+  </p:timing>
 </p:sld>
 </file>
 
@@ -38613,8 +38474,8 @@
         </p:nvSpPr>
         <p:spPr>
           <a:xfrm>
-            <a:off x="814388" y="759559"/>
-            <a:ext cx="5786437" cy="5078313"/>
+            <a:off x="308302" y="587178"/>
+            <a:ext cx="7447430" cy="5355312"/>
           </a:xfrm>
           <a:prstGeom prst="rect">
             <a:avLst/>
@@ -38773,20 +38634,10 @@
                 <a:ea typeface="Courier" charset="0"/>
                 <a:cs typeface="Courier" charset="0"/>
               </a:rPr>
-              <a:t> import Book, </a:t>
-            </a:r>
-          </a:p>
-          <a:p>
+              <a:t> import </a:t>
+            </a:r>
             <a:r>
               <a:rPr lang="en-US" dirty="0" smtClean="0">
-                <a:latin typeface="Courier" charset="0"/>
-                <a:ea typeface="Courier" charset="0"/>
-                <a:cs typeface="Courier" charset="0"/>
-              </a:rPr>
-              <a:t>...</a:t>
-            </a:r>
-            <a:r>
-              <a:rPr lang="en-US" dirty="0" smtClean="0">
                 <a:solidFill>
                   <a:srgbClr val="FFFF00"/>
                 </a:solidFill>
@@ -38794,7 +38645,7 @@
                 <a:ea typeface="Courier" charset="0"/>
                 <a:cs typeface="Courier" charset="0"/>
               </a:rPr>
-              <a:t> Lang</a:t>
+              <a:t>Book, Lang</a:t>
             </a:r>
             <a:r>
               <a:rPr lang="en-US" dirty="0">
@@ -39253,8 +39104,103 @@
                 <a:ea typeface="Courier" charset="0"/>
                 <a:cs typeface="Courier" charset="0"/>
               </a:rPr>
-              <a:t>'PY4E'</a:t>
-            </a:r>
+              <a:t>'PY4E</a:t>
+            </a:r>
+            <a:r>
+              <a:rPr lang="mr-IN" dirty="0" smtClean="0">
+                <a:latin typeface="Courier" charset="0"/>
+                <a:ea typeface="Courier" charset="0"/>
+                <a:cs typeface="Courier" charset="0"/>
+              </a:rPr>
+              <a:t>'</a:t>
+            </a:r>
+            <a:endParaRPr lang="en-US" dirty="0" smtClean="0">
+              <a:latin typeface="Courier" charset="0"/>
+              <a:ea typeface="Courier" charset="0"/>
+              <a:cs typeface="Courier" charset="0"/>
+            </a:endParaRPr>
+          </a:p>
+          <a:p>
+            <a:r>
+              <a:rPr lang="en-US" dirty="0">
+                <a:latin typeface="Courier" charset="0"/>
+                <a:ea typeface="Courier" charset="0"/>
+                <a:cs typeface="Courier" charset="0"/>
+              </a:rPr>
+              <a:t>&gt;&gt;&gt; </a:t>
+            </a:r>
+            <a:r>
+              <a:rPr lang="en-US" dirty="0" err="1">
+                <a:solidFill>
+                  <a:srgbClr val="FFFF00"/>
+                </a:solidFill>
+                <a:latin typeface="Courier" charset="0"/>
+                <a:ea typeface="Courier" charset="0"/>
+                <a:cs typeface="Courier" charset="0"/>
+              </a:rPr>
+              <a:t>x.</a:t>
+            </a:r>
+            <a:r>
+              <a:rPr lang="en-US" dirty="0" err="1">
+                <a:solidFill>
+                  <a:srgbClr val="FF40FF"/>
+                </a:solidFill>
+                <a:latin typeface="Courier" charset="0"/>
+                <a:ea typeface="Courier" charset="0"/>
+                <a:cs typeface="Courier" charset="0"/>
+              </a:rPr>
+              <a:t>lang</a:t>
+            </a:r>
+            <a:r>
+              <a:rPr lang="en-US" dirty="0" err="1">
+                <a:solidFill>
+                  <a:srgbClr val="FFFF00"/>
+                </a:solidFill>
+                <a:latin typeface="Courier" charset="0"/>
+                <a:ea typeface="Courier" charset="0"/>
+                <a:cs typeface="Courier" charset="0"/>
+              </a:rPr>
+              <a:t>.name</a:t>
+            </a:r>
+            <a:endParaRPr lang="en-US" dirty="0">
+              <a:solidFill>
+                <a:srgbClr val="FFFF00"/>
+              </a:solidFill>
+              <a:latin typeface="Courier" charset="0"/>
+              <a:ea typeface="Courier" charset="0"/>
+              <a:cs typeface="Courier" charset="0"/>
+            </a:endParaRPr>
+          </a:p>
+          <a:p>
+            <a:r>
+              <a:rPr lang="mr-IN" dirty="0">
+                <a:latin typeface="Courier" charset="0"/>
+                <a:ea typeface="Courier" charset="0"/>
+                <a:cs typeface="Courier" charset="0"/>
+              </a:rPr>
+              <a:t>'</a:t>
+            </a:r>
+            <a:r>
+              <a:rPr lang="mr-IN" dirty="0" err="1">
+                <a:latin typeface="Courier" charset="0"/>
+                <a:ea typeface="Courier" charset="0"/>
+                <a:cs typeface="Courier" charset="0"/>
+              </a:rPr>
+              <a:t>en</a:t>
+            </a:r>
+            <a:r>
+              <a:rPr lang="mr-IN" dirty="0" smtClean="0">
+                <a:latin typeface="Courier" charset="0"/>
+                <a:ea typeface="Courier" charset="0"/>
+                <a:cs typeface="Courier" charset="0"/>
+              </a:rPr>
+              <a:t>'</a:t>
+            </a:r>
+            <a:endParaRPr lang="mr-IN" dirty="0">
+              <a:latin typeface="Courier" charset="0"/>
+              <a:ea typeface="Courier" charset="0"/>
+              <a:cs typeface="Courier" charset="0"/>
+            </a:endParaRPr>
           </a:p>
           <a:p>
             <a:r>
@@ -39313,13 +39259,13 @@
       </p:sp>
       <p:grpSp>
         <p:nvGrpSpPr>
-          <p:cNvPr id="8" name="Group 7"/>
+          <p:cNvPr id="9" name="Group 8"/>
           <p:cNvGrpSpPr/>
           <p:nvPr/>
         </p:nvGrpSpPr>
         <p:grpSpPr>
           <a:xfrm>
-            <a:off x="7243762" y="726214"/>
+            <a:off x="7634287" y="762073"/>
             <a:ext cx="4557713" cy="4883781"/>
             <a:chOff x="7243762" y="726214"/>
             <a:chExt cx="4557713" cy="4883781"/>
@@ -39327,7 +39273,7 @@
         </p:grpSpPr>
         <p:pic>
           <p:nvPicPr>
-            <p:cNvPr id="3" name="Picture 2" descr="ocalLibrary Model UML"/>
+            <p:cNvPr id="10" name="Picture 9" descr="ocalLibrary Model UML"/>
             <p:cNvPicPr>
               <a:picLocks noChangeAspect="1" noChangeArrowheads="1"/>
             </p:cNvPicPr>
@@ -39366,7 +39312,7 @@
         </p:pic>
         <p:cxnSp>
           <p:nvCxnSpPr>
-            <p:cNvPr id="4" name="Straight Arrow Connector 3"/>
+            <p:cNvPr id="11" name="Straight Arrow Connector 10"/>
             <p:cNvCxnSpPr/>
             <p:nvPr/>
           </p:nvCxnSpPr>
@@ -39403,7 +39349,7 @@
         </p:cxnSp>
         <p:cxnSp>
           <p:nvCxnSpPr>
-            <p:cNvPr id="5" name="Straight Arrow Connector 4"/>
+            <p:cNvPr id="12" name="Straight Arrow Connector 11"/>
             <p:cNvCxnSpPr/>
             <p:nvPr/>
           </p:nvCxnSpPr>
@@ -39440,7 +39386,7 @@
         </p:cxnSp>
         <p:cxnSp>
           <p:nvCxnSpPr>
-            <p:cNvPr id="6" name="Straight Arrow Connector 5"/>
+            <p:cNvPr id="13" name="Straight Arrow Connector 12"/>
             <p:cNvCxnSpPr/>
             <p:nvPr/>
           </p:nvCxnSpPr>
@@ -39477,7 +39423,7 @@
         </p:cxnSp>
         <p:cxnSp>
           <p:nvCxnSpPr>
-            <p:cNvPr id="7" name="Straight Arrow Connector 6"/>
+            <p:cNvPr id="14" name="Straight Arrow Connector 13"/>
             <p:cNvCxnSpPr/>
             <p:nvPr/>
           </p:nvCxnSpPr>
@@ -39523,6 +39469,13 @@
   <p:clrMapOvr>
     <a:masterClrMapping/>
   </p:clrMapOvr>
+  <p:timing>
+    <p:tnLst>
+      <p:par>
+        <p:cTn id="1" dur="indefinite" restart="never" nodeType="tmRoot"/>
+      </p:par>
+    </p:tnLst>
+  </p:timing>
 </p:sld>
 </file>
 
@@ -42180,6 +42133,13 @@
   <p:clrMapOvr>
     <a:masterClrMapping/>
   </p:clrMapOvr>
+  <p:timing>
+    <p:tnLst>
+      <p:par>
+        <p:cTn id="1" dur="indefinite" restart="never" nodeType="tmRoot"/>
+      </p:par>
+    </p:tnLst>
+  </p:timing>
 </p:sld>
 </file>
 
@@ -42240,6 +42200,13 @@
   <p:clrMapOvr>
     <a:masterClrMapping/>
   </p:clrMapOvr>
+  <p:timing>
+    <p:tnLst>
+      <p:par>
+        <p:cTn id="1" dur="indefinite" restart="never" nodeType="tmRoot"/>
+      </p:par>
+    </p:tnLst>
+  </p:timing>
 </p:sld>
 </file>
 

--- a/lectures/DJ-03-One-To-Many.pptx
+++ b/lectures/DJ-03-One-To-Many.pptx
@@ -5,7 +5,7 @@
     <p:sldMasterId id="2147483660" r:id="rId1"/>
   </p:sldMasterIdLst>
   <p:notesMasterIdLst>
-    <p:notesMasterId r:id="rId43"/>
+    <p:notesMasterId r:id="rId44"/>
   </p:notesMasterIdLst>
   <p:sldIdLst>
     <p:sldId id="258" r:id="rId2"/>
@@ -34,21 +34,22 @@
     <p:sldId id="323" r:id="rId25"/>
     <p:sldId id="324" r:id="rId26"/>
     <p:sldId id="325" r:id="rId27"/>
-    <p:sldId id="326" r:id="rId28"/>
-    <p:sldId id="344" r:id="rId29"/>
-    <p:sldId id="328" r:id="rId30"/>
-    <p:sldId id="346" r:id="rId31"/>
-    <p:sldId id="343" r:id="rId32"/>
-    <p:sldId id="345" r:id="rId33"/>
-    <p:sldId id="330" r:id="rId34"/>
-    <p:sldId id="340" r:id="rId35"/>
-    <p:sldId id="350" r:id="rId36"/>
-    <p:sldId id="349" r:id="rId37"/>
-    <p:sldId id="341" r:id="rId38"/>
-    <p:sldId id="347" r:id="rId39"/>
-    <p:sldId id="348" r:id="rId40"/>
-    <p:sldId id="311" r:id="rId41"/>
-    <p:sldId id="273" r:id="rId42"/>
+    <p:sldId id="359" r:id="rId28"/>
+    <p:sldId id="326" r:id="rId29"/>
+    <p:sldId id="344" r:id="rId30"/>
+    <p:sldId id="328" r:id="rId31"/>
+    <p:sldId id="346" r:id="rId32"/>
+    <p:sldId id="343" r:id="rId33"/>
+    <p:sldId id="345" r:id="rId34"/>
+    <p:sldId id="330" r:id="rId35"/>
+    <p:sldId id="340" r:id="rId36"/>
+    <p:sldId id="350" r:id="rId37"/>
+    <p:sldId id="349" r:id="rId38"/>
+    <p:sldId id="341" r:id="rId39"/>
+    <p:sldId id="347" r:id="rId40"/>
+    <p:sldId id="348" r:id="rId41"/>
+    <p:sldId id="311" r:id="rId42"/>
+    <p:sldId id="273" r:id="rId43"/>
   </p:sldIdLst>
   <p:sldSz cx="12192000" cy="6858000"/>
   <p:notesSz cx="6858000" cy="9144000"/>
@@ -1965,7 +1966,7 @@
             <a:fld id="{4D278F01-0E49-8C48-9910-CC44DF16FDDC}" type="slidenum">
               <a:rPr lang="en-US" altLang="x-none" sz="1200"/>
               <a:pPr/>
-              <a:t>40</a:t>
+              <a:t>41</a:t>
             </a:fld>
             <a:endParaRPr lang="en-US" altLang="x-none" sz="1200"/>
           </a:p>
@@ -24512,6 +24513,2116 @@
           <a:chExt cx="0" cy="0"/>
         </a:xfrm>
       </p:grpSpPr>
+      <p:graphicFrame>
+        <p:nvGraphicFramePr>
+          <p:cNvPr id="3" name="Table 2"/>
+          <p:cNvGraphicFramePr>
+            <a:graphicFrameLocks noGrp="1"/>
+          </p:cNvGraphicFramePr>
+          <p:nvPr/>
+        </p:nvGraphicFramePr>
+        <p:xfrm>
+          <a:off x="581025" y="755507"/>
+          <a:ext cx="7447365" cy="2075599"/>
+        </p:xfrm>
+        <a:graphic>
+          <a:graphicData uri="http://schemas.openxmlformats.org/drawingml/2006/table">
+            <a:tbl>
+              <a:tblPr firstRow="1" bandRow="1">
+                <a:tableStyleId>{5C22544A-7EE6-4342-B048-85BDC9FD1C3A}</a:tableStyleId>
+              </a:tblPr>
+              <a:tblGrid>
+                <a:gridCol w="1814517"/>
+                <a:gridCol w="1243012"/>
+                <a:gridCol w="785812"/>
+                <a:gridCol w="1121570"/>
+                <a:gridCol w="1241227"/>
+                <a:gridCol w="1241227"/>
+              </a:tblGrid>
+              <a:tr h="344949">
+                <a:tc>
+                  <a:txBody>
+                    <a:bodyPr/>
+                    <a:lstStyle/>
+                    <a:p>
+                      <a:pPr algn="l" fontAlgn="b"/>
+                      <a:r>
+                        <a:rPr lang="en-US" sz="1600" b="0" i="0" u="none" strike="noStrike" dirty="0">
+                          <a:solidFill>
+                            <a:srgbClr val="000000"/>
+                          </a:solidFill>
+                          <a:effectLst/>
+                          <a:latin typeface="Calibri" charset="0"/>
+                        </a:rPr>
+                        <a:t>Title</a:t>
+                      </a:r>
+                    </a:p>
+                  </a:txBody>
+                  <a:tcPr marL="6350" marR="6350" marT="6350" marB="0" anchor="b"/>
+                </a:tc>
+                <a:tc>
+                  <a:txBody>
+                    <a:bodyPr/>
+                    <a:lstStyle/>
+                    <a:p>
+                      <a:pPr algn="l" fontAlgn="b"/>
+                      <a:r>
+                        <a:rPr lang="en-US" sz="1600" b="0" i="0" u="none" strike="noStrike">
+                          <a:solidFill>
+                            <a:srgbClr val="000000"/>
+                          </a:solidFill>
+                          <a:effectLst/>
+                          <a:latin typeface="Calibri" charset="0"/>
+                        </a:rPr>
+                        <a:t>ISBN</a:t>
+                      </a:r>
+                    </a:p>
+                  </a:txBody>
+                  <a:tcPr marL="6350" marR="6350" marT="6350" marB="0" anchor="b"/>
+                </a:tc>
+                <a:tc>
+                  <a:txBody>
+                    <a:bodyPr/>
+                    <a:lstStyle/>
+                    <a:p>
+                      <a:pPr algn="l" fontAlgn="b"/>
+                      <a:r>
+                        <a:rPr lang="en-US" sz="1600" b="0" i="0" u="none" strike="noStrike" dirty="0">
+                          <a:solidFill>
+                            <a:srgbClr val="000000"/>
+                          </a:solidFill>
+                          <a:effectLst/>
+                          <a:latin typeface="Calibri" charset="0"/>
+                        </a:rPr>
+                        <a:t>Instance</a:t>
+                      </a:r>
+                    </a:p>
+                  </a:txBody>
+                  <a:tcPr marL="6350" marR="6350" marT="6350" marB="0" anchor="b"/>
+                </a:tc>
+                <a:tc>
+                  <a:txBody>
+                    <a:bodyPr/>
+                    <a:lstStyle/>
+                    <a:p>
+                      <a:pPr algn="l" fontAlgn="b"/>
+                      <a:r>
+                        <a:rPr lang="en-US" sz="1600" b="0" i="0" u="none" strike="noStrike">
+                          <a:solidFill>
+                            <a:srgbClr val="000000"/>
+                          </a:solidFill>
+                          <a:effectLst/>
+                          <a:latin typeface="Calibri" charset="0"/>
+                        </a:rPr>
+                        <a:t>Due_back</a:t>
+                      </a:r>
+                    </a:p>
+                  </a:txBody>
+                  <a:tcPr marL="6350" marR="6350" marT="6350" marB="0" anchor="b"/>
+                </a:tc>
+                <a:tc>
+                  <a:txBody>
+                    <a:bodyPr/>
+                    <a:lstStyle/>
+                    <a:p>
+                      <a:pPr algn="l" fontAlgn="b"/>
+                      <a:r>
+                        <a:rPr lang="en-US" sz="1600" b="0" i="0" u="none" strike="noStrike" dirty="0">
+                          <a:solidFill>
+                            <a:srgbClr val="000000"/>
+                          </a:solidFill>
+                          <a:effectLst/>
+                          <a:latin typeface="Calibri" charset="0"/>
+                        </a:rPr>
+                        <a:t>Status</a:t>
+                      </a:r>
+                    </a:p>
+                  </a:txBody>
+                  <a:tcPr marL="6350" marR="6350" marT="6350" marB="0" anchor="b"/>
+                </a:tc>
+                <a:tc>
+                  <a:txBody>
+                    <a:bodyPr/>
+                    <a:lstStyle/>
+                    <a:p>
+                      <a:pPr algn="l" fontAlgn="b"/>
+                      <a:r>
+                        <a:rPr lang="en-US" sz="1600" b="0" i="0" u="none" strike="noStrike" dirty="0">
+                          <a:solidFill>
+                            <a:srgbClr val="000000"/>
+                          </a:solidFill>
+                          <a:effectLst/>
+                          <a:latin typeface="Calibri" charset="0"/>
+                        </a:rPr>
+                        <a:t>Language</a:t>
+                      </a:r>
+                    </a:p>
+                  </a:txBody>
+                  <a:tcPr marL="6350" marR="6350" marT="6350" marB="0" anchor="b"/>
+                </a:tc>
+              </a:tr>
+              <a:tr h="346130">
+                <a:tc>
+                  <a:txBody>
+                    <a:bodyPr/>
+                    <a:lstStyle/>
+                    <a:p>
+                      <a:pPr algn="l" fontAlgn="b"/>
+                      <a:r>
+                        <a:rPr lang="en-US" sz="1200" b="0" i="0" u="none" strike="noStrike" dirty="0">
+                          <a:solidFill>
+                            <a:srgbClr val="000000"/>
+                          </a:solidFill>
+                          <a:effectLst/>
+                          <a:latin typeface="Calibri" charset="0"/>
+                        </a:rPr>
+                        <a:t>Wisdom of Crowds</a:t>
+                      </a:r>
+                    </a:p>
+                  </a:txBody>
+                  <a:tcPr marL="6350" marR="6350" marT="6350" marB="0" anchor="b"/>
+                </a:tc>
+                <a:tc>
+                  <a:txBody>
+                    <a:bodyPr/>
+                    <a:lstStyle/>
+                    <a:p>
+                      <a:pPr algn="l" fontAlgn="b"/>
+                      <a:r>
+                        <a:rPr lang="is-IS" sz="1200" b="0" i="0" u="none" strike="noStrike" dirty="0">
+                          <a:solidFill>
+                            <a:srgbClr val="000000"/>
+                          </a:solidFill>
+                          <a:effectLst/>
+                          <a:latin typeface="Calibri" charset="0"/>
+                        </a:rPr>
+                        <a:t>385721706</a:t>
+                      </a:r>
+                    </a:p>
+                  </a:txBody>
+                  <a:tcPr marL="6350" marR="6350" marT="6350" marB="0" anchor="b"/>
+                </a:tc>
+                <a:tc>
+                  <a:txBody>
+                    <a:bodyPr/>
+                    <a:lstStyle/>
+                    <a:p>
+                      <a:pPr algn="r" fontAlgn="b"/>
+                      <a:r>
+                        <a:rPr lang="en-US" sz="1200" b="0" i="0" u="none" strike="noStrike" dirty="0">
+                          <a:solidFill>
+                            <a:srgbClr val="000000"/>
+                          </a:solidFill>
+                          <a:effectLst/>
+                          <a:latin typeface="Calibri" charset="0"/>
+                        </a:rPr>
+                        <a:t>1</a:t>
+                      </a:r>
+                    </a:p>
+                  </a:txBody>
+                  <a:tcPr marL="6350" marR="6350" marT="6350" marB="0" anchor="b"/>
+                </a:tc>
+                <a:tc>
+                  <a:txBody>
+                    <a:bodyPr/>
+                    <a:lstStyle/>
+                    <a:p>
+                      <a:pPr algn="l" fontAlgn="b"/>
+                      <a:endParaRPr lang="en-US" sz="1200" b="0" i="0" u="none" strike="noStrike" dirty="0">
+                        <a:solidFill>
+                          <a:srgbClr val="000000"/>
+                        </a:solidFill>
+                        <a:effectLst/>
+                        <a:latin typeface="Calibri" charset="0"/>
+                      </a:endParaRPr>
+                    </a:p>
+                  </a:txBody>
+                  <a:tcPr marL="6350" marR="6350" marT="6350" marB="0" anchor="b"/>
+                </a:tc>
+                <a:tc>
+                  <a:txBody>
+                    <a:bodyPr/>
+                    <a:lstStyle/>
+                    <a:p>
+                      <a:pPr algn="l" fontAlgn="b"/>
+                      <a:r>
+                        <a:rPr lang="en-US" sz="1200" b="0" i="0" u="none" strike="noStrike" dirty="0">
+                          <a:solidFill>
+                            <a:srgbClr val="000000"/>
+                          </a:solidFill>
+                          <a:effectLst/>
+                          <a:latin typeface="Calibri" charset="0"/>
+                        </a:rPr>
+                        <a:t>Available</a:t>
+                      </a:r>
+                    </a:p>
+                  </a:txBody>
+                  <a:tcPr marL="6350" marR="6350" marT="6350" marB="0" anchor="b"/>
+                </a:tc>
+                <a:tc>
+                  <a:txBody>
+                    <a:bodyPr/>
+                    <a:lstStyle/>
+                    <a:p>
+                      <a:pPr algn="l" fontAlgn="b"/>
+                      <a:r>
+                        <a:rPr lang="en-US" sz="1200" b="0" i="0" u="none" strike="noStrike" dirty="0" err="1">
+                          <a:solidFill>
+                            <a:srgbClr val="000000"/>
+                          </a:solidFill>
+                          <a:effectLst/>
+                          <a:latin typeface="Calibri" charset="0"/>
+                        </a:rPr>
+                        <a:t>en</a:t>
+                      </a:r>
+                      <a:endParaRPr lang="en-US" sz="1200" b="0" i="0" u="none" strike="noStrike" dirty="0">
+                        <a:solidFill>
+                          <a:srgbClr val="000000"/>
+                        </a:solidFill>
+                        <a:effectLst/>
+                        <a:latin typeface="Calibri" charset="0"/>
+                      </a:endParaRPr>
+                    </a:p>
+                  </a:txBody>
+                  <a:tcPr marL="6350" marR="6350" marT="6350" marB="0" anchor="b"/>
+                </a:tc>
+              </a:tr>
+              <a:tr h="346130">
+                <a:tc>
+                  <a:txBody>
+                    <a:bodyPr/>
+                    <a:lstStyle/>
+                    <a:p>
+                      <a:pPr algn="l" fontAlgn="b"/>
+                      <a:r>
+                        <a:rPr lang="en-US" sz="1200" b="0" i="0" u="none" strike="noStrike" dirty="0">
+                          <a:solidFill>
+                            <a:srgbClr val="000000"/>
+                          </a:solidFill>
+                          <a:effectLst/>
+                          <a:latin typeface="Calibri" charset="0"/>
+                        </a:rPr>
+                        <a:t>Wisdom of Crowds</a:t>
+                      </a:r>
+                    </a:p>
+                  </a:txBody>
+                  <a:tcPr marL="6350" marR="6350" marT="6350" marB="0" anchor="b"/>
+                </a:tc>
+                <a:tc>
+                  <a:txBody>
+                    <a:bodyPr/>
+                    <a:lstStyle/>
+                    <a:p>
+                      <a:pPr algn="l" fontAlgn="b"/>
+                      <a:r>
+                        <a:rPr lang="is-IS" sz="1200" b="0" i="0" u="none" strike="noStrike" dirty="0">
+                          <a:solidFill>
+                            <a:srgbClr val="000000"/>
+                          </a:solidFill>
+                          <a:effectLst/>
+                          <a:latin typeface="Calibri" charset="0"/>
+                        </a:rPr>
+                        <a:t>385721706</a:t>
+                      </a:r>
+                    </a:p>
+                  </a:txBody>
+                  <a:tcPr marL="6350" marR="6350" marT="6350" marB="0" anchor="b"/>
+                </a:tc>
+                <a:tc>
+                  <a:txBody>
+                    <a:bodyPr/>
+                    <a:lstStyle/>
+                    <a:p>
+                      <a:pPr algn="r" fontAlgn="b"/>
+                      <a:r>
+                        <a:rPr lang="is-IS" sz="1200" b="0" i="0" u="none" strike="noStrike">
+                          <a:solidFill>
+                            <a:srgbClr val="000000"/>
+                          </a:solidFill>
+                          <a:effectLst/>
+                          <a:latin typeface="Calibri" charset="0"/>
+                        </a:rPr>
+                        <a:t>2</a:t>
+                      </a:r>
+                    </a:p>
+                  </a:txBody>
+                  <a:tcPr marL="6350" marR="6350" marT="6350" marB="0" anchor="b"/>
+                </a:tc>
+                <a:tc>
+                  <a:txBody>
+                    <a:bodyPr/>
+                    <a:lstStyle/>
+                    <a:p>
+                      <a:pPr algn="l" fontAlgn="b"/>
+                      <a:r>
+                        <a:rPr lang="en-US" sz="1200" b="0" i="0" u="none" strike="noStrike" dirty="0">
+                          <a:solidFill>
+                            <a:srgbClr val="000000"/>
+                          </a:solidFill>
+                          <a:effectLst/>
+                          <a:latin typeface="Calibri" charset="0"/>
+                        </a:rPr>
+                        <a:t>next week</a:t>
+                      </a:r>
+                    </a:p>
+                  </a:txBody>
+                  <a:tcPr marL="6350" marR="6350" marT="6350" marB="0" anchor="b"/>
+                </a:tc>
+                <a:tc>
+                  <a:txBody>
+                    <a:bodyPr/>
+                    <a:lstStyle/>
+                    <a:p>
+                      <a:pPr algn="l" fontAlgn="b"/>
+                      <a:r>
+                        <a:rPr lang="en-US" sz="1200" b="0" i="0" u="none" strike="noStrike" dirty="0">
+                          <a:solidFill>
+                            <a:srgbClr val="000000"/>
+                          </a:solidFill>
+                          <a:effectLst/>
+                          <a:latin typeface="Calibri" charset="0"/>
+                        </a:rPr>
+                        <a:t>On Loan</a:t>
+                      </a:r>
+                    </a:p>
+                  </a:txBody>
+                  <a:tcPr marL="6350" marR="6350" marT="6350" marB="0" anchor="b"/>
+                </a:tc>
+                <a:tc>
+                  <a:txBody>
+                    <a:bodyPr/>
+                    <a:lstStyle/>
+                    <a:p>
+                      <a:pPr algn="l" fontAlgn="b"/>
+                      <a:r>
+                        <a:rPr lang="en-US" sz="1200" b="0" i="0" u="none" strike="noStrike" dirty="0" err="1">
+                          <a:solidFill>
+                            <a:srgbClr val="000000"/>
+                          </a:solidFill>
+                          <a:effectLst/>
+                          <a:latin typeface="Calibri" charset="0"/>
+                        </a:rPr>
+                        <a:t>en</a:t>
+                      </a:r>
+                      <a:endParaRPr lang="en-US" sz="1200" b="0" i="0" u="none" strike="noStrike" dirty="0">
+                        <a:solidFill>
+                          <a:srgbClr val="000000"/>
+                        </a:solidFill>
+                        <a:effectLst/>
+                        <a:latin typeface="Calibri" charset="0"/>
+                      </a:endParaRPr>
+                    </a:p>
+                  </a:txBody>
+                  <a:tcPr marL="6350" marR="6350" marT="6350" marB="0" anchor="b"/>
+                </a:tc>
+              </a:tr>
+              <a:tr h="346130">
+                <a:tc>
+                  <a:txBody>
+                    <a:bodyPr/>
+                    <a:lstStyle/>
+                    <a:p>
+                      <a:pPr algn="l" fontAlgn="b"/>
+                      <a:r>
+                        <a:rPr lang="en-US" sz="1200" b="0" i="0" u="none" strike="noStrike" dirty="0">
+                          <a:solidFill>
+                            <a:srgbClr val="000000"/>
+                          </a:solidFill>
+                          <a:effectLst/>
+                          <a:latin typeface="Calibri" charset="0"/>
+                        </a:rPr>
+                        <a:t>Wisdom of Crowds</a:t>
+                      </a:r>
+                    </a:p>
+                  </a:txBody>
+                  <a:tcPr marL="6350" marR="6350" marT="6350" marB="0" anchor="b"/>
+                </a:tc>
+                <a:tc>
+                  <a:txBody>
+                    <a:bodyPr/>
+                    <a:lstStyle/>
+                    <a:p>
+                      <a:pPr algn="l" fontAlgn="b"/>
+                      <a:r>
+                        <a:rPr lang="is-IS" sz="1200" b="0" i="0" u="none" strike="noStrike" dirty="0">
+                          <a:solidFill>
+                            <a:srgbClr val="000000"/>
+                          </a:solidFill>
+                          <a:effectLst/>
+                          <a:latin typeface="Calibri" charset="0"/>
+                        </a:rPr>
+                        <a:t>385721706</a:t>
+                      </a:r>
+                    </a:p>
+                  </a:txBody>
+                  <a:tcPr marL="6350" marR="6350" marT="6350" marB="0" anchor="b"/>
+                </a:tc>
+                <a:tc>
+                  <a:txBody>
+                    <a:bodyPr/>
+                    <a:lstStyle/>
+                    <a:p>
+                      <a:pPr algn="r" fontAlgn="b"/>
+                      <a:r>
+                        <a:rPr lang="en-US" sz="1200" b="0" i="0" u="none" strike="noStrike">
+                          <a:solidFill>
+                            <a:srgbClr val="000000"/>
+                          </a:solidFill>
+                          <a:effectLst/>
+                          <a:latin typeface="Calibri" charset="0"/>
+                        </a:rPr>
+                        <a:t>3</a:t>
+                      </a:r>
+                    </a:p>
+                  </a:txBody>
+                  <a:tcPr marL="6350" marR="6350" marT="6350" marB="0" anchor="b"/>
+                </a:tc>
+                <a:tc>
+                  <a:txBody>
+                    <a:bodyPr/>
+                    <a:lstStyle/>
+                    <a:p>
+                      <a:pPr algn="l" fontAlgn="b"/>
+                      <a:r>
+                        <a:rPr lang="en-US" sz="1200" b="0" i="0" u="none" strike="noStrike" dirty="0">
+                          <a:solidFill>
+                            <a:srgbClr val="000000"/>
+                          </a:solidFill>
+                          <a:effectLst/>
+                          <a:latin typeface="Calibri" charset="0"/>
+                        </a:rPr>
+                        <a:t>who knows</a:t>
+                      </a:r>
+                    </a:p>
+                  </a:txBody>
+                  <a:tcPr marL="6350" marR="6350" marT="6350" marB="0" anchor="b"/>
+                </a:tc>
+                <a:tc>
+                  <a:txBody>
+                    <a:bodyPr/>
+                    <a:lstStyle/>
+                    <a:p>
+                      <a:pPr algn="l" fontAlgn="b"/>
+                      <a:r>
+                        <a:rPr lang="en-US" sz="1200" b="0" i="0" u="none" strike="noStrike" dirty="0">
+                          <a:solidFill>
+                            <a:srgbClr val="000000"/>
+                          </a:solidFill>
+                          <a:effectLst/>
+                          <a:latin typeface="Calibri" charset="0"/>
+                        </a:rPr>
+                        <a:t>On Loan</a:t>
+                      </a:r>
+                    </a:p>
+                  </a:txBody>
+                  <a:tcPr marL="6350" marR="6350" marT="6350" marB="0" anchor="b"/>
+                </a:tc>
+                <a:tc>
+                  <a:txBody>
+                    <a:bodyPr/>
+                    <a:lstStyle/>
+                    <a:p>
+                      <a:pPr algn="l" fontAlgn="b"/>
+                      <a:r>
+                        <a:rPr lang="en-US" sz="1200" b="0" i="0" u="none" strike="noStrike" dirty="0" err="1">
+                          <a:solidFill>
+                            <a:srgbClr val="000000"/>
+                          </a:solidFill>
+                          <a:effectLst/>
+                          <a:latin typeface="Calibri" charset="0"/>
+                        </a:rPr>
+                        <a:t>en</a:t>
+                      </a:r>
+                      <a:endParaRPr lang="en-US" sz="1200" b="0" i="0" u="none" strike="noStrike" dirty="0">
+                        <a:solidFill>
+                          <a:srgbClr val="000000"/>
+                        </a:solidFill>
+                        <a:effectLst/>
+                        <a:latin typeface="Calibri" charset="0"/>
+                      </a:endParaRPr>
+                    </a:p>
+                  </a:txBody>
+                  <a:tcPr marL="6350" marR="6350" marT="6350" marB="0" anchor="b"/>
+                </a:tc>
+              </a:tr>
+              <a:tr h="346130">
+                <a:tc>
+                  <a:txBody>
+                    <a:bodyPr/>
+                    <a:lstStyle/>
+                    <a:p>
+                      <a:pPr algn="l" fontAlgn="b"/>
+                      <a:r>
+                        <a:rPr lang="en-US" sz="1200" b="0" i="0" u="none" strike="noStrike">
+                          <a:solidFill>
+                            <a:srgbClr val="000000"/>
+                          </a:solidFill>
+                          <a:effectLst/>
+                          <a:latin typeface="Calibri" charset="0"/>
+                        </a:rPr>
+                        <a:t>Introduction to Networking</a:t>
+                      </a:r>
+                    </a:p>
+                  </a:txBody>
+                  <a:tcPr marL="6350" marR="6350" marT="6350" marB="0" anchor="b"/>
+                </a:tc>
+                <a:tc>
+                  <a:txBody>
+                    <a:bodyPr/>
+                    <a:lstStyle/>
+                    <a:p>
+                      <a:pPr algn="l" fontAlgn="b"/>
+                      <a:r>
+                        <a:rPr lang="cs-CZ" sz="1200" b="0" i="0" u="none" strike="noStrike" dirty="0">
+                          <a:solidFill>
+                            <a:srgbClr val="000000"/>
+                          </a:solidFill>
+                          <a:effectLst/>
+                          <a:latin typeface="Calibri" charset="0"/>
+                        </a:rPr>
+                        <a:t>9781511654944</a:t>
+                      </a:r>
+                    </a:p>
+                  </a:txBody>
+                  <a:tcPr marL="6350" marR="6350" marT="6350" marB="0" anchor="b"/>
+                </a:tc>
+                <a:tc>
+                  <a:txBody>
+                    <a:bodyPr/>
+                    <a:lstStyle/>
+                    <a:p>
+                      <a:pPr algn="r" fontAlgn="b"/>
+                      <a:r>
+                        <a:rPr lang="en-US" sz="1200" b="0" i="0" u="none" strike="noStrike" dirty="0">
+                          <a:solidFill>
+                            <a:srgbClr val="000000"/>
+                          </a:solidFill>
+                          <a:effectLst/>
+                          <a:latin typeface="Calibri" charset="0"/>
+                        </a:rPr>
+                        <a:t>1</a:t>
+                      </a:r>
+                    </a:p>
+                  </a:txBody>
+                  <a:tcPr marL="6350" marR="6350" marT="6350" marB="0" anchor="b"/>
+                </a:tc>
+                <a:tc>
+                  <a:txBody>
+                    <a:bodyPr/>
+                    <a:lstStyle/>
+                    <a:p>
+                      <a:pPr algn="l" fontAlgn="b"/>
+                      <a:endParaRPr lang="en-US" sz="1200" b="0" i="0" u="none" strike="noStrike" dirty="0">
+                        <a:solidFill>
+                          <a:srgbClr val="000000"/>
+                        </a:solidFill>
+                        <a:effectLst/>
+                        <a:latin typeface="Calibri" charset="0"/>
+                      </a:endParaRPr>
+                    </a:p>
+                  </a:txBody>
+                  <a:tcPr marL="6350" marR="6350" marT="6350" marB="0" anchor="b"/>
+                </a:tc>
+                <a:tc>
+                  <a:txBody>
+                    <a:bodyPr/>
+                    <a:lstStyle/>
+                    <a:p>
+                      <a:pPr algn="l" fontAlgn="b"/>
+                      <a:r>
+                        <a:rPr lang="en-US" sz="1200" b="0" i="0" u="none" strike="noStrike" dirty="0">
+                          <a:solidFill>
+                            <a:srgbClr val="000000"/>
+                          </a:solidFill>
+                          <a:effectLst/>
+                          <a:latin typeface="Calibri" charset="0"/>
+                        </a:rPr>
+                        <a:t>Available</a:t>
+                      </a:r>
+                    </a:p>
+                  </a:txBody>
+                  <a:tcPr marL="6350" marR="6350" marT="6350" marB="0" anchor="b"/>
+                </a:tc>
+                <a:tc>
+                  <a:txBody>
+                    <a:bodyPr/>
+                    <a:lstStyle/>
+                    <a:p>
+                      <a:pPr algn="l" fontAlgn="b"/>
+                      <a:r>
+                        <a:rPr lang="en-US" sz="1200" b="0" i="0" u="none" strike="noStrike">
+                          <a:solidFill>
+                            <a:srgbClr val="000000"/>
+                          </a:solidFill>
+                          <a:effectLst/>
+                          <a:latin typeface="Calibri" charset="0"/>
+                        </a:rPr>
+                        <a:t>en</a:t>
+                      </a:r>
+                    </a:p>
+                  </a:txBody>
+                  <a:tcPr marL="6350" marR="6350" marT="6350" marB="0" anchor="b"/>
+                </a:tc>
+              </a:tr>
+              <a:tr h="346130">
+                <a:tc>
+                  <a:txBody>
+                    <a:bodyPr/>
+                    <a:lstStyle/>
+                    <a:p>
+                      <a:pPr algn="l" fontAlgn="b"/>
+                      <a:r>
+                        <a:rPr lang="en-US" sz="1200" b="0" i="0" u="none" strike="noStrike">
+                          <a:solidFill>
+                            <a:srgbClr val="000000"/>
+                          </a:solidFill>
+                          <a:effectLst/>
+                          <a:latin typeface="Calibri" charset="0"/>
+                        </a:rPr>
+                        <a:t>Introducción a las Redes</a:t>
+                      </a:r>
+                    </a:p>
+                  </a:txBody>
+                  <a:tcPr marL="6350" marR="6350" marT="6350" marB="0" anchor="b"/>
+                </a:tc>
+                <a:tc>
+                  <a:txBody>
+                    <a:bodyPr/>
+                    <a:lstStyle/>
+                    <a:p>
+                      <a:pPr algn="l" fontAlgn="b"/>
+                      <a:r>
+                        <a:rPr lang="is-IS" sz="1200" b="0" i="0" u="none" strike="noStrike" dirty="0">
+                          <a:solidFill>
+                            <a:srgbClr val="000000"/>
+                          </a:solidFill>
+                          <a:effectLst/>
+                          <a:latin typeface="Calibri" charset="0"/>
+                        </a:rPr>
+                        <a:t>9781523627516</a:t>
+                      </a:r>
+                    </a:p>
+                  </a:txBody>
+                  <a:tcPr marL="6350" marR="6350" marT="6350" marB="0" anchor="b"/>
+                </a:tc>
+                <a:tc>
+                  <a:txBody>
+                    <a:bodyPr/>
+                    <a:lstStyle/>
+                    <a:p>
+                      <a:pPr algn="r" fontAlgn="b"/>
+                      <a:r>
+                        <a:rPr lang="en-US" sz="1200" b="0" i="0" u="none" strike="noStrike" dirty="0">
+                          <a:solidFill>
+                            <a:srgbClr val="000000"/>
+                          </a:solidFill>
+                          <a:effectLst/>
+                          <a:latin typeface="Calibri" charset="0"/>
+                        </a:rPr>
+                        <a:t>1</a:t>
+                      </a:r>
+                    </a:p>
+                  </a:txBody>
+                  <a:tcPr marL="6350" marR="6350" marT="6350" marB="0" anchor="b"/>
+                </a:tc>
+                <a:tc>
+                  <a:txBody>
+                    <a:bodyPr/>
+                    <a:lstStyle/>
+                    <a:p>
+                      <a:pPr algn="l" fontAlgn="b"/>
+                      <a:endParaRPr lang="en-US" sz="1200" b="0" i="0" u="none" strike="noStrike" dirty="0">
+                        <a:solidFill>
+                          <a:srgbClr val="000000"/>
+                        </a:solidFill>
+                        <a:effectLst/>
+                        <a:latin typeface="Calibri" charset="0"/>
+                      </a:endParaRPr>
+                    </a:p>
+                  </a:txBody>
+                  <a:tcPr marL="6350" marR="6350" marT="6350" marB="0" anchor="b"/>
+                </a:tc>
+                <a:tc>
+                  <a:txBody>
+                    <a:bodyPr/>
+                    <a:lstStyle/>
+                    <a:p>
+                      <a:pPr algn="l" fontAlgn="b"/>
+                      <a:r>
+                        <a:rPr lang="en-US" sz="1200" b="0" i="0" u="none" strike="noStrike" dirty="0">
+                          <a:solidFill>
+                            <a:srgbClr val="000000"/>
+                          </a:solidFill>
+                          <a:effectLst/>
+                          <a:latin typeface="Calibri" charset="0"/>
+                        </a:rPr>
+                        <a:t>Available</a:t>
+                      </a:r>
+                    </a:p>
+                  </a:txBody>
+                  <a:tcPr marL="6350" marR="6350" marT="6350" marB="0" anchor="b"/>
+                </a:tc>
+                <a:tc>
+                  <a:txBody>
+                    <a:bodyPr/>
+                    <a:lstStyle/>
+                    <a:p>
+                      <a:pPr algn="l" fontAlgn="b"/>
+                      <a:r>
+                        <a:rPr lang="en-US" sz="1200" b="0" i="0" u="none" strike="noStrike" dirty="0" err="1">
+                          <a:solidFill>
+                            <a:srgbClr val="000000"/>
+                          </a:solidFill>
+                          <a:effectLst/>
+                          <a:latin typeface="Calibri" charset="0"/>
+                        </a:rPr>
+                        <a:t>es</a:t>
+                      </a:r>
+                      <a:endParaRPr lang="en-US" sz="1200" b="0" i="0" u="none" strike="noStrike" dirty="0">
+                        <a:solidFill>
+                          <a:srgbClr val="000000"/>
+                        </a:solidFill>
+                        <a:effectLst/>
+                        <a:latin typeface="Calibri" charset="0"/>
+                      </a:endParaRPr>
+                    </a:p>
+                  </a:txBody>
+                  <a:tcPr marL="6350" marR="6350" marT="6350" marB="0" anchor="b"/>
+                </a:tc>
+              </a:tr>
+            </a:tbl>
+          </a:graphicData>
+        </a:graphic>
+      </p:graphicFrame>
+      <p:graphicFrame>
+        <p:nvGraphicFramePr>
+          <p:cNvPr id="5" name="Table 4"/>
+          <p:cNvGraphicFramePr>
+            <a:graphicFrameLocks noGrp="1"/>
+          </p:cNvGraphicFramePr>
+          <p:nvPr>
+            <p:extLst/>
+          </p:nvPr>
+        </p:nvGraphicFramePr>
+        <p:xfrm>
+          <a:off x="4638695" y="3947259"/>
+          <a:ext cx="4800600" cy="1383339"/>
+        </p:xfrm>
+        <a:graphic>
+          <a:graphicData uri="http://schemas.openxmlformats.org/drawingml/2006/table">
+            <a:tbl>
+              <a:tblPr firstRow="1" bandRow="1">
+                <a:tableStyleId>{5C22544A-7EE6-4342-B048-85BDC9FD1C3A}</a:tableStyleId>
+              </a:tblPr>
+              <a:tblGrid>
+                <a:gridCol w="515747"/>
+                <a:gridCol w="2141727"/>
+                <a:gridCol w="1275953"/>
+                <a:gridCol w="867173"/>
+              </a:tblGrid>
+              <a:tr h="344949">
+                <a:tc>
+                  <a:txBody>
+                    <a:bodyPr/>
+                    <a:lstStyle/>
+                    <a:p>
+                      <a:pPr algn="l" fontAlgn="b"/>
+                      <a:r>
+                        <a:rPr lang="en-US" sz="1600" b="0" i="0" u="none" strike="noStrike" dirty="0" smtClean="0">
+                          <a:solidFill>
+                            <a:srgbClr val="000000"/>
+                          </a:solidFill>
+                          <a:effectLst/>
+                          <a:latin typeface="Calibri" charset="0"/>
+                        </a:rPr>
+                        <a:t>id</a:t>
+                      </a:r>
+                      <a:endParaRPr lang="en-US" sz="1600" b="0" i="0" u="none" strike="noStrike" dirty="0">
+                        <a:solidFill>
+                          <a:srgbClr val="000000"/>
+                        </a:solidFill>
+                        <a:effectLst/>
+                        <a:latin typeface="Calibri" charset="0"/>
+                      </a:endParaRPr>
+                    </a:p>
+                  </a:txBody>
+                  <a:tcPr marL="6350" marR="6350" marT="6350" marB="0" anchor="b"/>
+                </a:tc>
+                <a:tc>
+                  <a:txBody>
+                    <a:bodyPr/>
+                    <a:lstStyle/>
+                    <a:p>
+                      <a:pPr algn="l" fontAlgn="b"/>
+                      <a:r>
+                        <a:rPr lang="en-US" sz="1600" b="0" i="0" u="none" strike="noStrike" dirty="0">
+                          <a:solidFill>
+                            <a:srgbClr val="000000"/>
+                          </a:solidFill>
+                          <a:effectLst/>
+                          <a:latin typeface="Calibri" charset="0"/>
+                        </a:rPr>
+                        <a:t>Title</a:t>
+                      </a:r>
+                    </a:p>
+                  </a:txBody>
+                  <a:tcPr marL="6350" marR="6350" marT="6350" marB="0" anchor="b"/>
+                </a:tc>
+                <a:tc>
+                  <a:txBody>
+                    <a:bodyPr/>
+                    <a:lstStyle/>
+                    <a:p>
+                      <a:pPr algn="l" fontAlgn="b"/>
+                      <a:r>
+                        <a:rPr lang="en-US" sz="1600" b="0" i="0" u="none" strike="noStrike" dirty="0">
+                          <a:solidFill>
+                            <a:srgbClr val="000000"/>
+                          </a:solidFill>
+                          <a:effectLst/>
+                          <a:latin typeface="Calibri" charset="0"/>
+                        </a:rPr>
+                        <a:t>ISBN</a:t>
+                      </a:r>
+                    </a:p>
+                  </a:txBody>
+                  <a:tcPr marL="6350" marR="6350" marT="6350" marB="0" anchor="b"/>
+                </a:tc>
+                <a:tc>
+                  <a:txBody>
+                    <a:bodyPr/>
+                    <a:lstStyle/>
+                    <a:p>
+                      <a:pPr algn="l" fontAlgn="b"/>
+                      <a:r>
+                        <a:rPr lang="en-US" sz="1600" b="0" i="0" u="none" strike="noStrike" dirty="0" err="1" smtClean="0">
+                          <a:solidFill>
+                            <a:srgbClr val="000000"/>
+                          </a:solidFill>
+                          <a:effectLst/>
+                          <a:latin typeface="Calibri" charset="0"/>
+                        </a:rPr>
+                        <a:t>lang_id</a:t>
+                      </a:r>
+                      <a:endParaRPr lang="en-US" sz="1600" b="0" i="0" u="none" strike="noStrike" dirty="0">
+                        <a:solidFill>
+                          <a:srgbClr val="000000"/>
+                        </a:solidFill>
+                        <a:effectLst/>
+                        <a:latin typeface="Calibri" charset="0"/>
+                      </a:endParaRPr>
+                    </a:p>
+                  </a:txBody>
+                  <a:tcPr marL="6350" marR="6350" marT="6350" marB="0" anchor="b"/>
+                </a:tc>
+              </a:tr>
+              <a:tr h="346130">
+                <a:tc>
+                  <a:txBody>
+                    <a:bodyPr/>
+                    <a:lstStyle/>
+                    <a:p>
+                      <a:pPr algn="l" fontAlgn="b"/>
+                      <a:r>
+                        <a:rPr lang="en-US" sz="1200" b="0" i="0" u="none" strike="noStrike" dirty="0" smtClean="0">
+                          <a:solidFill>
+                            <a:srgbClr val="000000"/>
+                          </a:solidFill>
+                          <a:effectLst/>
+                          <a:latin typeface="Calibri" charset="0"/>
+                        </a:rPr>
+                        <a:t>1</a:t>
+                      </a:r>
+                      <a:endParaRPr lang="en-US" sz="1200" b="0" i="0" u="none" strike="noStrike" dirty="0">
+                        <a:solidFill>
+                          <a:srgbClr val="000000"/>
+                        </a:solidFill>
+                        <a:effectLst/>
+                        <a:latin typeface="Calibri" charset="0"/>
+                      </a:endParaRPr>
+                    </a:p>
+                  </a:txBody>
+                  <a:tcPr marL="6350" marR="6350" marT="6350" marB="0" anchor="b"/>
+                </a:tc>
+                <a:tc>
+                  <a:txBody>
+                    <a:bodyPr/>
+                    <a:lstStyle/>
+                    <a:p>
+                      <a:pPr algn="l" fontAlgn="b"/>
+                      <a:r>
+                        <a:rPr lang="en-US" sz="1200" b="0" i="0" u="none" strike="noStrike" dirty="0">
+                          <a:solidFill>
+                            <a:srgbClr val="000000"/>
+                          </a:solidFill>
+                          <a:effectLst/>
+                          <a:latin typeface="Calibri" charset="0"/>
+                        </a:rPr>
+                        <a:t>Wisdom of Crowds</a:t>
+                      </a:r>
+                    </a:p>
+                  </a:txBody>
+                  <a:tcPr marL="6350" marR="6350" marT="6350" marB="0" anchor="b"/>
+                </a:tc>
+                <a:tc>
+                  <a:txBody>
+                    <a:bodyPr/>
+                    <a:lstStyle/>
+                    <a:p>
+                      <a:pPr algn="l" fontAlgn="b"/>
+                      <a:r>
+                        <a:rPr lang="is-IS" sz="1200" b="0" i="0" u="none" strike="noStrike" dirty="0">
+                          <a:solidFill>
+                            <a:srgbClr val="000000"/>
+                          </a:solidFill>
+                          <a:effectLst/>
+                          <a:latin typeface="Calibri" charset="0"/>
+                        </a:rPr>
+                        <a:t>385721706</a:t>
+                      </a:r>
+                    </a:p>
+                  </a:txBody>
+                  <a:tcPr marL="6350" marR="6350" marT="6350" marB="0" anchor="b"/>
+                </a:tc>
+                <a:tc>
+                  <a:txBody>
+                    <a:bodyPr/>
+                    <a:lstStyle/>
+                    <a:p>
+                      <a:pPr algn="l" fontAlgn="b"/>
+                      <a:r>
+                        <a:rPr lang="is-IS" sz="1200" b="0" i="0" u="none" strike="noStrike" dirty="0" smtClean="0">
+                          <a:solidFill>
+                            <a:srgbClr val="000000"/>
+                          </a:solidFill>
+                          <a:effectLst/>
+                          <a:latin typeface="Calibri" charset="0"/>
+                        </a:rPr>
+                        <a:t>1</a:t>
+                      </a:r>
+                      <a:endParaRPr lang="is-IS" sz="1200" b="0" i="0" u="none" strike="noStrike" dirty="0">
+                        <a:solidFill>
+                          <a:srgbClr val="000000"/>
+                        </a:solidFill>
+                        <a:effectLst/>
+                        <a:latin typeface="Calibri" charset="0"/>
+                      </a:endParaRPr>
+                    </a:p>
+                  </a:txBody>
+                  <a:tcPr marL="6350" marR="6350" marT="6350" marB="0" anchor="b"/>
+                </a:tc>
+              </a:tr>
+              <a:tr h="346130">
+                <a:tc>
+                  <a:txBody>
+                    <a:bodyPr/>
+                    <a:lstStyle/>
+                    <a:p>
+                      <a:pPr algn="l" fontAlgn="b"/>
+                      <a:r>
+                        <a:rPr lang="en-US" sz="1200" b="0" i="0" u="none" strike="noStrike" dirty="0" smtClean="0">
+                          <a:solidFill>
+                            <a:srgbClr val="000000"/>
+                          </a:solidFill>
+                          <a:effectLst/>
+                          <a:latin typeface="Calibri" charset="0"/>
+                        </a:rPr>
+                        <a:t>2</a:t>
+                      </a:r>
+                      <a:endParaRPr lang="en-US" sz="1200" b="0" i="0" u="none" strike="noStrike" dirty="0">
+                        <a:solidFill>
+                          <a:srgbClr val="000000"/>
+                        </a:solidFill>
+                        <a:effectLst/>
+                        <a:latin typeface="Calibri" charset="0"/>
+                      </a:endParaRPr>
+                    </a:p>
+                  </a:txBody>
+                  <a:tcPr marL="6350" marR="6350" marT="6350" marB="0" anchor="b"/>
+                </a:tc>
+                <a:tc>
+                  <a:txBody>
+                    <a:bodyPr/>
+                    <a:lstStyle/>
+                    <a:p>
+                      <a:pPr algn="l" fontAlgn="b"/>
+                      <a:r>
+                        <a:rPr lang="en-US" sz="1200" b="0" i="0" u="none" strike="noStrike" dirty="0">
+                          <a:solidFill>
+                            <a:srgbClr val="000000"/>
+                          </a:solidFill>
+                          <a:effectLst/>
+                          <a:latin typeface="Calibri" charset="0"/>
+                        </a:rPr>
+                        <a:t>Introduction to Networking</a:t>
+                      </a:r>
+                    </a:p>
+                  </a:txBody>
+                  <a:tcPr marL="6350" marR="6350" marT="6350" marB="0" anchor="b"/>
+                </a:tc>
+                <a:tc>
+                  <a:txBody>
+                    <a:bodyPr/>
+                    <a:lstStyle/>
+                    <a:p>
+                      <a:pPr algn="l" fontAlgn="b"/>
+                      <a:r>
+                        <a:rPr lang="cs-CZ" sz="1200" b="0" i="0" u="none" strike="noStrike" dirty="0">
+                          <a:solidFill>
+                            <a:srgbClr val="000000"/>
+                          </a:solidFill>
+                          <a:effectLst/>
+                          <a:latin typeface="Calibri" charset="0"/>
+                        </a:rPr>
+                        <a:t>9781511654944</a:t>
+                      </a:r>
+                    </a:p>
+                  </a:txBody>
+                  <a:tcPr marL="6350" marR="6350" marT="6350" marB="0" anchor="b"/>
+                </a:tc>
+                <a:tc>
+                  <a:txBody>
+                    <a:bodyPr/>
+                    <a:lstStyle/>
+                    <a:p>
+                      <a:pPr algn="l" fontAlgn="b"/>
+                      <a:r>
+                        <a:rPr lang="cs-CZ" sz="1200" b="0" i="0" u="none" strike="noStrike" dirty="0" smtClean="0">
+                          <a:solidFill>
+                            <a:srgbClr val="000000"/>
+                          </a:solidFill>
+                          <a:effectLst/>
+                          <a:latin typeface="Calibri" charset="0"/>
+                        </a:rPr>
+                        <a:t>1</a:t>
+                      </a:r>
+                      <a:endParaRPr lang="cs-CZ" sz="1200" b="0" i="0" u="none" strike="noStrike" dirty="0">
+                        <a:solidFill>
+                          <a:srgbClr val="000000"/>
+                        </a:solidFill>
+                        <a:effectLst/>
+                        <a:latin typeface="Calibri" charset="0"/>
+                      </a:endParaRPr>
+                    </a:p>
+                  </a:txBody>
+                  <a:tcPr marL="6350" marR="6350" marT="6350" marB="0" anchor="b"/>
+                </a:tc>
+              </a:tr>
+              <a:tr h="346130">
+                <a:tc>
+                  <a:txBody>
+                    <a:bodyPr/>
+                    <a:lstStyle/>
+                    <a:p>
+                      <a:pPr algn="l" fontAlgn="b"/>
+                      <a:r>
+                        <a:rPr lang="en-US" sz="1200" b="0" i="0" u="none" strike="noStrike" dirty="0" smtClean="0">
+                          <a:solidFill>
+                            <a:srgbClr val="000000"/>
+                          </a:solidFill>
+                          <a:effectLst/>
+                          <a:latin typeface="Calibri" charset="0"/>
+                        </a:rPr>
+                        <a:t>3</a:t>
+                      </a:r>
+                      <a:endParaRPr lang="en-US" sz="1200" b="0" i="0" u="none" strike="noStrike" dirty="0">
+                        <a:solidFill>
+                          <a:srgbClr val="000000"/>
+                        </a:solidFill>
+                        <a:effectLst/>
+                        <a:latin typeface="Calibri" charset="0"/>
+                      </a:endParaRPr>
+                    </a:p>
+                  </a:txBody>
+                  <a:tcPr marL="6350" marR="6350" marT="6350" marB="0" anchor="b"/>
+                </a:tc>
+                <a:tc>
+                  <a:txBody>
+                    <a:bodyPr/>
+                    <a:lstStyle/>
+                    <a:p>
+                      <a:pPr algn="l" fontAlgn="b"/>
+                      <a:r>
+                        <a:rPr lang="en-US" sz="1200" b="0" i="0" u="none" strike="noStrike" dirty="0" err="1">
+                          <a:solidFill>
+                            <a:srgbClr val="000000"/>
+                          </a:solidFill>
+                          <a:effectLst/>
+                          <a:latin typeface="Calibri" charset="0"/>
+                        </a:rPr>
+                        <a:t>Introducción</a:t>
+                      </a:r>
+                      <a:r>
+                        <a:rPr lang="en-US" sz="1200" b="0" i="0" u="none" strike="noStrike" dirty="0">
+                          <a:solidFill>
+                            <a:srgbClr val="000000"/>
+                          </a:solidFill>
+                          <a:effectLst/>
+                          <a:latin typeface="Calibri" charset="0"/>
+                        </a:rPr>
+                        <a:t> a las </a:t>
+                      </a:r>
+                      <a:r>
+                        <a:rPr lang="en-US" sz="1200" b="0" i="0" u="none" strike="noStrike" dirty="0" err="1">
+                          <a:solidFill>
+                            <a:srgbClr val="000000"/>
+                          </a:solidFill>
+                          <a:effectLst/>
+                          <a:latin typeface="Calibri" charset="0"/>
+                        </a:rPr>
+                        <a:t>Redes</a:t>
+                      </a:r>
+                      <a:endParaRPr lang="en-US" sz="1200" b="0" i="0" u="none" strike="noStrike" dirty="0">
+                        <a:solidFill>
+                          <a:srgbClr val="000000"/>
+                        </a:solidFill>
+                        <a:effectLst/>
+                        <a:latin typeface="Calibri" charset="0"/>
+                      </a:endParaRPr>
+                    </a:p>
+                  </a:txBody>
+                  <a:tcPr marL="6350" marR="6350" marT="6350" marB="0" anchor="b"/>
+                </a:tc>
+                <a:tc>
+                  <a:txBody>
+                    <a:bodyPr/>
+                    <a:lstStyle/>
+                    <a:p>
+                      <a:pPr algn="l" fontAlgn="b"/>
+                      <a:r>
+                        <a:rPr lang="is-IS" sz="1200" b="0" i="0" u="none" strike="noStrike" dirty="0">
+                          <a:solidFill>
+                            <a:srgbClr val="000000"/>
+                          </a:solidFill>
+                          <a:effectLst/>
+                          <a:latin typeface="Calibri" charset="0"/>
+                        </a:rPr>
+                        <a:t>9781523627516</a:t>
+                      </a:r>
+                    </a:p>
+                  </a:txBody>
+                  <a:tcPr marL="6350" marR="6350" marT="6350" marB="0" anchor="b"/>
+                </a:tc>
+                <a:tc>
+                  <a:txBody>
+                    <a:bodyPr/>
+                    <a:lstStyle/>
+                    <a:p>
+                      <a:pPr algn="l" fontAlgn="b"/>
+                      <a:r>
+                        <a:rPr lang="is-IS" sz="1200" b="0" i="0" u="none" strike="noStrike" dirty="0" smtClean="0">
+                          <a:solidFill>
+                            <a:srgbClr val="000000"/>
+                          </a:solidFill>
+                          <a:effectLst/>
+                          <a:latin typeface="Calibri" charset="0"/>
+                        </a:rPr>
+                        <a:t>2</a:t>
+                      </a:r>
+                      <a:endParaRPr lang="is-IS" sz="1200" b="0" i="0" u="none" strike="noStrike" dirty="0">
+                        <a:solidFill>
+                          <a:srgbClr val="000000"/>
+                        </a:solidFill>
+                        <a:effectLst/>
+                        <a:latin typeface="Calibri" charset="0"/>
+                      </a:endParaRPr>
+                    </a:p>
+                  </a:txBody>
+                  <a:tcPr marL="6350" marR="6350" marT="6350" marB="0" anchor="b"/>
+                </a:tc>
+              </a:tr>
+            </a:tbl>
+          </a:graphicData>
+        </a:graphic>
+      </p:graphicFrame>
+      <p:graphicFrame>
+        <p:nvGraphicFramePr>
+          <p:cNvPr id="7" name="Table 6"/>
+          <p:cNvGraphicFramePr>
+            <a:graphicFrameLocks noGrp="1"/>
+          </p:cNvGraphicFramePr>
+          <p:nvPr>
+            <p:extLst/>
+          </p:nvPr>
+        </p:nvGraphicFramePr>
+        <p:xfrm>
+          <a:off x="10182235" y="4120323"/>
+          <a:ext cx="1533516" cy="1037209"/>
+        </p:xfrm>
+        <a:graphic>
+          <a:graphicData uri="http://schemas.openxmlformats.org/drawingml/2006/table">
+            <a:tbl>
+              <a:tblPr firstRow="1" bandRow="1">
+                <a:tableStyleId>{5C22544A-7EE6-4342-B048-85BDC9FD1C3A}</a:tableStyleId>
+              </a:tblPr>
+              <a:tblGrid>
+                <a:gridCol w="766758"/>
+                <a:gridCol w="766758"/>
+              </a:tblGrid>
+              <a:tr h="344949">
+                <a:tc>
+                  <a:txBody>
+                    <a:bodyPr/>
+                    <a:lstStyle/>
+                    <a:p>
+                      <a:pPr algn="l" fontAlgn="b"/>
+                      <a:r>
+                        <a:rPr lang="en-US" sz="1600" b="0" i="0" u="none" strike="noStrike" dirty="0" smtClean="0">
+                          <a:solidFill>
+                            <a:srgbClr val="000000"/>
+                          </a:solidFill>
+                          <a:effectLst/>
+                          <a:latin typeface="Calibri" charset="0"/>
+                        </a:rPr>
+                        <a:t>id</a:t>
+                      </a:r>
+                      <a:endParaRPr lang="en-US" sz="1600" b="0" i="0" u="none" strike="noStrike" dirty="0">
+                        <a:solidFill>
+                          <a:srgbClr val="000000"/>
+                        </a:solidFill>
+                        <a:effectLst/>
+                        <a:latin typeface="Calibri" charset="0"/>
+                      </a:endParaRPr>
+                    </a:p>
+                  </a:txBody>
+                  <a:tcPr marL="6350" marR="6350" marT="6350" marB="0" anchor="b"/>
+                </a:tc>
+                <a:tc>
+                  <a:txBody>
+                    <a:bodyPr/>
+                    <a:lstStyle/>
+                    <a:p>
+                      <a:pPr algn="l" fontAlgn="b"/>
+                      <a:r>
+                        <a:rPr lang="en-US" sz="1600" b="0" i="0" u="none" strike="noStrike" dirty="0" smtClean="0">
+                          <a:solidFill>
+                            <a:srgbClr val="000000"/>
+                          </a:solidFill>
+                          <a:effectLst/>
+                          <a:latin typeface="Calibri" charset="0"/>
+                        </a:rPr>
+                        <a:t>Lang</a:t>
+                      </a:r>
+                      <a:endParaRPr lang="en-US" sz="1600" b="0" i="0" u="none" strike="noStrike" dirty="0">
+                        <a:solidFill>
+                          <a:srgbClr val="000000"/>
+                        </a:solidFill>
+                        <a:effectLst/>
+                        <a:latin typeface="Calibri" charset="0"/>
+                      </a:endParaRPr>
+                    </a:p>
+                  </a:txBody>
+                  <a:tcPr marL="6350" marR="6350" marT="6350" marB="0" anchor="b"/>
+                </a:tc>
+              </a:tr>
+              <a:tr h="346130">
+                <a:tc>
+                  <a:txBody>
+                    <a:bodyPr/>
+                    <a:lstStyle/>
+                    <a:p>
+                      <a:pPr algn="l" fontAlgn="b"/>
+                      <a:r>
+                        <a:rPr lang="en-US" sz="1200" b="0" i="0" u="none" strike="noStrike" dirty="0" smtClean="0">
+                          <a:solidFill>
+                            <a:srgbClr val="000000"/>
+                          </a:solidFill>
+                          <a:effectLst/>
+                          <a:latin typeface="Calibri" charset="0"/>
+                        </a:rPr>
+                        <a:t>1</a:t>
+                      </a:r>
+                      <a:endParaRPr lang="en-US" sz="1200" b="0" i="0" u="none" strike="noStrike" dirty="0">
+                        <a:solidFill>
+                          <a:srgbClr val="000000"/>
+                        </a:solidFill>
+                        <a:effectLst/>
+                        <a:latin typeface="Calibri" charset="0"/>
+                      </a:endParaRPr>
+                    </a:p>
+                  </a:txBody>
+                  <a:tcPr marL="6350" marR="6350" marT="6350" marB="0" anchor="b"/>
+                </a:tc>
+                <a:tc>
+                  <a:txBody>
+                    <a:bodyPr/>
+                    <a:lstStyle/>
+                    <a:p>
+                      <a:pPr algn="l" fontAlgn="b"/>
+                      <a:r>
+                        <a:rPr lang="en-US" sz="1200" b="0" i="0" u="none" strike="noStrike" dirty="0" err="1">
+                          <a:solidFill>
+                            <a:srgbClr val="000000"/>
+                          </a:solidFill>
+                          <a:effectLst/>
+                          <a:latin typeface="Calibri" charset="0"/>
+                        </a:rPr>
+                        <a:t>en</a:t>
+                      </a:r>
+                      <a:endParaRPr lang="en-US" sz="1200" b="0" i="0" u="none" strike="noStrike" dirty="0">
+                        <a:solidFill>
+                          <a:srgbClr val="000000"/>
+                        </a:solidFill>
+                        <a:effectLst/>
+                        <a:latin typeface="Calibri" charset="0"/>
+                      </a:endParaRPr>
+                    </a:p>
+                  </a:txBody>
+                  <a:tcPr marL="6350" marR="6350" marT="6350" marB="0" anchor="b"/>
+                </a:tc>
+              </a:tr>
+              <a:tr h="346130">
+                <a:tc>
+                  <a:txBody>
+                    <a:bodyPr/>
+                    <a:lstStyle/>
+                    <a:p>
+                      <a:pPr algn="l" fontAlgn="b"/>
+                      <a:r>
+                        <a:rPr lang="en-US" sz="1200" b="0" i="0" u="none" strike="noStrike" dirty="0" smtClean="0">
+                          <a:solidFill>
+                            <a:srgbClr val="000000"/>
+                          </a:solidFill>
+                          <a:effectLst/>
+                          <a:latin typeface="Calibri" charset="0"/>
+                        </a:rPr>
+                        <a:t>2</a:t>
+                      </a:r>
+                      <a:endParaRPr lang="en-US" sz="1200" b="0" i="0" u="none" strike="noStrike" dirty="0">
+                        <a:solidFill>
+                          <a:srgbClr val="000000"/>
+                        </a:solidFill>
+                        <a:effectLst/>
+                        <a:latin typeface="Calibri" charset="0"/>
+                      </a:endParaRPr>
+                    </a:p>
+                  </a:txBody>
+                  <a:tcPr marL="6350" marR="6350" marT="6350" marB="0" anchor="b"/>
+                </a:tc>
+                <a:tc>
+                  <a:txBody>
+                    <a:bodyPr/>
+                    <a:lstStyle/>
+                    <a:p>
+                      <a:pPr algn="l" fontAlgn="b"/>
+                      <a:r>
+                        <a:rPr lang="en-US" sz="1200" b="0" i="0" u="none" strike="noStrike" dirty="0" err="1" smtClean="0">
+                          <a:solidFill>
+                            <a:srgbClr val="000000"/>
+                          </a:solidFill>
+                          <a:effectLst/>
+                          <a:latin typeface="Calibri" charset="0"/>
+                        </a:rPr>
+                        <a:t>es</a:t>
+                      </a:r>
+                      <a:endParaRPr lang="en-US" sz="1200" b="0" i="0" u="none" strike="noStrike" dirty="0">
+                        <a:solidFill>
+                          <a:srgbClr val="000000"/>
+                        </a:solidFill>
+                        <a:effectLst/>
+                        <a:latin typeface="Calibri" charset="0"/>
+                      </a:endParaRPr>
+                    </a:p>
+                  </a:txBody>
+                  <a:tcPr marL="6350" marR="6350" marT="6350" marB="0" anchor="b"/>
+                </a:tc>
+              </a:tr>
+            </a:tbl>
+          </a:graphicData>
+        </a:graphic>
+      </p:graphicFrame>
+      <p:cxnSp>
+        <p:nvCxnSpPr>
+          <p:cNvPr id="9" name="Straight Connector 8"/>
+          <p:cNvCxnSpPr/>
+          <p:nvPr/>
+        </p:nvCxnSpPr>
+        <p:spPr>
+          <a:xfrm>
+            <a:off x="0" y="3263474"/>
+            <a:ext cx="12192000" cy="42863"/>
+          </a:xfrm>
+          <a:prstGeom prst="line">
+            <a:avLst/>
+          </a:prstGeom>
+          <a:ln w="38100"/>
+        </p:spPr>
+        <p:style>
+          <a:lnRef idx="1">
+            <a:schemeClr val="accent1"/>
+          </a:lnRef>
+          <a:fillRef idx="0">
+            <a:schemeClr val="accent1"/>
+          </a:fillRef>
+          <a:effectRef idx="0">
+            <a:schemeClr val="accent1"/>
+          </a:effectRef>
+          <a:fontRef idx="minor">
+            <a:schemeClr val="tx1"/>
+          </a:fontRef>
+        </p:style>
+      </p:cxnSp>
+      <p:sp>
+        <p:nvSpPr>
+          <p:cNvPr id="10" name="Title 9"/>
+          <p:cNvSpPr>
+            <a:spLocks noGrp="1"/>
+          </p:cNvSpPr>
+          <p:nvPr>
+            <p:ph type="title"/>
+          </p:nvPr>
+        </p:nvSpPr>
+        <p:spPr>
+          <a:xfrm>
+            <a:off x="8457013" y="775726"/>
+            <a:ext cx="3258738" cy="1325563"/>
+          </a:xfrm>
+        </p:spPr>
+        <p:txBody>
+          <a:bodyPr>
+            <a:normAutofit fontScale="90000"/>
+          </a:bodyPr>
+          <a:lstStyle/>
+          <a:p>
+            <a:r>
+              <a:rPr lang="en-US" dirty="0" smtClean="0"/>
+              <a:t>Links in </a:t>
+            </a:r>
+            <a:r>
+              <a:rPr lang="en-US" smtClean="0"/>
+              <a:t>a Physical Model</a:t>
+            </a:r>
+            <a:endParaRPr lang="en-US" dirty="0"/>
+          </a:p>
+        </p:txBody>
+      </p:sp>
+      <p:graphicFrame>
+        <p:nvGraphicFramePr>
+          <p:cNvPr id="24" name="Table 23"/>
+          <p:cNvGraphicFramePr>
+            <a:graphicFrameLocks noGrp="1"/>
+          </p:cNvGraphicFramePr>
+          <p:nvPr>
+            <p:extLst/>
+          </p:nvPr>
+        </p:nvGraphicFramePr>
+        <p:xfrm>
+          <a:off x="589953" y="3754443"/>
+          <a:ext cx="3305802" cy="2075599"/>
+        </p:xfrm>
+        <a:graphic>
+          <a:graphicData uri="http://schemas.openxmlformats.org/drawingml/2006/table">
+            <a:tbl>
+              <a:tblPr firstRow="1" bandRow="1">
+                <a:tableStyleId>{5C22544A-7EE6-4342-B048-85BDC9FD1C3A}</a:tableStyleId>
+              </a:tblPr>
+              <a:tblGrid>
+                <a:gridCol w="651894"/>
+                <a:gridCol w="758403"/>
+                <a:gridCol w="1100138"/>
+                <a:gridCol w="795367"/>
+              </a:tblGrid>
+              <a:tr h="344949">
+                <a:tc>
+                  <a:txBody>
+                    <a:bodyPr/>
+                    <a:lstStyle/>
+                    <a:p>
+                      <a:pPr algn="l" fontAlgn="b"/>
+                      <a:r>
+                        <a:rPr lang="en-US" sz="1600" b="0" i="0" u="none" strike="noStrike" dirty="0" smtClean="0">
+                          <a:solidFill>
+                            <a:srgbClr val="000000"/>
+                          </a:solidFill>
+                          <a:effectLst/>
+                          <a:latin typeface="Calibri" charset="0"/>
+                        </a:rPr>
+                        <a:t>id</a:t>
+                      </a:r>
+                      <a:endParaRPr lang="en-US" sz="1600" b="0" i="0" u="none" strike="noStrike" dirty="0">
+                        <a:solidFill>
+                          <a:srgbClr val="000000"/>
+                        </a:solidFill>
+                        <a:effectLst/>
+                        <a:latin typeface="Calibri" charset="0"/>
+                      </a:endParaRPr>
+                    </a:p>
+                  </a:txBody>
+                  <a:tcPr marL="6350" marR="6350" marT="6350" marB="0" anchor="b"/>
+                </a:tc>
+                <a:tc>
+                  <a:txBody>
+                    <a:bodyPr/>
+                    <a:lstStyle/>
+                    <a:p>
+                      <a:pPr algn="l" fontAlgn="b"/>
+                      <a:r>
+                        <a:rPr lang="en-US" sz="1600" b="0" i="0" u="none" strike="noStrike" dirty="0">
+                          <a:solidFill>
+                            <a:srgbClr val="000000"/>
+                          </a:solidFill>
+                          <a:effectLst/>
+                          <a:latin typeface="Calibri" charset="0"/>
+                        </a:rPr>
+                        <a:t>Instance</a:t>
+                      </a:r>
+                    </a:p>
+                  </a:txBody>
+                  <a:tcPr marL="6350" marR="6350" marT="6350" marB="0" anchor="b"/>
+                </a:tc>
+                <a:tc>
+                  <a:txBody>
+                    <a:bodyPr/>
+                    <a:lstStyle/>
+                    <a:p>
+                      <a:pPr algn="l" fontAlgn="b"/>
+                      <a:r>
+                        <a:rPr lang="en-US" sz="1600" b="0" i="0" u="none" strike="noStrike">
+                          <a:solidFill>
+                            <a:srgbClr val="000000"/>
+                          </a:solidFill>
+                          <a:effectLst/>
+                          <a:latin typeface="Calibri" charset="0"/>
+                        </a:rPr>
+                        <a:t>Due_back</a:t>
+                      </a:r>
+                    </a:p>
+                  </a:txBody>
+                  <a:tcPr marL="6350" marR="6350" marT="6350" marB="0" anchor="b"/>
+                </a:tc>
+                <a:tc>
+                  <a:txBody>
+                    <a:bodyPr/>
+                    <a:lstStyle/>
+                    <a:p>
+                      <a:pPr algn="l" fontAlgn="b"/>
+                      <a:r>
+                        <a:rPr lang="en-US" sz="1600" b="0" i="0" u="none" strike="noStrike" dirty="0" err="1" smtClean="0">
+                          <a:solidFill>
+                            <a:srgbClr val="000000"/>
+                          </a:solidFill>
+                          <a:effectLst/>
+                          <a:latin typeface="Calibri" charset="0"/>
+                        </a:rPr>
+                        <a:t>book_id</a:t>
+                      </a:r>
+                      <a:endParaRPr lang="en-US" sz="1600" b="0" i="0" u="none" strike="noStrike" dirty="0">
+                        <a:solidFill>
+                          <a:srgbClr val="000000"/>
+                        </a:solidFill>
+                        <a:effectLst/>
+                        <a:latin typeface="Calibri" charset="0"/>
+                      </a:endParaRPr>
+                    </a:p>
+                  </a:txBody>
+                  <a:tcPr marL="6350" marR="6350" marT="6350" marB="0" anchor="b"/>
+                </a:tc>
+              </a:tr>
+              <a:tr h="346130">
+                <a:tc>
+                  <a:txBody>
+                    <a:bodyPr/>
+                    <a:lstStyle/>
+                    <a:p>
+                      <a:pPr algn="r" fontAlgn="b"/>
+                      <a:r>
+                        <a:rPr lang="en-US" sz="1200" b="0" i="0" u="none" strike="noStrike" dirty="0" smtClean="0">
+                          <a:solidFill>
+                            <a:srgbClr val="000000"/>
+                          </a:solidFill>
+                          <a:effectLst/>
+                          <a:latin typeface="Calibri" charset="0"/>
+                        </a:rPr>
+                        <a:t>1</a:t>
+                      </a:r>
+                      <a:endParaRPr lang="en-US" sz="1200" b="0" i="0" u="none" strike="noStrike" dirty="0">
+                        <a:solidFill>
+                          <a:srgbClr val="000000"/>
+                        </a:solidFill>
+                        <a:effectLst/>
+                        <a:latin typeface="Calibri" charset="0"/>
+                      </a:endParaRPr>
+                    </a:p>
+                  </a:txBody>
+                  <a:tcPr marL="6350" marR="6350" marT="6350" marB="0" anchor="b"/>
+                </a:tc>
+                <a:tc>
+                  <a:txBody>
+                    <a:bodyPr/>
+                    <a:lstStyle/>
+                    <a:p>
+                      <a:pPr algn="r" fontAlgn="b"/>
+                      <a:r>
+                        <a:rPr lang="en-US" sz="1200" b="0" i="0" u="none" strike="noStrike" dirty="0">
+                          <a:solidFill>
+                            <a:srgbClr val="000000"/>
+                          </a:solidFill>
+                          <a:effectLst/>
+                          <a:latin typeface="Calibri" charset="0"/>
+                        </a:rPr>
+                        <a:t>1</a:t>
+                      </a:r>
+                    </a:p>
+                  </a:txBody>
+                  <a:tcPr marL="6350" marR="6350" marT="6350" marB="0" anchor="b"/>
+                </a:tc>
+                <a:tc>
+                  <a:txBody>
+                    <a:bodyPr/>
+                    <a:lstStyle/>
+                    <a:p>
+                      <a:pPr algn="l" fontAlgn="b"/>
+                      <a:endParaRPr lang="en-US" sz="1200" b="0" i="0" u="none" strike="noStrike" dirty="0">
+                        <a:solidFill>
+                          <a:srgbClr val="000000"/>
+                        </a:solidFill>
+                        <a:effectLst/>
+                        <a:latin typeface="Calibri" charset="0"/>
+                      </a:endParaRPr>
+                    </a:p>
+                  </a:txBody>
+                  <a:tcPr marL="6350" marR="6350" marT="6350" marB="0" anchor="b"/>
+                </a:tc>
+                <a:tc>
+                  <a:txBody>
+                    <a:bodyPr/>
+                    <a:lstStyle/>
+                    <a:p>
+                      <a:pPr algn="l" fontAlgn="b"/>
+                      <a:r>
+                        <a:rPr lang="en-US" sz="1200" b="0" i="0" u="none" strike="noStrike" dirty="0" smtClean="0">
+                          <a:solidFill>
+                            <a:srgbClr val="000000"/>
+                          </a:solidFill>
+                          <a:effectLst/>
+                          <a:latin typeface="Calibri" charset="0"/>
+                        </a:rPr>
+                        <a:t>1</a:t>
+                      </a:r>
+                    </a:p>
+                  </a:txBody>
+                  <a:tcPr marL="6350" marR="6350" marT="6350" marB="0" anchor="b"/>
+                </a:tc>
+              </a:tr>
+              <a:tr h="346130">
+                <a:tc>
+                  <a:txBody>
+                    <a:bodyPr/>
+                    <a:lstStyle/>
+                    <a:p>
+                      <a:pPr algn="r" fontAlgn="b"/>
+                      <a:r>
+                        <a:rPr lang="is-IS" sz="1200" b="0" i="0" u="none" strike="noStrike" dirty="0" smtClean="0">
+                          <a:solidFill>
+                            <a:srgbClr val="000000"/>
+                          </a:solidFill>
+                          <a:effectLst/>
+                          <a:latin typeface="Calibri" charset="0"/>
+                        </a:rPr>
+                        <a:t>2</a:t>
+                      </a:r>
+                      <a:endParaRPr lang="is-IS" sz="1200" b="0" i="0" u="none" strike="noStrike" dirty="0">
+                        <a:solidFill>
+                          <a:srgbClr val="000000"/>
+                        </a:solidFill>
+                        <a:effectLst/>
+                        <a:latin typeface="Calibri" charset="0"/>
+                      </a:endParaRPr>
+                    </a:p>
+                  </a:txBody>
+                  <a:tcPr marL="6350" marR="6350" marT="6350" marB="0" anchor="b"/>
+                </a:tc>
+                <a:tc>
+                  <a:txBody>
+                    <a:bodyPr/>
+                    <a:lstStyle/>
+                    <a:p>
+                      <a:pPr algn="r" fontAlgn="b"/>
+                      <a:r>
+                        <a:rPr lang="is-IS" sz="1200" b="0" i="0" u="none" strike="noStrike">
+                          <a:solidFill>
+                            <a:srgbClr val="000000"/>
+                          </a:solidFill>
+                          <a:effectLst/>
+                          <a:latin typeface="Calibri" charset="0"/>
+                        </a:rPr>
+                        <a:t>2</a:t>
+                      </a:r>
+                    </a:p>
+                  </a:txBody>
+                  <a:tcPr marL="6350" marR="6350" marT="6350" marB="0" anchor="b"/>
+                </a:tc>
+                <a:tc>
+                  <a:txBody>
+                    <a:bodyPr/>
+                    <a:lstStyle/>
+                    <a:p>
+                      <a:pPr algn="l" fontAlgn="b"/>
+                      <a:r>
+                        <a:rPr lang="en-US" sz="1200" b="0" i="0" u="none" strike="noStrike" dirty="0">
+                          <a:solidFill>
+                            <a:srgbClr val="000000"/>
+                          </a:solidFill>
+                          <a:effectLst/>
+                          <a:latin typeface="Calibri" charset="0"/>
+                        </a:rPr>
+                        <a:t>next week</a:t>
+                      </a:r>
+                    </a:p>
+                  </a:txBody>
+                  <a:tcPr marL="6350" marR="6350" marT="6350" marB="0" anchor="b"/>
+                </a:tc>
+                <a:tc>
+                  <a:txBody>
+                    <a:bodyPr/>
+                    <a:lstStyle/>
+                    <a:p>
+                      <a:pPr algn="l" fontAlgn="b"/>
+                      <a:r>
+                        <a:rPr lang="en-US" sz="1200" b="0" i="0" u="none" strike="noStrike" dirty="0" smtClean="0">
+                          <a:solidFill>
+                            <a:srgbClr val="000000"/>
+                          </a:solidFill>
+                          <a:effectLst/>
+                          <a:latin typeface="Calibri" charset="0"/>
+                        </a:rPr>
+                        <a:t>1</a:t>
+                      </a:r>
+                      <a:endParaRPr lang="en-US" sz="1200" b="0" i="0" u="none" strike="noStrike" dirty="0">
+                        <a:solidFill>
+                          <a:srgbClr val="000000"/>
+                        </a:solidFill>
+                        <a:effectLst/>
+                        <a:latin typeface="Calibri" charset="0"/>
+                      </a:endParaRPr>
+                    </a:p>
+                  </a:txBody>
+                  <a:tcPr marL="6350" marR="6350" marT="6350" marB="0" anchor="b"/>
+                </a:tc>
+              </a:tr>
+              <a:tr h="346130">
+                <a:tc>
+                  <a:txBody>
+                    <a:bodyPr/>
+                    <a:lstStyle/>
+                    <a:p>
+                      <a:pPr algn="r" fontAlgn="b"/>
+                      <a:r>
+                        <a:rPr lang="en-US" sz="1200" b="0" i="0" u="none" strike="noStrike" dirty="0" smtClean="0">
+                          <a:solidFill>
+                            <a:srgbClr val="000000"/>
+                          </a:solidFill>
+                          <a:effectLst/>
+                          <a:latin typeface="Calibri" charset="0"/>
+                        </a:rPr>
+                        <a:t>3</a:t>
+                      </a:r>
+                      <a:endParaRPr lang="en-US" sz="1200" b="0" i="0" u="none" strike="noStrike" dirty="0">
+                        <a:solidFill>
+                          <a:srgbClr val="000000"/>
+                        </a:solidFill>
+                        <a:effectLst/>
+                        <a:latin typeface="Calibri" charset="0"/>
+                      </a:endParaRPr>
+                    </a:p>
+                  </a:txBody>
+                  <a:tcPr marL="6350" marR="6350" marT="6350" marB="0" anchor="b"/>
+                </a:tc>
+                <a:tc>
+                  <a:txBody>
+                    <a:bodyPr/>
+                    <a:lstStyle/>
+                    <a:p>
+                      <a:pPr algn="r" fontAlgn="b"/>
+                      <a:r>
+                        <a:rPr lang="en-US" sz="1200" b="0" i="0" u="none" strike="noStrike">
+                          <a:solidFill>
+                            <a:srgbClr val="000000"/>
+                          </a:solidFill>
+                          <a:effectLst/>
+                          <a:latin typeface="Calibri" charset="0"/>
+                        </a:rPr>
+                        <a:t>3</a:t>
+                      </a:r>
+                    </a:p>
+                  </a:txBody>
+                  <a:tcPr marL="6350" marR="6350" marT="6350" marB="0" anchor="b"/>
+                </a:tc>
+                <a:tc>
+                  <a:txBody>
+                    <a:bodyPr/>
+                    <a:lstStyle/>
+                    <a:p>
+                      <a:pPr algn="l" fontAlgn="b"/>
+                      <a:r>
+                        <a:rPr lang="en-US" sz="1200" b="0" i="0" u="none" strike="noStrike" dirty="0">
+                          <a:solidFill>
+                            <a:srgbClr val="000000"/>
+                          </a:solidFill>
+                          <a:effectLst/>
+                          <a:latin typeface="Calibri" charset="0"/>
+                        </a:rPr>
+                        <a:t>who knows</a:t>
+                      </a:r>
+                    </a:p>
+                  </a:txBody>
+                  <a:tcPr marL="6350" marR="6350" marT="6350" marB="0" anchor="b"/>
+                </a:tc>
+                <a:tc>
+                  <a:txBody>
+                    <a:bodyPr/>
+                    <a:lstStyle/>
+                    <a:p>
+                      <a:pPr algn="l" fontAlgn="b"/>
+                      <a:r>
+                        <a:rPr lang="en-US" sz="1200" b="0" i="0" u="none" strike="noStrike" dirty="0" smtClean="0">
+                          <a:solidFill>
+                            <a:srgbClr val="000000"/>
+                          </a:solidFill>
+                          <a:effectLst/>
+                          <a:latin typeface="Calibri" charset="0"/>
+                        </a:rPr>
+                        <a:t>1</a:t>
+                      </a:r>
+                      <a:endParaRPr lang="en-US" sz="1200" b="0" i="0" u="none" strike="noStrike" dirty="0">
+                        <a:solidFill>
+                          <a:srgbClr val="000000"/>
+                        </a:solidFill>
+                        <a:effectLst/>
+                        <a:latin typeface="Calibri" charset="0"/>
+                      </a:endParaRPr>
+                    </a:p>
+                  </a:txBody>
+                  <a:tcPr marL="6350" marR="6350" marT="6350" marB="0" anchor="b"/>
+                </a:tc>
+              </a:tr>
+              <a:tr h="346130">
+                <a:tc>
+                  <a:txBody>
+                    <a:bodyPr/>
+                    <a:lstStyle/>
+                    <a:p>
+                      <a:pPr algn="r" fontAlgn="b"/>
+                      <a:r>
+                        <a:rPr lang="en-US" sz="1200" b="0" i="0" u="none" strike="noStrike" dirty="0" smtClean="0">
+                          <a:solidFill>
+                            <a:srgbClr val="000000"/>
+                          </a:solidFill>
+                          <a:effectLst/>
+                          <a:latin typeface="Calibri" charset="0"/>
+                        </a:rPr>
+                        <a:t>4</a:t>
+                      </a:r>
+                      <a:endParaRPr lang="en-US" sz="1200" b="0" i="0" u="none" strike="noStrike" dirty="0">
+                        <a:solidFill>
+                          <a:srgbClr val="000000"/>
+                        </a:solidFill>
+                        <a:effectLst/>
+                        <a:latin typeface="Calibri" charset="0"/>
+                      </a:endParaRPr>
+                    </a:p>
+                  </a:txBody>
+                  <a:tcPr marL="6350" marR="6350" marT="6350" marB="0" anchor="b"/>
+                </a:tc>
+                <a:tc>
+                  <a:txBody>
+                    <a:bodyPr/>
+                    <a:lstStyle/>
+                    <a:p>
+                      <a:pPr algn="r" fontAlgn="b"/>
+                      <a:r>
+                        <a:rPr lang="en-US" sz="1200" b="0" i="0" u="none" strike="noStrike" dirty="0">
+                          <a:solidFill>
+                            <a:srgbClr val="000000"/>
+                          </a:solidFill>
+                          <a:effectLst/>
+                          <a:latin typeface="Calibri" charset="0"/>
+                        </a:rPr>
+                        <a:t>1</a:t>
+                      </a:r>
+                    </a:p>
+                  </a:txBody>
+                  <a:tcPr marL="6350" marR="6350" marT="6350" marB="0" anchor="b"/>
+                </a:tc>
+                <a:tc>
+                  <a:txBody>
+                    <a:bodyPr/>
+                    <a:lstStyle/>
+                    <a:p>
+                      <a:pPr algn="l" fontAlgn="b"/>
+                      <a:endParaRPr lang="en-US" sz="1200" b="0" i="0" u="none" strike="noStrike" dirty="0">
+                        <a:solidFill>
+                          <a:srgbClr val="000000"/>
+                        </a:solidFill>
+                        <a:effectLst/>
+                        <a:latin typeface="Calibri" charset="0"/>
+                      </a:endParaRPr>
+                    </a:p>
+                  </a:txBody>
+                  <a:tcPr marL="6350" marR="6350" marT="6350" marB="0" anchor="b"/>
+                </a:tc>
+                <a:tc>
+                  <a:txBody>
+                    <a:bodyPr/>
+                    <a:lstStyle/>
+                    <a:p>
+                      <a:pPr algn="l" fontAlgn="b"/>
+                      <a:r>
+                        <a:rPr lang="en-US" sz="1200" b="0" i="0" u="none" strike="noStrike" dirty="0" smtClean="0">
+                          <a:solidFill>
+                            <a:srgbClr val="000000"/>
+                          </a:solidFill>
+                          <a:effectLst/>
+                          <a:latin typeface="Calibri" charset="0"/>
+                        </a:rPr>
+                        <a:t>2</a:t>
+                      </a:r>
+                      <a:endParaRPr lang="en-US" sz="1200" b="0" i="0" u="none" strike="noStrike" dirty="0">
+                        <a:solidFill>
+                          <a:srgbClr val="000000"/>
+                        </a:solidFill>
+                        <a:effectLst/>
+                        <a:latin typeface="Calibri" charset="0"/>
+                      </a:endParaRPr>
+                    </a:p>
+                  </a:txBody>
+                  <a:tcPr marL="6350" marR="6350" marT="6350" marB="0" anchor="b"/>
+                </a:tc>
+              </a:tr>
+              <a:tr h="346130">
+                <a:tc>
+                  <a:txBody>
+                    <a:bodyPr/>
+                    <a:lstStyle/>
+                    <a:p>
+                      <a:pPr algn="r" fontAlgn="b"/>
+                      <a:r>
+                        <a:rPr lang="en-US" sz="1200" b="0" i="0" u="none" strike="noStrike" dirty="0" smtClean="0">
+                          <a:solidFill>
+                            <a:srgbClr val="000000"/>
+                          </a:solidFill>
+                          <a:effectLst/>
+                          <a:latin typeface="Calibri" charset="0"/>
+                        </a:rPr>
+                        <a:t>5</a:t>
+                      </a:r>
+                      <a:endParaRPr lang="en-US" sz="1200" b="0" i="0" u="none" strike="noStrike" dirty="0">
+                        <a:solidFill>
+                          <a:srgbClr val="000000"/>
+                        </a:solidFill>
+                        <a:effectLst/>
+                        <a:latin typeface="Calibri" charset="0"/>
+                      </a:endParaRPr>
+                    </a:p>
+                  </a:txBody>
+                  <a:tcPr marL="6350" marR="6350" marT="6350" marB="0" anchor="b"/>
+                </a:tc>
+                <a:tc>
+                  <a:txBody>
+                    <a:bodyPr/>
+                    <a:lstStyle/>
+                    <a:p>
+                      <a:pPr algn="r" fontAlgn="b"/>
+                      <a:r>
+                        <a:rPr lang="en-US" sz="1200" b="0" i="0" u="none" strike="noStrike" dirty="0">
+                          <a:solidFill>
+                            <a:srgbClr val="000000"/>
+                          </a:solidFill>
+                          <a:effectLst/>
+                          <a:latin typeface="Calibri" charset="0"/>
+                        </a:rPr>
+                        <a:t>1</a:t>
+                      </a:r>
+                    </a:p>
+                  </a:txBody>
+                  <a:tcPr marL="6350" marR="6350" marT="6350" marB="0" anchor="b"/>
+                </a:tc>
+                <a:tc>
+                  <a:txBody>
+                    <a:bodyPr/>
+                    <a:lstStyle/>
+                    <a:p>
+                      <a:pPr algn="l" fontAlgn="b"/>
+                      <a:endParaRPr lang="en-US" sz="1200" b="0" i="0" u="none" strike="noStrike" dirty="0">
+                        <a:solidFill>
+                          <a:srgbClr val="000000"/>
+                        </a:solidFill>
+                        <a:effectLst/>
+                        <a:latin typeface="Calibri" charset="0"/>
+                      </a:endParaRPr>
+                    </a:p>
+                  </a:txBody>
+                  <a:tcPr marL="6350" marR="6350" marT="6350" marB="0" anchor="b"/>
+                </a:tc>
+                <a:tc>
+                  <a:txBody>
+                    <a:bodyPr/>
+                    <a:lstStyle/>
+                    <a:p>
+                      <a:pPr algn="l" fontAlgn="b"/>
+                      <a:r>
+                        <a:rPr lang="en-US" sz="1200" b="0" i="0" u="none" strike="noStrike" dirty="0" smtClean="0">
+                          <a:solidFill>
+                            <a:srgbClr val="000000"/>
+                          </a:solidFill>
+                          <a:effectLst/>
+                          <a:latin typeface="Calibri" charset="0"/>
+                        </a:rPr>
+                        <a:t>2</a:t>
+                      </a:r>
+                      <a:endParaRPr lang="en-US" sz="1200" b="0" i="0" u="none" strike="noStrike" dirty="0">
+                        <a:solidFill>
+                          <a:srgbClr val="000000"/>
+                        </a:solidFill>
+                        <a:effectLst/>
+                        <a:latin typeface="Calibri" charset="0"/>
+                      </a:endParaRPr>
+                    </a:p>
+                  </a:txBody>
+                  <a:tcPr marL="6350" marR="6350" marT="6350" marB="0" anchor="b"/>
+                </a:tc>
+              </a:tr>
+            </a:tbl>
+          </a:graphicData>
+        </a:graphic>
+      </p:graphicFrame>
+    </p:spTree>
+    <p:extLst>
+      <p:ext uri="{BB962C8B-B14F-4D97-AF65-F5344CB8AC3E}">
+        <p14:creationId xmlns:p14="http://schemas.microsoft.com/office/powerpoint/2010/main" val="1574247007"/>
+      </p:ext>
+    </p:extLst>
+  </p:cSld>
+  <p:clrMapOvr>
+    <a:masterClrMapping/>
+  </p:clrMapOvr>
+  <p:timing>
+    <p:tnLst>
+      <p:par>
+        <p:cTn id="1" dur="indefinite" restart="never" nodeType="tmRoot"/>
+      </p:par>
+    </p:tnLst>
+  </p:timing>
+</p:sld>
+</file>
+
+<file path=ppt/slides/slide28.xml><?xml version="1.0" encoding="utf-8"?>
+<p:sld xmlns:a="http://schemas.openxmlformats.org/drawingml/2006/main" xmlns:r="http://schemas.openxmlformats.org/officeDocument/2006/relationships" xmlns:p="http://schemas.openxmlformats.org/presentationml/2006/main">
+  <p:cSld>
+    <p:spTree>
+      <p:nvGrpSpPr>
+        <p:cNvPr id="1" name=""/>
+        <p:cNvGrpSpPr/>
+        <p:nvPr/>
+      </p:nvGrpSpPr>
+      <p:grpSpPr>
+        <a:xfrm>
+          <a:off x="0" y="0"/>
+          <a:ext cx="0" cy="0"/>
+          <a:chOff x="0" y="0"/>
+          <a:chExt cx="0" cy="0"/>
+        </a:xfrm>
+      </p:grpSpPr>
       <p:sp>
         <p:nvSpPr>
           <p:cNvPr id="3" name="Title 2"/>
@@ -25368,7 +27479,7 @@
 </p:sld>
 </file>
 
-<file path=ppt/slides/slide28.xml><?xml version="1.0" encoding="utf-8"?>
+<file path=ppt/slides/slide29.xml><?xml version="1.0" encoding="utf-8"?>
 <p:sld xmlns:a="http://schemas.openxmlformats.org/drawingml/2006/main" xmlns:r="http://schemas.openxmlformats.org/officeDocument/2006/relationships" xmlns:p="http://schemas.openxmlformats.org/presentationml/2006/main">
   <p:cSld>
     <p:spTree>
@@ -26659,78 +28770,6 @@
           </a:graphicData>
         </a:graphic>
       </p:graphicFrame>
-      <p:cxnSp>
-        <p:nvCxnSpPr>
-          <p:cNvPr id="9" name="Straight Arrow Connector 8"/>
-          <p:cNvCxnSpPr/>
-          <p:nvPr/>
-        </p:nvCxnSpPr>
-        <p:spPr>
-          <a:xfrm flipH="1">
-            <a:off x="1757364" y="3947259"/>
-            <a:ext cx="1128711" cy="867629"/>
-          </a:xfrm>
-          <a:prstGeom prst="straightConnector1">
-            <a:avLst/>
-          </a:prstGeom>
-          <a:ln w="38100">
-            <a:solidFill>
-              <a:srgbClr val="FF7F00"/>
-            </a:solidFill>
-            <a:tailEnd type="triangle"/>
-          </a:ln>
-        </p:spPr>
-        <p:style>
-          <a:lnRef idx="1">
-            <a:schemeClr val="accent1"/>
-          </a:lnRef>
-          <a:fillRef idx="0">
-            <a:schemeClr val="accent1"/>
-          </a:fillRef>
-          <a:effectRef idx="0">
-            <a:schemeClr val="accent1"/>
-          </a:effectRef>
-          <a:fontRef idx="minor">
-            <a:schemeClr val="tx1"/>
-          </a:fontRef>
-        </p:style>
-      </p:cxnSp>
-      <p:cxnSp>
-        <p:nvCxnSpPr>
-          <p:cNvPr id="10" name="Straight Arrow Connector 9"/>
-          <p:cNvCxnSpPr/>
-          <p:nvPr/>
-        </p:nvCxnSpPr>
-        <p:spPr>
-          <a:xfrm flipH="1" flipV="1">
-            <a:off x="5129213" y="3428063"/>
-            <a:ext cx="371475" cy="1007533"/>
-          </a:xfrm>
-          <a:prstGeom prst="straightConnector1">
-            <a:avLst/>
-          </a:prstGeom>
-          <a:ln w="38100">
-            <a:solidFill>
-              <a:srgbClr val="FF40FF"/>
-            </a:solidFill>
-            <a:tailEnd type="triangle"/>
-          </a:ln>
-        </p:spPr>
-        <p:style>
-          <a:lnRef idx="1">
-            <a:schemeClr val="accent1"/>
-          </a:lnRef>
-          <a:fillRef idx="0">
-            <a:schemeClr val="accent1"/>
-          </a:fillRef>
-          <a:effectRef idx="0">
-            <a:schemeClr val="accent1"/>
-          </a:effectRef>
-          <a:fontRef idx="minor">
-            <a:schemeClr val="tx1"/>
-          </a:fontRef>
-        </p:style>
-      </p:cxnSp>
       <p:pic>
         <p:nvPicPr>
           <p:cNvPr id="16" name="Picture 2" descr="ocalLibrary Model UML"/>
@@ -26950,93 +28989,6 @@
 </p:sld>
 </file>
 
-<file path=ppt/slides/slide29.xml><?xml version="1.0" encoding="utf-8"?>
-<p:sld xmlns:a="http://schemas.openxmlformats.org/drawingml/2006/main" xmlns:r="http://schemas.openxmlformats.org/officeDocument/2006/relationships" xmlns:p="http://schemas.openxmlformats.org/presentationml/2006/main">
-  <p:cSld>
-    <p:spTree>
-      <p:nvGrpSpPr>
-        <p:cNvPr id="1" name=""/>
-        <p:cNvGrpSpPr/>
-        <p:nvPr/>
-      </p:nvGrpSpPr>
-      <p:grpSpPr>
-        <a:xfrm>
-          <a:off x="0" y="0"/>
-          <a:ext cx="0" cy="0"/>
-          <a:chOff x="0" y="0"/>
-          <a:chExt cx="0" cy="0"/>
-        </a:xfrm>
-      </p:grpSpPr>
-      <p:sp>
-        <p:nvSpPr>
-          <p:cNvPr id="2" name="Title 1"/>
-          <p:cNvSpPr>
-            <a:spLocks noGrp="1"/>
-          </p:cNvSpPr>
-          <p:nvPr>
-            <p:ph type="title"/>
-          </p:nvPr>
-        </p:nvSpPr>
-        <p:spPr/>
-        <p:txBody>
-          <a:bodyPr/>
-          <a:lstStyle/>
-          <a:p>
-            <a:r>
-              <a:rPr lang="en-US" dirty="0" smtClean="0"/>
-              <a:t>Representing Links (Relationships) in Django</a:t>
-            </a:r>
-            <a:endParaRPr lang="en-US" dirty="0"/>
-          </a:p>
-        </p:txBody>
-      </p:sp>
-      <p:sp>
-        <p:nvSpPr>
-          <p:cNvPr id="3" name="Subtitle 2"/>
-          <p:cNvSpPr>
-            <a:spLocks noGrp="1"/>
-          </p:cNvSpPr>
-          <p:nvPr>
-            <p:ph type="body" idx="1"/>
-          </p:nvPr>
-        </p:nvSpPr>
-        <p:spPr/>
-        <p:txBody>
-          <a:bodyPr/>
-          <a:lstStyle/>
-          <a:p>
-            <a:r>
-              <a:rPr lang="en-US" dirty="0" smtClean="0"/>
-              <a:t>Lets get our ORM on</a:t>
-            </a:r>
-            <a:r>
-              <a:rPr lang="mr-IN" dirty="0" smtClean="0"/>
-              <a:t>…</a:t>
-            </a:r>
-            <a:endParaRPr lang="en-US" dirty="0"/>
-          </a:p>
-        </p:txBody>
-      </p:sp>
-    </p:spTree>
-    <p:extLst>
-      <p:ext uri="{BB962C8B-B14F-4D97-AF65-F5344CB8AC3E}">
-        <p14:creationId xmlns:p14="http://schemas.microsoft.com/office/powerpoint/2010/main" val="374181424"/>
-      </p:ext>
-    </p:extLst>
-  </p:cSld>
-  <p:clrMapOvr>
-    <a:masterClrMapping/>
-  </p:clrMapOvr>
-  <p:timing>
-    <p:tnLst>
-      <p:par>
-        <p:cTn id="1" dur="indefinite" restart="never" nodeType="tmRoot"/>
-      </p:par>
-    </p:tnLst>
-  </p:timing>
-</p:sld>
-</file>
-
 <file path=ppt/slides/slide3.xml><?xml version="1.0" encoding="utf-8"?>
 <p:sld xmlns:a="http://schemas.openxmlformats.org/drawingml/2006/main" xmlns:r="http://schemas.openxmlformats.org/officeDocument/2006/relationships" xmlns:p="http://schemas.openxmlformats.org/presentationml/2006/main">
   <p:cSld>
@@ -27135,6 +29087,93 @@
       </p:grpSpPr>
       <p:sp>
         <p:nvSpPr>
+          <p:cNvPr id="2" name="Title 1"/>
+          <p:cNvSpPr>
+            <a:spLocks noGrp="1"/>
+          </p:cNvSpPr>
+          <p:nvPr>
+            <p:ph type="title"/>
+          </p:nvPr>
+        </p:nvSpPr>
+        <p:spPr/>
+        <p:txBody>
+          <a:bodyPr/>
+          <a:lstStyle/>
+          <a:p>
+            <a:r>
+              <a:rPr lang="en-US" dirty="0" smtClean="0"/>
+              <a:t>Representing Links (Relationships) in Django</a:t>
+            </a:r>
+            <a:endParaRPr lang="en-US" dirty="0"/>
+          </a:p>
+        </p:txBody>
+      </p:sp>
+      <p:sp>
+        <p:nvSpPr>
+          <p:cNvPr id="3" name="Subtitle 2"/>
+          <p:cNvSpPr>
+            <a:spLocks noGrp="1"/>
+          </p:cNvSpPr>
+          <p:nvPr>
+            <p:ph type="body" idx="1"/>
+          </p:nvPr>
+        </p:nvSpPr>
+        <p:spPr/>
+        <p:txBody>
+          <a:bodyPr/>
+          <a:lstStyle/>
+          <a:p>
+            <a:r>
+              <a:rPr lang="en-US" dirty="0" smtClean="0"/>
+              <a:t>Lets get our ORM on</a:t>
+            </a:r>
+            <a:r>
+              <a:rPr lang="mr-IN" dirty="0" smtClean="0"/>
+              <a:t>…</a:t>
+            </a:r>
+            <a:endParaRPr lang="en-US" dirty="0"/>
+          </a:p>
+        </p:txBody>
+      </p:sp>
+    </p:spTree>
+    <p:extLst>
+      <p:ext uri="{BB962C8B-B14F-4D97-AF65-F5344CB8AC3E}">
+        <p14:creationId xmlns:p14="http://schemas.microsoft.com/office/powerpoint/2010/main" val="374181424"/>
+      </p:ext>
+    </p:extLst>
+  </p:cSld>
+  <p:clrMapOvr>
+    <a:masterClrMapping/>
+  </p:clrMapOvr>
+  <p:timing>
+    <p:tnLst>
+      <p:par>
+        <p:cTn id="1" dur="indefinite" restart="never" nodeType="tmRoot"/>
+      </p:par>
+    </p:tnLst>
+  </p:timing>
+</p:sld>
+</file>
+
+<file path=ppt/slides/slide31.xml><?xml version="1.0" encoding="utf-8"?>
+<p:sld xmlns:a="http://schemas.openxmlformats.org/drawingml/2006/main" xmlns:r="http://schemas.openxmlformats.org/officeDocument/2006/relationships" xmlns:p="http://schemas.openxmlformats.org/presentationml/2006/main">
+  <p:cSld>
+    <p:spTree>
+      <p:nvGrpSpPr>
+        <p:cNvPr id="1" name=""/>
+        <p:cNvGrpSpPr/>
+        <p:nvPr/>
+      </p:nvGrpSpPr>
+      <p:grpSpPr>
+        <a:xfrm>
+          <a:off x="0" y="0"/>
+          <a:ext cx="0" cy="0"/>
+          <a:chOff x="0" y="0"/>
+          <a:chExt cx="0" cy="0"/>
+        </a:xfrm>
+      </p:grpSpPr>
+      <p:sp>
+        <p:nvSpPr>
           <p:cNvPr id="3" name="Title 2"/>
           <p:cNvSpPr>
             <a:spLocks noGrp="1"/>
@@ -27676,7 +29715,7 @@
 </p:sld>
 </file>
 
-<file path=ppt/slides/slide31.xml><?xml version="1.0" encoding="utf-8"?>
+<file path=ppt/slides/slide32.xml><?xml version="1.0" encoding="utf-8"?>
 <p:sld xmlns:a="http://schemas.openxmlformats.org/drawingml/2006/main" xmlns:r="http://schemas.openxmlformats.org/officeDocument/2006/relationships" xmlns:p="http://schemas.openxmlformats.org/presentationml/2006/main">
   <p:cSld>
     <p:spTree>
@@ -29583,7 +31622,7 @@
 </p:sld>
 </file>
 
-<file path=ppt/slides/slide32.xml><?xml version="1.0" encoding="utf-8"?>
+<file path=ppt/slides/slide33.xml><?xml version="1.0" encoding="utf-8"?>
 <p:sld xmlns:a="http://schemas.openxmlformats.org/drawingml/2006/main" xmlns:r="http://schemas.openxmlformats.org/officeDocument/2006/relationships" xmlns:p="http://schemas.openxmlformats.org/presentationml/2006/main">
   <p:cSld>
     <p:spTree>
@@ -30947,7 +32986,7 @@
 </p:sld>
 </file>
 
-<file path=ppt/slides/slide33.xml><?xml version="1.0" encoding="utf-8"?>
+<file path=ppt/slides/slide34.xml><?xml version="1.0" encoding="utf-8"?>
 <p:sld xmlns:a="http://schemas.openxmlformats.org/drawingml/2006/main" xmlns:r="http://schemas.openxmlformats.org/officeDocument/2006/relationships" xmlns:p="http://schemas.openxmlformats.org/presentationml/2006/main">
   <p:cSld>
     <p:spTree>
@@ -31437,7 +33476,7 @@
 </p:sld>
 </file>
 
-<file path=ppt/slides/slide34.xml><?xml version="1.0" encoding="utf-8"?>
+<file path=ppt/slides/slide35.xml><?xml version="1.0" encoding="utf-8"?>
 <p:sld xmlns:a="http://schemas.openxmlformats.org/drawingml/2006/main" xmlns:r="http://schemas.openxmlformats.org/officeDocument/2006/relationships" xmlns:p="http://schemas.openxmlformats.org/presentationml/2006/main">
   <p:cSld>
     <p:spTree>
@@ -32803,7 +34842,7 @@
 </p:sld>
 </file>
 
-<file path=ppt/slides/slide35.xml><?xml version="1.0" encoding="utf-8"?>
+<file path=ppt/slides/slide36.xml><?xml version="1.0" encoding="utf-8"?>
 <p:sld xmlns:a="http://schemas.openxmlformats.org/drawingml/2006/main" xmlns:r="http://schemas.openxmlformats.org/officeDocument/2006/relationships" xmlns:p="http://schemas.openxmlformats.org/presentationml/2006/main">
   <p:cSld>
     <p:spTree>
@@ -33714,7 +35753,7 @@
 </p:sld>
 </file>
 
-<file path=ppt/slides/slide36.xml><?xml version="1.0" encoding="utf-8"?>
+<file path=ppt/slides/slide37.xml><?xml version="1.0" encoding="utf-8"?>
 <p:sld xmlns:a="http://schemas.openxmlformats.org/drawingml/2006/main" xmlns:r="http://schemas.openxmlformats.org/officeDocument/2006/relationships" xmlns:p="http://schemas.openxmlformats.org/presentationml/2006/main">
   <p:cSld>
     <p:spTree>
@@ -35609,7 +37648,7 @@
 </p:sld>
 </file>
 
-<file path=ppt/slides/slide37.xml><?xml version="1.0" encoding="utf-8"?>
+<file path=ppt/slides/slide38.xml><?xml version="1.0" encoding="utf-8"?>
 <p:sld xmlns:a="http://schemas.openxmlformats.org/drawingml/2006/main" xmlns:r="http://schemas.openxmlformats.org/officeDocument/2006/relationships" xmlns:p="http://schemas.openxmlformats.org/presentationml/2006/main">
   <p:cSld>
     <p:spTree>
@@ -35695,7 +37734,7 @@
 </p:sld>
 </file>
 
-<file path=ppt/slides/slide38.xml><?xml version="1.0" encoding="utf-8"?>
+<file path=ppt/slides/slide39.xml><?xml version="1.0" encoding="utf-8"?>
 <p:sld xmlns:a="http://schemas.openxmlformats.org/drawingml/2006/main" xmlns:r="http://schemas.openxmlformats.org/officeDocument/2006/relationships" xmlns:p="http://schemas.openxmlformats.org/presentationml/2006/main">
   <p:cSld>
     <p:spTree>
@@ -36799,7 +38838,497 @@
 </p:sld>
 </file>
 
-<file path=ppt/slides/slide39.xml><?xml version="1.0" encoding="utf-8"?>
+<file path=ppt/slides/slide4.xml><?xml version="1.0" encoding="utf-8"?>
+<p:sld xmlns:a="http://schemas.openxmlformats.org/drawingml/2006/main" xmlns:r="http://schemas.openxmlformats.org/officeDocument/2006/relationships" xmlns:p="http://schemas.openxmlformats.org/presentationml/2006/main">
+  <p:cSld>
+    <p:spTree>
+      <p:nvGrpSpPr>
+        <p:cNvPr id="1" name=""/>
+        <p:cNvGrpSpPr/>
+        <p:nvPr/>
+      </p:nvGrpSpPr>
+      <p:grpSpPr>
+        <a:xfrm>
+          <a:off x="0" y="0"/>
+          <a:ext cx="0" cy="0"/>
+          <a:chOff x="0" y="0"/>
+          <a:chExt cx="0" cy="0"/>
+        </a:xfrm>
+      </p:grpSpPr>
+      <p:sp>
+        <p:nvSpPr>
+          <p:cNvPr id="2" name="TextBox 1"/>
+          <p:cNvSpPr txBox="1"/>
+          <p:nvPr/>
+        </p:nvSpPr>
+        <p:spPr>
+          <a:xfrm>
+            <a:off x="785813" y="1430803"/>
+            <a:ext cx="5285421" cy="3693319"/>
+          </a:xfrm>
+          <a:prstGeom prst="rect">
+            <a:avLst/>
+          </a:prstGeom>
+          <a:noFill/>
+        </p:spPr>
+        <p:txBody>
+          <a:bodyPr wrap="none" rtlCol="0">
+            <a:spAutoFit/>
+          </a:bodyPr>
+          <a:lstStyle/>
+          <a:p>
+            <a:r>
+              <a:rPr lang="en-US" b="1" dirty="0">
+                <a:latin typeface="Courier" charset="0"/>
+                <a:ea typeface="Courier" charset="0"/>
+                <a:cs typeface="Courier" charset="0"/>
+              </a:rPr>
+              <a:t>$ </a:t>
+            </a:r>
+            <a:r>
+              <a:rPr lang="en-US" b="1" dirty="0">
+                <a:solidFill>
+                  <a:srgbClr val="FFFF00"/>
+                </a:solidFill>
+                <a:latin typeface="Courier" charset="0"/>
+                <a:ea typeface="Courier" charset="0"/>
+                <a:cs typeface="Courier" charset="0"/>
+              </a:rPr>
+              <a:t>python3 </a:t>
+            </a:r>
+            <a:r>
+              <a:rPr lang="en-US" b="1" dirty="0" err="1">
+                <a:solidFill>
+                  <a:srgbClr val="FFFF00"/>
+                </a:solidFill>
+                <a:latin typeface="Courier" charset="0"/>
+                <a:ea typeface="Courier" charset="0"/>
+                <a:cs typeface="Courier" charset="0"/>
+              </a:rPr>
+              <a:t>manage.py</a:t>
+            </a:r>
+            <a:r>
+              <a:rPr lang="en-US" b="1" dirty="0">
+                <a:solidFill>
+                  <a:srgbClr val="FFFF00"/>
+                </a:solidFill>
+                <a:latin typeface="Courier" charset="0"/>
+                <a:ea typeface="Courier" charset="0"/>
+                <a:cs typeface="Courier" charset="0"/>
+              </a:rPr>
+              <a:t> </a:t>
+            </a:r>
+            <a:r>
+              <a:rPr lang="en-US" b="1" dirty="0" err="1">
+                <a:solidFill>
+                  <a:srgbClr val="FFFF00"/>
+                </a:solidFill>
+                <a:latin typeface="Courier" charset="0"/>
+                <a:ea typeface="Courier" charset="0"/>
+                <a:cs typeface="Courier" charset="0"/>
+              </a:rPr>
+              <a:t>makemigrations</a:t>
+            </a:r>
+            <a:endParaRPr lang="en-US" b="1" dirty="0">
+              <a:solidFill>
+                <a:srgbClr val="FFFF00"/>
+              </a:solidFill>
+              <a:latin typeface="Courier" charset="0"/>
+              <a:ea typeface="Courier" charset="0"/>
+              <a:cs typeface="Courier" charset="0"/>
+            </a:endParaRPr>
+          </a:p>
+          <a:p>
+            <a:r>
+              <a:rPr lang="en-US" b="1" dirty="0">
+                <a:latin typeface="Courier" charset="0"/>
+                <a:ea typeface="Courier" charset="0"/>
+                <a:cs typeface="Courier" charset="0"/>
+              </a:rPr>
+              <a:t>Migrations for '</a:t>
+            </a:r>
+            <a:r>
+              <a:rPr lang="en-US" b="1" dirty="0" err="1">
+                <a:latin typeface="Courier" charset="0"/>
+                <a:ea typeface="Courier" charset="0"/>
+                <a:cs typeface="Courier" charset="0"/>
+              </a:rPr>
+              <a:t>bookone</a:t>
+            </a:r>
+            <a:r>
+              <a:rPr lang="en-US" b="1" dirty="0">
+                <a:latin typeface="Courier" charset="0"/>
+                <a:ea typeface="Courier" charset="0"/>
+                <a:cs typeface="Courier" charset="0"/>
+              </a:rPr>
+              <a:t>':</a:t>
+            </a:r>
+          </a:p>
+          <a:p>
+            <a:r>
+              <a:rPr lang="en-US" b="1" dirty="0">
+                <a:latin typeface="Courier" charset="0"/>
+                <a:ea typeface="Courier" charset="0"/>
+                <a:cs typeface="Courier" charset="0"/>
+              </a:rPr>
+              <a:t>  </a:t>
+            </a:r>
+            <a:r>
+              <a:rPr lang="en-US" b="1" dirty="0" err="1">
+                <a:latin typeface="Courier" charset="0"/>
+                <a:ea typeface="Courier" charset="0"/>
+                <a:cs typeface="Courier" charset="0"/>
+              </a:rPr>
+              <a:t>bookone</a:t>
+            </a:r>
+            <a:r>
+              <a:rPr lang="en-US" b="1" dirty="0">
+                <a:latin typeface="Courier" charset="0"/>
+                <a:ea typeface="Courier" charset="0"/>
+                <a:cs typeface="Courier" charset="0"/>
+              </a:rPr>
+              <a:t>/migrations/0001_initial.py</a:t>
+            </a:r>
+          </a:p>
+          <a:p>
+            <a:r>
+              <a:rPr lang="en-US" b="1" dirty="0">
+                <a:latin typeface="Courier" charset="0"/>
+                <a:ea typeface="Courier" charset="0"/>
+                <a:cs typeface="Courier" charset="0"/>
+              </a:rPr>
+              <a:t>    - Create model Book</a:t>
+            </a:r>
+          </a:p>
+          <a:p>
+            <a:r>
+              <a:rPr lang="en-US" b="1" dirty="0">
+                <a:latin typeface="Courier" charset="0"/>
+                <a:ea typeface="Courier" charset="0"/>
+                <a:cs typeface="Courier" charset="0"/>
+              </a:rPr>
+              <a:t>    - Create model Instance</a:t>
+            </a:r>
+          </a:p>
+          <a:p>
+            <a:r>
+              <a:rPr lang="en-US" b="1" dirty="0">
+                <a:latin typeface="Courier" charset="0"/>
+                <a:ea typeface="Courier" charset="0"/>
+                <a:cs typeface="Courier" charset="0"/>
+              </a:rPr>
+              <a:t>    - Create model Lang</a:t>
+            </a:r>
+          </a:p>
+          <a:p>
+            <a:r>
+              <a:rPr lang="en-US" b="1" dirty="0">
+                <a:latin typeface="Courier" charset="0"/>
+                <a:ea typeface="Courier" charset="0"/>
+                <a:cs typeface="Courier" charset="0"/>
+              </a:rPr>
+              <a:t>    - Add field </a:t>
+            </a:r>
+            <a:r>
+              <a:rPr lang="en-US" b="1" dirty="0" err="1">
+                <a:latin typeface="Courier" charset="0"/>
+                <a:ea typeface="Courier" charset="0"/>
+                <a:cs typeface="Courier" charset="0"/>
+              </a:rPr>
+              <a:t>lang</a:t>
+            </a:r>
+            <a:r>
+              <a:rPr lang="en-US" b="1" dirty="0">
+                <a:latin typeface="Courier" charset="0"/>
+                <a:ea typeface="Courier" charset="0"/>
+                <a:cs typeface="Courier" charset="0"/>
+              </a:rPr>
+              <a:t> to </a:t>
+            </a:r>
+            <a:r>
+              <a:rPr lang="en-US" b="1" dirty="0" smtClean="0">
+                <a:latin typeface="Courier" charset="0"/>
+                <a:ea typeface="Courier" charset="0"/>
+                <a:cs typeface="Courier" charset="0"/>
+              </a:rPr>
+              <a:t>book</a:t>
+            </a:r>
+          </a:p>
+          <a:p>
+            <a:endParaRPr lang="en-US" b="1" dirty="0">
+              <a:latin typeface="Courier" charset="0"/>
+              <a:ea typeface="Courier" charset="0"/>
+              <a:cs typeface="Courier" charset="0"/>
+            </a:endParaRPr>
+          </a:p>
+          <a:p>
+            <a:r>
+              <a:rPr lang="en-US" b="1" dirty="0" smtClean="0">
+                <a:latin typeface="Courier" charset="0"/>
+                <a:ea typeface="Courier" charset="0"/>
+                <a:cs typeface="Courier" charset="0"/>
+              </a:rPr>
+              <a:t>$ </a:t>
+            </a:r>
+            <a:r>
+              <a:rPr lang="en-US" b="1" dirty="0">
+                <a:solidFill>
+                  <a:srgbClr val="FFFF00"/>
+                </a:solidFill>
+                <a:latin typeface="Courier" charset="0"/>
+                <a:ea typeface="Courier" charset="0"/>
+                <a:cs typeface="Courier" charset="0"/>
+              </a:rPr>
+              <a:t>python3 </a:t>
+            </a:r>
+            <a:r>
+              <a:rPr lang="en-US" b="1" dirty="0" err="1">
+                <a:solidFill>
+                  <a:srgbClr val="FFFF00"/>
+                </a:solidFill>
+                <a:latin typeface="Courier" charset="0"/>
+                <a:ea typeface="Courier" charset="0"/>
+                <a:cs typeface="Courier" charset="0"/>
+              </a:rPr>
+              <a:t>manage.py</a:t>
+            </a:r>
+            <a:r>
+              <a:rPr lang="en-US" b="1" dirty="0">
+                <a:solidFill>
+                  <a:srgbClr val="FFFF00"/>
+                </a:solidFill>
+                <a:latin typeface="Courier" charset="0"/>
+                <a:ea typeface="Courier" charset="0"/>
+                <a:cs typeface="Courier" charset="0"/>
+              </a:rPr>
+              <a:t> migrate</a:t>
+            </a:r>
+          </a:p>
+          <a:p>
+            <a:r>
+              <a:rPr lang="en-US" b="1" dirty="0">
+                <a:latin typeface="Courier" charset="0"/>
+                <a:ea typeface="Courier" charset="0"/>
+                <a:cs typeface="Courier" charset="0"/>
+              </a:rPr>
+              <a:t>Operations to perform:</a:t>
+            </a:r>
+          </a:p>
+          <a:p>
+            <a:r>
+              <a:rPr lang="en-US" b="1" dirty="0">
+                <a:latin typeface="Courier" charset="0"/>
+                <a:ea typeface="Courier" charset="0"/>
+                <a:cs typeface="Courier" charset="0"/>
+              </a:rPr>
+              <a:t>  Apply all migrations: admin</a:t>
+            </a:r>
+            <a:r>
+              <a:rPr lang="en-US" b="1" dirty="0" smtClean="0">
+                <a:latin typeface="Courier" charset="0"/>
+                <a:ea typeface="Courier" charset="0"/>
+                <a:cs typeface="Courier" charset="0"/>
+              </a:rPr>
+              <a:t>,... </a:t>
+            </a:r>
+          </a:p>
+          <a:p>
+            <a:r>
+              <a:rPr lang="en-US" b="1" dirty="0" smtClean="0">
+                <a:latin typeface="Courier" charset="0"/>
+                <a:ea typeface="Courier" charset="0"/>
+                <a:cs typeface="Courier" charset="0"/>
+              </a:rPr>
+              <a:t>Running </a:t>
+            </a:r>
+            <a:r>
+              <a:rPr lang="en-US" b="1" dirty="0">
+                <a:latin typeface="Courier" charset="0"/>
+                <a:ea typeface="Courier" charset="0"/>
+                <a:cs typeface="Courier" charset="0"/>
+              </a:rPr>
+              <a:t>migrations:</a:t>
+            </a:r>
+          </a:p>
+          <a:p>
+            <a:r>
+              <a:rPr lang="en-US" b="1" dirty="0">
+                <a:latin typeface="Courier" charset="0"/>
+                <a:ea typeface="Courier" charset="0"/>
+                <a:cs typeface="Courier" charset="0"/>
+              </a:rPr>
+              <a:t>  Applying bookone.0001_initial... </a:t>
+            </a:r>
+            <a:r>
+              <a:rPr lang="en-US" b="1" dirty="0" smtClean="0">
+                <a:latin typeface="Courier" charset="0"/>
+                <a:ea typeface="Courier" charset="0"/>
+                <a:cs typeface="Courier" charset="0"/>
+              </a:rPr>
+              <a:t>OK</a:t>
+            </a:r>
+          </a:p>
+        </p:txBody>
+      </p:sp>
+      <p:sp>
+        <p:nvSpPr>
+          <p:cNvPr id="3" name="Title 2"/>
+          <p:cNvSpPr>
+            <a:spLocks noGrp="1"/>
+          </p:cNvSpPr>
+          <p:nvPr>
+            <p:ph type="title"/>
+          </p:nvPr>
+        </p:nvSpPr>
+        <p:spPr>
+          <a:xfrm>
+            <a:off x="7829550" y="365125"/>
+            <a:ext cx="3524249" cy="1406525"/>
+          </a:xfrm>
+        </p:spPr>
+        <p:txBody>
+          <a:bodyPr>
+            <a:normAutofit/>
+          </a:bodyPr>
+          <a:lstStyle/>
+          <a:p>
+            <a:r>
+              <a:rPr lang="en-US" smtClean="0"/>
+              <a:t>From </a:t>
+            </a:r>
+            <a:r>
+              <a:rPr lang="en-US" dirty="0" smtClean="0"/>
+              <a:t>Model to Database</a:t>
+            </a:r>
+            <a:endParaRPr lang="en-US" dirty="0"/>
+          </a:p>
+        </p:txBody>
+      </p:sp>
+      <p:sp>
+        <p:nvSpPr>
+          <p:cNvPr id="4" name="TextBox 3"/>
+          <p:cNvSpPr txBox="1"/>
+          <p:nvPr/>
+        </p:nvSpPr>
+        <p:spPr>
+          <a:xfrm>
+            <a:off x="6500812" y="2400300"/>
+            <a:ext cx="5409296" cy="1754326"/>
+          </a:xfrm>
+          <a:prstGeom prst="rect">
+            <a:avLst/>
+          </a:prstGeom>
+          <a:solidFill>
+            <a:schemeClr val="tx2"/>
+          </a:solidFill>
+        </p:spPr>
+        <p:txBody>
+          <a:bodyPr wrap="square" rtlCol="0">
+            <a:spAutoFit/>
+          </a:bodyPr>
+          <a:lstStyle/>
+          <a:p>
+            <a:r>
+              <a:rPr lang="en-US" dirty="0" smtClean="0">
+                <a:solidFill>
+                  <a:srgbClr val="002060"/>
+                </a:solidFill>
+              </a:rPr>
+              <a:t>Note that </a:t>
+            </a:r>
+            <a:r>
+              <a:rPr lang="en-US" dirty="0" err="1" smtClean="0">
+                <a:solidFill>
+                  <a:srgbClr val="002060"/>
+                </a:solidFill>
+              </a:rPr>
+              <a:t>makemigrations</a:t>
+            </a:r>
+            <a:r>
+              <a:rPr lang="en-US" dirty="0" smtClean="0">
+                <a:solidFill>
+                  <a:srgbClr val="002060"/>
+                </a:solidFill>
+              </a:rPr>
+              <a:t> only "does something" when you create or alter a </a:t>
+            </a:r>
+            <a:r>
+              <a:rPr lang="en-US" dirty="0" err="1" smtClean="0">
+                <a:solidFill>
+                  <a:srgbClr val="002060"/>
+                </a:solidFill>
+              </a:rPr>
+              <a:t>models.py</a:t>
+            </a:r>
+            <a:r>
+              <a:rPr lang="en-US" dirty="0" smtClean="0">
+                <a:solidFill>
+                  <a:srgbClr val="002060"/>
+                </a:solidFill>
+              </a:rPr>
+              <a:t> file. The migrate only "does something" when there are migrations that are not yet applied to the database.  Also an application must be added to </a:t>
+            </a:r>
+            <a:r>
+              <a:rPr lang="en-US" dirty="0" err="1" smtClean="0">
+                <a:solidFill>
+                  <a:srgbClr val="002060"/>
+                </a:solidFill>
+              </a:rPr>
+              <a:t>settings.py</a:t>
+            </a:r>
+            <a:r>
+              <a:rPr lang="en-US" dirty="0" smtClean="0">
+                <a:solidFill>
+                  <a:srgbClr val="002060"/>
+                </a:solidFill>
+              </a:rPr>
+              <a:t> before these commands see the </a:t>
+            </a:r>
+            <a:r>
+              <a:rPr lang="en-US" dirty="0" err="1" smtClean="0">
+                <a:solidFill>
+                  <a:srgbClr val="002060"/>
+                </a:solidFill>
+              </a:rPr>
+              <a:t>models.py</a:t>
+            </a:r>
+            <a:r>
+              <a:rPr lang="en-US" dirty="0" smtClean="0">
+                <a:solidFill>
+                  <a:srgbClr val="002060"/>
+                </a:solidFill>
+              </a:rPr>
+              <a:t> file for an application.</a:t>
+            </a:r>
+            <a:endParaRPr lang="en-US" dirty="0">
+              <a:solidFill>
+                <a:srgbClr val="002060"/>
+              </a:solidFill>
+            </a:endParaRPr>
+          </a:p>
+        </p:txBody>
+      </p:sp>
+    </p:spTree>
+    <p:extLst>
+      <p:ext uri="{BB962C8B-B14F-4D97-AF65-F5344CB8AC3E}">
+        <p14:creationId xmlns:p14="http://schemas.microsoft.com/office/powerpoint/2010/main" val="2052768001"/>
+      </p:ext>
+    </p:extLst>
+  </p:cSld>
+  <p:clrMapOvr>
+    <a:masterClrMapping/>
+  </p:clrMapOvr>
+  <p:timing>
+    <p:tnLst>
+      <p:par>
+        <p:cTn id="1" dur="indefinite" restart="never" nodeType="tmRoot"/>
+      </p:par>
+    </p:tnLst>
+  </p:timing>
+</p:sld>
+</file>
+
+<file path=ppt/slides/slide40.xml><?xml version="1.0" encoding="utf-8"?>
 <p:sld xmlns:a="http://schemas.openxmlformats.org/drawingml/2006/main" xmlns:r="http://schemas.openxmlformats.org/officeDocument/2006/relationships" xmlns:p="http://schemas.openxmlformats.org/presentationml/2006/main">
   <p:cSld>
     <p:spTree>
@@ -37480,7 +40009,7 @@
               <a:t>&gt;&gt;&gt; </a:t>
             </a:r>
             <a:r>
-              <a:rPr lang="en-US" dirty="0" err="1">
+              <a:rPr lang="en-US" dirty="0" err="1" smtClean="0">
                 <a:solidFill>
                   <a:srgbClr val="FFFF00"/>
                 </a:solidFill>
@@ -37488,10 +40017,21 @@
                 <a:ea typeface="Courier" charset="0"/>
                 <a:cs typeface="Courier" charset="0"/>
               </a:rPr>
-              <a:t>x.</a:t>
-            </a:r>
-            <a:r>
-              <a:rPr lang="en-US" dirty="0" err="1">
+              <a:t>y.</a:t>
+            </a:r>
+            <a:r>
+              <a:rPr lang="en-US" dirty="0" err="1" smtClean="0">
+                <a:solidFill>
+                  <a:srgbClr val="FFC000"/>
+                </a:solidFill>
+                <a:latin typeface="Courier" charset="0"/>
+                <a:ea typeface="Courier" charset="0"/>
+                <a:cs typeface="Courier" charset="0"/>
+              </a:rPr>
+              <a:t>book.</a:t>
+            </a:r>
+            <a:r>
+              <a:rPr lang="en-US" dirty="0" err="1" smtClean="0">
                 <a:solidFill>
                   <a:srgbClr val="FF40FF"/>
                 </a:solidFill>
@@ -37502,7 +40042,7 @@
               <a:t>lang</a:t>
             </a:r>
             <a:r>
-              <a:rPr lang="en-US" dirty="0" err="1">
+              <a:rPr lang="en-US" dirty="0" err="1" smtClean="0">
                 <a:solidFill>
                   <a:srgbClr val="FFFF00"/>
                 </a:solidFill>
@@ -37829,497 +40369,7 @@
 </p:sld>
 </file>
 
-<file path=ppt/slides/slide4.xml><?xml version="1.0" encoding="utf-8"?>
-<p:sld xmlns:a="http://schemas.openxmlformats.org/drawingml/2006/main" xmlns:r="http://schemas.openxmlformats.org/officeDocument/2006/relationships" xmlns:p="http://schemas.openxmlformats.org/presentationml/2006/main">
-  <p:cSld>
-    <p:spTree>
-      <p:nvGrpSpPr>
-        <p:cNvPr id="1" name=""/>
-        <p:cNvGrpSpPr/>
-        <p:nvPr/>
-      </p:nvGrpSpPr>
-      <p:grpSpPr>
-        <a:xfrm>
-          <a:off x="0" y="0"/>
-          <a:ext cx="0" cy="0"/>
-          <a:chOff x="0" y="0"/>
-          <a:chExt cx="0" cy="0"/>
-        </a:xfrm>
-      </p:grpSpPr>
-      <p:sp>
-        <p:nvSpPr>
-          <p:cNvPr id="2" name="TextBox 1"/>
-          <p:cNvSpPr txBox="1"/>
-          <p:nvPr/>
-        </p:nvSpPr>
-        <p:spPr>
-          <a:xfrm>
-            <a:off x="785813" y="1430803"/>
-            <a:ext cx="5285421" cy="3693319"/>
-          </a:xfrm>
-          <a:prstGeom prst="rect">
-            <a:avLst/>
-          </a:prstGeom>
-          <a:noFill/>
-        </p:spPr>
-        <p:txBody>
-          <a:bodyPr wrap="none" rtlCol="0">
-            <a:spAutoFit/>
-          </a:bodyPr>
-          <a:lstStyle/>
-          <a:p>
-            <a:r>
-              <a:rPr lang="en-US" b="1" dirty="0">
-                <a:latin typeface="Courier" charset="0"/>
-                <a:ea typeface="Courier" charset="0"/>
-                <a:cs typeface="Courier" charset="0"/>
-              </a:rPr>
-              <a:t>$ </a:t>
-            </a:r>
-            <a:r>
-              <a:rPr lang="en-US" b="1" dirty="0">
-                <a:solidFill>
-                  <a:srgbClr val="FFFF00"/>
-                </a:solidFill>
-                <a:latin typeface="Courier" charset="0"/>
-                <a:ea typeface="Courier" charset="0"/>
-                <a:cs typeface="Courier" charset="0"/>
-              </a:rPr>
-              <a:t>python3 </a:t>
-            </a:r>
-            <a:r>
-              <a:rPr lang="en-US" b="1" dirty="0" err="1">
-                <a:solidFill>
-                  <a:srgbClr val="FFFF00"/>
-                </a:solidFill>
-                <a:latin typeface="Courier" charset="0"/>
-                <a:ea typeface="Courier" charset="0"/>
-                <a:cs typeface="Courier" charset="0"/>
-              </a:rPr>
-              <a:t>manage.py</a:t>
-            </a:r>
-            <a:r>
-              <a:rPr lang="en-US" b="1" dirty="0">
-                <a:solidFill>
-                  <a:srgbClr val="FFFF00"/>
-                </a:solidFill>
-                <a:latin typeface="Courier" charset="0"/>
-                <a:ea typeface="Courier" charset="0"/>
-                <a:cs typeface="Courier" charset="0"/>
-              </a:rPr>
-              <a:t> </a:t>
-            </a:r>
-            <a:r>
-              <a:rPr lang="en-US" b="1" dirty="0" err="1">
-                <a:solidFill>
-                  <a:srgbClr val="FFFF00"/>
-                </a:solidFill>
-                <a:latin typeface="Courier" charset="0"/>
-                <a:ea typeface="Courier" charset="0"/>
-                <a:cs typeface="Courier" charset="0"/>
-              </a:rPr>
-              <a:t>makemigrations</a:t>
-            </a:r>
-            <a:endParaRPr lang="en-US" b="1" dirty="0">
-              <a:solidFill>
-                <a:srgbClr val="FFFF00"/>
-              </a:solidFill>
-              <a:latin typeface="Courier" charset="0"/>
-              <a:ea typeface="Courier" charset="0"/>
-              <a:cs typeface="Courier" charset="0"/>
-            </a:endParaRPr>
-          </a:p>
-          <a:p>
-            <a:r>
-              <a:rPr lang="en-US" b="1" dirty="0">
-                <a:latin typeface="Courier" charset="0"/>
-                <a:ea typeface="Courier" charset="0"/>
-                <a:cs typeface="Courier" charset="0"/>
-              </a:rPr>
-              <a:t>Migrations for '</a:t>
-            </a:r>
-            <a:r>
-              <a:rPr lang="en-US" b="1" dirty="0" err="1">
-                <a:latin typeface="Courier" charset="0"/>
-                <a:ea typeface="Courier" charset="0"/>
-                <a:cs typeface="Courier" charset="0"/>
-              </a:rPr>
-              <a:t>bookone</a:t>
-            </a:r>
-            <a:r>
-              <a:rPr lang="en-US" b="1" dirty="0">
-                <a:latin typeface="Courier" charset="0"/>
-                <a:ea typeface="Courier" charset="0"/>
-                <a:cs typeface="Courier" charset="0"/>
-              </a:rPr>
-              <a:t>':</a:t>
-            </a:r>
-          </a:p>
-          <a:p>
-            <a:r>
-              <a:rPr lang="en-US" b="1" dirty="0">
-                <a:latin typeface="Courier" charset="0"/>
-                <a:ea typeface="Courier" charset="0"/>
-                <a:cs typeface="Courier" charset="0"/>
-              </a:rPr>
-              <a:t>  </a:t>
-            </a:r>
-            <a:r>
-              <a:rPr lang="en-US" b="1" dirty="0" err="1">
-                <a:latin typeface="Courier" charset="0"/>
-                <a:ea typeface="Courier" charset="0"/>
-                <a:cs typeface="Courier" charset="0"/>
-              </a:rPr>
-              <a:t>bookone</a:t>
-            </a:r>
-            <a:r>
-              <a:rPr lang="en-US" b="1" dirty="0">
-                <a:latin typeface="Courier" charset="0"/>
-                <a:ea typeface="Courier" charset="0"/>
-                <a:cs typeface="Courier" charset="0"/>
-              </a:rPr>
-              <a:t>/migrations/0001_initial.py</a:t>
-            </a:r>
-          </a:p>
-          <a:p>
-            <a:r>
-              <a:rPr lang="en-US" b="1" dirty="0">
-                <a:latin typeface="Courier" charset="0"/>
-                <a:ea typeface="Courier" charset="0"/>
-                <a:cs typeface="Courier" charset="0"/>
-              </a:rPr>
-              <a:t>    - Create model Book</a:t>
-            </a:r>
-          </a:p>
-          <a:p>
-            <a:r>
-              <a:rPr lang="en-US" b="1" dirty="0">
-                <a:latin typeface="Courier" charset="0"/>
-                <a:ea typeface="Courier" charset="0"/>
-                <a:cs typeface="Courier" charset="0"/>
-              </a:rPr>
-              <a:t>    - Create model Instance</a:t>
-            </a:r>
-          </a:p>
-          <a:p>
-            <a:r>
-              <a:rPr lang="en-US" b="1" dirty="0">
-                <a:latin typeface="Courier" charset="0"/>
-                <a:ea typeface="Courier" charset="0"/>
-                <a:cs typeface="Courier" charset="0"/>
-              </a:rPr>
-              <a:t>    - Create model Lang</a:t>
-            </a:r>
-          </a:p>
-          <a:p>
-            <a:r>
-              <a:rPr lang="en-US" b="1" dirty="0">
-                <a:latin typeface="Courier" charset="0"/>
-                <a:ea typeface="Courier" charset="0"/>
-                <a:cs typeface="Courier" charset="0"/>
-              </a:rPr>
-              <a:t>    - Add field </a:t>
-            </a:r>
-            <a:r>
-              <a:rPr lang="en-US" b="1" dirty="0" err="1">
-                <a:latin typeface="Courier" charset="0"/>
-                <a:ea typeface="Courier" charset="0"/>
-                <a:cs typeface="Courier" charset="0"/>
-              </a:rPr>
-              <a:t>lang</a:t>
-            </a:r>
-            <a:r>
-              <a:rPr lang="en-US" b="1" dirty="0">
-                <a:latin typeface="Courier" charset="0"/>
-                <a:ea typeface="Courier" charset="0"/>
-                <a:cs typeface="Courier" charset="0"/>
-              </a:rPr>
-              <a:t> to </a:t>
-            </a:r>
-            <a:r>
-              <a:rPr lang="en-US" b="1" dirty="0" smtClean="0">
-                <a:latin typeface="Courier" charset="0"/>
-                <a:ea typeface="Courier" charset="0"/>
-                <a:cs typeface="Courier" charset="0"/>
-              </a:rPr>
-              <a:t>book</a:t>
-            </a:r>
-          </a:p>
-          <a:p>
-            <a:endParaRPr lang="en-US" b="1" dirty="0">
-              <a:latin typeface="Courier" charset="0"/>
-              <a:ea typeface="Courier" charset="0"/>
-              <a:cs typeface="Courier" charset="0"/>
-            </a:endParaRPr>
-          </a:p>
-          <a:p>
-            <a:r>
-              <a:rPr lang="en-US" b="1" dirty="0" smtClean="0">
-                <a:latin typeface="Courier" charset="0"/>
-                <a:ea typeface="Courier" charset="0"/>
-                <a:cs typeface="Courier" charset="0"/>
-              </a:rPr>
-              <a:t>$ </a:t>
-            </a:r>
-            <a:r>
-              <a:rPr lang="en-US" b="1" dirty="0">
-                <a:solidFill>
-                  <a:srgbClr val="FFFF00"/>
-                </a:solidFill>
-                <a:latin typeface="Courier" charset="0"/>
-                <a:ea typeface="Courier" charset="0"/>
-                <a:cs typeface="Courier" charset="0"/>
-              </a:rPr>
-              <a:t>python3 </a:t>
-            </a:r>
-            <a:r>
-              <a:rPr lang="en-US" b="1" dirty="0" err="1">
-                <a:solidFill>
-                  <a:srgbClr val="FFFF00"/>
-                </a:solidFill>
-                <a:latin typeface="Courier" charset="0"/>
-                <a:ea typeface="Courier" charset="0"/>
-                <a:cs typeface="Courier" charset="0"/>
-              </a:rPr>
-              <a:t>manage.py</a:t>
-            </a:r>
-            <a:r>
-              <a:rPr lang="en-US" b="1" dirty="0">
-                <a:solidFill>
-                  <a:srgbClr val="FFFF00"/>
-                </a:solidFill>
-                <a:latin typeface="Courier" charset="0"/>
-                <a:ea typeface="Courier" charset="0"/>
-                <a:cs typeface="Courier" charset="0"/>
-              </a:rPr>
-              <a:t> migrate</a:t>
-            </a:r>
-          </a:p>
-          <a:p>
-            <a:r>
-              <a:rPr lang="en-US" b="1" dirty="0">
-                <a:latin typeface="Courier" charset="0"/>
-                <a:ea typeface="Courier" charset="0"/>
-                <a:cs typeface="Courier" charset="0"/>
-              </a:rPr>
-              <a:t>Operations to perform:</a:t>
-            </a:r>
-          </a:p>
-          <a:p>
-            <a:r>
-              <a:rPr lang="en-US" b="1" dirty="0">
-                <a:latin typeface="Courier" charset="0"/>
-                <a:ea typeface="Courier" charset="0"/>
-                <a:cs typeface="Courier" charset="0"/>
-              </a:rPr>
-              <a:t>  Apply all migrations: admin</a:t>
-            </a:r>
-            <a:r>
-              <a:rPr lang="en-US" b="1" dirty="0" smtClean="0">
-                <a:latin typeface="Courier" charset="0"/>
-                <a:ea typeface="Courier" charset="0"/>
-                <a:cs typeface="Courier" charset="0"/>
-              </a:rPr>
-              <a:t>,... </a:t>
-            </a:r>
-          </a:p>
-          <a:p>
-            <a:r>
-              <a:rPr lang="en-US" b="1" dirty="0" smtClean="0">
-                <a:latin typeface="Courier" charset="0"/>
-                <a:ea typeface="Courier" charset="0"/>
-                <a:cs typeface="Courier" charset="0"/>
-              </a:rPr>
-              <a:t>Running </a:t>
-            </a:r>
-            <a:r>
-              <a:rPr lang="en-US" b="1" dirty="0">
-                <a:latin typeface="Courier" charset="0"/>
-                <a:ea typeface="Courier" charset="0"/>
-                <a:cs typeface="Courier" charset="0"/>
-              </a:rPr>
-              <a:t>migrations:</a:t>
-            </a:r>
-          </a:p>
-          <a:p>
-            <a:r>
-              <a:rPr lang="en-US" b="1" dirty="0">
-                <a:latin typeface="Courier" charset="0"/>
-                <a:ea typeface="Courier" charset="0"/>
-                <a:cs typeface="Courier" charset="0"/>
-              </a:rPr>
-              <a:t>  Applying bookone.0001_initial... </a:t>
-            </a:r>
-            <a:r>
-              <a:rPr lang="en-US" b="1" dirty="0" smtClean="0">
-                <a:latin typeface="Courier" charset="0"/>
-                <a:ea typeface="Courier" charset="0"/>
-                <a:cs typeface="Courier" charset="0"/>
-              </a:rPr>
-              <a:t>OK</a:t>
-            </a:r>
-          </a:p>
-        </p:txBody>
-      </p:sp>
-      <p:sp>
-        <p:nvSpPr>
-          <p:cNvPr id="3" name="Title 2"/>
-          <p:cNvSpPr>
-            <a:spLocks noGrp="1"/>
-          </p:cNvSpPr>
-          <p:nvPr>
-            <p:ph type="title"/>
-          </p:nvPr>
-        </p:nvSpPr>
-        <p:spPr>
-          <a:xfrm>
-            <a:off x="7829550" y="365125"/>
-            <a:ext cx="3524249" cy="1406525"/>
-          </a:xfrm>
-        </p:spPr>
-        <p:txBody>
-          <a:bodyPr>
-            <a:normAutofit/>
-          </a:bodyPr>
-          <a:lstStyle/>
-          <a:p>
-            <a:r>
-              <a:rPr lang="en-US" smtClean="0"/>
-              <a:t>From </a:t>
-            </a:r>
-            <a:r>
-              <a:rPr lang="en-US" dirty="0" smtClean="0"/>
-              <a:t>Model to Database</a:t>
-            </a:r>
-            <a:endParaRPr lang="en-US" dirty="0"/>
-          </a:p>
-        </p:txBody>
-      </p:sp>
-      <p:sp>
-        <p:nvSpPr>
-          <p:cNvPr id="4" name="TextBox 3"/>
-          <p:cNvSpPr txBox="1"/>
-          <p:nvPr/>
-        </p:nvSpPr>
-        <p:spPr>
-          <a:xfrm>
-            <a:off x="6500812" y="2400300"/>
-            <a:ext cx="5409296" cy="1754326"/>
-          </a:xfrm>
-          <a:prstGeom prst="rect">
-            <a:avLst/>
-          </a:prstGeom>
-          <a:solidFill>
-            <a:schemeClr val="tx2"/>
-          </a:solidFill>
-        </p:spPr>
-        <p:txBody>
-          <a:bodyPr wrap="square" rtlCol="0">
-            <a:spAutoFit/>
-          </a:bodyPr>
-          <a:lstStyle/>
-          <a:p>
-            <a:r>
-              <a:rPr lang="en-US" dirty="0" smtClean="0">
-                <a:solidFill>
-                  <a:srgbClr val="002060"/>
-                </a:solidFill>
-              </a:rPr>
-              <a:t>Note that </a:t>
-            </a:r>
-            <a:r>
-              <a:rPr lang="en-US" dirty="0" err="1" smtClean="0">
-                <a:solidFill>
-                  <a:srgbClr val="002060"/>
-                </a:solidFill>
-              </a:rPr>
-              <a:t>makemigrations</a:t>
-            </a:r>
-            <a:r>
-              <a:rPr lang="en-US" dirty="0" smtClean="0">
-                <a:solidFill>
-                  <a:srgbClr val="002060"/>
-                </a:solidFill>
-              </a:rPr>
-              <a:t> only "does something" when you create or alter a </a:t>
-            </a:r>
-            <a:r>
-              <a:rPr lang="en-US" dirty="0" err="1" smtClean="0">
-                <a:solidFill>
-                  <a:srgbClr val="002060"/>
-                </a:solidFill>
-              </a:rPr>
-              <a:t>models.py</a:t>
-            </a:r>
-            <a:r>
-              <a:rPr lang="en-US" dirty="0" smtClean="0">
-                <a:solidFill>
-                  <a:srgbClr val="002060"/>
-                </a:solidFill>
-              </a:rPr>
-              <a:t> file. The migrate only "does something" when there are migrations that are not yet applied to the database.  Also an application must be added to </a:t>
-            </a:r>
-            <a:r>
-              <a:rPr lang="en-US" dirty="0" err="1" smtClean="0">
-                <a:solidFill>
-                  <a:srgbClr val="002060"/>
-                </a:solidFill>
-              </a:rPr>
-              <a:t>settings.py</a:t>
-            </a:r>
-            <a:r>
-              <a:rPr lang="en-US" dirty="0" smtClean="0">
-                <a:solidFill>
-                  <a:srgbClr val="002060"/>
-                </a:solidFill>
-              </a:rPr>
-              <a:t> before these commands see the </a:t>
-            </a:r>
-            <a:r>
-              <a:rPr lang="en-US" dirty="0" err="1" smtClean="0">
-                <a:solidFill>
-                  <a:srgbClr val="002060"/>
-                </a:solidFill>
-              </a:rPr>
-              <a:t>models.py</a:t>
-            </a:r>
-            <a:r>
-              <a:rPr lang="en-US" dirty="0" smtClean="0">
-                <a:solidFill>
-                  <a:srgbClr val="002060"/>
-                </a:solidFill>
-              </a:rPr>
-              <a:t> file for an application.</a:t>
-            </a:r>
-            <a:endParaRPr lang="en-US" dirty="0">
-              <a:solidFill>
-                <a:srgbClr val="002060"/>
-              </a:solidFill>
-            </a:endParaRPr>
-          </a:p>
-        </p:txBody>
-      </p:sp>
-    </p:spTree>
-    <p:extLst>
-      <p:ext uri="{BB962C8B-B14F-4D97-AF65-F5344CB8AC3E}">
-        <p14:creationId xmlns:p14="http://schemas.microsoft.com/office/powerpoint/2010/main" val="2052768001"/>
-      </p:ext>
-    </p:extLst>
-  </p:cSld>
-  <p:clrMapOvr>
-    <a:masterClrMapping/>
-  </p:clrMapOvr>
-  <p:timing>
-    <p:tnLst>
-      <p:par>
-        <p:cTn id="1" dur="indefinite" restart="never" nodeType="tmRoot"/>
-      </p:par>
-    </p:tnLst>
-  </p:timing>
-</p:sld>
-</file>
-
-<file path=ppt/slides/slide40.xml><?xml version="1.0" encoding="utf-8"?>
+<file path=ppt/slides/slide41.xml><?xml version="1.0" encoding="utf-8"?>
 <p:sld xmlns:a="http://schemas.openxmlformats.org/drawingml/2006/main" xmlns:r="http://schemas.openxmlformats.org/officeDocument/2006/relationships" xmlns:p="http://schemas.openxmlformats.org/presentationml/2006/main">
   <p:cSld>
     <p:spTree>
@@ -38562,7 +40612,7 @@
 </p:sld>
 </file>
 
-<file path=ppt/slides/slide41.xml><?xml version="1.0" encoding="utf-8"?>
+<file path=ppt/slides/slide42.xml><?xml version="1.0" encoding="utf-8"?>
 <p:sld xmlns:a="http://schemas.openxmlformats.org/drawingml/2006/main" xmlns:r="http://schemas.openxmlformats.org/officeDocument/2006/relationships" xmlns:p="http://schemas.openxmlformats.org/presentationml/2006/main">
   <p:cSld>
     <p:spTree>

--- a/lectures/DJ-03-One-To-Many.pptx
+++ b/lectures/DJ-03-One-To-Many.pptx
@@ -238,7 +238,7 @@
           <a:p>
             <a:fld id="{C97B56FC-7D2E-F343-9D09-0D14B00AA564}" type="datetimeFigureOut">
               <a:rPr lang="en-US" smtClean="0"/>
-              <a:t>9/20/19</a:t>
+              <a:t>9/25/19</a:t>
             </a:fld>
             <a:endParaRPr lang="en-US"/>
           </a:p>
@@ -2116,7 +2116,7 @@
           <a:p>
             <a:fld id="{EEE7C04C-7AF8-1445-A186-502B631B934F}" type="datetimeFigureOut">
               <a:rPr lang="en-US" smtClean="0"/>
-              <a:t>9/20/19</a:t>
+              <a:t>9/25/19</a:t>
             </a:fld>
             <a:endParaRPr lang="en-US"/>
           </a:p>
@@ -2281,7 +2281,7 @@
           <a:p>
             <a:fld id="{EEE7C04C-7AF8-1445-A186-502B631B934F}" type="datetimeFigureOut">
               <a:rPr lang="en-US" smtClean="0"/>
-              <a:t>9/20/19</a:t>
+              <a:t>9/25/19</a:t>
             </a:fld>
             <a:endParaRPr lang="en-US"/>
           </a:p>
@@ -2456,7 +2456,7 @@
           <a:p>
             <a:fld id="{EEE7C04C-7AF8-1445-A186-502B631B934F}" type="datetimeFigureOut">
               <a:rPr lang="en-US" smtClean="0"/>
-              <a:t>9/20/19</a:t>
+              <a:t>9/25/19</a:t>
             </a:fld>
             <a:endParaRPr lang="en-US"/>
           </a:p>
@@ -2621,7 +2621,7 @@
           <a:p>
             <a:fld id="{EEE7C04C-7AF8-1445-A186-502B631B934F}" type="datetimeFigureOut">
               <a:rPr lang="en-US" smtClean="0"/>
-              <a:t>9/20/19</a:t>
+              <a:t>9/25/19</a:t>
             </a:fld>
             <a:endParaRPr lang="en-US"/>
           </a:p>
@@ -2862,7 +2862,7 @@
           <a:p>
             <a:fld id="{EEE7C04C-7AF8-1445-A186-502B631B934F}" type="datetimeFigureOut">
               <a:rPr lang="en-US" smtClean="0"/>
-              <a:t>9/20/19</a:t>
+              <a:t>9/25/19</a:t>
             </a:fld>
             <a:endParaRPr lang="en-US"/>
           </a:p>
@@ -3089,7 +3089,7 @@
           <a:p>
             <a:fld id="{EEE7C04C-7AF8-1445-A186-502B631B934F}" type="datetimeFigureOut">
               <a:rPr lang="en-US" smtClean="0"/>
-              <a:t>9/20/19</a:t>
+              <a:t>9/25/19</a:t>
             </a:fld>
             <a:endParaRPr lang="en-US"/>
           </a:p>
@@ -3451,7 +3451,7 @@
           <a:p>
             <a:fld id="{EEE7C04C-7AF8-1445-A186-502B631B934F}" type="datetimeFigureOut">
               <a:rPr lang="en-US" smtClean="0"/>
-              <a:t>9/20/19</a:t>
+              <a:t>9/25/19</a:t>
             </a:fld>
             <a:endParaRPr lang="en-US"/>
           </a:p>
@@ -3564,7 +3564,7 @@
           <a:p>
             <a:fld id="{EEE7C04C-7AF8-1445-A186-502B631B934F}" type="datetimeFigureOut">
               <a:rPr lang="en-US" smtClean="0"/>
-              <a:t>9/20/19</a:t>
+              <a:t>9/25/19</a:t>
             </a:fld>
             <a:endParaRPr lang="en-US"/>
           </a:p>
@@ -3654,7 +3654,7 @@
           <a:p>
             <a:fld id="{EEE7C04C-7AF8-1445-A186-502B631B934F}" type="datetimeFigureOut">
               <a:rPr lang="en-US" smtClean="0"/>
-              <a:t>9/20/19</a:t>
+              <a:t>9/25/19</a:t>
             </a:fld>
             <a:endParaRPr lang="en-US"/>
           </a:p>
@@ -3926,7 +3926,7 @@
           <a:p>
             <a:fld id="{EEE7C04C-7AF8-1445-A186-502B631B934F}" type="datetimeFigureOut">
               <a:rPr lang="en-US" smtClean="0"/>
-              <a:t>9/20/19</a:t>
+              <a:t>9/25/19</a:t>
             </a:fld>
             <a:endParaRPr lang="en-US"/>
           </a:p>
@@ -4178,7 +4178,7 @@
           <a:p>
             <a:fld id="{EEE7C04C-7AF8-1445-A186-502B631B934F}" type="datetimeFigureOut">
               <a:rPr lang="en-US" smtClean="0"/>
-              <a:t>9/20/19</a:t>
+              <a:t>9/25/19</a:t>
             </a:fld>
             <a:endParaRPr lang="en-US"/>
           </a:p>
@@ -4386,7 +4386,7 @@
           <a:p>
             <a:fld id="{EEE7C04C-7AF8-1445-A186-502B631B934F}" type="datetimeFigureOut">
               <a:rPr lang="en-US" smtClean="0"/>
-              <a:t>9/20/19</a:t>
+              <a:t>9/25/19</a:t>
             </a:fld>
             <a:endParaRPr lang="en-US"/>
           </a:p>
@@ -4804,10 +4804,10 @@
           <p:cNvPr id="10" name="Rectangle 9">
             <a:extLst>
               <a:ext uri="{FF2B5EF4-FFF2-40B4-BE49-F238E27FC236}">
-                <a16:creationId xmlns:a16="http://schemas.microsoft.com/office/drawing/2014/main" xmlns="" id="{E20EB187-900F-4AF5-813B-101456D9FD39}"/>
+                <a16:creationId xmlns="" xmlns:a16="http://schemas.microsoft.com/office/drawing/2014/main" id="{E20EB187-900F-4AF5-813B-101456D9FD39}"/>
               </a:ext>
               <a:ext uri="{C183D7F6-B498-43B3-948B-1728B52AA6E4}">
-                <adec:decorative xmlns:adec="http://schemas.microsoft.com/office/drawing/2017/decorative" xmlns="" val="1"/>
+                <adec:decorative xmlns="" xmlns:adec="http://schemas.microsoft.com/office/drawing/2017/decorative" val="1"/>
               </a:ext>
             </a:extLst>
           </p:cNvPr>
@@ -4958,10 +4958,10 @@
           <p:cNvPr id="12" name="Straight Connector 11">
             <a:extLst>
               <a:ext uri="{FF2B5EF4-FFF2-40B4-BE49-F238E27FC236}">
-                <a16:creationId xmlns:a16="http://schemas.microsoft.com/office/drawing/2014/main" xmlns="" id="{624D17C8-E9C2-48A4-AA36-D7048A6CCC41}"/>
+                <a16:creationId xmlns="" xmlns:a16="http://schemas.microsoft.com/office/drawing/2014/main" id="{624D17C8-E9C2-48A4-AA36-D7048A6CCC41}"/>
               </a:ext>
               <a:ext uri="{C183D7F6-B498-43B3-948B-1728B52AA6E4}">
-                <adec:decorative xmlns:adec="http://schemas.microsoft.com/office/drawing/2017/decorative" xmlns="" val="1"/>
+                <adec:decorative xmlns="" xmlns:adec="http://schemas.microsoft.com/office/drawing/2017/decorative" val="1"/>
               </a:ext>
             </a:extLst>
           </p:cNvPr>
@@ -14510,6 +14510,83 @@
           <a:ln w="38100">
             <a:solidFill>
               <a:srgbClr val="FFFF00"/>
+            </a:solidFill>
+            <a:tailEnd type="triangle"/>
+          </a:ln>
+        </p:spPr>
+        <p:style>
+          <a:lnRef idx="1">
+            <a:schemeClr val="accent1"/>
+          </a:lnRef>
+          <a:fillRef idx="0">
+            <a:schemeClr val="accent1"/>
+          </a:fillRef>
+          <a:effectRef idx="0">
+            <a:schemeClr val="accent1"/>
+          </a:effectRef>
+          <a:fontRef idx="minor">
+            <a:schemeClr val="tx1"/>
+          </a:fontRef>
+        </p:style>
+      </p:cxnSp>
+      <p:cxnSp>
+        <p:nvCxnSpPr>
+          <p:cNvPr id="48" name="Straight Arrow Connector 47"/>
+          <p:cNvCxnSpPr>
+            <a:endCxn id="13" idx="2"/>
+          </p:cNvCxnSpPr>
+          <p:nvPr/>
+        </p:nvCxnSpPr>
+        <p:spPr>
+          <a:xfrm flipV="1">
+            <a:off x="9768668" y="3421029"/>
+            <a:ext cx="1004916" cy="230491"/>
+          </a:xfrm>
+          <a:prstGeom prst="straightConnector1">
+            <a:avLst/>
+          </a:prstGeom>
+          <a:ln w="38100">
+            <a:solidFill>
+              <a:schemeClr val="tx1"/>
+            </a:solidFill>
+            <a:tailEnd type="triangle"/>
+          </a:ln>
+        </p:spPr>
+        <p:style>
+          <a:lnRef idx="1">
+            <a:schemeClr val="accent1"/>
+          </a:lnRef>
+          <a:fillRef idx="0">
+            <a:schemeClr val="accent1"/>
+          </a:fillRef>
+          <a:effectRef idx="0">
+            <a:schemeClr val="accent1"/>
+          </a:effectRef>
+          <a:fontRef idx="minor">
+            <a:schemeClr val="tx1"/>
+          </a:fontRef>
+        </p:style>
+      </p:cxnSp>
+      <p:cxnSp>
+        <p:nvCxnSpPr>
+          <p:cNvPr id="52" name="Straight Arrow Connector 51"/>
+          <p:cNvCxnSpPr>
+            <a:stCxn id="49" idx="0"/>
+            <a:endCxn id="14" idx="2"/>
+          </p:cNvCxnSpPr>
+          <p:nvPr/>
+        </p:nvCxnSpPr>
+        <p:spPr>
+          <a:xfrm flipV="1">
+            <a:off x="8664626" y="3966793"/>
+            <a:ext cx="473108" cy="448341"/>
+          </a:xfrm>
+          <a:prstGeom prst="straightConnector1">
+            <a:avLst/>
+          </a:prstGeom>
+          <a:ln w="38100">
+            <a:solidFill>
+              <a:schemeClr val="tx1"/>
             </a:solidFill>
             <a:tailEnd type="triangle"/>
           </a:ln>

--- a/lectures/DJ-03-One-To-Many.pptx
+++ b/lectures/DJ-03-One-To-Many.pptx
@@ -231,7 +231,7 @@
           <a:p>
             <a:fld id="{C97B56FC-7D2E-F343-9D09-0D14B00AA564}" type="datetimeFigureOut">
               <a:rPr lang="en-US" smtClean="0"/>
-              <a:t>2/13/20</a:t>
+              <a:t>2/14/20</a:t>
             </a:fld>
             <a:endParaRPr lang="en-US"/>
           </a:p>
@@ -2109,7 +2109,7 @@
           <a:p>
             <a:fld id="{EEE7C04C-7AF8-1445-A186-502B631B934F}" type="datetimeFigureOut">
               <a:rPr lang="en-US" smtClean="0"/>
-              <a:t>2/13/20</a:t>
+              <a:t>2/14/20</a:t>
             </a:fld>
             <a:endParaRPr lang="en-US"/>
           </a:p>
@@ -2274,7 +2274,7 @@
           <a:p>
             <a:fld id="{EEE7C04C-7AF8-1445-A186-502B631B934F}" type="datetimeFigureOut">
               <a:rPr lang="en-US" smtClean="0"/>
-              <a:t>2/13/20</a:t>
+              <a:t>2/14/20</a:t>
             </a:fld>
             <a:endParaRPr lang="en-US"/>
           </a:p>
@@ -2449,7 +2449,7 @@
           <a:p>
             <a:fld id="{EEE7C04C-7AF8-1445-A186-502B631B934F}" type="datetimeFigureOut">
               <a:rPr lang="en-US" smtClean="0"/>
-              <a:t>2/13/20</a:t>
+              <a:t>2/14/20</a:t>
             </a:fld>
             <a:endParaRPr lang="en-US"/>
           </a:p>
@@ -2614,7 +2614,7 @@
           <a:p>
             <a:fld id="{EEE7C04C-7AF8-1445-A186-502B631B934F}" type="datetimeFigureOut">
               <a:rPr lang="en-US" smtClean="0"/>
-              <a:t>2/13/20</a:t>
+              <a:t>2/14/20</a:t>
             </a:fld>
             <a:endParaRPr lang="en-US"/>
           </a:p>
@@ -2855,7 +2855,7 @@
           <a:p>
             <a:fld id="{EEE7C04C-7AF8-1445-A186-502B631B934F}" type="datetimeFigureOut">
               <a:rPr lang="en-US" smtClean="0"/>
-              <a:t>2/13/20</a:t>
+              <a:t>2/14/20</a:t>
             </a:fld>
             <a:endParaRPr lang="en-US"/>
           </a:p>
@@ -3082,7 +3082,7 @@
           <a:p>
             <a:fld id="{EEE7C04C-7AF8-1445-A186-502B631B934F}" type="datetimeFigureOut">
               <a:rPr lang="en-US" smtClean="0"/>
-              <a:t>2/13/20</a:t>
+              <a:t>2/14/20</a:t>
             </a:fld>
             <a:endParaRPr lang="en-US"/>
           </a:p>
@@ -3444,7 +3444,7 @@
           <a:p>
             <a:fld id="{EEE7C04C-7AF8-1445-A186-502B631B934F}" type="datetimeFigureOut">
               <a:rPr lang="en-US" smtClean="0"/>
-              <a:t>2/13/20</a:t>
+              <a:t>2/14/20</a:t>
             </a:fld>
             <a:endParaRPr lang="en-US"/>
           </a:p>
@@ -3557,7 +3557,7 @@
           <a:p>
             <a:fld id="{EEE7C04C-7AF8-1445-A186-502B631B934F}" type="datetimeFigureOut">
               <a:rPr lang="en-US" smtClean="0"/>
-              <a:t>2/13/20</a:t>
+              <a:t>2/14/20</a:t>
             </a:fld>
             <a:endParaRPr lang="en-US"/>
           </a:p>
@@ -3647,7 +3647,7 @@
           <a:p>
             <a:fld id="{EEE7C04C-7AF8-1445-A186-502B631B934F}" type="datetimeFigureOut">
               <a:rPr lang="en-US" smtClean="0"/>
-              <a:t>2/13/20</a:t>
+              <a:t>2/14/20</a:t>
             </a:fld>
             <a:endParaRPr lang="en-US"/>
           </a:p>
@@ -3919,7 +3919,7 @@
           <a:p>
             <a:fld id="{EEE7C04C-7AF8-1445-A186-502B631B934F}" type="datetimeFigureOut">
               <a:rPr lang="en-US" smtClean="0"/>
-              <a:t>2/13/20</a:t>
+              <a:t>2/14/20</a:t>
             </a:fld>
             <a:endParaRPr lang="en-US"/>
           </a:p>
@@ -4171,7 +4171,7 @@
           <a:p>
             <a:fld id="{EEE7C04C-7AF8-1445-A186-502B631B934F}" type="datetimeFigureOut">
               <a:rPr lang="en-US" smtClean="0"/>
-              <a:t>2/13/20</a:t>
+              <a:t>2/14/20</a:t>
             </a:fld>
             <a:endParaRPr lang="en-US"/>
           </a:p>
@@ -4379,7 +4379,7 @@
           <a:p>
             <a:fld id="{EEE7C04C-7AF8-1445-A186-502B631B934F}" type="datetimeFigureOut">
               <a:rPr lang="en-US" smtClean="0"/>
-              <a:t>2/13/20</a:t>
+              <a:t>2/14/20</a:t>
             </a:fld>
             <a:endParaRPr lang="en-US"/>
           </a:p>
@@ -4797,10 +4797,10 @@
           <p:cNvPr id="10" name="Rectangle 9">
             <a:extLst>
               <a:ext uri="{FF2B5EF4-FFF2-40B4-BE49-F238E27FC236}">
-                <a16:creationId xmlns:a16="http://schemas.microsoft.com/office/drawing/2014/main" xmlns="" id="{E20EB187-900F-4AF5-813B-101456D9FD39}"/>
+                <a16:creationId xmlns="" xmlns:a16="http://schemas.microsoft.com/office/drawing/2014/main" id="{E20EB187-900F-4AF5-813B-101456D9FD39}"/>
               </a:ext>
               <a:ext uri="{C183D7F6-B498-43B3-948B-1728B52AA6E4}">
-                <adec:decorative xmlns:adec="http://schemas.microsoft.com/office/drawing/2017/decorative" xmlns="" val="1"/>
+                <adec:decorative xmlns="" xmlns:adec="http://schemas.microsoft.com/office/drawing/2017/decorative" val="1"/>
               </a:ext>
             </a:extLst>
           </p:cNvPr>
@@ -4951,10 +4951,10 @@
           <p:cNvPr id="12" name="Straight Connector 11">
             <a:extLst>
               <a:ext uri="{FF2B5EF4-FFF2-40B4-BE49-F238E27FC236}">
-                <a16:creationId xmlns:a16="http://schemas.microsoft.com/office/drawing/2014/main" xmlns="" id="{624D17C8-E9C2-48A4-AA36-D7048A6CCC41}"/>
+                <a16:creationId xmlns="" xmlns:a16="http://schemas.microsoft.com/office/drawing/2014/main" id="{624D17C8-E9C2-48A4-AA36-D7048A6CCC41}"/>
               </a:ext>
               <a:ext uri="{C183D7F6-B498-43B3-948B-1728B52AA6E4}">
-                <adec:decorative xmlns:adec="http://schemas.microsoft.com/office/drawing/2017/decorative" xmlns="" val="1"/>
+                <adec:decorative xmlns="" xmlns:adec="http://schemas.microsoft.com/office/drawing/2017/decorative" val="1"/>
               </a:ext>
             </a:extLst>
           </p:cNvPr>

--- a/lectures/DJ-03-One-To-Many.pptx
+++ b/lectures/DJ-03-One-To-Many.pptx
@@ -5,7 +5,7 @@
     <p:sldMasterId id="2147483660" r:id="rId1"/>
   </p:sldMasterIdLst>
   <p:notesMasterIdLst>
-    <p:notesMasterId r:id="rId37"/>
+    <p:notesMasterId r:id="rId38"/>
   </p:notesMasterIdLst>
   <p:sldIdLst>
     <p:sldId id="258" r:id="rId2"/>
@@ -42,7 +42,8 @@
     <p:sldId id="347" r:id="rId33"/>
     <p:sldId id="348" r:id="rId34"/>
     <p:sldId id="311" r:id="rId35"/>
-    <p:sldId id="273" r:id="rId36"/>
+    <p:sldId id="360" r:id="rId36"/>
+    <p:sldId id="273" r:id="rId37"/>
   </p:sldIdLst>
   <p:sldSz cx="12192000" cy="6858000"/>
   <p:notesSz cx="6858000" cy="9144000"/>
@@ -231,7 +232,7 @@
           <a:p>
             <a:fld id="{C97B56FC-7D2E-F343-9D09-0D14B00AA564}" type="datetimeFigureOut">
               <a:rPr lang="en-US" smtClean="0"/>
-              <a:t>2/14/20</a:t>
+              <a:t>2/21/20</a:t>
             </a:fld>
             <a:endParaRPr lang="en-US"/>
           </a:p>
@@ -2109,7 +2110,7 @@
           <a:p>
             <a:fld id="{EEE7C04C-7AF8-1445-A186-502B631B934F}" type="datetimeFigureOut">
               <a:rPr lang="en-US" smtClean="0"/>
-              <a:t>2/14/20</a:t>
+              <a:t>2/21/20</a:t>
             </a:fld>
             <a:endParaRPr lang="en-US"/>
           </a:p>
@@ -2274,7 +2275,7 @@
           <a:p>
             <a:fld id="{EEE7C04C-7AF8-1445-A186-502B631B934F}" type="datetimeFigureOut">
               <a:rPr lang="en-US" smtClean="0"/>
-              <a:t>2/14/20</a:t>
+              <a:t>2/21/20</a:t>
             </a:fld>
             <a:endParaRPr lang="en-US"/>
           </a:p>
@@ -2449,7 +2450,7 @@
           <a:p>
             <a:fld id="{EEE7C04C-7AF8-1445-A186-502B631B934F}" type="datetimeFigureOut">
               <a:rPr lang="en-US" smtClean="0"/>
-              <a:t>2/14/20</a:t>
+              <a:t>2/21/20</a:t>
             </a:fld>
             <a:endParaRPr lang="en-US"/>
           </a:p>
@@ -2614,7 +2615,7 @@
           <a:p>
             <a:fld id="{EEE7C04C-7AF8-1445-A186-502B631B934F}" type="datetimeFigureOut">
               <a:rPr lang="en-US" smtClean="0"/>
-              <a:t>2/14/20</a:t>
+              <a:t>2/21/20</a:t>
             </a:fld>
             <a:endParaRPr lang="en-US"/>
           </a:p>
@@ -2855,7 +2856,7 @@
           <a:p>
             <a:fld id="{EEE7C04C-7AF8-1445-A186-502B631B934F}" type="datetimeFigureOut">
               <a:rPr lang="en-US" smtClean="0"/>
-              <a:t>2/14/20</a:t>
+              <a:t>2/21/20</a:t>
             </a:fld>
             <a:endParaRPr lang="en-US"/>
           </a:p>
@@ -3082,7 +3083,7 @@
           <a:p>
             <a:fld id="{EEE7C04C-7AF8-1445-A186-502B631B934F}" type="datetimeFigureOut">
               <a:rPr lang="en-US" smtClean="0"/>
-              <a:t>2/14/20</a:t>
+              <a:t>2/21/20</a:t>
             </a:fld>
             <a:endParaRPr lang="en-US"/>
           </a:p>
@@ -3444,7 +3445,7 @@
           <a:p>
             <a:fld id="{EEE7C04C-7AF8-1445-A186-502B631B934F}" type="datetimeFigureOut">
               <a:rPr lang="en-US" smtClean="0"/>
-              <a:t>2/14/20</a:t>
+              <a:t>2/21/20</a:t>
             </a:fld>
             <a:endParaRPr lang="en-US"/>
           </a:p>
@@ -3557,7 +3558,7 @@
           <a:p>
             <a:fld id="{EEE7C04C-7AF8-1445-A186-502B631B934F}" type="datetimeFigureOut">
               <a:rPr lang="en-US" smtClean="0"/>
-              <a:t>2/14/20</a:t>
+              <a:t>2/21/20</a:t>
             </a:fld>
             <a:endParaRPr lang="en-US"/>
           </a:p>
@@ -3647,7 +3648,7 @@
           <a:p>
             <a:fld id="{EEE7C04C-7AF8-1445-A186-502B631B934F}" type="datetimeFigureOut">
               <a:rPr lang="en-US" smtClean="0"/>
-              <a:t>2/14/20</a:t>
+              <a:t>2/21/20</a:t>
             </a:fld>
             <a:endParaRPr lang="en-US"/>
           </a:p>
@@ -3919,7 +3920,7 @@
           <a:p>
             <a:fld id="{EEE7C04C-7AF8-1445-A186-502B631B934F}" type="datetimeFigureOut">
               <a:rPr lang="en-US" smtClean="0"/>
-              <a:t>2/14/20</a:t>
+              <a:t>2/21/20</a:t>
             </a:fld>
             <a:endParaRPr lang="en-US"/>
           </a:p>
@@ -4171,7 +4172,7 @@
           <a:p>
             <a:fld id="{EEE7C04C-7AF8-1445-A186-502B631B934F}" type="datetimeFigureOut">
               <a:rPr lang="en-US" smtClean="0"/>
-              <a:t>2/14/20</a:t>
+              <a:t>2/21/20</a:t>
             </a:fld>
             <a:endParaRPr lang="en-US"/>
           </a:p>
@@ -4379,7 +4380,7 @@
           <a:p>
             <a:fld id="{EEE7C04C-7AF8-1445-A186-502B631B934F}" type="datetimeFigureOut">
               <a:rPr lang="en-US" smtClean="0"/>
-              <a:t>2/14/20</a:t>
+              <a:t>2/21/20</a:t>
             </a:fld>
             <a:endParaRPr lang="en-US"/>
           </a:p>
@@ -4797,10 +4798,10 @@
           <p:cNvPr id="10" name="Rectangle 9">
             <a:extLst>
               <a:ext uri="{FF2B5EF4-FFF2-40B4-BE49-F238E27FC236}">
-                <a16:creationId xmlns="" xmlns:a16="http://schemas.microsoft.com/office/drawing/2014/main" id="{E20EB187-900F-4AF5-813B-101456D9FD39}"/>
+                <a16:creationId xmlns:a16="http://schemas.microsoft.com/office/drawing/2014/main" xmlns="" id="{E20EB187-900F-4AF5-813B-101456D9FD39}"/>
               </a:ext>
               <a:ext uri="{C183D7F6-B498-43B3-948B-1728B52AA6E4}">
-                <adec:decorative xmlns="" xmlns:adec="http://schemas.microsoft.com/office/drawing/2017/decorative" val="1"/>
+                <adec:decorative xmlns:adec="http://schemas.microsoft.com/office/drawing/2017/decorative" xmlns="" val="1"/>
               </a:ext>
             </a:extLst>
           </p:cNvPr>
@@ -4951,10 +4952,10 @@
           <p:cNvPr id="12" name="Straight Connector 11">
             <a:extLst>
               <a:ext uri="{FF2B5EF4-FFF2-40B4-BE49-F238E27FC236}">
-                <a16:creationId xmlns="" xmlns:a16="http://schemas.microsoft.com/office/drawing/2014/main" id="{624D17C8-E9C2-48A4-AA36-D7048A6CCC41}"/>
+                <a16:creationId xmlns:a16="http://schemas.microsoft.com/office/drawing/2014/main" xmlns="" id="{624D17C8-E9C2-48A4-AA36-D7048A6CCC41}"/>
               </a:ext>
               <a:ext uri="{C183D7F6-B498-43B3-948B-1728B52AA6E4}">
-                <adec:decorative xmlns="" xmlns:adec="http://schemas.microsoft.com/office/drawing/2017/decorative" val="1"/>
+                <adec:decorative xmlns:adec="http://schemas.microsoft.com/office/drawing/2017/decorative" xmlns="" val="1"/>
               </a:ext>
             </a:extLst>
           </p:cNvPr>
@@ -19811,7 +19812,7 @@
           <p:nvPr>
             <p:extLst>
               <p:ext uri="{D42A27DB-BD31-4B8C-83A1-F6EECF244321}">
-                <p14:modId xmlns:p14="http://schemas.microsoft.com/office/powerpoint/2010/main" val="1877074440"/>
+                <p14:modId xmlns:p14="http://schemas.microsoft.com/office/powerpoint/2010/main" val="6115420"/>
               </p:ext>
             </p:extLst>
           </p:nvPr>
@@ -20378,7 +20379,7 @@
                           <a:effectLst/>
                           <a:latin typeface="Calibri" charset="0"/>
                         </a:rPr>
-                        <a:t>2</a:t>
+                        <a:t>3</a:t>
                       </a:r>
                       <a:endParaRPr lang="en-US" sz="1200" b="0" i="0" u="none" strike="noStrike" dirty="0">
                         <a:solidFill>
@@ -27296,20 +27297,32 @@
               <a:t>https://</a:t>
             </a:r>
             <a:r>
-              <a:rPr lang="en-US" dirty="0" err="1"/>
+              <a:rPr lang="en-US" dirty="0" err="1" smtClean="0"/>
               <a:t>docs.djangoproject.com</a:t>
             </a:r>
             <a:r>
+              <a:rPr lang="en-US" dirty="0" smtClean="0"/>
+              <a:t>/</a:t>
+            </a:r>
+            <a:r>
+              <a:rPr lang="en-US" dirty="0" err="1" smtClean="0"/>
+              <a:t>en</a:t>
+            </a:r>
+            <a:r>
+              <a:rPr lang="en-US" dirty="0" smtClean="0"/>
+              <a:t>/</a:t>
+            </a:r>
+            <a:r>
+              <a:rPr lang="hr-HR" dirty="0" smtClean="0"/>
+              <a:t>3.0</a:t>
+            </a:r>
+            <a:r>
+              <a:rPr lang="en-US" dirty="0" smtClean="0"/>
+              <a:t>/ref/models/fields</a:t>
+            </a:r>
+            <a:r>
               <a:rPr lang="en-US" dirty="0"/>
-              <a:t>/</a:t>
-            </a:r>
-            <a:r>
-              <a:rPr lang="en-US" dirty="0" err="1"/>
-              <a:t>en</a:t>
-            </a:r>
-            <a:r>
-              <a:rPr lang="en-US" dirty="0"/>
-              <a:t>/2.1/ref/models/fields/#field-types</a:t>
+              <a:t>/#field-types</a:t>
             </a:r>
           </a:p>
         </p:txBody>
@@ -32804,12 +32817,12 @@
               <a:t>What do we do when a row in one table points to a row in a "foreign" table via a </a:t>
             </a:r>
             <a:r>
-              <a:rPr lang="en-US" dirty="0" err="1" smtClean="0"/>
-              <a:t>forgign</a:t>
-            </a:r>
-            <a:r>
               <a:rPr lang="en-US" dirty="0" smtClean="0"/>
-              <a:t> key and the "destination row" is deleted</a:t>
+              <a:t>foreign </a:t>
+            </a:r>
+            <a:r>
+              <a:rPr lang="en-US" dirty="0" smtClean="0"/>
+              <a:t>key and the "destination row" is deleted</a:t>
             </a:r>
           </a:p>
           <a:p>
@@ -32878,20 +32891,24 @@
               <a:t>https://</a:t>
             </a:r>
             <a:r>
-              <a:rPr lang="en-US" dirty="0" err="1"/>
+              <a:rPr lang="en-US" dirty="0" err="1" smtClean="0"/>
               <a:t>docs.djangoproject.com</a:t>
             </a:r>
             <a:r>
+              <a:rPr lang="en-US" dirty="0" smtClean="0"/>
+              <a:t>/</a:t>
+            </a:r>
+            <a:r>
+              <a:rPr lang="en-US" dirty="0" err="1" smtClean="0"/>
+              <a:t>en</a:t>
+            </a:r>
+            <a:r>
+              <a:rPr lang="en-US" dirty="0" smtClean="0"/>
+              <a:t>/3.0/ref/models/fields</a:t>
+            </a:r>
+            <a:r>
               <a:rPr lang="en-US" dirty="0"/>
-              <a:t>/</a:t>
-            </a:r>
-            <a:r>
-              <a:rPr lang="en-US" dirty="0" err="1"/>
-              <a:t>en</a:t>
-            </a:r>
-            <a:r>
-              <a:rPr lang="en-US" dirty="0"/>
-              <a:t>/2.2/ref/models/fields/#</a:t>
+              <a:t>/#</a:t>
             </a:r>
             <a:r>
               <a:rPr lang="en-US" dirty="0" err="1"/>
@@ -38111,6 +38128,73 @@
           <a:chExt cx="0" cy="0"/>
         </a:xfrm>
       </p:grpSpPr>
+      <p:pic>
+        <p:nvPicPr>
+          <p:cNvPr id="3" name="Picture 2"/>
+          <p:cNvPicPr>
+            <a:picLocks noChangeAspect="1"/>
+          </p:cNvPicPr>
+          <p:nvPr/>
+        </p:nvPicPr>
+        <p:blipFill>
+          <a:blip r:embed="rId2">
+            <a:extLst>
+              <a:ext uri="{28A0092B-C50C-407E-A947-70E740481C1C}">
+                <a14:useLocalDpi xmlns:a14="http://schemas.microsoft.com/office/drawing/2010/main" val="0"/>
+              </a:ext>
+            </a:extLst>
+          </a:blip>
+          <a:stretch>
+            <a:fillRect/>
+          </a:stretch>
+        </p:blipFill>
+        <p:spPr>
+          <a:xfrm>
+            <a:off x="-157163" y="-1"/>
+            <a:ext cx="12701587" cy="6676475"/>
+          </a:xfrm>
+          <a:prstGeom prst="rect">
+            <a:avLst/>
+          </a:prstGeom>
+        </p:spPr>
+      </p:pic>
+    </p:spTree>
+    <p:extLst>
+      <p:ext uri="{BB962C8B-B14F-4D97-AF65-F5344CB8AC3E}">
+        <p14:creationId xmlns:p14="http://schemas.microsoft.com/office/powerpoint/2010/main" val="2143475290"/>
+      </p:ext>
+    </p:extLst>
+  </p:cSld>
+  <p:clrMapOvr>
+    <a:masterClrMapping/>
+  </p:clrMapOvr>
+  <p:timing>
+    <p:tnLst>
+      <p:par>
+        <p:cTn id="1" dur="indefinite" restart="never" nodeType="tmRoot"/>
+      </p:par>
+    </p:tnLst>
+  </p:timing>
+</p:sld>
+</file>
+
+<file path=ppt/slides/slide36.xml><?xml version="1.0" encoding="utf-8"?>
+<p:sld xmlns:a="http://schemas.openxmlformats.org/drawingml/2006/main" xmlns:r="http://schemas.openxmlformats.org/officeDocument/2006/relationships" xmlns:p="http://schemas.openxmlformats.org/presentationml/2006/main">
+  <p:cSld>
+    <p:spTree>
+      <p:nvGrpSpPr>
+        <p:cNvPr id="1" name=""/>
+        <p:cNvGrpSpPr/>
+        <p:nvPr/>
+      </p:nvGrpSpPr>
+      <p:grpSpPr>
+        <a:xfrm>
+          <a:off x="0" y="0"/>
+          <a:ext cx="0" cy="0"/>
+          <a:chOff x="0" y="0"/>
+          <a:chExt cx="0" cy="0"/>
+        </a:xfrm>
+      </p:grpSpPr>
       <p:sp>
         <p:nvSpPr>
           <p:cNvPr id="4" name="Title 3"/>
@@ -39332,23 +39416,7 @@
                   <a:srgbClr val="FFFF00"/>
                 </a:solidFill>
               </a:rPr>
-              <a:t>"One Book can </a:t>
-            </a:r>
-            <a:r>
-              <a:rPr lang="en-US" dirty="0" err="1" smtClean="0">
-                <a:solidFill>
-                  <a:srgbClr val="FFFF00"/>
-                </a:solidFill>
-              </a:rPr>
-              <a:t>hav</a:t>
-            </a:r>
-            <a:r>
-              <a:rPr lang="en-US" dirty="0" smtClean="0">
-                <a:solidFill>
-                  <a:srgbClr val="FFFF00"/>
-                </a:solidFill>
-              </a:rPr>
-              <a:t> between zero and infinite number of </a:t>
+              <a:t>"One Book can have between zero and infinite number of </a:t>
             </a:r>
             <a:r>
               <a:rPr lang="en-US" dirty="0" err="1" smtClean="0">

--- a/lectures/DJ-03-One-To-Many.pptx
+++ b/lectures/DJ-03-One-To-Many.pptx
@@ -5,7 +5,7 @@
     <p:sldMasterId id="2147483660" r:id="rId1"/>
   </p:sldMasterIdLst>
   <p:notesMasterIdLst>
-    <p:notesMasterId r:id="rId38"/>
+    <p:notesMasterId r:id="rId45"/>
   </p:notesMasterIdLst>
   <p:sldIdLst>
     <p:sldId id="258" r:id="rId2"/>
@@ -41,9 +41,16 @@
     <p:sldId id="341" r:id="rId32"/>
     <p:sldId id="347" r:id="rId33"/>
     <p:sldId id="348" r:id="rId34"/>
-    <p:sldId id="311" r:id="rId35"/>
-    <p:sldId id="360" r:id="rId36"/>
-    <p:sldId id="273" r:id="rId37"/>
+    <p:sldId id="361" r:id="rId35"/>
+    <p:sldId id="362" r:id="rId36"/>
+    <p:sldId id="363" r:id="rId37"/>
+    <p:sldId id="364" r:id="rId38"/>
+    <p:sldId id="365" r:id="rId39"/>
+    <p:sldId id="366" r:id="rId40"/>
+    <p:sldId id="367" r:id="rId41"/>
+    <p:sldId id="368" r:id="rId42"/>
+    <p:sldId id="369" r:id="rId43"/>
+    <p:sldId id="273" r:id="rId44"/>
   </p:sldIdLst>
   <p:sldSz cx="12192000" cy="6858000"/>
   <p:notesSz cx="6858000" cy="9144000"/>
@@ -232,7 +239,7 @@
           <a:p>
             <a:fld id="{C97B56FC-7D2E-F343-9D09-0D14B00AA564}" type="datetimeFigureOut">
               <a:rPr lang="en-US" smtClean="0"/>
-              <a:t>2/21/20</a:t>
+              <a:t>1/4/21</a:t>
             </a:fld>
             <a:endParaRPr lang="en-US"/>
           </a:p>
@@ -1706,279 +1713,6 @@
 </p:notes>
 </file>
 
-<file path=ppt/notesSlides/notesSlide8.xml><?xml version="1.0" encoding="utf-8"?>
-<p:notes xmlns:a="http://schemas.openxmlformats.org/drawingml/2006/main" xmlns:r="http://schemas.openxmlformats.org/officeDocument/2006/relationships" xmlns:p="http://schemas.openxmlformats.org/presentationml/2006/main">
-  <p:cSld>
-    <p:spTree>
-      <p:nvGrpSpPr>
-        <p:cNvPr id="1" name=""/>
-        <p:cNvGrpSpPr/>
-        <p:nvPr/>
-      </p:nvGrpSpPr>
-      <p:grpSpPr>
-        <a:xfrm>
-          <a:off x="0" y="0"/>
-          <a:ext cx="0" cy="0"/>
-          <a:chOff x="0" y="0"/>
-          <a:chExt cx="0" cy="0"/>
-        </a:xfrm>
-      </p:grpSpPr>
-      <p:sp>
-        <p:nvSpPr>
-          <p:cNvPr id="12289" name="Slide Image Placeholder 1"/>
-          <p:cNvSpPr>
-            <a:spLocks noGrp="1" noRot="1" noChangeAspect="1" noTextEdit="1"/>
-          </p:cNvSpPr>
-          <p:nvPr>
-            <p:ph type="sldImg"/>
-          </p:nvPr>
-        </p:nvSpPr>
-        <p:spPr bwMode="auto">
-          <a:noFill/>
-          <a:ln>
-            <a:solidFill>
-              <a:srgbClr val="000000"/>
-            </a:solidFill>
-            <a:miter lim="800000"/>
-            <a:headEnd/>
-            <a:tailEnd/>
-          </a:ln>
-          <a:extLst>
-            <a:ext uri="{909E8E84-426E-40DD-AFC4-6F175D3DCCD1}">
-              <a14:hiddenFill xmlns:a14="http://schemas.microsoft.com/office/drawing/2010/main">
-                <a:solidFill>
-                  <a:srgbClr val="FFFFFF"/>
-                </a:solidFill>
-              </a14:hiddenFill>
-            </a:ext>
-            <a:ext uri="{FAA26D3D-D897-4be2-8F04-BA451C77F1D7}">
-              <ma14:placeholderFlag xmlns:ma14="http://schemas.microsoft.com/office/mac/drawingml/2011/main" val="1"/>
-            </a:ext>
-          </a:extLst>
-        </p:spPr>
-      </p:sp>
-      <p:sp>
-        <p:nvSpPr>
-          <p:cNvPr id="12290" name="Notes Placeholder 2"/>
-          <p:cNvSpPr>
-            <a:spLocks noGrp="1"/>
-          </p:cNvSpPr>
-          <p:nvPr>
-            <p:ph type="body" idx="1"/>
-          </p:nvPr>
-        </p:nvSpPr>
-        <p:spPr bwMode="auto">
-          <a:noFill/>
-          <a:extLst>
-            <a:ext uri="{909E8E84-426E-40DD-AFC4-6F175D3DCCD1}">
-              <a14:hiddenFill xmlns:a14="http://schemas.microsoft.com/office/drawing/2010/main">
-                <a:solidFill>
-                  <a:srgbClr val="FFFFFF"/>
-                </a:solidFill>
-              </a14:hiddenFill>
-            </a:ext>
-            <a:ext uri="{91240B29-F687-4F45-9708-019B960494DF}">
-              <a14:hiddenLine xmlns:a14="http://schemas.microsoft.com/office/drawing/2010/main" w="9525">
-                <a:solidFill>
-                  <a:srgbClr val="000000"/>
-                </a:solidFill>
-                <a:miter lim="800000"/>
-                <a:headEnd/>
-                <a:tailEnd/>
-              </a14:hiddenLine>
-            </a:ext>
-            <a:ext uri="{FAA26D3D-D897-4be2-8F04-BA451C77F1D7}">
-              <ma14:placeholderFlag xmlns:ma14="http://schemas.microsoft.com/office/mac/drawingml/2011/main" val="1"/>
-            </a:ext>
-          </a:extLst>
-        </p:spPr>
-        <p:txBody>
-          <a:bodyPr wrap="square" numCol="1" anchor="t" anchorCtr="0" compatLnSpc="1">
-            <a:prstTxWarp prst="textNoShape">
-              <a:avLst/>
-            </a:prstTxWarp>
-          </a:bodyPr>
-          <a:lstStyle/>
-          <a:p>
-            <a:endParaRPr lang="x-none" altLang="x-none">
-              <a:ea typeface="ＭＳ Ｐゴシック" charset="-128"/>
-            </a:endParaRPr>
-          </a:p>
-        </p:txBody>
-      </p:sp>
-      <p:sp>
-        <p:nvSpPr>
-          <p:cNvPr id="12291" name="Slide Number Placeholder 3"/>
-          <p:cNvSpPr>
-            <a:spLocks noGrp="1"/>
-          </p:cNvSpPr>
-          <p:nvPr>
-            <p:ph type="sldNum" sz="quarter" idx="5"/>
-          </p:nvPr>
-        </p:nvSpPr>
-        <p:spPr bwMode="auto">
-          <a:noFill/>
-          <a:extLst>
-            <a:ext uri="{909E8E84-426E-40DD-AFC4-6F175D3DCCD1}">
-              <a14:hiddenFill xmlns:a14="http://schemas.microsoft.com/office/drawing/2010/main">
-                <a:solidFill>
-                  <a:srgbClr val="FFFFFF"/>
-                </a:solidFill>
-              </a14:hiddenFill>
-            </a:ext>
-            <a:ext uri="{91240B29-F687-4F45-9708-019B960494DF}">
-              <a14:hiddenLine xmlns:a14="http://schemas.microsoft.com/office/drawing/2010/main" w="9525">
-                <a:solidFill>
-                  <a:srgbClr val="000000"/>
-                </a:solidFill>
-                <a:miter lim="800000"/>
-                <a:headEnd/>
-                <a:tailEnd/>
-              </a14:hiddenLine>
-            </a:ext>
-          </a:extLst>
-        </p:spPr>
-        <p:txBody>
-          <a:bodyPr/>
-          <a:lstStyle>
-            <a:lvl1pPr>
-              <a:defRPr sz="2000">
-                <a:solidFill>
-                  <a:srgbClr val="FFFFFF"/>
-                </a:solidFill>
-                <a:latin typeface="Gill Sans" charset="0"/>
-                <a:ea typeface="ヒラギノ角ゴ ProN W3" charset="-128"/>
-                <a:sym typeface="Gill Sans" charset="0"/>
-              </a:defRPr>
-            </a:lvl1pPr>
-            <a:lvl2pPr marL="742950" indent="-285750">
-              <a:defRPr sz="2000">
-                <a:solidFill>
-                  <a:srgbClr val="FFFFFF"/>
-                </a:solidFill>
-                <a:latin typeface="Gill Sans" charset="0"/>
-                <a:ea typeface="ヒラギノ角ゴ ProN W3" charset="-128"/>
-                <a:sym typeface="Gill Sans" charset="0"/>
-              </a:defRPr>
-            </a:lvl2pPr>
-            <a:lvl3pPr marL="1143000" indent="-228600">
-              <a:defRPr sz="2000">
-                <a:solidFill>
-                  <a:srgbClr val="FFFFFF"/>
-                </a:solidFill>
-                <a:latin typeface="Gill Sans" charset="0"/>
-                <a:ea typeface="ヒラギノ角ゴ ProN W3" charset="-128"/>
-                <a:sym typeface="Gill Sans" charset="0"/>
-              </a:defRPr>
-            </a:lvl3pPr>
-            <a:lvl4pPr marL="1600200" indent="-228600">
-              <a:defRPr sz="2000">
-                <a:solidFill>
-                  <a:srgbClr val="FFFFFF"/>
-                </a:solidFill>
-                <a:latin typeface="Gill Sans" charset="0"/>
-                <a:ea typeface="ヒラギノ角ゴ ProN W3" charset="-128"/>
-                <a:sym typeface="Gill Sans" charset="0"/>
-              </a:defRPr>
-            </a:lvl4pPr>
-            <a:lvl5pPr marL="2057400" indent="-228600">
-              <a:defRPr sz="2000">
-                <a:solidFill>
-                  <a:srgbClr val="FFFFFF"/>
-                </a:solidFill>
-                <a:latin typeface="Gill Sans" charset="0"/>
-                <a:ea typeface="ヒラギノ角ゴ ProN W3" charset="-128"/>
-                <a:sym typeface="Gill Sans" charset="0"/>
-              </a:defRPr>
-            </a:lvl5pPr>
-            <a:lvl6pPr marL="2514600" indent="-228600" eaLnBrk="0" fontAlgn="base" hangingPunct="0">
-              <a:spcBef>
-                <a:spcPct val="0"/>
-              </a:spcBef>
-              <a:spcAft>
-                <a:spcPct val="0"/>
-              </a:spcAft>
-              <a:defRPr sz="2000">
-                <a:solidFill>
-                  <a:srgbClr val="FFFFFF"/>
-                </a:solidFill>
-                <a:latin typeface="Gill Sans" charset="0"/>
-                <a:ea typeface="ヒラギノ角ゴ ProN W3" charset="-128"/>
-                <a:sym typeface="Gill Sans" charset="0"/>
-              </a:defRPr>
-            </a:lvl6pPr>
-            <a:lvl7pPr marL="2971800" indent="-228600" eaLnBrk="0" fontAlgn="base" hangingPunct="0">
-              <a:spcBef>
-                <a:spcPct val="0"/>
-              </a:spcBef>
-              <a:spcAft>
-                <a:spcPct val="0"/>
-              </a:spcAft>
-              <a:defRPr sz="2000">
-                <a:solidFill>
-                  <a:srgbClr val="FFFFFF"/>
-                </a:solidFill>
-                <a:latin typeface="Gill Sans" charset="0"/>
-                <a:ea typeface="ヒラギノ角ゴ ProN W3" charset="-128"/>
-                <a:sym typeface="Gill Sans" charset="0"/>
-              </a:defRPr>
-            </a:lvl7pPr>
-            <a:lvl8pPr marL="3429000" indent="-228600" eaLnBrk="0" fontAlgn="base" hangingPunct="0">
-              <a:spcBef>
-                <a:spcPct val="0"/>
-              </a:spcBef>
-              <a:spcAft>
-                <a:spcPct val="0"/>
-              </a:spcAft>
-              <a:defRPr sz="2000">
-                <a:solidFill>
-                  <a:srgbClr val="FFFFFF"/>
-                </a:solidFill>
-                <a:latin typeface="Gill Sans" charset="0"/>
-                <a:ea typeface="ヒラギノ角ゴ ProN W3" charset="-128"/>
-                <a:sym typeface="Gill Sans" charset="0"/>
-              </a:defRPr>
-            </a:lvl8pPr>
-            <a:lvl9pPr marL="3886200" indent="-228600" eaLnBrk="0" fontAlgn="base" hangingPunct="0">
-              <a:spcBef>
-                <a:spcPct val="0"/>
-              </a:spcBef>
-              <a:spcAft>
-                <a:spcPct val="0"/>
-              </a:spcAft>
-              <a:defRPr sz="2000">
-                <a:solidFill>
-                  <a:srgbClr val="FFFFFF"/>
-                </a:solidFill>
-                <a:latin typeface="Gill Sans" charset="0"/>
-                <a:ea typeface="ヒラギノ角ゴ ProN W3" charset="-128"/>
-                <a:sym typeface="Gill Sans" charset="0"/>
-              </a:defRPr>
-            </a:lvl9pPr>
-          </a:lstStyle>
-          <a:p>
-            <a:fld id="{4D278F01-0E49-8C48-9910-CC44DF16FDDC}" type="slidenum">
-              <a:rPr lang="en-US" altLang="x-none" sz="1200"/>
-              <a:pPr/>
-              <a:t>34</a:t>
-            </a:fld>
-            <a:endParaRPr lang="en-US" altLang="x-none" sz="1200"/>
-          </a:p>
-        </p:txBody>
-      </p:sp>
-    </p:spTree>
-    <p:extLst>
-      <p:ext uri="{BB962C8B-B14F-4D97-AF65-F5344CB8AC3E}">
-        <p14:creationId xmlns:p14="http://schemas.microsoft.com/office/powerpoint/2010/main" val="805214208"/>
-      </p:ext>
-    </p:extLst>
-  </p:cSld>
-  <p:clrMapOvr>
-    <a:masterClrMapping/>
-  </p:clrMapOvr>
-</p:notes>
-</file>
-
 <file path=ppt/slideLayouts/slideLayout1.xml><?xml version="1.0" encoding="utf-8"?>
 <p:sldLayout xmlns:a="http://schemas.openxmlformats.org/drawingml/2006/main" xmlns:r="http://schemas.openxmlformats.org/officeDocument/2006/relationships" xmlns:p="http://schemas.openxmlformats.org/presentationml/2006/main" type="title" preserve="1">
   <p:cSld name="Title Slide">
@@ -2110,7 +1844,7 @@
           <a:p>
             <a:fld id="{EEE7C04C-7AF8-1445-A186-502B631B934F}" type="datetimeFigureOut">
               <a:rPr lang="en-US" smtClean="0"/>
-              <a:t>2/21/20</a:t>
+              <a:t>1/4/21</a:t>
             </a:fld>
             <a:endParaRPr lang="en-US"/>
           </a:p>
@@ -2275,7 +2009,7 @@
           <a:p>
             <a:fld id="{EEE7C04C-7AF8-1445-A186-502B631B934F}" type="datetimeFigureOut">
               <a:rPr lang="en-US" smtClean="0"/>
-              <a:t>2/21/20</a:t>
+              <a:t>1/4/21</a:t>
             </a:fld>
             <a:endParaRPr lang="en-US"/>
           </a:p>
@@ -2450,7 +2184,7 @@
           <a:p>
             <a:fld id="{EEE7C04C-7AF8-1445-A186-502B631B934F}" type="datetimeFigureOut">
               <a:rPr lang="en-US" smtClean="0"/>
-              <a:t>2/21/20</a:t>
+              <a:t>1/4/21</a:t>
             </a:fld>
             <a:endParaRPr lang="en-US"/>
           </a:p>
@@ -2615,7 +2349,7 @@
           <a:p>
             <a:fld id="{EEE7C04C-7AF8-1445-A186-502B631B934F}" type="datetimeFigureOut">
               <a:rPr lang="en-US" smtClean="0"/>
-              <a:t>2/21/20</a:t>
+              <a:t>1/4/21</a:t>
             </a:fld>
             <a:endParaRPr lang="en-US"/>
           </a:p>
@@ -2856,7 +2590,7 @@
           <a:p>
             <a:fld id="{EEE7C04C-7AF8-1445-A186-502B631B934F}" type="datetimeFigureOut">
               <a:rPr lang="en-US" smtClean="0"/>
-              <a:t>2/21/20</a:t>
+              <a:t>1/4/21</a:t>
             </a:fld>
             <a:endParaRPr lang="en-US"/>
           </a:p>
@@ -3083,7 +2817,7 @@
           <a:p>
             <a:fld id="{EEE7C04C-7AF8-1445-A186-502B631B934F}" type="datetimeFigureOut">
               <a:rPr lang="en-US" smtClean="0"/>
-              <a:t>2/21/20</a:t>
+              <a:t>1/4/21</a:t>
             </a:fld>
             <a:endParaRPr lang="en-US"/>
           </a:p>
@@ -3445,7 +3179,7 @@
           <a:p>
             <a:fld id="{EEE7C04C-7AF8-1445-A186-502B631B934F}" type="datetimeFigureOut">
               <a:rPr lang="en-US" smtClean="0"/>
-              <a:t>2/21/20</a:t>
+              <a:t>1/4/21</a:t>
             </a:fld>
             <a:endParaRPr lang="en-US"/>
           </a:p>
@@ -3558,7 +3292,7 @@
           <a:p>
             <a:fld id="{EEE7C04C-7AF8-1445-A186-502B631B934F}" type="datetimeFigureOut">
               <a:rPr lang="en-US" smtClean="0"/>
-              <a:t>2/21/20</a:t>
+              <a:t>1/4/21</a:t>
             </a:fld>
             <a:endParaRPr lang="en-US"/>
           </a:p>
@@ -3648,7 +3382,7 @@
           <a:p>
             <a:fld id="{EEE7C04C-7AF8-1445-A186-502B631B934F}" type="datetimeFigureOut">
               <a:rPr lang="en-US" smtClean="0"/>
-              <a:t>2/21/20</a:t>
+              <a:t>1/4/21</a:t>
             </a:fld>
             <a:endParaRPr lang="en-US"/>
           </a:p>
@@ -3920,7 +3654,7 @@
           <a:p>
             <a:fld id="{EEE7C04C-7AF8-1445-A186-502B631B934F}" type="datetimeFigureOut">
               <a:rPr lang="en-US" smtClean="0"/>
-              <a:t>2/21/20</a:t>
+              <a:t>1/4/21</a:t>
             </a:fld>
             <a:endParaRPr lang="en-US"/>
           </a:p>
@@ -4172,7 +3906,7 @@
           <a:p>
             <a:fld id="{EEE7C04C-7AF8-1445-A186-502B631B934F}" type="datetimeFigureOut">
               <a:rPr lang="en-US" smtClean="0"/>
-              <a:t>2/21/20</a:t>
+              <a:t>1/4/21</a:t>
             </a:fld>
             <a:endParaRPr lang="en-US"/>
           </a:p>
@@ -4380,7 +4114,7 @@
           <a:p>
             <a:fld id="{EEE7C04C-7AF8-1445-A186-502B631B934F}" type="datetimeFigureOut">
               <a:rPr lang="en-US" smtClean="0"/>
-              <a:t>2/21/20</a:t>
+              <a:t>1/4/21</a:t>
             </a:fld>
             <a:endParaRPr lang="en-US"/>
           </a:p>
@@ -4798,10 +4532,10 @@
           <p:cNvPr id="10" name="Rectangle 9">
             <a:extLst>
               <a:ext uri="{FF2B5EF4-FFF2-40B4-BE49-F238E27FC236}">
-                <a16:creationId xmlns:a16="http://schemas.microsoft.com/office/drawing/2014/main" xmlns="" id="{E20EB187-900F-4AF5-813B-101456D9FD39}"/>
+                <a16:creationId xmlns="" xmlns:a16="http://schemas.microsoft.com/office/drawing/2014/main" id="{E20EB187-900F-4AF5-813B-101456D9FD39}"/>
               </a:ext>
               <a:ext uri="{C183D7F6-B498-43B3-948B-1728B52AA6E4}">
-                <adec:decorative xmlns:adec="http://schemas.microsoft.com/office/drawing/2017/decorative" xmlns="" val="1"/>
+                <adec:decorative xmlns="" xmlns:adec="http://schemas.microsoft.com/office/drawing/2017/decorative" val="1"/>
               </a:ext>
             </a:extLst>
           </p:cNvPr>
@@ -4952,10 +4686,10 @@
           <p:cNvPr id="12" name="Straight Connector 11">
             <a:extLst>
               <a:ext uri="{FF2B5EF4-FFF2-40B4-BE49-F238E27FC236}">
-                <a16:creationId xmlns:a16="http://schemas.microsoft.com/office/drawing/2014/main" xmlns="" id="{624D17C8-E9C2-48A4-AA36-D7048A6CCC41}"/>
+                <a16:creationId xmlns="" xmlns:a16="http://schemas.microsoft.com/office/drawing/2014/main" id="{624D17C8-E9C2-48A4-AA36-D7048A6CCC41}"/>
               </a:ext>
               <a:ext uri="{C183D7F6-B498-43B3-948B-1728B52AA6E4}">
-                <adec:decorative xmlns:adec="http://schemas.microsoft.com/office/drawing/2017/decorative" xmlns="" val="1"/>
+                <adec:decorative xmlns="" xmlns:adec="http://schemas.microsoft.com/office/drawing/2017/decorative" val="1"/>
               </a:ext>
             </a:extLst>
           </p:cNvPr>
@@ -32814,15 +32548,7 @@
           <a:p>
             <a:r>
               <a:rPr lang="en-US" dirty="0" smtClean="0"/>
-              <a:t>What do we do when a row in one table points to a row in a "foreign" table via a </a:t>
-            </a:r>
-            <a:r>
-              <a:rPr lang="en-US" dirty="0" smtClean="0"/>
-              <a:t>foreign </a:t>
-            </a:r>
-            <a:r>
-              <a:rPr lang="en-US" dirty="0" smtClean="0"/>
-              <a:t>key and the "destination row" is deleted</a:t>
+              <a:t>What do we do when a row in one table points to a row in a "foreign" table via a foreign key and the "destination row" is deleted</a:t>
             </a:r>
           </a:p>
           <a:p>
@@ -37895,273 +37621,80 @@
             <p:ph type="title"/>
           </p:nvPr>
         </p:nvSpPr>
-        <p:spPr>
-          <a:xfrm>
-            <a:off x="752474" y="2036763"/>
-            <a:ext cx="3548063" cy="1763712"/>
-          </a:xfrm>
-        </p:spPr>
+        <p:spPr/>
         <p:txBody>
-          <a:bodyPr>
-            <a:normAutofit/>
-          </a:bodyPr>
+          <a:bodyPr/>
           <a:lstStyle/>
           <a:p>
             <a:r>
               <a:rPr lang="en-US" dirty="0" smtClean="0"/>
-              <a:t>Coming Up</a:t>
-            </a:r>
-            <a:br>
-              <a:rPr lang="en-US" dirty="0" smtClean="0"/>
-            </a:br>
-            <a:r>
-              <a:rPr lang="en-US" dirty="0" smtClean="0"/>
-              <a:t>Many-to-Many</a:t>
+              <a:t>Demo Batch Loading from CSV</a:t>
             </a:r>
             <a:endParaRPr lang="en-US" dirty="0"/>
-          </a:p>
-        </p:txBody>
-      </p:sp>
-      <p:pic>
-        <p:nvPicPr>
-          <p:cNvPr id="6" name="Picture 2" descr="ocalLibrary Model UML"/>
-          <p:cNvPicPr>
-            <a:picLocks noChangeAspect="1" noChangeArrowheads="1"/>
-          </p:cNvPicPr>
-          <p:nvPr/>
-        </p:nvPicPr>
-        <p:blipFill>
-          <a:blip r:embed="rId3">
-            <a:extLst>
-              <a:ext uri="{28A0092B-C50C-407E-A947-70E740481C1C}">
-                <a14:useLocalDpi xmlns:a14="http://schemas.microsoft.com/office/drawing/2010/main" val="0"/>
-              </a:ext>
-            </a:extLst>
-          </a:blip>
-          <a:srcRect/>
-          <a:stretch>
-            <a:fillRect/>
-          </a:stretch>
-        </p:blipFill>
-        <p:spPr bwMode="auto">
-          <a:xfrm>
-            <a:off x="4429125" y="356997"/>
-            <a:ext cx="7229475" cy="4883781"/>
-          </a:xfrm>
-          <a:prstGeom prst="rect">
-            <a:avLst/>
-          </a:prstGeom>
-          <a:noFill/>
-          <a:extLst>
-            <a:ext uri="{909E8E84-426E-40DD-AFC4-6F175D3DCCD1}">
-              <a14:hiddenFill xmlns:a14="http://schemas.microsoft.com/office/drawing/2010/main">
-                <a:solidFill>
-                  <a:srgbClr val="FFFFFF"/>
-                </a:solidFill>
-              </a14:hiddenFill>
-            </a:ext>
-          </a:extLst>
-        </p:spPr>
-      </p:pic>
-      <p:sp>
-        <p:nvSpPr>
-          <p:cNvPr id="7" name="Rectangle 6"/>
-          <p:cNvSpPr/>
-          <p:nvPr/>
-        </p:nvSpPr>
-        <p:spPr>
-          <a:xfrm>
-            <a:off x="390524" y="5521418"/>
-            <a:ext cx="9282113" cy="369332"/>
-          </a:xfrm>
-          <a:prstGeom prst="rect">
-            <a:avLst/>
-          </a:prstGeom>
-        </p:spPr>
-        <p:txBody>
-          <a:bodyPr wrap="square">
-            <a:spAutoFit/>
-          </a:bodyPr>
-          <a:lstStyle/>
-          <a:p>
-            <a:r>
-              <a:rPr lang="en-US" dirty="0"/>
-              <a:t>https://</a:t>
-            </a:r>
-            <a:r>
-              <a:rPr lang="en-US" dirty="0" err="1"/>
-              <a:t>developer.mozilla.org</a:t>
-            </a:r>
-            <a:r>
-              <a:rPr lang="en-US" dirty="0"/>
-              <a:t>/</a:t>
-            </a:r>
-            <a:r>
-              <a:rPr lang="en-US" dirty="0" err="1"/>
-              <a:t>en</a:t>
-            </a:r>
-            <a:r>
-              <a:rPr lang="en-US" dirty="0"/>
-              <a:t>-US/docs/Learn/Server-side/Django/Models</a:t>
-            </a:r>
           </a:p>
         </p:txBody>
       </p:sp>
       <p:sp>
         <p:nvSpPr>
-          <p:cNvPr id="8" name="TextBox 7"/>
-          <p:cNvSpPr txBox="1"/>
-          <p:nvPr/>
+          <p:cNvPr id="3" name="Text Placeholder 2"/>
+          <p:cNvSpPr>
+            <a:spLocks noGrp="1"/>
+          </p:cNvSpPr>
+          <p:nvPr>
+            <p:ph type="body" idx="1"/>
+          </p:nvPr>
         </p:nvSpPr>
-        <p:spPr>
-          <a:xfrm>
-            <a:off x="1119186" y="4081115"/>
-            <a:ext cx="2695576" cy="923330"/>
-          </a:xfrm>
-          <a:prstGeom prst="rect">
-            <a:avLst/>
-          </a:prstGeom>
-          <a:noFill/>
-        </p:spPr>
+        <p:spPr/>
         <p:txBody>
-          <a:bodyPr wrap="square" rtlCol="0">
-            <a:spAutoFit/>
-          </a:bodyPr>
+          <a:bodyPr/>
           <a:lstStyle/>
           <a:p>
             <a:r>
-              <a:rPr lang="en-US" dirty="0" smtClean="0">
-                <a:solidFill>
-                  <a:srgbClr val="FFFF00"/>
-                </a:solidFill>
-              </a:rPr>
-              <a:t>"The relationship between Book and Genre is many-to-many"</a:t>
-            </a:r>
-            <a:endParaRPr lang="en-US" dirty="0">
-              <a:solidFill>
-                <a:srgbClr val="FFFF00"/>
-              </a:solidFill>
-            </a:endParaRPr>
+              <a:rPr lang="en-US" dirty="0"/>
+              <a:t>https://</a:t>
+            </a:r>
+            <a:r>
+              <a:rPr lang="en-US" dirty="0" err="1" smtClean="0"/>
+              <a:t>github.com</a:t>
+            </a:r>
+            <a:r>
+              <a:rPr lang="en-US" dirty="0" smtClean="0"/>
+              <a:t>/csev/dj4e-samples/tree/master/samples/scripts</a:t>
+            </a:r>
+          </a:p>
+          <a:p>
+            <a:r>
+              <a:rPr lang="en-US" dirty="0"/>
+              <a:t>https://</a:t>
+            </a:r>
+            <a:r>
+              <a:rPr lang="en-US" dirty="0" err="1" smtClean="0"/>
+              <a:t>django-extensions.readthedocs.io</a:t>
+            </a:r>
+            <a:r>
+              <a:rPr lang="en-US" dirty="0" smtClean="0"/>
+              <a:t>/</a:t>
+            </a:r>
+            <a:r>
+              <a:rPr lang="en-US" dirty="0" err="1" smtClean="0"/>
+              <a:t>en</a:t>
+            </a:r>
+            <a:r>
+              <a:rPr lang="en-US" dirty="0" smtClean="0"/>
+              <a:t>/latest/</a:t>
+            </a:r>
+            <a:r>
+              <a:rPr lang="en-US" dirty="0" err="1" smtClean="0"/>
+              <a:t>runscript.html</a:t>
+            </a:r>
+            <a:endParaRPr lang="en-US" dirty="0"/>
           </a:p>
         </p:txBody>
       </p:sp>
-      <p:cxnSp>
-        <p:nvCxnSpPr>
-          <p:cNvPr id="9" name="Straight Arrow Connector 8"/>
-          <p:cNvCxnSpPr>
-            <a:stCxn id="8" idx="3"/>
-          </p:cNvCxnSpPr>
-          <p:nvPr/>
-        </p:nvCxnSpPr>
-        <p:spPr>
-          <a:xfrm flipV="1">
-            <a:off x="3814762" y="1871663"/>
-            <a:ext cx="3586163" cy="2671117"/>
-          </a:xfrm>
-          <a:prstGeom prst="straightConnector1">
-            <a:avLst/>
-          </a:prstGeom>
-          <a:ln w="57150">
-            <a:solidFill>
-              <a:srgbClr val="FF40FF"/>
-            </a:solidFill>
-            <a:tailEnd type="triangle"/>
-          </a:ln>
-        </p:spPr>
-        <p:style>
-          <a:lnRef idx="1">
-            <a:schemeClr val="accent1"/>
-          </a:lnRef>
-          <a:fillRef idx="0">
-            <a:schemeClr val="accent1"/>
-          </a:fillRef>
-          <a:effectRef idx="0">
-            <a:schemeClr val="accent1"/>
-          </a:effectRef>
-          <a:fontRef idx="minor">
-            <a:schemeClr val="tx1"/>
-          </a:fontRef>
-        </p:style>
-      </p:cxnSp>
     </p:spTree>
     <p:extLst>
       <p:ext uri="{BB962C8B-B14F-4D97-AF65-F5344CB8AC3E}">
-        <p14:creationId xmlns:p14="http://schemas.microsoft.com/office/powerpoint/2010/main" val="650157792"/>
-      </p:ext>
-    </p:extLst>
-  </p:cSld>
-  <p:clrMapOvr>
-    <a:masterClrMapping/>
-  </p:clrMapOvr>
-  <mc:AlternateContent xmlns:mc="http://schemas.openxmlformats.org/markup-compatibility/2006" xmlns:p14="http://schemas.microsoft.com/office/powerpoint/2010/main">
-    <mc:Choice Requires="p14">
-      <p:transition spd="slow" p14:dur="2000"/>
-    </mc:Choice>
-    <mc:Fallback xmlns="">
-      <p:transition spd="slow"/>
-    </mc:Fallback>
-  </mc:AlternateContent>
-  <p:timing>
-    <p:tnLst>
-      <p:par>
-        <p:cTn id="1" dur="indefinite" restart="never" nodeType="tmRoot"/>
-      </p:par>
-    </p:tnLst>
-  </p:timing>
-</p:sld>
-</file>
-
-<file path=ppt/slides/slide35.xml><?xml version="1.0" encoding="utf-8"?>
-<p:sld xmlns:a="http://schemas.openxmlformats.org/drawingml/2006/main" xmlns:r="http://schemas.openxmlformats.org/officeDocument/2006/relationships" xmlns:p="http://schemas.openxmlformats.org/presentationml/2006/main">
-  <p:cSld>
-    <p:spTree>
-      <p:nvGrpSpPr>
-        <p:cNvPr id="1" name=""/>
-        <p:cNvGrpSpPr/>
-        <p:nvPr/>
-      </p:nvGrpSpPr>
-      <p:grpSpPr>
-        <a:xfrm>
-          <a:off x="0" y="0"/>
-          <a:ext cx="0" cy="0"/>
-          <a:chOff x="0" y="0"/>
-          <a:chExt cx="0" cy="0"/>
-        </a:xfrm>
-      </p:grpSpPr>
-      <p:pic>
-        <p:nvPicPr>
-          <p:cNvPr id="3" name="Picture 2"/>
-          <p:cNvPicPr>
-            <a:picLocks noChangeAspect="1"/>
-          </p:cNvPicPr>
-          <p:nvPr/>
-        </p:nvPicPr>
-        <p:blipFill>
-          <a:blip r:embed="rId2">
-            <a:extLst>
-              <a:ext uri="{28A0092B-C50C-407E-A947-70E740481C1C}">
-                <a14:useLocalDpi xmlns:a14="http://schemas.microsoft.com/office/drawing/2010/main" val="0"/>
-              </a:ext>
-            </a:extLst>
-          </a:blip>
-          <a:stretch>
-            <a:fillRect/>
-          </a:stretch>
-        </p:blipFill>
-        <p:spPr>
-          <a:xfrm>
-            <a:off x="-157163" y="-1"/>
-            <a:ext cx="12701587" cy="6676475"/>
-          </a:xfrm>
-          <a:prstGeom prst="rect">
-            <a:avLst/>
-          </a:prstGeom>
-        </p:spPr>
-      </p:pic>
-    </p:spTree>
-    <p:extLst>
-      <p:ext uri="{BB962C8B-B14F-4D97-AF65-F5344CB8AC3E}">
-        <p14:creationId xmlns:p14="http://schemas.microsoft.com/office/powerpoint/2010/main" val="2143475290"/>
+        <p14:creationId xmlns:p14="http://schemas.microsoft.com/office/powerpoint/2010/main" val="463551964"/>
       </p:ext>
     </p:extLst>
   </p:cSld>
@@ -38178,7 +37711,7 @@
 </p:sld>
 </file>
 
-<file path=ppt/slides/slide36.xml><?xml version="1.0" encoding="utf-8"?>
+<file path=ppt/slides/slide35.xml><?xml version="1.0" encoding="utf-8"?>
 <p:sld xmlns:a="http://schemas.openxmlformats.org/drawingml/2006/main" xmlns:r="http://schemas.openxmlformats.org/officeDocument/2006/relationships" xmlns:p="http://schemas.openxmlformats.org/presentationml/2006/main">
   <p:cSld>
     <p:spTree>
@@ -38211,271 +37744,217 @@
           <a:lstStyle/>
           <a:p>
             <a:r>
-              <a:rPr lang="en-US" dirty="0"/>
-              <a:t>Acknowledgements / Contributions</a:t>
-            </a:r>
+              <a:rPr lang="en-US" dirty="0" smtClean="0"/>
+              <a:t>Loading Data From A File</a:t>
+            </a:r>
+            <a:endParaRPr lang="en-US" dirty="0"/>
           </a:p>
         </p:txBody>
       </p:sp>
       <p:sp>
         <p:nvSpPr>
-          <p:cNvPr id="8" name="TextBox 4"/>
-          <p:cNvSpPr txBox="1">
-            <a:spLocks noChangeArrowheads="1"/>
+          <p:cNvPr id="5" name="Content Placeholder 4"/>
+          <p:cNvSpPr>
+            <a:spLocks noGrp="1"/>
           </p:cNvSpPr>
+          <p:nvPr>
+            <p:ph idx="1"/>
+          </p:nvPr>
+        </p:nvSpPr>
+        <p:spPr>
+          <a:xfrm>
+            <a:off x="838200" y="1825625"/>
+            <a:ext cx="10515600" cy="1946275"/>
+          </a:xfrm>
+        </p:spPr>
+        <p:txBody>
+          <a:bodyPr/>
+          <a:lstStyle/>
+          <a:p>
+            <a:r>
+              <a:rPr lang="en-US" dirty="0" smtClean="0"/>
+              <a:t>Sometimes we need to pre-load data into our Django database</a:t>
+            </a:r>
+          </a:p>
+          <a:p>
+            <a:r>
+              <a:rPr lang="en-US" dirty="0" smtClean="0"/>
+              <a:t>This data might come from an API or file</a:t>
+            </a:r>
+          </a:p>
+          <a:p>
+            <a:r>
+              <a:rPr lang="en-US" dirty="0" smtClean="0"/>
+              <a:t>We need to write a Python program to function like the Django shell</a:t>
+            </a:r>
+            <a:endParaRPr lang="en-US" dirty="0"/>
+          </a:p>
+        </p:txBody>
+      </p:sp>
+      <p:sp>
+        <p:nvSpPr>
+          <p:cNvPr id="7" name="Rectangle 6"/>
+          <p:cNvSpPr/>
           <p:nvPr/>
         </p:nvSpPr>
-        <p:spPr bwMode="auto">
+        <p:spPr>
           <a:xfrm>
-            <a:off x="838200" y="1512888"/>
-            <a:ext cx="5257800" cy="4401205"/>
+            <a:off x="923926" y="3861473"/>
+            <a:ext cx="2724151" cy="1569660"/>
+          </a:xfrm>
+          <a:prstGeom prst="rect">
+            <a:avLst/>
+          </a:prstGeom>
+        </p:spPr>
+        <p:txBody>
+          <a:bodyPr wrap="square">
+            <a:spAutoFit/>
+          </a:bodyPr>
+          <a:lstStyle/>
+          <a:p>
+            <a:r>
+              <a:rPr lang="en-US" sz="1600" dirty="0" smtClean="0">
+                <a:solidFill>
+                  <a:srgbClr val="FFFF00"/>
+                </a:solidFill>
+                <a:latin typeface="Menlo" charset="0"/>
+              </a:rPr>
+              <a:t>cats</a:t>
+            </a:r>
+            <a:r>
+              <a:rPr lang="en-US" sz="1600" dirty="0" smtClean="0">
+                <a:solidFill>
+                  <a:srgbClr val="FFFF00"/>
+                </a:solidFill>
+                <a:latin typeface="Menlo" charset="0"/>
+              </a:rPr>
+              <a:t>/</a:t>
+            </a:r>
+            <a:r>
+              <a:rPr lang="en-US" sz="1600" dirty="0" err="1" smtClean="0">
+                <a:solidFill>
+                  <a:srgbClr val="FFFF00"/>
+                </a:solidFill>
+                <a:latin typeface="Menlo" charset="0"/>
+              </a:rPr>
+              <a:t>meow.csv</a:t>
+            </a:r>
+            <a:endParaRPr lang="en-US" sz="1600" dirty="0" smtClean="0">
+              <a:solidFill>
+                <a:srgbClr val="FFFF00"/>
+              </a:solidFill>
+              <a:latin typeface="Menlo" charset="0"/>
+            </a:endParaRPr>
+          </a:p>
+          <a:p>
+            <a:r>
+              <a:rPr lang="en-US" sz="1600" dirty="0" err="1" smtClean="0">
+                <a:latin typeface="Menlo" charset="0"/>
+              </a:rPr>
+              <a:t>Name,Breed,Weight</a:t>
+            </a:r>
+            <a:endParaRPr lang="en-US" sz="1600" dirty="0" smtClean="0">
+              <a:latin typeface="Menlo" charset="0"/>
+            </a:endParaRPr>
+          </a:p>
+          <a:p>
+            <a:r>
+              <a:rPr lang="en-US" sz="1600" dirty="0" smtClean="0">
+                <a:latin typeface="Menlo" charset="0"/>
+              </a:rPr>
+              <a:t>Abby,Sphinx,6.4</a:t>
+            </a:r>
+          </a:p>
+          <a:p>
+            <a:r>
+              <a:rPr lang="en-US" sz="1600" dirty="0" smtClean="0">
+                <a:latin typeface="Menlo" charset="0"/>
+              </a:rPr>
+              <a:t>Annie,Burmese,7.6</a:t>
+            </a:r>
+          </a:p>
+          <a:p>
+            <a:r>
+              <a:rPr lang="en-US" sz="1600" dirty="0" smtClean="0">
+                <a:latin typeface="Menlo" charset="0"/>
+              </a:rPr>
+              <a:t>Ash,Manx,7.8</a:t>
+            </a:r>
+          </a:p>
+          <a:p>
+            <a:r>
+              <a:rPr lang="en-US" sz="1600" dirty="0" smtClean="0">
+                <a:latin typeface="Menlo" charset="0"/>
+              </a:rPr>
+              <a:t>Athena,Manx,8.9</a:t>
+            </a:r>
+            <a:endParaRPr lang="en-US" sz="1600" dirty="0">
+              <a:latin typeface="Menlo" charset="0"/>
+            </a:endParaRPr>
+          </a:p>
+        </p:txBody>
+      </p:sp>
+      <p:sp>
+        <p:nvSpPr>
+          <p:cNvPr id="8" name="Rectangle 7"/>
+          <p:cNvSpPr/>
+          <p:nvPr/>
+        </p:nvSpPr>
+        <p:spPr>
+          <a:xfrm>
+            <a:off x="4607721" y="3906837"/>
+            <a:ext cx="2328862" cy="700087"/>
           </a:xfrm>
           <a:prstGeom prst="rect">
             <a:avLst/>
           </a:prstGeom>
           <a:noFill/>
-          <a:ln>
-            <a:noFill/>
+          <a:ln w="38100">
+            <a:solidFill>
+              <a:srgbClr val="FFFF00"/>
+            </a:solidFill>
           </a:ln>
         </p:spPr>
+        <p:style>
+          <a:lnRef idx="2">
+            <a:schemeClr val="accent1">
+              <a:shade val="50000"/>
+            </a:schemeClr>
+          </a:lnRef>
+          <a:fillRef idx="1">
+            <a:schemeClr val="accent1"/>
+          </a:fillRef>
+          <a:effectRef idx="0">
+            <a:schemeClr val="accent1"/>
+          </a:effectRef>
+          <a:fontRef idx="minor">
+            <a:schemeClr val="lt1"/>
+          </a:fontRef>
+        </p:style>
         <p:txBody>
-          <a:bodyPr wrap="square">
-            <a:spAutoFit/>
-          </a:bodyPr>
-          <a:lstStyle>
-            <a:lvl1pPr>
-              <a:defRPr sz="2000">
-                <a:solidFill>
-                  <a:srgbClr val="FFFFFF"/>
-                </a:solidFill>
-                <a:latin typeface="Gill Sans" charset="0"/>
-                <a:ea typeface="ヒラギノ角ゴ ProN W3" charset="-128"/>
-                <a:sym typeface="Gill Sans" charset="0"/>
-              </a:defRPr>
-            </a:lvl1pPr>
-            <a:lvl2pPr marL="742950" indent="-285750">
-              <a:defRPr sz="2000">
-                <a:solidFill>
-                  <a:srgbClr val="FFFFFF"/>
-                </a:solidFill>
-                <a:latin typeface="Gill Sans" charset="0"/>
-                <a:ea typeface="ヒラギノ角ゴ ProN W3" charset="-128"/>
-                <a:sym typeface="Gill Sans" charset="0"/>
-              </a:defRPr>
-            </a:lvl2pPr>
-            <a:lvl3pPr marL="1143000" indent="-228600">
-              <a:defRPr sz="2000">
-                <a:solidFill>
-                  <a:srgbClr val="FFFFFF"/>
-                </a:solidFill>
-                <a:latin typeface="Gill Sans" charset="0"/>
-                <a:ea typeface="ヒラギノ角ゴ ProN W3" charset="-128"/>
-                <a:sym typeface="Gill Sans" charset="0"/>
-              </a:defRPr>
-            </a:lvl3pPr>
-            <a:lvl4pPr marL="1600200" indent="-228600">
-              <a:defRPr sz="2000">
-                <a:solidFill>
-                  <a:srgbClr val="FFFFFF"/>
-                </a:solidFill>
-                <a:latin typeface="Gill Sans" charset="0"/>
-                <a:ea typeface="ヒラギノ角ゴ ProN W3" charset="-128"/>
-                <a:sym typeface="Gill Sans" charset="0"/>
-              </a:defRPr>
-            </a:lvl4pPr>
-            <a:lvl5pPr marL="2057400" indent="-228600">
-              <a:defRPr sz="2000">
-                <a:solidFill>
-                  <a:srgbClr val="FFFFFF"/>
-                </a:solidFill>
-                <a:latin typeface="Gill Sans" charset="0"/>
-                <a:ea typeface="ヒラギノ角ゴ ProN W3" charset="-128"/>
-                <a:sym typeface="Gill Sans" charset="0"/>
-              </a:defRPr>
-            </a:lvl5pPr>
-            <a:lvl6pPr marL="2514600" indent="-228600" eaLnBrk="0" fontAlgn="base" hangingPunct="0">
-              <a:spcBef>
-                <a:spcPct val="0"/>
-              </a:spcBef>
-              <a:spcAft>
-                <a:spcPct val="0"/>
-              </a:spcAft>
-              <a:defRPr sz="2000">
-                <a:solidFill>
-                  <a:srgbClr val="FFFFFF"/>
-                </a:solidFill>
-                <a:latin typeface="Gill Sans" charset="0"/>
-                <a:ea typeface="ヒラギノ角ゴ ProN W3" charset="-128"/>
-                <a:sym typeface="Gill Sans" charset="0"/>
-              </a:defRPr>
-            </a:lvl6pPr>
-            <a:lvl7pPr marL="2971800" indent="-228600" eaLnBrk="0" fontAlgn="base" hangingPunct="0">
-              <a:spcBef>
-                <a:spcPct val="0"/>
-              </a:spcBef>
-              <a:spcAft>
-                <a:spcPct val="0"/>
-              </a:spcAft>
-              <a:defRPr sz="2000">
-                <a:solidFill>
-                  <a:srgbClr val="FFFFFF"/>
-                </a:solidFill>
-                <a:latin typeface="Gill Sans" charset="0"/>
-                <a:ea typeface="ヒラギノ角ゴ ProN W3" charset="-128"/>
-                <a:sym typeface="Gill Sans" charset="0"/>
-              </a:defRPr>
-            </a:lvl7pPr>
-            <a:lvl8pPr marL="3429000" indent="-228600" eaLnBrk="0" fontAlgn="base" hangingPunct="0">
-              <a:spcBef>
-                <a:spcPct val="0"/>
-              </a:spcBef>
-              <a:spcAft>
-                <a:spcPct val="0"/>
-              </a:spcAft>
-              <a:defRPr sz="2000">
-                <a:solidFill>
-                  <a:srgbClr val="FFFFFF"/>
-                </a:solidFill>
-                <a:latin typeface="Gill Sans" charset="0"/>
-                <a:ea typeface="ヒラギノ角ゴ ProN W3" charset="-128"/>
-                <a:sym typeface="Gill Sans" charset="0"/>
-              </a:defRPr>
-            </a:lvl8pPr>
-            <a:lvl9pPr marL="3886200" indent="-228600" eaLnBrk="0" fontAlgn="base" hangingPunct="0">
-              <a:spcBef>
-                <a:spcPct val="0"/>
-              </a:spcBef>
-              <a:spcAft>
-                <a:spcPct val="0"/>
-              </a:spcAft>
-              <a:defRPr sz="2000">
-                <a:solidFill>
-                  <a:srgbClr val="FFFFFF"/>
-                </a:solidFill>
-                <a:latin typeface="Gill Sans" charset="0"/>
-                <a:ea typeface="ヒラギノ角ゴ ProN W3" charset="-128"/>
-                <a:sym typeface="Gill Sans" charset="0"/>
-              </a:defRPr>
-            </a:lvl9pPr>
-          </a:lstStyle>
-          <a:p>
-            <a:pPr eaLnBrk="1" hangingPunct="1"/>
-            <a:r>
-              <a:rPr lang="en-US" altLang="x-none" sz="1400" dirty="0">
-                <a:solidFill>
-                  <a:schemeClr val="tx1"/>
-                </a:solidFill>
-              </a:rPr>
-              <a:t>These slides are Copyright 2019-  Charles R. Severance (</a:t>
-            </a:r>
-            <a:r>
-              <a:rPr lang="en-US" altLang="x-none" sz="1400" dirty="0" err="1">
-                <a:solidFill>
-                  <a:schemeClr val="tx1"/>
-                </a:solidFill>
-              </a:rPr>
-              <a:t>www.dr-chuck.com</a:t>
-            </a:r>
-            <a:r>
-              <a:rPr lang="en-US" altLang="x-none" sz="1400" dirty="0">
-                <a:solidFill>
-                  <a:schemeClr val="tx1"/>
-                </a:solidFill>
-              </a:rPr>
-              <a:t>) as part of www.dj4e.com and made available under a Creative Commons Attribution 4.0 License.  Please maintain this last slide in all copies of the document to comply with the attribution requirements of the license.  If you make a change, feel free to add your name and organization to the list of contributors on this page as you republish the materials.</a:t>
-            </a:r>
-          </a:p>
-          <a:p>
-            <a:pPr eaLnBrk="1" hangingPunct="1"/>
-            <a:endParaRPr lang="en-US" altLang="x-none" sz="1400" dirty="0">
+          <a:bodyPr rtlCol="0" anchor="ctr"/>
+          <a:lstStyle/>
+          <a:p>
+            <a:pPr algn="ctr"/>
+            <a:r>
+              <a:rPr lang="en-US" dirty="0" smtClean="0">
+                <a:solidFill>
+                  <a:srgbClr val="FFFF00"/>
+                </a:solidFill>
+              </a:rPr>
+              <a:t>scripts/</a:t>
+            </a:r>
+            <a:r>
+              <a:rPr lang="en-US" dirty="0" err="1" smtClean="0">
+                <a:solidFill>
+                  <a:srgbClr val="FFFF00"/>
+                </a:solidFill>
+              </a:rPr>
+              <a:t>cats_load.py</a:t>
+            </a:r>
+            <a:endParaRPr lang="en-US" dirty="0">
               <a:solidFill>
-                <a:schemeClr val="tx1"/>
-              </a:solidFill>
-            </a:endParaRPr>
-          </a:p>
-          <a:p>
-            <a:pPr eaLnBrk="1" hangingPunct="1"/>
-            <a:r>
-              <a:rPr lang="en-US" altLang="x-none" sz="1400" dirty="0">
-                <a:solidFill>
-                  <a:schemeClr val="tx1"/>
-                </a:solidFill>
-              </a:rPr>
-              <a:t>Initial Development: Charles Severance, University of Michigan School of Information</a:t>
-            </a:r>
-          </a:p>
-          <a:p>
-            <a:pPr eaLnBrk="1" hangingPunct="1"/>
-            <a:endParaRPr lang="en-US" altLang="x-none" sz="1400" dirty="0">
-              <a:solidFill>
-                <a:schemeClr val="tx1"/>
-              </a:solidFill>
-            </a:endParaRPr>
-          </a:p>
-          <a:p>
-            <a:pPr eaLnBrk="1" hangingPunct="1"/>
-            <a:r>
-              <a:rPr lang="en-US" altLang="x-none" sz="1400" dirty="0">
-                <a:solidFill>
-                  <a:srgbClr val="FFCC66"/>
-                </a:solidFill>
-              </a:rPr>
-              <a:t>Insert new Contributors and Translators here including names and dates</a:t>
-            </a:r>
-          </a:p>
-          <a:p>
-            <a:pPr eaLnBrk="1" hangingPunct="1"/>
-            <a:endParaRPr lang="en-US" altLang="x-none" sz="1400" dirty="0">
-              <a:solidFill>
-                <a:srgbClr val="7575D1"/>
-              </a:solidFill>
-            </a:endParaRPr>
-          </a:p>
-          <a:p>
-            <a:pPr eaLnBrk="1" hangingPunct="1"/>
-            <a:endParaRPr lang="en-US" altLang="x-none" sz="1400" dirty="0">
-              <a:solidFill>
-                <a:srgbClr val="7575D1"/>
-              </a:solidFill>
-            </a:endParaRPr>
-          </a:p>
-          <a:p>
-            <a:pPr eaLnBrk="1" hangingPunct="1"/>
-            <a:endParaRPr lang="en-US" altLang="x-none" sz="1400" dirty="0">
-              <a:solidFill>
-                <a:srgbClr val="7575D1"/>
-              </a:solidFill>
-            </a:endParaRPr>
-          </a:p>
-          <a:p>
-            <a:pPr eaLnBrk="1" hangingPunct="1"/>
-            <a:endParaRPr lang="en-US" altLang="x-none" sz="1400" dirty="0">
-              <a:solidFill>
-                <a:srgbClr val="7575D1"/>
-              </a:solidFill>
-            </a:endParaRPr>
-          </a:p>
-          <a:p>
-            <a:pPr eaLnBrk="1" hangingPunct="1"/>
-            <a:endParaRPr lang="en-US" altLang="x-none" sz="1400" dirty="0">
-              <a:solidFill>
-                <a:srgbClr val="7575D1"/>
-              </a:solidFill>
-            </a:endParaRPr>
-          </a:p>
-          <a:p>
-            <a:pPr eaLnBrk="1" hangingPunct="1"/>
-            <a:endParaRPr lang="en-US" altLang="x-none" sz="1400" dirty="0">
-              <a:solidFill>
-                <a:srgbClr val="7575D1"/>
-              </a:solidFill>
-            </a:endParaRPr>
-          </a:p>
-          <a:p>
-            <a:pPr eaLnBrk="1" hangingPunct="1"/>
-            <a:endParaRPr lang="en-US" altLang="x-none" sz="1400" dirty="0">
-              <a:solidFill>
-                <a:srgbClr val="7575D1"/>
+                <a:srgbClr val="FFFF00"/>
               </a:solidFill>
             </a:endParaRPr>
           </a:p>
@@ -38483,453 +37962,1685 @@
       </p:sp>
       <p:sp>
         <p:nvSpPr>
-          <p:cNvPr id="9" name="TextBox 5"/>
-          <p:cNvSpPr txBox="1">
-            <a:spLocks noChangeArrowheads="1"/>
-          </p:cNvSpPr>
+          <p:cNvPr id="9" name="Rectangle 8"/>
+          <p:cNvSpPr/>
           <p:nvPr/>
         </p:nvSpPr>
-        <p:spPr bwMode="auto">
+        <p:spPr>
           <a:xfrm>
-            <a:off x="6310312" y="1512888"/>
-            <a:ext cx="5257800" cy="4893647"/>
+            <a:off x="4607721" y="4973637"/>
+            <a:ext cx="2328862" cy="700087"/>
           </a:xfrm>
           <a:prstGeom prst="rect">
             <a:avLst/>
           </a:prstGeom>
           <a:noFill/>
-          <a:ln>
-            <a:noFill/>
+          <a:ln w="38100">
+            <a:solidFill>
+              <a:srgbClr val="FFFF00"/>
+            </a:solidFill>
           </a:ln>
         </p:spPr>
+        <p:style>
+          <a:lnRef idx="2">
+            <a:schemeClr val="accent1">
+              <a:shade val="50000"/>
+            </a:schemeClr>
+          </a:lnRef>
+          <a:fillRef idx="1">
+            <a:schemeClr val="accent1"/>
+          </a:fillRef>
+          <a:effectRef idx="0">
+            <a:schemeClr val="accent1"/>
+          </a:effectRef>
+          <a:fontRef idx="minor">
+            <a:schemeClr val="lt1"/>
+          </a:fontRef>
+        </p:style>
         <p:txBody>
-          <a:bodyPr wrap="square">
+          <a:bodyPr rtlCol="0" anchor="ctr"/>
+          <a:lstStyle/>
+          <a:p>
+            <a:pPr algn="ctr"/>
+            <a:r>
+              <a:rPr lang="en-US" dirty="0" smtClean="0">
+                <a:solidFill>
+                  <a:srgbClr val="FFFF00"/>
+                </a:solidFill>
+              </a:rPr>
+              <a:t>cats/</a:t>
+            </a:r>
+            <a:r>
+              <a:rPr lang="en-US" dirty="0" err="1" smtClean="0">
+                <a:solidFill>
+                  <a:srgbClr val="FFFF00"/>
+                </a:solidFill>
+              </a:rPr>
+              <a:t>models.py</a:t>
+            </a:r>
+            <a:endParaRPr lang="en-US" dirty="0">
+              <a:solidFill>
+                <a:srgbClr val="FFFF00"/>
+              </a:solidFill>
+            </a:endParaRPr>
+          </a:p>
+        </p:txBody>
+      </p:sp>
+      <p:sp>
+        <p:nvSpPr>
+          <p:cNvPr id="10" name="Can 9"/>
+          <p:cNvSpPr/>
+          <p:nvPr/>
+        </p:nvSpPr>
+        <p:spPr>
+          <a:xfrm>
+            <a:off x="8429625" y="3777265"/>
+            <a:ext cx="2571750" cy="884428"/>
+          </a:xfrm>
+          <a:prstGeom prst="can">
+            <a:avLst/>
+          </a:prstGeom>
+        </p:spPr>
+        <p:style>
+          <a:lnRef idx="2">
+            <a:schemeClr val="accent1">
+              <a:shade val="50000"/>
+            </a:schemeClr>
+          </a:lnRef>
+          <a:fillRef idx="1">
+            <a:schemeClr val="accent1"/>
+          </a:fillRef>
+          <a:effectRef idx="0">
+            <a:schemeClr val="accent1"/>
+          </a:effectRef>
+          <a:fontRef idx="minor">
+            <a:schemeClr val="lt1"/>
+          </a:fontRef>
+        </p:style>
+        <p:txBody>
+          <a:bodyPr rtlCol="0" anchor="ctr"/>
+          <a:lstStyle/>
+          <a:p>
+            <a:pPr algn="ctr"/>
+            <a:r>
+              <a:rPr lang="en-US" smtClean="0"/>
+              <a:t>db.sqlite</a:t>
+            </a:r>
+            <a:endParaRPr lang="en-US" dirty="0"/>
+          </a:p>
+        </p:txBody>
+      </p:sp>
+      <p:cxnSp>
+        <p:nvCxnSpPr>
+          <p:cNvPr id="12" name="Straight Arrow Connector 11"/>
+          <p:cNvCxnSpPr>
+            <a:stCxn id="9" idx="0"/>
+            <a:endCxn id="8" idx="2"/>
+          </p:cNvCxnSpPr>
+          <p:nvPr/>
+        </p:nvCxnSpPr>
+        <p:spPr>
+          <a:xfrm flipV="1">
+            <a:off x="5772152" y="4606924"/>
+            <a:ext cx="0" cy="366713"/>
+          </a:xfrm>
+          <a:prstGeom prst="straightConnector1">
+            <a:avLst/>
+          </a:prstGeom>
+          <a:ln w="38100">
+            <a:solidFill>
+              <a:srgbClr val="FFFF00"/>
+            </a:solidFill>
+            <a:headEnd type="none" w="med" len="med"/>
+            <a:tailEnd type="arrow" w="med" len="med"/>
+          </a:ln>
+        </p:spPr>
+        <p:style>
+          <a:lnRef idx="1">
+            <a:schemeClr val="accent1"/>
+          </a:lnRef>
+          <a:fillRef idx="0">
+            <a:schemeClr val="accent1"/>
+          </a:fillRef>
+          <a:effectRef idx="0">
+            <a:schemeClr val="accent1"/>
+          </a:effectRef>
+          <a:fontRef idx="minor">
+            <a:schemeClr val="tx1"/>
+          </a:fontRef>
+        </p:style>
+      </p:cxnSp>
+      <p:cxnSp>
+        <p:nvCxnSpPr>
+          <p:cNvPr id="13" name="Straight Arrow Connector 12"/>
+          <p:cNvCxnSpPr>
+            <a:stCxn id="7" idx="3"/>
+            <a:endCxn id="8" idx="1"/>
+          </p:cNvCxnSpPr>
+          <p:nvPr/>
+        </p:nvCxnSpPr>
+        <p:spPr>
+          <a:xfrm flipV="1">
+            <a:off x="3648077" y="4256881"/>
+            <a:ext cx="959644" cy="389422"/>
+          </a:xfrm>
+          <a:prstGeom prst="straightConnector1">
+            <a:avLst/>
+          </a:prstGeom>
+          <a:ln w="38100">
+            <a:solidFill>
+              <a:srgbClr val="FFFF00"/>
+            </a:solidFill>
+            <a:headEnd type="none" w="med" len="med"/>
+            <a:tailEnd type="arrow" w="med" len="med"/>
+          </a:ln>
+        </p:spPr>
+        <p:style>
+          <a:lnRef idx="1">
+            <a:schemeClr val="accent1"/>
+          </a:lnRef>
+          <a:fillRef idx="0">
+            <a:schemeClr val="accent1"/>
+          </a:fillRef>
+          <a:effectRef idx="0">
+            <a:schemeClr val="accent1"/>
+          </a:effectRef>
+          <a:fontRef idx="minor">
+            <a:schemeClr val="tx1"/>
+          </a:fontRef>
+        </p:style>
+      </p:cxnSp>
+      <p:cxnSp>
+        <p:nvCxnSpPr>
+          <p:cNvPr id="18" name="Straight Arrow Connector 17"/>
+          <p:cNvCxnSpPr>
+            <a:stCxn id="8" idx="3"/>
+            <a:endCxn id="10" idx="2"/>
+          </p:cNvCxnSpPr>
+          <p:nvPr/>
+        </p:nvCxnSpPr>
+        <p:spPr>
+          <a:xfrm flipV="1">
+            <a:off x="6936583" y="4219479"/>
+            <a:ext cx="1493042" cy="37402"/>
+          </a:xfrm>
+          <a:prstGeom prst="straightConnector1">
+            <a:avLst/>
+          </a:prstGeom>
+          <a:ln w="38100">
+            <a:solidFill>
+              <a:srgbClr val="FFFF00"/>
+            </a:solidFill>
+            <a:headEnd type="none" w="med" len="med"/>
+            <a:tailEnd type="arrow" w="med" len="med"/>
+          </a:ln>
+        </p:spPr>
+        <p:style>
+          <a:lnRef idx="1">
+            <a:schemeClr val="accent1"/>
+          </a:lnRef>
+          <a:fillRef idx="0">
+            <a:schemeClr val="accent1"/>
+          </a:fillRef>
+          <a:effectRef idx="0">
+            <a:schemeClr val="accent1"/>
+          </a:effectRef>
+          <a:fontRef idx="minor">
+            <a:schemeClr val="tx1"/>
+          </a:fontRef>
+        </p:style>
+      </p:cxnSp>
+      <p:sp>
+        <p:nvSpPr>
+          <p:cNvPr id="22" name="Rectangle 21"/>
+          <p:cNvSpPr/>
+          <p:nvPr/>
+        </p:nvSpPr>
+        <p:spPr>
+          <a:xfrm>
+            <a:off x="7560133" y="5139014"/>
+            <a:ext cx="3793667" cy="369332"/>
+          </a:xfrm>
+          <a:prstGeom prst="rect">
+            <a:avLst/>
+          </a:prstGeom>
+        </p:spPr>
+        <p:txBody>
+          <a:bodyPr wrap="none">
             <a:spAutoFit/>
           </a:bodyPr>
-          <a:lstStyle>
-            <a:lvl1pPr>
-              <a:defRPr sz="2000">
-                <a:solidFill>
-                  <a:srgbClr val="FFFFFF"/>
-                </a:solidFill>
-                <a:latin typeface="Gill Sans" charset="0"/>
-                <a:ea typeface="ヒラギノ角ゴ ProN W3" charset="-128"/>
-                <a:sym typeface="Gill Sans" charset="0"/>
-              </a:defRPr>
-            </a:lvl1pPr>
-            <a:lvl2pPr marL="742950" indent="-285750">
-              <a:defRPr sz="2000">
-                <a:solidFill>
-                  <a:srgbClr val="FFFFFF"/>
-                </a:solidFill>
-                <a:latin typeface="Gill Sans" charset="0"/>
-                <a:ea typeface="ヒラギノ角ゴ ProN W3" charset="-128"/>
-                <a:sym typeface="Gill Sans" charset="0"/>
-              </a:defRPr>
-            </a:lvl2pPr>
-            <a:lvl3pPr marL="1143000" indent="-228600">
-              <a:defRPr sz="2000">
-                <a:solidFill>
-                  <a:srgbClr val="FFFFFF"/>
-                </a:solidFill>
-                <a:latin typeface="Gill Sans" charset="0"/>
-                <a:ea typeface="ヒラギノ角ゴ ProN W3" charset="-128"/>
-                <a:sym typeface="Gill Sans" charset="0"/>
-              </a:defRPr>
-            </a:lvl3pPr>
-            <a:lvl4pPr marL="1600200" indent="-228600">
-              <a:defRPr sz="2000">
-                <a:solidFill>
-                  <a:srgbClr val="FFFFFF"/>
-                </a:solidFill>
-                <a:latin typeface="Gill Sans" charset="0"/>
-                <a:ea typeface="ヒラギノ角ゴ ProN W3" charset="-128"/>
-                <a:sym typeface="Gill Sans" charset="0"/>
-              </a:defRPr>
-            </a:lvl4pPr>
-            <a:lvl5pPr marL="2057400" indent="-228600">
-              <a:defRPr sz="2000">
-                <a:solidFill>
-                  <a:srgbClr val="FFFFFF"/>
-                </a:solidFill>
-                <a:latin typeface="Gill Sans" charset="0"/>
-                <a:ea typeface="ヒラギノ角ゴ ProN W3" charset="-128"/>
-                <a:sym typeface="Gill Sans" charset="0"/>
-              </a:defRPr>
-            </a:lvl5pPr>
-            <a:lvl6pPr marL="2514600" indent="-228600" eaLnBrk="0" fontAlgn="base" hangingPunct="0">
-              <a:spcBef>
-                <a:spcPct val="0"/>
-              </a:spcBef>
-              <a:spcAft>
-                <a:spcPct val="0"/>
-              </a:spcAft>
-              <a:defRPr sz="2000">
-                <a:solidFill>
-                  <a:srgbClr val="FFFFFF"/>
-                </a:solidFill>
-                <a:latin typeface="Gill Sans" charset="0"/>
-                <a:ea typeface="ヒラギノ角ゴ ProN W3" charset="-128"/>
-                <a:sym typeface="Gill Sans" charset="0"/>
-              </a:defRPr>
-            </a:lvl6pPr>
-            <a:lvl7pPr marL="2971800" indent="-228600" eaLnBrk="0" fontAlgn="base" hangingPunct="0">
-              <a:spcBef>
-                <a:spcPct val="0"/>
-              </a:spcBef>
-              <a:spcAft>
-                <a:spcPct val="0"/>
-              </a:spcAft>
-              <a:defRPr sz="2000">
-                <a:solidFill>
-                  <a:srgbClr val="FFFFFF"/>
-                </a:solidFill>
-                <a:latin typeface="Gill Sans" charset="0"/>
-                <a:ea typeface="ヒラギノ角ゴ ProN W3" charset="-128"/>
-                <a:sym typeface="Gill Sans" charset="0"/>
-              </a:defRPr>
-            </a:lvl7pPr>
-            <a:lvl8pPr marL="3429000" indent="-228600" eaLnBrk="0" fontAlgn="base" hangingPunct="0">
-              <a:spcBef>
-                <a:spcPct val="0"/>
-              </a:spcBef>
-              <a:spcAft>
-                <a:spcPct val="0"/>
-              </a:spcAft>
-              <a:defRPr sz="2000">
-                <a:solidFill>
-                  <a:srgbClr val="FFFFFF"/>
-                </a:solidFill>
-                <a:latin typeface="Gill Sans" charset="0"/>
-                <a:ea typeface="ヒラギノ角ゴ ProN W3" charset="-128"/>
-                <a:sym typeface="Gill Sans" charset="0"/>
-              </a:defRPr>
-            </a:lvl8pPr>
-            <a:lvl9pPr marL="3886200" indent="-228600" eaLnBrk="0" fontAlgn="base" hangingPunct="0">
-              <a:spcBef>
-                <a:spcPct val="0"/>
-              </a:spcBef>
-              <a:spcAft>
-                <a:spcPct val="0"/>
-              </a:spcAft>
-              <a:defRPr sz="2000">
-                <a:solidFill>
-                  <a:srgbClr val="FFFFFF"/>
-                </a:solidFill>
-                <a:latin typeface="Gill Sans" charset="0"/>
-                <a:ea typeface="ヒラギノ角ゴ ProN W3" charset="-128"/>
-                <a:sym typeface="Gill Sans" charset="0"/>
-              </a:defRPr>
-            </a:lvl9pPr>
-          </a:lstStyle>
-          <a:p>
-            <a:pPr algn="ctr" eaLnBrk="1" hangingPunct="1"/>
-            <a:r>
-              <a:rPr lang="en-US" altLang="x-none" sz="1200" dirty="0">
-                <a:solidFill>
-                  <a:srgbClr val="FFCC66"/>
-                </a:solidFill>
-                <a:latin typeface="Helvetica" charset="0"/>
-                <a:ea typeface="ＭＳ Ｐゴシック" charset="-128"/>
-                <a:sym typeface="Helvetica" charset="0"/>
-              </a:rPr>
-              <a:t>Continue new Contributors and Translators here</a:t>
-            </a:r>
-          </a:p>
-          <a:p>
-            <a:pPr algn="ctr" eaLnBrk="1" hangingPunct="1"/>
-            <a:endParaRPr lang="en-US" altLang="x-none" sz="1200" dirty="0">
-              <a:solidFill>
-                <a:schemeClr val="tx1"/>
-              </a:solidFill>
-              <a:latin typeface="Helvetica" charset="0"/>
-              <a:ea typeface="ＭＳ Ｐゴシック" charset="-128"/>
-              <a:sym typeface="Helvetica" charset="0"/>
-            </a:endParaRPr>
-          </a:p>
-          <a:p>
-            <a:pPr algn="ctr" eaLnBrk="1" hangingPunct="1"/>
-            <a:endParaRPr lang="en-US" altLang="x-none" sz="1200" dirty="0">
-              <a:solidFill>
-                <a:schemeClr val="tx1"/>
-              </a:solidFill>
-              <a:latin typeface="Helvetica" charset="0"/>
-              <a:ea typeface="ＭＳ Ｐゴシック" charset="-128"/>
-              <a:sym typeface="Helvetica" charset="0"/>
-            </a:endParaRPr>
-          </a:p>
-          <a:p>
-            <a:pPr algn="ctr" eaLnBrk="1" hangingPunct="1"/>
-            <a:endParaRPr lang="en-US" altLang="x-none" sz="1200" dirty="0">
-              <a:solidFill>
-                <a:schemeClr val="tx1"/>
-              </a:solidFill>
-              <a:latin typeface="Helvetica" charset="0"/>
-              <a:ea typeface="ＭＳ Ｐゴシック" charset="-128"/>
-              <a:sym typeface="Helvetica" charset="0"/>
-            </a:endParaRPr>
-          </a:p>
-          <a:p>
-            <a:pPr algn="ctr" eaLnBrk="1" hangingPunct="1"/>
-            <a:endParaRPr lang="en-US" altLang="x-none" sz="1200" dirty="0">
-              <a:solidFill>
-                <a:schemeClr val="tx1"/>
-              </a:solidFill>
-              <a:latin typeface="Helvetica" charset="0"/>
-              <a:ea typeface="ＭＳ Ｐゴシック" charset="-128"/>
-              <a:sym typeface="Helvetica" charset="0"/>
-            </a:endParaRPr>
-          </a:p>
-          <a:p>
-            <a:pPr algn="ctr" eaLnBrk="1" hangingPunct="1"/>
-            <a:endParaRPr lang="en-US" altLang="x-none" sz="1200" dirty="0">
-              <a:solidFill>
-                <a:schemeClr val="tx1"/>
-              </a:solidFill>
-              <a:latin typeface="Helvetica" charset="0"/>
-              <a:ea typeface="ＭＳ Ｐゴシック" charset="-128"/>
-              <a:sym typeface="Helvetica" charset="0"/>
-            </a:endParaRPr>
-          </a:p>
-          <a:p>
-            <a:pPr algn="ctr" eaLnBrk="1" hangingPunct="1"/>
-            <a:endParaRPr lang="en-US" altLang="x-none" sz="1200" dirty="0">
-              <a:solidFill>
-                <a:schemeClr val="tx1"/>
-              </a:solidFill>
-              <a:latin typeface="Helvetica" charset="0"/>
-              <a:ea typeface="ＭＳ Ｐゴシック" charset="-128"/>
-              <a:sym typeface="Helvetica" charset="0"/>
-            </a:endParaRPr>
-          </a:p>
-          <a:p>
-            <a:pPr algn="ctr" eaLnBrk="1" hangingPunct="1"/>
-            <a:endParaRPr lang="en-US" altLang="x-none" sz="1200" dirty="0">
-              <a:solidFill>
-                <a:schemeClr val="tx1"/>
-              </a:solidFill>
-              <a:latin typeface="Helvetica" charset="0"/>
-              <a:ea typeface="ＭＳ Ｐゴシック" charset="-128"/>
-              <a:sym typeface="Helvetica" charset="0"/>
-            </a:endParaRPr>
-          </a:p>
-          <a:p>
-            <a:pPr algn="ctr" eaLnBrk="1" hangingPunct="1"/>
-            <a:endParaRPr lang="en-US" altLang="x-none" sz="1200" dirty="0">
-              <a:solidFill>
-                <a:schemeClr val="tx1"/>
-              </a:solidFill>
-              <a:latin typeface="Helvetica" charset="0"/>
-              <a:ea typeface="ＭＳ Ｐゴシック" charset="-128"/>
-              <a:sym typeface="Helvetica" charset="0"/>
-            </a:endParaRPr>
-          </a:p>
-          <a:p>
-            <a:pPr algn="ctr" eaLnBrk="1" hangingPunct="1"/>
-            <a:endParaRPr lang="en-US" altLang="x-none" sz="1200" dirty="0">
-              <a:solidFill>
-                <a:schemeClr val="tx1"/>
-              </a:solidFill>
-              <a:latin typeface="Helvetica" charset="0"/>
-              <a:ea typeface="ＭＳ Ｐゴシック" charset="-128"/>
-              <a:sym typeface="Helvetica" charset="0"/>
-            </a:endParaRPr>
-          </a:p>
-          <a:p>
-            <a:pPr algn="ctr" eaLnBrk="1" hangingPunct="1"/>
-            <a:endParaRPr lang="en-US" altLang="x-none" sz="1200" dirty="0">
-              <a:solidFill>
-                <a:schemeClr val="tx1"/>
-              </a:solidFill>
-              <a:latin typeface="Helvetica" charset="0"/>
-              <a:ea typeface="ＭＳ Ｐゴシック" charset="-128"/>
-              <a:sym typeface="Helvetica" charset="0"/>
-            </a:endParaRPr>
-          </a:p>
-          <a:p>
-            <a:pPr algn="ctr" eaLnBrk="1" hangingPunct="1"/>
-            <a:endParaRPr lang="en-US" altLang="x-none" sz="1200" dirty="0">
-              <a:solidFill>
-                <a:schemeClr val="tx1"/>
-              </a:solidFill>
-              <a:latin typeface="Helvetica" charset="0"/>
-              <a:ea typeface="ＭＳ Ｐゴシック" charset="-128"/>
-              <a:sym typeface="Helvetica" charset="0"/>
-            </a:endParaRPr>
-          </a:p>
-          <a:p>
-            <a:pPr algn="ctr" eaLnBrk="1" hangingPunct="1"/>
-            <a:endParaRPr lang="en-US" altLang="x-none" sz="1200" dirty="0">
-              <a:solidFill>
-                <a:schemeClr val="tx1"/>
-              </a:solidFill>
-              <a:latin typeface="Helvetica" charset="0"/>
-              <a:ea typeface="ＭＳ Ｐゴシック" charset="-128"/>
-              <a:sym typeface="Helvetica" charset="0"/>
-            </a:endParaRPr>
-          </a:p>
-          <a:p>
-            <a:pPr algn="ctr" eaLnBrk="1" hangingPunct="1"/>
-            <a:endParaRPr lang="en-US" altLang="x-none" sz="1200" dirty="0">
-              <a:solidFill>
-                <a:schemeClr val="tx1"/>
-              </a:solidFill>
-              <a:latin typeface="Helvetica" charset="0"/>
-              <a:ea typeface="ＭＳ Ｐゴシック" charset="-128"/>
-              <a:sym typeface="Helvetica" charset="0"/>
-            </a:endParaRPr>
-          </a:p>
-          <a:p>
-            <a:pPr algn="ctr" eaLnBrk="1" hangingPunct="1"/>
-            <a:endParaRPr lang="en-US" altLang="x-none" sz="1200" dirty="0">
-              <a:solidFill>
-                <a:schemeClr val="tx1"/>
-              </a:solidFill>
-              <a:latin typeface="Helvetica" charset="0"/>
-              <a:ea typeface="ＭＳ Ｐゴシック" charset="-128"/>
-              <a:sym typeface="Helvetica" charset="0"/>
-            </a:endParaRPr>
-          </a:p>
-          <a:p>
-            <a:pPr algn="ctr" eaLnBrk="1" hangingPunct="1"/>
-            <a:endParaRPr lang="en-US" altLang="x-none" sz="1200" dirty="0">
-              <a:solidFill>
-                <a:schemeClr val="tx1"/>
-              </a:solidFill>
-              <a:latin typeface="Helvetica" charset="0"/>
-              <a:ea typeface="ＭＳ Ｐゴシック" charset="-128"/>
-              <a:sym typeface="Helvetica" charset="0"/>
-            </a:endParaRPr>
-          </a:p>
-          <a:p>
-            <a:pPr algn="ctr" eaLnBrk="1" hangingPunct="1"/>
-            <a:endParaRPr lang="en-US" altLang="x-none" sz="1200" dirty="0">
-              <a:solidFill>
-                <a:schemeClr val="tx1"/>
-              </a:solidFill>
-              <a:latin typeface="Helvetica" charset="0"/>
-              <a:ea typeface="ＭＳ Ｐゴシック" charset="-128"/>
-              <a:sym typeface="Helvetica" charset="0"/>
-            </a:endParaRPr>
-          </a:p>
-          <a:p>
-            <a:pPr algn="ctr" eaLnBrk="1" hangingPunct="1"/>
-            <a:endParaRPr lang="en-US" altLang="x-none" sz="1200" dirty="0">
-              <a:solidFill>
-                <a:schemeClr val="tx1"/>
-              </a:solidFill>
-              <a:latin typeface="Helvetica" charset="0"/>
-              <a:ea typeface="ＭＳ Ｐゴシック" charset="-128"/>
-              <a:sym typeface="Helvetica" charset="0"/>
-            </a:endParaRPr>
-          </a:p>
-          <a:p>
-            <a:pPr algn="ctr" eaLnBrk="1" hangingPunct="1"/>
-            <a:endParaRPr lang="en-US" altLang="x-none" sz="1200" dirty="0">
-              <a:solidFill>
-                <a:schemeClr val="tx1"/>
-              </a:solidFill>
-              <a:latin typeface="Helvetica" charset="0"/>
-              <a:ea typeface="ＭＳ Ｐゴシック" charset="-128"/>
-              <a:sym typeface="Helvetica" charset="0"/>
-            </a:endParaRPr>
-          </a:p>
-          <a:p>
-            <a:pPr algn="ctr" eaLnBrk="1" hangingPunct="1"/>
-            <a:endParaRPr lang="en-US" altLang="x-none" sz="1200" dirty="0" smtClean="0">
-              <a:solidFill>
-                <a:schemeClr val="tx1"/>
-              </a:solidFill>
-              <a:latin typeface="Helvetica" charset="0"/>
-              <a:ea typeface="ＭＳ Ｐゴシック" charset="-128"/>
-              <a:sym typeface="Helvetica" charset="0"/>
-            </a:endParaRPr>
-          </a:p>
-          <a:p>
-            <a:pPr algn="ctr" eaLnBrk="1" hangingPunct="1"/>
-            <a:endParaRPr lang="en-US" altLang="x-none" sz="1200" dirty="0">
-              <a:solidFill>
-                <a:schemeClr val="tx1"/>
-              </a:solidFill>
-              <a:latin typeface="Helvetica" charset="0"/>
-              <a:ea typeface="ＭＳ Ｐゴシック" charset="-128"/>
-              <a:sym typeface="Helvetica" charset="0"/>
-            </a:endParaRPr>
-          </a:p>
-          <a:p>
-            <a:pPr algn="ctr" eaLnBrk="1" hangingPunct="1"/>
-            <a:endParaRPr lang="en-US" altLang="x-none" sz="1200" dirty="0" smtClean="0">
-              <a:solidFill>
-                <a:schemeClr val="tx1"/>
-              </a:solidFill>
-              <a:latin typeface="Helvetica" charset="0"/>
-              <a:ea typeface="ＭＳ Ｐゴシック" charset="-128"/>
-              <a:sym typeface="Helvetica" charset="0"/>
-            </a:endParaRPr>
-          </a:p>
-          <a:p>
-            <a:pPr algn="ctr" eaLnBrk="1" hangingPunct="1"/>
-            <a:endParaRPr lang="en-US" altLang="x-none" sz="1200" dirty="0">
-              <a:solidFill>
-                <a:schemeClr val="tx1"/>
-              </a:solidFill>
-              <a:latin typeface="Helvetica" charset="0"/>
-              <a:ea typeface="ＭＳ Ｐゴシック" charset="-128"/>
-              <a:sym typeface="Helvetica" charset="0"/>
-            </a:endParaRPr>
-          </a:p>
-          <a:p>
-            <a:pPr algn="ctr" eaLnBrk="1" hangingPunct="1"/>
-            <a:endParaRPr lang="en-US" altLang="x-none" sz="1200" dirty="0" smtClean="0">
-              <a:solidFill>
-                <a:schemeClr val="tx1"/>
-              </a:solidFill>
-              <a:latin typeface="Helvetica" charset="0"/>
-              <a:ea typeface="ＭＳ Ｐゴシック" charset="-128"/>
-              <a:sym typeface="Helvetica" charset="0"/>
-            </a:endParaRPr>
-          </a:p>
-          <a:p>
-            <a:pPr algn="ctr" eaLnBrk="1" hangingPunct="1"/>
-            <a:endParaRPr lang="en-US" altLang="x-none" sz="1200" dirty="0">
-              <a:solidFill>
-                <a:schemeClr val="tx1"/>
-              </a:solidFill>
-              <a:latin typeface="Helvetica" charset="0"/>
-              <a:ea typeface="ＭＳ Ｐゴシック" charset="-128"/>
-              <a:sym typeface="Helvetica" charset="0"/>
-            </a:endParaRPr>
-          </a:p>
-          <a:p>
-            <a:pPr algn="ctr" eaLnBrk="1" hangingPunct="1"/>
-            <a:endParaRPr lang="en-US" altLang="x-none" sz="1200" dirty="0">
-              <a:solidFill>
-                <a:schemeClr val="tx1"/>
-              </a:solidFill>
-              <a:latin typeface="Helvetica" charset="0"/>
-              <a:ea typeface="ＭＳ Ｐゴシック" charset="-128"/>
-              <a:sym typeface="Helvetica" charset="0"/>
-            </a:endParaRPr>
+          <a:lstStyle/>
+          <a:p>
+            <a:r>
+              <a:rPr lang="en-US" dirty="0"/>
+              <a:t>https://</a:t>
+            </a:r>
+            <a:r>
+              <a:rPr lang="en-US" dirty="0" err="1"/>
+              <a:t>github.com</a:t>
+            </a:r>
+            <a:r>
+              <a:rPr lang="en-US" dirty="0"/>
+              <a:t>/csev/dj4e-samples</a:t>
+            </a:r>
           </a:p>
         </p:txBody>
       </p:sp>
     </p:spTree>
     <p:extLst>
       <p:ext uri="{BB962C8B-B14F-4D97-AF65-F5344CB8AC3E}">
-        <p14:creationId xmlns:p14="http://schemas.microsoft.com/office/powerpoint/2010/main" val="1048975579"/>
+        <p14:creationId xmlns:p14="http://schemas.microsoft.com/office/powerpoint/2010/main" val="1983288953"/>
       </p:ext>
     </p:extLst>
   </p:cSld>
   <p:clrMapOvr>
     <a:masterClrMapping/>
   </p:clrMapOvr>
-  <p:timing>
-    <p:tnLst>
-      <p:par>
-        <p:cTn id="1" dur="indefinite" restart="never" nodeType="tmRoot"/>
-      </p:par>
-    </p:tnLst>
-  </p:timing>
+</p:sld>
+</file>
+
+<file path=ppt/slides/slide36.xml><?xml version="1.0" encoding="utf-8"?>
+<p:sld xmlns:a="http://schemas.openxmlformats.org/drawingml/2006/main" xmlns:r="http://schemas.openxmlformats.org/officeDocument/2006/relationships" xmlns:p="http://schemas.openxmlformats.org/presentationml/2006/main">
+  <p:cSld>
+    <p:spTree>
+      <p:nvGrpSpPr>
+        <p:cNvPr id="1" name=""/>
+        <p:cNvGrpSpPr/>
+        <p:nvPr/>
+      </p:nvGrpSpPr>
+      <p:grpSpPr>
+        <a:xfrm>
+          <a:off x="0" y="0"/>
+          <a:ext cx="0" cy="0"/>
+          <a:chOff x="0" y="0"/>
+          <a:chExt cx="0" cy="0"/>
+        </a:xfrm>
+      </p:grpSpPr>
+      <p:sp>
+        <p:nvSpPr>
+          <p:cNvPr id="2" name="Title 1"/>
+          <p:cNvSpPr>
+            <a:spLocks noGrp="1"/>
+          </p:cNvSpPr>
+          <p:nvPr>
+            <p:ph type="title"/>
+          </p:nvPr>
+        </p:nvSpPr>
+        <p:spPr/>
+        <p:txBody>
+          <a:bodyPr/>
+          <a:lstStyle/>
+          <a:p>
+            <a:r>
+              <a:rPr lang="en-US" dirty="0" smtClean="0"/>
+              <a:t>Installing </a:t>
+            </a:r>
+            <a:r>
+              <a:rPr lang="en-US" dirty="0" err="1" smtClean="0"/>
+              <a:t>django</a:t>
+            </a:r>
+            <a:r>
+              <a:rPr lang="en-US" dirty="0" smtClean="0"/>
+              <a:t>-extensions</a:t>
+            </a:r>
+            <a:endParaRPr lang="en-US" dirty="0"/>
+          </a:p>
+        </p:txBody>
+      </p:sp>
+      <p:sp>
+        <p:nvSpPr>
+          <p:cNvPr id="4" name="Rectangle 3"/>
+          <p:cNvSpPr/>
+          <p:nvPr/>
+        </p:nvSpPr>
+        <p:spPr>
+          <a:xfrm>
+            <a:off x="4024313" y="5205293"/>
+            <a:ext cx="7010400" cy="369332"/>
+          </a:xfrm>
+          <a:prstGeom prst="rect">
+            <a:avLst/>
+          </a:prstGeom>
+        </p:spPr>
+        <p:txBody>
+          <a:bodyPr wrap="square">
+            <a:spAutoFit/>
+          </a:bodyPr>
+          <a:lstStyle/>
+          <a:p>
+            <a:r>
+              <a:rPr lang="en-US" dirty="0"/>
+              <a:t>https://</a:t>
+            </a:r>
+            <a:r>
+              <a:rPr lang="en-US" dirty="0" err="1"/>
+              <a:t>django-extensions.readthedocs.io</a:t>
+            </a:r>
+            <a:r>
+              <a:rPr lang="en-US" dirty="0"/>
+              <a:t>/</a:t>
+            </a:r>
+            <a:r>
+              <a:rPr lang="en-US" dirty="0" err="1"/>
+              <a:t>en</a:t>
+            </a:r>
+            <a:r>
+              <a:rPr lang="en-US" dirty="0"/>
+              <a:t>/latest/</a:t>
+            </a:r>
+            <a:r>
+              <a:rPr lang="en-US" dirty="0" err="1"/>
+              <a:t>runscript.html</a:t>
+            </a:r>
+            <a:endParaRPr lang="en-US" dirty="0"/>
+          </a:p>
+        </p:txBody>
+      </p:sp>
+      <p:sp>
+        <p:nvSpPr>
+          <p:cNvPr id="5" name="Rectangle 4"/>
+          <p:cNvSpPr/>
+          <p:nvPr/>
+        </p:nvSpPr>
+        <p:spPr>
+          <a:xfrm>
+            <a:off x="838200" y="1610410"/>
+            <a:ext cx="10741819" cy="1661993"/>
+          </a:xfrm>
+          <a:prstGeom prst="rect">
+            <a:avLst/>
+          </a:prstGeom>
+        </p:spPr>
+        <p:txBody>
+          <a:bodyPr wrap="square">
+            <a:spAutoFit/>
+          </a:bodyPr>
+          <a:lstStyle/>
+          <a:p>
+            <a:r>
+              <a:rPr lang="en-US" sz="1700" dirty="0" smtClean="0">
+                <a:solidFill>
+                  <a:srgbClr val="00FDFF"/>
+                </a:solidFill>
+                <a:latin typeface="Courier" charset="0"/>
+                <a:ea typeface="Courier" charset="0"/>
+                <a:cs typeface="Courier" charset="0"/>
+              </a:rPr>
+              <a:t>dj4e-samples$ </a:t>
+            </a:r>
+            <a:r>
+              <a:rPr lang="en-US" sz="1700" dirty="0">
+                <a:solidFill>
+                  <a:srgbClr val="FFFF00"/>
+                </a:solidFill>
+                <a:latin typeface="Courier" charset="0"/>
+                <a:ea typeface="Courier" charset="0"/>
+                <a:cs typeface="Courier" charset="0"/>
+              </a:rPr>
+              <a:t>pip3 install </a:t>
+            </a:r>
+            <a:r>
+              <a:rPr lang="en-US" sz="1700" dirty="0" err="1">
+                <a:solidFill>
+                  <a:srgbClr val="FFFF00"/>
+                </a:solidFill>
+                <a:latin typeface="Courier" charset="0"/>
+                <a:ea typeface="Courier" charset="0"/>
+                <a:cs typeface="Courier" charset="0"/>
+              </a:rPr>
+              <a:t>django</a:t>
+            </a:r>
+            <a:r>
+              <a:rPr lang="en-US" sz="1700" dirty="0">
+                <a:solidFill>
+                  <a:srgbClr val="FFFF00"/>
+                </a:solidFill>
+                <a:latin typeface="Courier" charset="0"/>
+                <a:ea typeface="Courier" charset="0"/>
+                <a:cs typeface="Courier" charset="0"/>
+              </a:rPr>
+              <a:t>-extensions</a:t>
+            </a:r>
+          </a:p>
+          <a:p>
+            <a:r>
+              <a:rPr lang="en-US" sz="1700" dirty="0">
+                <a:latin typeface="Courier" charset="0"/>
+                <a:ea typeface="Courier" charset="0"/>
+                <a:cs typeface="Courier" charset="0"/>
+              </a:rPr>
+              <a:t>Requirement already satisfied: </a:t>
+            </a:r>
+            <a:r>
+              <a:rPr lang="en-US" sz="1700" dirty="0" err="1">
+                <a:latin typeface="Courier" charset="0"/>
+                <a:ea typeface="Courier" charset="0"/>
+                <a:cs typeface="Courier" charset="0"/>
+              </a:rPr>
+              <a:t>django</a:t>
+            </a:r>
+            <a:r>
+              <a:rPr lang="en-US" sz="1700" dirty="0">
+                <a:latin typeface="Courier" charset="0"/>
+                <a:ea typeface="Courier" charset="0"/>
+                <a:cs typeface="Courier" charset="0"/>
+              </a:rPr>
+              <a:t>-extensions in /</a:t>
+            </a:r>
+            <a:r>
+              <a:rPr lang="en-US" sz="1700" dirty="0" smtClean="0">
+                <a:latin typeface="Courier" charset="0"/>
+                <a:ea typeface="Courier" charset="0"/>
+                <a:cs typeface="Courier" charset="0"/>
+              </a:rPr>
+              <a:t>Library/Frameworks/</a:t>
+            </a:r>
+            <a:r>
+              <a:rPr lang="en-US" sz="1700" dirty="0" err="1" smtClean="0">
+                <a:latin typeface="Courier" charset="0"/>
+                <a:ea typeface="Courier" charset="0"/>
+                <a:cs typeface="Courier" charset="0"/>
+              </a:rPr>
+              <a:t>Python.framework</a:t>
+            </a:r>
+            <a:r>
+              <a:rPr lang="en-US" sz="1700" dirty="0" smtClean="0">
+                <a:latin typeface="Courier" charset="0"/>
+                <a:ea typeface="Courier" charset="0"/>
+                <a:cs typeface="Courier" charset="0"/>
+              </a:rPr>
+              <a:t>/Versions/3.6/lib/python3.6/site-packages</a:t>
+            </a:r>
+            <a:endParaRPr lang="en-US" sz="1700" dirty="0">
+              <a:latin typeface="Courier" charset="0"/>
+              <a:ea typeface="Courier" charset="0"/>
+              <a:cs typeface="Courier" charset="0"/>
+            </a:endParaRPr>
+          </a:p>
+          <a:p>
+            <a:r>
+              <a:rPr lang="en-US" sz="1700" dirty="0">
+                <a:latin typeface="Courier" charset="0"/>
+                <a:ea typeface="Courier" charset="0"/>
+                <a:cs typeface="Courier" charset="0"/>
+              </a:rPr>
+              <a:t>Requirement already satisfied: six&gt;=1.2 in /</a:t>
+            </a:r>
+            <a:r>
+              <a:rPr lang="en-US" sz="1700" dirty="0" smtClean="0">
+                <a:latin typeface="Courier" charset="0"/>
+                <a:ea typeface="Courier" charset="0"/>
+                <a:cs typeface="Courier" charset="0"/>
+              </a:rPr>
+              <a:t>Library/Frameworks/</a:t>
+            </a:r>
+            <a:r>
+              <a:rPr lang="en-US" sz="1700" dirty="0" err="1" smtClean="0">
+                <a:latin typeface="Courier" charset="0"/>
+                <a:ea typeface="Courier" charset="0"/>
+                <a:cs typeface="Courier" charset="0"/>
+              </a:rPr>
+              <a:t>Python.framework</a:t>
+            </a:r>
+            <a:r>
+              <a:rPr lang="en-US" sz="1700" dirty="0" smtClean="0">
+                <a:latin typeface="Courier" charset="0"/>
+                <a:ea typeface="Courier" charset="0"/>
+                <a:cs typeface="Courier" charset="0"/>
+              </a:rPr>
+              <a:t>/Versions/3.6/lib/python3.6/site-packages</a:t>
+            </a:r>
+            <a:endParaRPr lang="en-US" sz="1700" dirty="0">
+              <a:latin typeface="Courier" charset="0"/>
+              <a:ea typeface="Courier" charset="0"/>
+              <a:cs typeface="Courier" charset="0"/>
+            </a:endParaRPr>
+          </a:p>
+          <a:p>
+            <a:r>
+              <a:rPr lang="en-US" sz="1700" dirty="0" smtClean="0">
+                <a:solidFill>
+                  <a:srgbClr val="00FDFF"/>
+                </a:solidFill>
+                <a:latin typeface="Courier" charset="0"/>
+                <a:ea typeface="Courier" charset="0"/>
+                <a:cs typeface="Courier" charset="0"/>
+              </a:rPr>
+              <a:t>dj4e-samples$ </a:t>
+            </a:r>
+            <a:endParaRPr lang="en-US" sz="1700" dirty="0">
+              <a:solidFill>
+                <a:srgbClr val="00FDFF"/>
+              </a:solidFill>
+              <a:latin typeface="Courier" charset="0"/>
+              <a:ea typeface="Courier" charset="0"/>
+              <a:cs typeface="Courier" charset="0"/>
+            </a:endParaRPr>
+          </a:p>
+        </p:txBody>
+      </p:sp>
+      <p:sp>
+        <p:nvSpPr>
+          <p:cNvPr id="6" name="Rectangle 5"/>
+          <p:cNvSpPr/>
+          <p:nvPr/>
+        </p:nvSpPr>
+        <p:spPr>
+          <a:xfrm>
+            <a:off x="3048000" y="3871357"/>
+            <a:ext cx="6096000" cy="646331"/>
+          </a:xfrm>
+          <a:prstGeom prst="rect">
+            <a:avLst/>
+          </a:prstGeom>
+        </p:spPr>
+        <p:txBody>
+          <a:bodyPr>
+            <a:spAutoFit/>
+          </a:bodyPr>
+          <a:lstStyle/>
+          <a:p>
+            <a:r>
+              <a:rPr lang="en-US" dirty="0" smtClean="0"/>
+              <a:t>Note that this </a:t>
+            </a:r>
+            <a:r>
+              <a:rPr lang="en-US" dirty="0"/>
+              <a:t>is installed already in dj4e-samples but for a new project you will need to install it yourself and edit </a:t>
+            </a:r>
+            <a:r>
+              <a:rPr lang="en-US" b="1" dirty="0" err="1"/>
+              <a:t>settings.py</a:t>
+            </a:r>
+            <a:endParaRPr lang="en-US" b="1" dirty="0"/>
+          </a:p>
+        </p:txBody>
+      </p:sp>
+    </p:spTree>
+    <p:extLst>
+      <p:ext uri="{BB962C8B-B14F-4D97-AF65-F5344CB8AC3E}">
+        <p14:creationId xmlns:p14="http://schemas.microsoft.com/office/powerpoint/2010/main" val="1567044701"/>
+      </p:ext>
+    </p:extLst>
+  </p:cSld>
+  <p:clrMapOvr>
+    <a:masterClrMapping/>
+  </p:clrMapOvr>
+</p:sld>
+</file>
+
+<file path=ppt/slides/slide37.xml><?xml version="1.0" encoding="utf-8"?>
+<p:sld xmlns:a="http://schemas.openxmlformats.org/drawingml/2006/main" xmlns:r="http://schemas.openxmlformats.org/officeDocument/2006/relationships" xmlns:p="http://schemas.openxmlformats.org/presentationml/2006/main">
+  <p:cSld>
+    <p:spTree>
+      <p:nvGrpSpPr>
+        <p:cNvPr id="1" name=""/>
+        <p:cNvGrpSpPr/>
+        <p:nvPr/>
+      </p:nvGrpSpPr>
+      <p:grpSpPr>
+        <a:xfrm>
+          <a:off x="0" y="0"/>
+          <a:ext cx="0" cy="0"/>
+          <a:chOff x="0" y="0"/>
+          <a:chExt cx="0" cy="0"/>
+        </a:xfrm>
+      </p:grpSpPr>
+      <p:sp>
+        <p:nvSpPr>
+          <p:cNvPr id="4" name="Rectangle 3"/>
+          <p:cNvSpPr/>
+          <p:nvPr/>
+        </p:nvSpPr>
+        <p:spPr>
+          <a:xfrm>
+            <a:off x="838200" y="3056811"/>
+            <a:ext cx="3531736" cy="369332"/>
+          </a:xfrm>
+          <a:prstGeom prst="rect">
+            <a:avLst/>
+          </a:prstGeom>
+        </p:spPr>
+        <p:txBody>
+          <a:bodyPr wrap="none">
+            <a:spAutoFit/>
+          </a:bodyPr>
+          <a:lstStyle/>
+          <a:p>
+            <a:r>
+              <a:rPr lang="en-US" dirty="0">
+                <a:solidFill>
+                  <a:srgbClr val="FFFF00"/>
+                </a:solidFill>
+                <a:latin typeface="Menlo" charset="0"/>
+              </a:rPr>
+              <a:t>dj4e-samples/</a:t>
+            </a:r>
+            <a:r>
+              <a:rPr lang="en-US" dirty="0" err="1">
+                <a:solidFill>
+                  <a:srgbClr val="FFFF00"/>
+                </a:solidFill>
+                <a:latin typeface="Menlo" charset="0"/>
+              </a:rPr>
+              <a:t>settings.py</a:t>
+            </a:r>
+            <a:endParaRPr lang="en-US" dirty="0">
+              <a:solidFill>
+                <a:srgbClr val="FFFF00"/>
+              </a:solidFill>
+              <a:effectLst/>
+              <a:latin typeface="Menlo" charset="0"/>
+            </a:endParaRPr>
+          </a:p>
+        </p:txBody>
+      </p:sp>
+      <p:sp>
+        <p:nvSpPr>
+          <p:cNvPr id="5" name="Rectangle 4"/>
+          <p:cNvSpPr/>
+          <p:nvPr/>
+        </p:nvSpPr>
+        <p:spPr>
+          <a:xfrm>
+            <a:off x="5395912" y="471488"/>
+            <a:ext cx="6096000" cy="5909310"/>
+          </a:xfrm>
+          <a:prstGeom prst="rect">
+            <a:avLst/>
+          </a:prstGeom>
+        </p:spPr>
+        <p:txBody>
+          <a:bodyPr>
+            <a:spAutoFit/>
+          </a:bodyPr>
+          <a:lstStyle/>
+          <a:p>
+            <a:r>
+              <a:rPr lang="en-US" dirty="0">
+                <a:latin typeface="Courier" charset="0"/>
+                <a:ea typeface="Courier" charset="0"/>
+                <a:cs typeface="Courier" charset="0"/>
+              </a:rPr>
+              <a:t>INSTALLED_APPS = [</a:t>
+            </a:r>
+          </a:p>
+          <a:p>
+            <a:r>
+              <a:rPr lang="en-US" dirty="0">
+                <a:latin typeface="Courier" charset="0"/>
+                <a:ea typeface="Courier" charset="0"/>
+                <a:cs typeface="Courier" charset="0"/>
+              </a:rPr>
+              <a:t>    '</a:t>
+            </a:r>
+            <a:r>
+              <a:rPr lang="en-US" dirty="0" err="1">
+                <a:latin typeface="Courier" charset="0"/>
+                <a:ea typeface="Courier" charset="0"/>
+                <a:cs typeface="Courier" charset="0"/>
+              </a:rPr>
+              <a:t>django.contrib.admin</a:t>
+            </a:r>
+            <a:r>
+              <a:rPr lang="en-US" dirty="0">
+                <a:latin typeface="Courier" charset="0"/>
+                <a:ea typeface="Courier" charset="0"/>
+                <a:cs typeface="Courier" charset="0"/>
+              </a:rPr>
+              <a:t>',</a:t>
+            </a:r>
+          </a:p>
+          <a:p>
+            <a:r>
+              <a:rPr lang="en-US" dirty="0">
+                <a:latin typeface="Courier" charset="0"/>
+                <a:ea typeface="Courier" charset="0"/>
+                <a:cs typeface="Courier" charset="0"/>
+              </a:rPr>
+              <a:t>    '</a:t>
+            </a:r>
+            <a:r>
+              <a:rPr lang="en-US" dirty="0" err="1">
+                <a:latin typeface="Courier" charset="0"/>
+                <a:ea typeface="Courier" charset="0"/>
+                <a:cs typeface="Courier" charset="0"/>
+              </a:rPr>
+              <a:t>django.contrib.auth</a:t>
+            </a:r>
+            <a:r>
+              <a:rPr lang="en-US" dirty="0">
+                <a:latin typeface="Courier" charset="0"/>
+                <a:ea typeface="Courier" charset="0"/>
+                <a:cs typeface="Courier" charset="0"/>
+              </a:rPr>
+              <a:t>',</a:t>
+            </a:r>
+          </a:p>
+          <a:p>
+            <a:endParaRPr lang="en-US" dirty="0" smtClean="0">
+              <a:latin typeface="Courier" charset="0"/>
+              <a:ea typeface="Courier" charset="0"/>
+              <a:cs typeface="Courier" charset="0"/>
+            </a:endParaRPr>
+          </a:p>
+          <a:p>
+            <a:r>
+              <a:rPr lang="en-US" dirty="0" smtClean="0">
+                <a:latin typeface="Courier" charset="0"/>
+                <a:ea typeface="Courier" charset="0"/>
+                <a:cs typeface="Courier" charset="0"/>
+              </a:rPr>
+              <a:t>[ ... ]</a:t>
+            </a:r>
+          </a:p>
+          <a:p>
+            <a:endParaRPr lang="en-US" dirty="0">
+              <a:latin typeface="Courier" charset="0"/>
+              <a:ea typeface="Courier" charset="0"/>
+              <a:cs typeface="Courier" charset="0"/>
+            </a:endParaRPr>
+          </a:p>
+          <a:p>
+            <a:r>
+              <a:rPr lang="en-US" dirty="0">
+                <a:latin typeface="Courier" charset="0"/>
+                <a:ea typeface="Courier" charset="0"/>
+                <a:cs typeface="Courier" charset="0"/>
+              </a:rPr>
+              <a:t>    # </a:t>
+            </a:r>
+            <a:r>
+              <a:rPr lang="en-US" dirty="0" smtClean="0">
+                <a:latin typeface="Courier" charset="0"/>
+                <a:ea typeface="Courier" charset="0"/>
+                <a:cs typeface="Courier" charset="0"/>
+              </a:rPr>
+              <a:t>Extensions </a:t>
+            </a:r>
+            <a:r>
+              <a:rPr lang="en-US" dirty="0">
+                <a:latin typeface="Courier" charset="0"/>
+                <a:ea typeface="Courier" charset="0"/>
+                <a:cs typeface="Courier" charset="0"/>
+              </a:rPr>
+              <a:t>- see </a:t>
+            </a:r>
+            <a:r>
+              <a:rPr lang="en-US" dirty="0" err="1">
+                <a:latin typeface="Courier" charset="0"/>
+                <a:ea typeface="Courier" charset="0"/>
+                <a:cs typeface="Courier" charset="0"/>
+              </a:rPr>
+              <a:t>requirements.txt</a:t>
+            </a:r>
+            <a:endParaRPr lang="en-US" dirty="0">
+              <a:latin typeface="Courier" charset="0"/>
+              <a:ea typeface="Courier" charset="0"/>
+              <a:cs typeface="Courier" charset="0"/>
+            </a:endParaRPr>
+          </a:p>
+          <a:p>
+            <a:r>
+              <a:rPr lang="en-US" dirty="0">
+                <a:solidFill>
+                  <a:srgbClr val="FF40FF"/>
+                </a:solidFill>
+                <a:latin typeface="Courier" charset="0"/>
+                <a:ea typeface="Courier" charset="0"/>
+                <a:cs typeface="Courier" charset="0"/>
+              </a:rPr>
+              <a:t>    '</a:t>
+            </a:r>
+            <a:r>
+              <a:rPr lang="en-US" dirty="0" err="1">
+                <a:solidFill>
+                  <a:srgbClr val="FF40FF"/>
+                </a:solidFill>
+                <a:latin typeface="Courier" charset="0"/>
+                <a:ea typeface="Courier" charset="0"/>
+                <a:cs typeface="Courier" charset="0"/>
+              </a:rPr>
+              <a:t>django_extensions</a:t>
+            </a:r>
+            <a:r>
+              <a:rPr lang="en-US" dirty="0">
+                <a:solidFill>
+                  <a:srgbClr val="FF40FF"/>
+                </a:solidFill>
+                <a:latin typeface="Courier" charset="0"/>
+                <a:ea typeface="Courier" charset="0"/>
+                <a:cs typeface="Courier" charset="0"/>
+              </a:rPr>
+              <a:t>',</a:t>
+            </a:r>
+          </a:p>
+          <a:p>
+            <a:r>
+              <a:rPr lang="en-US" dirty="0">
+                <a:latin typeface="Courier" charset="0"/>
+                <a:ea typeface="Courier" charset="0"/>
+                <a:cs typeface="Courier" charset="0"/>
+              </a:rPr>
+              <a:t>    '</a:t>
+            </a:r>
+            <a:r>
+              <a:rPr lang="en-US" dirty="0" err="1">
+                <a:latin typeface="Courier" charset="0"/>
+                <a:ea typeface="Courier" charset="0"/>
+                <a:cs typeface="Courier" charset="0"/>
+              </a:rPr>
+              <a:t>crispy_forms</a:t>
+            </a:r>
+            <a:r>
+              <a:rPr lang="en-US" dirty="0">
+                <a:latin typeface="Courier" charset="0"/>
+                <a:ea typeface="Courier" charset="0"/>
+                <a:cs typeface="Courier" charset="0"/>
+              </a:rPr>
+              <a:t>',</a:t>
+            </a:r>
+          </a:p>
+          <a:p>
+            <a:endParaRPr lang="en-US" dirty="0" smtClean="0">
+              <a:latin typeface="Courier" charset="0"/>
+              <a:ea typeface="Courier" charset="0"/>
+              <a:cs typeface="Courier" charset="0"/>
+            </a:endParaRPr>
+          </a:p>
+          <a:p>
+            <a:r>
+              <a:rPr lang="en-US" dirty="0">
+                <a:latin typeface="Courier" charset="0"/>
+                <a:ea typeface="Courier" charset="0"/>
+                <a:cs typeface="Courier" charset="0"/>
+              </a:rPr>
+              <a:t>[ ... ]</a:t>
+            </a:r>
+          </a:p>
+          <a:p>
+            <a:endParaRPr lang="en-US" dirty="0" smtClean="0">
+              <a:latin typeface="Courier" charset="0"/>
+              <a:ea typeface="Courier" charset="0"/>
+              <a:cs typeface="Courier" charset="0"/>
+            </a:endParaRPr>
+          </a:p>
+          <a:p>
+            <a:r>
+              <a:rPr lang="en-US" dirty="0" smtClean="0">
+                <a:latin typeface="Courier" charset="0"/>
+                <a:ea typeface="Courier" charset="0"/>
+                <a:cs typeface="Courier" charset="0"/>
+              </a:rPr>
+              <a:t>    </a:t>
+            </a:r>
+            <a:r>
+              <a:rPr lang="en-US" dirty="0">
+                <a:latin typeface="Courier" charset="0"/>
+                <a:ea typeface="Courier" charset="0"/>
+                <a:cs typeface="Courier" charset="0"/>
+              </a:rPr>
+              <a:t>'</a:t>
+            </a:r>
+            <a:r>
+              <a:rPr lang="en-US" dirty="0" err="1">
+                <a:latin typeface="Courier" charset="0"/>
+                <a:ea typeface="Courier" charset="0"/>
+                <a:cs typeface="Courier" charset="0"/>
+              </a:rPr>
+              <a:t>home.apps.HomeConfig</a:t>
+            </a:r>
+            <a:r>
+              <a:rPr lang="en-US" dirty="0">
+                <a:latin typeface="Courier" charset="0"/>
+                <a:ea typeface="Courier" charset="0"/>
+                <a:cs typeface="Courier" charset="0"/>
+              </a:rPr>
+              <a:t>',</a:t>
+            </a:r>
+          </a:p>
+          <a:p>
+            <a:endParaRPr lang="en-US" dirty="0">
+              <a:latin typeface="Courier" charset="0"/>
+              <a:ea typeface="Courier" charset="0"/>
+              <a:cs typeface="Courier" charset="0"/>
+            </a:endParaRPr>
+          </a:p>
+          <a:p>
+            <a:r>
+              <a:rPr lang="en-US" dirty="0">
+                <a:latin typeface="Courier" charset="0"/>
+                <a:ea typeface="Courier" charset="0"/>
+                <a:cs typeface="Courier" charset="0"/>
+              </a:rPr>
+              <a:t>    # Sample Applications - don't copy</a:t>
+            </a:r>
+          </a:p>
+          <a:p>
+            <a:r>
+              <a:rPr lang="en-US" dirty="0">
+                <a:latin typeface="Courier" charset="0"/>
+                <a:ea typeface="Courier" charset="0"/>
+                <a:cs typeface="Courier" charset="0"/>
+              </a:rPr>
+              <a:t>    '</a:t>
+            </a:r>
+            <a:r>
+              <a:rPr lang="en-US" dirty="0" err="1">
+                <a:latin typeface="Courier" charset="0"/>
+                <a:ea typeface="Courier" charset="0"/>
+                <a:cs typeface="Courier" charset="0"/>
+              </a:rPr>
+              <a:t>hello.apps.HelloConfig</a:t>
+            </a:r>
+            <a:r>
+              <a:rPr lang="en-US" dirty="0">
+                <a:latin typeface="Courier" charset="0"/>
+                <a:ea typeface="Courier" charset="0"/>
+                <a:cs typeface="Courier" charset="0"/>
+              </a:rPr>
+              <a:t>',</a:t>
+            </a:r>
+          </a:p>
+          <a:p>
+            <a:r>
+              <a:rPr lang="en-US" dirty="0">
+                <a:latin typeface="Courier" charset="0"/>
+                <a:ea typeface="Courier" charset="0"/>
+                <a:cs typeface="Courier" charset="0"/>
+              </a:rPr>
+              <a:t>    '</a:t>
+            </a:r>
+            <a:r>
+              <a:rPr lang="en-US" dirty="0" err="1">
+                <a:latin typeface="Courier" charset="0"/>
+                <a:ea typeface="Courier" charset="0"/>
+                <a:cs typeface="Courier" charset="0"/>
+              </a:rPr>
+              <a:t>getpost.apps.GetpostConfig</a:t>
+            </a:r>
+            <a:r>
+              <a:rPr lang="en-US" dirty="0">
+                <a:latin typeface="Courier" charset="0"/>
+                <a:ea typeface="Courier" charset="0"/>
+                <a:cs typeface="Courier" charset="0"/>
+              </a:rPr>
+              <a:t>',</a:t>
+            </a:r>
+          </a:p>
+          <a:p>
+            <a:r>
+              <a:rPr lang="en-US" dirty="0">
+                <a:latin typeface="Courier" charset="0"/>
+                <a:ea typeface="Courier" charset="0"/>
+                <a:cs typeface="Courier" charset="0"/>
+              </a:rPr>
+              <a:t>    '</a:t>
+            </a:r>
+            <a:r>
+              <a:rPr lang="en-US" dirty="0" err="1">
+                <a:latin typeface="Courier" charset="0"/>
+                <a:ea typeface="Courier" charset="0"/>
+                <a:cs typeface="Courier" charset="0"/>
+              </a:rPr>
+              <a:t>users.apps.UsersConfig</a:t>
+            </a:r>
+            <a:r>
+              <a:rPr lang="en-US" dirty="0" smtClean="0">
+                <a:latin typeface="Courier" charset="0"/>
+                <a:ea typeface="Courier" charset="0"/>
+                <a:cs typeface="Courier" charset="0"/>
+              </a:rPr>
+              <a:t>',</a:t>
+            </a:r>
+          </a:p>
+          <a:p>
+            <a:endParaRPr lang="en-US" dirty="0" smtClean="0">
+              <a:latin typeface="Courier" charset="0"/>
+              <a:ea typeface="Courier" charset="0"/>
+              <a:cs typeface="Courier" charset="0"/>
+            </a:endParaRPr>
+          </a:p>
+          <a:p>
+            <a:r>
+              <a:rPr lang="en-US" dirty="0">
+                <a:latin typeface="Courier" charset="0"/>
+                <a:ea typeface="Courier" charset="0"/>
+                <a:cs typeface="Courier" charset="0"/>
+              </a:rPr>
+              <a:t>[ </a:t>
+            </a:r>
+            <a:r>
+              <a:rPr lang="en-US" dirty="0" smtClean="0">
+                <a:latin typeface="Courier" charset="0"/>
+                <a:ea typeface="Courier" charset="0"/>
+                <a:cs typeface="Courier" charset="0"/>
+              </a:rPr>
+              <a:t>... </a:t>
+            </a:r>
+            <a:r>
+              <a:rPr lang="en-US" dirty="0">
+                <a:latin typeface="Courier" charset="0"/>
+                <a:ea typeface="Courier" charset="0"/>
+                <a:cs typeface="Courier" charset="0"/>
+              </a:rPr>
+              <a:t>]</a:t>
+            </a:r>
+          </a:p>
+          <a:p>
+            <a:r>
+              <a:rPr lang="en-US" dirty="0" smtClean="0">
+                <a:latin typeface="Courier" charset="0"/>
+                <a:ea typeface="Courier" charset="0"/>
+                <a:cs typeface="Courier" charset="0"/>
+              </a:rPr>
+              <a:t>]</a:t>
+            </a:r>
+            <a:endParaRPr lang="en-US" dirty="0">
+              <a:latin typeface="Courier" charset="0"/>
+              <a:ea typeface="Courier" charset="0"/>
+              <a:cs typeface="Courier" charset="0"/>
+            </a:endParaRPr>
+          </a:p>
+        </p:txBody>
+      </p:sp>
+      <p:sp>
+        <p:nvSpPr>
+          <p:cNvPr id="6" name="Title 5"/>
+          <p:cNvSpPr>
+            <a:spLocks noGrp="1"/>
+          </p:cNvSpPr>
+          <p:nvPr>
+            <p:ph type="title"/>
+          </p:nvPr>
+        </p:nvSpPr>
+        <p:spPr>
+          <a:xfrm>
+            <a:off x="838200" y="365125"/>
+            <a:ext cx="3490913" cy="1778000"/>
+          </a:xfrm>
+        </p:spPr>
+        <p:txBody>
+          <a:bodyPr>
+            <a:normAutofit fontScale="90000"/>
+          </a:bodyPr>
+          <a:lstStyle/>
+          <a:p>
+            <a:r>
+              <a:rPr lang="en-US" dirty="0" smtClean="0"/>
+              <a:t>Include Extensions in Project Settings</a:t>
+            </a:r>
+            <a:endParaRPr lang="en-US" dirty="0"/>
+          </a:p>
+        </p:txBody>
+      </p:sp>
+    </p:spTree>
+    <p:extLst>
+      <p:ext uri="{BB962C8B-B14F-4D97-AF65-F5344CB8AC3E}">
+        <p14:creationId xmlns:p14="http://schemas.microsoft.com/office/powerpoint/2010/main" val="991563234"/>
+      </p:ext>
+    </p:extLst>
+  </p:cSld>
+  <p:clrMapOvr>
+    <a:masterClrMapping/>
+  </p:clrMapOvr>
+</p:sld>
+</file>
+
+<file path=ppt/slides/slide38.xml><?xml version="1.0" encoding="utf-8"?>
+<p:sld xmlns:a="http://schemas.openxmlformats.org/drawingml/2006/main" xmlns:r="http://schemas.openxmlformats.org/officeDocument/2006/relationships" xmlns:p="http://schemas.openxmlformats.org/presentationml/2006/main">
+  <p:cSld>
+    <p:spTree>
+      <p:nvGrpSpPr>
+        <p:cNvPr id="1" name=""/>
+        <p:cNvGrpSpPr/>
+        <p:nvPr/>
+      </p:nvGrpSpPr>
+      <p:grpSpPr>
+        <a:xfrm>
+          <a:off x="0" y="0"/>
+          <a:ext cx="0" cy="0"/>
+          <a:chOff x="0" y="0"/>
+          <a:chExt cx="0" cy="0"/>
+        </a:xfrm>
+      </p:grpSpPr>
+      <p:sp>
+        <p:nvSpPr>
+          <p:cNvPr id="2" name="Title 1"/>
+          <p:cNvSpPr>
+            <a:spLocks noGrp="1"/>
+          </p:cNvSpPr>
+          <p:nvPr>
+            <p:ph type="title"/>
+          </p:nvPr>
+        </p:nvSpPr>
+        <p:spPr/>
+        <p:txBody>
+          <a:bodyPr/>
+          <a:lstStyle/>
+          <a:p>
+            <a:r>
+              <a:rPr lang="en-US" dirty="0" smtClean="0"/>
+              <a:t>Make a scripts folder</a:t>
+            </a:r>
+            <a:endParaRPr lang="en-US" dirty="0"/>
+          </a:p>
+        </p:txBody>
+      </p:sp>
+      <p:sp>
+        <p:nvSpPr>
+          <p:cNvPr id="3" name="Rectangle 2"/>
+          <p:cNvSpPr/>
+          <p:nvPr/>
+        </p:nvSpPr>
+        <p:spPr>
+          <a:xfrm>
+            <a:off x="2537618" y="1979530"/>
+            <a:ext cx="6096000" cy="646331"/>
+          </a:xfrm>
+          <a:prstGeom prst="rect">
+            <a:avLst/>
+          </a:prstGeom>
+        </p:spPr>
+        <p:txBody>
+          <a:bodyPr>
+            <a:spAutoFit/>
+          </a:bodyPr>
+          <a:lstStyle/>
+          <a:p>
+            <a:r>
+              <a:rPr lang="en-US" dirty="0" smtClean="0">
+                <a:solidFill>
+                  <a:srgbClr val="00FDFF"/>
+                </a:solidFill>
+                <a:latin typeface="Menlo-Regular" charset="0"/>
+              </a:rPr>
+              <a:t>dj4e-samples$ </a:t>
+            </a:r>
+            <a:r>
+              <a:rPr lang="en-US" dirty="0" err="1">
+                <a:solidFill>
+                  <a:srgbClr val="FFFF00"/>
+                </a:solidFill>
+                <a:latin typeface="Menlo-Regular" charset="0"/>
+              </a:rPr>
+              <a:t>mkdir</a:t>
+            </a:r>
+            <a:r>
+              <a:rPr lang="en-US" dirty="0">
+                <a:solidFill>
+                  <a:srgbClr val="FFFF00"/>
+                </a:solidFill>
+                <a:latin typeface="Menlo-Regular" charset="0"/>
+              </a:rPr>
+              <a:t> scripts</a:t>
+            </a:r>
+          </a:p>
+          <a:p>
+            <a:r>
+              <a:rPr lang="en-US" dirty="0">
+                <a:solidFill>
+                  <a:srgbClr val="00FDFF"/>
+                </a:solidFill>
+                <a:latin typeface="Menlo-Regular" charset="0"/>
+              </a:rPr>
+              <a:t>dj4e-samples$ </a:t>
+            </a:r>
+            <a:r>
+              <a:rPr lang="en-US" dirty="0" smtClean="0">
+                <a:solidFill>
+                  <a:srgbClr val="FFFF00"/>
+                </a:solidFill>
+                <a:latin typeface="Menlo-Regular" charset="0"/>
+              </a:rPr>
+              <a:t>touch </a:t>
+            </a:r>
+            <a:r>
+              <a:rPr lang="en-US" dirty="0">
+                <a:solidFill>
+                  <a:srgbClr val="FFFF00"/>
+                </a:solidFill>
+                <a:latin typeface="Menlo-Regular" charset="0"/>
+              </a:rPr>
+              <a:t>scripts/__</a:t>
+            </a:r>
+            <a:r>
+              <a:rPr lang="en-US" dirty="0" err="1">
+                <a:solidFill>
+                  <a:srgbClr val="FFFF00"/>
+                </a:solidFill>
+                <a:latin typeface="Menlo-Regular" charset="0"/>
+              </a:rPr>
+              <a:t>init</a:t>
+            </a:r>
+            <a:r>
+              <a:rPr lang="en-US" dirty="0">
+                <a:solidFill>
+                  <a:srgbClr val="FFFF00"/>
+                </a:solidFill>
+                <a:latin typeface="Menlo-Regular" charset="0"/>
+              </a:rPr>
+              <a:t>__.</a:t>
+            </a:r>
+            <a:r>
+              <a:rPr lang="en-US" dirty="0" err="1" smtClean="0">
+                <a:solidFill>
+                  <a:srgbClr val="FFFF00"/>
+                </a:solidFill>
+                <a:latin typeface="Menlo-Regular" charset="0"/>
+              </a:rPr>
+              <a:t>py</a:t>
+            </a:r>
+            <a:endParaRPr lang="en-US" dirty="0">
+              <a:solidFill>
+                <a:srgbClr val="FFFF00"/>
+              </a:solidFill>
+              <a:latin typeface="Menlo-Regular" charset="0"/>
+            </a:endParaRPr>
+          </a:p>
+        </p:txBody>
+      </p:sp>
+      <p:sp>
+        <p:nvSpPr>
+          <p:cNvPr id="5" name="Rectangle 4"/>
+          <p:cNvSpPr/>
+          <p:nvPr/>
+        </p:nvSpPr>
+        <p:spPr>
+          <a:xfrm>
+            <a:off x="6096000" y="5373172"/>
+            <a:ext cx="5075236" cy="369332"/>
+          </a:xfrm>
+          <a:prstGeom prst="rect">
+            <a:avLst/>
+          </a:prstGeom>
+        </p:spPr>
+        <p:txBody>
+          <a:bodyPr wrap="none">
+            <a:spAutoFit/>
+          </a:bodyPr>
+          <a:lstStyle/>
+          <a:p>
+            <a:r>
+              <a:rPr lang="en-US" dirty="0"/>
+              <a:t>http://</a:t>
+            </a:r>
+            <a:r>
+              <a:rPr lang="en-US" dirty="0" err="1"/>
+              <a:t>effbot.org</a:t>
+            </a:r>
+            <a:r>
+              <a:rPr lang="en-US" dirty="0"/>
+              <a:t>/</a:t>
+            </a:r>
+            <a:r>
+              <a:rPr lang="en-US" dirty="0" err="1"/>
+              <a:t>pyfaq</a:t>
+            </a:r>
+            <a:r>
+              <a:rPr lang="en-US" dirty="0"/>
+              <a:t>/what-is-</a:t>
+            </a:r>
+            <a:r>
+              <a:rPr lang="en-US" dirty="0" err="1"/>
+              <a:t>init</a:t>
+            </a:r>
+            <a:r>
+              <a:rPr lang="en-US" dirty="0"/>
+              <a:t>-</a:t>
+            </a:r>
+            <a:r>
+              <a:rPr lang="en-US" dirty="0" err="1"/>
+              <a:t>py</a:t>
+            </a:r>
+            <a:r>
+              <a:rPr lang="en-US" dirty="0"/>
+              <a:t>-used-</a:t>
+            </a:r>
+            <a:r>
+              <a:rPr lang="en-US" dirty="0" err="1"/>
+              <a:t>for.htm</a:t>
+            </a:r>
+            <a:endParaRPr lang="en-US" dirty="0"/>
+          </a:p>
+        </p:txBody>
+      </p:sp>
+      <p:sp>
+        <p:nvSpPr>
+          <p:cNvPr id="6" name="TextBox 5"/>
+          <p:cNvSpPr txBox="1"/>
+          <p:nvPr/>
+        </p:nvSpPr>
+        <p:spPr>
+          <a:xfrm>
+            <a:off x="600075" y="3214686"/>
+            <a:ext cx="10571161" cy="923330"/>
+          </a:xfrm>
+          <a:prstGeom prst="rect">
+            <a:avLst/>
+          </a:prstGeom>
+          <a:noFill/>
+        </p:spPr>
+        <p:txBody>
+          <a:bodyPr wrap="square" rtlCol="0">
+            <a:spAutoFit/>
+          </a:bodyPr>
+          <a:lstStyle/>
+          <a:p>
+            <a:r>
+              <a:rPr lang="en-US" dirty="0" smtClean="0">
+                <a:latin typeface="Courier" charset="0"/>
+                <a:ea typeface="Courier" charset="0"/>
+                <a:cs typeface="Courier" charset="0"/>
+              </a:rPr>
+              <a:t>We place empty </a:t>
+            </a:r>
+            <a:r>
+              <a:rPr lang="en-US" dirty="0" smtClean="0">
+                <a:solidFill>
+                  <a:srgbClr val="FFFF00"/>
+                </a:solidFill>
+                <a:latin typeface="Courier" charset="0"/>
+                <a:ea typeface="Courier" charset="0"/>
+                <a:cs typeface="Courier" charset="0"/>
+              </a:rPr>
+              <a:t>__</a:t>
+            </a:r>
+            <a:r>
+              <a:rPr lang="en-US" dirty="0" err="1" smtClean="0">
+                <a:solidFill>
+                  <a:srgbClr val="FFFF00"/>
+                </a:solidFill>
+                <a:latin typeface="Courier" charset="0"/>
+                <a:ea typeface="Courier" charset="0"/>
+                <a:cs typeface="Courier" charset="0"/>
+              </a:rPr>
+              <a:t>init</a:t>
+            </a:r>
+            <a:r>
+              <a:rPr lang="en-US" dirty="0" smtClean="0">
+                <a:solidFill>
+                  <a:srgbClr val="FFFF00"/>
+                </a:solidFill>
+                <a:latin typeface="Courier" charset="0"/>
+                <a:ea typeface="Courier" charset="0"/>
+                <a:cs typeface="Courier" charset="0"/>
+              </a:rPr>
+              <a:t>__.</a:t>
+            </a:r>
+            <a:r>
+              <a:rPr lang="en-US" dirty="0" err="1" smtClean="0">
+                <a:solidFill>
+                  <a:srgbClr val="FFFF00"/>
+                </a:solidFill>
+                <a:latin typeface="Courier" charset="0"/>
+                <a:ea typeface="Courier" charset="0"/>
+                <a:cs typeface="Courier" charset="0"/>
+              </a:rPr>
+              <a:t>py</a:t>
+            </a:r>
+            <a:r>
+              <a:rPr lang="en-US" dirty="0" smtClean="0">
+                <a:solidFill>
+                  <a:srgbClr val="FFFF00"/>
+                </a:solidFill>
+                <a:latin typeface="Courier" charset="0"/>
+                <a:ea typeface="Courier" charset="0"/>
+                <a:cs typeface="Courier" charset="0"/>
+              </a:rPr>
+              <a:t> </a:t>
+            </a:r>
+            <a:r>
+              <a:rPr lang="en-US" dirty="0" smtClean="0">
+                <a:latin typeface="Courier" charset="0"/>
+                <a:ea typeface="Courier" charset="0"/>
+                <a:cs typeface="Courier" charset="0"/>
+              </a:rPr>
+              <a:t>files in folders to indicate to Python that they contain files that hold modules and as such are suitable for importing into a Python application.</a:t>
+            </a:r>
+            <a:endParaRPr lang="en-US" dirty="0">
+              <a:latin typeface="Courier" charset="0"/>
+              <a:ea typeface="Courier" charset="0"/>
+              <a:cs typeface="Courier" charset="0"/>
+            </a:endParaRPr>
+          </a:p>
+        </p:txBody>
+      </p:sp>
+    </p:spTree>
+    <p:extLst>
+      <p:ext uri="{BB962C8B-B14F-4D97-AF65-F5344CB8AC3E}">
+        <p14:creationId xmlns:p14="http://schemas.microsoft.com/office/powerpoint/2010/main" val="34204355"/>
+      </p:ext>
+    </p:extLst>
+  </p:cSld>
+  <p:clrMapOvr>
+    <a:masterClrMapping/>
+  </p:clrMapOvr>
+</p:sld>
+</file>
+
+<file path=ppt/slides/slide39.xml><?xml version="1.0" encoding="utf-8"?>
+<p:sld xmlns:a="http://schemas.openxmlformats.org/drawingml/2006/main" xmlns:r="http://schemas.openxmlformats.org/officeDocument/2006/relationships" xmlns:p="http://schemas.openxmlformats.org/presentationml/2006/main">
+  <p:cSld>
+    <p:spTree>
+      <p:nvGrpSpPr>
+        <p:cNvPr id="1" name=""/>
+        <p:cNvGrpSpPr/>
+        <p:nvPr/>
+      </p:nvGrpSpPr>
+      <p:grpSpPr>
+        <a:xfrm>
+          <a:off x="0" y="0"/>
+          <a:ext cx="0" cy="0"/>
+          <a:chOff x="0" y="0"/>
+          <a:chExt cx="0" cy="0"/>
+        </a:xfrm>
+      </p:grpSpPr>
+      <p:sp>
+        <p:nvSpPr>
+          <p:cNvPr id="2" name="Title 1"/>
+          <p:cNvSpPr>
+            <a:spLocks noGrp="1"/>
+          </p:cNvSpPr>
+          <p:nvPr>
+            <p:ph type="title"/>
+          </p:nvPr>
+        </p:nvSpPr>
+        <p:spPr/>
+        <p:txBody>
+          <a:bodyPr/>
+          <a:lstStyle/>
+          <a:p>
+            <a:r>
+              <a:rPr lang="en-US" dirty="0" smtClean="0"/>
+              <a:t>The Data File</a:t>
+            </a:r>
+            <a:endParaRPr lang="en-US" dirty="0"/>
+          </a:p>
+        </p:txBody>
+      </p:sp>
+      <p:sp>
+        <p:nvSpPr>
+          <p:cNvPr id="3" name="Rectangle 2"/>
+          <p:cNvSpPr/>
+          <p:nvPr/>
+        </p:nvSpPr>
+        <p:spPr>
+          <a:xfrm>
+            <a:off x="1928813" y="1738313"/>
+            <a:ext cx="8543925" cy="2246769"/>
+          </a:xfrm>
+          <a:prstGeom prst="rect">
+            <a:avLst/>
+          </a:prstGeom>
+        </p:spPr>
+        <p:txBody>
+          <a:bodyPr wrap="square">
+            <a:spAutoFit/>
+          </a:bodyPr>
+          <a:lstStyle/>
+          <a:p>
+            <a:r>
+              <a:rPr lang="en-US" sz="2000" dirty="0" smtClean="0">
+                <a:solidFill>
+                  <a:srgbClr val="00FDFF"/>
+                </a:solidFill>
+                <a:latin typeface="Menlo" charset="0"/>
+              </a:rPr>
+              <a:t>dj4e-samples$ </a:t>
+            </a:r>
+            <a:r>
+              <a:rPr lang="en-US" sz="2000" dirty="0">
+                <a:solidFill>
+                  <a:srgbClr val="FFFF00"/>
+                </a:solidFill>
+                <a:latin typeface="Menlo" charset="0"/>
+              </a:rPr>
+              <a:t>cat </a:t>
+            </a:r>
+            <a:r>
+              <a:rPr lang="en-US" sz="2000" dirty="0">
+                <a:solidFill>
+                  <a:srgbClr val="FFFF00"/>
+                </a:solidFill>
+                <a:latin typeface="Menlo" charset="0"/>
+              </a:rPr>
+              <a:t>cats/</a:t>
+            </a:r>
+            <a:r>
+              <a:rPr lang="en-US" sz="2000" dirty="0" err="1">
+                <a:solidFill>
+                  <a:srgbClr val="FFFF00"/>
+                </a:solidFill>
+                <a:latin typeface="Menlo" charset="0"/>
+              </a:rPr>
+              <a:t>meow.csv</a:t>
+            </a:r>
+            <a:endParaRPr lang="en-US" sz="2000" dirty="0">
+              <a:solidFill>
+                <a:srgbClr val="FFFF00"/>
+              </a:solidFill>
+              <a:latin typeface="Menlo" charset="0"/>
+            </a:endParaRPr>
+          </a:p>
+          <a:p>
+            <a:r>
+              <a:rPr lang="en-US" sz="2000" dirty="0" err="1">
+                <a:latin typeface="Menlo" charset="0"/>
+              </a:rPr>
+              <a:t>Name,Breed,Weight</a:t>
+            </a:r>
+            <a:endParaRPr lang="en-US" sz="2000" dirty="0">
+              <a:latin typeface="Menlo" charset="0"/>
+            </a:endParaRPr>
+          </a:p>
+          <a:p>
+            <a:r>
+              <a:rPr lang="en-US" sz="2000" dirty="0">
+                <a:latin typeface="Menlo" charset="0"/>
+              </a:rPr>
+              <a:t>Abby,Sphinx,6.4</a:t>
+            </a:r>
+          </a:p>
+          <a:p>
+            <a:r>
+              <a:rPr lang="en-US" sz="2000" dirty="0">
+                <a:latin typeface="Menlo" charset="0"/>
+              </a:rPr>
+              <a:t>Annie,Burmese,7.6</a:t>
+            </a:r>
+          </a:p>
+          <a:p>
+            <a:r>
+              <a:rPr lang="en-US" sz="2000" dirty="0">
+                <a:latin typeface="Menlo" charset="0"/>
+              </a:rPr>
+              <a:t>Ash,Manx,7.8</a:t>
+            </a:r>
+          </a:p>
+          <a:p>
+            <a:r>
+              <a:rPr lang="en-US" sz="2000" dirty="0">
+                <a:latin typeface="Menlo" charset="0"/>
+              </a:rPr>
+              <a:t>Athena,Manx,8.9</a:t>
+            </a:r>
+          </a:p>
+          <a:p>
+            <a:r>
+              <a:rPr lang="en-US" sz="2000" dirty="0" smtClean="0">
+                <a:solidFill>
+                  <a:srgbClr val="00FDFF"/>
+                </a:solidFill>
+                <a:latin typeface="Menlo" charset="0"/>
+              </a:rPr>
+              <a:t>dj4e-samples</a:t>
+            </a:r>
+            <a:r>
+              <a:rPr lang="en-US" sz="2000" dirty="0" smtClean="0">
+                <a:solidFill>
+                  <a:srgbClr val="00FDFF"/>
+                </a:solidFill>
+                <a:latin typeface="Menlo" charset="0"/>
+              </a:rPr>
+              <a:t>$</a:t>
+            </a:r>
+            <a:endParaRPr lang="en-US" sz="2000" dirty="0">
+              <a:solidFill>
+                <a:srgbClr val="00FDFF"/>
+              </a:solidFill>
+              <a:effectLst/>
+              <a:latin typeface="Menlo" charset="0"/>
+            </a:endParaRPr>
+          </a:p>
+        </p:txBody>
+      </p:sp>
+      <p:sp>
+        <p:nvSpPr>
+          <p:cNvPr id="4" name="Rectangle 3"/>
+          <p:cNvSpPr/>
+          <p:nvPr/>
+        </p:nvSpPr>
+        <p:spPr>
+          <a:xfrm>
+            <a:off x="6582929" y="5015984"/>
+            <a:ext cx="4004109" cy="369332"/>
+          </a:xfrm>
+          <a:prstGeom prst="rect">
+            <a:avLst/>
+          </a:prstGeom>
+        </p:spPr>
+        <p:txBody>
+          <a:bodyPr wrap="none">
+            <a:spAutoFit/>
+          </a:bodyPr>
+          <a:lstStyle/>
+          <a:p>
+            <a:r>
+              <a:rPr lang="en-US" dirty="0"/>
+              <a:t>https://</a:t>
+            </a:r>
+            <a:r>
+              <a:rPr lang="en-US" dirty="0" err="1"/>
+              <a:t>en.wikipedia.org</a:t>
+            </a:r>
+            <a:r>
+              <a:rPr lang="en-US" dirty="0"/>
+              <a:t>/wiki/Cat_(Unix)</a:t>
+            </a:r>
+          </a:p>
+        </p:txBody>
+      </p:sp>
+    </p:spTree>
+    <p:extLst>
+      <p:ext uri="{BB962C8B-B14F-4D97-AF65-F5344CB8AC3E}">
+        <p14:creationId xmlns:p14="http://schemas.microsoft.com/office/powerpoint/2010/main" val="2111028828"/>
+      </p:ext>
+    </p:extLst>
+  </p:cSld>
+  <p:clrMapOvr>
+    <a:masterClrMapping/>
+  </p:clrMapOvr>
 </p:sld>
 </file>
 
@@ -39270,6 +39981,3241 @@
     <p:extLst>
       <p:ext uri="{BB962C8B-B14F-4D97-AF65-F5344CB8AC3E}">
         <p14:creationId xmlns:p14="http://schemas.microsoft.com/office/powerpoint/2010/main" val="699520866"/>
+      </p:ext>
+    </p:extLst>
+  </p:cSld>
+  <p:clrMapOvr>
+    <a:masterClrMapping/>
+  </p:clrMapOvr>
+  <p:timing>
+    <p:tnLst>
+      <p:par>
+        <p:cTn id="1" dur="indefinite" restart="never" nodeType="tmRoot"/>
+      </p:par>
+    </p:tnLst>
+  </p:timing>
+</p:sld>
+</file>
+
+<file path=ppt/slides/slide40.xml><?xml version="1.0" encoding="utf-8"?>
+<p:sld xmlns:a="http://schemas.openxmlformats.org/drawingml/2006/main" xmlns:r="http://schemas.openxmlformats.org/officeDocument/2006/relationships" xmlns:p="http://schemas.openxmlformats.org/presentationml/2006/main">
+  <p:cSld>
+    <p:spTree>
+      <p:nvGrpSpPr>
+        <p:cNvPr id="1" name=""/>
+        <p:cNvGrpSpPr/>
+        <p:nvPr/>
+      </p:nvGrpSpPr>
+      <p:grpSpPr>
+        <a:xfrm>
+          <a:off x="0" y="0"/>
+          <a:ext cx="0" cy="0"/>
+          <a:chOff x="0" y="0"/>
+          <a:chExt cx="0" cy="0"/>
+        </a:xfrm>
+      </p:grpSpPr>
+      <p:sp>
+        <p:nvSpPr>
+          <p:cNvPr id="3" name="Rectangle 2"/>
+          <p:cNvSpPr/>
+          <p:nvPr/>
+        </p:nvSpPr>
+        <p:spPr>
+          <a:xfrm>
+            <a:off x="2990849" y="479424"/>
+            <a:ext cx="8896351" cy="5755422"/>
+          </a:xfrm>
+          <a:prstGeom prst="rect">
+            <a:avLst/>
+          </a:prstGeom>
+          <a:solidFill>
+            <a:schemeClr val="tx1"/>
+          </a:solidFill>
+        </p:spPr>
+        <p:txBody>
+          <a:bodyPr wrap="square">
+            <a:spAutoFit/>
+          </a:bodyPr>
+          <a:lstStyle/>
+          <a:p>
+            <a:r>
+              <a:rPr lang="en-US" sz="1600" dirty="0">
+                <a:solidFill>
+                  <a:srgbClr val="C814C9"/>
+                </a:solidFill>
+                <a:latin typeface="Courier" charset="0"/>
+                <a:ea typeface="Courier" charset="0"/>
+                <a:cs typeface="Courier" charset="0"/>
+              </a:rPr>
+              <a:t>import</a:t>
+            </a:r>
+            <a:r>
+              <a:rPr lang="en-US" sz="1600" dirty="0">
+                <a:solidFill>
+                  <a:srgbClr val="000000"/>
+                </a:solidFill>
+                <a:latin typeface="Courier" charset="0"/>
+                <a:ea typeface="Courier" charset="0"/>
+                <a:cs typeface="Courier" charset="0"/>
+              </a:rPr>
+              <a:t> </a:t>
+            </a:r>
+            <a:r>
+              <a:rPr lang="en-US" sz="1600" dirty="0" smtClean="0">
+                <a:solidFill>
+                  <a:srgbClr val="000000"/>
+                </a:solidFill>
+                <a:latin typeface="Courier" charset="0"/>
+                <a:ea typeface="Courier" charset="0"/>
+                <a:cs typeface="Courier" charset="0"/>
+              </a:rPr>
+              <a:t>csv</a:t>
+            </a:r>
+            <a:endParaRPr lang="en-US" sz="1600" dirty="0">
+              <a:solidFill>
+                <a:srgbClr val="000000"/>
+              </a:solidFill>
+              <a:latin typeface="Courier" charset="0"/>
+              <a:ea typeface="Courier" charset="0"/>
+              <a:cs typeface="Courier" charset="0"/>
+            </a:endParaRPr>
+          </a:p>
+          <a:p>
+            <a:r>
+              <a:rPr lang="en-US" sz="1600" dirty="0">
+                <a:solidFill>
+                  <a:srgbClr val="C814C9"/>
+                </a:solidFill>
+                <a:latin typeface="Courier" charset="0"/>
+                <a:ea typeface="Courier" charset="0"/>
+                <a:cs typeface="Courier" charset="0"/>
+              </a:rPr>
+              <a:t>from</a:t>
+            </a:r>
+            <a:r>
+              <a:rPr lang="en-US" sz="1600" dirty="0">
+                <a:solidFill>
+                  <a:srgbClr val="000000"/>
+                </a:solidFill>
+                <a:latin typeface="Courier" charset="0"/>
+                <a:ea typeface="Courier" charset="0"/>
+                <a:cs typeface="Courier" charset="0"/>
+              </a:rPr>
+              <a:t> </a:t>
+            </a:r>
+            <a:r>
+              <a:rPr lang="en-US" sz="1600" dirty="0" err="1">
+                <a:solidFill>
+                  <a:srgbClr val="000000"/>
+                </a:solidFill>
+                <a:latin typeface="Courier" charset="0"/>
+                <a:ea typeface="Courier" charset="0"/>
+                <a:cs typeface="Courier" charset="0"/>
+              </a:rPr>
+              <a:t>cats.models</a:t>
+            </a:r>
+            <a:r>
+              <a:rPr lang="en-US" sz="1600" dirty="0">
+                <a:solidFill>
+                  <a:srgbClr val="000000"/>
+                </a:solidFill>
+                <a:latin typeface="Courier" charset="0"/>
+                <a:ea typeface="Courier" charset="0"/>
+                <a:cs typeface="Courier" charset="0"/>
+              </a:rPr>
+              <a:t> </a:t>
+            </a:r>
+            <a:r>
+              <a:rPr lang="en-US" sz="1600" dirty="0">
+                <a:solidFill>
+                  <a:srgbClr val="C814C9"/>
+                </a:solidFill>
+                <a:latin typeface="Courier" charset="0"/>
+                <a:ea typeface="Courier" charset="0"/>
+                <a:cs typeface="Courier" charset="0"/>
+              </a:rPr>
+              <a:t>import</a:t>
+            </a:r>
+            <a:r>
+              <a:rPr lang="en-US" sz="1600" dirty="0">
+                <a:solidFill>
+                  <a:srgbClr val="000000"/>
+                </a:solidFill>
+                <a:latin typeface="Courier" charset="0"/>
+                <a:ea typeface="Courier" charset="0"/>
+                <a:cs typeface="Courier" charset="0"/>
+              </a:rPr>
+              <a:t> Cat, Breed</a:t>
+            </a:r>
+          </a:p>
+          <a:p>
+            <a:endParaRPr lang="en-US" sz="1600" dirty="0">
+              <a:solidFill>
+                <a:srgbClr val="000000"/>
+              </a:solidFill>
+              <a:latin typeface="Courier" charset="0"/>
+              <a:ea typeface="Courier" charset="0"/>
+              <a:cs typeface="Courier" charset="0"/>
+            </a:endParaRPr>
+          </a:p>
+          <a:p>
+            <a:r>
+              <a:rPr lang="en-US" sz="1600" dirty="0" err="1">
+                <a:solidFill>
+                  <a:srgbClr val="C1651C"/>
+                </a:solidFill>
+                <a:latin typeface="Courier" charset="0"/>
+                <a:ea typeface="Courier" charset="0"/>
+                <a:cs typeface="Courier" charset="0"/>
+              </a:rPr>
+              <a:t>def</a:t>
+            </a:r>
+            <a:r>
+              <a:rPr lang="en-US" sz="1600" dirty="0">
+                <a:solidFill>
+                  <a:srgbClr val="000000"/>
+                </a:solidFill>
+                <a:latin typeface="Courier" charset="0"/>
+                <a:ea typeface="Courier" charset="0"/>
+                <a:cs typeface="Courier" charset="0"/>
+              </a:rPr>
+              <a:t> </a:t>
+            </a:r>
+            <a:r>
+              <a:rPr lang="en-US" sz="1600" dirty="0">
+                <a:solidFill>
+                  <a:srgbClr val="2EAEBB"/>
+                </a:solidFill>
+                <a:latin typeface="Courier" charset="0"/>
+                <a:ea typeface="Courier" charset="0"/>
+                <a:cs typeface="Courier" charset="0"/>
+              </a:rPr>
+              <a:t>run</a:t>
+            </a:r>
+            <a:r>
+              <a:rPr lang="en-US" sz="1600" dirty="0">
+                <a:solidFill>
+                  <a:srgbClr val="000000"/>
+                </a:solidFill>
+                <a:latin typeface="Courier" charset="0"/>
+                <a:ea typeface="Courier" charset="0"/>
+                <a:cs typeface="Courier" charset="0"/>
+              </a:rPr>
+              <a:t>():</a:t>
+            </a:r>
+          </a:p>
+          <a:p>
+            <a:r>
+              <a:rPr lang="en-US" sz="1600" dirty="0">
+                <a:solidFill>
+                  <a:srgbClr val="000000"/>
+                </a:solidFill>
+                <a:latin typeface="Courier" charset="0"/>
+                <a:ea typeface="Courier" charset="0"/>
+                <a:cs typeface="Courier" charset="0"/>
+              </a:rPr>
+              <a:t>    </a:t>
+            </a:r>
+            <a:r>
+              <a:rPr lang="en-US" sz="1600" dirty="0" err="1">
+                <a:solidFill>
+                  <a:srgbClr val="000000"/>
+                </a:solidFill>
+                <a:latin typeface="Courier" charset="0"/>
+                <a:ea typeface="Courier" charset="0"/>
+                <a:cs typeface="Courier" charset="0"/>
+              </a:rPr>
+              <a:t>fhand</a:t>
+            </a:r>
+            <a:r>
+              <a:rPr lang="en-US" sz="1600" dirty="0">
+                <a:solidFill>
+                  <a:srgbClr val="000000"/>
+                </a:solidFill>
+                <a:latin typeface="Courier" charset="0"/>
+                <a:ea typeface="Courier" charset="0"/>
+                <a:cs typeface="Courier" charset="0"/>
+              </a:rPr>
+              <a:t> = </a:t>
+            </a:r>
+            <a:r>
+              <a:rPr lang="en-US" sz="1600" dirty="0">
+                <a:solidFill>
+                  <a:srgbClr val="2EAEBB"/>
+                </a:solidFill>
+                <a:latin typeface="Courier" charset="0"/>
+                <a:ea typeface="Courier" charset="0"/>
+                <a:cs typeface="Courier" charset="0"/>
+              </a:rPr>
+              <a:t>open</a:t>
+            </a:r>
+            <a:r>
+              <a:rPr lang="en-US" sz="1600" dirty="0">
+                <a:solidFill>
+                  <a:srgbClr val="000000"/>
+                </a:solidFill>
+                <a:latin typeface="Courier" charset="0"/>
+                <a:ea typeface="Courier" charset="0"/>
+                <a:cs typeface="Courier" charset="0"/>
+              </a:rPr>
+              <a:t>(</a:t>
+            </a:r>
+            <a:r>
+              <a:rPr lang="en-US" sz="1600" dirty="0">
+                <a:solidFill>
+                  <a:srgbClr val="B42419"/>
+                </a:solidFill>
+                <a:latin typeface="Courier" charset="0"/>
+                <a:ea typeface="Courier" charset="0"/>
+                <a:cs typeface="Courier" charset="0"/>
+              </a:rPr>
+              <a:t>'cats/</a:t>
+            </a:r>
+            <a:r>
+              <a:rPr lang="en-US" sz="1600" dirty="0" err="1">
+                <a:solidFill>
+                  <a:srgbClr val="B42419"/>
+                </a:solidFill>
+                <a:latin typeface="Courier" charset="0"/>
+                <a:ea typeface="Courier" charset="0"/>
+                <a:cs typeface="Courier" charset="0"/>
+              </a:rPr>
+              <a:t>meow.csv</a:t>
+            </a:r>
+            <a:r>
+              <a:rPr lang="en-US" sz="1600" dirty="0">
+                <a:solidFill>
+                  <a:srgbClr val="B42419"/>
+                </a:solidFill>
+                <a:latin typeface="Courier" charset="0"/>
+                <a:ea typeface="Courier" charset="0"/>
+                <a:cs typeface="Courier" charset="0"/>
+              </a:rPr>
+              <a:t>'</a:t>
+            </a:r>
+            <a:r>
+              <a:rPr lang="en-US" sz="1600" dirty="0">
+                <a:solidFill>
+                  <a:srgbClr val="000000"/>
+                </a:solidFill>
+                <a:latin typeface="Courier" charset="0"/>
+                <a:ea typeface="Courier" charset="0"/>
+                <a:cs typeface="Courier" charset="0"/>
+              </a:rPr>
+              <a:t>)</a:t>
+            </a:r>
+          </a:p>
+          <a:p>
+            <a:r>
+              <a:rPr lang="en-US" sz="1600" dirty="0">
+                <a:solidFill>
+                  <a:srgbClr val="000000"/>
+                </a:solidFill>
+                <a:latin typeface="Courier" charset="0"/>
+                <a:ea typeface="Courier" charset="0"/>
+                <a:cs typeface="Courier" charset="0"/>
+              </a:rPr>
+              <a:t>    reader = </a:t>
+            </a:r>
+            <a:r>
+              <a:rPr lang="en-US" sz="1600" dirty="0" err="1">
+                <a:solidFill>
+                  <a:srgbClr val="000000"/>
+                </a:solidFill>
+                <a:latin typeface="Courier" charset="0"/>
+                <a:ea typeface="Courier" charset="0"/>
+                <a:cs typeface="Courier" charset="0"/>
+              </a:rPr>
+              <a:t>csv.reader</a:t>
+            </a:r>
+            <a:r>
+              <a:rPr lang="en-US" sz="1600" dirty="0">
+                <a:solidFill>
+                  <a:srgbClr val="000000"/>
+                </a:solidFill>
+                <a:latin typeface="Courier" charset="0"/>
+                <a:ea typeface="Courier" charset="0"/>
+                <a:cs typeface="Courier" charset="0"/>
+              </a:rPr>
+              <a:t>(</a:t>
+            </a:r>
+            <a:r>
+              <a:rPr lang="en-US" sz="1600" dirty="0" err="1">
+                <a:solidFill>
+                  <a:srgbClr val="000000"/>
+                </a:solidFill>
+                <a:latin typeface="Courier" charset="0"/>
+                <a:ea typeface="Courier" charset="0"/>
+                <a:cs typeface="Courier" charset="0"/>
+              </a:rPr>
+              <a:t>fhand</a:t>
+            </a:r>
+            <a:r>
+              <a:rPr lang="en-US" sz="1600" dirty="0">
+                <a:solidFill>
+                  <a:srgbClr val="000000"/>
+                </a:solidFill>
+                <a:latin typeface="Courier" charset="0"/>
+                <a:ea typeface="Courier" charset="0"/>
+                <a:cs typeface="Courier" charset="0"/>
+              </a:rPr>
+              <a:t>)</a:t>
+            </a:r>
+          </a:p>
+          <a:p>
+            <a:r>
+              <a:rPr lang="en-US" sz="1600" dirty="0">
+                <a:solidFill>
+                  <a:srgbClr val="000000"/>
+                </a:solidFill>
+                <a:latin typeface="Courier" charset="0"/>
+                <a:ea typeface="Courier" charset="0"/>
+                <a:cs typeface="Courier" charset="0"/>
+              </a:rPr>
+              <a:t>    </a:t>
+            </a:r>
+            <a:r>
+              <a:rPr lang="en-US" sz="1600" dirty="0">
+                <a:solidFill>
+                  <a:srgbClr val="2EAEBB"/>
+                </a:solidFill>
+                <a:latin typeface="Courier" charset="0"/>
+                <a:ea typeface="Courier" charset="0"/>
+                <a:cs typeface="Courier" charset="0"/>
+              </a:rPr>
+              <a:t>next</a:t>
+            </a:r>
+            <a:r>
+              <a:rPr lang="en-US" sz="1600" dirty="0">
+                <a:solidFill>
+                  <a:srgbClr val="000000"/>
+                </a:solidFill>
+                <a:latin typeface="Courier" charset="0"/>
+                <a:ea typeface="Courier" charset="0"/>
+                <a:cs typeface="Courier" charset="0"/>
+              </a:rPr>
+              <a:t>(reader)  </a:t>
+            </a:r>
+            <a:r>
+              <a:rPr lang="en-US" sz="1600" dirty="0">
+                <a:solidFill>
+                  <a:srgbClr val="400BD9"/>
+                </a:solidFill>
+                <a:latin typeface="Courier" charset="0"/>
+                <a:ea typeface="Courier" charset="0"/>
+                <a:cs typeface="Courier" charset="0"/>
+              </a:rPr>
+              <a:t># Advance past the header</a:t>
+            </a:r>
+            <a:endParaRPr lang="en-US" sz="1600" dirty="0">
+              <a:solidFill>
+                <a:srgbClr val="000000"/>
+              </a:solidFill>
+              <a:latin typeface="Courier" charset="0"/>
+              <a:ea typeface="Courier" charset="0"/>
+              <a:cs typeface="Courier" charset="0"/>
+            </a:endParaRPr>
+          </a:p>
+          <a:p>
+            <a:endParaRPr lang="en-US" sz="1600" dirty="0">
+              <a:solidFill>
+                <a:srgbClr val="000000"/>
+              </a:solidFill>
+              <a:latin typeface="Courier" charset="0"/>
+              <a:ea typeface="Courier" charset="0"/>
+              <a:cs typeface="Courier" charset="0"/>
+            </a:endParaRPr>
+          </a:p>
+          <a:p>
+            <a:r>
+              <a:rPr lang="en-US" sz="1600" dirty="0">
+                <a:solidFill>
+                  <a:srgbClr val="000000"/>
+                </a:solidFill>
+                <a:latin typeface="Courier" charset="0"/>
+                <a:ea typeface="Courier" charset="0"/>
+                <a:cs typeface="Courier" charset="0"/>
+              </a:rPr>
+              <a:t>    </a:t>
+            </a:r>
+            <a:r>
+              <a:rPr lang="en-US" sz="1600" dirty="0" err="1">
+                <a:solidFill>
+                  <a:srgbClr val="000000"/>
+                </a:solidFill>
+                <a:latin typeface="Courier" charset="0"/>
+                <a:ea typeface="Courier" charset="0"/>
+                <a:cs typeface="Courier" charset="0"/>
+              </a:rPr>
+              <a:t>Cat.objects.all</a:t>
+            </a:r>
+            <a:r>
+              <a:rPr lang="en-US" sz="1600" dirty="0">
+                <a:solidFill>
+                  <a:srgbClr val="000000"/>
+                </a:solidFill>
+                <a:latin typeface="Courier" charset="0"/>
+                <a:ea typeface="Courier" charset="0"/>
+                <a:cs typeface="Courier" charset="0"/>
+              </a:rPr>
+              <a:t>().delete()</a:t>
+            </a:r>
+          </a:p>
+          <a:p>
+            <a:r>
+              <a:rPr lang="en-US" sz="1600" dirty="0">
+                <a:solidFill>
+                  <a:srgbClr val="000000"/>
+                </a:solidFill>
+                <a:latin typeface="Courier" charset="0"/>
+                <a:ea typeface="Courier" charset="0"/>
+                <a:cs typeface="Courier" charset="0"/>
+              </a:rPr>
+              <a:t>    </a:t>
+            </a:r>
+            <a:r>
+              <a:rPr lang="en-US" sz="1600" dirty="0" err="1">
+                <a:solidFill>
+                  <a:srgbClr val="000000"/>
+                </a:solidFill>
+                <a:latin typeface="Courier" charset="0"/>
+                <a:ea typeface="Courier" charset="0"/>
+                <a:cs typeface="Courier" charset="0"/>
+              </a:rPr>
+              <a:t>Breed.objects.all</a:t>
+            </a:r>
+            <a:r>
+              <a:rPr lang="en-US" sz="1600" dirty="0">
+                <a:solidFill>
+                  <a:srgbClr val="000000"/>
+                </a:solidFill>
+                <a:latin typeface="Courier" charset="0"/>
+                <a:ea typeface="Courier" charset="0"/>
+                <a:cs typeface="Courier" charset="0"/>
+              </a:rPr>
+              <a:t>().delete()</a:t>
+            </a:r>
+          </a:p>
+          <a:p>
+            <a:endParaRPr lang="en-US" sz="1600" dirty="0">
+              <a:solidFill>
+                <a:srgbClr val="000000"/>
+              </a:solidFill>
+              <a:latin typeface="Courier" charset="0"/>
+              <a:ea typeface="Courier" charset="0"/>
+              <a:cs typeface="Courier" charset="0"/>
+            </a:endParaRPr>
+          </a:p>
+          <a:p>
+            <a:r>
+              <a:rPr lang="en-US" sz="1600" dirty="0">
+                <a:solidFill>
+                  <a:srgbClr val="000000"/>
+                </a:solidFill>
+                <a:latin typeface="Courier" charset="0"/>
+                <a:ea typeface="Courier" charset="0"/>
+                <a:cs typeface="Courier" charset="0"/>
+              </a:rPr>
+              <a:t>    </a:t>
+            </a:r>
+            <a:r>
+              <a:rPr lang="en-US" sz="1600" dirty="0">
+                <a:solidFill>
+                  <a:srgbClr val="400BD9"/>
+                </a:solidFill>
+                <a:latin typeface="Courier" charset="0"/>
+                <a:ea typeface="Courier" charset="0"/>
+                <a:cs typeface="Courier" charset="0"/>
+              </a:rPr>
+              <a:t># </a:t>
+            </a:r>
+            <a:r>
+              <a:rPr lang="en-US" sz="1600" dirty="0" err="1">
+                <a:solidFill>
+                  <a:srgbClr val="400BD9"/>
+                </a:solidFill>
+                <a:latin typeface="Courier" charset="0"/>
+                <a:ea typeface="Courier" charset="0"/>
+                <a:cs typeface="Courier" charset="0"/>
+              </a:rPr>
+              <a:t>Name,Breed,Weight</a:t>
+            </a:r>
+            <a:endParaRPr lang="en-US" sz="1600" dirty="0">
+              <a:solidFill>
+                <a:srgbClr val="000000"/>
+              </a:solidFill>
+              <a:latin typeface="Courier" charset="0"/>
+              <a:ea typeface="Courier" charset="0"/>
+              <a:cs typeface="Courier" charset="0"/>
+            </a:endParaRPr>
+          </a:p>
+          <a:p>
+            <a:r>
+              <a:rPr lang="mr-IN" sz="1600" dirty="0">
+                <a:solidFill>
+                  <a:srgbClr val="000000"/>
+                </a:solidFill>
+                <a:latin typeface="Courier" charset="0"/>
+                <a:ea typeface="Courier" charset="0"/>
+                <a:cs typeface="Courier" charset="0"/>
+              </a:rPr>
+              <a:t>    </a:t>
+            </a:r>
+            <a:r>
+              <a:rPr lang="mr-IN" sz="1600" dirty="0">
+                <a:solidFill>
+                  <a:srgbClr val="400BD9"/>
+                </a:solidFill>
+                <a:latin typeface="Courier" charset="0"/>
+                <a:ea typeface="Courier" charset="0"/>
+                <a:cs typeface="Courier" charset="0"/>
+              </a:rPr>
+              <a:t># Abby,Sphinx,6.4</a:t>
+            </a:r>
+            <a:endParaRPr lang="mr-IN" sz="1600" dirty="0">
+              <a:solidFill>
+                <a:srgbClr val="000000"/>
+              </a:solidFill>
+              <a:latin typeface="Courier" charset="0"/>
+              <a:ea typeface="Courier" charset="0"/>
+              <a:cs typeface="Courier" charset="0"/>
+            </a:endParaRPr>
+          </a:p>
+          <a:p>
+            <a:r>
+              <a:rPr lang="de-DE" sz="1600" dirty="0" smtClean="0">
+                <a:solidFill>
+                  <a:srgbClr val="000000"/>
+                </a:solidFill>
+                <a:latin typeface="Courier" charset="0"/>
+                <a:ea typeface="Courier" charset="0"/>
+                <a:cs typeface="Courier" charset="0"/>
+              </a:rPr>
+              <a:t>    </a:t>
+            </a:r>
+            <a:r>
+              <a:rPr lang="de-DE" sz="1600" dirty="0" smtClean="0">
+                <a:solidFill>
+                  <a:srgbClr val="400BD9"/>
+                </a:solidFill>
+                <a:latin typeface="Courier" charset="0"/>
+                <a:ea typeface="Courier" charset="0"/>
+                <a:cs typeface="Courier" charset="0"/>
+              </a:rPr>
+              <a:t># Annie,Burmese,7.6</a:t>
+            </a:r>
+            <a:endParaRPr lang="de-DE" sz="1600" dirty="0" smtClean="0">
+              <a:solidFill>
+                <a:srgbClr val="000000"/>
+              </a:solidFill>
+              <a:latin typeface="Courier" charset="0"/>
+              <a:ea typeface="Courier" charset="0"/>
+              <a:cs typeface="Courier" charset="0"/>
+            </a:endParaRPr>
+          </a:p>
+          <a:p>
+            <a:r>
+              <a:rPr lang="mr-IN" sz="1600" dirty="0" smtClean="0">
+                <a:solidFill>
+                  <a:srgbClr val="000000"/>
+                </a:solidFill>
+                <a:latin typeface="Courier" charset="0"/>
+                <a:ea typeface="Courier" charset="0"/>
+                <a:cs typeface="Courier" charset="0"/>
+              </a:rPr>
+              <a:t>    </a:t>
+            </a:r>
+            <a:r>
+              <a:rPr lang="mr-IN" sz="1600" dirty="0" smtClean="0">
+                <a:solidFill>
+                  <a:srgbClr val="400BD9"/>
+                </a:solidFill>
+                <a:latin typeface="Courier" charset="0"/>
+                <a:ea typeface="Courier" charset="0"/>
+                <a:cs typeface="Courier" charset="0"/>
+              </a:rPr>
+              <a:t># Ash,Manx,7.8</a:t>
+            </a:r>
+            <a:endParaRPr lang="mr-IN" sz="1600" dirty="0" smtClean="0">
+              <a:solidFill>
+                <a:srgbClr val="000000"/>
+              </a:solidFill>
+              <a:latin typeface="Courier" charset="0"/>
+              <a:ea typeface="Courier" charset="0"/>
+              <a:cs typeface="Courier" charset="0"/>
+            </a:endParaRPr>
+          </a:p>
+          <a:p>
+            <a:endParaRPr lang="mr-IN" sz="1600" dirty="0">
+              <a:solidFill>
+                <a:srgbClr val="000000"/>
+              </a:solidFill>
+              <a:latin typeface="Courier" charset="0"/>
+              <a:ea typeface="Courier" charset="0"/>
+              <a:cs typeface="Courier" charset="0"/>
+            </a:endParaRPr>
+          </a:p>
+          <a:p>
+            <a:r>
+              <a:rPr lang="en-US" sz="1600" dirty="0">
+                <a:solidFill>
+                  <a:srgbClr val="000000"/>
+                </a:solidFill>
+                <a:latin typeface="Courier" charset="0"/>
+                <a:ea typeface="Courier" charset="0"/>
+                <a:cs typeface="Courier" charset="0"/>
+              </a:rPr>
+              <a:t>    </a:t>
+            </a:r>
+            <a:r>
+              <a:rPr lang="en-US" sz="1600" dirty="0">
+                <a:solidFill>
+                  <a:srgbClr val="C1651C"/>
+                </a:solidFill>
+                <a:latin typeface="Courier" charset="0"/>
+                <a:ea typeface="Courier" charset="0"/>
+                <a:cs typeface="Courier" charset="0"/>
+              </a:rPr>
+              <a:t>for</a:t>
+            </a:r>
+            <a:r>
+              <a:rPr lang="en-US" sz="1600" dirty="0">
+                <a:solidFill>
+                  <a:srgbClr val="000000"/>
+                </a:solidFill>
+                <a:latin typeface="Courier" charset="0"/>
+                <a:ea typeface="Courier" charset="0"/>
+                <a:cs typeface="Courier" charset="0"/>
+              </a:rPr>
+              <a:t> row </a:t>
+            </a:r>
+            <a:r>
+              <a:rPr lang="en-US" sz="1600" dirty="0">
+                <a:solidFill>
+                  <a:srgbClr val="C1651C"/>
+                </a:solidFill>
+                <a:latin typeface="Courier" charset="0"/>
+                <a:ea typeface="Courier" charset="0"/>
+                <a:cs typeface="Courier" charset="0"/>
+              </a:rPr>
+              <a:t>in</a:t>
+            </a:r>
+            <a:r>
+              <a:rPr lang="en-US" sz="1600" dirty="0">
+                <a:solidFill>
+                  <a:srgbClr val="000000"/>
+                </a:solidFill>
+                <a:latin typeface="Courier" charset="0"/>
+                <a:ea typeface="Courier" charset="0"/>
+                <a:cs typeface="Courier" charset="0"/>
+              </a:rPr>
+              <a:t> reader:</a:t>
+            </a:r>
+          </a:p>
+          <a:p>
+            <a:r>
+              <a:rPr lang="mr-IN" sz="1600" dirty="0">
+                <a:solidFill>
+                  <a:srgbClr val="000000"/>
+                </a:solidFill>
+                <a:latin typeface="Courier" charset="0"/>
+                <a:ea typeface="Courier" charset="0"/>
+                <a:cs typeface="Courier" charset="0"/>
+              </a:rPr>
+              <a:t>        </a:t>
+            </a:r>
+            <a:r>
+              <a:rPr lang="mr-IN" sz="1600" dirty="0" err="1">
+                <a:solidFill>
+                  <a:srgbClr val="2EAEBB"/>
+                </a:solidFill>
+                <a:latin typeface="Courier" charset="0"/>
+                <a:ea typeface="Courier" charset="0"/>
+                <a:cs typeface="Courier" charset="0"/>
+              </a:rPr>
+              <a:t>print</a:t>
+            </a:r>
+            <a:r>
+              <a:rPr lang="mr-IN" sz="1600" dirty="0">
+                <a:solidFill>
+                  <a:srgbClr val="000000"/>
+                </a:solidFill>
+                <a:latin typeface="Courier" charset="0"/>
+                <a:ea typeface="Courier" charset="0"/>
+                <a:cs typeface="Courier" charset="0"/>
+              </a:rPr>
+              <a:t>(</a:t>
+            </a:r>
+            <a:r>
+              <a:rPr lang="mr-IN" sz="1600" dirty="0" err="1">
+                <a:solidFill>
+                  <a:srgbClr val="000000"/>
+                </a:solidFill>
+                <a:latin typeface="Courier" charset="0"/>
+                <a:ea typeface="Courier" charset="0"/>
+                <a:cs typeface="Courier" charset="0"/>
+              </a:rPr>
+              <a:t>row</a:t>
+            </a:r>
+            <a:r>
+              <a:rPr lang="mr-IN" sz="1600" dirty="0">
+                <a:solidFill>
+                  <a:srgbClr val="000000"/>
+                </a:solidFill>
+                <a:latin typeface="Courier" charset="0"/>
+                <a:ea typeface="Courier" charset="0"/>
+                <a:cs typeface="Courier" charset="0"/>
+              </a:rPr>
+              <a:t>)</a:t>
+            </a:r>
+          </a:p>
+          <a:p>
+            <a:endParaRPr lang="mr-IN" sz="1600" dirty="0">
+              <a:solidFill>
+                <a:srgbClr val="000000"/>
+              </a:solidFill>
+              <a:latin typeface="Courier" charset="0"/>
+              <a:ea typeface="Courier" charset="0"/>
+              <a:cs typeface="Courier" charset="0"/>
+            </a:endParaRPr>
+          </a:p>
+          <a:p>
+            <a:r>
+              <a:rPr lang="en-US" sz="1600" dirty="0">
+                <a:solidFill>
+                  <a:srgbClr val="000000"/>
+                </a:solidFill>
+                <a:latin typeface="Courier" charset="0"/>
+                <a:ea typeface="Courier" charset="0"/>
+                <a:cs typeface="Courier" charset="0"/>
+              </a:rPr>
+              <a:t>        b, created = </a:t>
+            </a:r>
+            <a:r>
+              <a:rPr lang="en-US" sz="1600" dirty="0" err="1">
+                <a:solidFill>
+                  <a:srgbClr val="000000"/>
+                </a:solidFill>
+                <a:latin typeface="Courier" charset="0"/>
+                <a:ea typeface="Courier" charset="0"/>
+                <a:cs typeface="Courier" charset="0"/>
+              </a:rPr>
+              <a:t>Breed.objects.get_or_create</a:t>
+            </a:r>
+            <a:r>
+              <a:rPr lang="en-US" sz="1600" dirty="0">
+                <a:solidFill>
+                  <a:srgbClr val="000000"/>
+                </a:solidFill>
+                <a:latin typeface="Courier" charset="0"/>
+                <a:ea typeface="Courier" charset="0"/>
+                <a:cs typeface="Courier" charset="0"/>
+              </a:rPr>
+              <a:t>(name=row[</a:t>
+            </a:r>
+            <a:r>
+              <a:rPr lang="en-US" sz="1600" dirty="0">
+                <a:solidFill>
+                  <a:srgbClr val="B42419"/>
+                </a:solidFill>
+                <a:latin typeface="Courier" charset="0"/>
+                <a:ea typeface="Courier" charset="0"/>
+                <a:cs typeface="Courier" charset="0"/>
+              </a:rPr>
+              <a:t>1</a:t>
+            </a:r>
+            <a:r>
+              <a:rPr lang="en-US" sz="1600" dirty="0">
+                <a:solidFill>
+                  <a:srgbClr val="000000"/>
+                </a:solidFill>
+                <a:latin typeface="Courier" charset="0"/>
+                <a:ea typeface="Courier" charset="0"/>
+                <a:cs typeface="Courier" charset="0"/>
+              </a:rPr>
+              <a:t>])</a:t>
+            </a:r>
+          </a:p>
+          <a:p>
+            <a:endParaRPr lang="en-US" sz="1600" dirty="0">
+              <a:solidFill>
+                <a:srgbClr val="000000"/>
+              </a:solidFill>
+              <a:latin typeface="Courier" charset="0"/>
+              <a:ea typeface="Courier" charset="0"/>
+              <a:cs typeface="Courier" charset="0"/>
+            </a:endParaRPr>
+          </a:p>
+          <a:p>
+            <a:r>
+              <a:rPr lang="en-US" sz="1600" dirty="0">
+                <a:solidFill>
+                  <a:srgbClr val="000000"/>
+                </a:solidFill>
+                <a:latin typeface="Courier" charset="0"/>
+                <a:ea typeface="Courier" charset="0"/>
+                <a:cs typeface="Courier" charset="0"/>
+              </a:rPr>
+              <a:t>        c = Cat(nickname=row[</a:t>
+            </a:r>
+            <a:r>
+              <a:rPr lang="en-US" sz="1600" dirty="0">
+                <a:solidFill>
+                  <a:srgbClr val="B42419"/>
+                </a:solidFill>
+                <a:latin typeface="Courier" charset="0"/>
+                <a:ea typeface="Courier" charset="0"/>
+                <a:cs typeface="Courier" charset="0"/>
+              </a:rPr>
+              <a:t>0</a:t>
+            </a:r>
+            <a:r>
+              <a:rPr lang="en-US" sz="1600" dirty="0">
+                <a:solidFill>
+                  <a:srgbClr val="000000"/>
+                </a:solidFill>
+                <a:latin typeface="Courier" charset="0"/>
+                <a:ea typeface="Courier" charset="0"/>
+                <a:cs typeface="Courier" charset="0"/>
+              </a:rPr>
+              <a:t>], breed=b, weight=row[</a:t>
+            </a:r>
+            <a:r>
+              <a:rPr lang="en-US" sz="1600" dirty="0">
+                <a:solidFill>
+                  <a:srgbClr val="B42419"/>
+                </a:solidFill>
+                <a:latin typeface="Courier" charset="0"/>
+                <a:ea typeface="Courier" charset="0"/>
+                <a:cs typeface="Courier" charset="0"/>
+              </a:rPr>
+              <a:t>2</a:t>
+            </a:r>
+            <a:r>
+              <a:rPr lang="en-US" sz="1600" dirty="0">
+                <a:solidFill>
+                  <a:srgbClr val="000000"/>
+                </a:solidFill>
+                <a:latin typeface="Courier" charset="0"/>
+                <a:ea typeface="Courier" charset="0"/>
+                <a:cs typeface="Courier" charset="0"/>
+              </a:rPr>
+              <a:t>])</a:t>
+            </a:r>
+          </a:p>
+          <a:p>
+            <a:r>
+              <a:rPr lang="mr-IN" sz="1600" dirty="0">
+                <a:solidFill>
+                  <a:srgbClr val="000000"/>
+                </a:solidFill>
+                <a:latin typeface="Courier" charset="0"/>
+                <a:ea typeface="Courier" charset="0"/>
+                <a:cs typeface="Courier" charset="0"/>
+              </a:rPr>
+              <a:t>        </a:t>
+            </a:r>
+            <a:r>
+              <a:rPr lang="mr-IN" sz="1600" dirty="0" err="1">
+                <a:solidFill>
+                  <a:srgbClr val="000000"/>
+                </a:solidFill>
+                <a:latin typeface="Courier" charset="0"/>
+                <a:ea typeface="Courier" charset="0"/>
+                <a:cs typeface="Courier" charset="0"/>
+              </a:rPr>
+              <a:t>c.save</a:t>
+            </a:r>
+            <a:r>
+              <a:rPr lang="mr-IN" sz="1600" dirty="0">
+                <a:solidFill>
+                  <a:srgbClr val="000000"/>
+                </a:solidFill>
+                <a:latin typeface="Courier" charset="0"/>
+                <a:ea typeface="Courier" charset="0"/>
+                <a:cs typeface="Courier" charset="0"/>
+              </a:rPr>
+              <a:t>()</a:t>
+            </a:r>
+            <a:endParaRPr lang="en-US" sz="1700" dirty="0">
+              <a:latin typeface="Courier" charset="0"/>
+              <a:ea typeface="Courier" charset="0"/>
+              <a:cs typeface="Courier" charset="0"/>
+            </a:endParaRPr>
+          </a:p>
+        </p:txBody>
+      </p:sp>
+      <p:sp>
+        <p:nvSpPr>
+          <p:cNvPr id="5" name="TextBox 4"/>
+          <p:cNvSpPr txBox="1"/>
+          <p:nvPr/>
+        </p:nvSpPr>
+        <p:spPr>
+          <a:xfrm>
+            <a:off x="385763" y="971550"/>
+            <a:ext cx="2055114" cy="369332"/>
+          </a:xfrm>
+          <a:prstGeom prst="rect">
+            <a:avLst/>
+          </a:prstGeom>
+          <a:noFill/>
+        </p:spPr>
+        <p:txBody>
+          <a:bodyPr wrap="none" rtlCol="0">
+            <a:spAutoFit/>
+          </a:bodyPr>
+          <a:lstStyle/>
+          <a:p>
+            <a:r>
+              <a:rPr lang="en-US" dirty="0" smtClean="0">
+                <a:solidFill>
+                  <a:srgbClr val="FFFF00"/>
+                </a:solidFill>
+              </a:rPr>
+              <a:t>scripts/</a:t>
+            </a:r>
+            <a:r>
+              <a:rPr lang="en-US" dirty="0" err="1" smtClean="0">
+                <a:solidFill>
+                  <a:srgbClr val="FFFF00"/>
+                </a:solidFill>
+              </a:rPr>
+              <a:t>cats_load.py</a:t>
+            </a:r>
+            <a:endParaRPr lang="en-US" dirty="0">
+              <a:solidFill>
+                <a:srgbClr val="FFFF00"/>
+              </a:solidFill>
+            </a:endParaRPr>
+          </a:p>
+        </p:txBody>
+      </p:sp>
+    </p:spTree>
+    <p:extLst>
+      <p:ext uri="{BB962C8B-B14F-4D97-AF65-F5344CB8AC3E}">
+        <p14:creationId xmlns:p14="http://schemas.microsoft.com/office/powerpoint/2010/main" val="384363493"/>
+      </p:ext>
+    </p:extLst>
+  </p:cSld>
+  <p:clrMapOvr>
+    <a:masterClrMapping/>
+  </p:clrMapOvr>
+</p:sld>
+</file>
+
+<file path=ppt/slides/slide41.xml><?xml version="1.0" encoding="utf-8"?>
+<p:sld xmlns:a="http://schemas.openxmlformats.org/drawingml/2006/main" xmlns:r="http://schemas.openxmlformats.org/officeDocument/2006/relationships" xmlns:p="http://schemas.openxmlformats.org/presentationml/2006/main">
+  <p:cSld>
+    <p:spTree>
+      <p:nvGrpSpPr>
+        <p:cNvPr id="1" name=""/>
+        <p:cNvGrpSpPr/>
+        <p:nvPr/>
+      </p:nvGrpSpPr>
+      <p:grpSpPr>
+        <a:xfrm>
+          <a:off x="0" y="0"/>
+          <a:ext cx="0" cy="0"/>
+          <a:chOff x="0" y="0"/>
+          <a:chExt cx="0" cy="0"/>
+        </a:xfrm>
+      </p:grpSpPr>
+      <p:sp>
+        <p:nvSpPr>
+          <p:cNvPr id="4" name="TextBox 3"/>
+          <p:cNvSpPr txBox="1"/>
+          <p:nvPr/>
+        </p:nvSpPr>
+        <p:spPr>
+          <a:xfrm>
+            <a:off x="959411" y="2222453"/>
+            <a:ext cx="10661893" cy="2585323"/>
+          </a:xfrm>
+          <a:prstGeom prst="rect">
+            <a:avLst/>
+          </a:prstGeom>
+          <a:solidFill>
+            <a:schemeClr val="tx1"/>
+          </a:solidFill>
+        </p:spPr>
+        <p:txBody>
+          <a:bodyPr wrap="none" rtlCol="0">
+            <a:spAutoFit/>
+          </a:bodyPr>
+          <a:lstStyle/>
+          <a:p>
+            <a:r>
+              <a:rPr lang="en-US" dirty="0">
+                <a:solidFill>
+                  <a:srgbClr val="C814C9"/>
+                </a:solidFill>
+                <a:latin typeface="Courier" charset="0"/>
+                <a:ea typeface="Courier" charset="0"/>
+                <a:cs typeface="Courier" charset="0"/>
+              </a:rPr>
+              <a:t>from</a:t>
+            </a:r>
+            <a:r>
+              <a:rPr lang="en-US" dirty="0">
+                <a:solidFill>
+                  <a:srgbClr val="000000"/>
+                </a:solidFill>
+                <a:latin typeface="Courier" charset="0"/>
+                <a:ea typeface="Courier" charset="0"/>
+                <a:cs typeface="Courier" charset="0"/>
+              </a:rPr>
+              <a:t> </a:t>
+            </a:r>
+            <a:r>
+              <a:rPr lang="en-US" dirty="0" err="1">
+                <a:solidFill>
+                  <a:srgbClr val="000000"/>
+                </a:solidFill>
+                <a:latin typeface="Courier" charset="0"/>
+                <a:ea typeface="Courier" charset="0"/>
+                <a:cs typeface="Courier" charset="0"/>
+              </a:rPr>
+              <a:t>django.db</a:t>
+            </a:r>
+            <a:r>
+              <a:rPr lang="en-US" dirty="0">
+                <a:solidFill>
+                  <a:srgbClr val="000000"/>
+                </a:solidFill>
+                <a:latin typeface="Courier" charset="0"/>
+                <a:ea typeface="Courier" charset="0"/>
+                <a:cs typeface="Courier" charset="0"/>
+              </a:rPr>
+              <a:t> </a:t>
+            </a:r>
+            <a:r>
+              <a:rPr lang="en-US" dirty="0">
+                <a:solidFill>
+                  <a:srgbClr val="C814C9"/>
+                </a:solidFill>
+                <a:latin typeface="Courier" charset="0"/>
+                <a:ea typeface="Courier" charset="0"/>
+                <a:cs typeface="Courier" charset="0"/>
+              </a:rPr>
+              <a:t>import</a:t>
+            </a:r>
+            <a:r>
+              <a:rPr lang="en-US" dirty="0">
+                <a:solidFill>
+                  <a:srgbClr val="000000"/>
+                </a:solidFill>
+                <a:latin typeface="Courier" charset="0"/>
+                <a:ea typeface="Courier" charset="0"/>
+                <a:cs typeface="Courier" charset="0"/>
+              </a:rPr>
+              <a:t> models</a:t>
+            </a:r>
+          </a:p>
+          <a:p>
+            <a:endParaRPr lang="en-US" dirty="0">
+              <a:solidFill>
+                <a:srgbClr val="000000"/>
+              </a:solidFill>
+              <a:latin typeface="Courier" charset="0"/>
+              <a:ea typeface="Courier" charset="0"/>
+              <a:cs typeface="Courier" charset="0"/>
+            </a:endParaRPr>
+          </a:p>
+          <a:p>
+            <a:r>
+              <a:rPr lang="en-US" dirty="0">
+                <a:solidFill>
+                  <a:srgbClr val="C1651C"/>
+                </a:solidFill>
+                <a:latin typeface="Courier" charset="0"/>
+                <a:ea typeface="Courier" charset="0"/>
+                <a:cs typeface="Courier" charset="0"/>
+              </a:rPr>
+              <a:t>class</a:t>
+            </a:r>
+            <a:r>
+              <a:rPr lang="en-US" dirty="0">
+                <a:solidFill>
+                  <a:srgbClr val="000000"/>
+                </a:solidFill>
+                <a:latin typeface="Courier" charset="0"/>
+                <a:ea typeface="Courier" charset="0"/>
+                <a:cs typeface="Courier" charset="0"/>
+              </a:rPr>
+              <a:t> </a:t>
+            </a:r>
+            <a:r>
+              <a:rPr lang="en-US" dirty="0">
+                <a:solidFill>
+                  <a:srgbClr val="2EAEBB"/>
+                </a:solidFill>
+                <a:latin typeface="Courier" charset="0"/>
+                <a:ea typeface="Courier" charset="0"/>
+                <a:cs typeface="Courier" charset="0"/>
+              </a:rPr>
+              <a:t>Breed</a:t>
+            </a:r>
+            <a:r>
+              <a:rPr lang="en-US" dirty="0">
+                <a:solidFill>
+                  <a:srgbClr val="000000"/>
+                </a:solidFill>
+                <a:latin typeface="Courier" charset="0"/>
+                <a:ea typeface="Courier" charset="0"/>
+                <a:cs typeface="Courier" charset="0"/>
+              </a:rPr>
+              <a:t>(</a:t>
+            </a:r>
+            <a:r>
+              <a:rPr lang="en-US" dirty="0" err="1">
+                <a:solidFill>
+                  <a:srgbClr val="000000"/>
+                </a:solidFill>
+                <a:latin typeface="Courier" charset="0"/>
+                <a:ea typeface="Courier" charset="0"/>
+                <a:cs typeface="Courier" charset="0"/>
+              </a:rPr>
+              <a:t>models.Model</a:t>
+            </a:r>
+            <a:r>
+              <a:rPr lang="en-US" dirty="0">
+                <a:solidFill>
+                  <a:srgbClr val="000000"/>
+                </a:solidFill>
+                <a:latin typeface="Courier" charset="0"/>
+                <a:ea typeface="Courier" charset="0"/>
+                <a:cs typeface="Courier" charset="0"/>
+              </a:rPr>
+              <a:t>):</a:t>
+            </a:r>
+          </a:p>
+          <a:p>
+            <a:r>
+              <a:rPr lang="en-US" dirty="0">
+                <a:solidFill>
+                  <a:srgbClr val="000000"/>
+                </a:solidFill>
+                <a:latin typeface="Courier" charset="0"/>
+                <a:ea typeface="Courier" charset="0"/>
+                <a:cs typeface="Courier" charset="0"/>
+              </a:rPr>
+              <a:t>    name = </a:t>
+            </a:r>
+            <a:r>
+              <a:rPr lang="en-US" dirty="0" err="1">
+                <a:solidFill>
+                  <a:srgbClr val="000000"/>
+                </a:solidFill>
+                <a:latin typeface="Courier" charset="0"/>
+                <a:ea typeface="Courier" charset="0"/>
+                <a:cs typeface="Courier" charset="0"/>
+              </a:rPr>
+              <a:t>models.CharField</a:t>
+            </a:r>
+            <a:r>
+              <a:rPr lang="en-US" dirty="0">
+                <a:solidFill>
+                  <a:srgbClr val="000000"/>
+                </a:solidFill>
+                <a:latin typeface="Courier" charset="0"/>
+                <a:ea typeface="Courier" charset="0"/>
+                <a:cs typeface="Courier" charset="0"/>
+              </a:rPr>
+              <a:t>(</a:t>
+            </a:r>
+            <a:r>
+              <a:rPr lang="en-US" dirty="0" err="1">
+                <a:solidFill>
+                  <a:srgbClr val="000000"/>
+                </a:solidFill>
+                <a:latin typeface="Courier" charset="0"/>
+                <a:ea typeface="Courier" charset="0"/>
+                <a:cs typeface="Courier" charset="0"/>
+              </a:rPr>
+              <a:t>max_length</a:t>
+            </a:r>
+            <a:r>
+              <a:rPr lang="en-US" dirty="0">
+                <a:solidFill>
+                  <a:srgbClr val="000000"/>
+                </a:solidFill>
+                <a:latin typeface="Courier" charset="0"/>
+                <a:ea typeface="Courier" charset="0"/>
+                <a:cs typeface="Courier" charset="0"/>
+              </a:rPr>
+              <a:t>=</a:t>
+            </a:r>
+            <a:r>
+              <a:rPr lang="en-US" dirty="0">
+                <a:solidFill>
+                  <a:srgbClr val="B42419"/>
+                </a:solidFill>
+                <a:latin typeface="Courier" charset="0"/>
+                <a:ea typeface="Courier" charset="0"/>
+                <a:cs typeface="Courier" charset="0"/>
+              </a:rPr>
+              <a:t>200</a:t>
+            </a:r>
+            <a:r>
+              <a:rPr lang="en-US" dirty="0">
+                <a:solidFill>
+                  <a:srgbClr val="000000"/>
+                </a:solidFill>
+                <a:latin typeface="Courier" charset="0"/>
+                <a:ea typeface="Courier" charset="0"/>
+                <a:cs typeface="Courier" charset="0"/>
+              </a:rPr>
+              <a:t>)</a:t>
+            </a:r>
+          </a:p>
+          <a:p>
+            <a:endParaRPr lang="en-US" dirty="0">
+              <a:solidFill>
+                <a:srgbClr val="000000"/>
+              </a:solidFill>
+              <a:latin typeface="Courier" charset="0"/>
+              <a:ea typeface="Courier" charset="0"/>
+              <a:cs typeface="Courier" charset="0"/>
+            </a:endParaRPr>
+          </a:p>
+          <a:p>
+            <a:r>
+              <a:rPr lang="en-US" dirty="0">
+                <a:solidFill>
+                  <a:srgbClr val="C1651C"/>
+                </a:solidFill>
+                <a:latin typeface="Courier" charset="0"/>
+                <a:ea typeface="Courier" charset="0"/>
+                <a:cs typeface="Courier" charset="0"/>
+              </a:rPr>
+              <a:t>class</a:t>
+            </a:r>
+            <a:r>
+              <a:rPr lang="en-US" dirty="0">
+                <a:solidFill>
+                  <a:srgbClr val="000000"/>
+                </a:solidFill>
+                <a:latin typeface="Courier" charset="0"/>
+                <a:ea typeface="Courier" charset="0"/>
+                <a:cs typeface="Courier" charset="0"/>
+              </a:rPr>
+              <a:t> </a:t>
+            </a:r>
+            <a:r>
+              <a:rPr lang="en-US" dirty="0">
+                <a:solidFill>
+                  <a:srgbClr val="2EAEBB"/>
+                </a:solidFill>
+                <a:latin typeface="Courier" charset="0"/>
+                <a:ea typeface="Courier" charset="0"/>
+                <a:cs typeface="Courier" charset="0"/>
+              </a:rPr>
+              <a:t>Cat</a:t>
+            </a:r>
+            <a:r>
+              <a:rPr lang="en-US" dirty="0">
+                <a:solidFill>
+                  <a:srgbClr val="000000"/>
+                </a:solidFill>
+                <a:latin typeface="Courier" charset="0"/>
+                <a:ea typeface="Courier" charset="0"/>
+                <a:cs typeface="Courier" charset="0"/>
+              </a:rPr>
+              <a:t>(</a:t>
+            </a:r>
+            <a:r>
+              <a:rPr lang="en-US" dirty="0" err="1">
+                <a:solidFill>
+                  <a:srgbClr val="000000"/>
+                </a:solidFill>
+                <a:latin typeface="Courier" charset="0"/>
+                <a:ea typeface="Courier" charset="0"/>
+                <a:cs typeface="Courier" charset="0"/>
+              </a:rPr>
+              <a:t>models.Model</a:t>
+            </a:r>
+            <a:r>
+              <a:rPr lang="en-US" dirty="0">
+                <a:solidFill>
+                  <a:srgbClr val="000000"/>
+                </a:solidFill>
+                <a:latin typeface="Courier" charset="0"/>
+                <a:ea typeface="Courier" charset="0"/>
+                <a:cs typeface="Courier" charset="0"/>
+              </a:rPr>
+              <a:t>):</a:t>
+            </a:r>
+          </a:p>
+          <a:p>
+            <a:r>
+              <a:rPr lang="en-US" dirty="0">
+                <a:solidFill>
+                  <a:srgbClr val="000000"/>
+                </a:solidFill>
+                <a:latin typeface="Courier" charset="0"/>
+                <a:ea typeface="Courier" charset="0"/>
+                <a:cs typeface="Courier" charset="0"/>
+              </a:rPr>
+              <a:t>    nickname = </a:t>
+            </a:r>
+            <a:r>
+              <a:rPr lang="en-US" dirty="0" err="1">
+                <a:solidFill>
+                  <a:srgbClr val="000000"/>
+                </a:solidFill>
+                <a:latin typeface="Courier" charset="0"/>
+                <a:ea typeface="Courier" charset="0"/>
+                <a:cs typeface="Courier" charset="0"/>
+              </a:rPr>
+              <a:t>models.CharField</a:t>
+            </a:r>
+            <a:r>
+              <a:rPr lang="en-US" dirty="0">
+                <a:solidFill>
+                  <a:srgbClr val="000000"/>
+                </a:solidFill>
+                <a:latin typeface="Courier" charset="0"/>
+                <a:ea typeface="Courier" charset="0"/>
+                <a:cs typeface="Courier" charset="0"/>
+              </a:rPr>
+              <a:t>(</a:t>
+            </a:r>
+            <a:r>
+              <a:rPr lang="en-US" dirty="0" err="1">
+                <a:solidFill>
+                  <a:srgbClr val="000000"/>
+                </a:solidFill>
+                <a:latin typeface="Courier" charset="0"/>
+                <a:ea typeface="Courier" charset="0"/>
+                <a:cs typeface="Courier" charset="0"/>
+              </a:rPr>
+              <a:t>max_length</a:t>
+            </a:r>
+            <a:r>
+              <a:rPr lang="en-US" dirty="0">
+                <a:solidFill>
+                  <a:srgbClr val="000000"/>
+                </a:solidFill>
+                <a:latin typeface="Courier" charset="0"/>
+                <a:ea typeface="Courier" charset="0"/>
+                <a:cs typeface="Courier" charset="0"/>
+              </a:rPr>
+              <a:t>=</a:t>
+            </a:r>
+            <a:r>
+              <a:rPr lang="en-US" dirty="0">
+                <a:solidFill>
+                  <a:srgbClr val="B42419"/>
+                </a:solidFill>
+                <a:latin typeface="Courier" charset="0"/>
+                <a:ea typeface="Courier" charset="0"/>
+                <a:cs typeface="Courier" charset="0"/>
+              </a:rPr>
+              <a:t>200</a:t>
+            </a:r>
+            <a:r>
+              <a:rPr lang="en-US" dirty="0">
+                <a:solidFill>
+                  <a:srgbClr val="000000"/>
+                </a:solidFill>
+                <a:latin typeface="Courier" charset="0"/>
+                <a:ea typeface="Courier" charset="0"/>
+                <a:cs typeface="Courier" charset="0"/>
+              </a:rPr>
+              <a:t>)</a:t>
+            </a:r>
+          </a:p>
+          <a:p>
+            <a:r>
+              <a:rPr lang="en-US" dirty="0">
+                <a:solidFill>
+                  <a:srgbClr val="000000"/>
+                </a:solidFill>
+                <a:latin typeface="Courier" charset="0"/>
+                <a:ea typeface="Courier" charset="0"/>
+                <a:cs typeface="Courier" charset="0"/>
+              </a:rPr>
+              <a:t>    breed = </a:t>
+            </a:r>
+            <a:r>
+              <a:rPr lang="en-US" dirty="0" err="1">
+                <a:solidFill>
+                  <a:srgbClr val="000000"/>
+                </a:solidFill>
+                <a:latin typeface="Courier" charset="0"/>
+                <a:ea typeface="Courier" charset="0"/>
+                <a:cs typeface="Courier" charset="0"/>
+              </a:rPr>
+              <a:t>models.ForeignKey</a:t>
+            </a:r>
+            <a:r>
+              <a:rPr lang="en-US" dirty="0">
+                <a:solidFill>
+                  <a:srgbClr val="000000"/>
+                </a:solidFill>
+                <a:latin typeface="Courier" charset="0"/>
+                <a:ea typeface="Courier" charset="0"/>
+                <a:cs typeface="Courier" charset="0"/>
+              </a:rPr>
+              <a:t>(</a:t>
+            </a:r>
+            <a:r>
+              <a:rPr lang="en-US" dirty="0">
+                <a:solidFill>
+                  <a:srgbClr val="B42419"/>
+                </a:solidFill>
+                <a:latin typeface="Courier" charset="0"/>
+                <a:ea typeface="Courier" charset="0"/>
+                <a:cs typeface="Courier" charset="0"/>
+              </a:rPr>
+              <a:t>'Breed'</a:t>
+            </a:r>
+            <a:r>
+              <a:rPr lang="en-US" dirty="0">
+                <a:solidFill>
+                  <a:srgbClr val="000000"/>
+                </a:solidFill>
+                <a:latin typeface="Courier" charset="0"/>
+                <a:ea typeface="Courier" charset="0"/>
+                <a:cs typeface="Courier" charset="0"/>
+              </a:rPr>
+              <a:t>, </a:t>
+            </a:r>
+            <a:r>
+              <a:rPr lang="en-US" dirty="0" err="1">
+                <a:solidFill>
+                  <a:srgbClr val="000000"/>
+                </a:solidFill>
+                <a:latin typeface="Courier" charset="0"/>
+                <a:ea typeface="Courier" charset="0"/>
+                <a:cs typeface="Courier" charset="0"/>
+              </a:rPr>
+              <a:t>on_delete</a:t>
+            </a:r>
+            <a:r>
+              <a:rPr lang="en-US" dirty="0">
+                <a:solidFill>
+                  <a:srgbClr val="000000"/>
+                </a:solidFill>
+                <a:latin typeface="Courier" charset="0"/>
+                <a:ea typeface="Courier" charset="0"/>
+                <a:cs typeface="Courier" charset="0"/>
+              </a:rPr>
+              <a:t>=</a:t>
+            </a:r>
+            <a:r>
+              <a:rPr lang="en-US" dirty="0" err="1">
+                <a:solidFill>
+                  <a:srgbClr val="000000"/>
+                </a:solidFill>
+                <a:latin typeface="Courier" charset="0"/>
+                <a:ea typeface="Courier" charset="0"/>
+                <a:cs typeface="Courier" charset="0"/>
+              </a:rPr>
+              <a:t>models.CASCADE</a:t>
+            </a:r>
+            <a:r>
+              <a:rPr lang="en-US" dirty="0">
+                <a:solidFill>
+                  <a:srgbClr val="000000"/>
+                </a:solidFill>
+                <a:latin typeface="Courier" charset="0"/>
+                <a:ea typeface="Courier" charset="0"/>
+                <a:cs typeface="Courier" charset="0"/>
+              </a:rPr>
+              <a:t>, null=</a:t>
+            </a:r>
+            <a:r>
+              <a:rPr lang="en-US" dirty="0">
+                <a:solidFill>
+                  <a:srgbClr val="2EAEBB"/>
+                </a:solidFill>
+                <a:latin typeface="Courier" charset="0"/>
+                <a:ea typeface="Courier" charset="0"/>
+                <a:cs typeface="Courier" charset="0"/>
+              </a:rPr>
+              <a:t>False</a:t>
+            </a:r>
+            <a:r>
+              <a:rPr lang="en-US" dirty="0">
+                <a:solidFill>
+                  <a:srgbClr val="000000"/>
+                </a:solidFill>
+                <a:latin typeface="Courier" charset="0"/>
+                <a:ea typeface="Courier" charset="0"/>
+                <a:cs typeface="Courier" charset="0"/>
+              </a:rPr>
+              <a:t>)</a:t>
+            </a:r>
+          </a:p>
+          <a:p>
+            <a:r>
+              <a:rPr lang="en-US" dirty="0">
+                <a:solidFill>
+                  <a:srgbClr val="000000"/>
+                </a:solidFill>
+                <a:latin typeface="Courier" charset="0"/>
+                <a:ea typeface="Courier" charset="0"/>
+                <a:cs typeface="Courier" charset="0"/>
+              </a:rPr>
+              <a:t>    weight = </a:t>
+            </a:r>
+            <a:r>
+              <a:rPr lang="en-US" dirty="0" err="1">
+                <a:solidFill>
+                  <a:srgbClr val="000000"/>
+                </a:solidFill>
+                <a:latin typeface="Courier" charset="0"/>
+                <a:ea typeface="Courier" charset="0"/>
+                <a:cs typeface="Courier" charset="0"/>
+              </a:rPr>
+              <a:t>models.FloatField</a:t>
+            </a:r>
+            <a:r>
+              <a:rPr lang="en-US" dirty="0">
+                <a:solidFill>
+                  <a:srgbClr val="000000"/>
+                </a:solidFill>
+                <a:latin typeface="Courier" charset="0"/>
+                <a:ea typeface="Courier" charset="0"/>
+                <a:cs typeface="Courier" charset="0"/>
+              </a:rPr>
+              <a:t>()</a:t>
+            </a:r>
+            <a:endParaRPr lang="en-US" b="1" dirty="0">
+              <a:latin typeface="Courier" charset="0"/>
+              <a:ea typeface="Courier" charset="0"/>
+              <a:cs typeface="Courier" charset="0"/>
+            </a:endParaRPr>
+          </a:p>
+        </p:txBody>
+      </p:sp>
+    </p:spTree>
+    <p:extLst>
+      <p:ext uri="{BB962C8B-B14F-4D97-AF65-F5344CB8AC3E}">
+        <p14:creationId xmlns:p14="http://schemas.microsoft.com/office/powerpoint/2010/main" val="708037906"/>
+      </p:ext>
+    </p:extLst>
+  </p:cSld>
+  <p:clrMapOvr>
+    <a:masterClrMapping/>
+  </p:clrMapOvr>
+  <p:timing>
+    <p:tnLst>
+      <p:par>
+        <p:cTn id="1" dur="indefinite" restart="never" nodeType="tmRoot"/>
+      </p:par>
+    </p:tnLst>
+  </p:timing>
+</p:sld>
+</file>
+
+<file path=ppt/slides/slide42.xml><?xml version="1.0" encoding="utf-8"?>
+<p:sld xmlns:a="http://schemas.openxmlformats.org/drawingml/2006/main" xmlns:r="http://schemas.openxmlformats.org/officeDocument/2006/relationships" xmlns:p="http://schemas.openxmlformats.org/presentationml/2006/main">
+  <p:cSld>
+    <p:spTree>
+      <p:nvGrpSpPr>
+        <p:cNvPr id="1" name=""/>
+        <p:cNvGrpSpPr/>
+        <p:nvPr/>
+      </p:nvGrpSpPr>
+      <p:grpSpPr>
+        <a:xfrm>
+          <a:off x="0" y="0"/>
+          <a:ext cx="0" cy="0"/>
+          <a:chOff x="0" y="0"/>
+          <a:chExt cx="0" cy="0"/>
+        </a:xfrm>
+      </p:grpSpPr>
+      <p:sp>
+        <p:nvSpPr>
+          <p:cNvPr id="4" name="Rectangle 3"/>
+          <p:cNvSpPr/>
+          <p:nvPr/>
+        </p:nvSpPr>
+        <p:spPr>
+          <a:xfrm>
+            <a:off x="547687" y="569086"/>
+            <a:ext cx="7624763" cy="2308324"/>
+          </a:xfrm>
+          <a:prstGeom prst="rect">
+            <a:avLst/>
+          </a:prstGeom>
+        </p:spPr>
+        <p:txBody>
+          <a:bodyPr wrap="square">
+            <a:spAutoFit/>
+          </a:bodyPr>
+          <a:lstStyle/>
+          <a:p>
+            <a:r>
+              <a:rPr lang="en-US" dirty="0" smtClean="0">
+                <a:solidFill>
+                  <a:srgbClr val="00FDFF"/>
+                </a:solidFill>
+                <a:latin typeface="Courier" charset="0"/>
+                <a:ea typeface="Courier" charset="0"/>
+                <a:cs typeface="Courier" charset="0"/>
+              </a:rPr>
+              <a:t>dj4e-samples$ </a:t>
+            </a:r>
+            <a:r>
+              <a:rPr lang="en-US" dirty="0">
+                <a:solidFill>
+                  <a:srgbClr val="FFFF00"/>
+                </a:solidFill>
+                <a:latin typeface="Courier" charset="0"/>
+                <a:ea typeface="Courier" charset="0"/>
+                <a:cs typeface="Courier" charset="0"/>
+              </a:rPr>
+              <a:t>python3 </a:t>
+            </a:r>
+            <a:r>
+              <a:rPr lang="en-US" dirty="0" err="1">
+                <a:solidFill>
+                  <a:srgbClr val="FFFF00"/>
+                </a:solidFill>
+                <a:latin typeface="Courier" charset="0"/>
+                <a:ea typeface="Courier" charset="0"/>
+                <a:cs typeface="Courier" charset="0"/>
+              </a:rPr>
+              <a:t>manage.py</a:t>
+            </a:r>
+            <a:r>
+              <a:rPr lang="en-US" dirty="0">
+                <a:solidFill>
+                  <a:srgbClr val="FFFF00"/>
+                </a:solidFill>
+                <a:latin typeface="Courier" charset="0"/>
+                <a:ea typeface="Courier" charset="0"/>
+                <a:cs typeface="Courier" charset="0"/>
+              </a:rPr>
+              <a:t> </a:t>
+            </a:r>
+            <a:r>
+              <a:rPr lang="en-US" dirty="0" err="1">
+                <a:solidFill>
+                  <a:srgbClr val="FFFF00"/>
+                </a:solidFill>
+                <a:latin typeface="Courier" charset="0"/>
+                <a:ea typeface="Courier" charset="0"/>
+                <a:cs typeface="Courier" charset="0"/>
+              </a:rPr>
+              <a:t>runscript</a:t>
+            </a:r>
+            <a:r>
+              <a:rPr lang="en-US" dirty="0">
+                <a:solidFill>
+                  <a:srgbClr val="FFFF00"/>
+                </a:solidFill>
+                <a:latin typeface="Courier" charset="0"/>
+                <a:ea typeface="Courier" charset="0"/>
+                <a:cs typeface="Courier" charset="0"/>
+              </a:rPr>
+              <a:t> </a:t>
+            </a:r>
+            <a:r>
+              <a:rPr lang="en-US" dirty="0" err="1" smtClean="0">
+                <a:solidFill>
+                  <a:srgbClr val="FFFF00"/>
+                </a:solidFill>
+                <a:latin typeface="Courier" charset="0"/>
+                <a:ea typeface="Courier" charset="0"/>
+                <a:cs typeface="Courier" charset="0"/>
+              </a:rPr>
+              <a:t>cats</a:t>
+            </a:r>
+            <a:r>
+              <a:rPr lang="en-US" dirty="0" err="1" smtClean="0">
+                <a:solidFill>
+                  <a:srgbClr val="FFFF00"/>
+                </a:solidFill>
+                <a:latin typeface="Courier" charset="0"/>
+                <a:ea typeface="Courier" charset="0"/>
+                <a:cs typeface="Courier" charset="0"/>
+              </a:rPr>
+              <a:t>_load</a:t>
+            </a:r>
+            <a:endParaRPr lang="en-US" dirty="0">
+              <a:solidFill>
+                <a:srgbClr val="FFFF00"/>
+              </a:solidFill>
+              <a:latin typeface="Courier" charset="0"/>
+              <a:ea typeface="Courier" charset="0"/>
+              <a:cs typeface="Courier" charset="0"/>
+            </a:endParaRPr>
+          </a:p>
+          <a:p>
+            <a:r>
+              <a:rPr lang="mr-IN" dirty="0">
+                <a:latin typeface="Courier" charset="0"/>
+                <a:ea typeface="Courier" charset="0"/>
+                <a:cs typeface="Courier" charset="0"/>
+              </a:rPr>
+              <a:t>['</a:t>
+            </a:r>
+            <a:r>
+              <a:rPr lang="mr-IN" dirty="0" err="1">
+                <a:latin typeface="Courier" charset="0"/>
+                <a:ea typeface="Courier" charset="0"/>
+                <a:cs typeface="Courier" charset="0"/>
+              </a:rPr>
+              <a:t>Abby</a:t>
+            </a:r>
+            <a:r>
+              <a:rPr lang="mr-IN" dirty="0">
+                <a:latin typeface="Courier" charset="0"/>
+                <a:ea typeface="Courier" charset="0"/>
+                <a:cs typeface="Courier" charset="0"/>
+              </a:rPr>
+              <a:t>', '</a:t>
+            </a:r>
+            <a:r>
+              <a:rPr lang="mr-IN" dirty="0" err="1">
+                <a:latin typeface="Courier" charset="0"/>
+                <a:ea typeface="Courier" charset="0"/>
+                <a:cs typeface="Courier" charset="0"/>
+              </a:rPr>
+              <a:t>Sphinx</a:t>
+            </a:r>
+            <a:r>
+              <a:rPr lang="mr-IN" dirty="0">
+                <a:latin typeface="Courier" charset="0"/>
+                <a:ea typeface="Courier" charset="0"/>
+                <a:cs typeface="Courier" charset="0"/>
+              </a:rPr>
+              <a:t>', '6.4</a:t>
+            </a:r>
+            <a:r>
+              <a:rPr lang="mr-IN" dirty="0" smtClean="0">
+                <a:latin typeface="Courier" charset="0"/>
+                <a:ea typeface="Courier" charset="0"/>
+                <a:cs typeface="Courier" charset="0"/>
+              </a:rPr>
+              <a:t>']</a:t>
+            </a:r>
+            <a:endParaRPr lang="en-US" dirty="0" smtClean="0">
+              <a:latin typeface="Courier" charset="0"/>
+              <a:ea typeface="Courier" charset="0"/>
+              <a:cs typeface="Courier" charset="0"/>
+            </a:endParaRPr>
+          </a:p>
+          <a:p>
+            <a:r>
+              <a:rPr lang="mr-IN" dirty="0" smtClean="0">
+                <a:latin typeface="Courier" charset="0"/>
+                <a:ea typeface="Courier" charset="0"/>
+                <a:cs typeface="Courier" charset="0"/>
+              </a:rPr>
+              <a:t>[</a:t>
+            </a:r>
+            <a:r>
+              <a:rPr lang="mr-IN" dirty="0">
+                <a:latin typeface="Courier" charset="0"/>
+                <a:ea typeface="Courier" charset="0"/>
+                <a:cs typeface="Courier" charset="0"/>
+              </a:rPr>
+              <a:t>'</a:t>
+            </a:r>
+            <a:r>
+              <a:rPr lang="mr-IN" dirty="0" err="1">
+                <a:latin typeface="Courier" charset="0"/>
+                <a:ea typeface="Courier" charset="0"/>
+                <a:cs typeface="Courier" charset="0"/>
+              </a:rPr>
+              <a:t>Annie</a:t>
+            </a:r>
+            <a:r>
+              <a:rPr lang="mr-IN" dirty="0">
+                <a:latin typeface="Courier" charset="0"/>
+                <a:ea typeface="Courier" charset="0"/>
+                <a:cs typeface="Courier" charset="0"/>
+              </a:rPr>
+              <a:t>', '</a:t>
+            </a:r>
+            <a:r>
+              <a:rPr lang="mr-IN" dirty="0" err="1">
+                <a:latin typeface="Courier" charset="0"/>
+                <a:ea typeface="Courier" charset="0"/>
+                <a:cs typeface="Courier" charset="0"/>
+              </a:rPr>
+              <a:t>Burmese</a:t>
+            </a:r>
+            <a:r>
+              <a:rPr lang="mr-IN" dirty="0">
+                <a:latin typeface="Courier" charset="0"/>
+                <a:ea typeface="Courier" charset="0"/>
+                <a:cs typeface="Courier" charset="0"/>
+              </a:rPr>
+              <a:t>', '7.6</a:t>
+            </a:r>
+            <a:r>
+              <a:rPr lang="mr-IN" dirty="0" smtClean="0">
+                <a:latin typeface="Courier" charset="0"/>
+                <a:ea typeface="Courier" charset="0"/>
+                <a:cs typeface="Courier" charset="0"/>
+              </a:rPr>
+              <a:t>']</a:t>
+            </a:r>
+            <a:endParaRPr lang="en-US" dirty="0" smtClean="0">
+              <a:latin typeface="Courier" charset="0"/>
+              <a:ea typeface="Courier" charset="0"/>
+              <a:cs typeface="Courier" charset="0"/>
+            </a:endParaRPr>
+          </a:p>
+          <a:p>
+            <a:r>
+              <a:rPr lang="mr-IN" dirty="0" smtClean="0">
+                <a:latin typeface="Courier" charset="0"/>
+                <a:ea typeface="Courier" charset="0"/>
+                <a:cs typeface="Courier" charset="0"/>
+              </a:rPr>
+              <a:t>[</a:t>
+            </a:r>
+            <a:r>
+              <a:rPr lang="mr-IN" dirty="0">
+                <a:latin typeface="Courier" charset="0"/>
+                <a:ea typeface="Courier" charset="0"/>
+                <a:cs typeface="Courier" charset="0"/>
+              </a:rPr>
+              <a:t>'</a:t>
+            </a:r>
+            <a:r>
+              <a:rPr lang="mr-IN" dirty="0" err="1">
+                <a:latin typeface="Courier" charset="0"/>
+                <a:ea typeface="Courier" charset="0"/>
+                <a:cs typeface="Courier" charset="0"/>
+              </a:rPr>
+              <a:t>Ash</a:t>
+            </a:r>
+            <a:r>
+              <a:rPr lang="mr-IN" dirty="0">
+                <a:latin typeface="Courier" charset="0"/>
+                <a:ea typeface="Courier" charset="0"/>
+                <a:cs typeface="Courier" charset="0"/>
+              </a:rPr>
+              <a:t>', '</a:t>
+            </a:r>
+            <a:r>
+              <a:rPr lang="mr-IN" dirty="0" err="1">
+                <a:latin typeface="Courier" charset="0"/>
+                <a:ea typeface="Courier" charset="0"/>
+                <a:cs typeface="Courier" charset="0"/>
+              </a:rPr>
+              <a:t>Manx</a:t>
+            </a:r>
+            <a:r>
+              <a:rPr lang="mr-IN" dirty="0">
+                <a:latin typeface="Courier" charset="0"/>
+                <a:ea typeface="Courier" charset="0"/>
+                <a:cs typeface="Courier" charset="0"/>
+              </a:rPr>
+              <a:t>', '7.8</a:t>
+            </a:r>
+            <a:r>
+              <a:rPr lang="mr-IN" dirty="0" smtClean="0">
+                <a:latin typeface="Courier" charset="0"/>
+                <a:ea typeface="Courier" charset="0"/>
+                <a:cs typeface="Courier" charset="0"/>
+              </a:rPr>
+              <a:t>']</a:t>
+            </a:r>
+            <a:endParaRPr lang="en-US" dirty="0" smtClean="0">
+              <a:latin typeface="Courier" charset="0"/>
+              <a:ea typeface="Courier" charset="0"/>
+              <a:cs typeface="Courier" charset="0"/>
+            </a:endParaRPr>
+          </a:p>
+          <a:p>
+            <a:r>
+              <a:rPr lang="mr-IN" dirty="0" smtClean="0">
+                <a:latin typeface="Courier" charset="0"/>
+                <a:ea typeface="Courier" charset="0"/>
+                <a:cs typeface="Courier" charset="0"/>
+              </a:rPr>
+              <a:t>[</a:t>
+            </a:r>
+            <a:r>
+              <a:rPr lang="mr-IN" dirty="0">
+                <a:latin typeface="Courier" charset="0"/>
+                <a:ea typeface="Courier" charset="0"/>
+                <a:cs typeface="Courier" charset="0"/>
+              </a:rPr>
+              <a:t>'</a:t>
+            </a:r>
+            <a:r>
+              <a:rPr lang="mr-IN" dirty="0" err="1">
+                <a:latin typeface="Courier" charset="0"/>
+                <a:ea typeface="Courier" charset="0"/>
+                <a:cs typeface="Courier" charset="0"/>
+              </a:rPr>
+              <a:t>Athena</a:t>
+            </a:r>
+            <a:r>
+              <a:rPr lang="mr-IN" dirty="0">
+                <a:latin typeface="Courier" charset="0"/>
+                <a:ea typeface="Courier" charset="0"/>
+                <a:cs typeface="Courier" charset="0"/>
+              </a:rPr>
+              <a:t>', '</a:t>
+            </a:r>
+            <a:r>
+              <a:rPr lang="mr-IN" dirty="0" err="1">
+                <a:latin typeface="Courier" charset="0"/>
+                <a:ea typeface="Courier" charset="0"/>
+                <a:cs typeface="Courier" charset="0"/>
+              </a:rPr>
+              <a:t>Manx</a:t>
+            </a:r>
+            <a:r>
+              <a:rPr lang="mr-IN" dirty="0">
+                <a:latin typeface="Courier" charset="0"/>
+                <a:ea typeface="Courier" charset="0"/>
+                <a:cs typeface="Courier" charset="0"/>
+              </a:rPr>
+              <a:t>', '8.9</a:t>
+            </a:r>
+            <a:r>
+              <a:rPr lang="mr-IN" dirty="0" smtClean="0">
+                <a:latin typeface="Courier" charset="0"/>
+                <a:ea typeface="Courier" charset="0"/>
+                <a:cs typeface="Courier" charset="0"/>
+              </a:rPr>
+              <a:t>']</a:t>
+            </a:r>
+            <a:endParaRPr lang="en-US" dirty="0" smtClean="0">
+              <a:latin typeface="Courier" charset="0"/>
+              <a:ea typeface="Courier" charset="0"/>
+              <a:cs typeface="Courier" charset="0"/>
+            </a:endParaRPr>
+          </a:p>
+          <a:p>
+            <a:r>
+              <a:rPr lang="mr-IN" dirty="0" smtClean="0">
+                <a:latin typeface="Courier" charset="0"/>
+                <a:ea typeface="Courier" charset="0"/>
+                <a:cs typeface="Courier" charset="0"/>
+              </a:rPr>
+              <a:t>[</a:t>
+            </a:r>
+            <a:r>
+              <a:rPr lang="mr-IN" dirty="0">
+                <a:latin typeface="Courier" charset="0"/>
+                <a:ea typeface="Courier" charset="0"/>
+                <a:cs typeface="Courier" charset="0"/>
+              </a:rPr>
+              <a:t>'</a:t>
+            </a:r>
+            <a:r>
+              <a:rPr lang="mr-IN" dirty="0" err="1">
+                <a:latin typeface="Courier" charset="0"/>
+                <a:ea typeface="Courier" charset="0"/>
+                <a:cs typeface="Courier" charset="0"/>
+              </a:rPr>
+              <a:t>Baby</a:t>
+            </a:r>
+            <a:r>
+              <a:rPr lang="mr-IN" dirty="0">
+                <a:latin typeface="Courier" charset="0"/>
+                <a:ea typeface="Courier" charset="0"/>
+                <a:cs typeface="Courier" charset="0"/>
+              </a:rPr>
+              <a:t>', '</a:t>
+            </a:r>
+            <a:r>
+              <a:rPr lang="mr-IN" dirty="0" err="1">
+                <a:latin typeface="Courier" charset="0"/>
+                <a:ea typeface="Courier" charset="0"/>
+                <a:cs typeface="Courier" charset="0"/>
+              </a:rPr>
+              <a:t>Tabby</a:t>
+            </a:r>
+            <a:r>
+              <a:rPr lang="mr-IN" dirty="0">
+                <a:latin typeface="Courier" charset="0"/>
+                <a:ea typeface="Courier" charset="0"/>
+                <a:cs typeface="Courier" charset="0"/>
+              </a:rPr>
+              <a:t>', '6.9</a:t>
+            </a:r>
+            <a:r>
+              <a:rPr lang="mr-IN" dirty="0" smtClean="0">
+                <a:latin typeface="Courier" charset="0"/>
+                <a:ea typeface="Courier" charset="0"/>
+                <a:cs typeface="Courier" charset="0"/>
+              </a:rPr>
+              <a:t>']</a:t>
+            </a:r>
+            <a:endParaRPr lang="en-US" dirty="0" smtClean="0">
+              <a:latin typeface="Courier" charset="0"/>
+              <a:ea typeface="Courier" charset="0"/>
+              <a:cs typeface="Courier" charset="0"/>
+            </a:endParaRPr>
+          </a:p>
+          <a:p>
+            <a:r>
+              <a:rPr lang="mr-IN" dirty="0" smtClean="0">
+                <a:latin typeface="Courier" charset="0"/>
+                <a:ea typeface="Courier" charset="0"/>
+                <a:cs typeface="Courier" charset="0"/>
+              </a:rPr>
+              <a:t>[</a:t>
+            </a:r>
+            <a:r>
+              <a:rPr lang="mr-IN" dirty="0">
+                <a:latin typeface="Courier" charset="0"/>
+                <a:ea typeface="Courier" charset="0"/>
+                <a:cs typeface="Courier" charset="0"/>
+              </a:rPr>
+              <a:t>'</a:t>
+            </a:r>
+            <a:r>
+              <a:rPr lang="mr-IN" dirty="0" err="1">
+                <a:latin typeface="Courier" charset="0"/>
+                <a:ea typeface="Courier" charset="0"/>
+                <a:cs typeface="Courier" charset="0"/>
+              </a:rPr>
+              <a:t>Bagheera</a:t>
+            </a:r>
+            <a:r>
+              <a:rPr lang="mr-IN" dirty="0">
+                <a:latin typeface="Courier" charset="0"/>
+                <a:ea typeface="Courier" charset="0"/>
+                <a:cs typeface="Courier" charset="0"/>
+              </a:rPr>
+              <a:t>', '</a:t>
+            </a:r>
+            <a:r>
+              <a:rPr lang="mr-IN" dirty="0" err="1">
+                <a:latin typeface="Courier" charset="0"/>
+                <a:ea typeface="Courier" charset="0"/>
+                <a:cs typeface="Courier" charset="0"/>
+              </a:rPr>
+              <a:t>Sphinx</a:t>
+            </a:r>
+            <a:r>
+              <a:rPr lang="mr-IN" dirty="0">
+                <a:latin typeface="Courier" charset="0"/>
+                <a:ea typeface="Courier" charset="0"/>
+                <a:cs typeface="Courier" charset="0"/>
+              </a:rPr>
+              <a:t>', '6.3</a:t>
+            </a:r>
+            <a:r>
+              <a:rPr lang="mr-IN" dirty="0" smtClean="0">
+                <a:latin typeface="Courier" charset="0"/>
+                <a:ea typeface="Courier" charset="0"/>
+                <a:cs typeface="Courier" charset="0"/>
+              </a:rPr>
+              <a:t>']</a:t>
+            </a:r>
+            <a:endParaRPr lang="en-US" dirty="0" smtClean="0">
+              <a:latin typeface="Courier" charset="0"/>
+              <a:ea typeface="Courier" charset="0"/>
+              <a:cs typeface="Courier" charset="0"/>
+            </a:endParaRPr>
+          </a:p>
+          <a:p>
+            <a:r>
+              <a:rPr lang="en-US" dirty="0" smtClean="0">
+                <a:solidFill>
+                  <a:srgbClr val="00FDFF"/>
+                </a:solidFill>
+                <a:latin typeface="Courier" charset="0"/>
+                <a:ea typeface="Courier" charset="0"/>
+                <a:cs typeface="Courier" charset="0"/>
+              </a:rPr>
+              <a:t>dj4e-samples</a:t>
+            </a:r>
+            <a:r>
+              <a:rPr lang="en-US" dirty="0" smtClean="0">
+                <a:solidFill>
+                  <a:srgbClr val="00FDFF"/>
+                </a:solidFill>
+                <a:latin typeface="Courier" charset="0"/>
+                <a:ea typeface="Courier" charset="0"/>
+                <a:cs typeface="Courier" charset="0"/>
+              </a:rPr>
+              <a:t>$</a:t>
+            </a:r>
+            <a:endParaRPr lang="en-US" dirty="0">
+              <a:solidFill>
+                <a:srgbClr val="00FDFF"/>
+              </a:solidFill>
+              <a:effectLst/>
+              <a:latin typeface="Courier" charset="0"/>
+              <a:ea typeface="Courier" charset="0"/>
+              <a:cs typeface="Courier" charset="0"/>
+            </a:endParaRPr>
+          </a:p>
+        </p:txBody>
+      </p:sp>
+      <p:sp>
+        <p:nvSpPr>
+          <p:cNvPr id="5" name="Rectangle 4"/>
+          <p:cNvSpPr/>
+          <p:nvPr/>
+        </p:nvSpPr>
+        <p:spPr>
+          <a:xfrm>
+            <a:off x="3004497" y="3768534"/>
+            <a:ext cx="8896351" cy="1815882"/>
+          </a:xfrm>
+          <a:prstGeom prst="rect">
+            <a:avLst/>
+          </a:prstGeom>
+          <a:solidFill>
+            <a:schemeClr val="tx1"/>
+          </a:solidFill>
+        </p:spPr>
+        <p:txBody>
+          <a:bodyPr wrap="square">
+            <a:spAutoFit/>
+          </a:bodyPr>
+          <a:lstStyle/>
+          <a:p>
+            <a:r>
+              <a:rPr lang="en-US" sz="1600" smtClean="0">
+                <a:solidFill>
+                  <a:srgbClr val="000000"/>
+                </a:solidFill>
+                <a:latin typeface="Courier" charset="0"/>
+                <a:ea typeface="Courier" charset="0"/>
+                <a:cs typeface="Courier" charset="0"/>
+              </a:rPr>
+              <a:t>    </a:t>
+            </a:r>
+            <a:r>
+              <a:rPr lang="en-US" sz="1600" dirty="0">
+                <a:solidFill>
+                  <a:srgbClr val="C1651C"/>
+                </a:solidFill>
+                <a:latin typeface="Courier" charset="0"/>
+                <a:ea typeface="Courier" charset="0"/>
+                <a:cs typeface="Courier" charset="0"/>
+              </a:rPr>
+              <a:t>for</a:t>
+            </a:r>
+            <a:r>
+              <a:rPr lang="en-US" sz="1600" dirty="0">
+                <a:solidFill>
+                  <a:srgbClr val="000000"/>
+                </a:solidFill>
+                <a:latin typeface="Courier" charset="0"/>
+                <a:ea typeface="Courier" charset="0"/>
+                <a:cs typeface="Courier" charset="0"/>
+              </a:rPr>
+              <a:t> row </a:t>
+            </a:r>
+            <a:r>
+              <a:rPr lang="en-US" sz="1600" dirty="0">
+                <a:solidFill>
+                  <a:srgbClr val="C1651C"/>
+                </a:solidFill>
+                <a:latin typeface="Courier" charset="0"/>
+                <a:ea typeface="Courier" charset="0"/>
+                <a:cs typeface="Courier" charset="0"/>
+              </a:rPr>
+              <a:t>in</a:t>
+            </a:r>
+            <a:r>
+              <a:rPr lang="en-US" sz="1600" dirty="0">
+                <a:solidFill>
+                  <a:srgbClr val="000000"/>
+                </a:solidFill>
+                <a:latin typeface="Courier" charset="0"/>
+                <a:ea typeface="Courier" charset="0"/>
+                <a:cs typeface="Courier" charset="0"/>
+              </a:rPr>
+              <a:t> reader:</a:t>
+            </a:r>
+          </a:p>
+          <a:p>
+            <a:r>
+              <a:rPr lang="mr-IN" sz="1600" dirty="0">
+                <a:solidFill>
+                  <a:srgbClr val="000000"/>
+                </a:solidFill>
+                <a:latin typeface="Courier" charset="0"/>
+                <a:ea typeface="Courier" charset="0"/>
+                <a:cs typeface="Courier" charset="0"/>
+              </a:rPr>
+              <a:t>        </a:t>
+            </a:r>
+            <a:r>
+              <a:rPr lang="mr-IN" sz="1600" dirty="0" err="1">
+                <a:solidFill>
+                  <a:srgbClr val="2EAEBB"/>
+                </a:solidFill>
+                <a:latin typeface="Courier" charset="0"/>
+                <a:ea typeface="Courier" charset="0"/>
+                <a:cs typeface="Courier" charset="0"/>
+              </a:rPr>
+              <a:t>print</a:t>
+            </a:r>
+            <a:r>
+              <a:rPr lang="mr-IN" sz="1600" dirty="0">
+                <a:solidFill>
+                  <a:srgbClr val="000000"/>
+                </a:solidFill>
+                <a:latin typeface="Courier" charset="0"/>
+                <a:ea typeface="Courier" charset="0"/>
+                <a:cs typeface="Courier" charset="0"/>
+              </a:rPr>
+              <a:t>(</a:t>
+            </a:r>
+            <a:r>
+              <a:rPr lang="mr-IN" sz="1600" dirty="0" err="1">
+                <a:solidFill>
+                  <a:srgbClr val="000000"/>
+                </a:solidFill>
+                <a:latin typeface="Courier" charset="0"/>
+                <a:ea typeface="Courier" charset="0"/>
+                <a:cs typeface="Courier" charset="0"/>
+              </a:rPr>
+              <a:t>row</a:t>
+            </a:r>
+            <a:r>
+              <a:rPr lang="mr-IN" sz="1600" dirty="0">
+                <a:solidFill>
+                  <a:srgbClr val="000000"/>
+                </a:solidFill>
+                <a:latin typeface="Courier" charset="0"/>
+                <a:ea typeface="Courier" charset="0"/>
+                <a:cs typeface="Courier" charset="0"/>
+              </a:rPr>
+              <a:t>)</a:t>
+            </a:r>
+          </a:p>
+          <a:p>
+            <a:endParaRPr lang="mr-IN" sz="1600" dirty="0">
+              <a:solidFill>
+                <a:srgbClr val="000000"/>
+              </a:solidFill>
+              <a:latin typeface="Courier" charset="0"/>
+              <a:ea typeface="Courier" charset="0"/>
+              <a:cs typeface="Courier" charset="0"/>
+            </a:endParaRPr>
+          </a:p>
+          <a:p>
+            <a:r>
+              <a:rPr lang="en-US" sz="1600" dirty="0">
+                <a:solidFill>
+                  <a:srgbClr val="000000"/>
+                </a:solidFill>
+                <a:latin typeface="Courier" charset="0"/>
+                <a:ea typeface="Courier" charset="0"/>
+                <a:cs typeface="Courier" charset="0"/>
+              </a:rPr>
+              <a:t>        b, created = </a:t>
+            </a:r>
+            <a:r>
+              <a:rPr lang="en-US" sz="1600" dirty="0" err="1">
+                <a:solidFill>
+                  <a:srgbClr val="000000"/>
+                </a:solidFill>
+                <a:latin typeface="Courier" charset="0"/>
+                <a:ea typeface="Courier" charset="0"/>
+                <a:cs typeface="Courier" charset="0"/>
+              </a:rPr>
+              <a:t>Breed.objects.get_or_create</a:t>
+            </a:r>
+            <a:r>
+              <a:rPr lang="en-US" sz="1600" dirty="0">
+                <a:solidFill>
+                  <a:srgbClr val="000000"/>
+                </a:solidFill>
+                <a:latin typeface="Courier" charset="0"/>
+                <a:ea typeface="Courier" charset="0"/>
+                <a:cs typeface="Courier" charset="0"/>
+              </a:rPr>
+              <a:t>(name=row[</a:t>
+            </a:r>
+            <a:r>
+              <a:rPr lang="en-US" sz="1600" dirty="0">
+                <a:solidFill>
+                  <a:srgbClr val="B42419"/>
+                </a:solidFill>
+                <a:latin typeface="Courier" charset="0"/>
+                <a:ea typeface="Courier" charset="0"/>
+                <a:cs typeface="Courier" charset="0"/>
+              </a:rPr>
+              <a:t>1</a:t>
+            </a:r>
+            <a:r>
+              <a:rPr lang="en-US" sz="1600" dirty="0">
+                <a:solidFill>
+                  <a:srgbClr val="000000"/>
+                </a:solidFill>
+                <a:latin typeface="Courier" charset="0"/>
+                <a:ea typeface="Courier" charset="0"/>
+                <a:cs typeface="Courier" charset="0"/>
+              </a:rPr>
+              <a:t>])</a:t>
+            </a:r>
+          </a:p>
+          <a:p>
+            <a:endParaRPr lang="en-US" sz="1600" dirty="0">
+              <a:solidFill>
+                <a:srgbClr val="000000"/>
+              </a:solidFill>
+              <a:latin typeface="Courier" charset="0"/>
+              <a:ea typeface="Courier" charset="0"/>
+              <a:cs typeface="Courier" charset="0"/>
+            </a:endParaRPr>
+          </a:p>
+          <a:p>
+            <a:r>
+              <a:rPr lang="en-US" sz="1600" dirty="0">
+                <a:solidFill>
+                  <a:srgbClr val="000000"/>
+                </a:solidFill>
+                <a:latin typeface="Courier" charset="0"/>
+                <a:ea typeface="Courier" charset="0"/>
+                <a:cs typeface="Courier" charset="0"/>
+              </a:rPr>
+              <a:t>        c = Cat(nickname=row[</a:t>
+            </a:r>
+            <a:r>
+              <a:rPr lang="en-US" sz="1600" dirty="0">
+                <a:solidFill>
+                  <a:srgbClr val="B42419"/>
+                </a:solidFill>
+                <a:latin typeface="Courier" charset="0"/>
+                <a:ea typeface="Courier" charset="0"/>
+                <a:cs typeface="Courier" charset="0"/>
+              </a:rPr>
+              <a:t>0</a:t>
+            </a:r>
+            <a:r>
+              <a:rPr lang="en-US" sz="1600" dirty="0">
+                <a:solidFill>
+                  <a:srgbClr val="000000"/>
+                </a:solidFill>
+                <a:latin typeface="Courier" charset="0"/>
+                <a:ea typeface="Courier" charset="0"/>
+                <a:cs typeface="Courier" charset="0"/>
+              </a:rPr>
+              <a:t>], breed=b, weight=row[</a:t>
+            </a:r>
+            <a:r>
+              <a:rPr lang="en-US" sz="1600" dirty="0">
+                <a:solidFill>
+                  <a:srgbClr val="B42419"/>
+                </a:solidFill>
+                <a:latin typeface="Courier" charset="0"/>
+                <a:ea typeface="Courier" charset="0"/>
+                <a:cs typeface="Courier" charset="0"/>
+              </a:rPr>
+              <a:t>2</a:t>
+            </a:r>
+            <a:r>
+              <a:rPr lang="en-US" sz="1600" dirty="0">
+                <a:solidFill>
+                  <a:srgbClr val="000000"/>
+                </a:solidFill>
+                <a:latin typeface="Courier" charset="0"/>
+                <a:ea typeface="Courier" charset="0"/>
+                <a:cs typeface="Courier" charset="0"/>
+              </a:rPr>
+              <a:t>])</a:t>
+            </a:r>
+          </a:p>
+          <a:p>
+            <a:r>
+              <a:rPr lang="mr-IN" sz="1600" dirty="0">
+                <a:solidFill>
+                  <a:srgbClr val="000000"/>
+                </a:solidFill>
+                <a:latin typeface="Courier" charset="0"/>
+                <a:ea typeface="Courier" charset="0"/>
+                <a:cs typeface="Courier" charset="0"/>
+              </a:rPr>
+              <a:t>        </a:t>
+            </a:r>
+            <a:r>
+              <a:rPr lang="mr-IN" sz="1600" dirty="0" err="1">
+                <a:solidFill>
+                  <a:srgbClr val="000000"/>
+                </a:solidFill>
+                <a:latin typeface="Courier" charset="0"/>
+                <a:ea typeface="Courier" charset="0"/>
+                <a:cs typeface="Courier" charset="0"/>
+              </a:rPr>
+              <a:t>c.save</a:t>
+            </a:r>
+            <a:r>
+              <a:rPr lang="mr-IN" sz="1600" dirty="0">
+                <a:solidFill>
+                  <a:srgbClr val="000000"/>
+                </a:solidFill>
+                <a:latin typeface="Courier" charset="0"/>
+                <a:ea typeface="Courier" charset="0"/>
+                <a:cs typeface="Courier" charset="0"/>
+              </a:rPr>
+              <a:t>()</a:t>
+            </a:r>
+            <a:endParaRPr lang="en-US" sz="1700" dirty="0">
+              <a:latin typeface="Courier" charset="0"/>
+              <a:ea typeface="Courier" charset="0"/>
+              <a:cs typeface="Courier" charset="0"/>
+            </a:endParaRPr>
+          </a:p>
+        </p:txBody>
+      </p:sp>
+    </p:spTree>
+    <p:extLst>
+      <p:ext uri="{BB962C8B-B14F-4D97-AF65-F5344CB8AC3E}">
+        <p14:creationId xmlns:p14="http://schemas.microsoft.com/office/powerpoint/2010/main" val="1916779111"/>
+      </p:ext>
+    </p:extLst>
+  </p:cSld>
+  <p:clrMapOvr>
+    <a:masterClrMapping/>
+  </p:clrMapOvr>
+</p:sld>
+</file>
+
+<file path=ppt/slides/slide43.xml><?xml version="1.0" encoding="utf-8"?>
+<p:sld xmlns:a="http://schemas.openxmlformats.org/drawingml/2006/main" xmlns:r="http://schemas.openxmlformats.org/officeDocument/2006/relationships" xmlns:p="http://schemas.openxmlformats.org/presentationml/2006/main">
+  <p:cSld>
+    <p:spTree>
+      <p:nvGrpSpPr>
+        <p:cNvPr id="1" name=""/>
+        <p:cNvGrpSpPr/>
+        <p:nvPr/>
+      </p:nvGrpSpPr>
+      <p:grpSpPr>
+        <a:xfrm>
+          <a:off x="0" y="0"/>
+          <a:ext cx="0" cy="0"/>
+          <a:chOff x="0" y="0"/>
+          <a:chExt cx="0" cy="0"/>
+        </a:xfrm>
+      </p:grpSpPr>
+      <p:sp>
+        <p:nvSpPr>
+          <p:cNvPr id="4" name="Title 3"/>
+          <p:cNvSpPr>
+            <a:spLocks noGrp="1"/>
+          </p:cNvSpPr>
+          <p:nvPr>
+            <p:ph type="title"/>
+          </p:nvPr>
+        </p:nvSpPr>
+        <p:spPr/>
+        <p:txBody>
+          <a:bodyPr/>
+          <a:lstStyle/>
+          <a:p>
+            <a:r>
+              <a:rPr lang="en-US" dirty="0"/>
+              <a:t>Acknowledgements / Contributions</a:t>
+            </a:r>
+          </a:p>
+        </p:txBody>
+      </p:sp>
+      <p:sp>
+        <p:nvSpPr>
+          <p:cNvPr id="8" name="TextBox 4"/>
+          <p:cNvSpPr txBox="1">
+            <a:spLocks noChangeArrowheads="1"/>
+          </p:cNvSpPr>
+          <p:nvPr/>
+        </p:nvSpPr>
+        <p:spPr bwMode="auto">
+          <a:xfrm>
+            <a:off x="838200" y="1512888"/>
+            <a:ext cx="5257800" cy="4401205"/>
+          </a:xfrm>
+          <a:prstGeom prst="rect">
+            <a:avLst/>
+          </a:prstGeom>
+          <a:noFill/>
+          <a:ln>
+            <a:noFill/>
+          </a:ln>
+        </p:spPr>
+        <p:txBody>
+          <a:bodyPr wrap="square">
+            <a:spAutoFit/>
+          </a:bodyPr>
+          <a:lstStyle>
+            <a:lvl1pPr>
+              <a:defRPr sz="2000">
+                <a:solidFill>
+                  <a:srgbClr val="FFFFFF"/>
+                </a:solidFill>
+                <a:latin typeface="Gill Sans" charset="0"/>
+                <a:ea typeface="ヒラギノ角ゴ ProN W3" charset="-128"/>
+                <a:sym typeface="Gill Sans" charset="0"/>
+              </a:defRPr>
+            </a:lvl1pPr>
+            <a:lvl2pPr marL="742950" indent="-285750">
+              <a:defRPr sz="2000">
+                <a:solidFill>
+                  <a:srgbClr val="FFFFFF"/>
+                </a:solidFill>
+                <a:latin typeface="Gill Sans" charset="0"/>
+                <a:ea typeface="ヒラギノ角ゴ ProN W3" charset="-128"/>
+                <a:sym typeface="Gill Sans" charset="0"/>
+              </a:defRPr>
+            </a:lvl2pPr>
+            <a:lvl3pPr marL="1143000" indent="-228600">
+              <a:defRPr sz="2000">
+                <a:solidFill>
+                  <a:srgbClr val="FFFFFF"/>
+                </a:solidFill>
+                <a:latin typeface="Gill Sans" charset="0"/>
+                <a:ea typeface="ヒラギノ角ゴ ProN W3" charset="-128"/>
+                <a:sym typeface="Gill Sans" charset="0"/>
+              </a:defRPr>
+            </a:lvl3pPr>
+            <a:lvl4pPr marL="1600200" indent="-228600">
+              <a:defRPr sz="2000">
+                <a:solidFill>
+                  <a:srgbClr val="FFFFFF"/>
+                </a:solidFill>
+                <a:latin typeface="Gill Sans" charset="0"/>
+                <a:ea typeface="ヒラギノ角ゴ ProN W3" charset="-128"/>
+                <a:sym typeface="Gill Sans" charset="0"/>
+              </a:defRPr>
+            </a:lvl4pPr>
+            <a:lvl5pPr marL="2057400" indent="-228600">
+              <a:defRPr sz="2000">
+                <a:solidFill>
+                  <a:srgbClr val="FFFFFF"/>
+                </a:solidFill>
+                <a:latin typeface="Gill Sans" charset="0"/>
+                <a:ea typeface="ヒラギノ角ゴ ProN W3" charset="-128"/>
+                <a:sym typeface="Gill Sans" charset="0"/>
+              </a:defRPr>
+            </a:lvl5pPr>
+            <a:lvl6pPr marL="2514600" indent="-228600" eaLnBrk="0" fontAlgn="base" hangingPunct="0">
+              <a:spcBef>
+                <a:spcPct val="0"/>
+              </a:spcBef>
+              <a:spcAft>
+                <a:spcPct val="0"/>
+              </a:spcAft>
+              <a:defRPr sz="2000">
+                <a:solidFill>
+                  <a:srgbClr val="FFFFFF"/>
+                </a:solidFill>
+                <a:latin typeface="Gill Sans" charset="0"/>
+                <a:ea typeface="ヒラギノ角ゴ ProN W3" charset="-128"/>
+                <a:sym typeface="Gill Sans" charset="0"/>
+              </a:defRPr>
+            </a:lvl6pPr>
+            <a:lvl7pPr marL="2971800" indent="-228600" eaLnBrk="0" fontAlgn="base" hangingPunct="0">
+              <a:spcBef>
+                <a:spcPct val="0"/>
+              </a:spcBef>
+              <a:spcAft>
+                <a:spcPct val="0"/>
+              </a:spcAft>
+              <a:defRPr sz="2000">
+                <a:solidFill>
+                  <a:srgbClr val="FFFFFF"/>
+                </a:solidFill>
+                <a:latin typeface="Gill Sans" charset="0"/>
+                <a:ea typeface="ヒラギノ角ゴ ProN W3" charset="-128"/>
+                <a:sym typeface="Gill Sans" charset="0"/>
+              </a:defRPr>
+            </a:lvl7pPr>
+            <a:lvl8pPr marL="3429000" indent="-228600" eaLnBrk="0" fontAlgn="base" hangingPunct="0">
+              <a:spcBef>
+                <a:spcPct val="0"/>
+              </a:spcBef>
+              <a:spcAft>
+                <a:spcPct val="0"/>
+              </a:spcAft>
+              <a:defRPr sz="2000">
+                <a:solidFill>
+                  <a:srgbClr val="FFFFFF"/>
+                </a:solidFill>
+                <a:latin typeface="Gill Sans" charset="0"/>
+                <a:ea typeface="ヒラギノ角ゴ ProN W3" charset="-128"/>
+                <a:sym typeface="Gill Sans" charset="0"/>
+              </a:defRPr>
+            </a:lvl8pPr>
+            <a:lvl9pPr marL="3886200" indent="-228600" eaLnBrk="0" fontAlgn="base" hangingPunct="0">
+              <a:spcBef>
+                <a:spcPct val="0"/>
+              </a:spcBef>
+              <a:spcAft>
+                <a:spcPct val="0"/>
+              </a:spcAft>
+              <a:defRPr sz="2000">
+                <a:solidFill>
+                  <a:srgbClr val="FFFFFF"/>
+                </a:solidFill>
+                <a:latin typeface="Gill Sans" charset="0"/>
+                <a:ea typeface="ヒラギノ角ゴ ProN W3" charset="-128"/>
+                <a:sym typeface="Gill Sans" charset="0"/>
+              </a:defRPr>
+            </a:lvl9pPr>
+          </a:lstStyle>
+          <a:p>
+            <a:pPr eaLnBrk="1" hangingPunct="1"/>
+            <a:r>
+              <a:rPr lang="en-US" altLang="x-none" sz="1400" dirty="0">
+                <a:solidFill>
+                  <a:schemeClr val="tx1"/>
+                </a:solidFill>
+              </a:rPr>
+              <a:t>These slides are Copyright 2019-  Charles R. Severance (</a:t>
+            </a:r>
+            <a:r>
+              <a:rPr lang="en-US" altLang="x-none" sz="1400" dirty="0" err="1">
+                <a:solidFill>
+                  <a:schemeClr val="tx1"/>
+                </a:solidFill>
+              </a:rPr>
+              <a:t>www.dr-chuck.com</a:t>
+            </a:r>
+            <a:r>
+              <a:rPr lang="en-US" altLang="x-none" sz="1400" dirty="0">
+                <a:solidFill>
+                  <a:schemeClr val="tx1"/>
+                </a:solidFill>
+              </a:rPr>
+              <a:t>) as part of www.dj4e.com and made available under a Creative Commons Attribution 4.0 License.  Please maintain this last slide in all copies of the document to comply with the attribution requirements of the license.  If you make a change, feel free to add your name and organization to the list of contributors on this page as you republish the materials.</a:t>
+            </a:r>
+          </a:p>
+          <a:p>
+            <a:pPr eaLnBrk="1" hangingPunct="1"/>
+            <a:endParaRPr lang="en-US" altLang="x-none" sz="1400" dirty="0">
+              <a:solidFill>
+                <a:schemeClr val="tx1"/>
+              </a:solidFill>
+            </a:endParaRPr>
+          </a:p>
+          <a:p>
+            <a:pPr eaLnBrk="1" hangingPunct="1"/>
+            <a:r>
+              <a:rPr lang="en-US" altLang="x-none" sz="1400" dirty="0">
+                <a:solidFill>
+                  <a:schemeClr val="tx1"/>
+                </a:solidFill>
+              </a:rPr>
+              <a:t>Initial Development: Charles Severance, University of Michigan School of Information</a:t>
+            </a:r>
+          </a:p>
+          <a:p>
+            <a:pPr eaLnBrk="1" hangingPunct="1"/>
+            <a:endParaRPr lang="en-US" altLang="x-none" sz="1400" dirty="0">
+              <a:solidFill>
+                <a:schemeClr val="tx1"/>
+              </a:solidFill>
+            </a:endParaRPr>
+          </a:p>
+          <a:p>
+            <a:pPr eaLnBrk="1" hangingPunct="1"/>
+            <a:r>
+              <a:rPr lang="en-US" altLang="x-none" sz="1400" dirty="0">
+                <a:solidFill>
+                  <a:srgbClr val="FFCC66"/>
+                </a:solidFill>
+              </a:rPr>
+              <a:t>Insert new Contributors and Translators here including names and dates</a:t>
+            </a:r>
+          </a:p>
+          <a:p>
+            <a:pPr eaLnBrk="1" hangingPunct="1"/>
+            <a:endParaRPr lang="en-US" altLang="x-none" sz="1400" dirty="0">
+              <a:solidFill>
+                <a:srgbClr val="7575D1"/>
+              </a:solidFill>
+            </a:endParaRPr>
+          </a:p>
+          <a:p>
+            <a:pPr eaLnBrk="1" hangingPunct="1"/>
+            <a:endParaRPr lang="en-US" altLang="x-none" sz="1400" dirty="0">
+              <a:solidFill>
+                <a:srgbClr val="7575D1"/>
+              </a:solidFill>
+            </a:endParaRPr>
+          </a:p>
+          <a:p>
+            <a:pPr eaLnBrk="1" hangingPunct="1"/>
+            <a:endParaRPr lang="en-US" altLang="x-none" sz="1400" dirty="0">
+              <a:solidFill>
+                <a:srgbClr val="7575D1"/>
+              </a:solidFill>
+            </a:endParaRPr>
+          </a:p>
+          <a:p>
+            <a:pPr eaLnBrk="1" hangingPunct="1"/>
+            <a:endParaRPr lang="en-US" altLang="x-none" sz="1400" dirty="0">
+              <a:solidFill>
+                <a:srgbClr val="7575D1"/>
+              </a:solidFill>
+            </a:endParaRPr>
+          </a:p>
+          <a:p>
+            <a:pPr eaLnBrk="1" hangingPunct="1"/>
+            <a:endParaRPr lang="en-US" altLang="x-none" sz="1400" dirty="0">
+              <a:solidFill>
+                <a:srgbClr val="7575D1"/>
+              </a:solidFill>
+            </a:endParaRPr>
+          </a:p>
+          <a:p>
+            <a:pPr eaLnBrk="1" hangingPunct="1"/>
+            <a:endParaRPr lang="en-US" altLang="x-none" sz="1400" dirty="0">
+              <a:solidFill>
+                <a:srgbClr val="7575D1"/>
+              </a:solidFill>
+            </a:endParaRPr>
+          </a:p>
+          <a:p>
+            <a:pPr eaLnBrk="1" hangingPunct="1"/>
+            <a:endParaRPr lang="en-US" altLang="x-none" sz="1400" dirty="0">
+              <a:solidFill>
+                <a:srgbClr val="7575D1"/>
+              </a:solidFill>
+            </a:endParaRPr>
+          </a:p>
+        </p:txBody>
+      </p:sp>
+      <p:sp>
+        <p:nvSpPr>
+          <p:cNvPr id="9" name="TextBox 5"/>
+          <p:cNvSpPr txBox="1">
+            <a:spLocks noChangeArrowheads="1"/>
+          </p:cNvSpPr>
+          <p:nvPr/>
+        </p:nvSpPr>
+        <p:spPr bwMode="auto">
+          <a:xfrm>
+            <a:off x="6310312" y="1512888"/>
+            <a:ext cx="5257800" cy="4893647"/>
+          </a:xfrm>
+          <a:prstGeom prst="rect">
+            <a:avLst/>
+          </a:prstGeom>
+          <a:noFill/>
+          <a:ln>
+            <a:noFill/>
+          </a:ln>
+        </p:spPr>
+        <p:txBody>
+          <a:bodyPr wrap="square">
+            <a:spAutoFit/>
+          </a:bodyPr>
+          <a:lstStyle>
+            <a:lvl1pPr>
+              <a:defRPr sz="2000">
+                <a:solidFill>
+                  <a:srgbClr val="FFFFFF"/>
+                </a:solidFill>
+                <a:latin typeface="Gill Sans" charset="0"/>
+                <a:ea typeface="ヒラギノ角ゴ ProN W3" charset="-128"/>
+                <a:sym typeface="Gill Sans" charset="0"/>
+              </a:defRPr>
+            </a:lvl1pPr>
+            <a:lvl2pPr marL="742950" indent="-285750">
+              <a:defRPr sz="2000">
+                <a:solidFill>
+                  <a:srgbClr val="FFFFFF"/>
+                </a:solidFill>
+                <a:latin typeface="Gill Sans" charset="0"/>
+                <a:ea typeface="ヒラギノ角ゴ ProN W3" charset="-128"/>
+                <a:sym typeface="Gill Sans" charset="0"/>
+              </a:defRPr>
+            </a:lvl2pPr>
+            <a:lvl3pPr marL="1143000" indent="-228600">
+              <a:defRPr sz="2000">
+                <a:solidFill>
+                  <a:srgbClr val="FFFFFF"/>
+                </a:solidFill>
+                <a:latin typeface="Gill Sans" charset="0"/>
+                <a:ea typeface="ヒラギノ角ゴ ProN W3" charset="-128"/>
+                <a:sym typeface="Gill Sans" charset="0"/>
+              </a:defRPr>
+            </a:lvl3pPr>
+            <a:lvl4pPr marL="1600200" indent="-228600">
+              <a:defRPr sz="2000">
+                <a:solidFill>
+                  <a:srgbClr val="FFFFFF"/>
+                </a:solidFill>
+                <a:latin typeface="Gill Sans" charset="0"/>
+                <a:ea typeface="ヒラギノ角ゴ ProN W3" charset="-128"/>
+                <a:sym typeface="Gill Sans" charset="0"/>
+              </a:defRPr>
+            </a:lvl4pPr>
+            <a:lvl5pPr marL="2057400" indent="-228600">
+              <a:defRPr sz="2000">
+                <a:solidFill>
+                  <a:srgbClr val="FFFFFF"/>
+                </a:solidFill>
+                <a:latin typeface="Gill Sans" charset="0"/>
+                <a:ea typeface="ヒラギノ角ゴ ProN W3" charset="-128"/>
+                <a:sym typeface="Gill Sans" charset="0"/>
+              </a:defRPr>
+            </a:lvl5pPr>
+            <a:lvl6pPr marL="2514600" indent="-228600" eaLnBrk="0" fontAlgn="base" hangingPunct="0">
+              <a:spcBef>
+                <a:spcPct val="0"/>
+              </a:spcBef>
+              <a:spcAft>
+                <a:spcPct val="0"/>
+              </a:spcAft>
+              <a:defRPr sz="2000">
+                <a:solidFill>
+                  <a:srgbClr val="FFFFFF"/>
+                </a:solidFill>
+                <a:latin typeface="Gill Sans" charset="0"/>
+                <a:ea typeface="ヒラギノ角ゴ ProN W3" charset="-128"/>
+                <a:sym typeface="Gill Sans" charset="0"/>
+              </a:defRPr>
+            </a:lvl6pPr>
+            <a:lvl7pPr marL="2971800" indent="-228600" eaLnBrk="0" fontAlgn="base" hangingPunct="0">
+              <a:spcBef>
+                <a:spcPct val="0"/>
+              </a:spcBef>
+              <a:spcAft>
+                <a:spcPct val="0"/>
+              </a:spcAft>
+              <a:defRPr sz="2000">
+                <a:solidFill>
+                  <a:srgbClr val="FFFFFF"/>
+                </a:solidFill>
+                <a:latin typeface="Gill Sans" charset="0"/>
+                <a:ea typeface="ヒラギノ角ゴ ProN W3" charset="-128"/>
+                <a:sym typeface="Gill Sans" charset="0"/>
+              </a:defRPr>
+            </a:lvl7pPr>
+            <a:lvl8pPr marL="3429000" indent="-228600" eaLnBrk="0" fontAlgn="base" hangingPunct="0">
+              <a:spcBef>
+                <a:spcPct val="0"/>
+              </a:spcBef>
+              <a:spcAft>
+                <a:spcPct val="0"/>
+              </a:spcAft>
+              <a:defRPr sz="2000">
+                <a:solidFill>
+                  <a:srgbClr val="FFFFFF"/>
+                </a:solidFill>
+                <a:latin typeface="Gill Sans" charset="0"/>
+                <a:ea typeface="ヒラギノ角ゴ ProN W3" charset="-128"/>
+                <a:sym typeface="Gill Sans" charset="0"/>
+              </a:defRPr>
+            </a:lvl8pPr>
+            <a:lvl9pPr marL="3886200" indent="-228600" eaLnBrk="0" fontAlgn="base" hangingPunct="0">
+              <a:spcBef>
+                <a:spcPct val="0"/>
+              </a:spcBef>
+              <a:spcAft>
+                <a:spcPct val="0"/>
+              </a:spcAft>
+              <a:defRPr sz="2000">
+                <a:solidFill>
+                  <a:srgbClr val="FFFFFF"/>
+                </a:solidFill>
+                <a:latin typeface="Gill Sans" charset="0"/>
+                <a:ea typeface="ヒラギノ角ゴ ProN W3" charset="-128"/>
+                <a:sym typeface="Gill Sans" charset="0"/>
+              </a:defRPr>
+            </a:lvl9pPr>
+          </a:lstStyle>
+          <a:p>
+            <a:pPr algn="ctr" eaLnBrk="1" hangingPunct="1"/>
+            <a:r>
+              <a:rPr lang="en-US" altLang="x-none" sz="1200" dirty="0">
+                <a:solidFill>
+                  <a:srgbClr val="FFCC66"/>
+                </a:solidFill>
+                <a:latin typeface="Helvetica" charset="0"/>
+                <a:ea typeface="ＭＳ Ｐゴシック" charset="-128"/>
+                <a:sym typeface="Helvetica" charset="0"/>
+              </a:rPr>
+              <a:t>Continue new Contributors and Translators here</a:t>
+            </a:r>
+          </a:p>
+          <a:p>
+            <a:pPr algn="ctr" eaLnBrk="1" hangingPunct="1"/>
+            <a:endParaRPr lang="en-US" altLang="x-none" sz="1200" dirty="0">
+              <a:solidFill>
+                <a:schemeClr val="tx1"/>
+              </a:solidFill>
+              <a:latin typeface="Helvetica" charset="0"/>
+              <a:ea typeface="ＭＳ Ｐゴシック" charset="-128"/>
+              <a:sym typeface="Helvetica" charset="0"/>
+            </a:endParaRPr>
+          </a:p>
+          <a:p>
+            <a:pPr algn="ctr" eaLnBrk="1" hangingPunct="1"/>
+            <a:endParaRPr lang="en-US" altLang="x-none" sz="1200" dirty="0">
+              <a:solidFill>
+                <a:schemeClr val="tx1"/>
+              </a:solidFill>
+              <a:latin typeface="Helvetica" charset="0"/>
+              <a:ea typeface="ＭＳ Ｐゴシック" charset="-128"/>
+              <a:sym typeface="Helvetica" charset="0"/>
+            </a:endParaRPr>
+          </a:p>
+          <a:p>
+            <a:pPr algn="ctr" eaLnBrk="1" hangingPunct="1"/>
+            <a:endParaRPr lang="en-US" altLang="x-none" sz="1200" dirty="0">
+              <a:solidFill>
+                <a:schemeClr val="tx1"/>
+              </a:solidFill>
+              <a:latin typeface="Helvetica" charset="0"/>
+              <a:ea typeface="ＭＳ Ｐゴシック" charset="-128"/>
+              <a:sym typeface="Helvetica" charset="0"/>
+            </a:endParaRPr>
+          </a:p>
+          <a:p>
+            <a:pPr algn="ctr" eaLnBrk="1" hangingPunct="1"/>
+            <a:endParaRPr lang="en-US" altLang="x-none" sz="1200" dirty="0">
+              <a:solidFill>
+                <a:schemeClr val="tx1"/>
+              </a:solidFill>
+              <a:latin typeface="Helvetica" charset="0"/>
+              <a:ea typeface="ＭＳ Ｐゴシック" charset="-128"/>
+              <a:sym typeface="Helvetica" charset="0"/>
+            </a:endParaRPr>
+          </a:p>
+          <a:p>
+            <a:pPr algn="ctr" eaLnBrk="1" hangingPunct="1"/>
+            <a:endParaRPr lang="en-US" altLang="x-none" sz="1200" dirty="0">
+              <a:solidFill>
+                <a:schemeClr val="tx1"/>
+              </a:solidFill>
+              <a:latin typeface="Helvetica" charset="0"/>
+              <a:ea typeface="ＭＳ Ｐゴシック" charset="-128"/>
+              <a:sym typeface="Helvetica" charset="0"/>
+            </a:endParaRPr>
+          </a:p>
+          <a:p>
+            <a:pPr algn="ctr" eaLnBrk="1" hangingPunct="1"/>
+            <a:endParaRPr lang="en-US" altLang="x-none" sz="1200" dirty="0">
+              <a:solidFill>
+                <a:schemeClr val="tx1"/>
+              </a:solidFill>
+              <a:latin typeface="Helvetica" charset="0"/>
+              <a:ea typeface="ＭＳ Ｐゴシック" charset="-128"/>
+              <a:sym typeface="Helvetica" charset="0"/>
+            </a:endParaRPr>
+          </a:p>
+          <a:p>
+            <a:pPr algn="ctr" eaLnBrk="1" hangingPunct="1"/>
+            <a:endParaRPr lang="en-US" altLang="x-none" sz="1200" dirty="0">
+              <a:solidFill>
+                <a:schemeClr val="tx1"/>
+              </a:solidFill>
+              <a:latin typeface="Helvetica" charset="0"/>
+              <a:ea typeface="ＭＳ Ｐゴシック" charset="-128"/>
+              <a:sym typeface="Helvetica" charset="0"/>
+            </a:endParaRPr>
+          </a:p>
+          <a:p>
+            <a:pPr algn="ctr" eaLnBrk="1" hangingPunct="1"/>
+            <a:endParaRPr lang="en-US" altLang="x-none" sz="1200" dirty="0">
+              <a:solidFill>
+                <a:schemeClr val="tx1"/>
+              </a:solidFill>
+              <a:latin typeface="Helvetica" charset="0"/>
+              <a:ea typeface="ＭＳ Ｐゴシック" charset="-128"/>
+              <a:sym typeface="Helvetica" charset="0"/>
+            </a:endParaRPr>
+          </a:p>
+          <a:p>
+            <a:pPr algn="ctr" eaLnBrk="1" hangingPunct="1"/>
+            <a:endParaRPr lang="en-US" altLang="x-none" sz="1200" dirty="0">
+              <a:solidFill>
+                <a:schemeClr val="tx1"/>
+              </a:solidFill>
+              <a:latin typeface="Helvetica" charset="0"/>
+              <a:ea typeface="ＭＳ Ｐゴシック" charset="-128"/>
+              <a:sym typeface="Helvetica" charset="0"/>
+            </a:endParaRPr>
+          </a:p>
+          <a:p>
+            <a:pPr algn="ctr" eaLnBrk="1" hangingPunct="1"/>
+            <a:endParaRPr lang="en-US" altLang="x-none" sz="1200" dirty="0">
+              <a:solidFill>
+                <a:schemeClr val="tx1"/>
+              </a:solidFill>
+              <a:latin typeface="Helvetica" charset="0"/>
+              <a:ea typeface="ＭＳ Ｐゴシック" charset="-128"/>
+              <a:sym typeface="Helvetica" charset="0"/>
+            </a:endParaRPr>
+          </a:p>
+          <a:p>
+            <a:pPr algn="ctr" eaLnBrk="1" hangingPunct="1"/>
+            <a:endParaRPr lang="en-US" altLang="x-none" sz="1200" dirty="0">
+              <a:solidFill>
+                <a:schemeClr val="tx1"/>
+              </a:solidFill>
+              <a:latin typeface="Helvetica" charset="0"/>
+              <a:ea typeface="ＭＳ Ｐゴシック" charset="-128"/>
+              <a:sym typeface="Helvetica" charset="0"/>
+            </a:endParaRPr>
+          </a:p>
+          <a:p>
+            <a:pPr algn="ctr" eaLnBrk="1" hangingPunct="1"/>
+            <a:endParaRPr lang="en-US" altLang="x-none" sz="1200" dirty="0">
+              <a:solidFill>
+                <a:schemeClr val="tx1"/>
+              </a:solidFill>
+              <a:latin typeface="Helvetica" charset="0"/>
+              <a:ea typeface="ＭＳ Ｐゴシック" charset="-128"/>
+              <a:sym typeface="Helvetica" charset="0"/>
+            </a:endParaRPr>
+          </a:p>
+          <a:p>
+            <a:pPr algn="ctr" eaLnBrk="1" hangingPunct="1"/>
+            <a:endParaRPr lang="en-US" altLang="x-none" sz="1200" dirty="0">
+              <a:solidFill>
+                <a:schemeClr val="tx1"/>
+              </a:solidFill>
+              <a:latin typeface="Helvetica" charset="0"/>
+              <a:ea typeface="ＭＳ Ｐゴシック" charset="-128"/>
+              <a:sym typeface="Helvetica" charset="0"/>
+            </a:endParaRPr>
+          </a:p>
+          <a:p>
+            <a:pPr algn="ctr" eaLnBrk="1" hangingPunct="1"/>
+            <a:endParaRPr lang="en-US" altLang="x-none" sz="1200" dirty="0">
+              <a:solidFill>
+                <a:schemeClr val="tx1"/>
+              </a:solidFill>
+              <a:latin typeface="Helvetica" charset="0"/>
+              <a:ea typeface="ＭＳ Ｐゴシック" charset="-128"/>
+              <a:sym typeface="Helvetica" charset="0"/>
+            </a:endParaRPr>
+          </a:p>
+          <a:p>
+            <a:pPr algn="ctr" eaLnBrk="1" hangingPunct="1"/>
+            <a:endParaRPr lang="en-US" altLang="x-none" sz="1200" dirty="0">
+              <a:solidFill>
+                <a:schemeClr val="tx1"/>
+              </a:solidFill>
+              <a:latin typeface="Helvetica" charset="0"/>
+              <a:ea typeface="ＭＳ Ｐゴシック" charset="-128"/>
+              <a:sym typeface="Helvetica" charset="0"/>
+            </a:endParaRPr>
+          </a:p>
+          <a:p>
+            <a:pPr algn="ctr" eaLnBrk="1" hangingPunct="1"/>
+            <a:endParaRPr lang="en-US" altLang="x-none" sz="1200" dirty="0">
+              <a:solidFill>
+                <a:schemeClr val="tx1"/>
+              </a:solidFill>
+              <a:latin typeface="Helvetica" charset="0"/>
+              <a:ea typeface="ＭＳ Ｐゴシック" charset="-128"/>
+              <a:sym typeface="Helvetica" charset="0"/>
+            </a:endParaRPr>
+          </a:p>
+          <a:p>
+            <a:pPr algn="ctr" eaLnBrk="1" hangingPunct="1"/>
+            <a:endParaRPr lang="en-US" altLang="x-none" sz="1200" dirty="0">
+              <a:solidFill>
+                <a:schemeClr val="tx1"/>
+              </a:solidFill>
+              <a:latin typeface="Helvetica" charset="0"/>
+              <a:ea typeface="ＭＳ Ｐゴシック" charset="-128"/>
+              <a:sym typeface="Helvetica" charset="0"/>
+            </a:endParaRPr>
+          </a:p>
+          <a:p>
+            <a:pPr algn="ctr" eaLnBrk="1" hangingPunct="1"/>
+            <a:endParaRPr lang="en-US" altLang="x-none" sz="1200" dirty="0">
+              <a:solidFill>
+                <a:schemeClr val="tx1"/>
+              </a:solidFill>
+              <a:latin typeface="Helvetica" charset="0"/>
+              <a:ea typeface="ＭＳ Ｐゴシック" charset="-128"/>
+              <a:sym typeface="Helvetica" charset="0"/>
+            </a:endParaRPr>
+          </a:p>
+          <a:p>
+            <a:pPr algn="ctr" eaLnBrk="1" hangingPunct="1"/>
+            <a:endParaRPr lang="en-US" altLang="x-none" sz="1200" dirty="0" smtClean="0">
+              <a:solidFill>
+                <a:schemeClr val="tx1"/>
+              </a:solidFill>
+              <a:latin typeface="Helvetica" charset="0"/>
+              <a:ea typeface="ＭＳ Ｐゴシック" charset="-128"/>
+              <a:sym typeface="Helvetica" charset="0"/>
+            </a:endParaRPr>
+          </a:p>
+          <a:p>
+            <a:pPr algn="ctr" eaLnBrk="1" hangingPunct="1"/>
+            <a:endParaRPr lang="en-US" altLang="x-none" sz="1200" dirty="0">
+              <a:solidFill>
+                <a:schemeClr val="tx1"/>
+              </a:solidFill>
+              <a:latin typeface="Helvetica" charset="0"/>
+              <a:ea typeface="ＭＳ Ｐゴシック" charset="-128"/>
+              <a:sym typeface="Helvetica" charset="0"/>
+            </a:endParaRPr>
+          </a:p>
+          <a:p>
+            <a:pPr algn="ctr" eaLnBrk="1" hangingPunct="1"/>
+            <a:endParaRPr lang="en-US" altLang="x-none" sz="1200" dirty="0" smtClean="0">
+              <a:solidFill>
+                <a:schemeClr val="tx1"/>
+              </a:solidFill>
+              <a:latin typeface="Helvetica" charset="0"/>
+              <a:ea typeface="ＭＳ Ｐゴシック" charset="-128"/>
+              <a:sym typeface="Helvetica" charset="0"/>
+            </a:endParaRPr>
+          </a:p>
+          <a:p>
+            <a:pPr algn="ctr" eaLnBrk="1" hangingPunct="1"/>
+            <a:endParaRPr lang="en-US" altLang="x-none" sz="1200" dirty="0">
+              <a:solidFill>
+                <a:schemeClr val="tx1"/>
+              </a:solidFill>
+              <a:latin typeface="Helvetica" charset="0"/>
+              <a:ea typeface="ＭＳ Ｐゴシック" charset="-128"/>
+              <a:sym typeface="Helvetica" charset="0"/>
+            </a:endParaRPr>
+          </a:p>
+          <a:p>
+            <a:pPr algn="ctr" eaLnBrk="1" hangingPunct="1"/>
+            <a:endParaRPr lang="en-US" altLang="x-none" sz="1200" dirty="0" smtClean="0">
+              <a:solidFill>
+                <a:schemeClr val="tx1"/>
+              </a:solidFill>
+              <a:latin typeface="Helvetica" charset="0"/>
+              <a:ea typeface="ＭＳ Ｐゴシック" charset="-128"/>
+              <a:sym typeface="Helvetica" charset="0"/>
+            </a:endParaRPr>
+          </a:p>
+          <a:p>
+            <a:pPr algn="ctr" eaLnBrk="1" hangingPunct="1"/>
+            <a:endParaRPr lang="en-US" altLang="x-none" sz="1200" dirty="0">
+              <a:solidFill>
+                <a:schemeClr val="tx1"/>
+              </a:solidFill>
+              <a:latin typeface="Helvetica" charset="0"/>
+              <a:ea typeface="ＭＳ Ｐゴシック" charset="-128"/>
+              <a:sym typeface="Helvetica" charset="0"/>
+            </a:endParaRPr>
+          </a:p>
+          <a:p>
+            <a:pPr algn="ctr" eaLnBrk="1" hangingPunct="1"/>
+            <a:endParaRPr lang="en-US" altLang="x-none" sz="1200" dirty="0">
+              <a:solidFill>
+                <a:schemeClr val="tx1"/>
+              </a:solidFill>
+              <a:latin typeface="Helvetica" charset="0"/>
+              <a:ea typeface="ＭＳ Ｐゴシック" charset="-128"/>
+              <a:sym typeface="Helvetica" charset="0"/>
+            </a:endParaRPr>
+          </a:p>
+        </p:txBody>
+      </p:sp>
+    </p:spTree>
+    <p:extLst>
+      <p:ext uri="{BB962C8B-B14F-4D97-AF65-F5344CB8AC3E}">
+        <p14:creationId xmlns:p14="http://schemas.microsoft.com/office/powerpoint/2010/main" val="1048975579"/>
       </p:ext>
     </p:extLst>
   </p:cSld>
